--- a/Git and Github.pptx
+++ b/Git and Github.pptx
@@ -5,10 +5,10 @@
     <p:sldMasterId id="2147483648" r:id="rId4"/>
   </p:sldMasterIdLst>
   <p:notesMasterIdLst>
-    <p:notesMasterId r:id="rId36"/>
+    <p:notesMasterId r:id="rId38"/>
   </p:notesMasterIdLst>
   <p:handoutMasterIdLst>
-    <p:handoutMasterId r:id="rId37"/>
+    <p:handoutMasterId r:id="rId39"/>
   </p:handoutMasterIdLst>
   <p:sldIdLst>
     <p:sldId id="256" r:id="rId5"/>
@@ -16,32 +16,34 @@
     <p:sldId id="257" r:id="rId7"/>
     <p:sldId id="259" r:id="rId8"/>
     <p:sldId id="258" r:id="rId9"/>
-    <p:sldId id="270" r:id="rId10"/>
-    <p:sldId id="261" r:id="rId11"/>
-    <p:sldId id="264" r:id="rId12"/>
-    <p:sldId id="269" r:id="rId13"/>
-    <p:sldId id="280" r:id="rId14"/>
-    <p:sldId id="273" r:id="rId15"/>
-    <p:sldId id="282" r:id="rId16"/>
-    <p:sldId id="268" r:id="rId17"/>
-    <p:sldId id="267" r:id="rId18"/>
-    <p:sldId id="283" r:id="rId19"/>
-    <p:sldId id="275" r:id="rId20"/>
-    <p:sldId id="276" r:id="rId21"/>
-    <p:sldId id="277" r:id="rId22"/>
-    <p:sldId id="278" r:id="rId23"/>
-    <p:sldId id="279" r:id="rId24"/>
-    <p:sldId id="281" r:id="rId25"/>
-    <p:sldId id="286" r:id="rId26"/>
-    <p:sldId id="285" r:id="rId27"/>
-    <p:sldId id="284" r:id="rId28"/>
-    <p:sldId id="260" r:id="rId29"/>
-    <p:sldId id="262" r:id="rId30"/>
-    <p:sldId id="266" r:id="rId31"/>
-    <p:sldId id="265" r:id="rId32"/>
-    <p:sldId id="271" r:id="rId33"/>
-    <p:sldId id="274" r:id="rId34"/>
-    <p:sldId id="287" r:id="rId35"/>
+    <p:sldId id="261" r:id="rId10"/>
+    <p:sldId id="264" r:id="rId11"/>
+    <p:sldId id="269" r:id="rId12"/>
+    <p:sldId id="280" r:id="rId13"/>
+    <p:sldId id="273" r:id="rId14"/>
+    <p:sldId id="282" r:id="rId15"/>
+    <p:sldId id="288" r:id="rId16"/>
+    <p:sldId id="270" r:id="rId17"/>
+    <p:sldId id="268" r:id="rId18"/>
+    <p:sldId id="267" r:id="rId19"/>
+    <p:sldId id="283" r:id="rId20"/>
+    <p:sldId id="275" r:id="rId21"/>
+    <p:sldId id="276" r:id="rId22"/>
+    <p:sldId id="277" r:id="rId23"/>
+    <p:sldId id="289" r:id="rId24"/>
+    <p:sldId id="278" r:id="rId25"/>
+    <p:sldId id="279" r:id="rId26"/>
+    <p:sldId id="281" r:id="rId27"/>
+    <p:sldId id="286" r:id="rId28"/>
+    <p:sldId id="285" r:id="rId29"/>
+    <p:sldId id="284" r:id="rId30"/>
+    <p:sldId id="260" r:id="rId31"/>
+    <p:sldId id="262" r:id="rId32"/>
+    <p:sldId id="266" r:id="rId33"/>
+    <p:sldId id="265" r:id="rId34"/>
+    <p:sldId id="271" r:id="rId35"/>
+    <p:sldId id="274" r:id="rId36"/>
+    <p:sldId id="287" r:id="rId37"/>
   </p:sldIdLst>
   <p:sldSz cx="12192000" cy="6858000"/>
   <p:notesSz cx="6858000" cy="9144000"/>
@@ -256,7 +258,7 @@
           <a:p>
             <a:fld id="{33ADE46C-81A1-43FB-B8E4-2C816F921C1C}" type="datetimeFigureOut">
               <a:rPr lang="en-US" smtClean="0"/>
-              <a:t>8/9/2021</a:t>
+              <a:t>8/10/2021</a:t>
             </a:fld>
             <a:endParaRPr lang="en-US" dirty="0"/>
           </a:p>
@@ -433,7 +435,7 @@
           <a:p>
             <a:fld id="{1A32EB95-E92B-4DBE-A5E5-BAD87330878F}" type="datetimeFigureOut">
               <a:rPr lang="en-US" smtClean="0"/>
-              <a:t>8/9/2021</a:t>
+              <a:t>8/10/2021</a:t>
             </a:fld>
             <a:endParaRPr lang="en-US" dirty="0"/>
           </a:p>
@@ -765,7 +767,7 @@
           <a:p>
             <a:fld id="{F4367C96-DDCA-4867-8F69-39EABFA21D53}" type="slidenum">
               <a:rPr lang="en-US" smtClean="0"/>
-              <a:t>16</a:t>
+              <a:t>17</a:t>
             </a:fld>
             <a:endParaRPr lang="en-US" dirty="0"/>
           </a:p>
@@ -775,6 +777,90 @@
     <p:extLst>
       <p:ext uri="{BB962C8B-B14F-4D97-AF65-F5344CB8AC3E}">
         <p14:creationId xmlns:p14="http://schemas.microsoft.com/office/powerpoint/2010/main" val="1522652898"/>
+      </p:ext>
+    </p:extLst>
+  </p:cSld>
+  <p:clrMapOvr>
+    <a:masterClrMapping/>
+  </p:clrMapOvr>
+</p:notes>
+</file>
+
+<file path=ppt/notesSlides/notesSlide10.xml><?xml version="1.0" encoding="utf-8"?>
+<p:notes xmlns:a="http://schemas.openxmlformats.org/drawingml/2006/main" xmlns:r="http://schemas.openxmlformats.org/officeDocument/2006/relationships" xmlns:p="http://schemas.openxmlformats.org/presentationml/2006/main">
+  <p:cSld>
+    <p:spTree>
+      <p:nvGrpSpPr>
+        <p:cNvPr id="1" name=""/>
+        <p:cNvGrpSpPr/>
+        <p:nvPr/>
+      </p:nvGrpSpPr>
+      <p:grpSpPr>
+        <a:xfrm>
+          <a:off x="0" y="0"/>
+          <a:ext cx="0" cy="0"/>
+          <a:chOff x="0" y="0"/>
+          <a:chExt cx="0" cy="0"/>
+        </a:xfrm>
+      </p:grpSpPr>
+      <p:sp>
+        <p:nvSpPr>
+          <p:cNvPr id="2" name="Slide Image Placeholder 1"/>
+          <p:cNvSpPr>
+            <a:spLocks noGrp="1" noRot="1" noChangeAspect="1"/>
+          </p:cNvSpPr>
+          <p:nvPr>
+            <p:ph type="sldImg"/>
+          </p:nvPr>
+        </p:nvSpPr>
+        <p:spPr/>
+      </p:sp>
+      <p:sp>
+        <p:nvSpPr>
+          <p:cNvPr id="3" name="Notes Placeholder 2"/>
+          <p:cNvSpPr>
+            <a:spLocks noGrp="1"/>
+          </p:cNvSpPr>
+          <p:nvPr>
+            <p:ph type="body" idx="1"/>
+          </p:nvPr>
+        </p:nvSpPr>
+        <p:spPr/>
+        <p:txBody>
+          <a:bodyPr/>
+          <a:lstStyle/>
+          <a:p>
+            <a:endParaRPr lang="en-MY" dirty="0"/>
+          </a:p>
+        </p:txBody>
+      </p:sp>
+      <p:sp>
+        <p:nvSpPr>
+          <p:cNvPr id="4" name="Slide Number Placeholder 3"/>
+          <p:cNvSpPr>
+            <a:spLocks noGrp="1"/>
+          </p:cNvSpPr>
+          <p:nvPr>
+            <p:ph type="sldNum" sz="quarter" idx="5"/>
+          </p:nvPr>
+        </p:nvSpPr>
+        <p:spPr/>
+        <p:txBody>
+          <a:bodyPr/>
+          <a:lstStyle/>
+          <a:p>
+            <a:fld id="{F4367C96-DDCA-4867-8F69-39EABFA21D53}" type="slidenum">
+              <a:rPr lang="en-US" smtClean="0"/>
+              <a:t>26</a:t>
+            </a:fld>
+            <a:endParaRPr lang="en-US" dirty="0"/>
+          </a:p>
+        </p:txBody>
+      </p:sp>
+    </p:spTree>
+    <p:extLst>
+      <p:ext uri="{BB962C8B-B14F-4D97-AF65-F5344CB8AC3E}">
+        <p14:creationId xmlns:p14="http://schemas.microsoft.com/office/powerpoint/2010/main" val="1744955741"/>
       </p:ext>
     </p:extLst>
   </p:cSld>
@@ -849,7 +935,7 @@
           <a:p>
             <a:fld id="{F4367C96-DDCA-4867-8F69-39EABFA21D53}" type="slidenum">
               <a:rPr lang="en-US" smtClean="0"/>
-              <a:t>17</a:t>
+              <a:t>18</a:t>
             </a:fld>
             <a:endParaRPr lang="en-US" dirty="0"/>
           </a:p>
@@ -933,7 +1019,7 @@
           <a:p>
             <a:fld id="{F4367C96-DDCA-4867-8F69-39EABFA21D53}" type="slidenum">
               <a:rPr lang="en-US" smtClean="0"/>
-              <a:t>18</a:t>
+              <a:t>19</a:t>
             </a:fld>
             <a:endParaRPr lang="en-US" dirty="0"/>
           </a:p>
@@ -1017,7 +1103,7 @@
           <a:p>
             <a:fld id="{F4367C96-DDCA-4867-8F69-39EABFA21D53}" type="slidenum">
               <a:rPr lang="en-US" smtClean="0"/>
-              <a:t>19</a:t>
+              <a:t>20</a:t>
             </a:fld>
             <a:endParaRPr lang="en-US" dirty="0"/>
           </a:p>
@@ -1026,7 +1112,7 @@
     </p:spTree>
     <p:extLst>
       <p:ext uri="{BB962C8B-B14F-4D97-AF65-F5344CB8AC3E}">
-        <p14:creationId xmlns:p14="http://schemas.microsoft.com/office/powerpoint/2010/main" val="3742640483"/>
+        <p14:creationId xmlns:p14="http://schemas.microsoft.com/office/powerpoint/2010/main" val="2284461147"/>
       </p:ext>
     </p:extLst>
   </p:cSld>
@@ -1101,7 +1187,7 @@
           <a:p>
             <a:fld id="{F4367C96-DDCA-4867-8F69-39EABFA21D53}" type="slidenum">
               <a:rPr lang="en-US" smtClean="0"/>
-              <a:t>20</a:t>
+              <a:t>21</a:t>
             </a:fld>
             <a:endParaRPr lang="en-US" dirty="0"/>
           </a:p>
@@ -1110,7 +1196,7 @@
     </p:spTree>
     <p:extLst>
       <p:ext uri="{BB962C8B-B14F-4D97-AF65-F5344CB8AC3E}">
-        <p14:creationId xmlns:p14="http://schemas.microsoft.com/office/powerpoint/2010/main" val="3447023021"/>
+        <p14:creationId xmlns:p14="http://schemas.microsoft.com/office/powerpoint/2010/main" val="3742640483"/>
       </p:ext>
     </p:extLst>
   </p:cSld>
@@ -1185,7 +1271,7 @@
           <a:p>
             <a:fld id="{F4367C96-DDCA-4867-8F69-39EABFA21D53}" type="slidenum">
               <a:rPr lang="en-US" smtClean="0"/>
-              <a:t>21</a:t>
+              <a:t>22</a:t>
             </a:fld>
             <a:endParaRPr lang="en-US" dirty="0"/>
           </a:p>
@@ -1194,7 +1280,7 @@
     </p:spTree>
     <p:extLst>
       <p:ext uri="{BB962C8B-B14F-4D97-AF65-F5344CB8AC3E}">
-        <p14:creationId xmlns:p14="http://schemas.microsoft.com/office/powerpoint/2010/main" val="4274731091"/>
+        <p14:creationId xmlns:p14="http://schemas.microsoft.com/office/powerpoint/2010/main" val="3447023021"/>
       </p:ext>
     </p:extLst>
   </p:cSld>
@@ -1269,7 +1355,7 @@
           <a:p>
             <a:fld id="{F4367C96-DDCA-4867-8F69-39EABFA21D53}" type="slidenum">
               <a:rPr lang="en-US" smtClean="0"/>
-              <a:t>22</a:t>
+              <a:t>23</a:t>
             </a:fld>
             <a:endParaRPr lang="en-US" dirty="0"/>
           </a:p>
@@ -1278,7 +1364,7 @@
     </p:spTree>
     <p:extLst>
       <p:ext uri="{BB962C8B-B14F-4D97-AF65-F5344CB8AC3E}">
-        <p14:creationId xmlns:p14="http://schemas.microsoft.com/office/powerpoint/2010/main" val="1205285005"/>
+        <p14:creationId xmlns:p14="http://schemas.microsoft.com/office/powerpoint/2010/main" val="4274731091"/>
       </p:ext>
     </p:extLst>
   </p:cSld>
@@ -1353,7 +1439,7 @@
           <a:p>
             <a:fld id="{F4367C96-DDCA-4867-8F69-39EABFA21D53}" type="slidenum">
               <a:rPr lang="en-US" smtClean="0"/>
-              <a:t>23</a:t>
+              <a:t>24</a:t>
             </a:fld>
             <a:endParaRPr lang="en-US" dirty="0"/>
           </a:p>
@@ -1362,7 +1448,7 @@
     </p:spTree>
     <p:extLst>
       <p:ext uri="{BB962C8B-B14F-4D97-AF65-F5344CB8AC3E}">
-        <p14:creationId xmlns:p14="http://schemas.microsoft.com/office/powerpoint/2010/main" val="1322968903"/>
+        <p14:creationId xmlns:p14="http://schemas.microsoft.com/office/powerpoint/2010/main" val="1205285005"/>
       </p:ext>
     </p:extLst>
   </p:cSld>
@@ -1437,7 +1523,7 @@
           <a:p>
             <a:fld id="{F4367C96-DDCA-4867-8F69-39EABFA21D53}" type="slidenum">
               <a:rPr lang="en-US" smtClean="0"/>
-              <a:t>24</a:t>
+              <a:t>25</a:t>
             </a:fld>
             <a:endParaRPr lang="en-US" dirty="0"/>
           </a:p>
@@ -1446,7 +1532,7 @@
     </p:spTree>
     <p:extLst>
       <p:ext uri="{BB962C8B-B14F-4D97-AF65-F5344CB8AC3E}">
-        <p14:creationId xmlns:p14="http://schemas.microsoft.com/office/powerpoint/2010/main" val="1744955741"/>
+        <p14:creationId xmlns:p14="http://schemas.microsoft.com/office/powerpoint/2010/main" val="1322968903"/>
       </p:ext>
     </p:extLst>
   </p:cSld>
@@ -1631,7 +1717,7 @@
           <a:p>
             <a:fld id="{B99A8159-6B10-4896-B6E2-2809ECD1D84D}" type="datetimeFigureOut">
               <a:rPr lang="en-US" smtClean="0"/>
-              <a:t>8/9/2021</a:t>
+              <a:t>8/10/2021</a:t>
             </a:fld>
             <a:endParaRPr lang="en-US" dirty="0"/>
           </a:p>
@@ -2043,7 +2129,7 @@
           <a:p>
             <a:fld id="{B99A8159-6B10-4896-B6E2-2809ECD1D84D}" type="datetimeFigureOut">
               <a:rPr lang="en-US" smtClean="0"/>
-              <a:t>8/9/2021</a:t>
+              <a:t>8/10/2021</a:t>
             </a:fld>
             <a:endParaRPr lang="en-US" dirty="0"/>
           </a:p>
@@ -2184,7 +2270,7 @@
           <a:p>
             <a:fld id="{B99A8159-6B10-4896-B6E2-2809ECD1D84D}" type="datetimeFigureOut">
               <a:rPr lang="en-US" smtClean="0"/>
-              <a:t>8/9/2021</a:t>
+              <a:t>8/10/2021</a:t>
             </a:fld>
             <a:endParaRPr lang="en-US" dirty="0"/>
           </a:p>
@@ -2297,7 +2383,7 @@
           <a:p>
             <a:fld id="{B99A8159-6B10-4896-B6E2-2809ECD1D84D}" type="datetimeFigureOut">
               <a:rPr lang="en-US" smtClean="0"/>
-              <a:t>8/9/2021</a:t>
+              <a:t>8/10/2021</a:t>
             </a:fld>
             <a:endParaRPr lang="en-US" dirty="0"/>
           </a:p>
@@ -2608,7 +2694,7 @@
           <a:p>
             <a:fld id="{B99A8159-6B10-4896-B6E2-2809ECD1D84D}" type="datetimeFigureOut">
               <a:rPr lang="en-US" smtClean="0"/>
-              <a:t>8/9/2021</a:t>
+              <a:t>8/10/2021</a:t>
             </a:fld>
             <a:endParaRPr lang="en-US" dirty="0"/>
           </a:p>
@@ -2900,7 +2986,7 @@
           <a:p>
             <a:fld id="{B99A8159-6B10-4896-B6E2-2809ECD1D84D}" type="datetimeFigureOut">
               <a:rPr lang="en-US" smtClean="0"/>
-              <a:t>8/9/2021</a:t>
+              <a:t>8/10/2021</a:t>
             </a:fld>
             <a:endParaRPr lang="en-US" dirty="0"/>
           </a:p>
@@ -3188,7 +3274,7 @@
           <a:p>
             <a:fld id="{B99A8159-6B10-4896-B6E2-2809ECD1D84D}" type="datetimeFigureOut">
               <a:rPr lang="en-US" smtClean="0"/>
-              <a:t>8/9/2021</a:t>
+              <a:t>8/10/2021</a:t>
             </a:fld>
             <a:endParaRPr lang="en-US" dirty="0"/>
           </a:p>
@@ -3476,7 +3562,7 @@
           <a:p>
             <a:fld id="{B99A8159-6B10-4896-B6E2-2809ECD1D84D}" type="datetimeFigureOut">
               <a:rPr lang="en-US" smtClean="0"/>
-              <a:t>8/9/2021</a:t>
+              <a:t>8/10/2021</a:t>
             </a:fld>
             <a:endParaRPr lang="en-US" dirty="0"/>
           </a:p>
@@ -3764,7 +3850,7 @@
           <a:p>
             <a:fld id="{B99A8159-6B10-4896-B6E2-2809ECD1D84D}" type="datetimeFigureOut">
               <a:rPr lang="en-US" smtClean="0"/>
-              <a:t>8/9/2021</a:t>
+              <a:t>8/10/2021</a:t>
             </a:fld>
             <a:endParaRPr lang="en-US" dirty="0"/>
           </a:p>
@@ -4052,7 +4138,7 @@
           <a:p>
             <a:fld id="{B99A8159-6B10-4896-B6E2-2809ECD1D84D}" type="datetimeFigureOut">
               <a:rPr lang="en-US" smtClean="0"/>
-              <a:t>8/9/2021</a:t>
+              <a:t>8/10/2021</a:t>
             </a:fld>
             <a:endParaRPr lang="en-US" dirty="0"/>
           </a:p>
@@ -4340,7 +4426,7 @@
           <a:p>
             <a:fld id="{B99A8159-6B10-4896-B6E2-2809ECD1D84D}" type="datetimeFigureOut">
               <a:rPr lang="en-US" smtClean="0"/>
-              <a:t>8/9/2021</a:t>
+              <a:t>8/10/2021</a:t>
             </a:fld>
             <a:endParaRPr lang="en-US" dirty="0"/>
           </a:p>
@@ -4628,7 +4714,7 @@
           <a:p>
             <a:fld id="{B99A8159-6B10-4896-B6E2-2809ECD1D84D}" type="datetimeFigureOut">
               <a:rPr lang="en-US" smtClean="0"/>
-              <a:t>8/9/2021</a:t>
+              <a:t>8/10/2021</a:t>
             </a:fld>
             <a:endParaRPr lang="en-US" dirty="0"/>
           </a:p>
@@ -4903,7 +4989,7 @@
           <a:p>
             <a:fld id="{B99A8159-6B10-4896-B6E2-2809ECD1D84D}" type="datetimeFigureOut">
               <a:rPr lang="en-US" smtClean="0"/>
-              <a:t>8/9/2021</a:t>
+              <a:t>8/10/2021</a:t>
             </a:fld>
             <a:endParaRPr lang="en-US" dirty="0"/>
           </a:p>
@@ -5168,7 +5254,7 @@
           <a:p>
             <a:fld id="{B99A8159-6B10-4896-B6E2-2809ECD1D84D}" type="datetimeFigureOut">
               <a:rPr lang="en-US" smtClean="0"/>
-              <a:t>8/9/2021</a:t>
+              <a:t>8/10/2021</a:t>
             </a:fld>
             <a:endParaRPr lang="en-US" dirty="0"/>
           </a:p>
@@ -5409,7 +5495,7 @@
           <a:p>
             <a:fld id="{B99A8159-6B10-4896-B6E2-2809ECD1D84D}" type="datetimeFigureOut">
               <a:rPr lang="en-US" smtClean="0"/>
-              <a:t>8/9/2021</a:t>
+              <a:t>8/10/2021</a:t>
             </a:fld>
             <a:endParaRPr lang="en-US" dirty="0"/>
           </a:p>
@@ -5918,94 +6004,6 @@
           <p:cNvPr id="2" name="Title 1">
             <a:extLst>
               <a:ext uri="{FF2B5EF4-FFF2-40B4-BE49-F238E27FC236}">
-                <a16:creationId xmlns:a16="http://schemas.microsoft.com/office/drawing/2014/main" id="{6C14B5D2-8D31-4D6C-B863-E5FA61A0FA35}"/>
-              </a:ext>
-            </a:extLst>
-          </p:cNvPr>
-          <p:cNvSpPr>
-            <a:spLocks noGrp="1"/>
-          </p:cNvSpPr>
-          <p:nvPr>
-            <p:ph type="title"/>
-          </p:nvPr>
-        </p:nvSpPr>
-        <p:spPr/>
-        <p:txBody>
-          <a:bodyPr/>
-          <a:lstStyle/>
-          <a:p>
-            <a:r>
-              <a:rPr lang="en-MY" dirty="0"/>
-              <a:t>Restoring previous versions</a:t>
-            </a:r>
-          </a:p>
-        </p:txBody>
-      </p:sp>
-      <p:pic>
-        <p:nvPicPr>
-          <p:cNvPr id="7" name="Picture 6" descr="Text&#10;&#10;Description automatically generated">
-            <a:extLst>
-              <a:ext uri="{FF2B5EF4-FFF2-40B4-BE49-F238E27FC236}">
-                <a16:creationId xmlns:a16="http://schemas.microsoft.com/office/drawing/2014/main" id="{90E10B95-B806-4C6A-B93D-25DDA65FFF35}"/>
-              </a:ext>
-            </a:extLst>
-          </p:cNvPr>
-          <p:cNvPicPr>
-            <a:picLocks noChangeAspect="1"/>
-          </p:cNvPicPr>
-          <p:nvPr/>
-        </p:nvPicPr>
-        <p:blipFill>
-          <a:blip r:embed="rId2"/>
-          <a:stretch>
-            <a:fillRect/>
-          </a:stretch>
-        </p:blipFill>
-        <p:spPr>
-          <a:xfrm>
-            <a:off x="93642" y="1248621"/>
-            <a:ext cx="9383733" cy="5352203"/>
-          </a:xfrm>
-          <a:prstGeom prst="rect">
-            <a:avLst/>
-          </a:prstGeom>
-        </p:spPr>
-      </p:pic>
-    </p:spTree>
-    <p:extLst>
-      <p:ext uri="{BB962C8B-B14F-4D97-AF65-F5344CB8AC3E}">
-        <p14:creationId xmlns:p14="http://schemas.microsoft.com/office/powerpoint/2010/main" val="639973640"/>
-      </p:ext>
-    </p:extLst>
-  </p:cSld>
-  <p:clrMapOvr>
-    <a:masterClrMapping/>
-  </p:clrMapOvr>
-</p:sld>
-</file>
-
-<file path=ppt/slides/slide11.xml><?xml version="1.0" encoding="utf-8"?>
-<p:sld xmlns:a="http://schemas.openxmlformats.org/drawingml/2006/main" xmlns:r="http://schemas.openxmlformats.org/officeDocument/2006/relationships" xmlns:p="http://schemas.openxmlformats.org/presentationml/2006/main">
-  <p:cSld>
-    <p:spTree>
-      <p:nvGrpSpPr>
-        <p:cNvPr id="1" name=""/>
-        <p:cNvGrpSpPr/>
-        <p:nvPr/>
-      </p:nvGrpSpPr>
-      <p:grpSpPr>
-        <a:xfrm>
-          <a:off x="0" y="0"/>
-          <a:ext cx="0" cy="0"/>
-          <a:chOff x="0" y="0"/>
-          <a:chExt cx="0" cy="0"/>
-        </a:xfrm>
-      </p:grpSpPr>
-      <p:sp>
-        <p:nvSpPr>
-          <p:cNvPr id="2" name="Title 1">
-            <a:extLst>
-              <a:ext uri="{FF2B5EF4-FFF2-40B4-BE49-F238E27FC236}">
                 <a16:creationId xmlns:a16="http://schemas.microsoft.com/office/drawing/2014/main" id="{A8FC01A6-7657-4075-9DFD-F27EA0B9B657}"/>
               </a:ext>
             </a:extLst>
@@ -6073,7 +6071,7 @@
 </p:sld>
 </file>
 
-<file path=ppt/slides/slide12.xml><?xml version="1.0" encoding="utf-8"?>
+<file path=ppt/slides/slide11.xml><?xml version="1.0" encoding="utf-8"?>
 <p:sld xmlns:a="http://schemas.openxmlformats.org/drawingml/2006/main" xmlns:r="http://schemas.openxmlformats.org/officeDocument/2006/relationships" xmlns:p="http://schemas.openxmlformats.org/presentationml/2006/main">
   <p:cSld>
     <p:spTree>
@@ -6702,6 +6700,123 @@
 </p:sld>
 </file>
 
+<file path=ppt/slides/slide12.xml><?xml version="1.0" encoding="utf-8"?>
+<p:sld xmlns:a="http://schemas.openxmlformats.org/drawingml/2006/main" xmlns:r="http://schemas.openxmlformats.org/officeDocument/2006/relationships" xmlns:p="http://schemas.openxmlformats.org/presentationml/2006/main">
+  <p:cSld>
+    <p:spTree>
+      <p:nvGrpSpPr>
+        <p:cNvPr id="1" name=""/>
+        <p:cNvGrpSpPr/>
+        <p:nvPr/>
+      </p:nvGrpSpPr>
+      <p:grpSpPr>
+        <a:xfrm>
+          <a:off x="0" y="0"/>
+          <a:ext cx="0" cy="0"/>
+          <a:chOff x="0" y="0"/>
+          <a:chExt cx="0" cy="0"/>
+        </a:xfrm>
+      </p:grpSpPr>
+      <p:sp>
+        <p:nvSpPr>
+          <p:cNvPr id="2" name="Title 1"/>
+          <p:cNvSpPr>
+            <a:spLocks noGrp="1"/>
+          </p:cNvSpPr>
+          <p:nvPr>
+            <p:ph type="title"/>
+          </p:nvPr>
+        </p:nvSpPr>
+        <p:spPr>
+          <a:xfrm>
+            <a:off x="838200" y="110002"/>
+            <a:ext cx="8334376" cy="1325563"/>
+          </a:xfrm>
+        </p:spPr>
+        <p:txBody>
+          <a:bodyPr/>
+          <a:lstStyle/>
+          <a:p>
+            <a:r>
+              <a:rPr lang="en-US" dirty="0"/>
+              <a:t>Collaboration</a:t>
+            </a:r>
+          </a:p>
+        </p:txBody>
+      </p:sp>
+      <p:sp>
+        <p:nvSpPr>
+          <p:cNvPr id="3" name="Content Placeholder 2"/>
+          <p:cNvSpPr>
+            <a:spLocks noGrp="1"/>
+          </p:cNvSpPr>
+          <p:nvPr>
+            <p:ph idx="1"/>
+          </p:nvPr>
+        </p:nvSpPr>
+        <p:spPr>
+          <a:xfrm>
+            <a:off x="838200" y="1842403"/>
+            <a:ext cx="10515600" cy="4351338"/>
+          </a:xfrm>
+        </p:spPr>
+        <p:txBody>
+          <a:bodyPr/>
+          <a:lstStyle/>
+          <a:p>
+            <a:r>
+              <a:rPr lang="en-US" dirty="0"/>
+              <a:t>Create and share your repo</a:t>
+            </a:r>
+          </a:p>
+          <a:p>
+            <a:pPr marL="0" indent="0">
+              <a:buNone/>
+            </a:pPr>
+            <a:endParaRPr lang="en-US" dirty="0"/>
+          </a:p>
+          <a:p>
+            <a:pPr marL="0" indent="0">
+              <a:buNone/>
+            </a:pPr>
+            <a:r>
+              <a:rPr lang="en-US" u="sng" dirty="0"/>
+              <a:t>What do you wanna do?</a:t>
+            </a:r>
+          </a:p>
+          <a:p>
+            <a:r>
+              <a:rPr lang="en-US" dirty="0"/>
+              <a:t>I’m doing a group project!</a:t>
+            </a:r>
+          </a:p>
+          <a:p>
+            <a:r>
+              <a:rPr lang="en-US" dirty="0"/>
+              <a:t>Open-source project</a:t>
+            </a:r>
+          </a:p>
+          <a:p>
+            <a:pPr marL="0" indent="0">
+              <a:buNone/>
+            </a:pPr>
+            <a:endParaRPr lang="en-US" dirty="0"/>
+          </a:p>
+        </p:txBody>
+      </p:sp>
+    </p:spTree>
+    <p:extLst>
+      <p:ext uri="{BB962C8B-B14F-4D97-AF65-F5344CB8AC3E}">
+        <p14:creationId xmlns:p14="http://schemas.microsoft.com/office/powerpoint/2010/main" val="2833756237"/>
+      </p:ext>
+    </p:extLst>
+  </p:cSld>
+  <p:clrMapOvr>
+    <a:masterClrMapping/>
+  </p:clrMapOvr>
+</p:sld>
+</file>
+
 <file path=ppt/slides/slide13.xml><?xml version="1.0" encoding="utf-8"?>
 <p:sld xmlns:a="http://schemas.openxmlformats.org/drawingml/2006/main" xmlns:r="http://schemas.openxmlformats.org/officeDocument/2006/relationships" xmlns:p="http://schemas.openxmlformats.org/presentationml/2006/main">
   <p:cSld>
@@ -6724,7 +6839,7 @@
           <p:cNvPr id="2" name="Title 1">
             <a:extLst>
               <a:ext uri="{FF2B5EF4-FFF2-40B4-BE49-F238E27FC236}">
-                <a16:creationId xmlns:a16="http://schemas.microsoft.com/office/drawing/2014/main" id="{D47DE0EA-8D0E-4F71-BA30-530045163A55}"/>
+                <a16:creationId xmlns:a16="http://schemas.microsoft.com/office/drawing/2014/main" id="{8B2AD4E1-0643-4C88-9E49-C2724AEB3568}"/>
               </a:ext>
             </a:extLst>
           </p:cNvPr>
@@ -6735,27 +6850,14 @@
             <p:ph type="title"/>
           </p:nvPr>
         </p:nvSpPr>
-        <p:spPr>
-          <a:xfrm>
-            <a:off x="838200" y="142580"/>
-            <a:ext cx="8334376" cy="1325563"/>
-          </a:xfrm>
-        </p:spPr>
+        <p:spPr/>
         <p:txBody>
           <a:bodyPr/>
           <a:lstStyle/>
           <a:p>
             <a:r>
-              <a:rPr lang="en-MY" dirty="0"/>
-              <a:t>Remote repository, </a:t>
-            </a:r>
-            <a:r>
-              <a:rPr lang="en-MY" dirty="0" err="1"/>
-              <a:t>github</a:t>
-            </a:r>
-            <a:r>
-              <a:rPr lang="en-MY" dirty="0"/>
-              <a:t>!</a:t>
+              <a:rPr lang="en-US" dirty="0"/>
+              <a:t>Cloning an existing repo</a:t>
             </a:r>
           </a:p>
         </p:txBody>
@@ -6765,7 +6867,7 @@
           <p:cNvPr id="3" name="Content Placeholder 2">
             <a:extLst>
               <a:ext uri="{FF2B5EF4-FFF2-40B4-BE49-F238E27FC236}">
-                <a16:creationId xmlns:a16="http://schemas.microsoft.com/office/drawing/2014/main" id="{4A1CEAAC-31C8-41BE-BB8B-21876DCAE696}"/>
+                <a16:creationId xmlns:a16="http://schemas.microsoft.com/office/drawing/2014/main" id="{F8D322E9-A7EC-465F-93FE-BAA394728626}"/>
               </a:ext>
             </a:extLst>
           </p:cNvPr>
@@ -6782,44 +6884,24 @@
           <a:lstStyle/>
           <a:p>
             <a:r>
-              <a:rPr lang="en-MY" dirty="0"/>
-              <a:t>Register an account on </a:t>
-            </a:r>
-            <a:r>
-              <a:rPr lang="en-MY" dirty="0" err="1"/>
-              <a:t>Github</a:t>
-            </a:r>
-            <a:r>
-              <a:rPr lang="en-MY" dirty="0"/>
-              <a:t>!</a:t>
-            </a:r>
-          </a:p>
-          <a:p>
-            <a:r>
-              <a:rPr lang="en-MY" dirty="0"/>
-              <a:t>Origin refers to the remote repository’s name by convention.</a:t>
-            </a:r>
-          </a:p>
-          <a:p>
-            <a:endParaRPr lang="en-MY" dirty="0"/>
-          </a:p>
-          <a:p>
-            <a:endParaRPr lang="en-MY" dirty="0"/>
-          </a:p>
-          <a:p>
-            <a:endParaRPr lang="en-MY" dirty="0"/>
-          </a:p>
-          <a:p>
-            <a:endParaRPr lang="en-MY" dirty="0"/>
+              <a:rPr lang="en-US" dirty="0"/>
+              <a:t>A full copy of nearly all data is retrieved </a:t>
+            </a:r>
+          </a:p>
+          <a:p>
+            <a:r>
+              <a:rPr lang="en-US" dirty="0"/>
+              <a:t>Includes all versions of the project</a:t>
+            </a:r>
           </a:p>
         </p:txBody>
       </p:sp>
       <p:pic>
         <p:nvPicPr>
-          <p:cNvPr id="7" name="Picture 6" descr="Text&#10;&#10;Description automatically generated">
-            <a:extLst>
-              <a:ext uri="{FF2B5EF4-FFF2-40B4-BE49-F238E27FC236}">
-                <a16:creationId xmlns:a16="http://schemas.microsoft.com/office/drawing/2014/main" id="{F8DF03C7-64E0-4AA6-9279-D096C702822D}"/>
+          <p:cNvPr id="15" name="Picture 14" descr="Text&#10;&#10;Description automatically generated">
+            <a:extLst>
+              <a:ext uri="{FF2B5EF4-FFF2-40B4-BE49-F238E27FC236}">
+                <a16:creationId xmlns:a16="http://schemas.microsoft.com/office/drawing/2014/main" id="{F7C5C152-FF48-4239-8FCB-500A0A242A93}"/>
               </a:ext>
             </a:extLst>
           </p:cNvPr>
@@ -6836,8 +6918,380 @@
         </p:blipFill>
         <p:spPr>
           <a:xfrm>
-            <a:off x="0" y="2297209"/>
-            <a:ext cx="8478175" cy="3408170"/>
+            <a:off x="-176478" y="2371382"/>
+            <a:ext cx="8574754" cy="4326282"/>
+          </a:xfrm>
+          <a:prstGeom prst="rect">
+            <a:avLst/>
+          </a:prstGeom>
+        </p:spPr>
+      </p:pic>
+      <p:sp>
+        <p:nvSpPr>
+          <p:cNvPr id="16" name="Content Placeholder 2">
+            <a:extLst>
+              <a:ext uri="{FF2B5EF4-FFF2-40B4-BE49-F238E27FC236}">
+                <a16:creationId xmlns:a16="http://schemas.microsoft.com/office/drawing/2014/main" id="{EF31A08F-C129-44EC-8C6C-C30E36BA76F1}"/>
+              </a:ext>
+            </a:extLst>
+          </p:cNvPr>
+          <p:cNvSpPr txBox="1">
+            <a:spLocks/>
+          </p:cNvSpPr>
+          <p:nvPr/>
+        </p:nvSpPr>
+        <p:spPr>
+          <a:xfrm>
+            <a:off x="8706853" y="3577388"/>
+            <a:ext cx="2646947" cy="1548149"/>
+          </a:xfrm>
+          <a:prstGeom prst="rect">
+            <a:avLst/>
+          </a:prstGeom>
+        </p:spPr>
+        <p:txBody>
+          <a:bodyPr vert="horz" lIns="91440" tIns="45720" rIns="91440" bIns="45720" rtlCol="0">
+            <a:normAutofit/>
+          </a:bodyPr>
+          <a:lstStyle>
+            <a:lvl1pPr marL="228600" indent="-228600" algn="l" defTabSz="914400" rtl="0" eaLnBrk="1" latinLnBrk="0" hangingPunct="1">
+              <a:lnSpc>
+                <a:spcPct val="90000"/>
+              </a:lnSpc>
+              <a:spcBef>
+                <a:spcPts val="1000"/>
+              </a:spcBef>
+              <a:buClr>
+                <a:schemeClr val="accent5"/>
+              </a:buClr>
+              <a:buFont typeface="Wingdings" panose="05000000000000000000" pitchFamily="2" charset="2"/>
+              <a:buChar char="§"/>
+              <a:defRPr sz="2800" kern="1200">
+                <a:solidFill>
+                  <a:schemeClr val="bg1"/>
+                </a:solidFill>
+                <a:latin typeface="+mn-lt"/>
+                <a:ea typeface="+mn-ea"/>
+                <a:cs typeface="+mn-cs"/>
+              </a:defRPr>
+            </a:lvl1pPr>
+            <a:lvl2pPr marL="685800" indent="-228600" algn="l" defTabSz="914400" rtl="0" eaLnBrk="1" latinLnBrk="0" hangingPunct="1">
+              <a:lnSpc>
+                <a:spcPct val="90000"/>
+              </a:lnSpc>
+              <a:spcBef>
+                <a:spcPts val="500"/>
+              </a:spcBef>
+              <a:buClr>
+                <a:schemeClr val="accent5"/>
+              </a:buClr>
+              <a:buFont typeface="Wingdings" panose="05000000000000000000" pitchFamily="2" charset="2"/>
+              <a:buChar char="§"/>
+              <a:defRPr sz="2400" kern="1200">
+                <a:solidFill>
+                  <a:schemeClr val="bg1"/>
+                </a:solidFill>
+                <a:latin typeface="+mn-lt"/>
+                <a:ea typeface="+mn-ea"/>
+                <a:cs typeface="+mn-cs"/>
+              </a:defRPr>
+            </a:lvl2pPr>
+            <a:lvl3pPr marL="1143000" indent="-228600" algn="l" defTabSz="914400" rtl="0" eaLnBrk="1" latinLnBrk="0" hangingPunct="1">
+              <a:lnSpc>
+                <a:spcPct val="90000"/>
+              </a:lnSpc>
+              <a:spcBef>
+                <a:spcPts val="500"/>
+              </a:spcBef>
+              <a:buClr>
+                <a:schemeClr val="accent5"/>
+              </a:buClr>
+              <a:buFont typeface="Wingdings" panose="05000000000000000000" pitchFamily="2" charset="2"/>
+              <a:buChar char="§"/>
+              <a:defRPr sz="2000" kern="1200">
+                <a:solidFill>
+                  <a:schemeClr val="bg1"/>
+                </a:solidFill>
+                <a:latin typeface="+mn-lt"/>
+                <a:ea typeface="+mn-ea"/>
+                <a:cs typeface="+mn-cs"/>
+              </a:defRPr>
+            </a:lvl3pPr>
+            <a:lvl4pPr marL="1600200" indent="-228600" algn="l" defTabSz="914400" rtl="0" eaLnBrk="1" latinLnBrk="0" hangingPunct="1">
+              <a:lnSpc>
+                <a:spcPct val="90000"/>
+              </a:lnSpc>
+              <a:spcBef>
+                <a:spcPts val="500"/>
+              </a:spcBef>
+              <a:buClr>
+                <a:schemeClr val="accent5"/>
+              </a:buClr>
+              <a:buFont typeface="Wingdings" panose="05000000000000000000" pitchFamily="2" charset="2"/>
+              <a:buChar char="§"/>
+              <a:defRPr sz="1800" kern="1200">
+                <a:solidFill>
+                  <a:schemeClr val="bg1"/>
+                </a:solidFill>
+                <a:latin typeface="+mn-lt"/>
+                <a:ea typeface="+mn-ea"/>
+                <a:cs typeface="+mn-cs"/>
+              </a:defRPr>
+            </a:lvl4pPr>
+            <a:lvl5pPr marL="2057400" indent="-228600" algn="l" defTabSz="914400" rtl="0" eaLnBrk="1" latinLnBrk="0" hangingPunct="1">
+              <a:lnSpc>
+                <a:spcPct val="90000"/>
+              </a:lnSpc>
+              <a:spcBef>
+                <a:spcPts val="500"/>
+              </a:spcBef>
+              <a:buClr>
+                <a:schemeClr val="accent5"/>
+              </a:buClr>
+              <a:buFont typeface="Wingdings" panose="05000000000000000000" pitchFamily="2" charset="2"/>
+              <a:buChar char="§"/>
+              <a:defRPr sz="1800" kern="1200">
+                <a:solidFill>
+                  <a:schemeClr val="bg1"/>
+                </a:solidFill>
+                <a:latin typeface="+mn-lt"/>
+                <a:ea typeface="+mn-ea"/>
+                <a:cs typeface="+mn-cs"/>
+              </a:defRPr>
+            </a:lvl5pPr>
+            <a:lvl6pPr marL="2514600" indent="-228600" algn="l" defTabSz="914400" rtl="0" eaLnBrk="1" latinLnBrk="0" hangingPunct="1">
+              <a:lnSpc>
+                <a:spcPct val="90000"/>
+              </a:lnSpc>
+              <a:spcBef>
+                <a:spcPts val="500"/>
+              </a:spcBef>
+              <a:buFont typeface="Arial" panose="020B0604020202020204" pitchFamily="34" charset="0"/>
+              <a:buChar char="•"/>
+              <a:defRPr sz="1800" kern="1200">
+                <a:solidFill>
+                  <a:schemeClr val="tx1"/>
+                </a:solidFill>
+                <a:latin typeface="+mn-lt"/>
+                <a:ea typeface="+mn-ea"/>
+                <a:cs typeface="+mn-cs"/>
+              </a:defRPr>
+            </a:lvl6pPr>
+            <a:lvl7pPr marL="2971800" indent="-228600" algn="l" defTabSz="914400" rtl="0" eaLnBrk="1" latinLnBrk="0" hangingPunct="1">
+              <a:lnSpc>
+                <a:spcPct val="90000"/>
+              </a:lnSpc>
+              <a:spcBef>
+                <a:spcPts val="500"/>
+              </a:spcBef>
+              <a:buFont typeface="Arial" panose="020B0604020202020204" pitchFamily="34" charset="0"/>
+              <a:buChar char="•"/>
+              <a:defRPr sz="1800" kern="1200">
+                <a:solidFill>
+                  <a:schemeClr val="tx1"/>
+                </a:solidFill>
+                <a:latin typeface="+mn-lt"/>
+                <a:ea typeface="+mn-ea"/>
+                <a:cs typeface="+mn-cs"/>
+              </a:defRPr>
+            </a:lvl7pPr>
+            <a:lvl8pPr marL="3429000" indent="-228600" algn="l" defTabSz="914400" rtl="0" eaLnBrk="1" latinLnBrk="0" hangingPunct="1">
+              <a:lnSpc>
+                <a:spcPct val="90000"/>
+              </a:lnSpc>
+              <a:spcBef>
+                <a:spcPts val="500"/>
+              </a:spcBef>
+              <a:buFont typeface="Arial" panose="020B0604020202020204" pitchFamily="34" charset="0"/>
+              <a:buChar char="•"/>
+              <a:defRPr sz="1800" kern="1200">
+                <a:solidFill>
+                  <a:schemeClr val="tx1"/>
+                </a:solidFill>
+                <a:latin typeface="+mn-lt"/>
+                <a:ea typeface="+mn-ea"/>
+                <a:cs typeface="+mn-cs"/>
+              </a:defRPr>
+            </a:lvl8pPr>
+            <a:lvl9pPr marL="3886200" indent="-228600" algn="l" defTabSz="914400" rtl="0" eaLnBrk="1" latinLnBrk="0" hangingPunct="1">
+              <a:lnSpc>
+                <a:spcPct val="90000"/>
+              </a:lnSpc>
+              <a:spcBef>
+                <a:spcPts val="500"/>
+              </a:spcBef>
+              <a:buFont typeface="Arial" panose="020B0604020202020204" pitchFamily="34" charset="0"/>
+              <a:buChar char="•"/>
+              <a:defRPr sz="1800" kern="1200">
+                <a:solidFill>
+                  <a:schemeClr val="tx1"/>
+                </a:solidFill>
+                <a:latin typeface="+mn-lt"/>
+                <a:ea typeface="+mn-ea"/>
+                <a:cs typeface="+mn-cs"/>
+              </a:defRPr>
+            </a:lvl9pPr>
+          </a:lstStyle>
+          <a:p>
+            <a:pPr marL="0" indent="0">
+              <a:buNone/>
+            </a:pPr>
+            <a:r>
+              <a:rPr lang="en-US" dirty="0"/>
+              <a:t>Why?</a:t>
+            </a:r>
+          </a:p>
+        </p:txBody>
+      </p:sp>
+    </p:spTree>
+    <p:extLst>
+      <p:ext uri="{BB962C8B-B14F-4D97-AF65-F5344CB8AC3E}">
+        <p14:creationId xmlns:p14="http://schemas.microsoft.com/office/powerpoint/2010/main" val="2576156856"/>
+      </p:ext>
+    </p:extLst>
+  </p:cSld>
+  <p:clrMapOvr>
+    <a:masterClrMapping/>
+  </p:clrMapOvr>
+</p:sld>
+</file>
+
+<file path=ppt/slides/slide14.xml><?xml version="1.0" encoding="utf-8"?>
+<p:sld xmlns:a="http://schemas.openxmlformats.org/drawingml/2006/main" xmlns:r="http://schemas.openxmlformats.org/officeDocument/2006/relationships" xmlns:p="http://schemas.openxmlformats.org/presentationml/2006/main">
+  <p:cSld>
+    <p:spTree>
+      <p:nvGrpSpPr>
+        <p:cNvPr id="1" name=""/>
+        <p:cNvGrpSpPr/>
+        <p:nvPr/>
+      </p:nvGrpSpPr>
+      <p:grpSpPr>
+        <a:xfrm>
+          <a:off x="0" y="0"/>
+          <a:ext cx="0" cy="0"/>
+          <a:chOff x="0" y="0"/>
+          <a:chExt cx="0" cy="0"/>
+        </a:xfrm>
+      </p:grpSpPr>
+      <p:sp>
+        <p:nvSpPr>
+          <p:cNvPr id="2" name="Title 1">
+            <a:extLst>
+              <a:ext uri="{FF2B5EF4-FFF2-40B4-BE49-F238E27FC236}">
+                <a16:creationId xmlns:a16="http://schemas.microsoft.com/office/drawing/2014/main" id="{D47DE0EA-8D0E-4F71-BA30-530045163A55}"/>
+              </a:ext>
+            </a:extLst>
+          </p:cNvPr>
+          <p:cNvSpPr>
+            <a:spLocks noGrp="1"/>
+          </p:cNvSpPr>
+          <p:nvPr>
+            <p:ph type="title"/>
+          </p:nvPr>
+        </p:nvSpPr>
+        <p:spPr>
+          <a:xfrm>
+            <a:off x="838200" y="142580"/>
+            <a:ext cx="8334376" cy="1325563"/>
+          </a:xfrm>
+        </p:spPr>
+        <p:txBody>
+          <a:bodyPr/>
+          <a:lstStyle/>
+          <a:p>
+            <a:r>
+              <a:rPr lang="en-MY" dirty="0"/>
+              <a:t>Remote repository, </a:t>
+            </a:r>
+            <a:r>
+              <a:rPr lang="en-MY" dirty="0" err="1"/>
+              <a:t>github</a:t>
+            </a:r>
+            <a:r>
+              <a:rPr lang="en-MY" dirty="0"/>
+              <a:t>!</a:t>
+            </a:r>
+          </a:p>
+        </p:txBody>
+      </p:sp>
+      <p:sp>
+        <p:nvSpPr>
+          <p:cNvPr id="3" name="Content Placeholder 2">
+            <a:extLst>
+              <a:ext uri="{FF2B5EF4-FFF2-40B4-BE49-F238E27FC236}">
+                <a16:creationId xmlns:a16="http://schemas.microsoft.com/office/drawing/2014/main" id="{4A1CEAAC-31C8-41BE-BB8B-21876DCAE696}"/>
+              </a:ext>
+            </a:extLst>
+          </p:cNvPr>
+          <p:cNvSpPr>
+            <a:spLocks noGrp="1"/>
+          </p:cNvSpPr>
+          <p:nvPr>
+            <p:ph idx="1"/>
+          </p:nvPr>
+        </p:nvSpPr>
+        <p:spPr/>
+        <p:txBody>
+          <a:bodyPr/>
+          <a:lstStyle/>
+          <a:p>
+            <a:r>
+              <a:rPr lang="en-MY" dirty="0"/>
+              <a:t>Register an account on </a:t>
+            </a:r>
+            <a:r>
+              <a:rPr lang="en-MY" dirty="0" err="1"/>
+              <a:t>Github</a:t>
+            </a:r>
+            <a:r>
+              <a:rPr lang="en-MY" dirty="0"/>
+              <a:t>!</a:t>
+            </a:r>
+          </a:p>
+          <a:p>
+            <a:r>
+              <a:rPr lang="en-MY" dirty="0"/>
+              <a:t>Origin refers to the remote repository’s name by convention.</a:t>
+            </a:r>
+          </a:p>
+          <a:p>
+            <a:endParaRPr lang="en-MY" dirty="0"/>
+          </a:p>
+          <a:p>
+            <a:endParaRPr lang="en-MY" dirty="0"/>
+          </a:p>
+          <a:p>
+            <a:endParaRPr lang="en-MY" dirty="0"/>
+          </a:p>
+          <a:p>
+            <a:endParaRPr lang="en-MY" dirty="0"/>
+          </a:p>
+        </p:txBody>
+      </p:sp>
+      <p:pic>
+        <p:nvPicPr>
+          <p:cNvPr id="6" name="Picture 5" descr="Text&#10;&#10;Description automatically generated">
+            <a:extLst>
+              <a:ext uri="{FF2B5EF4-FFF2-40B4-BE49-F238E27FC236}">
+                <a16:creationId xmlns:a16="http://schemas.microsoft.com/office/drawing/2014/main" id="{DF05D3C2-2C51-4B63-BB54-8459435A7C9C}"/>
+              </a:ext>
+            </a:extLst>
+          </p:cNvPr>
+          <p:cNvPicPr>
+            <a:picLocks noChangeAspect="1"/>
+          </p:cNvPicPr>
+          <p:nvPr/>
+        </p:nvPicPr>
+        <p:blipFill>
+          <a:blip r:embed="rId2"/>
+          <a:stretch>
+            <a:fillRect/>
+          </a:stretch>
+        </p:blipFill>
+        <p:spPr>
+          <a:xfrm>
+            <a:off x="283808" y="2563509"/>
+            <a:ext cx="7153275" cy="2875569"/>
           </a:xfrm>
           <a:prstGeom prst="rect">
             <a:avLst/>
@@ -6857,7 +7311,7 @@
 </p:sld>
 </file>
 
-<file path=ppt/slides/slide14.xml><?xml version="1.0" encoding="utf-8"?>
+<file path=ppt/slides/slide15.xml><?xml version="1.0" encoding="utf-8"?>
 <p:sld xmlns:a="http://schemas.openxmlformats.org/drawingml/2006/main" xmlns:r="http://schemas.openxmlformats.org/officeDocument/2006/relationships" xmlns:p="http://schemas.openxmlformats.org/presentationml/2006/main">
   <p:cSld>
     <p:spTree>
@@ -7000,7 +7454,7 @@
 </p:sld>
 </file>
 
-<file path=ppt/slides/slide15.xml><?xml version="1.0" encoding="utf-8"?>
+<file path=ppt/slides/slide16.xml><?xml version="1.0" encoding="utf-8"?>
 <p:sld xmlns:a="http://schemas.openxmlformats.org/drawingml/2006/main" xmlns:r="http://schemas.openxmlformats.org/officeDocument/2006/relationships" xmlns:p="http://schemas.openxmlformats.org/presentationml/2006/main">
   <p:cSld>
     <p:spTree>
@@ -7144,7 +7598,7 @@
 </p:sld>
 </file>
 
-<file path=ppt/slides/slide16.xml><?xml version="1.0" encoding="utf-8"?>
+<file path=ppt/slides/slide17.xml><?xml version="1.0" encoding="utf-8"?>
 <p:sld xmlns:a="http://schemas.openxmlformats.org/drawingml/2006/main" xmlns:r="http://schemas.openxmlformats.org/officeDocument/2006/relationships" xmlns:p="http://schemas.openxmlformats.org/presentationml/2006/main">
   <p:cSld>
     <p:spTree>
@@ -7283,7 +7737,7 @@
 </p:sld>
 </file>
 
-<file path=ppt/slides/slide17.xml><?xml version="1.0" encoding="utf-8"?>
+<file path=ppt/slides/slide18.xml><?xml version="1.0" encoding="utf-8"?>
 <p:sld xmlns:a="http://schemas.openxmlformats.org/drawingml/2006/main" xmlns:r="http://schemas.openxmlformats.org/officeDocument/2006/relationships" xmlns:p="http://schemas.openxmlformats.org/presentationml/2006/main">
   <p:cSld>
     <p:spTree>
@@ -7430,7 +7884,7 @@
 </p:sld>
 </file>
 
-<file path=ppt/slides/slide18.xml><?xml version="1.0" encoding="utf-8"?>
+<file path=ppt/slides/slide19.xml><?xml version="1.0" encoding="utf-8"?>
 <p:sld xmlns:a="http://schemas.openxmlformats.org/drawingml/2006/main" xmlns:r="http://schemas.openxmlformats.org/officeDocument/2006/relationships" xmlns:p="http://schemas.openxmlformats.org/presentationml/2006/main">
   <p:cSld>
     <p:spTree>
@@ -7557,153 +8011,6 @@
     <p:extLst>
       <p:ext uri="{BB962C8B-B14F-4D97-AF65-F5344CB8AC3E}">
         <p14:creationId xmlns:p14="http://schemas.microsoft.com/office/powerpoint/2010/main" val="1261939104"/>
-      </p:ext>
-    </p:extLst>
-  </p:cSld>
-  <p:clrMapOvr>
-    <a:masterClrMapping/>
-  </p:clrMapOvr>
-</p:sld>
-</file>
-
-<file path=ppt/slides/slide19.xml><?xml version="1.0" encoding="utf-8"?>
-<p:sld xmlns:a="http://schemas.openxmlformats.org/drawingml/2006/main" xmlns:r="http://schemas.openxmlformats.org/officeDocument/2006/relationships" xmlns:p="http://schemas.openxmlformats.org/presentationml/2006/main">
-  <p:cSld>
-    <p:spTree>
-      <p:nvGrpSpPr>
-        <p:cNvPr id="1" name=""/>
-        <p:cNvGrpSpPr/>
-        <p:nvPr/>
-      </p:nvGrpSpPr>
-      <p:grpSpPr>
-        <a:xfrm>
-          <a:off x="0" y="0"/>
-          <a:ext cx="0" cy="0"/>
-          <a:chOff x="0" y="0"/>
-          <a:chExt cx="0" cy="0"/>
-        </a:xfrm>
-      </p:grpSpPr>
-      <p:sp>
-        <p:nvSpPr>
-          <p:cNvPr id="2" name="Title 1">
-            <a:extLst>
-              <a:ext uri="{FF2B5EF4-FFF2-40B4-BE49-F238E27FC236}">
-                <a16:creationId xmlns:a16="http://schemas.microsoft.com/office/drawing/2014/main" id="{D47DE0EA-8D0E-4F71-BA30-530045163A55}"/>
-              </a:ext>
-            </a:extLst>
-          </p:cNvPr>
-          <p:cNvSpPr>
-            <a:spLocks noGrp="1"/>
-          </p:cNvSpPr>
-          <p:nvPr>
-            <p:ph type="title"/>
-          </p:nvPr>
-        </p:nvSpPr>
-        <p:spPr>
-          <a:xfrm>
-            <a:off x="838200" y="181339"/>
-            <a:ext cx="8334376" cy="1325563"/>
-          </a:xfrm>
-        </p:spPr>
-        <p:txBody>
-          <a:bodyPr/>
-          <a:lstStyle/>
-          <a:p>
-            <a:r>
-              <a:rPr lang="en-MY" dirty="0"/>
-              <a:t>Branching</a:t>
-            </a:r>
-          </a:p>
-        </p:txBody>
-      </p:sp>
-      <p:sp>
-        <p:nvSpPr>
-          <p:cNvPr id="3" name="Content Placeholder 2">
-            <a:extLst>
-              <a:ext uri="{FF2B5EF4-FFF2-40B4-BE49-F238E27FC236}">
-                <a16:creationId xmlns:a16="http://schemas.microsoft.com/office/drawing/2014/main" id="{4A1CEAAC-31C8-41BE-BB8B-21876DCAE696}"/>
-              </a:ext>
-            </a:extLst>
-          </p:cNvPr>
-          <p:cNvSpPr>
-            <a:spLocks noGrp="1"/>
-          </p:cNvSpPr>
-          <p:nvPr>
-            <p:ph idx="1"/>
-          </p:nvPr>
-        </p:nvSpPr>
-        <p:spPr/>
-        <p:txBody>
-          <a:bodyPr/>
-          <a:lstStyle/>
-          <a:p>
-            <a:r>
-              <a:rPr lang="en-MY" dirty="0"/>
-              <a:t>Diverge from the main development line and do your own stuff without messing the main line</a:t>
-            </a:r>
-          </a:p>
-          <a:p>
-            <a:r>
-              <a:rPr lang="en-MY" dirty="0"/>
-              <a:t>Git stores snapshots, and a pointer that points to those snapshots</a:t>
-            </a:r>
-          </a:p>
-          <a:p>
-            <a:endParaRPr lang="en-MY" dirty="0"/>
-          </a:p>
-        </p:txBody>
-      </p:sp>
-      <p:pic>
-        <p:nvPicPr>
-          <p:cNvPr id="2050" name="Picture 2" descr="A branch and its commit history">
-            <a:extLst>
-              <a:ext uri="{FF2B5EF4-FFF2-40B4-BE49-F238E27FC236}">
-                <a16:creationId xmlns:a16="http://schemas.microsoft.com/office/drawing/2014/main" id="{D58936C2-1750-4459-8AA2-72B9ADAE04E8}"/>
-              </a:ext>
-            </a:extLst>
-          </p:cNvPr>
-          <p:cNvPicPr>
-            <a:picLocks noChangeAspect="1" noChangeArrowheads="1"/>
-          </p:cNvPicPr>
-          <p:nvPr/>
-        </p:nvPicPr>
-        <p:blipFill>
-          <a:blip r:embed="rId3">
-            <a:extLst>
-              <a:ext uri="{28A0092B-C50C-407E-A947-70E740481C1C}">
-                <a14:useLocalDpi xmlns:a14="http://schemas.microsoft.com/office/drawing/2010/main" val="0"/>
-              </a:ext>
-            </a:extLst>
-          </a:blip>
-          <a:srcRect/>
-          <a:stretch>
-            <a:fillRect/>
-          </a:stretch>
-        </p:blipFill>
-        <p:spPr bwMode="auto">
-          <a:xfrm>
-            <a:off x="1034716" y="3267195"/>
-            <a:ext cx="5943600" cy="3194685"/>
-          </a:xfrm>
-          <a:prstGeom prst="rect">
-            <a:avLst/>
-          </a:prstGeom>
-          <a:noFill/>
-          <a:extLst>
-            <a:ext uri="{909E8E84-426E-40DD-AFC4-6F175D3DCCD1}">
-              <a14:hiddenFill xmlns:a14="http://schemas.microsoft.com/office/drawing/2010/main">
-                <a:solidFill>
-                  <a:srgbClr val="FFFFFF"/>
-                </a:solidFill>
-              </a14:hiddenFill>
-            </a:ext>
-          </a:extLst>
-        </p:spPr>
-      </p:pic>
-    </p:spTree>
-    <p:extLst>
-      <p:ext uri="{BB962C8B-B14F-4D97-AF65-F5344CB8AC3E}">
-        <p14:creationId xmlns:p14="http://schemas.microsoft.com/office/powerpoint/2010/main" val="2105753163"/>
       </p:ext>
     </p:extLst>
   </p:cSld>
@@ -8064,6 +8371,246 @@
 </file>
 
 <file path=ppt/slides/slide20.xml><?xml version="1.0" encoding="utf-8"?>
+<p:sld xmlns:a="http://schemas.openxmlformats.org/drawingml/2006/main" xmlns:r="http://schemas.openxmlformats.org/officeDocument/2006/relationships" xmlns:p="http://schemas.openxmlformats.org/presentationml/2006/main">
+  <p:cSld>
+    <p:spTree>
+      <p:nvGrpSpPr>
+        <p:cNvPr id="1" name=""/>
+        <p:cNvGrpSpPr/>
+        <p:nvPr/>
+      </p:nvGrpSpPr>
+      <p:grpSpPr>
+        <a:xfrm>
+          <a:off x="0" y="0"/>
+          <a:ext cx="0" cy="0"/>
+          <a:chOff x="0" y="0"/>
+          <a:chExt cx="0" cy="0"/>
+        </a:xfrm>
+      </p:grpSpPr>
+      <p:sp>
+        <p:nvSpPr>
+          <p:cNvPr id="2" name="Title 1">
+            <a:extLst>
+              <a:ext uri="{FF2B5EF4-FFF2-40B4-BE49-F238E27FC236}">
+                <a16:creationId xmlns:a16="http://schemas.microsoft.com/office/drawing/2014/main" id="{D47DE0EA-8D0E-4F71-BA30-530045163A55}"/>
+              </a:ext>
+            </a:extLst>
+          </p:cNvPr>
+          <p:cNvSpPr>
+            <a:spLocks noGrp="1"/>
+          </p:cNvSpPr>
+          <p:nvPr>
+            <p:ph type="title"/>
+          </p:nvPr>
+        </p:nvSpPr>
+        <p:spPr>
+          <a:xfrm>
+            <a:off x="838199" y="181339"/>
+            <a:ext cx="9095913" cy="1325563"/>
+          </a:xfrm>
+        </p:spPr>
+        <p:txBody>
+          <a:bodyPr/>
+          <a:lstStyle/>
+          <a:p>
+            <a:r>
+              <a:rPr lang="en-MY" dirty="0"/>
+              <a:t>Story so far</a:t>
+            </a:r>
+          </a:p>
+        </p:txBody>
+      </p:sp>
+      <p:pic>
+        <p:nvPicPr>
+          <p:cNvPr id="12" name="Picture 11">
+            <a:extLst>
+              <a:ext uri="{FF2B5EF4-FFF2-40B4-BE49-F238E27FC236}">
+                <a16:creationId xmlns:a16="http://schemas.microsoft.com/office/drawing/2014/main" id="{DA0CF328-123E-40C8-ACB4-BEEE2929B7F0}"/>
+              </a:ext>
+            </a:extLst>
+          </p:cNvPr>
+          <p:cNvPicPr>
+            <a:picLocks noChangeAspect="1"/>
+          </p:cNvPicPr>
+          <p:nvPr/>
+        </p:nvPicPr>
+        <p:blipFill>
+          <a:blip r:embed="rId3"/>
+          <a:stretch>
+            <a:fillRect/>
+          </a:stretch>
+        </p:blipFill>
+        <p:spPr>
+          <a:xfrm>
+            <a:off x="838199" y="1610187"/>
+            <a:ext cx="9914765" cy="4598152"/>
+          </a:xfrm>
+          <a:prstGeom prst="rect">
+            <a:avLst/>
+          </a:prstGeom>
+        </p:spPr>
+      </p:pic>
+    </p:spTree>
+    <p:extLst>
+      <p:ext uri="{BB962C8B-B14F-4D97-AF65-F5344CB8AC3E}">
+        <p14:creationId xmlns:p14="http://schemas.microsoft.com/office/powerpoint/2010/main" val="3092724317"/>
+      </p:ext>
+    </p:extLst>
+  </p:cSld>
+  <p:clrMapOvr>
+    <a:masterClrMapping/>
+  </p:clrMapOvr>
+</p:sld>
+</file>
+
+<file path=ppt/slides/slide21.xml><?xml version="1.0" encoding="utf-8"?>
+<p:sld xmlns:a="http://schemas.openxmlformats.org/drawingml/2006/main" xmlns:r="http://schemas.openxmlformats.org/officeDocument/2006/relationships" xmlns:p="http://schemas.openxmlformats.org/presentationml/2006/main">
+  <p:cSld>
+    <p:spTree>
+      <p:nvGrpSpPr>
+        <p:cNvPr id="1" name=""/>
+        <p:cNvGrpSpPr/>
+        <p:nvPr/>
+      </p:nvGrpSpPr>
+      <p:grpSpPr>
+        <a:xfrm>
+          <a:off x="0" y="0"/>
+          <a:ext cx="0" cy="0"/>
+          <a:chOff x="0" y="0"/>
+          <a:chExt cx="0" cy="0"/>
+        </a:xfrm>
+      </p:grpSpPr>
+      <p:sp>
+        <p:nvSpPr>
+          <p:cNvPr id="2" name="Title 1">
+            <a:extLst>
+              <a:ext uri="{FF2B5EF4-FFF2-40B4-BE49-F238E27FC236}">
+                <a16:creationId xmlns:a16="http://schemas.microsoft.com/office/drawing/2014/main" id="{D47DE0EA-8D0E-4F71-BA30-530045163A55}"/>
+              </a:ext>
+            </a:extLst>
+          </p:cNvPr>
+          <p:cNvSpPr>
+            <a:spLocks noGrp="1"/>
+          </p:cNvSpPr>
+          <p:nvPr>
+            <p:ph type="title"/>
+          </p:nvPr>
+        </p:nvSpPr>
+        <p:spPr>
+          <a:xfrm>
+            <a:off x="838200" y="181339"/>
+            <a:ext cx="8334376" cy="1325563"/>
+          </a:xfrm>
+        </p:spPr>
+        <p:txBody>
+          <a:bodyPr/>
+          <a:lstStyle/>
+          <a:p>
+            <a:r>
+              <a:rPr lang="en-MY" dirty="0"/>
+              <a:t>Branching</a:t>
+            </a:r>
+          </a:p>
+        </p:txBody>
+      </p:sp>
+      <p:sp>
+        <p:nvSpPr>
+          <p:cNvPr id="3" name="Content Placeholder 2">
+            <a:extLst>
+              <a:ext uri="{FF2B5EF4-FFF2-40B4-BE49-F238E27FC236}">
+                <a16:creationId xmlns:a16="http://schemas.microsoft.com/office/drawing/2014/main" id="{4A1CEAAC-31C8-41BE-BB8B-21876DCAE696}"/>
+              </a:ext>
+            </a:extLst>
+          </p:cNvPr>
+          <p:cNvSpPr>
+            <a:spLocks noGrp="1"/>
+          </p:cNvSpPr>
+          <p:nvPr>
+            <p:ph idx="1"/>
+          </p:nvPr>
+        </p:nvSpPr>
+        <p:spPr/>
+        <p:txBody>
+          <a:bodyPr/>
+          <a:lstStyle/>
+          <a:p>
+            <a:r>
+              <a:rPr lang="en-MY" dirty="0"/>
+              <a:t>Diverge from the main development line and do your own stuff without messing the main line</a:t>
+            </a:r>
+          </a:p>
+          <a:p>
+            <a:r>
+              <a:rPr lang="en-MY" dirty="0"/>
+              <a:t>Git stores snapshots, and a pointer that points to those snapshots</a:t>
+            </a:r>
+          </a:p>
+          <a:p>
+            <a:endParaRPr lang="en-MY" dirty="0"/>
+          </a:p>
+        </p:txBody>
+      </p:sp>
+      <p:pic>
+        <p:nvPicPr>
+          <p:cNvPr id="2050" name="Picture 2" descr="A branch and its commit history">
+            <a:extLst>
+              <a:ext uri="{FF2B5EF4-FFF2-40B4-BE49-F238E27FC236}">
+                <a16:creationId xmlns:a16="http://schemas.microsoft.com/office/drawing/2014/main" id="{D58936C2-1750-4459-8AA2-72B9ADAE04E8}"/>
+              </a:ext>
+            </a:extLst>
+          </p:cNvPr>
+          <p:cNvPicPr>
+            <a:picLocks noChangeAspect="1" noChangeArrowheads="1"/>
+          </p:cNvPicPr>
+          <p:nvPr/>
+        </p:nvPicPr>
+        <p:blipFill>
+          <a:blip r:embed="rId3">
+            <a:extLst>
+              <a:ext uri="{28A0092B-C50C-407E-A947-70E740481C1C}">
+                <a14:useLocalDpi xmlns:a14="http://schemas.microsoft.com/office/drawing/2010/main" val="0"/>
+              </a:ext>
+            </a:extLst>
+          </a:blip>
+          <a:srcRect/>
+          <a:stretch>
+            <a:fillRect/>
+          </a:stretch>
+        </p:blipFill>
+        <p:spPr bwMode="auto">
+          <a:xfrm>
+            <a:off x="1034716" y="3267195"/>
+            <a:ext cx="5943600" cy="3194685"/>
+          </a:xfrm>
+          <a:prstGeom prst="rect">
+            <a:avLst/>
+          </a:prstGeom>
+          <a:noFill/>
+          <a:extLst>
+            <a:ext uri="{909E8E84-426E-40DD-AFC4-6F175D3DCCD1}">
+              <a14:hiddenFill xmlns:a14="http://schemas.microsoft.com/office/drawing/2010/main">
+                <a:solidFill>
+                  <a:srgbClr val="FFFFFF"/>
+                </a:solidFill>
+              </a14:hiddenFill>
+            </a:ext>
+          </a:extLst>
+        </p:spPr>
+      </p:pic>
+    </p:spTree>
+    <p:extLst>
+      <p:ext uri="{BB962C8B-B14F-4D97-AF65-F5344CB8AC3E}">
+        <p14:creationId xmlns:p14="http://schemas.microsoft.com/office/powerpoint/2010/main" val="2105753163"/>
+      </p:ext>
+    </p:extLst>
+  </p:cSld>
+  <p:clrMapOvr>
+    <a:masterClrMapping/>
+  </p:clrMapOvr>
+</p:sld>
+</file>
+
+<file path=ppt/slides/slide22.xml><?xml version="1.0" encoding="utf-8"?>
 <p:sld xmlns:a="http://schemas.openxmlformats.org/drawingml/2006/main" xmlns:r="http://schemas.openxmlformats.org/officeDocument/2006/relationships" xmlns:p="http://schemas.openxmlformats.org/presentationml/2006/main">
   <p:cSld>
     <p:spTree>
@@ -9953,7 +10500,7 @@
 </p:sld>
 </file>
 
-<file path=ppt/slides/slide21.xml><?xml version="1.0" encoding="utf-8"?>
+<file path=ppt/slides/slide23.xml><?xml version="1.0" encoding="utf-8"?>
 <p:sld xmlns:a="http://schemas.openxmlformats.org/drawingml/2006/main" xmlns:r="http://schemas.openxmlformats.org/officeDocument/2006/relationships" xmlns:p="http://schemas.openxmlformats.org/presentationml/2006/main">
   <p:cSld>
     <p:spTree>
@@ -10081,7 +10628,7 @@
 </p:sld>
 </file>
 
-<file path=ppt/slides/slide22.xml><?xml version="1.0" encoding="utf-8"?>
+<file path=ppt/slides/slide24.xml><?xml version="1.0" encoding="utf-8"?>
 <p:sld xmlns:a="http://schemas.openxmlformats.org/drawingml/2006/main" xmlns:r="http://schemas.openxmlformats.org/officeDocument/2006/relationships" xmlns:p="http://schemas.openxmlformats.org/presentationml/2006/main">
   <p:cSld>
     <p:spTree>
@@ -10159,9 +10706,12 @@
           </a:bodyPr>
           <a:lstStyle/>
           <a:p>
+            <a:pPr marL="0" indent="0">
+              <a:buNone/>
+            </a:pPr>
             <a:r>
               <a:rPr lang="en-MY" dirty="0"/>
-              <a:t>Forking :</a:t>
+              <a:t>Contributing to open source by forking:</a:t>
             </a:r>
           </a:p>
           <a:p>
@@ -10201,7 +10751,7 @@
 </p:sld>
 </file>
 
-<file path=ppt/slides/slide23.xml><?xml version="1.0" encoding="utf-8"?>
+<file path=ppt/slides/slide25.xml><?xml version="1.0" encoding="utf-8"?>
 <p:sld xmlns:a="http://schemas.openxmlformats.org/drawingml/2006/main" xmlns:r="http://schemas.openxmlformats.org/officeDocument/2006/relationships" xmlns:p="http://schemas.openxmlformats.org/presentationml/2006/main">
   <p:cSld>
     <p:spTree>
@@ -10362,7 +10912,7 @@
 </p:sld>
 </file>
 
-<file path=ppt/slides/slide24.xml><?xml version="1.0" encoding="utf-8"?>
+<file path=ppt/slides/slide26.xml><?xml version="1.0" encoding="utf-8"?>
 <p:sld xmlns:a="http://schemas.openxmlformats.org/drawingml/2006/main" xmlns:r="http://schemas.openxmlformats.org/officeDocument/2006/relationships" xmlns:p="http://schemas.openxmlformats.org/presentationml/2006/main">
   <p:cSld>
     <p:spTree>
@@ -10496,7 +11046,7 @@
 </p:sld>
 </file>
 
-<file path=ppt/slides/slide25.xml><?xml version="1.0" encoding="utf-8"?>
+<file path=ppt/slides/slide27.xml><?xml version="1.0" encoding="utf-8"?>
 <p:sld xmlns:a="http://schemas.openxmlformats.org/drawingml/2006/main" xmlns:r="http://schemas.openxmlformats.org/officeDocument/2006/relationships" xmlns:p="http://schemas.openxmlformats.org/presentationml/2006/main">
   <p:cSld>
     <p:bg>
@@ -10589,13 +11139,19 @@
           <a:p>
             <a:r>
               <a:rPr lang="en-US" dirty="0"/>
+              <a:t>Small but frequent commits</a:t>
+            </a:r>
+          </a:p>
+          <a:p>
+            <a:r>
+              <a:rPr lang="en-US" dirty="0"/>
               <a:t>Commit related changes only (wrap related changes)</a:t>
             </a:r>
           </a:p>
           <a:p>
             <a:r>
               <a:rPr lang="en-US" dirty="0"/>
-              <a:t>Commit completed work/changes</a:t>
+              <a:t>Commit completed changes</a:t>
             </a:r>
           </a:p>
           <a:p>
@@ -10622,7 +11178,7 @@
 </p:sld>
 </file>
 
-<file path=ppt/slides/slide26.xml><?xml version="1.0" encoding="utf-8"?>
+<file path=ppt/slides/slide28.xml><?xml version="1.0" encoding="utf-8"?>
 <p:sld xmlns:a="http://schemas.openxmlformats.org/drawingml/2006/main" xmlns:r="http://schemas.openxmlformats.org/officeDocument/2006/relationships" xmlns:p="http://schemas.openxmlformats.org/presentationml/2006/main">
   <p:cSld>
     <p:spTree>
@@ -11072,7 +11628,7 @@
 </p:sld>
 </file>
 
-<file path=ppt/slides/slide27.xml><?xml version="1.0" encoding="utf-8"?>
+<file path=ppt/slides/slide29.xml><?xml version="1.0" encoding="utf-8"?>
 <p:sld xmlns:a="http://schemas.openxmlformats.org/drawingml/2006/main" xmlns:r="http://schemas.openxmlformats.org/officeDocument/2006/relationships" xmlns:p="http://schemas.openxmlformats.org/presentationml/2006/main">
   <p:cSld>
     <p:spTree>
@@ -11193,7 +11749,643 @@
 </p:sld>
 </file>
 
-<file path=ppt/slides/slide28.xml><?xml version="1.0" encoding="utf-8"?>
+<file path=ppt/slides/slide3.xml><?xml version="1.0" encoding="utf-8"?>
+<p:sld xmlns:a="http://schemas.openxmlformats.org/drawingml/2006/main" xmlns:r="http://schemas.openxmlformats.org/officeDocument/2006/relationships" xmlns:p="http://schemas.openxmlformats.org/presentationml/2006/main">
+  <p:cSld>
+    <p:spTree>
+      <p:nvGrpSpPr>
+        <p:cNvPr id="1" name=""/>
+        <p:cNvGrpSpPr/>
+        <p:nvPr/>
+      </p:nvGrpSpPr>
+      <p:grpSpPr>
+        <a:xfrm>
+          <a:off x="0" y="0"/>
+          <a:ext cx="0" cy="0"/>
+          <a:chOff x="0" y="0"/>
+          <a:chExt cx="0" cy="0"/>
+        </a:xfrm>
+      </p:grpSpPr>
+      <p:sp>
+        <p:nvSpPr>
+          <p:cNvPr id="3" name="Content Placeholder 2">
+            <a:extLst>
+              <a:ext uri="{FF2B5EF4-FFF2-40B4-BE49-F238E27FC236}">
+                <a16:creationId xmlns:a16="http://schemas.microsoft.com/office/drawing/2014/main" id="{6CD1FD88-1DF5-4CB5-97CD-1BF062D3DAAF}"/>
+              </a:ext>
+            </a:extLst>
+          </p:cNvPr>
+          <p:cNvSpPr>
+            <a:spLocks noGrp="1"/>
+          </p:cNvSpPr>
+          <p:nvPr>
+            <p:ph idx="1"/>
+          </p:nvPr>
+        </p:nvSpPr>
+        <p:spPr>
+          <a:xfrm>
+            <a:off x="754310" y="491775"/>
+            <a:ext cx="10515600" cy="4351338"/>
+          </a:xfrm>
+        </p:spPr>
+        <p:txBody>
+          <a:bodyPr/>
+          <a:lstStyle/>
+          <a:p>
+            <a:pPr marL="0" indent="0" algn="ctr">
+              <a:buNone/>
+            </a:pPr>
+            <a:r>
+              <a:rPr lang="en-US" sz="3600" dirty="0">
+                <a:latin typeface="+mj-lt"/>
+              </a:rPr>
+              <a:t>A system that:</a:t>
+            </a:r>
+          </a:p>
+          <a:p>
+            <a:pPr marL="0" indent="0">
+              <a:buNone/>
+            </a:pPr>
+            <a:endParaRPr lang="en-US" dirty="0">
+              <a:latin typeface="+mj-lt"/>
+            </a:endParaRPr>
+          </a:p>
+        </p:txBody>
+      </p:sp>
+      <p:sp>
+        <p:nvSpPr>
+          <p:cNvPr id="4" name="Rectangle: Rounded Corners 3">
+            <a:extLst>
+              <a:ext uri="{FF2B5EF4-FFF2-40B4-BE49-F238E27FC236}">
+                <a16:creationId xmlns:a16="http://schemas.microsoft.com/office/drawing/2014/main" id="{271A5690-00A1-4EBD-BA23-2FFBBEBB9A86}"/>
+              </a:ext>
+            </a:extLst>
+          </p:cNvPr>
+          <p:cNvSpPr/>
+          <p:nvPr/>
+        </p:nvSpPr>
+        <p:spPr>
+          <a:xfrm>
+            <a:off x="1165370" y="1627464"/>
+            <a:ext cx="1888261" cy="1563018"/>
+          </a:xfrm>
+          <a:prstGeom prst="roundRect">
+            <a:avLst/>
+          </a:prstGeom>
+          <a:solidFill>
+            <a:schemeClr val="bg2"/>
+          </a:solidFill>
+          <a:ln>
+            <a:noFill/>
+          </a:ln>
+        </p:spPr>
+        <p:style>
+          <a:lnRef idx="2">
+            <a:schemeClr val="accent1">
+              <a:shade val="50000"/>
+            </a:schemeClr>
+          </a:lnRef>
+          <a:fillRef idx="1">
+            <a:schemeClr val="accent1"/>
+          </a:fillRef>
+          <a:effectRef idx="0">
+            <a:schemeClr val="accent1"/>
+          </a:effectRef>
+          <a:fontRef idx="minor">
+            <a:schemeClr val="lt1"/>
+          </a:fontRef>
+        </p:style>
+        <p:txBody>
+          <a:bodyPr rtlCol="0" anchor="ctr"/>
+          <a:lstStyle/>
+          <a:p>
+            <a:pPr algn="ctr"/>
+            <a:r>
+              <a:rPr lang="en-MY" dirty="0">
+                <a:solidFill>
+                  <a:schemeClr val="tx1"/>
+                </a:solidFill>
+              </a:rPr>
+              <a:t>Records changes made</a:t>
+            </a:r>
+          </a:p>
+        </p:txBody>
+      </p:sp>
+      <p:sp>
+        <p:nvSpPr>
+          <p:cNvPr id="7" name="Rectangle: Rounded Corners 6">
+            <a:extLst>
+              <a:ext uri="{FF2B5EF4-FFF2-40B4-BE49-F238E27FC236}">
+                <a16:creationId xmlns:a16="http://schemas.microsoft.com/office/drawing/2014/main" id="{00AEEC39-7F46-4F51-B127-BBA8315603FF}"/>
+              </a:ext>
+            </a:extLst>
+          </p:cNvPr>
+          <p:cNvSpPr/>
+          <p:nvPr/>
+        </p:nvSpPr>
+        <p:spPr>
+          <a:xfrm>
+            <a:off x="3817689" y="1627464"/>
+            <a:ext cx="1888261" cy="1563018"/>
+          </a:xfrm>
+          <a:prstGeom prst="roundRect">
+            <a:avLst/>
+          </a:prstGeom>
+          <a:solidFill>
+            <a:schemeClr val="bg2"/>
+          </a:solidFill>
+          <a:ln>
+            <a:noFill/>
+          </a:ln>
+        </p:spPr>
+        <p:style>
+          <a:lnRef idx="2">
+            <a:schemeClr val="accent6">
+              <a:shade val="50000"/>
+            </a:schemeClr>
+          </a:lnRef>
+          <a:fillRef idx="1">
+            <a:schemeClr val="accent6"/>
+          </a:fillRef>
+          <a:effectRef idx="0">
+            <a:schemeClr val="accent6"/>
+          </a:effectRef>
+          <a:fontRef idx="minor">
+            <a:schemeClr val="lt1"/>
+          </a:fontRef>
+        </p:style>
+        <p:txBody>
+          <a:bodyPr rtlCol="0" anchor="ctr"/>
+          <a:lstStyle/>
+          <a:p>
+            <a:pPr algn="ctr"/>
+            <a:r>
+              <a:rPr lang="en-MY" dirty="0">
+                <a:solidFill>
+                  <a:schemeClr val="tx1"/>
+                </a:solidFill>
+              </a:rPr>
+              <a:t>Can recover previous versions</a:t>
+            </a:r>
+          </a:p>
+        </p:txBody>
+      </p:sp>
+      <p:sp>
+        <p:nvSpPr>
+          <p:cNvPr id="8" name="Rectangle: Rounded Corners 7">
+            <a:extLst>
+              <a:ext uri="{FF2B5EF4-FFF2-40B4-BE49-F238E27FC236}">
+                <a16:creationId xmlns:a16="http://schemas.microsoft.com/office/drawing/2014/main" id="{80E687EE-9A7E-4C1F-949E-E87410C1267F}"/>
+              </a:ext>
+            </a:extLst>
+          </p:cNvPr>
+          <p:cNvSpPr/>
+          <p:nvPr/>
+        </p:nvSpPr>
+        <p:spPr>
+          <a:xfrm>
+            <a:off x="6470008" y="1627464"/>
+            <a:ext cx="1888261" cy="1563018"/>
+          </a:xfrm>
+          <a:prstGeom prst="roundRect">
+            <a:avLst/>
+          </a:prstGeom>
+          <a:solidFill>
+            <a:schemeClr val="accent6"/>
+          </a:solidFill>
+          <a:ln>
+            <a:noFill/>
+          </a:ln>
+        </p:spPr>
+        <p:style>
+          <a:lnRef idx="1">
+            <a:schemeClr val="accent4"/>
+          </a:lnRef>
+          <a:fillRef idx="3">
+            <a:schemeClr val="accent4"/>
+          </a:fillRef>
+          <a:effectRef idx="2">
+            <a:schemeClr val="accent4"/>
+          </a:effectRef>
+          <a:fontRef idx="minor">
+            <a:schemeClr val="lt1"/>
+          </a:fontRef>
+        </p:style>
+        <p:txBody>
+          <a:bodyPr rtlCol="0" anchor="ctr"/>
+          <a:lstStyle/>
+          <a:p>
+            <a:pPr algn="ctr"/>
+            <a:r>
+              <a:rPr lang="en-MY" dirty="0">
+                <a:solidFill>
+                  <a:schemeClr val="bg2"/>
+                </a:solidFill>
+              </a:rPr>
+              <a:t>Allows us to work independently in a team</a:t>
+            </a:r>
+          </a:p>
+        </p:txBody>
+      </p:sp>
+      <p:sp>
+        <p:nvSpPr>
+          <p:cNvPr id="9" name="Rectangle: Rounded Corners 8">
+            <a:extLst>
+              <a:ext uri="{FF2B5EF4-FFF2-40B4-BE49-F238E27FC236}">
+                <a16:creationId xmlns:a16="http://schemas.microsoft.com/office/drawing/2014/main" id="{61A158EC-5DDB-4778-BA26-5238F108FB5C}"/>
+              </a:ext>
+            </a:extLst>
+          </p:cNvPr>
+          <p:cNvSpPr/>
+          <p:nvPr/>
+        </p:nvSpPr>
+        <p:spPr>
+          <a:xfrm>
+            <a:off x="9122327" y="1627464"/>
+            <a:ext cx="1888261" cy="1563018"/>
+          </a:xfrm>
+          <a:prstGeom prst="roundRect">
+            <a:avLst/>
+          </a:prstGeom>
+          <a:solidFill>
+            <a:schemeClr val="accent6"/>
+          </a:solidFill>
+          <a:ln>
+            <a:noFill/>
+          </a:ln>
+        </p:spPr>
+        <p:style>
+          <a:lnRef idx="1">
+            <a:schemeClr val="accent1"/>
+          </a:lnRef>
+          <a:fillRef idx="3">
+            <a:schemeClr val="accent1"/>
+          </a:fillRef>
+          <a:effectRef idx="2">
+            <a:schemeClr val="accent1"/>
+          </a:effectRef>
+          <a:fontRef idx="minor">
+            <a:schemeClr val="lt1"/>
+          </a:fontRef>
+        </p:style>
+        <p:txBody>
+          <a:bodyPr rtlCol="0" anchor="ctr"/>
+          <a:lstStyle/>
+          <a:p>
+            <a:pPr algn="ctr"/>
+            <a:r>
+              <a:rPr lang="en-MY" dirty="0">
+                <a:solidFill>
+                  <a:schemeClr val="bg2"/>
+                </a:solidFill>
+              </a:rPr>
+              <a:t>Stores files in one place</a:t>
+            </a:r>
+          </a:p>
+        </p:txBody>
+      </p:sp>
+      <p:sp>
+        <p:nvSpPr>
+          <p:cNvPr id="11" name="Title 1">
+            <a:extLst>
+              <a:ext uri="{FF2B5EF4-FFF2-40B4-BE49-F238E27FC236}">
+                <a16:creationId xmlns:a16="http://schemas.microsoft.com/office/drawing/2014/main" id="{BDDB32F0-D524-4A32-8A3E-88EC14C9D5FC}"/>
+              </a:ext>
+            </a:extLst>
+          </p:cNvPr>
+          <p:cNvSpPr txBox="1">
+            <a:spLocks/>
+          </p:cNvSpPr>
+          <p:nvPr/>
+        </p:nvSpPr>
+        <p:spPr>
+          <a:xfrm>
+            <a:off x="4455515" y="3875735"/>
+            <a:ext cx="3280969" cy="711142"/>
+          </a:xfrm>
+          <a:prstGeom prst="rect">
+            <a:avLst/>
+          </a:prstGeom>
+        </p:spPr>
+        <p:txBody>
+          <a:bodyPr vert="horz" lIns="91440" tIns="45720" rIns="91440" bIns="45720" rtlCol="0" anchor="ctr">
+            <a:noAutofit/>
+          </a:bodyPr>
+          <a:lstStyle>
+            <a:lvl1pPr algn="l" defTabSz="914400" rtl="0" eaLnBrk="1" latinLnBrk="0" hangingPunct="1">
+              <a:lnSpc>
+                <a:spcPct val="90000"/>
+              </a:lnSpc>
+              <a:spcBef>
+                <a:spcPct val="0"/>
+              </a:spcBef>
+              <a:buNone/>
+              <a:defRPr sz="4400" kern="1200">
+                <a:solidFill>
+                  <a:schemeClr val="bg1"/>
+                </a:solidFill>
+                <a:latin typeface="+mj-lt"/>
+                <a:ea typeface="+mj-ea"/>
+                <a:cs typeface="+mj-cs"/>
+              </a:defRPr>
+            </a:lvl1pPr>
+          </a:lstStyle>
+          <a:p>
+            <a:pPr algn="ctr"/>
+            <a:r>
+              <a:rPr lang="en-US" sz="3600" dirty="0"/>
+              <a:t>Introducing</a:t>
+            </a:r>
+          </a:p>
+        </p:txBody>
+      </p:sp>
+      <p:pic>
+        <p:nvPicPr>
+          <p:cNvPr id="4100" name="Picture 4" descr="Git and Github: A Beginner's Guide">
+            <a:extLst>
+              <a:ext uri="{FF2B5EF4-FFF2-40B4-BE49-F238E27FC236}">
+                <a16:creationId xmlns:a16="http://schemas.microsoft.com/office/drawing/2014/main" id="{3A337843-39E4-4121-93B3-8A13AB6A5E48}"/>
+              </a:ext>
+            </a:extLst>
+          </p:cNvPr>
+          <p:cNvPicPr>
+            <a:picLocks noChangeAspect="1" noChangeArrowheads="1"/>
+          </p:cNvPicPr>
+          <p:nvPr/>
+        </p:nvPicPr>
+        <p:blipFill rotWithShape="1">
+          <a:blip r:embed="rId2">
+            <a:extLst>
+              <a:ext uri="{28A0092B-C50C-407E-A947-70E740481C1C}">
+                <a14:useLocalDpi xmlns:a14="http://schemas.microsoft.com/office/drawing/2010/main" val="0"/>
+              </a:ext>
+            </a:extLst>
+          </a:blip>
+          <a:srcRect l="7873" t="14309" r="8197" b="21632"/>
+          <a:stretch/>
+        </p:blipFill>
+        <p:spPr bwMode="auto">
+          <a:xfrm>
+            <a:off x="477841" y="4903247"/>
+            <a:ext cx="3263317" cy="1388496"/>
+          </a:xfrm>
+          <a:prstGeom prst="rect">
+            <a:avLst/>
+          </a:prstGeom>
+          <a:noFill/>
+          <a:extLst>
+            <a:ext uri="{909E8E84-426E-40DD-AFC4-6F175D3DCCD1}">
+              <a14:hiddenFill xmlns:a14="http://schemas.microsoft.com/office/drawing/2010/main">
+                <a:solidFill>
+                  <a:srgbClr val="FFFFFF"/>
+                </a:solidFill>
+              </a14:hiddenFill>
+            </a:ext>
+          </a:extLst>
+        </p:spPr>
+      </p:pic>
+      <p:sp>
+        <p:nvSpPr>
+          <p:cNvPr id="13" name="Content Placeholder 2">
+            <a:extLst>
+              <a:ext uri="{FF2B5EF4-FFF2-40B4-BE49-F238E27FC236}">
+                <a16:creationId xmlns:a16="http://schemas.microsoft.com/office/drawing/2014/main" id="{9B0E902E-D838-4A61-A3B3-8901FC18962B}"/>
+              </a:ext>
+            </a:extLst>
+          </p:cNvPr>
+          <p:cNvSpPr txBox="1">
+            <a:spLocks/>
+          </p:cNvSpPr>
+          <p:nvPr/>
+        </p:nvSpPr>
+        <p:spPr>
+          <a:xfrm>
+            <a:off x="4035103" y="5041782"/>
+            <a:ext cx="7592037" cy="1388496"/>
+          </a:xfrm>
+          <a:prstGeom prst="rect">
+            <a:avLst/>
+          </a:prstGeom>
+        </p:spPr>
+        <p:txBody>
+          <a:bodyPr vert="horz" lIns="91440" tIns="45720" rIns="91440" bIns="45720" rtlCol="0">
+            <a:normAutofit fontScale="92500"/>
+          </a:bodyPr>
+          <a:lstStyle>
+            <a:lvl1pPr marL="228600" indent="-228600" algn="l" defTabSz="914400" rtl="0" eaLnBrk="1" latinLnBrk="0" hangingPunct="1">
+              <a:lnSpc>
+                <a:spcPct val="90000"/>
+              </a:lnSpc>
+              <a:spcBef>
+                <a:spcPts val="1000"/>
+              </a:spcBef>
+              <a:buClr>
+                <a:schemeClr val="accent4"/>
+              </a:buClr>
+              <a:buFont typeface="Wingdings" panose="05000000000000000000" pitchFamily="2" charset="2"/>
+              <a:buChar char="§"/>
+              <a:defRPr sz="2800" kern="1200">
+                <a:solidFill>
+                  <a:schemeClr val="bg1"/>
+                </a:solidFill>
+                <a:latin typeface="+mn-lt"/>
+                <a:ea typeface="+mn-ea"/>
+                <a:cs typeface="+mn-cs"/>
+              </a:defRPr>
+            </a:lvl1pPr>
+            <a:lvl2pPr marL="685800" indent="-228600" algn="l" defTabSz="914400" rtl="0" eaLnBrk="1" latinLnBrk="0" hangingPunct="1">
+              <a:lnSpc>
+                <a:spcPct val="90000"/>
+              </a:lnSpc>
+              <a:spcBef>
+                <a:spcPts val="500"/>
+              </a:spcBef>
+              <a:buClr>
+                <a:schemeClr val="accent4"/>
+              </a:buClr>
+              <a:buFont typeface="Wingdings" panose="05000000000000000000" pitchFamily="2" charset="2"/>
+              <a:buChar char="§"/>
+              <a:defRPr sz="2400" kern="1200">
+                <a:solidFill>
+                  <a:schemeClr val="bg1"/>
+                </a:solidFill>
+                <a:latin typeface="+mn-lt"/>
+                <a:ea typeface="+mn-ea"/>
+                <a:cs typeface="+mn-cs"/>
+              </a:defRPr>
+            </a:lvl2pPr>
+            <a:lvl3pPr marL="1143000" indent="-228600" algn="l" defTabSz="914400" rtl="0" eaLnBrk="1" latinLnBrk="0" hangingPunct="1">
+              <a:lnSpc>
+                <a:spcPct val="90000"/>
+              </a:lnSpc>
+              <a:spcBef>
+                <a:spcPts val="500"/>
+              </a:spcBef>
+              <a:buClr>
+                <a:schemeClr val="accent4"/>
+              </a:buClr>
+              <a:buFont typeface="Wingdings" panose="05000000000000000000" pitchFamily="2" charset="2"/>
+              <a:buChar char="§"/>
+              <a:defRPr sz="2000" kern="1200">
+                <a:solidFill>
+                  <a:schemeClr val="bg1"/>
+                </a:solidFill>
+                <a:latin typeface="+mn-lt"/>
+                <a:ea typeface="+mn-ea"/>
+                <a:cs typeface="+mn-cs"/>
+              </a:defRPr>
+            </a:lvl3pPr>
+            <a:lvl4pPr marL="1600200" indent="-228600" algn="l" defTabSz="914400" rtl="0" eaLnBrk="1" latinLnBrk="0" hangingPunct="1">
+              <a:lnSpc>
+                <a:spcPct val="90000"/>
+              </a:lnSpc>
+              <a:spcBef>
+                <a:spcPts val="500"/>
+              </a:spcBef>
+              <a:buClr>
+                <a:schemeClr val="accent4"/>
+              </a:buClr>
+              <a:buFont typeface="Wingdings" panose="05000000000000000000" pitchFamily="2" charset="2"/>
+              <a:buChar char="§"/>
+              <a:defRPr sz="1800" kern="1200">
+                <a:solidFill>
+                  <a:schemeClr val="bg1"/>
+                </a:solidFill>
+                <a:latin typeface="+mn-lt"/>
+                <a:ea typeface="+mn-ea"/>
+                <a:cs typeface="+mn-cs"/>
+              </a:defRPr>
+            </a:lvl4pPr>
+            <a:lvl5pPr marL="2057400" indent="-228600" algn="l" defTabSz="914400" rtl="0" eaLnBrk="1" latinLnBrk="0" hangingPunct="1">
+              <a:lnSpc>
+                <a:spcPct val="90000"/>
+              </a:lnSpc>
+              <a:spcBef>
+                <a:spcPts val="500"/>
+              </a:spcBef>
+              <a:buClr>
+                <a:schemeClr val="accent4"/>
+              </a:buClr>
+              <a:buFont typeface="Wingdings" panose="05000000000000000000" pitchFamily="2" charset="2"/>
+              <a:buChar char="§"/>
+              <a:defRPr sz="1800" kern="1200">
+                <a:solidFill>
+                  <a:schemeClr val="bg1"/>
+                </a:solidFill>
+                <a:latin typeface="+mn-lt"/>
+                <a:ea typeface="+mn-ea"/>
+                <a:cs typeface="+mn-cs"/>
+              </a:defRPr>
+            </a:lvl5pPr>
+            <a:lvl6pPr marL="2514600" indent="-228600" algn="l" defTabSz="914400" rtl="0" eaLnBrk="1" latinLnBrk="0" hangingPunct="1">
+              <a:lnSpc>
+                <a:spcPct val="90000"/>
+              </a:lnSpc>
+              <a:spcBef>
+                <a:spcPts val="500"/>
+              </a:spcBef>
+              <a:buFont typeface="Arial" panose="020B0604020202020204" pitchFamily="34" charset="0"/>
+              <a:buChar char="•"/>
+              <a:defRPr sz="1800" kern="1200">
+                <a:solidFill>
+                  <a:schemeClr val="tx1"/>
+                </a:solidFill>
+                <a:latin typeface="+mn-lt"/>
+                <a:ea typeface="+mn-ea"/>
+                <a:cs typeface="+mn-cs"/>
+              </a:defRPr>
+            </a:lvl6pPr>
+            <a:lvl7pPr marL="2971800" indent="-228600" algn="l" defTabSz="914400" rtl="0" eaLnBrk="1" latinLnBrk="0" hangingPunct="1">
+              <a:lnSpc>
+                <a:spcPct val="90000"/>
+              </a:lnSpc>
+              <a:spcBef>
+                <a:spcPts val="500"/>
+              </a:spcBef>
+              <a:buFont typeface="Arial" panose="020B0604020202020204" pitchFamily="34" charset="0"/>
+              <a:buChar char="•"/>
+              <a:defRPr sz="1800" kern="1200">
+                <a:solidFill>
+                  <a:schemeClr val="tx1"/>
+                </a:solidFill>
+                <a:latin typeface="+mn-lt"/>
+                <a:ea typeface="+mn-ea"/>
+                <a:cs typeface="+mn-cs"/>
+              </a:defRPr>
+            </a:lvl7pPr>
+            <a:lvl8pPr marL="3429000" indent="-228600" algn="l" defTabSz="914400" rtl="0" eaLnBrk="1" latinLnBrk="0" hangingPunct="1">
+              <a:lnSpc>
+                <a:spcPct val="90000"/>
+              </a:lnSpc>
+              <a:spcBef>
+                <a:spcPts val="500"/>
+              </a:spcBef>
+              <a:buFont typeface="Arial" panose="020B0604020202020204" pitchFamily="34" charset="0"/>
+              <a:buChar char="•"/>
+              <a:defRPr sz="1800" kern="1200">
+                <a:solidFill>
+                  <a:schemeClr val="tx1"/>
+                </a:solidFill>
+                <a:latin typeface="+mn-lt"/>
+                <a:ea typeface="+mn-ea"/>
+                <a:cs typeface="+mn-cs"/>
+              </a:defRPr>
+            </a:lvl8pPr>
+            <a:lvl9pPr marL="3886200" indent="-228600" algn="l" defTabSz="914400" rtl="0" eaLnBrk="1" latinLnBrk="0" hangingPunct="1">
+              <a:lnSpc>
+                <a:spcPct val="90000"/>
+              </a:lnSpc>
+              <a:spcBef>
+                <a:spcPts val="500"/>
+              </a:spcBef>
+              <a:buFont typeface="Arial" panose="020B0604020202020204" pitchFamily="34" charset="0"/>
+              <a:buChar char="•"/>
+              <a:defRPr sz="1800" kern="1200">
+                <a:solidFill>
+                  <a:schemeClr val="tx1"/>
+                </a:solidFill>
+                <a:latin typeface="+mn-lt"/>
+                <a:ea typeface="+mn-ea"/>
+                <a:cs typeface="+mn-cs"/>
+              </a:defRPr>
+            </a:lvl9pPr>
+          </a:lstStyle>
+          <a:p>
+            <a:r>
+              <a:rPr lang="en-US" sz="2400" dirty="0"/>
+              <a:t>Git: A </a:t>
+            </a:r>
+            <a:r>
+              <a:rPr lang="en-US" sz="2400" b="1" dirty="0"/>
+              <a:t>distributed </a:t>
+            </a:r>
+            <a:r>
+              <a:rPr lang="en-US" sz="2400" dirty="0"/>
+              <a:t>VCS that takes ‘snapshots’ of your project.</a:t>
+            </a:r>
+          </a:p>
+          <a:p>
+            <a:r>
+              <a:rPr lang="en-US" sz="2400" dirty="0"/>
+              <a:t>GitHub: A platform to host &amp; collab on repositories (project).</a:t>
+            </a:r>
+          </a:p>
+        </p:txBody>
+      </p:sp>
+    </p:spTree>
+    <p:extLst>
+      <p:ext uri="{BB962C8B-B14F-4D97-AF65-F5344CB8AC3E}">
+        <p14:creationId xmlns:p14="http://schemas.microsoft.com/office/powerpoint/2010/main" val="1852513965"/>
+      </p:ext>
+    </p:extLst>
+  </p:cSld>
+  <p:clrMapOvr>
+    <a:masterClrMapping/>
+  </p:clrMapOvr>
+</p:sld>
+</file>
+
+<file path=ppt/slides/slide30.xml><?xml version="1.0" encoding="utf-8"?>
 <p:sld xmlns:a="http://schemas.openxmlformats.org/drawingml/2006/main" xmlns:r="http://schemas.openxmlformats.org/officeDocument/2006/relationships" xmlns:p="http://schemas.openxmlformats.org/presentationml/2006/main">
   <p:cSld>
     <p:spTree>
@@ -12038,7 +13230,7 @@
 </p:sld>
 </file>
 
-<file path=ppt/slides/slide29.xml><?xml version="1.0" encoding="utf-8"?>
+<file path=ppt/slides/slide31.xml><?xml version="1.0" encoding="utf-8"?>
 <p:sld xmlns:a="http://schemas.openxmlformats.org/drawingml/2006/main" xmlns:r="http://schemas.openxmlformats.org/officeDocument/2006/relationships" xmlns:p="http://schemas.openxmlformats.org/presentationml/2006/main">
   <p:cSld>
     <p:spTree>
@@ -12090,53 +13282,6 @@
       </p:sp>
       <p:pic>
         <p:nvPicPr>
-          <p:cNvPr id="1026" name="Picture 2" descr="The lifecycle of the status of your files">
-            <a:extLst>
-              <a:ext uri="{FF2B5EF4-FFF2-40B4-BE49-F238E27FC236}">
-                <a16:creationId xmlns:a16="http://schemas.microsoft.com/office/drawing/2014/main" id="{BD24A914-4B8F-402A-85ED-3F6BB8985C56}"/>
-              </a:ext>
-            </a:extLst>
-          </p:cNvPr>
-          <p:cNvPicPr>
-            <a:picLocks noChangeAspect="1" noChangeArrowheads="1"/>
-          </p:cNvPicPr>
-          <p:nvPr/>
-        </p:nvPicPr>
-        <p:blipFill>
-          <a:blip r:embed="rId2">
-            <a:extLst>
-              <a:ext uri="{28A0092B-C50C-407E-A947-70E740481C1C}">
-                <a14:useLocalDpi xmlns:a14="http://schemas.microsoft.com/office/drawing/2010/main" val="0"/>
-              </a:ext>
-            </a:extLst>
-          </a:blip>
-          <a:srcRect/>
-          <a:stretch>
-            <a:fillRect/>
-          </a:stretch>
-        </p:blipFill>
-        <p:spPr bwMode="auto">
-          <a:xfrm>
-            <a:off x="705774" y="1469121"/>
-            <a:ext cx="7620000" cy="3143250"/>
-          </a:xfrm>
-          <a:prstGeom prst="rect">
-            <a:avLst/>
-          </a:prstGeom>
-          <a:noFill/>
-          <a:extLst>
-            <a:ext uri="{909E8E84-426E-40DD-AFC4-6F175D3DCCD1}">
-              <a14:hiddenFill xmlns:a14="http://schemas.microsoft.com/office/drawing/2010/main">
-                <a:solidFill>
-                  <a:srgbClr val="FFFFFF"/>
-                </a:solidFill>
-              </a14:hiddenFill>
-            </a:ext>
-          </a:extLst>
-        </p:spPr>
-      </p:pic>
-      <p:pic>
-        <p:nvPicPr>
           <p:cNvPr id="9" name="Picture 8" descr="Diagram, timeline&#10;&#10;Description automatically generated with medium confidence">
             <a:extLst>
               <a:ext uri="{FF2B5EF4-FFF2-40B4-BE49-F238E27FC236}">
@@ -12150,7 +13295,7 @@
           <p:nvPr/>
         </p:nvPicPr>
         <p:blipFill>
-          <a:blip r:embed="rId3"/>
+          <a:blip r:embed="rId2"/>
           <a:stretch>
             <a:fillRect/>
           </a:stretch>
@@ -12180,7 +13325,7 @@
           <p:nvPr/>
         </p:nvPicPr>
         <p:blipFill>
-          <a:blip r:embed="rId4"/>
+          <a:blip r:embed="rId3"/>
           <a:stretch>
             <a:fillRect/>
           </a:stretch>
@@ -12208,7 +13353,7 @@
 </p:sld>
 </file>
 
-<file path=ppt/slides/slide3.xml><?xml version="1.0" encoding="utf-8"?>
+<file path=ppt/slides/slide32.xml><?xml version="1.0" encoding="utf-8"?>
 <p:sld xmlns:a="http://schemas.openxmlformats.org/drawingml/2006/main" xmlns:r="http://schemas.openxmlformats.org/officeDocument/2006/relationships" xmlns:p="http://schemas.openxmlformats.org/presentationml/2006/main">
   <p:cSld>
     <p:spTree>
@@ -12227,642 +13372,6 @@
       </p:grpSpPr>
       <p:sp>
         <p:nvSpPr>
-          <p:cNvPr id="3" name="Content Placeholder 2">
-            <a:extLst>
-              <a:ext uri="{FF2B5EF4-FFF2-40B4-BE49-F238E27FC236}">
-                <a16:creationId xmlns:a16="http://schemas.microsoft.com/office/drawing/2014/main" id="{6CD1FD88-1DF5-4CB5-97CD-1BF062D3DAAF}"/>
-              </a:ext>
-            </a:extLst>
-          </p:cNvPr>
-          <p:cNvSpPr>
-            <a:spLocks noGrp="1"/>
-          </p:cNvSpPr>
-          <p:nvPr>
-            <p:ph idx="1"/>
-          </p:nvPr>
-        </p:nvSpPr>
-        <p:spPr>
-          <a:xfrm>
-            <a:off x="754310" y="491775"/>
-            <a:ext cx="10515600" cy="4351338"/>
-          </a:xfrm>
-        </p:spPr>
-        <p:txBody>
-          <a:bodyPr/>
-          <a:lstStyle/>
-          <a:p>
-            <a:pPr marL="0" indent="0" algn="ctr">
-              <a:buNone/>
-            </a:pPr>
-            <a:r>
-              <a:rPr lang="en-US" sz="3600" dirty="0">
-                <a:latin typeface="+mj-lt"/>
-              </a:rPr>
-              <a:t>A system that:</a:t>
-            </a:r>
-          </a:p>
-          <a:p>
-            <a:pPr marL="0" indent="0">
-              <a:buNone/>
-            </a:pPr>
-            <a:endParaRPr lang="en-US" dirty="0">
-              <a:latin typeface="+mj-lt"/>
-            </a:endParaRPr>
-          </a:p>
-        </p:txBody>
-      </p:sp>
-      <p:sp>
-        <p:nvSpPr>
-          <p:cNvPr id="4" name="Rectangle: Rounded Corners 3">
-            <a:extLst>
-              <a:ext uri="{FF2B5EF4-FFF2-40B4-BE49-F238E27FC236}">
-                <a16:creationId xmlns:a16="http://schemas.microsoft.com/office/drawing/2014/main" id="{271A5690-00A1-4EBD-BA23-2FFBBEBB9A86}"/>
-              </a:ext>
-            </a:extLst>
-          </p:cNvPr>
-          <p:cNvSpPr/>
-          <p:nvPr/>
-        </p:nvSpPr>
-        <p:spPr>
-          <a:xfrm>
-            <a:off x="1165370" y="1627464"/>
-            <a:ext cx="1888261" cy="1563018"/>
-          </a:xfrm>
-          <a:prstGeom prst="roundRect">
-            <a:avLst/>
-          </a:prstGeom>
-          <a:solidFill>
-            <a:schemeClr val="bg2"/>
-          </a:solidFill>
-          <a:ln>
-            <a:noFill/>
-          </a:ln>
-        </p:spPr>
-        <p:style>
-          <a:lnRef idx="2">
-            <a:schemeClr val="accent1">
-              <a:shade val="50000"/>
-            </a:schemeClr>
-          </a:lnRef>
-          <a:fillRef idx="1">
-            <a:schemeClr val="accent1"/>
-          </a:fillRef>
-          <a:effectRef idx="0">
-            <a:schemeClr val="accent1"/>
-          </a:effectRef>
-          <a:fontRef idx="minor">
-            <a:schemeClr val="lt1"/>
-          </a:fontRef>
-        </p:style>
-        <p:txBody>
-          <a:bodyPr rtlCol="0" anchor="ctr"/>
-          <a:lstStyle/>
-          <a:p>
-            <a:pPr algn="ctr"/>
-            <a:r>
-              <a:rPr lang="en-MY" dirty="0">
-                <a:solidFill>
-                  <a:schemeClr val="tx1"/>
-                </a:solidFill>
-              </a:rPr>
-              <a:t>Records changes made</a:t>
-            </a:r>
-          </a:p>
-        </p:txBody>
-      </p:sp>
-      <p:sp>
-        <p:nvSpPr>
-          <p:cNvPr id="7" name="Rectangle: Rounded Corners 6">
-            <a:extLst>
-              <a:ext uri="{FF2B5EF4-FFF2-40B4-BE49-F238E27FC236}">
-                <a16:creationId xmlns:a16="http://schemas.microsoft.com/office/drawing/2014/main" id="{00AEEC39-7F46-4F51-B127-BBA8315603FF}"/>
-              </a:ext>
-            </a:extLst>
-          </p:cNvPr>
-          <p:cNvSpPr/>
-          <p:nvPr/>
-        </p:nvSpPr>
-        <p:spPr>
-          <a:xfrm>
-            <a:off x="3817689" y="1627464"/>
-            <a:ext cx="1888261" cy="1563018"/>
-          </a:xfrm>
-          <a:prstGeom prst="roundRect">
-            <a:avLst/>
-          </a:prstGeom>
-          <a:solidFill>
-            <a:schemeClr val="bg2"/>
-          </a:solidFill>
-          <a:ln>
-            <a:noFill/>
-          </a:ln>
-        </p:spPr>
-        <p:style>
-          <a:lnRef idx="2">
-            <a:schemeClr val="accent6">
-              <a:shade val="50000"/>
-            </a:schemeClr>
-          </a:lnRef>
-          <a:fillRef idx="1">
-            <a:schemeClr val="accent6"/>
-          </a:fillRef>
-          <a:effectRef idx="0">
-            <a:schemeClr val="accent6"/>
-          </a:effectRef>
-          <a:fontRef idx="minor">
-            <a:schemeClr val="lt1"/>
-          </a:fontRef>
-        </p:style>
-        <p:txBody>
-          <a:bodyPr rtlCol="0" anchor="ctr"/>
-          <a:lstStyle/>
-          <a:p>
-            <a:pPr algn="ctr"/>
-            <a:r>
-              <a:rPr lang="en-MY" dirty="0">
-                <a:solidFill>
-                  <a:schemeClr val="tx1"/>
-                </a:solidFill>
-              </a:rPr>
-              <a:t>Can recover previous versions</a:t>
-            </a:r>
-          </a:p>
-        </p:txBody>
-      </p:sp>
-      <p:sp>
-        <p:nvSpPr>
-          <p:cNvPr id="8" name="Rectangle: Rounded Corners 7">
-            <a:extLst>
-              <a:ext uri="{FF2B5EF4-FFF2-40B4-BE49-F238E27FC236}">
-                <a16:creationId xmlns:a16="http://schemas.microsoft.com/office/drawing/2014/main" id="{80E687EE-9A7E-4C1F-949E-E87410C1267F}"/>
-              </a:ext>
-            </a:extLst>
-          </p:cNvPr>
-          <p:cNvSpPr/>
-          <p:nvPr/>
-        </p:nvSpPr>
-        <p:spPr>
-          <a:xfrm>
-            <a:off x="6470008" y="1627464"/>
-            <a:ext cx="1888261" cy="1563018"/>
-          </a:xfrm>
-          <a:prstGeom prst="roundRect">
-            <a:avLst/>
-          </a:prstGeom>
-          <a:solidFill>
-            <a:schemeClr val="accent6"/>
-          </a:solidFill>
-          <a:ln>
-            <a:noFill/>
-          </a:ln>
-        </p:spPr>
-        <p:style>
-          <a:lnRef idx="1">
-            <a:schemeClr val="accent4"/>
-          </a:lnRef>
-          <a:fillRef idx="3">
-            <a:schemeClr val="accent4"/>
-          </a:fillRef>
-          <a:effectRef idx="2">
-            <a:schemeClr val="accent4"/>
-          </a:effectRef>
-          <a:fontRef idx="minor">
-            <a:schemeClr val="lt1"/>
-          </a:fontRef>
-        </p:style>
-        <p:txBody>
-          <a:bodyPr rtlCol="0" anchor="ctr"/>
-          <a:lstStyle/>
-          <a:p>
-            <a:pPr algn="ctr"/>
-            <a:r>
-              <a:rPr lang="en-MY" dirty="0">
-                <a:solidFill>
-                  <a:schemeClr val="bg2"/>
-                </a:solidFill>
-              </a:rPr>
-              <a:t>Allows us to work independently in a team</a:t>
-            </a:r>
-          </a:p>
-        </p:txBody>
-      </p:sp>
-      <p:sp>
-        <p:nvSpPr>
-          <p:cNvPr id="9" name="Rectangle: Rounded Corners 8">
-            <a:extLst>
-              <a:ext uri="{FF2B5EF4-FFF2-40B4-BE49-F238E27FC236}">
-                <a16:creationId xmlns:a16="http://schemas.microsoft.com/office/drawing/2014/main" id="{61A158EC-5DDB-4778-BA26-5238F108FB5C}"/>
-              </a:ext>
-            </a:extLst>
-          </p:cNvPr>
-          <p:cNvSpPr/>
-          <p:nvPr/>
-        </p:nvSpPr>
-        <p:spPr>
-          <a:xfrm>
-            <a:off x="9122327" y="1627464"/>
-            <a:ext cx="1888261" cy="1563018"/>
-          </a:xfrm>
-          <a:prstGeom prst="roundRect">
-            <a:avLst/>
-          </a:prstGeom>
-          <a:solidFill>
-            <a:schemeClr val="accent6"/>
-          </a:solidFill>
-          <a:ln>
-            <a:noFill/>
-          </a:ln>
-        </p:spPr>
-        <p:style>
-          <a:lnRef idx="1">
-            <a:schemeClr val="accent1"/>
-          </a:lnRef>
-          <a:fillRef idx="3">
-            <a:schemeClr val="accent1"/>
-          </a:fillRef>
-          <a:effectRef idx="2">
-            <a:schemeClr val="accent1"/>
-          </a:effectRef>
-          <a:fontRef idx="minor">
-            <a:schemeClr val="lt1"/>
-          </a:fontRef>
-        </p:style>
-        <p:txBody>
-          <a:bodyPr rtlCol="0" anchor="ctr"/>
-          <a:lstStyle/>
-          <a:p>
-            <a:pPr algn="ctr"/>
-            <a:r>
-              <a:rPr lang="en-MY" dirty="0">
-                <a:solidFill>
-                  <a:schemeClr val="bg2"/>
-                </a:solidFill>
-              </a:rPr>
-              <a:t>Stores files in one place</a:t>
-            </a:r>
-          </a:p>
-        </p:txBody>
-      </p:sp>
-      <p:sp>
-        <p:nvSpPr>
-          <p:cNvPr id="11" name="Title 1">
-            <a:extLst>
-              <a:ext uri="{FF2B5EF4-FFF2-40B4-BE49-F238E27FC236}">
-                <a16:creationId xmlns:a16="http://schemas.microsoft.com/office/drawing/2014/main" id="{BDDB32F0-D524-4A32-8A3E-88EC14C9D5FC}"/>
-              </a:ext>
-            </a:extLst>
-          </p:cNvPr>
-          <p:cNvSpPr txBox="1">
-            <a:spLocks/>
-          </p:cNvSpPr>
-          <p:nvPr/>
-        </p:nvSpPr>
-        <p:spPr>
-          <a:xfrm>
-            <a:off x="4455515" y="3875735"/>
-            <a:ext cx="3280969" cy="711142"/>
-          </a:xfrm>
-          <a:prstGeom prst="rect">
-            <a:avLst/>
-          </a:prstGeom>
-        </p:spPr>
-        <p:txBody>
-          <a:bodyPr vert="horz" lIns="91440" tIns="45720" rIns="91440" bIns="45720" rtlCol="0" anchor="ctr">
-            <a:noAutofit/>
-          </a:bodyPr>
-          <a:lstStyle>
-            <a:lvl1pPr algn="l" defTabSz="914400" rtl="0" eaLnBrk="1" latinLnBrk="0" hangingPunct="1">
-              <a:lnSpc>
-                <a:spcPct val="90000"/>
-              </a:lnSpc>
-              <a:spcBef>
-                <a:spcPct val="0"/>
-              </a:spcBef>
-              <a:buNone/>
-              <a:defRPr sz="4400" kern="1200">
-                <a:solidFill>
-                  <a:schemeClr val="bg1"/>
-                </a:solidFill>
-                <a:latin typeface="+mj-lt"/>
-                <a:ea typeface="+mj-ea"/>
-                <a:cs typeface="+mj-cs"/>
-              </a:defRPr>
-            </a:lvl1pPr>
-          </a:lstStyle>
-          <a:p>
-            <a:pPr algn="ctr"/>
-            <a:r>
-              <a:rPr lang="en-US" sz="3600" dirty="0"/>
-              <a:t>Introducing</a:t>
-            </a:r>
-          </a:p>
-        </p:txBody>
-      </p:sp>
-      <p:pic>
-        <p:nvPicPr>
-          <p:cNvPr id="4100" name="Picture 4" descr="Git and Github: A Beginner's Guide">
-            <a:extLst>
-              <a:ext uri="{FF2B5EF4-FFF2-40B4-BE49-F238E27FC236}">
-                <a16:creationId xmlns:a16="http://schemas.microsoft.com/office/drawing/2014/main" id="{3A337843-39E4-4121-93B3-8A13AB6A5E48}"/>
-              </a:ext>
-            </a:extLst>
-          </p:cNvPr>
-          <p:cNvPicPr>
-            <a:picLocks noChangeAspect="1" noChangeArrowheads="1"/>
-          </p:cNvPicPr>
-          <p:nvPr/>
-        </p:nvPicPr>
-        <p:blipFill rotWithShape="1">
-          <a:blip r:embed="rId2">
-            <a:extLst>
-              <a:ext uri="{28A0092B-C50C-407E-A947-70E740481C1C}">
-                <a14:useLocalDpi xmlns:a14="http://schemas.microsoft.com/office/drawing/2010/main" val="0"/>
-              </a:ext>
-            </a:extLst>
-          </a:blip>
-          <a:srcRect l="7873" t="14309" r="8197" b="21632"/>
-          <a:stretch/>
-        </p:blipFill>
-        <p:spPr bwMode="auto">
-          <a:xfrm>
-            <a:off x="477841" y="4903247"/>
-            <a:ext cx="3263317" cy="1388496"/>
-          </a:xfrm>
-          <a:prstGeom prst="rect">
-            <a:avLst/>
-          </a:prstGeom>
-          <a:noFill/>
-          <a:extLst>
-            <a:ext uri="{909E8E84-426E-40DD-AFC4-6F175D3DCCD1}">
-              <a14:hiddenFill xmlns:a14="http://schemas.microsoft.com/office/drawing/2010/main">
-                <a:solidFill>
-                  <a:srgbClr val="FFFFFF"/>
-                </a:solidFill>
-              </a14:hiddenFill>
-            </a:ext>
-          </a:extLst>
-        </p:spPr>
-      </p:pic>
-      <p:sp>
-        <p:nvSpPr>
-          <p:cNvPr id="13" name="Content Placeholder 2">
-            <a:extLst>
-              <a:ext uri="{FF2B5EF4-FFF2-40B4-BE49-F238E27FC236}">
-                <a16:creationId xmlns:a16="http://schemas.microsoft.com/office/drawing/2014/main" id="{9B0E902E-D838-4A61-A3B3-8901FC18962B}"/>
-              </a:ext>
-            </a:extLst>
-          </p:cNvPr>
-          <p:cNvSpPr txBox="1">
-            <a:spLocks/>
-          </p:cNvSpPr>
-          <p:nvPr/>
-        </p:nvSpPr>
-        <p:spPr>
-          <a:xfrm>
-            <a:off x="4035103" y="5041782"/>
-            <a:ext cx="7592037" cy="1388496"/>
-          </a:xfrm>
-          <a:prstGeom prst="rect">
-            <a:avLst/>
-          </a:prstGeom>
-        </p:spPr>
-        <p:txBody>
-          <a:bodyPr vert="horz" lIns="91440" tIns="45720" rIns="91440" bIns="45720" rtlCol="0">
-            <a:normAutofit fontScale="92500"/>
-          </a:bodyPr>
-          <a:lstStyle>
-            <a:lvl1pPr marL="228600" indent="-228600" algn="l" defTabSz="914400" rtl="0" eaLnBrk="1" latinLnBrk="0" hangingPunct="1">
-              <a:lnSpc>
-                <a:spcPct val="90000"/>
-              </a:lnSpc>
-              <a:spcBef>
-                <a:spcPts val="1000"/>
-              </a:spcBef>
-              <a:buClr>
-                <a:schemeClr val="accent4"/>
-              </a:buClr>
-              <a:buFont typeface="Wingdings" panose="05000000000000000000" pitchFamily="2" charset="2"/>
-              <a:buChar char="§"/>
-              <a:defRPr sz="2800" kern="1200">
-                <a:solidFill>
-                  <a:schemeClr val="bg1"/>
-                </a:solidFill>
-                <a:latin typeface="+mn-lt"/>
-                <a:ea typeface="+mn-ea"/>
-                <a:cs typeface="+mn-cs"/>
-              </a:defRPr>
-            </a:lvl1pPr>
-            <a:lvl2pPr marL="685800" indent="-228600" algn="l" defTabSz="914400" rtl="0" eaLnBrk="1" latinLnBrk="0" hangingPunct="1">
-              <a:lnSpc>
-                <a:spcPct val="90000"/>
-              </a:lnSpc>
-              <a:spcBef>
-                <a:spcPts val="500"/>
-              </a:spcBef>
-              <a:buClr>
-                <a:schemeClr val="accent4"/>
-              </a:buClr>
-              <a:buFont typeface="Wingdings" panose="05000000000000000000" pitchFamily="2" charset="2"/>
-              <a:buChar char="§"/>
-              <a:defRPr sz="2400" kern="1200">
-                <a:solidFill>
-                  <a:schemeClr val="bg1"/>
-                </a:solidFill>
-                <a:latin typeface="+mn-lt"/>
-                <a:ea typeface="+mn-ea"/>
-                <a:cs typeface="+mn-cs"/>
-              </a:defRPr>
-            </a:lvl2pPr>
-            <a:lvl3pPr marL="1143000" indent="-228600" algn="l" defTabSz="914400" rtl="0" eaLnBrk="1" latinLnBrk="0" hangingPunct="1">
-              <a:lnSpc>
-                <a:spcPct val="90000"/>
-              </a:lnSpc>
-              <a:spcBef>
-                <a:spcPts val="500"/>
-              </a:spcBef>
-              <a:buClr>
-                <a:schemeClr val="accent4"/>
-              </a:buClr>
-              <a:buFont typeface="Wingdings" panose="05000000000000000000" pitchFamily="2" charset="2"/>
-              <a:buChar char="§"/>
-              <a:defRPr sz="2000" kern="1200">
-                <a:solidFill>
-                  <a:schemeClr val="bg1"/>
-                </a:solidFill>
-                <a:latin typeface="+mn-lt"/>
-                <a:ea typeface="+mn-ea"/>
-                <a:cs typeface="+mn-cs"/>
-              </a:defRPr>
-            </a:lvl3pPr>
-            <a:lvl4pPr marL="1600200" indent="-228600" algn="l" defTabSz="914400" rtl="0" eaLnBrk="1" latinLnBrk="0" hangingPunct="1">
-              <a:lnSpc>
-                <a:spcPct val="90000"/>
-              </a:lnSpc>
-              <a:spcBef>
-                <a:spcPts val="500"/>
-              </a:spcBef>
-              <a:buClr>
-                <a:schemeClr val="accent4"/>
-              </a:buClr>
-              <a:buFont typeface="Wingdings" panose="05000000000000000000" pitchFamily="2" charset="2"/>
-              <a:buChar char="§"/>
-              <a:defRPr sz="1800" kern="1200">
-                <a:solidFill>
-                  <a:schemeClr val="bg1"/>
-                </a:solidFill>
-                <a:latin typeface="+mn-lt"/>
-                <a:ea typeface="+mn-ea"/>
-                <a:cs typeface="+mn-cs"/>
-              </a:defRPr>
-            </a:lvl4pPr>
-            <a:lvl5pPr marL="2057400" indent="-228600" algn="l" defTabSz="914400" rtl="0" eaLnBrk="1" latinLnBrk="0" hangingPunct="1">
-              <a:lnSpc>
-                <a:spcPct val="90000"/>
-              </a:lnSpc>
-              <a:spcBef>
-                <a:spcPts val="500"/>
-              </a:spcBef>
-              <a:buClr>
-                <a:schemeClr val="accent4"/>
-              </a:buClr>
-              <a:buFont typeface="Wingdings" panose="05000000000000000000" pitchFamily="2" charset="2"/>
-              <a:buChar char="§"/>
-              <a:defRPr sz="1800" kern="1200">
-                <a:solidFill>
-                  <a:schemeClr val="bg1"/>
-                </a:solidFill>
-                <a:latin typeface="+mn-lt"/>
-                <a:ea typeface="+mn-ea"/>
-                <a:cs typeface="+mn-cs"/>
-              </a:defRPr>
-            </a:lvl5pPr>
-            <a:lvl6pPr marL="2514600" indent="-228600" algn="l" defTabSz="914400" rtl="0" eaLnBrk="1" latinLnBrk="0" hangingPunct="1">
-              <a:lnSpc>
-                <a:spcPct val="90000"/>
-              </a:lnSpc>
-              <a:spcBef>
-                <a:spcPts val="500"/>
-              </a:spcBef>
-              <a:buFont typeface="Arial" panose="020B0604020202020204" pitchFamily="34" charset="0"/>
-              <a:buChar char="•"/>
-              <a:defRPr sz="1800" kern="1200">
-                <a:solidFill>
-                  <a:schemeClr val="tx1"/>
-                </a:solidFill>
-                <a:latin typeface="+mn-lt"/>
-                <a:ea typeface="+mn-ea"/>
-                <a:cs typeface="+mn-cs"/>
-              </a:defRPr>
-            </a:lvl6pPr>
-            <a:lvl7pPr marL="2971800" indent="-228600" algn="l" defTabSz="914400" rtl="0" eaLnBrk="1" latinLnBrk="0" hangingPunct="1">
-              <a:lnSpc>
-                <a:spcPct val="90000"/>
-              </a:lnSpc>
-              <a:spcBef>
-                <a:spcPts val="500"/>
-              </a:spcBef>
-              <a:buFont typeface="Arial" panose="020B0604020202020204" pitchFamily="34" charset="0"/>
-              <a:buChar char="•"/>
-              <a:defRPr sz="1800" kern="1200">
-                <a:solidFill>
-                  <a:schemeClr val="tx1"/>
-                </a:solidFill>
-                <a:latin typeface="+mn-lt"/>
-                <a:ea typeface="+mn-ea"/>
-                <a:cs typeface="+mn-cs"/>
-              </a:defRPr>
-            </a:lvl7pPr>
-            <a:lvl8pPr marL="3429000" indent="-228600" algn="l" defTabSz="914400" rtl="0" eaLnBrk="1" latinLnBrk="0" hangingPunct="1">
-              <a:lnSpc>
-                <a:spcPct val="90000"/>
-              </a:lnSpc>
-              <a:spcBef>
-                <a:spcPts val="500"/>
-              </a:spcBef>
-              <a:buFont typeface="Arial" panose="020B0604020202020204" pitchFamily="34" charset="0"/>
-              <a:buChar char="•"/>
-              <a:defRPr sz="1800" kern="1200">
-                <a:solidFill>
-                  <a:schemeClr val="tx1"/>
-                </a:solidFill>
-                <a:latin typeface="+mn-lt"/>
-                <a:ea typeface="+mn-ea"/>
-                <a:cs typeface="+mn-cs"/>
-              </a:defRPr>
-            </a:lvl8pPr>
-            <a:lvl9pPr marL="3886200" indent="-228600" algn="l" defTabSz="914400" rtl="0" eaLnBrk="1" latinLnBrk="0" hangingPunct="1">
-              <a:lnSpc>
-                <a:spcPct val="90000"/>
-              </a:lnSpc>
-              <a:spcBef>
-                <a:spcPts val="500"/>
-              </a:spcBef>
-              <a:buFont typeface="Arial" panose="020B0604020202020204" pitchFamily="34" charset="0"/>
-              <a:buChar char="•"/>
-              <a:defRPr sz="1800" kern="1200">
-                <a:solidFill>
-                  <a:schemeClr val="tx1"/>
-                </a:solidFill>
-                <a:latin typeface="+mn-lt"/>
-                <a:ea typeface="+mn-ea"/>
-                <a:cs typeface="+mn-cs"/>
-              </a:defRPr>
-            </a:lvl9pPr>
-          </a:lstStyle>
-          <a:p>
-            <a:r>
-              <a:rPr lang="en-US" sz="2400" dirty="0"/>
-              <a:t>Git: A </a:t>
-            </a:r>
-            <a:r>
-              <a:rPr lang="en-US" sz="2400" b="1" dirty="0"/>
-              <a:t>distributed </a:t>
-            </a:r>
-            <a:r>
-              <a:rPr lang="en-US" sz="2400" dirty="0"/>
-              <a:t>VCS that takes ‘snapshots’ of your project.</a:t>
-            </a:r>
-          </a:p>
-          <a:p>
-            <a:r>
-              <a:rPr lang="en-US" sz="2400" dirty="0"/>
-              <a:t>GitHub: A platform to host &amp; collab on repositories (project).</a:t>
-            </a:r>
-          </a:p>
-        </p:txBody>
-      </p:sp>
-    </p:spTree>
-    <p:extLst>
-      <p:ext uri="{BB962C8B-B14F-4D97-AF65-F5344CB8AC3E}">
-        <p14:creationId xmlns:p14="http://schemas.microsoft.com/office/powerpoint/2010/main" val="1852513965"/>
-      </p:ext>
-    </p:extLst>
-  </p:cSld>
-  <p:clrMapOvr>
-    <a:masterClrMapping/>
-  </p:clrMapOvr>
-</p:sld>
-</file>
-
-<file path=ppt/slides/slide30.xml><?xml version="1.0" encoding="utf-8"?>
-<p:sld xmlns:a="http://schemas.openxmlformats.org/drawingml/2006/main" xmlns:r="http://schemas.openxmlformats.org/officeDocument/2006/relationships" xmlns:p="http://schemas.openxmlformats.org/presentationml/2006/main">
-  <p:cSld>
-    <p:spTree>
-      <p:nvGrpSpPr>
-        <p:cNvPr id="1" name=""/>
-        <p:cNvGrpSpPr/>
-        <p:nvPr/>
-      </p:nvGrpSpPr>
-      <p:grpSpPr>
-        <a:xfrm>
-          <a:off x="0" y="0"/>
-          <a:ext cx="0" cy="0"/>
-          <a:chOff x="0" y="0"/>
-          <a:chExt cx="0" cy="0"/>
-        </a:xfrm>
-      </p:grpSpPr>
-      <p:sp>
-        <p:nvSpPr>
           <p:cNvPr id="14" name="Title 1">
             <a:extLst>
               <a:ext uri="{FF2B5EF4-FFF2-40B4-BE49-F238E27FC236}">
@@ -12896,10 +13405,10 @@
       </p:sp>
       <p:pic>
         <p:nvPicPr>
-          <p:cNvPr id="3" name="Picture 2" descr="Text&#10;&#10;Description automatically generated">
-            <a:extLst>
-              <a:ext uri="{FF2B5EF4-FFF2-40B4-BE49-F238E27FC236}">
-                <a16:creationId xmlns:a16="http://schemas.microsoft.com/office/drawing/2014/main" id="{A02EFD62-B143-41FA-9463-65616AAD8835}"/>
+          <p:cNvPr id="5" name="Picture 4" descr="Graphical user interface, text&#10;&#10;Description automatically generated">
+            <a:extLst>
+              <a:ext uri="{FF2B5EF4-FFF2-40B4-BE49-F238E27FC236}">
+                <a16:creationId xmlns:a16="http://schemas.microsoft.com/office/drawing/2014/main" id="{AA83C96B-847E-43C0-A4CD-F59B265238AB}"/>
               </a:ext>
             </a:extLst>
           </p:cNvPr>
@@ -12916,37 +13425,7 @@
         </p:blipFill>
         <p:spPr>
           <a:xfrm>
-            <a:off x="-25400" y="700418"/>
-            <a:ext cx="6609518" cy="3118829"/>
-          </a:xfrm>
-          <a:prstGeom prst="rect">
-            <a:avLst/>
-          </a:prstGeom>
-        </p:spPr>
-      </p:pic>
-      <p:pic>
-        <p:nvPicPr>
-          <p:cNvPr id="5" name="Picture 4" descr="Graphical user interface, text&#10;&#10;Description automatically generated">
-            <a:extLst>
-              <a:ext uri="{FF2B5EF4-FFF2-40B4-BE49-F238E27FC236}">
-                <a16:creationId xmlns:a16="http://schemas.microsoft.com/office/drawing/2014/main" id="{AA83C96B-847E-43C0-A4CD-F59B265238AB}"/>
-              </a:ext>
-            </a:extLst>
-          </p:cNvPr>
-          <p:cNvPicPr>
-            <a:picLocks noChangeAspect="1"/>
-          </p:cNvPicPr>
-          <p:nvPr/>
-        </p:nvPicPr>
-        <p:blipFill>
-          <a:blip r:embed="rId3"/>
-          <a:stretch>
-            <a:fillRect/>
-          </a:stretch>
-        </p:blipFill>
-        <p:spPr>
-          <a:xfrm>
-            <a:off x="0" y="2787588"/>
+            <a:off x="0" y="806339"/>
             <a:ext cx="7074398" cy="2863141"/>
           </a:xfrm>
           <a:prstGeom prst="rect">
@@ -12967,7 +13446,7 @@
 </p:sld>
 </file>
 
-<file path=ppt/slides/slide31.xml><?xml version="1.0" encoding="utf-8"?>
+<file path=ppt/slides/slide33.xml><?xml version="1.0" encoding="utf-8"?>
 <p:sld xmlns:a="http://schemas.openxmlformats.org/drawingml/2006/main" xmlns:r="http://schemas.openxmlformats.org/officeDocument/2006/relationships" xmlns:p="http://schemas.openxmlformats.org/presentationml/2006/main">
   <p:cSld>
     <p:spTree>
@@ -13814,6 +14293,36 @@
           </a:prstGeom>
         </p:spPr>
       </p:pic>
+      <p:pic>
+        <p:nvPicPr>
+          <p:cNvPr id="7" name="Picture 6" descr="Graphical user interface, text, application&#10;&#10;Description automatically generated">
+            <a:extLst>
+              <a:ext uri="{FF2B5EF4-FFF2-40B4-BE49-F238E27FC236}">
+                <a16:creationId xmlns:a16="http://schemas.microsoft.com/office/drawing/2014/main" id="{ABCE9D89-C8A6-49BD-B287-5C71BD14FAF0}"/>
+              </a:ext>
+            </a:extLst>
+          </p:cNvPr>
+          <p:cNvPicPr>
+            <a:picLocks noChangeAspect="1"/>
+          </p:cNvPicPr>
+          <p:nvPr/>
+        </p:nvPicPr>
+        <p:blipFill>
+          <a:blip r:embed="rId4"/>
+          <a:stretch>
+            <a:fillRect/>
+          </a:stretch>
+        </p:blipFill>
+        <p:spPr>
+          <a:xfrm>
+            <a:off x="7583165" y="-437518"/>
+            <a:ext cx="4962525" cy="2845808"/>
+          </a:xfrm>
+          <a:prstGeom prst="rect">
+            <a:avLst/>
+          </a:prstGeom>
+        </p:spPr>
+      </p:pic>
     </p:spTree>
     <p:extLst>
       <p:ext uri="{BB962C8B-B14F-4D97-AF65-F5344CB8AC3E}">
@@ -13828,345 +14337,6 @@
 </file>
 
 <file path=ppt/slides/slide6.xml><?xml version="1.0" encoding="utf-8"?>
-<p:sld xmlns:a="http://schemas.openxmlformats.org/drawingml/2006/main" xmlns:r="http://schemas.openxmlformats.org/officeDocument/2006/relationships" xmlns:p="http://schemas.openxmlformats.org/presentationml/2006/main">
-  <p:cSld>
-    <p:spTree>
-      <p:nvGrpSpPr>
-        <p:cNvPr id="1" name=""/>
-        <p:cNvGrpSpPr/>
-        <p:nvPr/>
-      </p:nvGrpSpPr>
-      <p:grpSpPr>
-        <a:xfrm>
-          <a:off x="0" y="0"/>
-          <a:ext cx="0" cy="0"/>
-          <a:chOff x="0" y="0"/>
-          <a:chExt cx="0" cy="0"/>
-        </a:xfrm>
-      </p:grpSpPr>
-      <p:sp>
-        <p:nvSpPr>
-          <p:cNvPr id="2" name="Title 1">
-            <a:extLst>
-              <a:ext uri="{FF2B5EF4-FFF2-40B4-BE49-F238E27FC236}">
-                <a16:creationId xmlns:a16="http://schemas.microsoft.com/office/drawing/2014/main" id="{8B2AD4E1-0643-4C88-9E49-C2724AEB3568}"/>
-              </a:ext>
-            </a:extLst>
-          </p:cNvPr>
-          <p:cNvSpPr>
-            <a:spLocks noGrp="1"/>
-          </p:cNvSpPr>
-          <p:nvPr>
-            <p:ph type="title"/>
-          </p:nvPr>
-        </p:nvSpPr>
-        <p:spPr/>
-        <p:txBody>
-          <a:bodyPr/>
-          <a:lstStyle/>
-          <a:p>
-            <a:r>
-              <a:rPr lang="en-US" dirty="0"/>
-              <a:t>Cloning an existing repo</a:t>
-            </a:r>
-          </a:p>
-        </p:txBody>
-      </p:sp>
-      <p:sp>
-        <p:nvSpPr>
-          <p:cNvPr id="3" name="Content Placeholder 2">
-            <a:extLst>
-              <a:ext uri="{FF2B5EF4-FFF2-40B4-BE49-F238E27FC236}">
-                <a16:creationId xmlns:a16="http://schemas.microsoft.com/office/drawing/2014/main" id="{F8D322E9-A7EC-465F-93FE-BAA394728626}"/>
-              </a:ext>
-            </a:extLst>
-          </p:cNvPr>
-          <p:cNvSpPr>
-            <a:spLocks noGrp="1"/>
-          </p:cNvSpPr>
-          <p:nvPr>
-            <p:ph idx="1"/>
-          </p:nvPr>
-        </p:nvSpPr>
-        <p:spPr/>
-        <p:txBody>
-          <a:bodyPr/>
-          <a:lstStyle/>
-          <a:p>
-            <a:r>
-              <a:rPr lang="en-US" dirty="0"/>
-              <a:t>A full copy of nearly all data is retrieved </a:t>
-            </a:r>
-          </a:p>
-          <a:p>
-            <a:r>
-              <a:rPr lang="en-US" dirty="0"/>
-              <a:t>Includes all versions of the project</a:t>
-            </a:r>
-          </a:p>
-        </p:txBody>
-      </p:sp>
-      <p:pic>
-        <p:nvPicPr>
-          <p:cNvPr id="15" name="Picture 14" descr="Text&#10;&#10;Description automatically generated">
-            <a:extLst>
-              <a:ext uri="{FF2B5EF4-FFF2-40B4-BE49-F238E27FC236}">
-                <a16:creationId xmlns:a16="http://schemas.microsoft.com/office/drawing/2014/main" id="{F7C5C152-FF48-4239-8FCB-500A0A242A93}"/>
-              </a:ext>
-            </a:extLst>
-          </p:cNvPr>
-          <p:cNvPicPr>
-            <a:picLocks noChangeAspect="1"/>
-          </p:cNvPicPr>
-          <p:nvPr/>
-        </p:nvPicPr>
-        <p:blipFill>
-          <a:blip r:embed="rId2"/>
-          <a:stretch>
-            <a:fillRect/>
-          </a:stretch>
-        </p:blipFill>
-        <p:spPr>
-          <a:xfrm>
-            <a:off x="-176478" y="2371382"/>
-            <a:ext cx="8574754" cy="4326282"/>
-          </a:xfrm>
-          <a:prstGeom prst="rect">
-            <a:avLst/>
-          </a:prstGeom>
-        </p:spPr>
-      </p:pic>
-      <p:sp>
-        <p:nvSpPr>
-          <p:cNvPr id="16" name="Content Placeholder 2">
-            <a:extLst>
-              <a:ext uri="{FF2B5EF4-FFF2-40B4-BE49-F238E27FC236}">
-                <a16:creationId xmlns:a16="http://schemas.microsoft.com/office/drawing/2014/main" id="{EF31A08F-C129-44EC-8C6C-C30E36BA76F1}"/>
-              </a:ext>
-            </a:extLst>
-          </p:cNvPr>
-          <p:cNvSpPr txBox="1">
-            <a:spLocks/>
-          </p:cNvSpPr>
-          <p:nvPr/>
-        </p:nvSpPr>
-        <p:spPr>
-          <a:xfrm>
-            <a:off x="8706853" y="3577388"/>
-            <a:ext cx="2646947" cy="1548149"/>
-          </a:xfrm>
-          <a:prstGeom prst="rect">
-            <a:avLst/>
-          </a:prstGeom>
-        </p:spPr>
-        <p:txBody>
-          <a:bodyPr vert="horz" lIns="91440" tIns="45720" rIns="91440" bIns="45720" rtlCol="0">
-            <a:normAutofit/>
-          </a:bodyPr>
-          <a:lstStyle>
-            <a:lvl1pPr marL="228600" indent="-228600" algn="l" defTabSz="914400" rtl="0" eaLnBrk="1" latinLnBrk="0" hangingPunct="1">
-              <a:lnSpc>
-                <a:spcPct val="90000"/>
-              </a:lnSpc>
-              <a:spcBef>
-                <a:spcPts val="1000"/>
-              </a:spcBef>
-              <a:buClr>
-                <a:schemeClr val="accent5"/>
-              </a:buClr>
-              <a:buFont typeface="Wingdings" panose="05000000000000000000" pitchFamily="2" charset="2"/>
-              <a:buChar char="§"/>
-              <a:defRPr sz="2800" kern="1200">
-                <a:solidFill>
-                  <a:schemeClr val="bg1"/>
-                </a:solidFill>
-                <a:latin typeface="+mn-lt"/>
-                <a:ea typeface="+mn-ea"/>
-                <a:cs typeface="+mn-cs"/>
-              </a:defRPr>
-            </a:lvl1pPr>
-            <a:lvl2pPr marL="685800" indent="-228600" algn="l" defTabSz="914400" rtl="0" eaLnBrk="1" latinLnBrk="0" hangingPunct="1">
-              <a:lnSpc>
-                <a:spcPct val="90000"/>
-              </a:lnSpc>
-              <a:spcBef>
-                <a:spcPts val="500"/>
-              </a:spcBef>
-              <a:buClr>
-                <a:schemeClr val="accent5"/>
-              </a:buClr>
-              <a:buFont typeface="Wingdings" panose="05000000000000000000" pitchFamily="2" charset="2"/>
-              <a:buChar char="§"/>
-              <a:defRPr sz="2400" kern="1200">
-                <a:solidFill>
-                  <a:schemeClr val="bg1"/>
-                </a:solidFill>
-                <a:latin typeface="+mn-lt"/>
-                <a:ea typeface="+mn-ea"/>
-                <a:cs typeface="+mn-cs"/>
-              </a:defRPr>
-            </a:lvl2pPr>
-            <a:lvl3pPr marL="1143000" indent="-228600" algn="l" defTabSz="914400" rtl="0" eaLnBrk="1" latinLnBrk="0" hangingPunct="1">
-              <a:lnSpc>
-                <a:spcPct val="90000"/>
-              </a:lnSpc>
-              <a:spcBef>
-                <a:spcPts val="500"/>
-              </a:spcBef>
-              <a:buClr>
-                <a:schemeClr val="accent5"/>
-              </a:buClr>
-              <a:buFont typeface="Wingdings" panose="05000000000000000000" pitchFamily="2" charset="2"/>
-              <a:buChar char="§"/>
-              <a:defRPr sz="2000" kern="1200">
-                <a:solidFill>
-                  <a:schemeClr val="bg1"/>
-                </a:solidFill>
-                <a:latin typeface="+mn-lt"/>
-                <a:ea typeface="+mn-ea"/>
-                <a:cs typeface="+mn-cs"/>
-              </a:defRPr>
-            </a:lvl3pPr>
-            <a:lvl4pPr marL="1600200" indent="-228600" algn="l" defTabSz="914400" rtl="0" eaLnBrk="1" latinLnBrk="0" hangingPunct="1">
-              <a:lnSpc>
-                <a:spcPct val="90000"/>
-              </a:lnSpc>
-              <a:spcBef>
-                <a:spcPts val="500"/>
-              </a:spcBef>
-              <a:buClr>
-                <a:schemeClr val="accent5"/>
-              </a:buClr>
-              <a:buFont typeface="Wingdings" panose="05000000000000000000" pitchFamily="2" charset="2"/>
-              <a:buChar char="§"/>
-              <a:defRPr sz="1800" kern="1200">
-                <a:solidFill>
-                  <a:schemeClr val="bg1"/>
-                </a:solidFill>
-                <a:latin typeface="+mn-lt"/>
-                <a:ea typeface="+mn-ea"/>
-                <a:cs typeface="+mn-cs"/>
-              </a:defRPr>
-            </a:lvl4pPr>
-            <a:lvl5pPr marL="2057400" indent="-228600" algn="l" defTabSz="914400" rtl="0" eaLnBrk="1" latinLnBrk="0" hangingPunct="1">
-              <a:lnSpc>
-                <a:spcPct val="90000"/>
-              </a:lnSpc>
-              <a:spcBef>
-                <a:spcPts val="500"/>
-              </a:spcBef>
-              <a:buClr>
-                <a:schemeClr val="accent5"/>
-              </a:buClr>
-              <a:buFont typeface="Wingdings" panose="05000000000000000000" pitchFamily="2" charset="2"/>
-              <a:buChar char="§"/>
-              <a:defRPr sz="1800" kern="1200">
-                <a:solidFill>
-                  <a:schemeClr val="bg1"/>
-                </a:solidFill>
-                <a:latin typeface="+mn-lt"/>
-                <a:ea typeface="+mn-ea"/>
-                <a:cs typeface="+mn-cs"/>
-              </a:defRPr>
-            </a:lvl5pPr>
-            <a:lvl6pPr marL="2514600" indent="-228600" algn="l" defTabSz="914400" rtl="0" eaLnBrk="1" latinLnBrk="0" hangingPunct="1">
-              <a:lnSpc>
-                <a:spcPct val="90000"/>
-              </a:lnSpc>
-              <a:spcBef>
-                <a:spcPts val="500"/>
-              </a:spcBef>
-              <a:buFont typeface="Arial" panose="020B0604020202020204" pitchFamily="34" charset="0"/>
-              <a:buChar char="•"/>
-              <a:defRPr sz="1800" kern="1200">
-                <a:solidFill>
-                  <a:schemeClr val="tx1"/>
-                </a:solidFill>
-                <a:latin typeface="+mn-lt"/>
-                <a:ea typeface="+mn-ea"/>
-                <a:cs typeface="+mn-cs"/>
-              </a:defRPr>
-            </a:lvl6pPr>
-            <a:lvl7pPr marL="2971800" indent="-228600" algn="l" defTabSz="914400" rtl="0" eaLnBrk="1" latinLnBrk="0" hangingPunct="1">
-              <a:lnSpc>
-                <a:spcPct val="90000"/>
-              </a:lnSpc>
-              <a:spcBef>
-                <a:spcPts val="500"/>
-              </a:spcBef>
-              <a:buFont typeface="Arial" panose="020B0604020202020204" pitchFamily="34" charset="0"/>
-              <a:buChar char="•"/>
-              <a:defRPr sz="1800" kern="1200">
-                <a:solidFill>
-                  <a:schemeClr val="tx1"/>
-                </a:solidFill>
-                <a:latin typeface="+mn-lt"/>
-                <a:ea typeface="+mn-ea"/>
-                <a:cs typeface="+mn-cs"/>
-              </a:defRPr>
-            </a:lvl7pPr>
-            <a:lvl8pPr marL="3429000" indent="-228600" algn="l" defTabSz="914400" rtl="0" eaLnBrk="1" latinLnBrk="0" hangingPunct="1">
-              <a:lnSpc>
-                <a:spcPct val="90000"/>
-              </a:lnSpc>
-              <a:spcBef>
-                <a:spcPts val="500"/>
-              </a:spcBef>
-              <a:buFont typeface="Arial" panose="020B0604020202020204" pitchFamily="34" charset="0"/>
-              <a:buChar char="•"/>
-              <a:defRPr sz="1800" kern="1200">
-                <a:solidFill>
-                  <a:schemeClr val="tx1"/>
-                </a:solidFill>
-                <a:latin typeface="+mn-lt"/>
-                <a:ea typeface="+mn-ea"/>
-                <a:cs typeface="+mn-cs"/>
-              </a:defRPr>
-            </a:lvl8pPr>
-            <a:lvl9pPr marL="3886200" indent="-228600" algn="l" defTabSz="914400" rtl="0" eaLnBrk="1" latinLnBrk="0" hangingPunct="1">
-              <a:lnSpc>
-                <a:spcPct val="90000"/>
-              </a:lnSpc>
-              <a:spcBef>
-                <a:spcPts val="500"/>
-              </a:spcBef>
-              <a:buFont typeface="Arial" panose="020B0604020202020204" pitchFamily="34" charset="0"/>
-              <a:buChar char="•"/>
-              <a:defRPr sz="1800" kern="1200">
-                <a:solidFill>
-                  <a:schemeClr val="tx1"/>
-                </a:solidFill>
-                <a:latin typeface="+mn-lt"/>
-                <a:ea typeface="+mn-ea"/>
-                <a:cs typeface="+mn-cs"/>
-              </a:defRPr>
-            </a:lvl9pPr>
-          </a:lstStyle>
-          <a:p>
-            <a:pPr marL="0" indent="0">
-              <a:buNone/>
-            </a:pPr>
-            <a:r>
-              <a:rPr lang="en-US" dirty="0"/>
-              <a:t>Why?</a:t>
-            </a:r>
-          </a:p>
-        </p:txBody>
-      </p:sp>
-    </p:spTree>
-    <p:extLst>
-      <p:ext uri="{BB962C8B-B14F-4D97-AF65-F5344CB8AC3E}">
-        <p14:creationId xmlns:p14="http://schemas.microsoft.com/office/powerpoint/2010/main" val="2576156856"/>
-      </p:ext>
-    </p:extLst>
-  </p:cSld>
-  <p:clrMapOvr>
-    <a:masterClrMapping/>
-  </p:clrMapOvr>
-</p:sld>
-</file>
-
-<file path=ppt/slides/slide7.xml><?xml version="1.0" encoding="utf-8"?>
 <p:sld xmlns:a="http://schemas.openxmlformats.org/drawingml/2006/main" xmlns:r="http://schemas.openxmlformats.org/officeDocument/2006/relationships" xmlns:p="http://schemas.openxmlformats.org/presentationml/2006/main">
   <p:cSld>
     <p:spTree>
@@ -14284,7 +14454,7 @@
 </p:sld>
 </file>
 
-<file path=ppt/slides/slide8.xml><?xml version="1.0" encoding="utf-8"?>
+<file path=ppt/slides/slide7.xml><?xml version="1.0" encoding="utf-8"?>
 <p:sld xmlns:a="http://schemas.openxmlformats.org/drawingml/2006/main" xmlns:r="http://schemas.openxmlformats.org/officeDocument/2006/relationships" xmlns:p="http://schemas.openxmlformats.org/presentationml/2006/main">
   <p:cSld>
     <p:spTree>
@@ -16583,7 +16753,7 @@
 </p:sld>
 </file>
 
-<file path=ppt/slides/slide9.xml><?xml version="1.0" encoding="utf-8"?>
+<file path=ppt/slides/slide8.xml><?xml version="1.0" encoding="utf-8"?>
 <p:sld xmlns:a="http://schemas.openxmlformats.org/drawingml/2006/main" xmlns:r="http://schemas.openxmlformats.org/officeDocument/2006/relationships" xmlns:p="http://schemas.openxmlformats.org/presentationml/2006/main">
   <p:cSld>
     <p:spTree>
@@ -16965,6 +17135,172 @@
     <p:extLst>
       <p:ext uri="{BB962C8B-B14F-4D97-AF65-F5344CB8AC3E}">
         <p14:creationId xmlns:p14="http://schemas.microsoft.com/office/powerpoint/2010/main" val="2094405024"/>
+      </p:ext>
+    </p:extLst>
+  </p:cSld>
+  <p:clrMapOvr>
+    <a:masterClrMapping/>
+  </p:clrMapOvr>
+</p:sld>
+</file>
+
+<file path=ppt/slides/slide9.xml><?xml version="1.0" encoding="utf-8"?>
+<p:sld xmlns:a="http://schemas.openxmlformats.org/drawingml/2006/main" xmlns:r="http://schemas.openxmlformats.org/officeDocument/2006/relationships" xmlns:p="http://schemas.openxmlformats.org/presentationml/2006/main">
+  <p:cSld>
+    <p:spTree>
+      <p:nvGrpSpPr>
+        <p:cNvPr id="1" name=""/>
+        <p:cNvGrpSpPr/>
+        <p:nvPr/>
+      </p:nvGrpSpPr>
+      <p:grpSpPr>
+        <a:xfrm>
+          <a:off x="0" y="0"/>
+          <a:ext cx="0" cy="0"/>
+          <a:chOff x="0" y="0"/>
+          <a:chExt cx="0" cy="0"/>
+        </a:xfrm>
+      </p:grpSpPr>
+      <p:sp>
+        <p:nvSpPr>
+          <p:cNvPr id="2" name="Title 1">
+            <a:extLst>
+              <a:ext uri="{FF2B5EF4-FFF2-40B4-BE49-F238E27FC236}">
+                <a16:creationId xmlns:a16="http://schemas.microsoft.com/office/drawing/2014/main" id="{6C14B5D2-8D31-4D6C-B863-E5FA61A0FA35}"/>
+              </a:ext>
+            </a:extLst>
+          </p:cNvPr>
+          <p:cNvSpPr>
+            <a:spLocks noGrp="1"/>
+          </p:cNvSpPr>
+          <p:nvPr>
+            <p:ph type="title"/>
+          </p:nvPr>
+        </p:nvSpPr>
+        <p:spPr/>
+        <p:txBody>
+          <a:bodyPr/>
+          <a:lstStyle/>
+          <a:p>
+            <a:r>
+              <a:rPr lang="en-MY" dirty="0"/>
+              <a:t>Restoring previous versions</a:t>
+            </a:r>
+          </a:p>
+        </p:txBody>
+      </p:sp>
+      <p:pic>
+        <p:nvPicPr>
+          <p:cNvPr id="4" name="Picture 3" descr="Text&#10;&#10;Description automatically generated">
+            <a:extLst>
+              <a:ext uri="{FF2B5EF4-FFF2-40B4-BE49-F238E27FC236}">
+                <a16:creationId xmlns:a16="http://schemas.microsoft.com/office/drawing/2014/main" id="{0339B361-A173-4F78-992D-90F084E78421}"/>
+              </a:ext>
+            </a:extLst>
+          </p:cNvPr>
+          <p:cNvPicPr>
+            <a:picLocks noChangeAspect="1"/>
+          </p:cNvPicPr>
+          <p:nvPr/>
+        </p:nvPicPr>
+        <p:blipFill>
+          <a:blip r:embed="rId2"/>
+          <a:stretch>
+            <a:fillRect/>
+          </a:stretch>
+        </p:blipFill>
+        <p:spPr>
+          <a:xfrm>
+            <a:off x="101024" y="1114165"/>
+            <a:ext cx="8774070" cy="5583499"/>
+          </a:xfrm>
+          <a:prstGeom prst="rect">
+            <a:avLst/>
+          </a:prstGeom>
+        </p:spPr>
+      </p:pic>
+      <p:sp>
+        <p:nvSpPr>
+          <p:cNvPr id="6" name="Content Placeholder 2">
+            <a:extLst>
+              <a:ext uri="{FF2B5EF4-FFF2-40B4-BE49-F238E27FC236}">
+                <a16:creationId xmlns:a16="http://schemas.microsoft.com/office/drawing/2014/main" id="{270D1C7C-ABDA-4EBB-8817-EA6FFCB6E15A}"/>
+              </a:ext>
+            </a:extLst>
+          </p:cNvPr>
+          <p:cNvSpPr>
+            <a:spLocks noGrp="1"/>
+          </p:cNvSpPr>
+          <p:nvPr>
+            <p:ph idx="1"/>
+          </p:nvPr>
+        </p:nvSpPr>
+        <p:spPr>
+          <a:xfrm>
+            <a:off x="8531440" y="1819921"/>
+            <a:ext cx="3018409" cy="4357041"/>
+          </a:xfrm>
+        </p:spPr>
+        <p:txBody>
+          <a:bodyPr/>
+          <a:lstStyle/>
+          <a:p>
+            <a:r>
+              <a:rPr lang="en-US" sz="2400" dirty="0"/>
+              <a:t>Several methods to restore previous versions</a:t>
+            </a:r>
+          </a:p>
+          <a:p>
+            <a:pPr marL="457200" indent="-457200">
+              <a:buAutoNum type="arabicParenR"/>
+            </a:pPr>
+            <a:r>
+              <a:rPr lang="en-US" sz="2400" dirty="0"/>
+              <a:t>git checkout</a:t>
+            </a:r>
+          </a:p>
+          <a:p>
+            <a:pPr marL="457200" indent="-457200">
+              <a:buAutoNum type="arabicParenR"/>
+            </a:pPr>
+            <a:r>
+              <a:rPr lang="en-US" sz="2400" dirty="0"/>
+              <a:t>git reset</a:t>
+            </a:r>
+          </a:p>
+          <a:p>
+            <a:pPr marL="457200" indent="-457200">
+              <a:buAutoNum type="arabicParenR"/>
+            </a:pPr>
+            <a:r>
+              <a:rPr lang="en-US" sz="2400" dirty="0"/>
+              <a:t>git revert</a:t>
+            </a:r>
+          </a:p>
+          <a:p>
+            <a:pPr marL="457200" indent="-457200">
+              <a:buAutoNum type="arabicParenR"/>
+            </a:pPr>
+            <a:r>
+              <a:rPr lang="en-US" sz="2400" dirty="0"/>
+              <a:t>git restore</a:t>
+            </a:r>
+          </a:p>
+          <a:p>
+            <a:pPr marL="457200" indent="-457200">
+              <a:buAutoNum type="arabicParenR"/>
+            </a:pPr>
+            <a:endParaRPr lang="en-US" sz="2400" dirty="0"/>
+          </a:p>
+          <a:p>
+            <a:endParaRPr lang="en-US" dirty="0"/>
+          </a:p>
+        </p:txBody>
+      </p:sp>
+    </p:spTree>
+    <p:extLst>
+      <p:ext uri="{BB962C8B-B14F-4D97-AF65-F5344CB8AC3E}">
+        <p14:creationId xmlns:p14="http://schemas.microsoft.com/office/powerpoint/2010/main" val="639973640"/>
       </p:ext>
     </p:extLst>
   </p:cSld>
@@ -17766,14 +18102,6 @@
 </file>
 
 <file path=customXml/item1.xml><?xml version="1.0" encoding="utf-8"?>
-<p:properties xmlns:p="http://schemas.microsoft.com/office/2006/metadata/properties" xmlns:xsi="http://www.w3.org/2001/XMLSchema-instance" xmlns:pc="http://schemas.microsoft.com/office/infopath/2007/PartnerControls">
-  <documentManagement>
-    <MediaServiceKeyPoints xmlns="71af3243-3dd4-4a8d-8c0d-dd76da1f02a5" xsi:nil="true"/>
-  </documentManagement>
-</p:properties>
-</file>
-
-<file path=customXml/item2.xml><?xml version="1.0" encoding="utf-8"?>
 <ct:contentTypeSchema xmlns:ct="http://schemas.microsoft.com/office/2006/metadata/contentType" xmlns:ma="http://schemas.microsoft.com/office/2006/metadata/properties/metaAttributes" ct:_="" ma:_="" ma:contentTypeName="Document" ma:contentTypeID="0x01010079F111ED35F8CC479449609E8A0923A6" ma:contentTypeVersion="11" ma:contentTypeDescription="Create a new document." ma:contentTypeScope="" ma:versionID="96291512c1ee715ab617f4c07df79fc1">
   <xsd:schema xmlns:xsd="http://www.w3.org/2001/XMLSchema" xmlns:xs="http://www.w3.org/2001/XMLSchema" xmlns:p="http://schemas.microsoft.com/office/2006/metadata/properties" xmlns:ns2="71af3243-3dd4-4a8d-8c0d-dd76da1f02a5" xmlns:ns3="16c05727-aa75-4e4a-9b5f-8a80a1165891" targetNamespace="http://schemas.microsoft.com/office/2006/metadata/properties" ma:root="true" ma:fieldsID="8256c27c40ca5c40ce1cf6c44f0205df" ns2:_="" ns3:_="">
     <xsd:import namespace="71af3243-3dd4-4a8d-8c0d-dd76da1f02a5"/>
@@ -17984,6 +18312,14 @@
 </ct:contentTypeSchema>
 </file>
 
+<file path=customXml/item2.xml><?xml version="1.0" encoding="utf-8"?>
+<p:properties xmlns:p="http://schemas.microsoft.com/office/2006/metadata/properties" xmlns:xsi="http://www.w3.org/2001/XMLSchema-instance" xmlns:pc="http://schemas.microsoft.com/office/infopath/2007/PartnerControls">
+  <documentManagement>
+    <MediaServiceKeyPoints xmlns="71af3243-3dd4-4a8d-8c0d-dd76da1f02a5" xsi:nil="true"/>
+  </documentManagement>
+</p:properties>
+</file>
+
 <file path=customXml/item3.xml><?xml version="1.0" encoding="utf-8"?>
 <?mso-contentType ?>
 <FormTemplates xmlns="http://schemas.microsoft.com/sharepoint/v3/contenttype/forms">
@@ -17994,16 +18330,6 @@
 </file>
 
 <file path=customXml/itemProps1.xml><?xml version="1.0" encoding="utf-8"?>
-<ds:datastoreItem xmlns:ds="http://schemas.openxmlformats.org/officeDocument/2006/customXml" ds:itemID="{1E159ADF-C50B-4A45-AD13-B0A8152C3150}">
-  <ds:schemaRefs>
-    <ds:schemaRef ds:uri="http://schemas.microsoft.com/office/2006/metadata/properties"/>
-    <ds:schemaRef ds:uri="http://schemas.microsoft.com/office/infopath/2007/PartnerControls"/>
-    <ds:schemaRef ds:uri="71af3243-3dd4-4a8d-8c0d-dd76da1f02a5"/>
-  </ds:schemaRefs>
-</ds:datastoreItem>
-</file>
-
-<file path=customXml/itemProps2.xml><?xml version="1.0" encoding="utf-8"?>
 <ds:datastoreItem xmlns:ds="http://schemas.openxmlformats.org/officeDocument/2006/customXml" ds:itemID="{95FDF6E3-4638-4FD3-B9D7-E0E63F20565C}">
   <ds:schemaRefs>
     <ds:schemaRef ds:uri="http://schemas.microsoft.com/office/2006/metadata/contentType"/>
@@ -18022,6 +18348,16 @@
 </ds:datastoreItem>
 </file>
 
+<file path=customXml/itemProps2.xml><?xml version="1.0" encoding="utf-8"?>
+<ds:datastoreItem xmlns:ds="http://schemas.openxmlformats.org/officeDocument/2006/customXml" ds:itemID="{1E159ADF-C50B-4A45-AD13-B0A8152C3150}">
+  <ds:schemaRefs>
+    <ds:schemaRef ds:uri="http://schemas.microsoft.com/office/2006/metadata/properties"/>
+    <ds:schemaRef ds:uri="http://schemas.microsoft.com/office/infopath/2007/PartnerControls"/>
+    <ds:schemaRef ds:uri="71af3243-3dd4-4a8d-8c0d-dd76da1f02a5"/>
+  </ds:schemaRefs>
+</ds:datastoreItem>
+</file>
+
 <file path=customXml/itemProps3.xml><?xml version="1.0" encoding="utf-8"?>
 <ds:datastoreItem xmlns:ds="http://schemas.openxmlformats.org/officeDocument/2006/customXml" ds:itemID="{EEDC6638-3F1D-4CA5-A167-2F719C08762F}">
   <ds:schemaRefs>

--- a/Git and Github.pptx
+++ b/Git and Github.pptx
@@ -7843,10 +7843,10 @@
       </p:sp>
       <p:pic>
         <p:nvPicPr>
-          <p:cNvPr id="6" name="Picture 5" descr="Text&#10;&#10;Description automatically generated">
-            <a:extLst>
-              <a:ext uri="{FF2B5EF4-FFF2-40B4-BE49-F238E27FC236}">
-                <a16:creationId xmlns:a16="http://schemas.microsoft.com/office/drawing/2014/main" id="{CDA35CE7-C8BE-45CA-83A8-EF804743D9A8}"/>
+          <p:cNvPr id="8" name="Picture 7" descr="Text&#10;&#10;Description automatically generated">
+            <a:extLst>
+              <a:ext uri="{FF2B5EF4-FFF2-40B4-BE49-F238E27FC236}">
+                <a16:creationId xmlns:a16="http://schemas.microsoft.com/office/drawing/2014/main" id="{E93962E7-466C-4B3E-AFA9-545F232B1927}"/>
               </a:ext>
             </a:extLst>
           </p:cNvPr>
@@ -7863,8 +7863,8 @@
         </p:blipFill>
         <p:spPr>
           <a:xfrm>
-            <a:off x="-133166" y="3613079"/>
-            <a:ext cx="7892249" cy="3671325"/>
+            <a:off x="78143" y="3650516"/>
+            <a:ext cx="8256233" cy="3533287"/>
           </a:xfrm>
           <a:prstGeom prst="rect">
             <a:avLst/>
@@ -7979,10 +7979,10 @@
       </p:sp>
       <p:pic>
         <p:nvPicPr>
-          <p:cNvPr id="8" name="Picture 7" descr="Text&#10;&#10;Description automatically generated">
-            <a:extLst>
-              <a:ext uri="{FF2B5EF4-FFF2-40B4-BE49-F238E27FC236}">
-                <a16:creationId xmlns:a16="http://schemas.microsoft.com/office/drawing/2014/main" id="{AC70B88C-CCCD-47D4-9D19-8C49BDEECB2E}"/>
+          <p:cNvPr id="5" name="Picture 4" descr="Graphical user interface, text&#10;&#10;Description automatically generated">
+            <a:extLst>
+              <a:ext uri="{FF2B5EF4-FFF2-40B4-BE49-F238E27FC236}">
+                <a16:creationId xmlns:a16="http://schemas.microsoft.com/office/drawing/2014/main" id="{7962B4B9-8D8A-42AF-9521-CBBFE0D416F7}"/>
               </a:ext>
             </a:extLst>
           </p:cNvPr>
@@ -7999,8 +7999,8 @@
         </p:blipFill>
         <p:spPr>
           <a:xfrm>
-            <a:off x="-123923" y="3062797"/>
-            <a:ext cx="8494129" cy="3724239"/>
+            <a:off x="0" y="3594933"/>
+            <a:ext cx="10289219" cy="2900753"/>
           </a:xfrm>
           <a:prstGeom prst="rect">
             <a:avLst/>
@@ -18102,6 +18102,14 @@
 </file>
 
 <file path=customXml/item1.xml><?xml version="1.0" encoding="utf-8"?>
+<p:properties xmlns:p="http://schemas.microsoft.com/office/2006/metadata/properties" xmlns:xsi="http://www.w3.org/2001/XMLSchema-instance" xmlns:pc="http://schemas.microsoft.com/office/infopath/2007/PartnerControls">
+  <documentManagement>
+    <MediaServiceKeyPoints xmlns="71af3243-3dd4-4a8d-8c0d-dd76da1f02a5" xsi:nil="true"/>
+  </documentManagement>
+</p:properties>
+</file>
+
+<file path=customXml/item2.xml><?xml version="1.0" encoding="utf-8"?>
 <ct:contentTypeSchema xmlns:ct="http://schemas.microsoft.com/office/2006/metadata/contentType" xmlns:ma="http://schemas.microsoft.com/office/2006/metadata/properties/metaAttributes" ct:_="" ma:_="" ma:contentTypeName="Document" ma:contentTypeID="0x01010079F111ED35F8CC479449609E8A0923A6" ma:contentTypeVersion="11" ma:contentTypeDescription="Create a new document." ma:contentTypeScope="" ma:versionID="96291512c1ee715ab617f4c07df79fc1">
   <xsd:schema xmlns:xsd="http://www.w3.org/2001/XMLSchema" xmlns:xs="http://www.w3.org/2001/XMLSchema" xmlns:p="http://schemas.microsoft.com/office/2006/metadata/properties" xmlns:ns2="71af3243-3dd4-4a8d-8c0d-dd76da1f02a5" xmlns:ns3="16c05727-aa75-4e4a-9b5f-8a80a1165891" targetNamespace="http://schemas.microsoft.com/office/2006/metadata/properties" ma:root="true" ma:fieldsID="8256c27c40ca5c40ce1cf6c44f0205df" ns2:_="" ns3:_="">
     <xsd:import namespace="71af3243-3dd4-4a8d-8c0d-dd76da1f02a5"/>
@@ -18312,14 +18320,6 @@
 </ct:contentTypeSchema>
 </file>
 
-<file path=customXml/item2.xml><?xml version="1.0" encoding="utf-8"?>
-<p:properties xmlns:p="http://schemas.microsoft.com/office/2006/metadata/properties" xmlns:xsi="http://www.w3.org/2001/XMLSchema-instance" xmlns:pc="http://schemas.microsoft.com/office/infopath/2007/PartnerControls">
-  <documentManagement>
-    <MediaServiceKeyPoints xmlns="71af3243-3dd4-4a8d-8c0d-dd76da1f02a5" xsi:nil="true"/>
-  </documentManagement>
-</p:properties>
-</file>
-
 <file path=customXml/item3.xml><?xml version="1.0" encoding="utf-8"?>
 <?mso-contentType ?>
 <FormTemplates xmlns="http://schemas.microsoft.com/sharepoint/v3/contenttype/forms">
@@ -18330,6 +18330,16 @@
 </file>
 
 <file path=customXml/itemProps1.xml><?xml version="1.0" encoding="utf-8"?>
+<ds:datastoreItem xmlns:ds="http://schemas.openxmlformats.org/officeDocument/2006/customXml" ds:itemID="{1E159ADF-C50B-4A45-AD13-B0A8152C3150}">
+  <ds:schemaRefs>
+    <ds:schemaRef ds:uri="http://schemas.microsoft.com/office/2006/metadata/properties"/>
+    <ds:schemaRef ds:uri="http://schemas.microsoft.com/office/infopath/2007/PartnerControls"/>
+    <ds:schemaRef ds:uri="71af3243-3dd4-4a8d-8c0d-dd76da1f02a5"/>
+  </ds:schemaRefs>
+</ds:datastoreItem>
+</file>
+
+<file path=customXml/itemProps2.xml><?xml version="1.0" encoding="utf-8"?>
 <ds:datastoreItem xmlns:ds="http://schemas.openxmlformats.org/officeDocument/2006/customXml" ds:itemID="{95FDF6E3-4638-4FD3-B9D7-E0E63F20565C}">
   <ds:schemaRefs>
     <ds:schemaRef ds:uri="http://schemas.microsoft.com/office/2006/metadata/contentType"/>
@@ -18348,16 +18358,6 @@
 </ds:datastoreItem>
 </file>
 
-<file path=customXml/itemProps2.xml><?xml version="1.0" encoding="utf-8"?>
-<ds:datastoreItem xmlns:ds="http://schemas.openxmlformats.org/officeDocument/2006/customXml" ds:itemID="{1E159ADF-C50B-4A45-AD13-B0A8152C3150}">
-  <ds:schemaRefs>
-    <ds:schemaRef ds:uri="http://schemas.microsoft.com/office/2006/metadata/properties"/>
-    <ds:schemaRef ds:uri="http://schemas.microsoft.com/office/infopath/2007/PartnerControls"/>
-    <ds:schemaRef ds:uri="71af3243-3dd4-4a8d-8c0d-dd76da1f02a5"/>
-  </ds:schemaRefs>
-</ds:datastoreItem>
-</file>
-
 <file path=customXml/itemProps3.xml><?xml version="1.0" encoding="utf-8"?>
 <ds:datastoreItem xmlns:ds="http://schemas.openxmlformats.org/officeDocument/2006/customXml" ds:itemID="{EEDC6638-3F1D-4CA5-A167-2F719C08762F}">
   <ds:schemaRefs>

--- a/Git and Github.pptx
+++ b/Git and Github.pptx
@@ -5966,6 +5966,107 @@
               <a:t>Github</a:t>
             </a:r>
             <a:endParaRPr lang="en-US" sz="4800" dirty="0"/>
+          </a:p>
+        </p:txBody>
+      </p:sp>
+      <p:pic>
+        <p:nvPicPr>
+          <p:cNvPr id="7" name="Picture 6">
+            <a:extLst>
+              <a:ext uri="{FF2B5EF4-FFF2-40B4-BE49-F238E27FC236}">
+                <a16:creationId xmlns:a16="http://schemas.microsoft.com/office/drawing/2014/main" id="{61A9DA9D-8A1A-46AF-AF32-66D7B9B4A932}"/>
+              </a:ext>
+            </a:extLst>
+          </p:cNvPr>
+          <p:cNvPicPr>
+            <a:picLocks noChangeAspect="1"/>
+          </p:cNvPicPr>
+          <p:nvPr/>
+        </p:nvPicPr>
+        <p:blipFill>
+          <a:blip r:embed="rId3">
+            <a:extLst>
+              <a:ext uri="{837473B0-CC2E-450A-ABE3-18F120FF3D39}">
+                <a1611:picAttrSrcUrl xmlns:a1611="http://schemas.microsoft.com/office/drawing/2016/11/main" r:id="rId4"/>
+              </a:ext>
+            </a:extLst>
+          </a:blip>
+          <a:stretch>
+            <a:fillRect/>
+          </a:stretch>
+        </p:blipFill>
+        <p:spPr>
+          <a:xfrm>
+            <a:off x="7846677" y="201760"/>
+            <a:ext cx="2926080" cy="1944624"/>
+          </a:xfrm>
+          <a:prstGeom prst="rect">
+            <a:avLst/>
+          </a:prstGeom>
+        </p:spPr>
+      </p:pic>
+      <p:sp>
+        <p:nvSpPr>
+          <p:cNvPr id="9" name="Title 1">
+            <a:extLst>
+              <a:ext uri="{FF2B5EF4-FFF2-40B4-BE49-F238E27FC236}">
+                <a16:creationId xmlns:a16="http://schemas.microsoft.com/office/drawing/2014/main" id="{F0985C35-8591-4E54-9209-33D9AC31C5D4}"/>
+              </a:ext>
+            </a:extLst>
+          </p:cNvPr>
+          <p:cNvSpPr txBox="1">
+            <a:spLocks/>
+          </p:cNvSpPr>
+          <p:nvPr/>
+        </p:nvSpPr>
+        <p:spPr>
+          <a:xfrm>
+            <a:off x="9146017" y="1592015"/>
+            <a:ext cx="1626740" cy="554369"/>
+          </a:xfrm>
+          <a:prstGeom prst="rect">
+            <a:avLst/>
+          </a:prstGeom>
+        </p:spPr>
+        <p:txBody>
+          <a:bodyPr vert="horz" lIns="91440" tIns="45720" rIns="91440" bIns="45720" rtlCol="0" anchor="b">
+            <a:noAutofit/>
+          </a:bodyPr>
+          <a:lstStyle>
+            <a:lvl1pPr algn="ctr" defTabSz="914400" rtl="0" eaLnBrk="1" latinLnBrk="0" hangingPunct="1">
+              <a:lnSpc>
+                <a:spcPct val="90000"/>
+              </a:lnSpc>
+              <a:spcBef>
+                <a:spcPct val="0"/>
+              </a:spcBef>
+              <a:buNone/>
+              <a:defRPr sz="4800" kern="1200">
+                <a:solidFill>
+                  <a:schemeClr val="bg1"/>
+                </a:solidFill>
+                <a:latin typeface="+mj-lt"/>
+                <a:ea typeface="+mj-ea"/>
+                <a:cs typeface="+mj-cs"/>
+              </a:defRPr>
+            </a:lvl1pPr>
+          </a:lstStyle>
+          <a:p>
+            <a:r>
+              <a:rPr lang="en-US" sz="3600" dirty="0">
+                <a:latin typeface="Franklin Gothic Book" panose="020B0503020102020204" pitchFamily="34" charset="0"/>
+              </a:rPr>
+              <a:t>Git </a:t>
+            </a:r>
+            <a:r>
+              <a:rPr lang="en-US" sz="3600" dirty="0" err="1">
+                <a:latin typeface="Franklin Gothic Book" panose="020B0503020102020204" pitchFamily="34" charset="0"/>
+              </a:rPr>
+              <a:t>gud</a:t>
+            </a:r>
+            <a:endParaRPr lang="en-US" sz="3600" dirty="0">
+              <a:latin typeface="Franklin Gothic Book" panose="020B0503020102020204" pitchFamily="34" charset="0"/>
+            </a:endParaRPr>
           </a:p>
         </p:txBody>
       </p:sp>
@@ -18102,14 +18203,6 @@
 </file>
 
 <file path=customXml/item1.xml><?xml version="1.0" encoding="utf-8"?>
-<p:properties xmlns:p="http://schemas.microsoft.com/office/2006/metadata/properties" xmlns:xsi="http://www.w3.org/2001/XMLSchema-instance" xmlns:pc="http://schemas.microsoft.com/office/infopath/2007/PartnerControls">
-  <documentManagement>
-    <MediaServiceKeyPoints xmlns="71af3243-3dd4-4a8d-8c0d-dd76da1f02a5" xsi:nil="true"/>
-  </documentManagement>
-</p:properties>
-</file>
-
-<file path=customXml/item2.xml><?xml version="1.0" encoding="utf-8"?>
 <ct:contentTypeSchema xmlns:ct="http://schemas.microsoft.com/office/2006/metadata/contentType" xmlns:ma="http://schemas.microsoft.com/office/2006/metadata/properties/metaAttributes" ct:_="" ma:_="" ma:contentTypeName="Document" ma:contentTypeID="0x01010079F111ED35F8CC479449609E8A0923A6" ma:contentTypeVersion="11" ma:contentTypeDescription="Create a new document." ma:contentTypeScope="" ma:versionID="96291512c1ee715ab617f4c07df79fc1">
   <xsd:schema xmlns:xsd="http://www.w3.org/2001/XMLSchema" xmlns:xs="http://www.w3.org/2001/XMLSchema" xmlns:p="http://schemas.microsoft.com/office/2006/metadata/properties" xmlns:ns2="71af3243-3dd4-4a8d-8c0d-dd76da1f02a5" xmlns:ns3="16c05727-aa75-4e4a-9b5f-8a80a1165891" targetNamespace="http://schemas.microsoft.com/office/2006/metadata/properties" ma:root="true" ma:fieldsID="8256c27c40ca5c40ce1cf6c44f0205df" ns2:_="" ns3:_="">
     <xsd:import namespace="71af3243-3dd4-4a8d-8c0d-dd76da1f02a5"/>
@@ -18320,7 +18413,7 @@
 </ct:contentTypeSchema>
 </file>
 
-<file path=customXml/item3.xml><?xml version="1.0" encoding="utf-8"?>
+<file path=customXml/item2.xml><?xml version="1.0" encoding="utf-8"?>
 <?mso-contentType ?>
 <FormTemplates xmlns="http://schemas.microsoft.com/sharepoint/v3/contenttype/forms">
   <Display>DocumentLibraryForm</Display>
@@ -18329,17 +18422,15 @@
 </FormTemplates>
 </file>
 
-<file path=customXml/itemProps1.xml><?xml version="1.0" encoding="utf-8"?>
-<ds:datastoreItem xmlns:ds="http://schemas.openxmlformats.org/officeDocument/2006/customXml" ds:itemID="{1E159ADF-C50B-4A45-AD13-B0A8152C3150}">
-  <ds:schemaRefs>
-    <ds:schemaRef ds:uri="http://schemas.microsoft.com/office/2006/metadata/properties"/>
-    <ds:schemaRef ds:uri="http://schemas.microsoft.com/office/infopath/2007/PartnerControls"/>
-    <ds:schemaRef ds:uri="71af3243-3dd4-4a8d-8c0d-dd76da1f02a5"/>
-  </ds:schemaRefs>
-</ds:datastoreItem>
+<file path=customXml/item3.xml><?xml version="1.0" encoding="utf-8"?>
+<p:properties xmlns:p="http://schemas.microsoft.com/office/2006/metadata/properties" xmlns:xsi="http://www.w3.org/2001/XMLSchema-instance" xmlns:pc="http://schemas.microsoft.com/office/infopath/2007/PartnerControls">
+  <documentManagement>
+    <MediaServiceKeyPoints xmlns="71af3243-3dd4-4a8d-8c0d-dd76da1f02a5" xsi:nil="true"/>
+  </documentManagement>
+</p:properties>
 </file>
 
-<file path=customXml/itemProps2.xml><?xml version="1.0" encoding="utf-8"?>
+<file path=customXml/itemProps1.xml><?xml version="1.0" encoding="utf-8"?>
 <ds:datastoreItem xmlns:ds="http://schemas.openxmlformats.org/officeDocument/2006/customXml" ds:itemID="{95FDF6E3-4638-4FD3-B9D7-E0E63F20565C}">
   <ds:schemaRefs>
     <ds:schemaRef ds:uri="http://schemas.microsoft.com/office/2006/metadata/contentType"/>
@@ -18358,10 +18449,20 @@
 </ds:datastoreItem>
 </file>
 
-<file path=customXml/itemProps3.xml><?xml version="1.0" encoding="utf-8"?>
+<file path=customXml/itemProps2.xml><?xml version="1.0" encoding="utf-8"?>
 <ds:datastoreItem xmlns:ds="http://schemas.openxmlformats.org/officeDocument/2006/customXml" ds:itemID="{EEDC6638-3F1D-4CA5-A167-2F719C08762F}">
   <ds:schemaRefs>
     <ds:schemaRef ds:uri="http://schemas.microsoft.com/sharepoint/v3/contenttype/forms"/>
   </ds:schemaRefs>
 </ds:datastoreItem>
+</file>
+
+<file path=customXml/itemProps3.xml><?xml version="1.0" encoding="utf-8"?>
+<ds:datastoreItem xmlns:ds="http://schemas.openxmlformats.org/officeDocument/2006/customXml" ds:itemID="{1E159ADF-C50B-4A45-AD13-B0A8152C3150}">
+  <ds:schemaRefs>
+    <ds:schemaRef ds:uri="http://schemas.microsoft.com/office/2006/metadata/properties"/>
+    <ds:schemaRef ds:uri="http://schemas.microsoft.com/office/infopath/2007/PartnerControls"/>
+    <ds:schemaRef ds:uri="71af3243-3dd4-4a8d-8c0d-dd76da1f02a5"/>
+  </ds:schemaRefs>
+</ds:datastoreItem>
 </file>
--- a/Git and Github.pptx
+++ b/Git and Github.pptx
@@ -258,7 +258,7 @@
           <a:p>
             <a:fld id="{33ADE46C-81A1-43FB-B8E4-2C816F921C1C}" type="datetimeFigureOut">
               <a:rPr lang="en-US" smtClean="0"/>
-              <a:t>8/10/2021</a:t>
+              <a:t>8/21/2021</a:t>
             </a:fld>
             <a:endParaRPr lang="en-US" dirty="0"/>
           </a:p>
@@ -435,7 +435,7 @@
           <a:p>
             <a:fld id="{1A32EB95-E92B-4DBE-A5E5-BAD87330878F}" type="datetimeFigureOut">
               <a:rPr lang="en-US" smtClean="0"/>
-              <a:t>8/10/2021</a:t>
+              <a:t>8/21/2021</a:t>
             </a:fld>
             <a:endParaRPr lang="en-US" dirty="0"/>
           </a:p>
@@ -1717,7 +1717,7 @@
           <a:p>
             <a:fld id="{B99A8159-6B10-4896-B6E2-2809ECD1D84D}" type="datetimeFigureOut">
               <a:rPr lang="en-US" smtClean="0"/>
-              <a:t>8/10/2021</a:t>
+              <a:t>8/21/2021</a:t>
             </a:fld>
             <a:endParaRPr lang="en-US" dirty="0"/>
           </a:p>
@@ -2129,7 +2129,7 @@
           <a:p>
             <a:fld id="{B99A8159-6B10-4896-B6E2-2809ECD1D84D}" type="datetimeFigureOut">
               <a:rPr lang="en-US" smtClean="0"/>
-              <a:t>8/10/2021</a:t>
+              <a:t>8/21/2021</a:t>
             </a:fld>
             <a:endParaRPr lang="en-US" dirty="0"/>
           </a:p>
@@ -2270,7 +2270,7 @@
           <a:p>
             <a:fld id="{B99A8159-6B10-4896-B6E2-2809ECD1D84D}" type="datetimeFigureOut">
               <a:rPr lang="en-US" smtClean="0"/>
-              <a:t>8/10/2021</a:t>
+              <a:t>8/21/2021</a:t>
             </a:fld>
             <a:endParaRPr lang="en-US" dirty="0"/>
           </a:p>
@@ -2383,7 +2383,7 @@
           <a:p>
             <a:fld id="{B99A8159-6B10-4896-B6E2-2809ECD1D84D}" type="datetimeFigureOut">
               <a:rPr lang="en-US" smtClean="0"/>
-              <a:t>8/10/2021</a:t>
+              <a:t>8/21/2021</a:t>
             </a:fld>
             <a:endParaRPr lang="en-US" dirty="0"/>
           </a:p>
@@ -2694,7 +2694,7 @@
           <a:p>
             <a:fld id="{B99A8159-6B10-4896-B6E2-2809ECD1D84D}" type="datetimeFigureOut">
               <a:rPr lang="en-US" smtClean="0"/>
-              <a:t>8/10/2021</a:t>
+              <a:t>8/21/2021</a:t>
             </a:fld>
             <a:endParaRPr lang="en-US" dirty="0"/>
           </a:p>
@@ -2986,7 +2986,7 @@
           <a:p>
             <a:fld id="{B99A8159-6B10-4896-B6E2-2809ECD1D84D}" type="datetimeFigureOut">
               <a:rPr lang="en-US" smtClean="0"/>
-              <a:t>8/10/2021</a:t>
+              <a:t>8/21/2021</a:t>
             </a:fld>
             <a:endParaRPr lang="en-US" dirty="0"/>
           </a:p>
@@ -3274,7 +3274,7 @@
           <a:p>
             <a:fld id="{B99A8159-6B10-4896-B6E2-2809ECD1D84D}" type="datetimeFigureOut">
               <a:rPr lang="en-US" smtClean="0"/>
-              <a:t>8/10/2021</a:t>
+              <a:t>8/21/2021</a:t>
             </a:fld>
             <a:endParaRPr lang="en-US" dirty="0"/>
           </a:p>
@@ -3562,7 +3562,7 @@
           <a:p>
             <a:fld id="{B99A8159-6B10-4896-B6E2-2809ECD1D84D}" type="datetimeFigureOut">
               <a:rPr lang="en-US" smtClean="0"/>
-              <a:t>8/10/2021</a:t>
+              <a:t>8/21/2021</a:t>
             </a:fld>
             <a:endParaRPr lang="en-US" dirty="0"/>
           </a:p>
@@ -3850,7 +3850,7 @@
           <a:p>
             <a:fld id="{B99A8159-6B10-4896-B6E2-2809ECD1D84D}" type="datetimeFigureOut">
               <a:rPr lang="en-US" smtClean="0"/>
-              <a:t>8/10/2021</a:t>
+              <a:t>8/21/2021</a:t>
             </a:fld>
             <a:endParaRPr lang="en-US" dirty="0"/>
           </a:p>
@@ -4138,7 +4138,7 @@
           <a:p>
             <a:fld id="{B99A8159-6B10-4896-B6E2-2809ECD1D84D}" type="datetimeFigureOut">
               <a:rPr lang="en-US" smtClean="0"/>
-              <a:t>8/10/2021</a:t>
+              <a:t>8/21/2021</a:t>
             </a:fld>
             <a:endParaRPr lang="en-US" dirty="0"/>
           </a:p>
@@ -4426,7 +4426,7 @@
           <a:p>
             <a:fld id="{B99A8159-6B10-4896-B6E2-2809ECD1D84D}" type="datetimeFigureOut">
               <a:rPr lang="en-US" smtClean="0"/>
-              <a:t>8/10/2021</a:t>
+              <a:t>8/21/2021</a:t>
             </a:fld>
             <a:endParaRPr lang="en-US" dirty="0"/>
           </a:p>
@@ -4714,7 +4714,7 @@
           <a:p>
             <a:fld id="{B99A8159-6B10-4896-B6E2-2809ECD1D84D}" type="datetimeFigureOut">
               <a:rPr lang="en-US" smtClean="0"/>
-              <a:t>8/10/2021</a:t>
+              <a:t>8/21/2021</a:t>
             </a:fld>
             <a:endParaRPr lang="en-US" dirty="0"/>
           </a:p>
@@ -4989,7 +4989,7 @@
           <a:p>
             <a:fld id="{B99A8159-6B10-4896-B6E2-2809ECD1D84D}" type="datetimeFigureOut">
               <a:rPr lang="en-US" smtClean="0"/>
-              <a:t>8/10/2021</a:t>
+              <a:t>8/21/2021</a:t>
             </a:fld>
             <a:endParaRPr lang="en-US" dirty="0"/>
           </a:p>
@@ -5254,7 +5254,7 @@
           <a:p>
             <a:fld id="{B99A8159-6B10-4896-B6E2-2809ECD1D84D}" type="datetimeFigureOut">
               <a:rPr lang="en-US" smtClean="0"/>
-              <a:t>8/10/2021</a:t>
+              <a:t>8/21/2021</a:t>
             </a:fld>
             <a:endParaRPr lang="en-US" dirty="0"/>
           </a:p>
@@ -5495,7 +5495,7 @@
           <a:p>
             <a:fld id="{B99A8159-6B10-4896-B6E2-2809ECD1D84D}" type="datetimeFigureOut">
               <a:rPr lang="en-US" smtClean="0"/>
-              <a:t>8/10/2021</a:t>
+              <a:t>8/21/2021</a:t>
             </a:fld>
             <a:endParaRPr lang="en-US" dirty="0"/>
           </a:p>
@@ -6242,6 +6242,21 @@
             </a:r>
           </a:p>
           <a:p>
+            <a:r>
+              <a:rPr lang="en-MY" dirty="0"/>
+              <a:t>Register an account on </a:t>
+            </a:r>
+            <a:r>
+              <a:rPr lang="en-MY" dirty="0" err="1"/>
+              <a:t>Github</a:t>
+            </a:r>
+            <a:r>
+              <a:rPr lang="en-MY" dirty="0"/>
+              <a:t>!</a:t>
+            </a:r>
+            <a:endParaRPr lang="en-US" dirty="0"/>
+          </a:p>
+          <a:p>
             <a:pPr marL="0" indent="0">
               <a:buNone/>
             </a:pPr>
@@ -6788,6 +6803,51 @@
           </a:p>
         </p:txBody>
       </p:sp>
+      <p:pic>
+        <p:nvPicPr>
+          <p:cNvPr id="8" name="Picture 4" descr="Git and Github: A Beginner's Guide">
+            <a:extLst>
+              <a:ext uri="{FF2B5EF4-FFF2-40B4-BE49-F238E27FC236}">
+                <a16:creationId xmlns:a16="http://schemas.microsoft.com/office/drawing/2014/main" id="{F517DF59-29B0-452D-B992-870914ABC22E}"/>
+              </a:ext>
+            </a:extLst>
+          </p:cNvPr>
+          <p:cNvPicPr>
+            <a:picLocks noChangeAspect="1" noChangeArrowheads="1"/>
+          </p:cNvPicPr>
+          <p:nvPr/>
+        </p:nvPicPr>
+        <p:blipFill rotWithShape="1">
+          <a:blip r:embed="rId4">
+            <a:extLst>
+              <a:ext uri="{28A0092B-C50C-407E-A947-70E740481C1C}">
+                <a14:useLocalDpi xmlns:a14="http://schemas.microsoft.com/office/drawing/2010/main" val="0"/>
+              </a:ext>
+            </a:extLst>
+          </a:blip>
+          <a:srcRect l="7873" t="14309" r="8197" b="21632"/>
+          <a:stretch/>
+        </p:blipFill>
+        <p:spPr bwMode="auto">
+          <a:xfrm>
+            <a:off x="8436136" y="1811904"/>
+            <a:ext cx="3263317" cy="1388496"/>
+          </a:xfrm>
+          <a:prstGeom prst="rect">
+            <a:avLst/>
+          </a:prstGeom>
+          <a:noFill/>
+          <a:extLst>
+            <a:ext uri="{909E8E84-426E-40DD-AFC4-6F175D3DCCD1}">
+              <a14:hiddenFill xmlns:a14="http://schemas.microsoft.com/office/drawing/2010/main">
+                <a:solidFill>
+                  <a:srgbClr val="FFFFFF"/>
+                </a:solidFill>
+              </a14:hiddenFill>
+            </a:ext>
+          </a:extLst>
+        </p:spPr>
+      </p:pic>
     </p:spTree>
     <p:extLst>
       <p:ext uri="{BB962C8B-B14F-4D97-AF65-F5344CB8AC3E}">
@@ -7338,20 +7398,6 @@
           <a:p>
             <a:r>
               <a:rPr lang="en-MY" dirty="0"/>
-              <a:t>Register an account on </a:t>
-            </a:r>
-            <a:r>
-              <a:rPr lang="en-MY" dirty="0" err="1"/>
-              <a:t>Github</a:t>
-            </a:r>
-            <a:r>
-              <a:rPr lang="en-MY" dirty="0"/>
-              <a:t>!</a:t>
-            </a:r>
-          </a:p>
-          <a:p>
-            <a:r>
-              <a:rPr lang="en-MY" dirty="0"/>
               <a:t>Origin refers to the remote repository’s name by convention.</a:t>
             </a:r>
           </a:p>
@@ -7658,19 +7704,27 @@
                   </a:extLst>
                 </a:hlinkClick>
               </a:rPr>
-              <a:t>https://docs.github.com/en/github/authenticating-to-github/connecting-to-github-with-ssh/about-ssh</a:t>
-            </a:r>
-            <a:endParaRPr lang="en-MY" dirty="0">
-              <a:solidFill>
-                <a:schemeClr val="accent4"/>
-              </a:solidFill>
-            </a:endParaRPr>
-          </a:p>
-          <a:p>
-            <a:r>
-              <a:rPr lang="en-MY" dirty="0"/>
-              <a:t>SSH and HTTP</a:t>
-            </a:r>
+              <a:t>SSH: </a:t>
+            </a:r>
+            <a:endParaRPr lang="en-MY" dirty="0"/>
+          </a:p>
+          <a:p>
+            <a:r>
+              <a:rPr lang="en-MY" dirty="0">
+                <a:solidFill>
+                  <a:schemeClr val="accent4"/>
+                </a:solidFill>
+                <a:hlinkClick r:id="rId3">
+                  <a:extLst>
+                    <a:ext uri="{A12FA001-AC4F-418D-AE19-62706E023703}">
+                      <ahyp:hlinkClr xmlns:ahyp="http://schemas.microsoft.com/office/drawing/2018/hyperlinkcolor" val="tx"/>
+                    </a:ext>
+                  </a:extLst>
+                </a:hlinkClick>
+              </a:rPr>
+              <a:t>HTTPS tokens:</a:t>
+            </a:r>
+            <a:endParaRPr lang="en-MY" dirty="0"/>
           </a:p>
           <a:p>
             <a:endParaRPr lang="en-MY" dirty="0"/>
@@ -11312,7 +11366,12 @@
             <p:ph type="title"/>
           </p:nvPr>
         </p:nvSpPr>
-        <p:spPr/>
+        <p:spPr>
+          <a:xfrm>
+            <a:off x="838200" y="160336"/>
+            <a:ext cx="8334376" cy="1325563"/>
+          </a:xfrm>
+        </p:spPr>
         <p:txBody>
           <a:bodyPr/>
           <a:lstStyle/>
@@ -11384,6 +11443,35 @@
               </a:rPr>
               <a:t>Bash commands</a:t>
             </a:r>
+            <a:endParaRPr lang="en-US" sz="2400" dirty="0">
+              <a:solidFill>
+                <a:schemeClr val="accent5"/>
+              </a:solidFill>
+            </a:endParaRPr>
+          </a:p>
+          <a:p>
+            <a:r>
+              <a:rPr lang="en-US" sz="2400" dirty="0">
+                <a:solidFill>
+                  <a:schemeClr val="accent5"/>
+                </a:solidFill>
+                <a:hlinkClick r:id="rId4">
+                  <a:extLst>
+                    <a:ext uri="{A12FA001-AC4F-418D-AE19-62706E023703}">
+                      <ahyp:hlinkClr xmlns:ahyp="http://schemas.microsoft.com/office/drawing/2018/hyperlinkcolor" val="tx"/>
+                    </a:ext>
+                  </a:extLst>
+                </a:hlinkClick>
+              </a:rPr>
+              <a:t>https://www.youtube.com/watch?v=8JJ101D3knE&amp;ab_channel=ProgrammingwithMosh</a:t>
+            </a:r>
+            <a:endParaRPr lang="en-US" sz="2400" dirty="0">
+              <a:solidFill>
+                <a:schemeClr val="accent5"/>
+              </a:solidFill>
+            </a:endParaRPr>
+          </a:p>
+          <a:p>
             <a:endParaRPr lang="en-US" sz="2400" dirty="0">
               <a:solidFill>
                 <a:schemeClr val="accent5"/>
@@ -12227,7 +12315,7 @@
         </p:blipFill>
         <p:spPr bwMode="auto">
           <a:xfrm>
-            <a:off x="477841" y="4903247"/>
+            <a:off x="477841" y="4975180"/>
             <a:ext cx="3263317" cy="1388496"/>
           </a:xfrm>
           <a:prstGeom prst="rect">
@@ -14326,7 +14414,13 @@
           <a:p>
             <a:r>
               <a:rPr lang="en-US" dirty="0"/>
-              <a:t>Remote repository vs local repository</a:t>
+              <a:t>Remote repository: hosted on a server</a:t>
+            </a:r>
+          </a:p>
+          <a:p>
+            <a:r>
+              <a:rPr lang="en-US" dirty="0"/>
+              <a:t>Local repository: resides on a computer of someone</a:t>
             </a:r>
           </a:p>
           <a:p>
@@ -14356,7 +14450,7 @@
         </p:blipFill>
         <p:spPr>
           <a:xfrm>
-            <a:off x="-353690" y="2875007"/>
+            <a:off x="-353690" y="3116217"/>
             <a:ext cx="6748460" cy="3822657"/>
           </a:xfrm>
           <a:prstGeom prst="rect">
@@ -14386,7 +14480,7 @@
         </p:blipFill>
         <p:spPr>
           <a:xfrm>
-            <a:off x="5202879" y="2990954"/>
+            <a:off x="5283558" y="3231586"/>
             <a:ext cx="7181455" cy="3947920"/>
           </a:xfrm>
           <a:prstGeom prst="rect">
@@ -18203,6 +18297,15 @@
 </file>
 
 <file path=customXml/item1.xml><?xml version="1.0" encoding="utf-8"?>
+<?mso-contentType ?>
+<FormTemplates xmlns="http://schemas.microsoft.com/sharepoint/v3/contenttype/forms">
+  <Display>DocumentLibraryForm</Display>
+  <Edit>DocumentLibraryForm</Edit>
+  <New>DocumentLibraryForm</New>
+</FormTemplates>
+</file>
+
+<file path=customXml/item2.xml><?xml version="1.0" encoding="utf-8"?>
 <ct:contentTypeSchema xmlns:ct="http://schemas.microsoft.com/office/2006/metadata/contentType" xmlns:ma="http://schemas.microsoft.com/office/2006/metadata/properties/metaAttributes" ct:_="" ma:_="" ma:contentTypeName="Document" ma:contentTypeID="0x01010079F111ED35F8CC479449609E8A0923A6" ma:contentTypeVersion="11" ma:contentTypeDescription="Create a new document." ma:contentTypeScope="" ma:versionID="96291512c1ee715ab617f4c07df79fc1">
   <xsd:schema xmlns:xsd="http://www.w3.org/2001/XMLSchema" xmlns:xs="http://www.w3.org/2001/XMLSchema" xmlns:p="http://schemas.microsoft.com/office/2006/metadata/properties" xmlns:ns2="71af3243-3dd4-4a8d-8c0d-dd76da1f02a5" xmlns:ns3="16c05727-aa75-4e4a-9b5f-8a80a1165891" targetNamespace="http://schemas.microsoft.com/office/2006/metadata/properties" ma:root="true" ma:fieldsID="8256c27c40ca5c40ce1cf6c44f0205df" ns2:_="" ns3:_="">
     <xsd:import namespace="71af3243-3dd4-4a8d-8c0d-dd76da1f02a5"/>
@@ -18413,15 +18516,6 @@
 </ct:contentTypeSchema>
 </file>
 
-<file path=customXml/item2.xml><?xml version="1.0" encoding="utf-8"?>
-<?mso-contentType ?>
-<FormTemplates xmlns="http://schemas.microsoft.com/sharepoint/v3/contenttype/forms">
-  <Display>DocumentLibraryForm</Display>
-  <Edit>DocumentLibraryForm</Edit>
-  <New>DocumentLibraryForm</New>
-</FormTemplates>
-</file>
-
 <file path=customXml/item3.xml><?xml version="1.0" encoding="utf-8"?>
 <p:properties xmlns:p="http://schemas.microsoft.com/office/2006/metadata/properties" xmlns:xsi="http://www.w3.org/2001/XMLSchema-instance" xmlns:pc="http://schemas.microsoft.com/office/infopath/2007/PartnerControls">
   <documentManagement>
@@ -18431,6 +18525,14 @@
 </file>
 
 <file path=customXml/itemProps1.xml><?xml version="1.0" encoding="utf-8"?>
+<ds:datastoreItem xmlns:ds="http://schemas.openxmlformats.org/officeDocument/2006/customXml" ds:itemID="{EEDC6638-3F1D-4CA5-A167-2F719C08762F}">
+  <ds:schemaRefs>
+    <ds:schemaRef ds:uri="http://schemas.microsoft.com/sharepoint/v3/contenttype/forms"/>
+  </ds:schemaRefs>
+</ds:datastoreItem>
+</file>
+
+<file path=customXml/itemProps2.xml><?xml version="1.0" encoding="utf-8"?>
 <ds:datastoreItem xmlns:ds="http://schemas.openxmlformats.org/officeDocument/2006/customXml" ds:itemID="{95FDF6E3-4638-4FD3-B9D7-E0E63F20565C}">
   <ds:schemaRefs>
     <ds:schemaRef ds:uri="http://schemas.microsoft.com/office/2006/metadata/contentType"/>
@@ -18449,14 +18551,6 @@
 </ds:datastoreItem>
 </file>
 
-<file path=customXml/itemProps2.xml><?xml version="1.0" encoding="utf-8"?>
-<ds:datastoreItem xmlns:ds="http://schemas.openxmlformats.org/officeDocument/2006/customXml" ds:itemID="{EEDC6638-3F1D-4CA5-A167-2F719C08762F}">
-  <ds:schemaRefs>
-    <ds:schemaRef ds:uri="http://schemas.microsoft.com/sharepoint/v3/contenttype/forms"/>
-  </ds:schemaRefs>
-</ds:datastoreItem>
-</file>
-
 <file path=customXml/itemProps3.xml><?xml version="1.0" encoding="utf-8"?>
 <ds:datastoreItem xmlns:ds="http://schemas.openxmlformats.org/officeDocument/2006/customXml" ds:itemID="{1E159ADF-C50B-4A45-AD13-B0A8152C3150}">
   <ds:schemaRefs>

--- a/Git and Github.pptx
+++ b/Git and Github.pptx
@@ -5,45 +5,49 @@
     <p:sldMasterId id="2147483648" r:id="rId4"/>
   </p:sldMasterIdLst>
   <p:notesMasterIdLst>
-    <p:notesMasterId r:id="rId38"/>
+    <p:notesMasterId r:id="rId42"/>
   </p:notesMasterIdLst>
   <p:handoutMasterIdLst>
-    <p:handoutMasterId r:id="rId39"/>
+    <p:handoutMasterId r:id="rId43"/>
   </p:handoutMasterIdLst>
   <p:sldIdLst>
     <p:sldId id="256" r:id="rId5"/>
-    <p:sldId id="263" r:id="rId6"/>
-    <p:sldId id="257" r:id="rId7"/>
-    <p:sldId id="259" r:id="rId8"/>
-    <p:sldId id="258" r:id="rId9"/>
-    <p:sldId id="261" r:id="rId10"/>
-    <p:sldId id="264" r:id="rId11"/>
-    <p:sldId id="269" r:id="rId12"/>
-    <p:sldId id="280" r:id="rId13"/>
-    <p:sldId id="273" r:id="rId14"/>
-    <p:sldId id="282" r:id="rId15"/>
-    <p:sldId id="288" r:id="rId16"/>
-    <p:sldId id="270" r:id="rId17"/>
-    <p:sldId id="268" r:id="rId18"/>
-    <p:sldId id="267" r:id="rId19"/>
-    <p:sldId id="283" r:id="rId20"/>
-    <p:sldId id="275" r:id="rId21"/>
-    <p:sldId id="276" r:id="rId22"/>
-    <p:sldId id="277" r:id="rId23"/>
-    <p:sldId id="289" r:id="rId24"/>
-    <p:sldId id="278" r:id="rId25"/>
-    <p:sldId id="279" r:id="rId26"/>
-    <p:sldId id="281" r:id="rId27"/>
-    <p:sldId id="286" r:id="rId28"/>
-    <p:sldId id="285" r:id="rId29"/>
-    <p:sldId id="284" r:id="rId30"/>
-    <p:sldId id="260" r:id="rId31"/>
-    <p:sldId id="262" r:id="rId32"/>
-    <p:sldId id="266" r:id="rId33"/>
-    <p:sldId id="265" r:id="rId34"/>
-    <p:sldId id="271" r:id="rId35"/>
-    <p:sldId id="274" r:id="rId36"/>
-    <p:sldId id="287" r:id="rId37"/>
+    <p:sldId id="290" r:id="rId6"/>
+    <p:sldId id="292" r:id="rId7"/>
+    <p:sldId id="263" r:id="rId8"/>
+    <p:sldId id="257" r:id="rId9"/>
+    <p:sldId id="259" r:id="rId10"/>
+    <p:sldId id="258" r:id="rId11"/>
+    <p:sldId id="261" r:id="rId12"/>
+    <p:sldId id="264" r:id="rId13"/>
+    <p:sldId id="269" r:id="rId14"/>
+    <p:sldId id="280" r:id="rId15"/>
+    <p:sldId id="273" r:id="rId16"/>
+    <p:sldId id="293" r:id="rId17"/>
+    <p:sldId id="282" r:id="rId18"/>
+    <p:sldId id="288" r:id="rId19"/>
+    <p:sldId id="270" r:id="rId20"/>
+    <p:sldId id="268" r:id="rId21"/>
+    <p:sldId id="267" r:id="rId22"/>
+    <p:sldId id="283" r:id="rId23"/>
+    <p:sldId id="275" r:id="rId24"/>
+    <p:sldId id="276" r:id="rId25"/>
+    <p:sldId id="277" r:id="rId26"/>
+    <p:sldId id="289" r:id="rId27"/>
+    <p:sldId id="278" r:id="rId28"/>
+    <p:sldId id="279" r:id="rId29"/>
+    <p:sldId id="281" r:id="rId30"/>
+    <p:sldId id="286" r:id="rId31"/>
+    <p:sldId id="285" r:id="rId32"/>
+    <p:sldId id="284" r:id="rId33"/>
+    <p:sldId id="260" r:id="rId34"/>
+    <p:sldId id="262" r:id="rId35"/>
+    <p:sldId id="291" r:id="rId36"/>
+    <p:sldId id="266" r:id="rId37"/>
+    <p:sldId id="265" r:id="rId38"/>
+    <p:sldId id="271" r:id="rId39"/>
+    <p:sldId id="274" r:id="rId40"/>
+    <p:sldId id="287" r:id="rId41"/>
   </p:sldIdLst>
   <p:sldSz cx="12192000" cy="6858000"/>
   <p:notesSz cx="6858000" cy="9144000"/>
@@ -258,7 +262,7 @@
           <a:p>
             <a:fld id="{33ADE46C-81A1-43FB-B8E4-2C816F921C1C}" type="datetimeFigureOut">
               <a:rPr lang="en-US" smtClean="0"/>
-              <a:t>8/21/2021</a:t>
+              <a:t>9/11/2021</a:t>
             </a:fld>
             <a:endParaRPr lang="en-US" dirty="0"/>
           </a:p>
@@ -435,7 +439,7 @@
           <a:p>
             <a:fld id="{1A32EB95-E92B-4DBE-A5E5-BAD87330878F}" type="datetimeFigureOut">
               <a:rPr lang="en-US" smtClean="0"/>
-              <a:t>8/21/2021</a:t>
+              <a:t>9/11/2021</a:t>
             </a:fld>
             <a:endParaRPr lang="en-US" dirty="0"/>
           </a:p>
@@ -746,7 +750,7 @@
           <a:bodyPr/>
           <a:lstStyle/>
           <a:p>
-            <a:endParaRPr lang="en-MY" dirty="0"/>
+            <a:endParaRPr lang="en-MY"/>
           </a:p>
         </p:txBody>
       </p:sp>
@@ -767,7 +771,7 @@
           <a:p>
             <a:fld id="{F4367C96-DDCA-4867-8F69-39EABFA21D53}" type="slidenum">
               <a:rPr lang="en-US" smtClean="0"/>
-              <a:t>17</a:t>
+              <a:t>1</a:t>
             </a:fld>
             <a:endParaRPr lang="en-US" dirty="0"/>
           </a:p>
@@ -776,7 +780,7 @@
     </p:spTree>
     <p:extLst>
       <p:ext uri="{BB962C8B-B14F-4D97-AF65-F5344CB8AC3E}">
-        <p14:creationId xmlns:p14="http://schemas.microsoft.com/office/powerpoint/2010/main" val="1522652898"/>
+        <p14:creationId xmlns:p14="http://schemas.microsoft.com/office/powerpoint/2010/main" val="1034056740"/>
       </p:ext>
     </p:extLst>
   </p:cSld>
@@ -830,7 +834,7 @@
           <a:bodyPr/>
           <a:lstStyle/>
           <a:p>
-            <a:endParaRPr lang="en-MY" dirty="0"/>
+            <a:endParaRPr lang="en-MY"/>
           </a:p>
         </p:txBody>
       </p:sp>
@@ -851,7 +855,7 @@
           <a:p>
             <a:fld id="{F4367C96-DDCA-4867-8F69-39EABFA21D53}" type="slidenum">
               <a:rPr lang="en-US" smtClean="0"/>
-              <a:t>26</a:t>
+              <a:t>10</a:t>
             </a:fld>
             <a:endParaRPr lang="en-US" dirty="0"/>
           </a:p>
@@ -860,7 +864,763 @@
     </p:spTree>
     <p:extLst>
       <p:ext uri="{BB962C8B-B14F-4D97-AF65-F5344CB8AC3E}">
-        <p14:creationId xmlns:p14="http://schemas.microsoft.com/office/powerpoint/2010/main" val="1744955741"/>
+        <p14:creationId xmlns:p14="http://schemas.microsoft.com/office/powerpoint/2010/main" val="366419889"/>
+      </p:ext>
+    </p:extLst>
+  </p:cSld>
+  <p:clrMapOvr>
+    <a:masterClrMapping/>
+  </p:clrMapOvr>
+</p:notes>
+</file>
+
+<file path=ppt/notesSlides/notesSlide11.xml><?xml version="1.0" encoding="utf-8"?>
+<p:notes xmlns:a="http://schemas.openxmlformats.org/drawingml/2006/main" xmlns:r="http://schemas.openxmlformats.org/officeDocument/2006/relationships" xmlns:p="http://schemas.openxmlformats.org/presentationml/2006/main">
+  <p:cSld>
+    <p:spTree>
+      <p:nvGrpSpPr>
+        <p:cNvPr id="1" name=""/>
+        <p:cNvGrpSpPr/>
+        <p:nvPr/>
+      </p:nvGrpSpPr>
+      <p:grpSpPr>
+        <a:xfrm>
+          <a:off x="0" y="0"/>
+          <a:ext cx="0" cy="0"/>
+          <a:chOff x="0" y="0"/>
+          <a:chExt cx="0" cy="0"/>
+        </a:xfrm>
+      </p:grpSpPr>
+      <p:sp>
+        <p:nvSpPr>
+          <p:cNvPr id="2" name="Slide Image Placeholder 1"/>
+          <p:cNvSpPr>
+            <a:spLocks noGrp="1" noRot="1" noChangeAspect="1"/>
+          </p:cNvSpPr>
+          <p:nvPr>
+            <p:ph type="sldImg"/>
+          </p:nvPr>
+        </p:nvSpPr>
+        <p:spPr/>
+      </p:sp>
+      <p:sp>
+        <p:nvSpPr>
+          <p:cNvPr id="3" name="Notes Placeholder 2"/>
+          <p:cNvSpPr>
+            <a:spLocks noGrp="1"/>
+          </p:cNvSpPr>
+          <p:nvPr>
+            <p:ph type="body" idx="1"/>
+          </p:nvPr>
+        </p:nvSpPr>
+        <p:spPr/>
+        <p:txBody>
+          <a:bodyPr/>
+          <a:lstStyle/>
+          <a:p>
+            <a:endParaRPr lang="en-MY"/>
+          </a:p>
+        </p:txBody>
+      </p:sp>
+      <p:sp>
+        <p:nvSpPr>
+          <p:cNvPr id="4" name="Slide Number Placeholder 3"/>
+          <p:cNvSpPr>
+            <a:spLocks noGrp="1"/>
+          </p:cNvSpPr>
+          <p:nvPr>
+            <p:ph type="sldNum" sz="quarter" idx="5"/>
+          </p:nvPr>
+        </p:nvSpPr>
+        <p:spPr/>
+        <p:txBody>
+          <a:bodyPr/>
+          <a:lstStyle/>
+          <a:p>
+            <a:fld id="{F4367C96-DDCA-4867-8F69-39EABFA21D53}" type="slidenum">
+              <a:rPr lang="en-US" smtClean="0"/>
+              <a:t>11</a:t>
+            </a:fld>
+            <a:endParaRPr lang="en-US" dirty="0"/>
+          </a:p>
+        </p:txBody>
+      </p:sp>
+    </p:spTree>
+    <p:extLst>
+      <p:ext uri="{BB962C8B-B14F-4D97-AF65-F5344CB8AC3E}">
+        <p14:creationId xmlns:p14="http://schemas.microsoft.com/office/powerpoint/2010/main" val="1336391628"/>
+      </p:ext>
+    </p:extLst>
+  </p:cSld>
+  <p:clrMapOvr>
+    <a:masterClrMapping/>
+  </p:clrMapOvr>
+</p:notes>
+</file>
+
+<file path=ppt/notesSlides/notesSlide12.xml><?xml version="1.0" encoding="utf-8"?>
+<p:notes xmlns:a="http://schemas.openxmlformats.org/drawingml/2006/main" xmlns:r="http://schemas.openxmlformats.org/officeDocument/2006/relationships" xmlns:p="http://schemas.openxmlformats.org/presentationml/2006/main">
+  <p:cSld>
+    <p:spTree>
+      <p:nvGrpSpPr>
+        <p:cNvPr id="1" name=""/>
+        <p:cNvGrpSpPr/>
+        <p:nvPr/>
+      </p:nvGrpSpPr>
+      <p:grpSpPr>
+        <a:xfrm>
+          <a:off x="0" y="0"/>
+          <a:ext cx="0" cy="0"/>
+          <a:chOff x="0" y="0"/>
+          <a:chExt cx="0" cy="0"/>
+        </a:xfrm>
+      </p:grpSpPr>
+      <p:sp>
+        <p:nvSpPr>
+          <p:cNvPr id="2" name="Slide Image Placeholder 1"/>
+          <p:cNvSpPr>
+            <a:spLocks noGrp="1" noRot="1" noChangeAspect="1"/>
+          </p:cNvSpPr>
+          <p:nvPr>
+            <p:ph type="sldImg"/>
+          </p:nvPr>
+        </p:nvSpPr>
+        <p:spPr/>
+      </p:sp>
+      <p:sp>
+        <p:nvSpPr>
+          <p:cNvPr id="3" name="Notes Placeholder 2"/>
+          <p:cNvSpPr>
+            <a:spLocks noGrp="1"/>
+          </p:cNvSpPr>
+          <p:nvPr>
+            <p:ph type="body" idx="1"/>
+          </p:nvPr>
+        </p:nvSpPr>
+        <p:spPr/>
+        <p:txBody>
+          <a:bodyPr/>
+          <a:lstStyle/>
+          <a:p>
+            <a:endParaRPr lang="en-MY"/>
+          </a:p>
+        </p:txBody>
+      </p:sp>
+      <p:sp>
+        <p:nvSpPr>
+          <p:cNvPr id="4" name="Slide Number Placeholder 3"/>
+          <p:cNvSpPr>
+            <a:spLocks noGrp="1"/>
+          </p:cNvSpPr>
+          <p:nvPr>
+            <p:ph type="sldNum" sz="quarter" idx="5"/>
+          </p:nvPr>
+        </p:nvSpPr>
+        <p:spPr/>
+        <p:txBody>
+          <a:bodyPr/>
+          <a:lstStyle/>
+          <a:p>
+            <a:fld id="{F4367C96-DDCA-4867-8F69-39EABFA21D53}" type="slidenum">
+              <a:rPr lang="en-US" smtClean="0"/>
+              <a:t>12</a:t>
+            </a:fld>
+            <a:endParaRPr lang="en-US" dirty="0"/>
+          </a:p>
+        </p:txBody>
+      </p:sp>
+    </p:spTree>
+    <p:extLst>
+      <p:ext uri="{BB962C8B-B14F-4D97-AF65-F5344CB8AC3E}">
+        <p14:creationId xmlns:p14="http://schemas.microsoft.com/office/powerpoint/2010/main" val="3576866511"/>
+      </p:ext>
+    </p:extLst>
+  </p:cSld>
+  <p:clrMapOvr>
+    <a:masterClrMapping/>
+  </p:clrMapOvr>
+</p:notes>
+</file>
+
+<file path=ppt/notesSlides/notesSlide13.xml><?xml version="1.0" encoding="utf-8"?>
+<p:notes xmlns:a="http://schemas.openxmlformats.org/drawingml/2006/main" xmlns:r="http://schemas.openxmlformats.org/officeDocument/2006/relationships" xmlns:p="http://schemas.openxmlformats.org/presentationml/2006/main">
+  <p:cSld>
+    <p:spTree>
+      <p:nvGrpSpPr>
+        <p:cNvPr id="1" name=""/>
+        <p:cNvGrpSpPr/>
+        <p:nvPr/>
+      </p:nvGrpSpPr>
+      <p:grpSpPr>
+        <a:xfrm>
+          <a:off x="0" y="0"/>
+          <a:ext cx="0" cy="0"/>
+          <a:chOff x="0" y="0"/>
+          <a:chExt cx="0" cy="0"/>
+        </a:xfrm>
+      </p:grpSpPr>
+      <p:sp>
+        <p:nvSpPr>
+          <p:cNvPr id="2" name="Slide Image Placeholder 1"/>
+          <p:cNvSpPr>
+            <a:spLocks noGrp="1" noRot="1" noChangeAspect="1"/>
+          </p:cNvSpPr>
+          <p:nvPr>
+            <p:ph type="sldImg"/>
+          </p:nvPr>
+        </p:nvSpPr>
+        <p:spPr/>
+      </p:sp>
+      <p:sp>
+        <p:nvSpPr>
+          <p:cNvPr id="3" name="Notes Placeholder 2"/>
+          <p:cNvSpPr>
+            <a:spLocks noGrp="1"/>
+          </p:cNvSpPr>
+          <p:nvPr>
+            <p:ph type="body" idx="1"/>
+          </p:nvPr>
+        </p:nvSpPr>
+        <p:spPr/>
+        <p:txBody>
+          <a:bodyPr/>
+          <a:lstStyle/>
+          <a:p>
+            <a:endParaRPr lang="en-MY"/>
+          </a:p>
+        </p:txBody>
+      </p:sp>
+      <p:sp>
+        <p:nvSpPr>
+          <p:cNvPr id="4" name="Slide Number Placeholder 3"/>
+          <p:cNvSpPr>
+            <a:spLocks noGrp="1"/>
+          </p:cNvSpPr>
+          <p:nvPr>
+            <p:ph type="sldNum" sz="quarter" idx="5"/>
+          </p:nvPr>
+        </p:nvSpPr>
+        <p:spPr/>
+        <p:txBody>
+          <a:bodyPr/>
+          <a:lstStyle/>
+          <a:p>
+            <a:fld id="{F4367C96-DDCA-4867-8F69-39EABFA21D53}" type="slidenum">
+              <a:rPr lang="en-US" smtClean="0"/>
+              <a:t>13</a:t>
+            </a:fld>
+            <a:endParaRPr lang="en-US" dirty="0"/>
+          </a:p>
+        </p:txBody>
+      </p:sp>
+    </p:spTree>
+    <p:extLst>
+      <p:ext uri="{BB962C8B-B14F-4D97-AF65-F5344CB8AC3E}">
+        <p14:creationId xmlns:p14="http://schemas.microsoft.com/office/powerpoint/2010/main" val="1227104334"/>
+      </p:ext>
+    </p:extLst>
+  </p:cSld>
+  <p:clrMapOvr>
+    <a:masterClrMapping/>
+  </p:clrMapOvr>
+</p:notes>
+</file>
+
+<file path=ppt/notesSlides/notesSlide14.xml><?xml version="1.0" encoding="utf-8"?>
+<p:notes xmlns:a="http://schemas.openxmlformats.org/drawingml/2006/main" xmlns:r="http://schemas.openxmlformats.org/officeDocument/2006/relationships" xmlns:p="http://schemas.openxmlformats.org/presentationml/2006/main">
+  <p:cSld>
+    <p:spTree>
+      <p:nvGrpSpPr>
+        <p:cNvPr id="1" name=""/>
+        <p:cNvGrpSpPr/>
+        <p:nvPr/>
+      </p:nvGrpSpPr>
+      <p:grpSpPr>
+        <a:xfrm>
+          <a:off x="0" y="0"/>
+          <a:ext cx="0" cy="0"/>
+          <a:chOff x="0" y="0"/>
+          <a:chExt cx="0" cy="0"/>
+        </a:xfrm>
+      </p:grpSpPr>
+      <p:sp>
+        <p:nvSpPr>
+          <p:cNvPr id="2" name="Slide Image Placeholder 1"/>
+          <p:cNvSpPr>
+            <a:spLocks noGrp="1" noRot="1" noChangeAspect="1"/>
+          </p:cNvSpPr>
+          <p:nvPr>
+            <p:ph type="sldImg"/>
+          </p:nvPr>
+        </p:nvSpPr>
+        <p:spPr/>
+      </p:sp>
+      <p:sp>
+        <p:nvSpPr>
+          <p:cNvPr id="3" name="Notes Placeholder 2"/>
+          <p:cNvSpPr>
+            <a:spLocks noGrp="1"/>
+          </p:cNvSpPr>
+          <p:nvPr>
+            <p:ph type="body" idx="1"/>
+          </p:nvPr>
+        </p:nvSpPr>
+        <p:spPr/>
+        <p:txBody>
+          <a:bodyPr/>
+          <a:lstStyle/>
+          <a:p>
+            <a:endParaRPr lang="en-MY"/>
+          </a:p>
+        </p:txBody>
+      </p:sp>
+      <p:sp>
+        <p:nvSpPr>
+          <p:cNvPr id="4" name="Slide Number Placeholder 3"/>
+          <p:cNvSpPr>
+            <a:spLocks noGrp="1"/>
+          </p:cNvSpPr>
+          <p:nvPr>
+            <p:ph type="sldNum" sz="quarter" idx="5"/>
+          </p:nvPr>
+        </p:nvSpPr>
+        <p:spPr/>
+        <p:txBody>
+          <a:bodyPr/>
+          <a:lstStyle/>
+          <a:p>
+            <a:fld id="{F4367C96-DDCA-4867-8F69-39EABFA21D53}" type="slidenum">
+              <a:rPr lang="en-US" smtClean="0"/>
+              <a:t>14</a:t>
+            </a:fld>
+            <a:endParaRPr lang="en-US" dirty="0"/>
+          </a:p>
+        </p:txBody>
+      </p:sp>
+    </p:spTree>
+    <p:extLst>
+      <p:ext uri="{BB962C8B-B14F-4D97-AF65-F5344CB8AC3E}">
+        <p14:creationId xmlns:p14="http://schemas.microsoft.com/office/powerpoint/2010/main" val="210115921"/>
+      </p:ext>
+    </p:extLst>
+  </p:cSld>
+  <p:clrMapOvr>
+    <a:masterClrMapping/>
+  </p:clrMapOvr>
+</p:notes>
+</file>
+
+<file path=ppt/notesSlides/notesSlide15.xml><?xml version="1.0" encoding="utf-8"?>
+<p:notes xmlns:a="http://schemas.openxmlformats.org/drawingml/2006/main" xmlns:r="http://schemas.openxmlformats.org/officeDocument/2006/relationships" xmlns:p="http://schemas.openxmlformats.org/presentationml/2006/main">
+  <p:cSld>
+    <p:spTree>
+      <p:nvGrpSpPr>
+        <p:cNvPr id="1" name=""/>
+        <p:cNvGrpSpPr/>
+        <p:nvPr/>
+      </p:nvGrpSpPr>
+      <p:grpSpPr>
+        <a:xfrm>
+          <a:off x="0" y="0"/>
+          <a:ext cx="0" cy="0"/>
+          <a:chOff x="0" y="0"/>
+          <a:chExt cx="0" cy="0"/>
+        </a:xfrm>
+      </p:grpSpPr>
+      <p:sp>
+        <p:nvSpPr>
+          <p:cNvPr id="2" name="Slide Image Placeholder 1"/>
+          <p:cNvSpPr>
+            <a:spLocks noGrp="1" noRot="1" noChangeAspect="1"/>
+          </p:cNvSpPr>
+          <p:nvPr>
+            <p:ph type="sldImg"/>
+          </p:nvPr>
+        </p:nvSpPr>
+        <p:spPr/>
+      </p:sp>
+      <p:sp>
+        <p:nvSpPr>
+          <p:cNvPr id="3" name="Notes Placeholder 2"/>
+          <p:cNvSpPr>
+            <a:spLocks noGrp="1"/>
+          </p:cNvSpPr>
+          <p:nvPr>
+            <p:ph type="body" idx="1"/>
+          </p:nvPr>
+        </p:nvSpPr>
+        <p:spPr/>
+        <p:txBody>
+          <a:bodyPr/>
+          <a:lstStyle/>
+          <a:p>
+            <a:endParaRPr lang="en-MY"/>
+          </a:p>
+        </p:txBody>
+      </p:sp>
+      <p:sp>
+        <p:nvSpPr>
+          <p:cNvPr id="4" name="Slide Number Placeholder 3"/>
+          <p:cNvSpPr>
+            <a:spLocks noGrp="1"/>
+          </p:cNvSpPr>
+          <p:nvPr>
+            <p:ph type="sldNum" sz="quarter" idx="5"/>
+          </p:nvPr>
+        </p:nvSpPr>
+        <p:spPr/>
+        <p:txBody>
+          <a:bodyPr/>
+          <a:lstStyle/>
+          <a:p>
+            <a:fld id="{F4367C96-DDCA-4867-8F69-39EABFA21D53}" type="slidenum">
+              <a:rPr lang="en-US" smtClean="0"/>
+              <a:t>15</a:t>
+            </a:fld>
+            <a:endParaRPr lang="en-US" dirty="0"/>
+          </a:p>
+        </p:txBody>
+      </p:sp>
+    </p:spTree>
+    <p:extLst>
+      <p:ext uri="{BB962C8B-B14F-4D97-AF65-F5344CB8AC3E}">
+        <p14:creationId xmlns:p14="http://schemas.microsoft.com/office/powerpoint/2010/main" val="4285047696"/>
+      </p:ext>
+    </p:extLst>
+  </p:cSld>
+  <p:clrMapOvr>
+    <a:masterClrMapping/>
+  </p:clrMapOvr>
+</p:notes>
+</file>
+
+<file path=ppt/notesSlides/notesSlide16.xml><?xml version="1.0" encoding="utf-8"?>
+<p:notes xmlns:a="http://schemas.openxmlformats.org/drawingml/2006/main" xmlns:r="http://schemas.openxmlformats.org/officeDocument/2006/relationships" xmlns:p="http://schemas.openxmlformats.org/presentationml/2006/main">
+  <p:cSld>
+    <p:spTree>
+      <p:nvGrpSpPr>
+        <p:cNvPr id="1" name=""/>
+        <p:cNvGrpSpPr/>
+        <p:nvPr/>
+      </p:nvGrpSpPr>
+      <p:grpSpPr>
+        <a:xfrm>
+          <a:off x="0" y="0"/>
+          <a:ext cx="0" cy="0"/>
+          <a:chOff x="0" y="0"/>
+          <a:chExt cx="0" cy="0"/>
+        </a:xfrm>
+      </p:grpSpPr>
+      <p:sp>
+        <p:nvSpPr>
+          <p:cNvPr id="2" name="Slide Image Placeholder 1"/>
+          <p:cNvSpPr>
+            <a:spLocks noGrp="1" noRot="1" noChangeAspect="1"/>
+          </p:cNvSpPr>
+          <p:nvPr>
+            <p:ph type="sldImg"/>
+          </p:nvPr>
+        </p:nvSpPr>
+        <p:spPr/>
+      </p:sp>
+      <p:sp>
+        <p:nvSpPr>
+          <p:cNvPr id="3" name="Notes Placeholder 2"/>
+          <p:cNvSpPr>
+            <a:spLocks noGrp="1"/>
+          </p:cNvSpPr>
+          <p:nvPr>
+            <p:ph type="body" idx="1"/>
+          </p:nvPr>
+        </p:nvSpPr>
+        <p:spPr/>
+        <p:txBody>
+          <a:bodyPr/>
+          <a:lstStyle/>
+          <a:p>
+            <a:endParaRPr lang="en-MY"/>
+          </a:p>
+        </p:txBody>
+      </p:sp>
+      <p:sp>
+        <p:nvSpPr>
+          <p:cNvPr id="4" name="Slide Number Placeholder 3"/>
+          <p:cNvSpPr>
+            <a:spLocks noGrp="1"/>
+          </p:cNvSpPr>
+          <p:nvPr>
+            <p:ph type="sldNum" sz="quarter" idx="5"/>
+          </p:nvPr>
+        </p:nvSpPr>
+        <p:spPr/>
+        <p:txBody>
+          <a:bodyPr/>
+          <a:lstStyle/>
+          <a:p>
+            <a:fld id="{F4367C96-DDCA-4867-8F69-39EABFA21D53}" type="slidenum">
+              <a:rPr lang="en-US" smtClean="0"/>
+              <a:t>16</a:t>
+            </a:fld>
+            <a:endParaRPr lang="en-US" dirty="0"/>
+          </a:p>
+        </p:txBody>
+      </p:sp>
+    </p:spTree>
+    <p:extLst>
+      <p:ext uri="{BB962C8B-B14F-4D97-AF65-F5344CB8AC3E}">
+        <p14:creationId xmlns:p14="http://schemas.microsoft.com/office/powerpoint/2010/main" val="117126957"/>
+      </p:ext>
+    </p:extLst>
+  </p:cSld>
+  <p:clrMapOvr>
+    <a:masterClrMapping/>
+  </p:clrMapOvr>
+</p:notes>
+</file>
+
+<file path=ppt/notesSlides/notesSlide17.xml><?xml version="1.0" encoding="utf-8"?>
+<p:notes xmlns:a="http://schemas.openxmlformats.org/drawingml/2006/main" xmlns:r="http://schemas.openxmlformats.org/officeDocument/2006/relationships" xmlns:p="http://schemas.openxmlformats.org/presentationml/2006/main">
+  <p:cSld>
+    <p:spTree>
+      <p:nvGrpSpPr>
+        <p:cNvPr id="1" name=""/>
+        <p:cNvGrpSpPr/>
+        <p:nvPr/>
+      </p:nvGrpSpPr>
+      <p:grpSpPr>
+        <a:xfrm>
+          <a:off x="0" y="0"/>
+          <a:ext cx="0" cy="0"/>
+          <a:chOff x="0" y="0"/>
+          <a:chExt cx="0" cy="0"/>
+        </a:xfrm>
+      </p:grpSpPr>
+      <p:sp>
+        <p:nvSpPr>
+          <p:cNvPr id="2" name="Slide Image Placeholder 1"/>
+          <p:cNvSpPr>
+            <a:spLocks noGrp="1" noRot="1" noChangeAspect="1"/>
+          </p:cNvSpPr>
+          <p:nvPr>
+            <p:ph type="sldImg"/>
+          </p:nvPr>
+        </p:nvSpPr>
+        <p:spPr/>
+      </p:sp>
+      <p:sp>
+        <p:nvSpPr>
+          <p:cNvPr id="3" name="Notes Placeholder 2"/>
+          <p:cNvSpPr>
+            <a:spLocks noGrp="1"/>
+          </p:cNvSpPr>
+          <p:nvPr>
+            <p:ph type="body" idx="1"/>
+          </p:nvPr>
+        </p:nvSpPr>
+        <p:spPr/>
+        <p:txBody>
+          <a:bodyPr/>
+          <a:lstStyle/>
+          <a:p>
+            <a:endParaRPr lang="en-MY" dirty="0"/>
+          </a:p>
+        </p:txBody>
+      </p:sp>
+      <p:sp>
+        <p:nvSpPr>
+          <p:cNvPr id="4" name="Slide Number Placeholder 3"/>
+          <p:cNvSpPr>
+            <a:spLocks noGrp="1"/>
+          </p:cNvSpPr>
+          <p:nvPr>
+            <p:ph type="sldNum" sz="quarter" idx="5"/>
+          </p:nvPr>
+        </p:nvSpPr>
+        <p:spPr/>
+        <p:txBody>
+          <a:bodyPr/>
+          <a:lstStyle/>
+          <a:p>
+            <a:fld id="{F4367C96-DDCA-4867-8F69-39EABFA21D53}" type="slidenum">
+              <a:rPr lang="en-US" smtClean="0"/>
+              <a:t>20</a:t>
+            </a:fld>
+            <a:endParaRPr lang="en-US" dirty="0"/>
+          </a:p>
+        </p:txBody>
+      </p:sp>
+    </p:spTree>
+    <p:extLst>
+      <p:ext uri="{BB962C8B-B14F-4D97-AF65-F5344CB8AC3E}">
+        <p14:creationId xmlns:p14="http://schemas.microsoft.com/office/powerpoint/2010/main" val="1522652898"/>
+      </p:ext>
+    </p:extLst>
+  </p:cSld>
+  <p:clrMapOvr>
+    <a:masterClrMapping/>
+  </p:clrMapOvr>
+</p:notes>
+</file>
+
+<file path=ppt/notesSlides/notesSlide18.xml><?xml version="1.0" encoding="utf-8"?>
+<p:notes xmlns:a="http://schemas.openxmlformats.org/drawingml/2006/main" xmlns:r="http://schemas.openxmlformats.org/officeDocument/2006/relationships" xmlns:p="http://schemas.openxmlformats.org/presentationml/2006/main">
+  <p:cSld>
+    <p:spTree>
+      <p:nvGrpSpPr>
+        <p:cNvPr id="1" name=""/>
+        <p:cNvGrpSpPr/>
+        <p:nvPr/>
+      </p:nvGrpSpPr>
+      <p:grpSpPr>
+        <a:xfrm>
+          <a:off x="0" y="0"/>
+          <a:ext cx="0" cy="0"/>
+          <a:chOff x="0" y="0"/>
+          <a:chExt cx="0" cy="0"/>
+        </a:xfrm>
+      </p:grpSpPr>
+      <p:sp>
+        <p:nvSpPr>
+          <p:cNvPr id="2" name="Slide Image Placeholder 1"/>
+          <p:cNvSpPr>
+            <a:spLocks noGrp="1" noRot="1" noChangeAspect="1"/>
+          </p:cNvSpPr>
+          <p:nvPr>
+            <p:ph type="sldImg"/>
+          </p:nvPr>
+        </p:nvSpPr>
+        <p:spPr/>
+      </p:sp>
+      <p:sp>
+        <p:nvSpPr>
+          <p:cNvPr id="3" name="Notes Placeholder 2"/>
+          <p:cNvSpPr>
+            <a:spLocks noGrp="1"/>
+          </p:cNvSpPr>
+          <p:nvPr>
+            <p:ph type="body" idx="1"/>
+          </p:nvPr>
+        </p:nvSpPr>
+        <p:spPr/>
+        <p:txBody>
+          <a:bodyPr/>
+          <a:lstStyle/>
+          <a:p>
+            <a:endParaRPr lang="en-MY" dirty="0"/>
+          </a:p>
+        </p:txBody>
+      </p:sp>
+      <p:sp>
+        <p:nvSpPr>
+          <p:cNvPr id="4" name="Slide Number Placeholder 3"/>
+          <p:cNvSpPr>
+            <a:spLocks noGrp="1"/>
+          </p:cNvSpPr>
+          <p:nvPr>
+            <p:ph type="sldNum" sz="quarter" idx="5"/>
+          </p:nvPr>
+        </p:nvSpPr>
+        <p:spPr/>
+        <p:txBody>
+          <a:bodyPr/>
+          <a:lstStyle/>
+          <a:p>
+            <a:fld id="{F4367C96-DDCA-4867-8F69-39EABFA21D53}" type="slidenum">
+              <a:rPr lang="en-US" smtClean="0"/>
+              <a:t>21</a:t>
+            </a:fld>
+            <a:endParaRPr lang="en-US" dirty="0"/>
+          </a:p>
+        </p:txBody>
+      </p:sp>
+    </p:spTree>
+    <p:extLst>
+      <p:ext uri="{BB962C8B-B14F-4D97-AF65-F5344CB8AC3E}">
+        <p14:creationId xmlns:p14="http://schemas.microsoft.com/office/powerpoint/2010/main" val="3933458520"/>
+      </p:ext>
+    </p:extLst>
+  </p:cSld>
+  <p:clrMapOvr>
+    <a:masterClrMapping/>
+  </p:clrMapOvr>
+</p:notes>
+</file>
+
+<file path=ppt/notesSlides/notesSlide19.xml><?xml version="1.0" encoding="utf-8"?>
+<p:notes xmlns:a="http://schemas.openxmlformats.org/drawingml/2006/main" xmlns:r="http://schemas.openxmlformats.org/officeDocument/2006/relationships" xmlns:p="http://schemas.openxmlformats.org/presentationml/2006/main">
+  <p:cSld>
+    <p:spTree>
+      <p:nvGrpSpPr>
+        <p:cNvPr id="1" name=""/>
+        <p:cNvGrpSpPr/>
+        <p:nvPr/>
+      </p:nvGrpSpPr>
+      <p:grpSpPr>
+        <a:xfrm>
+          <a:off x="0" y="0"/>
+          <a:ext cx="0" cy="0"/>
+          <a:chOff x="0" y="0"/>
+          <a:chExt cx="0" cy="0"/>
+        </a:xfrm>
+      </p:grpSpPr>
+      <p:sp>
+        <p:nvSpPr>
+          <p:cNvPr id="2" name="Slide Image Placeholder 1"/>
+          <p:cNvSpPr>
+            <a:spLocks noGrp="1" noRot="1" noChangeAspect="1"/>
+          </p:cNvSpPr>
+          <p:nvPr>
+            <p:ph type="sldImg"/>
+          </p:nvPr>
+        </p:nvSpPr>
+        <p:spPr/>
+      </p:sp>
+      <p:sp>
+        <p:nvSpPr>
+          <p:cNvPr id="3" name="Notes Placeholder 2"/>
+          <p:cNvSpPr>
+            <a:spLocks noGrp="1"/>
+          </p:cNvSpPr>
+          <p:nvPr>
+            <p:ph type="body" idx="1"/>
+          </p:nvPr>
+        </p:nvSpPr>
+        <p:spPr/>
+        <p:txBody>
+          <a:bodyPr/>
+          <a:lstStyle/>
+          <a:p>
+            <a:endParaRPr lang="en-MY" dirty="0"/>
+          </a:p>
+        </p:txBody>
+      </p:sp>
+      <p:sp>
+        <p:nvSpPr>
+          <p:cNvPr id="4" name="Slide Number Placeholder 3"/>
+          <p:cNvSpPr>
+            <a:spLocks noGrp="1"/>
+          </p:cNvSpPr>
+          <p:nvPr>
+            <p:ph type="sldNum" sz="quarter" idx="5"/>
+          </p:nvPr>
+        </p:nvSpPr>
+        <p:spPr/>
+        <p:txBody>
+          <a:bodyPr/>
+          <a:lstStyle/>
+          <a:p>
+            <a:fld id="{F4367C96-DDCA-4867-8F69-39EABFA21D53}" type="slidenum">
+              <a:rPr lang="en-US" smtClean="0"/>
+              <a:t>22</a:t>
+            </a:fld>
+            <a:endParaRPr lang="en-US" dirty="0"/>
+          </a:p>
+        </p:txBody>
+      </p:sp>
+    </p:spTree>
+    <p:extLst>
+      <p:ext uri="{BB962C8B-B14F-4D97-AF65-F5344CB8AC3E}">
+        <p14:creationId xmlns:p14="http://schemas.microsoft.com/office/powerpoint/2010/main" val="2560814428"/>
       </p:ext>
     </p:extLst>
   </p:cSld>
@@ -935,7 +1695,7 @@
           <a:p>
             <a:fld id="{F4367C96-DDCA-4867-8F69-39EABFA21D53}" type="slidenum">
               <a:rPr lang="en-US" smtClean="0"/>
-              <a:t>18</a:t>
+              <a:t>2</a:t>
             </a:fld>
             <a:endParaRPr lang="en-US" dirty="0"/>
           </a:p>
@@ -944,7 +1704,595 @@
     </p:spTree>
     <p:extLst>
       <p:ext uri="{BB962C8B-B14F-4D97-AF65-F5344CB8AC3E}">
-        <p14:creationId xmlns:p14="http://schemas.microsoft.com/office/powerpoint/2010/main" val="3933458520"/>
+        <p14:creationId xmlns:p14="http://schemas.microsoft.com/office/powerpoint/2010/main" val="2205390926"/>
+      </p:ext>
+    </p:extLst>
+  </p:cSld>
+  <p:clrMapOvr>
+    <a:masterClrMapping/>
+  </p:clrMapOvr>
+</p:notes>
+</file>
+
+<file path=ppt/notesSlides/notesSlide20.xml><?xml version="1.0" encoding="utf-8"?>
+<p:notes xmlns:a="http://schemas.openxmlformats.org/drawingml/2006/main" xmlns:r="http://schemas.openxmlformats.org/officeDocument/2006/relationships" xmlns:p="http://schemas.openxmlformats.org/presentationml/2006/main">
+  <p:cSld>
+    <p:spTree>
+      <p:nvGrpSpPr>
+        <p:cNvPr id="1" name=""/>
+        <p:cNvGrpSpPr/>
+        <p:nvPr/>
+      </p:nvGrpSpPr>
+      <p:grpSpPr>
+        <a:xfrm>
+          <a:off x="0" y="0"/>
+          <a:ext cx="0" cy="0"/>
+          <a:chOff x="0" y="0"/>
+          <a:chExt cx="0" cy="0"/>
+        </a:xfrm>
+      </p:grpSpPr>
+      <p:sp>
+        <p:nvSpPr>
+          <p:cNvPr id="2" name="Slide Image Placeholder 1"/>
+          <p:cNvSpPr>
+            <a:spLocks noGrp="1" noRot="1" noChangeAspect="1"/>
+          </p:cNvSpPr>
+          <p:nvPr>
+            <p:ph type="sldImg"/>
+          </p:nvPr>
+        </p:nvSpPr>
+        <p:spPr/>
+      </p:sp>
+      <p:sp>
+        <p:nvSpPr>
+          <p:cNvPr id="3" name="Notes Placeholder 2"/>
+          <p:cNvSpPr>
+            <a:spLocks noGrp="1"/>
+          </p:cNvSpPr>
+          <p:nvPr>
+            <p:ph type="body" idx="1"/>
+          </p:nvPr>
+        </p:nvSpPr>
+        <p:spPr/>
+        <p:txBody>
+          <a:bodyPr/>
+          <a:lstStyle/>
+          <a:p>
+            <a:endParaRPr lang="en-MY" dirty="0"/>
+          </a:p>
+        </p:txBody>
+      </p:sp>
+      <p:sp>
+        <p:nvSpPr>
+          <p:cNvPr id="4" name="Slide Number Placeholder 3"/>
+          <p:cNvSpPr>
+            <a:spLocks noGrp="1"/>
+          </p:cNvSpPr>
+          <p:nvPr>
+            <p:ph type="sldNum" sz="quarter" idx="5"/>
+          </p:nvPr>
+        </p:nvSpPr>
+        <p:spPr/>
+        <p:txBody>
+          <a:bodyPr/>
+          <a:lstStyle/>
+          <a:p>
+            <a:fld id="{F4367C96-DDCA-4867-8F69-39EABFA21D53}" type="slidenum">
+              <a:rPr lang="en-US" smtClean="0"/>
+              <a:t>23</a:t>
+            </a:fld>
+            <a:endParaRPr lang="en-US" dirty="0"/>
+          </a:p>
+        </p:txBody>
+      </p:sp>
+    </p:spTree>
+    <p:extLst>
+      <p:ext uri="{BB962C8B-B14F-4D97-AF65-F5344CB8AC3E}">
+        <p14:creationId xmlns:p14="http://schemas.microsoft.com/office/powerpoint/2010/main" val="2284461147"/>
+      </p:ext>
+    </p:extLst>
+  </p:cSld>
+  <p:clrMapOvr>
+    <a:masterClrMapping/>
+  </p:clrMapOvr>
+</p:notes>
+</file>
+
+<file path=ppt/notesSlides/notesSlide21.xml><?xml version="1.0" encoding="utf-8"?>
+<p:notes xmlns:a="http://schemas.openxmlformats.org/drawingml/2006/main" xmlns:r="http://schemas.openxmlformats.org/officeDocument/2006/relationships" xmlns:p="http://schemas.openxmlformats.org/presentationml/2006/main">
+  <p:cSld>
+    <p:spTree>
+      <p:nvGrpSpPr>
+        <p:cNvPr id="1" name=""/>
+        <p:cNvGrpSpPr/>
+        <p:nvPr/>
+      </p:nvGrpSpPr>
+      <p:grpSpPr>
+        <a:xfrm>
+          <a:off x="0" y="0"/>
+          <a:ext cx="0" cy="0"/>
+          <a:chOff x="0" y="0"/>
+          <a:chExt cx="0" cy="0"/>
+        </a:xfrm>
+      </p:grpSpPr>
+      <p:sp>
+        <p:nvSpPr>
+          <p:cNvPr id="2" name="Slide Image Placeholder 1"/>
+          <p:cNvSpPr>
+            <a:spLocks noGrp="1" noRot="1" noChangeAspect="1"/>
+          </p:cNvSpPr>
+          <p:nvPr>
+            <p:ph type="sldImg"/>
+          </p:nvPr>
+        </p:nvSpPr>
+        <p:spPr/>
+      </p:sp>
+      <p:sp>
+        <p:nvSpPr>
+          <p:cNvPr id="3" name="Notes Placeholder 2"/>
+          <p:cNvSpPr>
+            <a:spLocks noGrp="1"/>
+          </p:cNvSpPr>
+          <p:nvPr>
+            <p:ph type="body" idx="1"/>
+          </p:nvPr>
+        </p:nvSpPr>
+        <p:spPr/>
+        <p:txBody>
+          <a:bodyPr/>
+          <a:lstStyle/>
+          <a:p>
+            <a:endParaRPr lang="en-MY" dirty="0"/>
+          </a:p>
+        </p:txBody>
+      </p:sp>
+      <p:sp>
+        <p:nvSpPr>
+          <p:cNvPr id="4" name="Slide Number Placeholder 3"/>
+          <p:cNvSpPr>
+            <a:spLocks noGrp="1"/>
+          </p:cNvSpPr>
+          <p:nvPr>
+            <p:ph type="sldNum" sz="quarter" idx="5"/>
+          </p:nvPr>
+        </p:nvSpPr>
+        <p:spPr/>
+        <p:txBody>
+          <a:bodyPr/>
+          <a:lstStyle/>
+          <a:p>
+            <a:fld id="{F4367C96-DDCA-4867-8F69-39EABFA21D53}" type="slidenum">
+              <a:rPr lang="en-US" smtClean="0"/>
+              <a:t>24</a:t>
+            </a:fld>
+            <a:endParaRPr lang="en-US" dirty="0"/>
+          </a:p>
+        </p:txBody>
+      </p:sp>
+    </p:spTree>
+    <p:extLst>
+      <p:ext uri="{BB962C8B-B14F-4D97-AF65-F5344CB8AC3E}">
+        <p14:creationId xmlns:p14="http://schemas.microsoft.com/office/powerpoint/2010/main" val="3742640483"/>
+      </p:ext>
+    </p:extLst>
+  </p:cSld>
+  <p:clrMapOvr>
+    <a:masterClrMapping/>
+  </p:clrMapOvr>
+</p:notes>
+</file>
+
+<file path=ppt/notesSlides/notesSlide22.xml><?xml version="1.0" encoding="utf-8"?>
+<p:notes xmlns:a="http://schemas.openxmlformats.org/drawingml/2006/main" xmlns:r="http://schemas.openxmlformats.org/officeDocument/2006/relationships" xmlns:p="http://schemas.openxmlformats.org/presentationml/2006/main">
+  <p:cSld>
+    <p:spTree>
+      <p:nvGrpSpPr>
+        <p:cNvPr id="1" name=""/>
+        <p:cNvGrpSpPr/>
+        <p:nvPr/>
+      </p:nvGrpSpPr>
+      <p:grpSpPr>
+        <a:xfrm>
+          <a:off x="0" y="0"/>
+          <a:ext cx="0" cy="0"/>
+          <a:chOff x="0" y="0"/>
+          <a:chExt cx="0" cy="0"/>
+        </a:xfrm>
+      </p:grpSpPr>
+      <p:sp>
+        <p:nvSpPr>
+          <p:cNvPr id="2" name="Slide Image Placeholder 1"/>
+          <p:cNvSpPr>
+            <a:spLocks noGrp="1" noRot="1" noChangeAspect="1"/>
+          </p:cNvSpPr>
+          <p:nvPr>
+            <p:ph type="sldImg"/>
+          </p:nvPr>
+        </p:nvSpPr>
+        <p:spPr/>
+      </p:sp>
+      <p:sp>
+        <p:nvSpPr>
+          <p:cNvPr id="3" name="Notes Placeholder 2"/>
+          <p:cNvSpPr>
+            <a:spLocks noGrp="1"/>
+          </p:cNvSpPr>
+          <p:nvPr>
+            <p:ph type="body" idx="1"/>
+          </p:nvPr>
+        </p:nvSpPr>
+        <p:spPr/>
+        <p:txBody>
+          <a:bodyPr/>
+          <a:lstStyle/>
+          <a:p>
+            <a:endParaRPr lang="en-MY" dirty="0"/>
+          </a:p>
+        </p:txBody>
+      </p:sp>
+      <p:sp>
+        <p:nvSpPr>
+          <p:cNvPr id="4" name="Slide Number Placeholder 3"/>
+          <p:cNvSpPr>
+            <a:spLocks noGrp="1"/>
+          </p:cNvSpPr>
+          <p:nvPr>
+            <p:ph type="sldNum" sz="quarter" idx="5"/>
+          </p:nvPr>
+        </p:nvSpPr>
+        <p:spPr/>
+        <p:txBody>
+          <a:bodyPr/>
+          <a:lstStyle/>
+          <a:p>
+            <a:fld id="{F4367C96-DDCA-4867-8F69-39EABFA21D53}" type="slidenum">
+              <a:rPr lang="en-US" smtClean="0"/>
+              <a:t>25</a:t>
+            </a:fld>
+            <a:endParaRPr lang="en-US" dirty="0"/>
+          </a:p>
+        </p:txBody>
+      </p:sp>
+    </p:spTree>
+    <p:extLst>
+      <p:ext uri="{BB962C8B-B14F-4D97-AF65-F5344CB8AC3E}">
+        <p14:creationId xmlns:p14="http://schemas.microsoft.com/office/powerpoint/2010/main" val="3447023021"/>
+      </p:ext>
+    </p:extLst>
+  </p:cSld>
+  <p:clrMapOvr>
+    <a:masterClrMapping/>
+  </p:clrMapOvr>
+</p:notes>
+</file>
+
+<file path=ppt/notesSlides/notesSlide23.xml><?xml version="1.0" encoding="utf-8"?>
+<p:notes xmlns:a="http://schemas.openxmlformats.org/drawingml/2006/main" xmlns:r="http://schemas.openxmlformats.org/officeDocument/2006/relationships" xmlns:p="http://schemas.openxmlformats.org/presentationml/2006/main">
+  <p:cSld>
+    <p:spTree>
+      <p:nvGrpSpPr>
+        <p:cNvPr id="1" name=""/>
+        <p:cNvGrpSpPr/>
+        <p:nvPr/>
+      </p:nvGrpSpPr>
+      <p:grpSpPr>
+        <a:xfrm>
+          <a:off x="0" y="0"/>
+          <a:ext cx="0" cy="0"/>
+          <a:chOff x="0" y="0"/>
+          <a:chExt cx="0" cy="0"/>
+        </a:xfrm>
+      </p:grpSpPr>
+      <p:sp>
+        <p:nvSpPr>
+          <p:cNvPr id="2" name="Slide Image Placeholder 1"/>
+          <p:cNvSpPr>
+            <a:spLocks noGrp="1" noRot="1" noChangeAspect="1"/>
+          </p:cNvSpPr>
+          <p:nvPr>
+            <p:ph type="sldImg"/>
+          </p:nvPr>
+        </p:nvSpPr>
+        <p:spPr/>
+      </p:sp>
+      <p:sp>
+        <p:nvSpPr>
+          <p:cNvPr id="3" name="Notes Placeholder 2"/>
+          <p:cNvSpPr>
+            <a:spLocks noGrp="1"/>
+          </p:cNvSpPr>
+          <p:nvPr>
+            <p:ph type="body" idx="1"/>
+          </p:nvPr>
+        </p:nvSpPr>
+        <p:spPr/>
+        <p:txBody>
+          <a:bodyPr/>
+          <a:lstStyle/>
+          <a:p>
+            <a:endParaRPr lang="en-MY" dirty="0"/>
+          </a:p>
+        </p:txBody>
+      </p:sp>
+      <p:sp>
+        <p:nvSpPr>
+          <p:cNvPr id="4" name="Slide Number Placeholder 3"/>
+          <p:cNvSpPr>
+            <a:spLocks noGrp="1"/>
+          </p:cNvSpPr>
+          <p:nvPr>
+            <p:ph type="sldNum" sz="quarter" idx="5"/>
+          </p:nvPr>
+        </p:nvSpPr>
+        <p:spPr/>
+        <p:txBody>
+          <a:bodyPr/>
+          <a:lstStyle/>
+          <a:p>
+            <a:fld id="{F4367C96-DDCA-4867-8F69-39EABFA21D53}" type="slidenum">
+              <a:rPr lang="en-US" smtClean="0"/>
+              <a:t>26</a:t>
+            </a:fld>
+            <a:endParaRPr lang="en-US" dirty="0"/>
+          </a:p>
+        </p:txBody>
+      </p:sp>
+    </p:spTree>
+    <p:extLst>
+      <p:ext uri="{BB962C8B-B14F-4D97-AF65-F5344CB8AC3E}">
+        <p14:creationId xmlns:p14="http://schemas.microsoft.com/office/powerpoint/2010/main" val="4274731091"/>
+      </p:ext>
+    </p:extLst>
+  </p:cSld>
+  <p:clrMapOvr>
+    <a:masterClrMapping/>
+  </p:clrMapOvr>
+</p:notes>
+</file>
+
+<file path=ppt/notesSlides/notesSlide24.xml><?xml version="1.0" encoding="utf-8"?>
+<p:notes xmlns:a="http://schemas.openxmlformats.org/drawingml/2006/main" xmlns:r="http://schemas.openxmlformats.org/officeDocument/2006/relationships" xmlns:p="http://schemas.openxmlformats.org/presentationml/2006/main">
+  <p:cSld>
+    <p:spTree>
+      <p:nvGrpSpPr>
+        <p:cNvPr id="1" name=""/>
+        <p:cNvGrpSpPr/>
+        <p:nvPr/>
+      </p:nvGrpSpPr>
+      <p:grpSpPr>
+        <a:xfrm>
+          <a:off x="0" y="0"/>
+          <a:ext cx="0" cy="0"/>
+          <a:chOff x="0" y="0"/>
+          <a:chExt cx="0" cy="0"/>
+        </a:xfrm>
+      </p:grpSpPr>
+      <p:sp>
+        <p:nvSpPr>
+          <p:cNvPr id="2" name="Slide Image Placeholder 1"/>
+          <p:cNvSpPr>
+            <a:spLocks noGrp="1" noRot="1" noChangeAspect="1"/>
+          </p:cNvSpPr>
+          <p:nvPr>
+            <p:ph type="sldImg"/>
+          </p:nvPr>
+        </p:nvSpPr>
+        <p:spPr/>
+      </p:sp>
+      <p:sp>
+        <p:nvSpPr>
+          <p:cNvPr id="3" name="Notes Placeholder 2"/>
+          <p:cNvSpPr>
+            <a:spLocks noGrp="1"/>
+          </p:cNvSpPr>
+          <p:nvPr>
+            <p:ph type="body" idx="1"/>
+          </p:nvPr>
+        </p:nvSpPr>
+        <p:spPr/>
+        <p:txBody>
+          <a:bodyPr/>
+          <a:lstStyle/>
+          <a:p>
+            <a:endParaRPr lang="en-MY" dirty="0"/>
+          </a:p>
+        </p:txBody>
+      </p:sp>
+      <p:sp>
+        <p:nvSpPr>
+          <p:cNvPr id="4" name="Slide Number Placeholder 3"/>
+          <p:cNvSpPr>
+            <a:spLocks noGrp="1"/>
+          </p:cNvSpPr>
+          <p:nvPr>
+            <p:ph type="sldNum" sz="quarter" idx="5"/>
+          </p:nvPr>
+        </p:nvSpPr>
+        <p:spPr/>
+        <p:txBody>
+          <a:bodyPr/>
+          <a:lstStyle/>
+          <a:p>
+            <a:fld id="{F4367C96-DDCA-4867-8F69-39EABFA21D53}" type="slidenum">
+              <a:rPr lang="en-US" smtClean="0"/>
+              <a:t>27</a:t>
+            </a:fld>
+            <a:endParaRPr lang="en-US" dirty="0"/>
+          </a:p>
+        </p:txBody>
+      </p:sp>
+    </p:spTree>
+    <p:extLst>
+      <p:ext uri="{BB962C8B-B14F-4D97-AF65-F5344CB8AC3E}">
+        <p14:creationId xmlns:p14="http://schemas.microsoft.com/office/powerpoint/2010/main" val="1205285005"/>
+      </p:ext>
+    </p:extLst>
+  </p:cSld>
+  <p:clrMapOvr>
+    <a:masterClrMapping/>
+  </p:clrMapOvr>
+</p:notes>
+</file>
+
+<file path=ppt/notesSlides/notesSlide25.xml><?xml version="1.0" encoding="utf-8"?>
+<p:notes xmlns:a="http://schemas.openxmlformats.org/drawingml/2006/main" xmlns:r="http://schemas.openxmlformats.org/officeDocument/2006/relationships" xmlns:p="http://schemas.openxmlformats.org/presentationml/2006/main">
+  <p:cSld>
+    <p:spTree>
+      <p:nvGrpSpPr>
+        <p:cNvPr id="1" name=""/>
+        <p:cNvGrpSpPr/>
+        <p:nvPr/>
+      </p:nvGrpSpPr>
+      <p:grpSpPr>
+        <a:xfrm>
+          <a:off x="0" y="0"/>
+          <a:ext cx="0" cy="0"/>
+          <a:chOff x="0" y="0"/>
+          <a:chExt cx="0" cy="0"/>
+        </a:xfrm>
+      </p:grpSpPr>
+      <p:sp>
+        <p:nvSpPr>
+          <p:cNvPr id="2" name="Slide Image Placeholder 1"/>
+          <p:cNvSpPr>
+            <a:spLocks noGrp="1" noRot="1" noChangeAspect="1"/>
+          </p:cNvSpPr>
+          <p:nvPr>
+            <p:ph type="sldImg"/>
+          </p:nvPr>
+        </p:nvSpPr>
+        <p:spPr/>
+      </p:sp>
+      <p:sp>
+        <p:nvSpPr>
+          <p:cNvPr id="3" name="Notes Placeholder 2"/>
+          <p:cNvSpPr>
+            <a:spLocks noGrp="1"/>
+          </p:cNvSpPr>
+          <p:nvPr>
+            <p:ph type="body" idx="1"/>
+          </p:nvPr>
+        </p:nvSpPr>
+        <p:spPr/>
+        <p:txBody>
+          <a:bodyPr/>
+          <a:lstStyle/>
+          <a:p>
+            <a:endParaRPr lang="en-MY" dirty="0"/>
+          </a:p>
+        </p:txBody>
+      </p:sp>
+      <p:sp>
+        <p:nvSpPr>
+          <p:cNvPr id="4" name="Slide Number Placeholder 3"/>
+          <p:cNvSpPr>
+            <a:spLocks noGrp="1"/>
+          </p:cNvSpPr>
+          <p:nvPr>
+            <p:ph type="sldNum" sz="quarter" idx="5"/>
+          </p:nvPr>
+        </p:nvSpPr>
+        <p:spPr/>
+        <p:txBody>
+          <a:bodyPr/>
+          <a:lstStyle/>
+          <a:p>
+            <a:fld id="{F4367C96-DDCA-4867-8F69-39EABFA21D53}" type="slidenum">
+              <a:rPr lang="en-US" smtClean="0"/>
+              <a:t>28</a:t>
+            </a:fld>
+            <a:endParaRPr lang="en-US" dirty="0"/>
+          </a:p>
+        </p:txBody>
+      </p:sp>
+    </p:spTree>
+    <p:extLst>
+      <p:ext uri="{BB962C8B-B14F-4D97-AF65-F5344CB8AC3E}">
+        <p14:creationId xmlns:p14="http://schemas.microsoft.com/office/powerpoint/2010/main" val="1322968903"/>
+      </p:ext>
+    </p:extLst>
+  </p:cSld>
+  <p:clrMapOvr>
+    <a:masterClrMapping/>
+  </p:clrMapOvr>
+</p:notes>
+</file>
+
+<file path=ppt/notesSlides/notesSlide26.xml><?xml version="1.0" encoding="utf-8"?>
+<p:notes xmlns:a="http://schemas.openxmlformats.org/drawingml/2006/main" xmlns:r="http://schemas.openxmlformats.org/officeDocument/2006/relationships" xmlns:p="http://schemas.openxmlformats.org/presentationml/2006/main">
+  <p:cSld>
+    <p:spTree>
+      <p:nvGrpSpPr>
+        <p:cNvPr id="1" name=""/>
+        <p:cNvGrpSpPr/>
+        <p:nvPr/>
+      </p:nvGrpSpPr>
+      <p:grpSpPr>
+        <a:xfrm>
+          <a:off x="0" y="0"/>
+          <a:ext cx="0" cy="0"/>
+          <a:chOff x="0" y="0"/>
+          <a:chExt cx="0" cy="0"/>
+        </a:xfrm>
+      </p:grpSpPr>
+      <p:sp>
+        <p:nvSpPr>
+          <p:cNvPr id="2" name="Slide Image Placeholder 1"/>
+          <p:cNvSpPr>
+            <a:spLocks noGrp="1" noRot="1" noChangeAspect="1"/>
+          </p:cNvSpPr>
+          <p:nvPr>
+            <p:ph type="sldImg"/>
+          </p:nvPr>
+        </p:nvSpPr>
+        <p:spPr/>
+      </p:sp>
+      <p:sp>
+        <p:nvSpPr>
+          <p:cNvPr id="3" name="Notes Placeholder 2"/>
+          <p:cNvSpPr>
+            <a:spLocks noGrp="1"/>
+          </p:cNvSpPr>
+          <p:nvPr>
+            <p:ph type="body" idx="1"/>
+          </p:nvPr>
+        </p:nvSpPr>
+        <p:spPr/>
+        <p:txBody>
+          <a:bodyPr/>
+          <a:lstStyle/>
+          <a:p>
+            <a:endParaRPr lang="en-MY" dirty="0"/>
+          </a:p>
+        </p:txBody>
+      </p:sp>
+      <p:sp>
+        <p:nvSpPr>
+          <p:cNvPr id="4" name="Slide Number Placeholder 3"/>
+          <p:cNvSpPr>
+            <a:spLocks noGrp="1"/>
+          </p:cNvSpPr>
+          <p:nvPr>
+            <p:ph type="sldNum" sz="quarter" idx="5"/>
+          </p:nvPr>
+        </p:nvSpPr>
+        <p:spPr/>
+        <p:txBody>
+          <a:bodyPr/>
+          <a:lstStyle/>
+          <a:p>
+            <a:fld id="{F4367C96-DDCA-4867-8F69-39EABFA21D53}" type="slidenum">
+              <a:rPr lang="en-US" smtClean="0"/>
+              <a:t>29</a:t>
+            </a:fld>
+            <a:endParaRPr lang="en-US" dirty="0"/>
+          </a:p>
+        </p:txBody>
+      </p:sp>
+    </p:spTree>
+    <p:extLst>
+      <p:ext uri="{BB962C8B-B14F-4D97-AF65-F5344CB8AC3E}">
+        <p14:creationId xmlns:p14="http://schemas.microsoft.com/office/powerpoint/2010/main" val="1744955741"/>
       </p:ext>
     </p:extLst>
   </p:cSld>
@@ -1019,7 +2367,7 @@
           <a:p>
             <a:fld id="{F4367C96-DDCA-4867-8F69-39EABFA21D53}" type="slidenum">
               <a:rPr lang="en-US" smtClean="0"/>
-              <a:t>19</a:t>
+              <a:t>3</a:t>
             </a:fld>
             <a:endParaRPr lang="en-US" dirty="0"/>
           </a:p>
@@ -1028,7 +2376,7 @@
     </p:spTree>
     <p:extLst>
       <p:ext uri="{BB962C8B-B14F-4D97-AF65-F5344CB8AC3E}">
-        <p14:creationId xmlns:p14="http://schemas.microsoft.com/office/powerpoint/2010/main" val="2560814428"/>
+        <p14:creationId xmlns:p14="http://schemas.microsoft.com/office/powerpoint/2010/main" val="1799181344"/>
       </p:ext>
     </p:extLst>
   </p:cSld>
@@ -1082,7 +2430,7 @@
           <a:bodyPr/>
           <a:lstStyle/>
           <a:p>
-            <a:endParaRPr lang="en-MY" dirty="0"/>
+            <a:endParaRPr lang="en-MY"/>
           </a:p>
         </p:txBody>
       </p:sp>
@@ -1103,7 +2451,7 @@
           <a:p>
             <a:fld id="{F4367C96-DDCA-4867-8F69-39EABFA21D53}" type="slidenum">
               <a:rPr lang="en-US" smtClean="0"/>
-              <a:t>20</a:t>
+              <a:t>4</a:t>
             </a:fld>
             <a:endParaRPr lang="en-US" dirty="0"/>
           </a:p>
@@ -1112,7 +2460,7 @@
     </p:spTree>
     <p:extLst>
       <p:ext uri="{BB962C8B-B14F-4D97-AF65-F5344CB8AC3E}">
-        <p14:creationId xmlns:p14="http://schemas.microsoft.com/office/powerpoint/2010/main" val="2284461147"/>
+        <p14:creationId xmlns:p14="http://schemas.microsoft.com/office/powerpoint/2010/main" val="2413317764"/>
       </p:ext>
     </p:extLst>
   </p:cSld>
@@ -1166,7 +2514,7 @@
           <a:bodyPr/>
           <a:lstStyle/>
           <a:p>
-            <a:endParaRPr lang="en-MY" dirty="0"/>
+            <a:endParaRPr lang="en-MY"/>
           </a:p>
         </p:txBody>
       </p:sp>
@@ -1187,7 +2535,7 @@
           <a:p>
             <a:fld id="{F4367C96-DDCA-4867-8F69-39EABFA21D53}" type="slidenum">
               <a:rPr lang="en-US" smtClean="0"/>
-              <a:t>21</a:t>
+              <a:t>5</a:t>
             </a:fld>
             <a:endParaRPr lang="en-US" dirty="0"/>
           </a:p>
@@ -1196,7 +2544,7 @@
     </p:spTree>
     <p:extLst>
       <p:ext uri="{BB962C8B-B14F-4D97-AF65-F5344CB8AC3E}">
-        <p14:creationId xmlns:p14="http://schemas.microsoft.com/office/powerpoint/2010/main" val="3742640483"/>
+        <p14:creationId xmlns:p14="http://schemas.microsoft.com/office/powerpoint/2010/main" val="2879884676"/>
       </p:ext>
     </p:extLst>
   </p:cSld>
@@ -1250,7 +2598,7 @@
           <a:bodyPr/>
           <a:lstStyle/>
           <a:p>
-            <a:endParaRPr lang="en-MY" dirty="0"/>
+            <a:endParaRPr lang="en-MY"/>
           </a:p>
         </p:txBody>
       </p:sp>
@@ -1271,7 +2619,7 @@
           <a:p>
             <a:fld id="{F4367C96-DDCA-4867-8F69-39EABFA21D53}" type="slidenum">
               <a:rPr lang="en-US" smtClean="0"/>
-              <a:t>22</a:t>
+              <a:t>6</a:t>
             </a:fld>
             <a:endParaRPr lang="en-US" dirty="0"/>
           </a:p>
@@ -1280,7 +2628,7 @@
     </p:spTree>
     <p:extLst>
       <p:ext uri="{BB962C8B-B14F-4D97-AF65-F5344CB8AC3E}">
-        <p14:creationId xmlns:p14="http://schemas.microsoft.com/office/powerpoint/2010/main" val="3447023021"/>
+        <p14:creationId xmlns:p14="http://schemas.microsoft.com/office/powerpoint/2010/main" val="1827559280"/>
       </p:ext>
     </p:extLst>
   </p:cSld>
@@ -1334,7 +2682,7 @@
           <a:bodyPr/>
           <a:lstStyle/>
           <a:p>
-            <a:endParaRPr lang="en-MY" dirty="0"/>
+            <a:endParaRPr lang="en-MY"/>
           </a:p>
         </p:txBody>
       </p:sp>
@@ -1355,7 +2703,7 @@
           <a:p>
             <a:fld id="{F4367C96-DDCA-4867-8F69-39EABFA21D53}" type="slidenum">
               <a:rPr lang="en-US" smtClean="0"/>
-              <a:t>23</a:t>
+              <a:t>7</a:t>
             </a:fld>
             <a:endParaRPr lang="en-US" dirty="0"/>
           </a:p>
@@ -1364,7 +2712,7 @@
     </p:spTree>
     <p:extLst>
       <p:ext uri="{BB962C8B-B14F-4D97-AF65-F5344CB8AC3E}">
-        <p14:creationId xmlns:p14="http://schemas.microsoft.com/office/powerpoint/2010/main" val="4274731091"/>
+        <p14:creationId xmlns:p14="http://schemas.microsoft.com/office/powerpoint/2010/main" val="3091079788"/>
       </p:ext>
     </p:extLst>
   </p:cSld>
@@ -1418,7 +2766,7 @@
           <a:bodyPr/>
           <a:lstStyle/>
           <a:p>
-            <a:endParaRPr lang="en-MY" dirty="0"/>
+            <a:endParaRPr lang="en-MY"/>
           </a:p>
         </p:txBody>
       </p:sp>
@@ -1439,7 +2787,7 @@
           <a:p>
             <a:fld id="{F4367C96-DDCA-4867-8F69-39EABFA21D53}" type="slidenum">
               <a:rPr lang="en-US" smtClean="0"/>
-              <a:t>24</a:t>
+              <a:t>8</a:t>
             </a:fld>
             <a:endParaRPr lang="en-US" dirty="0"/>
           </a:p>
@@ -1448,7 +2796,7 @@
     </p:spTree>
     <p:extLst>
       <p:ext uri="{BB962C8B-B14F-4D97-AF65-F5344CB8AC3E}">
-        <p14:creationId xmlns:p14="http://schemas.microsoft.com/office/powerpoint/2010/main" val="1205285005"/>
+        <p14:creationId xmlns:p14="http://schemas.microsoft.com/office/powerpoint/2010/main" val="3042318795"/>
       </p:ext>
     </p:extLst>
   </p:cSld>
@@ -1502,7 +2850,7 @@
           <a:bodyPr/>
           <a:lstStyle/>
           <a:p>
-            <a:endParaRPr lang="en-MY" dirty="0"/>
+            <a:endParaRPr lang="en-MY"/>
           </a:p>
         </p:txBody>
       </p:sp>
@@ -1523,7 +2871,7 @@
           <a:p>
             <a:fld id="{F4367C96-DDCA-4867-8F69-39EABFA21D53}" type="slidenum">
               <a:rPr lang="en-US" smtClean="0"/>
-              <a:t>25</a:t>
+              <a:t>9</a:t>
             </a:fld>
             <a:endParaRPr lang="en-US" dirty="0"/>
           </a:p>
@@ -1532,7 +2880,7 @@
     </p:spTree>
     <p:extLst>
       <p:ext uri="{BB962C8B-B14F-4D97-AF65-F5344CB8AC3E}">
-        <p14:creationId xmlns:p14="http://schemas.microsoft.com/office/powerpoint/2010/main" val="1322968903"/>
+        <p14:creationId xmlns:p14="http://schemas.microsoft.com/office/powerpoint/2010/main" val="2792107645"/>
       </p:ext>
     </p:extLst>
   </p:cSld>
@@ -1717,7 +3065,7 @@
           <a:p>
             <a:fld id="{B99A8159-6B10-4896-B6E2-2809ECD1D84D}" type="datetimeFigureOut">
               <a:rPr lang="en-US" smtClean="0"/>
-              <a:t>8/21/2021</a:t>
+              <a:t>9/11/2021</a:t>
             </a:fld>
             <a:endParaRPr lang="en-US" dirty="0"/>
           </a:p>
@@ -2129,7 +3477,7 @@
           <a:p>
             <a:fld id="{B99A8159-6B10-4896-B6E2-2809ECD1D84D}" type="datetimeFigureOut">
               <a:rPr lang="en-US" smtClean="0"/>
-              <a:t>8/21/2021</a:t>
+              <a:t>9/11/2021</a:t>
             </a:fld>
             <a:endParaRPr lang="en-US" dirty="0"/>
           </a:p>
@@ -2270,7 +3618,7 @@
           <a:p>
             <a:fld id="{B99A8159-6B10-4896-B6E2-2809ECD1D84D}" type="datetimeFigureOut">
               <a:rPr lang="en-US" smtClean="0"/>
-              <a:t>8/21/2021</a:t>
+              <a:t>9/11/2021</a:t>
             </a:fld>
             <a:endParaRPr lang="en-US" dirty="0"/>
           </a:p>
@@ -2383,7 +3731,7 @@
           <a:p>
             <a:fld id="{B99A8159-6B10-4896-B6E2-2809ECD1D84D}" type="datetimeFigureOut">
               <a:rPr lang="en-US" smtClean="0"/>
-              <a:t>8/21/2021</a:t>
+              <a:t>9/11/2021</a:t>
             </a:fld>
             <a:endParaRPr lang="en-US" dirty="0"/>
           </a:p>
@@ -2694,7 +4042,7 @@
           <a:p>
             <a:fld id="{B99A8159-6B10-4896-B6E2-2809ECD1D84D}" type="datetimeFigureOut">
               <a:rPr lang="en-US" smtClean="0"/>
-              <a:t>8/21/2021</a:t>
+              <a:t>9/11/2021</a:t>
             </a:fld>
             <a:endParaRPr lang="en-US" dirty="0"/>
           </a:p>
@@ -2986,7 +4334,7 @@
           <a:p>
             <a:fld id="{B99A8159-6B10-4896-B6E2-2809ECD1D84D}" type="datetimeFigureOut">
               <a:rPr lang="en-US" smtClean="0"/>
-              <a:t>8/21/2021</a:t>
+              <a:t>9/11/2021</a:t>
             </a:fld>
             <a:endParaRPr lang="en-US" dirty="0"/>
           </a:p>
@@ -3274,7 +4622,7 @@
           <a:p>
             <a:fld id="{B99A8159-6B10-4896-B6E2-2809ECD1D84D}" type="datetimeFigureOut">
               <a:rPr lang="en-US" smtClean="0"/>
-              <a:t>8/21/2021</a:t>
+              <a:t>9/11/2021</a:t>
             </a:fld>
             <a:endParaRPr lang="en-US" dirty="0"/>
           </a:p>
@@ -3562,7 +4910,7 @@
           <a:p>
             <a:fld id="{B99A8159-6B10-4896-B6E2-2809ECD1D84D}" type="datetimeFigureOut">
               <a:rPr lang="en-US" smtClean="0"/>
-              <a:t>8/21/2021</a:t>
+              <a:t>9/11/2021</a:t>
             </a:fld>
             <a:endParaRPr lang="en-US" dirty="0"/>
           </a:p>
@@ -3850,7 +5198,7 @@
           <a:p>
             <a:fld id="{B99A8159-6B10-4896-B6E2-2809ECD1D84D}" type="datetimeFigureOut">
               <a:rPr lang="en-US" smtClean="0"/>
-              <a:t>8/21/2021</a:t>
+              <a:t>9/11/2021</a:t>
             </a:fld>
             <a:endParaRPr lang="en-US" dirty="0"/>
           </a:p>
@@ -4138,7 +5486,7 @@
           <a:p>
             <a:fld id="{B99A8159-6B10-4896-B6E2-2809ECD1D84D}" type="datetimeFigureOut">
               <a:rPr lang="en-US" smtClean="0"/>
-              <a:t>8/21/2021</a:t>
+              <a:t>9/11/2021</a:t>
             </a:fld>
             <a:endParaRPr lang="en-US" dirty="0"/>
           </a:p>
@@ -4426,7 +5774,7 @@
           <a:p>
             <a:fld id="{B99A8159-6B10-4896-B6E2-2809ECD1D84D}" type="datetimeFigureOut">
               <a:rPr lang="en-US" smtClean="0"/>
-              <a:t>8/21/2021</a:t>
+              <a:t>9/11/2021</a:t>
             </a:fld>
             <a:endParaRPr lang="en-US" dirty="0"/>
           </a:p>
@@ -4714,7 +6062,7 @@
           <a:p>
             <a:fld id="{B99A8159-6B10-4896-B6E2-2809ECD1D84D}" type="datetimeFigureOut">
               <a:rPr lang="en-US" smtClean="0"/>
-              <a:t>8/21/2021</a:t>
+              <a:t>9/11/2021</a:t>
             </a:fld>
             <a:endParaRPr lang="en-US" dirty="0"/>
           </a:p>
@@ -4989,7 +6337,7 @@
           <a:p>
             <a:fld id="{B99A8159-6B10-4896-B6E2-2809ECD1D84D}" type="datetimeFigureOut">
               <a:rPr lang="en-US" smtClean="0"/>
-              <a:t>8/21/2021</a:t>
+              <a:t>9/11/2021</a:t>
             </a:fld>
             <a:endParaRPr lang="en-US" dirty="0"/>
           </a:p>
@@ -5254,7 +6602,7 @@
           <a:p>
             <a:fld id="{B99A8159-6B10-4896-B6E2-2809ECD1D84D}" type="datetimeFigureOut">
               <a:rPr lang="en-US" smtClean="0"/>
-              <a:t>8/21/2021</a:t>
+              <a:t>9/11/2021</a:t>
             </a:fld>
             <a:endParaRPr lang="en-US" dirty="0"/>
           </a:p>
@@ -5495,7 +6843,7 @@
           <a:p>
             <a:fld id="{B99A8159-6B10-4896-B6E2-2809ECD1D84D}" type="datetimeFigureOut">
               <a:rPr lang="en-US" smtClean="0"/>
-              <a:t>8/21/2021</a:t>
+              <a:t>9/11/2021</a:t>
             </a:fld>
             <a:endParaRPr lang="en-US" dirty="0"/>
           </a:p>
@@ -5904,7 +7252,7 @@
     <p:bg>
       <p:bgPr>
         <a:blipFill dpi="0" rotWithShape="1">
-          <a:blip r:embed="rId2">
+          <a:blip r:embed="rId3">
             <a:lum/>
           </a:blip>
           <a:srcRect/>
@@ -5984,10 +7332,10 @@
           <p:nvPr/>
         </p:nvPicPr>
         <p:blipFill>
-          <a:blip r:embed="rId3">
+          <a:blip r:embed="rId4">
             <a:extLst>
               <a:ext uri="{837473B0-CC2E-450A-ABE3-18F120FF3D39}">
-                <a1611:picAttrSrcUrl xmlns:a1611="http://schemas.microsoft.com/office/drawing/2016/11/main" r:id="rId4"/>
+                <a1611:picAttrSrcUrl xmlns:a1611="http://schemas.microsoft.com/office/drawing/2016/11/main" r:id="rId5"/>
               </a:ext>
             </a:extLst>
           </a:blip>
@@ -6067,6 +7415,67 @@
             <a:endParaRPr lang="en-US" sz="3600" dirty="0">
               <a:latin typeface="Franklin Gothic Book" panose="020B0503020102020204" pitchFamily="34" charset="0"/>
             </a:endParaRPr>
+          </a:p>
+        </p:txBody>
+      </p:sp>
+      <p:sp>
+        <p:nvSpPr>
+          <p:cNvPr id="3" name="Rectangle 2">
+            <a:extLst>
+              <a:ext uri="{FF2B5EF4-FFF2-40B4-BE49-F238E27FC236}">
+                <a16:creationId xmlns:a16="http://schemas.microsoft.com/office/drawing/2014/main" id="{03F05439-A1B3-4BE8-AE9A-07491E745902}"/>
+              </a:ext>
+            </a:extLst>
+          </p:cNvPr>
+          <p:cNvSpPr/>
+          <p:nvPr/>
+        </p:nvSpPr>
+        <p:spPr>
+          <a:xfrm>
+            <a:off x="8022454" y="2146384"/>
+            <a:ext cx="2574525" cy="594804"/>
+          </a:xfrm>
+          <a:prstGeom prst="rect">
+            <a:avLst/>
+          </a:prstGeom>
+        </p:spPr>
+        <p:style>
+          <a:lnRef idx="2">
+            <a:schemeClr val="accent1">
+              <a:shade val="50000"/>
+            </a:schemeClr>
+          </a:lnRef>
+          <a:fillRef idx="1">
+            <a:schemeClr val="accent1"/>
+          </a:fillRef>
+          <a:effectRef idx="0">
+            <a:schemeClr val="accent1"/>
+          </a:effectRef>
+          <a:fontRef idx="minor">
+            <a:schemeClr val="lt1"/>
+          </a:fontRef>
+        </p:style>
+        <p:txBody>
+          <a:bodyPr rtlCol="0" anchor="ctr"/>
+          <a:lstStyle/>
+          <a:p>
+            <a:pPr algn="ctr"/>
+            <a:r>
+              <a:rPr lang="en-MY" dirty="0"/>
+              <a:t>Download Git!!</a:t>
+            </a:r>
+          </a:p>
+          <a:p>
+            <a:pPr algn="ctr"/>
+            <a:r>
+              <a:rPr lang="en-MY" dirty="0"/>
+              <a:t>&amp; Sign-Up on </a:t>
+            </a:r>
+            <a:r>
+              <a:rPr lang="en-MY" dirty="0" err="1"/>
+              <a:t>Github</a:t>
+            </a:r>
+            <a:endParaRPr lang="en-MY" dirty="0"/>
           </a:p>
         </p:txBody>
       </p:sp>
@@ -6105,7 +7514,7 @@
           <p:cNvPr id="2" name="Title 1">
             <a:extLst>
               <a:ext uri="{FF2B5EF4-FFF2-40B4-BE49-F238E27FC236}">
-                <a16:creationId xmlns:a16="http://schemas.microsoft.com/office/drawing/2014/main" id="{A8FC01A6-7657-4075-9DFD-F27EA0B9B657}"/>
+                <a16:creationId xmlns:a16="http://schemas.microsoft.com/office/drawing/2014/main" id="{C33F4ED6-95B6-45CA-9318-D5C6D107AB69}"/>
               </a:ext>
             </a:extLst>
           </p:cNvPr>
@@ -6122,19 +7531,401 @@
           <a:lstStyle/>
           <a:p>
             <a:r>
-              <a:rPr lang="en-MY"/>
-              <a:t>git log</a:t>
-            </a:r>
-            <a:endParaRPr lang="en-MY" dirty="0"/>
+              <a:rPr lang="en-US" dirty="0"/>
+              <a:t>viewing changes</a:t>
+            </a:r>
           </a:p>
         </p:txBody>
       </p:sp>
       <p:pic>
         <p:nvPicPr>
-          <p:cNvPr id="7" name="Picture 6" descr="Text&#10;&#10;Description automatically generated">
-            <a:extLst>
-              <a:ext uri="{FF2B5EF4-FFF2-40B4-BE49-F238E27FC236}">
-                <a16:creationId xmlns:a16="http://schemas.microsoft.com/office/drawing/2014/main" id="{93F3CF91-9BC1-432D-996F-5A1A447453EC}"/>
+          <p:cNvPr id="10" name="Content Placeholder 9" descr="Text&#10;&#10;Description automatically generated">
+            <a:extLst>
+              <a:ext uri="{FF2B5EF4-FFF2-40B4-BE49-F238E27FC236}">
+                <a16:creationId xmlns:a16="http://schemas.microsoft.com/office/drawing/2014/main" id="{14559BC8-7D3D-4E7F-9634-EEC97C487D3C}"/>
+              </a:ext>
+            </a:extLst>
+          </p:cNvPr>
+          <p:cNvPicPr>
+            <a:picLocks noGrp="1" noChangeAspect="1"/>
+          </p:cNvPicPr>
+          <p:nvPr>
+            <p:ph idx="1"/>
+          </p:nvPr>
+        </p:nvPicPr>
+        <p:blipFill rotWithShape="1">
+          <a:blip r:embed="rId3"/>
+          <a:srcRect l="7702" t="17456" r="5271" b="15447"/>
+          <a:stretch/>
+        </p:blipFill>
+        <p:spPr>
+          <a:xfrm>
+            <a:off x="838200" y="1189607"/>
+            <a:ext cx="7240480" cy="2432481"/>
+          </a:xfrm>
+        </p:spPr>
+      </p:pic>
+      <p:sp>
+        <p:nvSpPr>
+          <p:cNvPr id="4" name="Title 1">
+            <a:extLst>
+              <a:ext uri="{FF2B5EF4-FFF2-40B4-BE49-F238E27FC236}">
+                <a16:creationId xmlns:a16="http://schemas.microsoft.com/office/drawing/2014/main" id="{3B3BB8C6-5CF2-47FA-ACDA-4E1C4C6E8976}"/>
+              </a:ext>
+            </a:extLst>
+          </p:cNvPr>
+          <p:cNvSpPr txBox="1">
+            <a:spLocks/>
+          </p:cNvSpPr>
+          <p:nvPr/>
+        </p:nvSpPr>
+        <p:spPr>
+          <a:xfrm>
+            <a:off x="838200" y="3325796"/>
+            <a:ext cx="4718298" cy="1325563"/>
+          </a:xfrm>
+          <a:prstGeom prst="rect">
+            <a:avLst/>
+          </a:prstGeom>
+        </p:spPr>
+        <p:txBody>
+          <a:bodyPr vert="horz" lIns="91440" tIns="45720" rIns="91440" bIns="45720" rtlCol="0" anchor="ctr">
+            <a:normAutofit/>
+          </a:bodyPr>
+          <a:lstStyle>
+            <a:lvl1pPr algn="l" defTabSz="914400" rtl="0" eaLnBrk="1" latinLnBrk="0" hangingPunct="1">
+              <a:lnSpc>
+                <a:spcPct val="90000"/>
+              </a:lnSpc>
+              <a:spcBef>
+                <a:spcPct val="0"/>
+              </a:spcBef>
+              <a:buNone/>
+              <a:defRPr sz="4400" kern="1200">
+                <a:solidFill>
+                  <a:schemeClr val="bg1"/>
+                </a:solidFill>
+                <a:latin typeface="+mj-lt"/>
+                <a:ea typeface="+mj-ea"/>
+                <a:cs typeface="+mj-cs"/>
+              </a:defRPr>
+            </a:lvl1pPr>
+          </a:lstStyle>
+          <a:p>
+            <a:r>
+              <a:rPr lang="en-US" dirty="0"/>
+              <a:t>undoing changes</a:t>
+            </a:r>
+          </a:p>
+        </p:txBody>
+      </p:sp>
+      <p:pic>
+        <p:nvPicPr>
+          <p:cNvPr id="5" name="Content Placeholder 2" descr="Text&#10;&#10;Description automatically generated">
+            <a:extLst>
+              <a:ext uri="{FF2B5EF4-FFF2-40B4-BE49-F238E27FC236}">
+                <a16:creationId xmlns:a16="http://schemas.microsoft.com/office/drawing/2014/main" id="{0E92F082-7B0D-438E-921A-852B3A7578B7}"/>
+              </a:ext>
+            </a:extLst>
+          </p:cNvPr>
+          <p:cNvPicPr>
+            <a:picLocks noChangeAspect="1"/>
+          </p:cNvPicPr>
+          <p:nvPr/>
+        </p:nvPicPr>
+        <p:blipFill rotWithShape="1">
+          <a:blip r:embed="rId4"/>
+          <a:srcRect l="6098" t="13084" r="4882" b="15511"/>
+          <a:stretch/>
+        </p:blipFill>
+        <p:spPr>
+          <a:xfrm>
+            <a:off x="754603" y="4208016"/>
+            <a:ext cx="6994435" cy="2370337"/>
+          </a:xfrm>
+          <a:prstGeom prst="rect">
+            <a:avLst/>
+          </a:prstGeom>
+        </p:spPr>
+      </p:pic>
+      <p:sp>
+        <p:nvSpPr>
+          <p:cNvPr id="7" name="Content Placeholder 2">
+            <a:extLst>
+              <a:ext uri="{FF2B5EF4-FFF2-40B4-BE49-F238E27FC236}">
+                <a16:creationId xmlns:a16="http://schemas.microsoft.com/office/drawing/2014/main" id="{3BB19A29-F645-4D96-BFE7-A69855DCD836}"/>
+              </a:ext>
+            </a:extLst>
+          </p:cNvPr>
+          <p:cNvSpPr txBox="1">
+            <a:spLocks/>
+          </p:cNvSpPr>
+          <p:nvPr/>
+        </p:nvSpPr>
+        <p:spPr>
+          <a:xfrm>
+            <a:off x="7572652" y="5584053"/>
+            <a:ext cx="4396844" cy="760151"/>
+          </a:xfrm>
+          <a:prstGeom prst="rect">
+            <a:avLst/>
+          </a:prstGeom>
+        </p:spPr>
+        <p:txBody>
+          <a:bodyPr vert="horz" lIns="91440" tIns="45720" rIns="91440" bIns="45720" rtlCol="0">
+            <a:normAutofit/>
+          </a:bodyPr>
+          <a:lstStyle>
+            <a:lvl1pPr marL="228600" indent="-228600" algn="l" defTabSz="914400" rtl="0" eaLnBrk="1" latinLnBrk="0" hangingPunct="1">
+              <a:lnSpc>
+                <a:spcPct val="90000"/>
+              </a:lnSpc>
+              <a:spcBef>
+                <a:spcPts val="1000"/>
+              </a:spcBef>
+              <a:buClr>
+                <a:schemeClr val="accent5"/>
+              </a:buClr>
+              <a:buFont typeface="Wingdings" panose="05000000000000000000" pitchFamily="2" charset="2"/>
+              <a:buChar char="§"/>
+              <a:defRPr sz="2800" kern="1200">
+                <a:solidFill>
+                  <a:schemeClr val="bg1"/>
+                </a:solidFill>
+                <a:latin typeface="+mn-lt"/>
+                <a:ea typeface="+mn-ea"/>
+                <a:cs typeface="+mn-cs"/>
+              </a:defRPr>
+            </a:lvl1pPr>
+            <a:lvl2pPr marL="685800" indent="-228600" algn="l" defTabSz="914400" rtl="0" eaLnBrk="1" latinLnBrk="0" hangingPunct="1">
+              <a:lnSpc>
+                <a:spcPct val="90000"/>
+              </a:lnSpc>
+              <a:spcBef>
+                <a:spcPts val="500"/>
+              </a:spcBef>
+              <a:buClr>
+                <a:schemeClr val="accent5"/>
+              </a:buClr>
+              <a:buFont typeface="Wingdings" panose="05000000000000000000" pitchFamily="2" charset="2"/>
+              <a:buChar char="§"/>
+              <a:defRPr sz="2400" kern="1200">
+                <a:solidFill>
+                  <a:schemeClr val="bg1"/>
+                </a:solidFill>
+                <a:latin typeface="+mn-lt"/>
+                <a:ea typeface="+mn-ea"/>
+                <a:cs typeface="+mn-cs"/>
+              </a:defRPr>
+            </a:lvl2pPr>
+            <a:lvl3pPr marL="1143000" indent="-228600" algn="l" defTabSz="914400" rtl="0" eaLnBrk="1" latinLnBrk="0" hangingPunct="1">
+              <a:lnSpc>
+                <a:spcPct val="90000"/>
+              </a:lnSpc>
+              <a:spcBef>
+                <a:spcPts val="500"/>
+              </a:spcBef>
+              <a:buClr>
+                <a:schemeClr val="accent5"/>
+              </a:buClr>
+              <a:buFont typeface="Wingdings" panose="05000000000000000000" pitchFamily="2" charset="2"/>
+              <a:buChar char="§"/>
+              <a:defRPr sz="2000" kern="1200">
+                <a:solidFill>
+                  <a:schemeClr val="bg1"/>
+                </a:solidFill>
+                <a:latin typeface="+mn-lt"/>
+                <a:ea typeface="+mn-ea"/>
+                <a:cs typeface="+mn-cs"/>
+              </a:defRPr>
+            </a:lvl3pPr>
+            <a:lvl4pPr marL="1600200" indent="-228600" algn="l" defTabSz="914400" rtl="0" eaLnBrk="1" latinLnBrk="0" hangingPunct="1">
+              <a:lnSpc>
+                <a:spcPct val="90000"/>
+              </a:lnSpc>
+              <a:spcBef>
+                <a:spcPts val="500"/>
+              </a:spcBef>
+              <a:buClr>
+                <a:schemeClr val="accent5"/>
+              </a:buClr>
+              <a:buFont typeface="Wingdings" panose="05000000000000000000" pitchFamily="2" charset="2"/>
+              <a:buChar char="§"/>
+              <a:defRPr sz="1800" kern="1200">
+                <a:solidFill>
+                  <a:schemeClr val="bg1"/>
+                </a:solidFill>
+                <a:latin typeface="+mn-lt"/>
+                <a:ea typeface="+mn-ea"/>
+                <a:cs typeface="+mn-cs"/>
+              </a:defRPr>
+            </a:lvl4pPr>
+            <a:lvl5pPr marL="2057400" indent="-228600" algn="l" defTabSz="914400" rtl="0" eaLnBrk="1" latinLnBrk="0" hangingPunct="1">
+              <a:lnSpc>
+                <a:spcPct val="90000"/>
+              </a:lnSpc>
+              <a:spcBef>
+                <a:spcPts val="500"/>
+              </a:spcBef>
+              <a:buClr>
+                <a:schemeClr val="accent5"/>
+              </a:buClr>
+              <a:buFont typeface="Wingdings" panose="05000000000000000000" pitchFamily="2" charset="2"/>
+              <a:buChar char="§"/>
+              <a:defRPr sz="1800" kern="1200">
+                <a:solidFill>
+                  <a:schemeClr val="bg1"/>
+                </a:solidFill>
+                <a:latin typeface="+mn-lt"/>
+                <a:ea typeface="+mn-ea"/>
+                <a:cs typeface="+mn-cs"/>
+              </a:defRPr>
+            </a:lvl5pPr>
+            <a:lvl6pPr marL="2514600" indent="-228600" algn="l" defTabSz="914400" rtl="0" eaLnBrk="1" latinLnBrk="0" hangingPunct="1">
+              <a:lnSpc>
+                <a:spcPct val="90000"/>
+              </a:lnSpc>
+              <a:spcBef>
+                <a:spcPts val="500"/>
+              </a:spcBef>
+              <a:buFont typeface="Arial" panose="020B0604020202020204" pitchFamily="34" charset="0"/>
+              <a:buChar char="•"/>
+              <a:defRPr sz="1800" kern="1200">
+                <a:solidFill>
+                  <a:schemeClr val="tx1"/>
+                </a:solidFill>
+                <a:latin typeface="+mn-lt"/>
+                <a:ea typeface="+mn-ea"/>
+                <a:cs typeface="+mn-cs"/>
+              </a:defRPr>
+            </a:lvl6pPr>
+            <a:lvl7pPr marL="2971800" indent="-228600" algn="l" defTabSz="914400" rtl="0" eaLnBrk="1" latinLnBrk="0" hangingPunct="1">
+              <a:lnSpc>
+                <a:spcPct val="90000"/>
+              </a:lnSpc>
+              <a:spcBef>
+                <a:spcPts val="500"/>
+              </a:spcBef>
+              <a:buFont typeface="Arial" panose="020B0604020202020204" pitchFamily="34" charset="0"/>
+              <a:buChar char="•"/>
+              <a:defRPr sz="1800" kern="1200">
+                <a:solidFill>
+                  <a:schemeClr val="tx1"/>
+                </a:solidFill>
+                <a:latin typeface="+mn-lt"/>
+                <a:ea typeface="+mn-ea"/>
+                <a:cs typeface="+mn-cs"/>
+              </a:defRPr>
+            </a:lvl7pPr>
+            <a:lvl8pPr marL="3429000" indent="-228600" algn="l" defTabSz="914400" rtl="0" eaLnBrk="1" latinLnBrk="0" hangingPunct="1">
+              <a:lnSpc>
+                <a:spcPct val="90000"/>
+              </a:lnSpc>
+              <a:spcBef>
+                <a:spcPts val="500"/>
+              </a:spcBef>
+              <a:buFont typeface="Arial" panose="020B0604020202020204" pitchFamily="34" charset="0"/>
+              <a:buChar char="•"/>
+              <a:defRPr sz="1800" kern="1200">
+                <a:solidFill>
+                  <a:schemeClr val="tx1"/>
+                </a:solidFill>
+                <a:latin typeface="+mn-lt"/>
+                <a:ea typeface="+mn-ea"/>
+                <a:cs typeface="+mn-cs"/>
+              </a:defRPr>
+            </a:lvl8pPr>
+            <a:lvl9pPr marL="3886200" indent="-228600" algn="l" defTabSz="914400" rtl="0" eaLnBrk="1" latinLnBrk="0" hangingPunct="1">
+              <a:lnSpc>
+                <a:spcPct val="90000"/>
+              </a:lnSpc>
+              <a:spcBef>
+                <a:spcPts val="500"/>
+              </a:spcBef>
+              <a:buFont typeface="Arial" panose="020B0604020202020204" pitchFamily="34" charset="0"/>
+              <a:buChar char="•"/>
+              <a:defRPr sz="1800" kern="1200">
+                <a:solidFill>
+                  <a:schemeClr val="tx1"/>
+                </a:solidFill>
+                <a:latin typeface="+mn-lt"/>
+                <a:ea typeface="+mn-ea"/>
+                <a:cs typeface="+mn-cs"/>
+              </a:defRPr>
+            </a:lvl9pPr>
+          </a:lstStyle>
+          <a:p>
+            <a:r>
+              <a:rPr lang="en-US" sz="2000" dirty="0"/>
+              <a:t>What happens if you remove the file from working directory?</a:t>
+            </a:r>
+          </a:p>
+        </p:txBody>
+      </p:sp>
+    </p:spTree>
+    <p:extLst>
+      <p:ext uri="{BB962C8B-B14F-4D97-AF65-F5344CB8AC3E}">
+        <p14:creationId xmlns:p14="http://schemas.microsoft.com/office/powerpoint/2010/main" val="2094405024"/>
+      </p:ext>
+    </p:extLst>
+  </p:cSld>
+  <p:clrMapOvr>
+    <a:masterClrMapping/>
+  </p:clrMapOvr>
+</p:sld>
+</file>
+
+<file path=ppt/slides/slide11.xml><?xml version="1.0" encoding="utf-8"?>
+<p:sld xmlns:a="http://schemas.openxmlformats.org/drawingml/2006/main" xmlns:r="http://schemas.openxmlformats.org/officeDocument/2006/relationships" xmlns:p="http://schemas.openxmlformats.org/presentationml/2006/main">
+  <p:cSld>
+    <p:spTree>
+      <p:nvGrpSpPr>
+        <p:cNvPr id="1" name=""/>
+        <p:cNvGrpSpPr/>
+        <p:nvPr/>
+      </p:nvGrpSpPr>
+      <p:grpSpPr>
+        <a:xfrm>
+          <a:off x="0" y="0"/>
+          <a:ext cx="0" cy="0"/>
+          <a:chOff x="0" y="0"/>
+          <a:chExt cx="0" cy="0"/>
+        </a:xfrm>
+      </p:grpSpPr>
+      <p:sp>
+        <p:nvSpPr>
+          <p:cNvPr id="2" name="Title 1">
+            <a:extLst>
+              <a:ext uri="{FF2B5EF4-FFF2-40B4-BE49-F238E27FC236}">
+                <a16:creationId xmlns:a16="http://schemas.microsoft.com/office/drawing/2014/main" id="{6C14B5D2-8D31-4D6C-B863-E5FA61A0FA35}"/>
+              </a:ext>
+            </a:extLst>
+          </p:cNvPr>
+          <p:cNvSpPr>
+            <a:spLocks noGrp="1"/>
+          </p:cNvSpPr>
+          <p:nvPr>
+            <p:ph type="title"/>
+          </p:nvPr>
+        </p:nvSpPr>
+        <p:spPr/>
+        <p:txBody>
+          <a:bodyPr/>
+          <a:lstStyle/>
+          <a:p>
+            <a:r>
+              <a:rPr lang="en-MY" dirty="0"/>
+              <a:t>Restoring previous versions</a:t>
+            </a:r>
+          </a:p>
+        </p:txBody>
+      </p:sp>
+      <p:pic>
+        <p:nvPicPr>
+          <p:cNvPr id="4" name="Picture 3" descr="Text&#10;&#10;Description automatically generated">
+            <a:extLst>
+              <a:ext uri="{FF2B5EF4-FFF2-40B4-BE49-F238E27FC236}">
+                <a16:creationId xmlns:a16="http://schemas.microsoft.com/office/drawing/2014/main" id="{0339B361-A173-4F78-992D-90F084E78421}"/>
               </a:ext>
             </a:extLst>
           </p:cNvPr>
@@ -6144,7 +7935,173 @@
           <p:nvPr/>
         </p:nvPicPr>
         <p:blipFill>
-          <a:blip r:embed="rId2"/>
+          <a:blip r:embed="rId3"/>
+          <a:stretch>
+            <a:fillRect/>
+          </a:stretch>
+        </p:blipFill>
+        <p:spPr>
+          <a:xfrm>
+            <a:off x="101024" y="1114165"/>
+            <a:ext cx="8774070" cy="5583499"/>
+          </a:xfrm>
+          <a:prstGeom prst="rect">
+            <a:avLst/>
+          </a:prstGeom>
+        </p:spPr>
+      </p:pic>
+      <p:sp>
+        <p:nvSpPr>
+          <p:cNvPr id="6" name="Content Placeholder 2">
+            <a:extLst>
+              <a:ext uri="{FF2B5EF4-FFF2-40B4-BE49-F238E27FC236}">
+                <a16:creationId xmlns:a16="http://schemas.microsoft.com/office/drawing/2014/main" id="{270D1C7C-ABDA-4EBB-8817-EA6FFCB6E15A}"/>
+              </a:ext>
+            </a:extLst>
+          </p:cNvPr>
+          <p:cNvSpPr>
+            <a:spLocks noGrp="1"/>
+          </p:cNvSpPr>
+          <p:nvPr>
+            <p:ph idx="1"/>
+          </p:nvPr>
+        </p:nvSpPr>
+        <p:spPr>
+          <a:xfrm>
+            <a:off x="8531440" y="1819921"/>
+            <a:ext cx="3018409" cy="4357041"/>
+          </a:xfrm>
+        </p:spPr>
+        <p:txBody>
+          <a:bodyPr/>
+          <a:lstStyle/>
+          <a:p>
+            <a:r>
+              <a:rPr lang="en-US" sz="2400" dirty="0"/>
+              <a:t>Several methods to restore previous versions</a:t>
+            </a:r>
+          </a:p>
+          <a:p>
+            <a:pPr marL="457200" indent="-457200">
+              <a:buAutoNum type="arabicParenR"/>
+            </a:pPr>
+            <a:r>
+              <a:rPr lang="en-US" sz="2400" dirty="0"/>
+              <a:t>git checkout</a:t>
+            </a:r>
+          </a:p>
+          <a:p>
+            <a:pPr marL="457200" indent="-457200">
+              <a:buAutoNum type="arabicParenR"/>
+            </a:pPr>
+            <a:r>
+              <a:rPr lang="en-US" sz="2400" dirty="0"/>
+              <a:t>git reset</a:t>
+            </a:r>
+          </a:p>
+          <a:p>
+            <a:pPr marL="457200" indent="-457200">
+              <a:buAutoNum type="arabicParenR"/>
+            </a:pPr>
+            <a:r>
+              <a:rPr lang="en-US" sz="2400" dirty="0"/>
+              <a:t>git revert</a:t>
+            </a:r>
+          </a:p>
+          <a:p>
+            <a:pPr marL="457200" indent="-457200">
+              <a:buAutoNum type="arabicParenR"/>
+            </a:pPr>
+            <a:r>
+              <a:rPr lang="en-US" sz="2400" dirty="0"/>
+              <a:t>git restore</a:t>
+            </a:r>
+          </a:p>
+          <a:p>
+            <a:pPr marL="457200" indent="-457200">
+              <a:buAutoNum type="arabicParenR"/>
+            </a:pPr>
+            <a:endParaRPr lang="en-US" sz="2400" dirty="0"/>
+          </a:p>
+          <a:p>
+            <a:endParaRPr lang="en-US" dirty="0"/>
+          </a:p>
+        </p:txBody>
+      </p:sp>
+    </p:spTree>
+    <p:extLst>
+      <p:ext uri="{BB962C8B-B14F-4D97-AF65-F5344CB8AC3E}">
+        <p14:creationId xmlns:p14="http://schemas.microsoft.com/office/powerpoint/2010/main" val="639973640"/>
+      </p:ext>
+    </p:extLst>
+  </p:cSld>
+  <p:clrMapOvr>
+    <a:masterClrMapping/>
+  </p:clrMapOvr>
+</p:sld>
+</file>
+
+<file path=ppt/slides/slide12.xml><?xml version="1.0" encoding="utf-8"?>
+<p:sld xmlns:a="http://schemas.openxmlformats.org/drawingml/2006/main" xmlns:r="http://schemas.openxmlformats.org/officeDocument/2006/relationships" xmlns:p="http://schemas.openxmlformats.org/presentationml/2006/main">
+  <p:cSld>
+    <p:spTree>
+      <p:nvGrpSpPr>
+        <p:cNvPr id="1" name=""/>
+        <p:cNvGrpSpPr/>
+        <p:nvPr/>
+      </p:nvGrpSpPr>
+      <p:grpSpPr>
+        <a:xfrm>
+          <a:off x="0" y="0"/>
+          <a:ext cx="0" cy="0"/>
+          <a:chOff x="0" y="0"/>
+          <a:chExt cx="0" cy="0"/>
+        </a:xfrm>
+      </p:grpSpPr>
+      <p:sp>
+        <p:nvSpPr>
+          <p:cNvPr id="2" name="Title 1">
+            <a:extLst>
+              <a:ext uri="{FF2B5EF4-FFF2-40B4-BE49-F238E27FC236}">
+                <a16:creationId xmlns:a16="http://schemas.microsoft.com/office/drawing/2014/main" id="{A8FC01A6-7657-4075-9DFD-F27EA0B9B657}"/>
+              </a:ext>
+            </a:extLst>
+          </p:cNvPr>
+          <p:cNvSpPr>
+            <a:spLocks noGrp="1"/>
+          </p:cNvSpPr>
+          <p:nvPr>
+            <p:ph type="title"/>
+          </p:nvPr>
+        </p:nvSpPr>
+        <p:spPr/>
+        <p:txBody>
+          <a:bodyPr/>
+          <a:lstStyle/>
+          <a:p>
+            <a:r>
+              <a:rPr lang="en-MY" dirty="0"/>
+              <a:t>git log</a:t>
+            </a:r>
+          </a:p>
+        </p:txBody>
+      </p:sp>
+      <p:pic>
+        <p:nvPicPr>
+          <p:cNvPr id="7" name="Picture 6" descr="Text&#10;&#10;Description automatically generated">
+            <a:extLst>
+              <a:ext uri="{FF2B5EF4-FFF2-40B4-BE49-F238E27FC236}">
+                <a16:creationId xmlns:a16="http://schemas.microsoft.com/office/drawing/2014/main" id="{93F3CF91-9BC1-432D-996F-5A1A447453EC}"/>
+              </a:ext>
+            </a:extLst>
+          </p:cNvPr>
+          <p:cNvPicPr>
+            <a:picLocks noChangeAspect="1"/>
+          </p:cNvPicPr>
+          <p:nvPr/>
+        </p:nvPicPr>
+        <p:blipFill>
+          <a:blip r:embed="rId3"/>
           <a:stretch>
             <a:fillRect/>
           </a:stretch>
@@ -6172,7 +8129,7 @@
 </p:sld>
 </file>
 
-<file path=ppt/slides/slide11.xml><?xml version="1.0" encoding="utf-8"?>
+<file path=ppt/slides/slide13.xml><?xml version="1.0" encoding="utf-8"?>
 <p:sld xmlns:a="http://schemas.openxmlformats.org/drawingml/2006/main" xmlns:r="http://schemas.openxmlformats.org/officeDocument/2006/relationships" xmlns:p="http://schemas.openxmlformats.org/presentationml/2006/main">
   <p:cSld>
     <p:spTree>
@@ -6191,6 +8148,174 @@
       </p:grpSpPr>
       <p:sp>
         <p:nvSpPr>
+          <p:cNvPr id="2" name="Title 1">
+            <a:extLst>
+              <a:ext uri="{FF2B5EF4-FFF2-40B4-BE49-F238E27FC236}">
+                <a16:creationId xmlns:a16="http://schemas.microsoft.com/office/drawing/2014/main" id="{A8FC01A6-7657-4075-9DFD-F27EA0B9B657}"/>
+              </a:ext>
+            </a:extLst>
+          </p:cNvPr>
+          <p:cNvSpPr>
+            <a:spLocks noGrp="1"/>
+          </p:cNvSpPr>
+          <p:nvPr>
+            <p:ph type="title"/>
+          </p:nvPr>
+        </p:nvSpPr>
+        <p:spPr/>
+        <p:txBody>
+          <a:bodyPr/>
+          <a:lstStyle/>
+          <a:p>
+            <a:r>
+              <a:rPr lang="en-MY" dirty="0"/>
+              <a:t>Recap:</a:t>
+            </a:r>
+          </a:p>
+        </p:txBody>
+      </p:sp>
+      <p:sp>
+        <p:nvSpPr>
+          <p:cNvPr id="4" name="Content Placeholder 2">
+            <a:extLst>
+              <a:ext uri="{FF2B5EF4-FFF2-40B4-BE49-F238E27FC236}">
+                <a16:creationId xmlns:a16="http://schemas.microsoft.com/office/drawing/2014/main" id="{DC0D25E0-DDE2-42FE-961A-B0BCE886CC43}"/>
+              </a:ext>
+            </a:extLst>
+          </p:cNvPr>
+          <p:cNvSpPr>
+            <a:spLocks noGrp="1"/>
+          </p:cNvSpPr>
+          <p:nvPr>
+            <p:ph idx="1"/>
+          </p:nvPr>
+        </p:nvSpPr>
+        <p:spPr>
+          <a:xfrm>
+            <a:off x="838200" y="1842403"/>
+            <a:ext cx="10515600" cy="4351338"/>
+          </a:xfrm>
+        </p:spPr>
+        <p:txBody>
+          <a:bodyPr>
+            <a:normAutofit/>
+          </a:bodyPr>
+          <a:lstStyle/>
+          <a:p>
+            <a:pPr marL="0" indent="0">
+              <a:buNone/>
+            </a:pPr>
+            <a:r>
+              <a:rPr lang="en-US" dirty="0"/>
+              <a:t>GIT FLOW: </a:t>
+            </a:r>
+          </a:p>
+          <a:p>
+            <a:pPr marL="514350" indent="-514350">
+              <a:buAutoNum type="arabicParenR"/>
+            </a:pPr>
+            <a:r>
+              <a:rPr lang="en-US" dirty="0"/>
+              <a:t>Create project.</a:t>
+            </a:r>
+          </a:p>
+          <a:p>
+            <a:pPr marL="514350" indent="-514350">
+              <a:buAutoNum type="arabicParenR"/>
+            </a:pPr>
+            <a:r>
+              <a:rPr lang="en-US" dirty="0"/>
+              <a:t>git </a:t>
+            </a:r>
+            <a:r>
+              <a:rPr lang="en-US" dirty="0" err="1"/>
+              <a:t>init</a:t>
+            </a:r>
+            <a:r>
+              <a:rPr lang="en-US" dirty="0"/>
+              <a:t> -&gt; git add -&gt; git commit</a:t>
+            </a:r>
+          </a:p>
+          <a:p>
+            <a:pPr marL="514350" indent="-514350">
+              <a:buAutoNum type="arabicParenR"/>
+            </a:pPr>
+            <a:r>
+              <a:rPr lang="en-US" dirty="0"/>
+              <a:t>Check status with git status</a:t>
+            </a:r>
+          </a:p>
+          <a:p>
+            <a:pPr marL="514350" indent="-514350">
+              <a:buAutoNum type="arabicParenR"/>
+            </a:pPr>
+            <a:r>
+              <a:rPr lang="en-US" dirty="0"/>
+              <a:t>Check commits with git log</a:t>
+            </a:r>
+          </a:p>
+          <a:p>
+            <a:pPr marL="514350" indent="-514350">
+              <a:buAutoNum type="arabicParenR"/>
+            </a:pPr>
+            <a:r>
+              <a:rPr lang="en-US" dirty="0"/>
+              <a:t>You can check differences, change to older version, undo changes</a:t>
+            </a:r>
+          </a:p>
+          <a:p>
+            <a:pPr marL="0" indent="0" algn="ctr">
+              <a:buNone/>
+            </a:pPr>
+            <a:r>
+              <a:rPr lang="en-US" dirty="0">
+                <a:solidFill>
+                  <a:schemeClr val="accent4"/>
+                </a:solidFill>
+              </a:rPr>
+              <a:t>:D</a:t>
+            </a:r>
+          </a:p>
+          <a:p>
+            <a:pPr marL="0" indent="0">
+              <a:buNone/>
+            </a:pPr>
+            <a:endParaRPr lang="en-US" dirty="0"/>
+          </a:p>
+        </p:txBody>
+      </p:sp>
+    </p:spTree>
+    <p:extLst>
+      <p:ext uri="{BB962C8B-B14F-4D97-AF65-F5344CB8AC3E}">
+        <p14:creationId xmlns:p14="http://schemas.microsoft.com/office/powerpoint/2010/main" val="450847071"/>
+      </p:ext>
+    </p:extLst>
+  </p:cSld>
+  <p:clrMapOvr>
+    <a:masterClrMapping/>
+  </p:clrMapOvr>
+</p:sld>
+</file>
+
+<file path=ppt/slides/slide14.xml><?xml version="1.0" encoding="utf-8"?>
+<p:sld xmlns:a="http://schemas.openxmlformats.org/drawingml/2006/main" xmlns:r="http://schemas.openxmlformats.org/officeDocument/2006/relationships" xmlns:p="http://schemas.openxmlformats.org/presentationml/2006/main">
+  <p:cSld>
+    <p:spTree>
+      <p:nvGrpSpPr>
+        <p:cNvPr id="1" name=""/>
+        <p:cNvGrpSpPr/>
+        <p:nvPr/>
+      </p:nvGrpSpPr>
+      <p:grpSpPr>
+        <a:xfrm>
+          <a:off x="0" y="0"/>
+          <a:ext cx="0" cy="0"/>
+          <a:chOff x="0" y="0"/>
+          <a:chExt cx="0" cy="0"/>
+        </a:xfrm>
+      </p:grpSpPr>
+      <p:sp>
+        <p:nvSpPr>
           <p:cNvPr id="2" name="Title 1"/>
           <p:cNvSpPr>
             <a:spLocks noGrp="1"/>
@@ -6279,7 +8404,7 @@
           <p:nvPr/>
         </p:nvPicPr>
         <p:blipFill rotWithShape="1">
-          <a:blip r:embed="rId2">
+          <a:blip r:embed="rId3">
             <a:extLst>
               <a:ext uri="{28A0092B-C50C-407E-A947-70E740481C1C}">
                 <a14:useLocalDpi xmlns:a14="http://schemas.microsoft.com/office/drawing/2010/main" val="0"/>
@@ -6327,7 +8452,7 @@
           <p:nvPr/>
         </p:nvPicPr>
         <p:blipFill rotWithShape="1">
-          <a:blip r:embed="rId3">
+          <a:blip r:embed="rId4">
             <a:extLst>
               <a:ext uri="{28A0092B-C50C-407E-A947-70E740481C1C}">
                 <a14:useLocalDpi xmlns:a14="http://schemas.microsoft.com/office/drawing/2010/main" val="0"/>
@@ -6818,7 +8943,7 @@
           <p:nvPr/>
         </p:nvPicPr>
         <p:blipFill rotWithShape="1">
-          <a:blip r:embed="rId4">
+          <a:blip r:embed="rId5">
             <a:extLst>
               <a:ext uri="{28A0092B-C50C-407E-A947-70E740481C1C}">
                 <a14:useLocalDpi xmlns:a14="http://schemas.microsoft.com/office/drawing/2010/main" val="0"/>
@@ -6861,7 +8986,7 @@
 </p:sld>
 </file>
 
-<file path=ppt/slides/slide12.xml><?xml version="1.0" encoding="utf-8"?>
+<file path=ppt/slides/slide15.xml><?xml version="1.0" encoding="utf-8"?>
 <p:sld xmlns:a="http://schemas.openxmlformats.org/drawingml/2006/main" xmlns:r="http://schemas.openxmlformats.org/officeDocument/2006/relationships" xmlns:p="http://schemas.openxmlformats.org/presentationml/2006/main">
   <p:cSld>
     <p:spTree>
@@ -6978,7 +9103,7 @@
 </p:sld>
 </file>
 
-<file path=ppt/slides/slide13.xml><?xml version="1.0" encoding="utf-8"?>
+<file path=ppt/slides/slide16.xml><?xml version="1.0" encoding="utf-8"?>
 <p:sld xmlns:a="http://schemas.openxmlformats.org/drawingml/2006/main" xmlns:r="http://schemas.openxmlformats.org/officeDocument/2006/relationships" xmlns:p="http://schemas.openxmlformats.org/presentationml/2006/main">
   <p:cSld>
     <p:spTree>
@@ -7072,7 +9197,7 @@
           <p:nvPr/>
         </p:nvPicPr>
         <p:blipFill>
-          <a:blip r:embed="rId2"/>
+          <a:blip r:embed="rId3"/>
           <a:stretch>
             <a:fillRect/>
           </a:stretch>
@@ -7317,7 +9442,7 @@
 </p:sld>
 </file>
 
-<file path=ppt/slides/slide14.xml><?xml version="1.0" encoding="utf-8"?>
+<file path=ppt/slides/slide17.xml><?xml version="1.0" encoding="utf-8"?>
 <p:sld xmlns:a="http://schemas.openxmlformats.org/drawingml/2006/main" xmlns:r="http://schemas.openxmlformats.org/officeDocument/2006/relationships" xmlns:p="http://schemas.openxmlformats.org/presentationml/2006/main">
   <p:cSld>
     <p:spTree>
@@ -7458,7 +9583,7 @@
 </p:sld>
 </file>
 
-<file path=ppt/slides/slide15.xml><?xml version="1.0" encoding="utf-8"?>
+<file path=ppt/slides/slide18.xml><?xml version="1.0" encoding="utf-8"?>
 <p:sld xmlns:a="http://schemas.openxmlformats.org/drawingml/2006/main" xmlns:r="http://schemas.openxmlformats.org/officeDocument/2006/relationships" xmlns:p="http://schemas.openxmlformats.org/presentationml/2006/main">
   <p:cSld>
     <p:spTree>
@@ -7601,7 +9726,7 @@
 </p:sld>
 </file>
 
-<file path=ppt/slides/slide16.xml><?xml version="1.0" encoding="utf-8"?>
+<file path=ppt/slides/slide19.xml><?xml version="1.0" encoding="utf-8"?>
 <p:sld xmlns:a="http://schemas.openxmlformats.org/drawingml/2006/main" xmlns:r="http://schemas.openxmlformats.org/officeDocument/2006/relationships" xmlns:p="http://schemas.openxmlformats.org/presentationml/2006/main">
   <p:cSld>
     <p:spTree>
@@ -7706,6 +9831,14 @@
               </a:rPr>
               <a:t>SSH: </a:t>
             </a:r>
+            <a:r>
+              <a:rPr lang="en-MY" dirty="0">
+                <a:solidFill>
+                  <a:schemeClr val="accent4"/>
+                </a:solidFill>
+              </a:rPr>
+              <a:t>Older method</a:t>
+            </a:r>
             <a:endParaRPr lang="en-MY" dirty="0"/>
           </a:p>
           <a:p>
@@ -7724,16 +9857,27 @@
               </a:rPr>
               <a:t>HTTPS tokens:</a:t>
             </a:r>
+            <a:r>
+              <a:rPr lang="en-MY" dirty="0">
+                <a:solidFill>
+                  <a:schemeClr val="accent4"/>
+                </a:solidFill>
+              </a:rPr>
+              <a:t> (Recommended) GitHub has updated their policies to have this. </a:t>
+            </a:r>
             <a:endParaRPr lang="en-MY" dirty="0"/>
           </a:p>
           <a:p>
+            <a:pPr marL="0" indent="0">
+              <a:buNone/>
+            </a:pPr>
             <a:endParaRPr lang="en-MY" dirty="0"/>
           </a:p>
           <a:p>
-            <a:endParaRPr lang="en-MY" dirty="0"/>
-          </a:p>
-          <a:p>
-            <a:endParaRPr lang="en-MY" dirty="0"/>
+            <a:r>
+              <a:rPr lang="en-MY" dirty="0"/>
+              <a:t>Authentication is to ensure security of your projects. If you have errors, this may be a reason why.</a:t>
+            </a:r>
           </a:p>
           <a:p>
             <a:endParaRPr lang="en-MY" dirty="0"/>
@@ -7753,7 +9897,371 @@
 </p:sld>
 </file>
 
-<file path=ppt/slides/slide17.xml><?xml version="1.0" encoding="utf-8"?>
+<file path=ppt/slides/slide2.xml><?xml version="1.0" encoding="utf-8"?>
+<p:sld xmlns:a="http://schemas.openxmlformats.org/drawingml/2006/main" xmlns:r="http://schemas.openxmlformats.org/officeDocument/2006/relationships" xmlns:p="http://schemas.openxmlformats.org/presentationml/2006/main">
+  <p:cSld>
+    <p:spTree>
+      <p:nvGrpSpPr>
+        <p:cNvPr id="1" name=""/>
+        <p:cNvGrpSpPr/>
+        <p:nvPr/>
+      </p:nvGrpSpPr>
+      <p:grpSpPr>
+        <a:xfrm>
+          <a:off x="0" y="0"/>
+          <a:ext cx="0" cy="0"/>
+          <a:chOff x="0" y="0"/>
+          <a:chExt cx="0" cy="0"/>
+        </a:xfrm>
+      </p:grpSpPr>
+      <p:sp>
+        <p:nvSpPr>
+          <p:cNvPr id="2" name="Title 1"/>
+          <p:cNvSpPr>
+            <a:spLocks noGrp="1"/>
+          </p:cNvSpPr>
+          <p:nvPr>
+            <p:ph type="title"/>
+          </p:nvPr>
+        </p:nvSpPr>
+        <p:spPr>
+          <a:xfrm>
+            <a:off x="838200" y="110002"/>
+            <a:ext cx="8334376" cy="1325563"/>
+          </a:xfrm>
+        </p:spPr>
+        <p:txBody>
+          <a:bodyPr/>
+          <a:lstStyle/>
+          <a:p>
+            <a:r>
+              <a:rPr lang="en-US" dirty="0"/>
+              <a:t>Slides Content:</a:t>
+            </a:r>
+          </a:p>
+        </p:txBody>
+      </p:sp>
+      <p:sp>
+        <p:nvSpPr>
+          <p:cNvPr id="14" name="Content Placeholder 13">
+            <a:extLst>
+              <a:ext uri="{FF2B5EF4-FFF2-40B4-BE49-F238E27FC236}">
+                <a16:creationId xmlns:a16="http://schemas.microsoft.com/office/drawing/2014/main" id="{89DD93C4-882C-4D9C-A2C6-BB1AFBA96F37}"/>
+              </a:ext>
+            </a:extLst>
+          </p:cNvPr>
+          <p:cNvSpPr>
+            <a:spLocks noGrp="1"/>
+          </p:cNvSpPr>
+          <p:nvPr>
+            <p:ph idx="1"/>
+          </p:nvPr>
+        </p:nvSpPr>
+        <p:spPr>
+          <a:xfrm>
+            <a:off x="838200" y="1435565"/>
+            <a:ext cx="10515600" cy="5054012"/>
+          </a:xfrm>
+        </p:spPr>
+        <p:txBody>
+          <a:bodyPr numCol="2">
+            <a:noAutofit/>
+          </a:bodyPr>
+          <a:lstStyle/>
+          <a:p>
+            <a:pPr>
+              <a:buFont typeface="Wingdings" panose="05000000000000000000" pitchFamily="2" charset="2"/>
+              <a:buChar char="v"/>
+            </a:pPr>
+            <a:r>
+              <a:rPr lang="en-US" sz="1800" dirty="0"/>
+              <a:t>Version Control System</a:t>
+            </a:r>
+            <a:endParaRPr lang="en-US" sz="1800" dirty="0">
+              <a:latin typeface="+mj-lt"/>
+            </a:endParaRPr>
+          </a:p>
+          <a:p>
+            <a:pPr>
+              <a:buFont typeface="Wingdings" panose="05000000000000000000" pitchFamily="2" charset="2"/>
+              <a:buChar char="v"/>
+            </a:pPr>
+            <a:r>
+              <a:rPr lang="en-US" sz="1800" dirty="0"/>
+              <a:t>Installing &amp; Configuring Git</a:t>
+            </a:r>
+          </a:p>
+          <a:p>
+            <a:pPr>
+              <a:buFont typeface="Wingdings" panose="05000000000000000000" pitchFamily="2" charset="2"/>
+              <a:buChar char="v"/>
+            </a:pPr>
+            <a:r>
+              <a:rPr lang="en-US" sz="1800" dirty="0"/>
+              <a:t>Using </a:t>
+            </a:r>
+            <a:r>
+              <a:rPr lang="en-US" sz="1800" dirty="0" err="1"/>
+              <a:t>GitBash</a:t>
+            </a:r>
+            <a:r>
+              <a:rPr lang="en-US" sz="1800" dirty="0"/>
+              <a:t> (Windows) or terminal (Mac)</a:t>
+            </a:r>
+          </a:p>
+          <a:p>
+            <a:pPr>
+              <a:buFont typeface="Wingdings" panose="05000000000000000000" pitchFamily="2" charset="2"/>
+              <a:buChar char="v"/>
+            </a:pPr>
+            <a:r>
+              <a:rPr lang="en-US" sz="1800" dirty="0"/>
+              <a:t>Initializing a Repo</a:t>
+            </a:r>
+          </a:p>
+          <a:p>
+            <a:pPr>
+              <a:buFont typeface="Wingdings" panose="05000000000000000000" pitchFamily="2" charset="2"/>
+              <a:buChar char="v"/>
+            </a:pPr>
+            <a:r>
+              <a:rPr lang="en-US" sz="1800" dirty="0"/>
+              <a:t>Git Workflow</a:t>
+            </a:r>
+          </a:p>
+          <a:p>
+            <a:pPr>
+              <a:buFont typeface="Wingdings" panose="05000000000000000000" pitchFamily="2" charset="2"/>
+              <a:buChar char="v"/>
+            </a:pPr>
+            <a:r>
+              <a:rPr lang="en-US" sz="1800" dirty="0"/>
+              <a:t>Viewing changes</a:t>
+            </a:r>
+          </a:p>
+          <a:p>
+            <a:pPr>
+              <a:buFont typeface="Wingdings" panose="05000000000000000000" pitchFamily="2" charset="2"/>
+              <a:buChar char="v"/>
+            </a:pPr>
+            <a:r>
+              <a:rPr lang="en-MY" sz="1800" dirty="0"/>
+              <a:t>Restoring previous versions</a:t>
+            </a:r>
+            <a:endParaRPr lang="en-US" sz="1800" dirty="0"/>
+          </a:p>
+          <a:p>
+            <a:pPr>
+              <a:buFont typeface="Wingdings" panose="05000000000000000000" pitchFamily="2" charset="2"/>
+              <a:buChar char="v"/>
+            </a:pPr>
+            <a:r>
+              <a:rPr lang="en-MY" sz="1800" dirty="0"/>
+              <a:t>Git log</a:t>
+            </a:r>
+          </a:p>
+          <a:p>
+            <a:pPr>
+              <a:buFont typeface="Wingdings" panose="05000000000000000000" pitchFamily="2" charset="2"/>
+              <a:buChar char="v"/>
+            </a:pPr>
+            <a:r>
+              <a:rPr lang="en-US" sz="1800" dirty="0"/>
+              <a:t>Collaboration</a:t>
+            </a:r>
+          </a:p>
+          <a:p>
+            <a:pPr>
+              <a:buFont typeface="Wingdings" panose="05000000000000000000" pitchFamily="2" charset="2"/>
+              <a:buChar char="v"/>
+            </a:pPr>
+            <a:r>
+              <a:rPr lang="en-US" sz="1800" dirty="0"/>
+              <a:t>Create and share your repo</a:t>
+            </a:r>
+          </a:p>
+          <a:p>
+            <a:pPr>
+              <a:buFont typeface="Wingdings" panose="05000000000000000000" pitchFamily="2" charset="2"/>
+              <a:buChar char="v"/>
+            </a:pPr>
+            <a:r>
+              <a:rPr lang="en-US" sz="1800" dirty="0"/>
+              <a:t>Cloning an existing repo</a:t>
+            </a:r>
+          </a:p>
+          <a:p>
+            <a:pPr>
+              <a:buFont typeface="Wingdings" panose="05000000000000000000" pitchFamily="2" charset="2"/>
+              <a:buChar char="v"/>
+            </a:pPr>
+            <a:r>
+              <a:rPr lang="en-MY" sz="1800" dirty="0"/>
+              <a:t>Remote repository, </a:t>
+            </a:r>
+            <a:r>
+              <a:rPr lang="en-MY" sz="1800" dirty="0" err="1"/>
+              <a:t>github</a:t>
+            </a:r>
+            <a:r>
+              <a:rPr lang="en-MY" sz="1800" dirty="0"/>
+              <a:t>!</a:t>
+            </a:r>
+          </a:p>
+          <a:p>
+            <a:pPr>
+              <a:buFont typeface="Wingdings" panose="05000000000000000000" pitchFamily="2" charset="2"/>
+              <a:buChar char="v"/>
+            </a:pPr>
+            <a:r>
+              <a:rPr lang="en-US" sz="1800" dirty="0"/>
+              <a:t>Common additional files</a:t>
+            </a:r>
+            <a:endParaRPr lang="en-MY" sz="1800" dirty="0"/>
+          </a:p>
+          <a:p>
+            <a:pPr>
+              <a:buFont typeface="Wingdings" panose="05000000000000000000" pitchFamily="2" charset="2"/>
+              <a:buChar char="v"/>
+            </a:pPr>
+            <a:r>
+              <a:rPr lang="en-MY" sz="1800" dirty="0"/>
+              <a:t>Authentication</a:t>
+            </a:r>
+          </a:p>
+          <a:p>
+            <a:pPr>
+              <a:buFont typeface="Wingdings" panose="05000000000000000000" pitchFamily="2" charset="2"/>
+              <a:buChar char="v"/>
+            </a:pPr>
+            <a:r>
+              <a:rPr lang="en-MY" sz="1800" dirty="0"/>
+              <a:t>Adding a remote repository</a:t>
+            </a:r>
+          </a:p>
+          <a:p>
+            <a:pPr>
+              <a:buFont typeface="Wingdings" panose="05000000000000000000" pitchFamily="2" charset="2"/>
+              <a:buChar char="v"/>
+            </a:pPr>
+            <a:r>
+              <a:rPr lang="en-MY" sz="1800" dirty="0"/>
+              <a:t>Fetching and pulling</a:t>
+            </a:r>
+          </a:p>
+          <a:p>
+            <a:pPr>
+              <a:buFont typeface="Wingdings" panose="05000000000000000000" pitchFamily="2" charset="2"/>
+              <a:buChar char="v"/>
+            </a:pPr>
+            <a:r>
+              <a:rPr lang="en-MY" sz="1800" dirty="0"/>
+              <a:t>Pushing</a:t>
+            </a:r>
+          </a:p>
+          <a:p>
+            <a:pPr>
+              <a:buFont typeface="Wingdings" panose="05000000000000000000" pitchFamily="2" charset="2"/>
+              <a:buChar char="v"/>
+            </a:pPr>
+            <a:r>
+              <a:rPr lang="en-MY" sz="1800" dirty="0"/>
+              <a:t>Story so far</a:t>
+            </a:r>
+          </a:p>
+          <a:p>
+            <a:pPr>
+              <a:buFont typeface="Wingdings" panose="05000000000000000000" pitchFamily="2" charset="2"/>
+              <a:buChar char="v"/>
+            </a:pPr>
+            <a:r>
+              <a:rPr lang="en-MY" sz="1800" dirty="0"/>
+              <a:t>Branching</a:t>
+            </a:r>
+          </a:p>
+          <a:p>
+            <a:pPr>
+              <a:buFont typeface="Wingdings" panose="05000000000000000000" pitchFamily="2" charset="2"/>
+              <a:buChar char="v"/>
+            </a:pPr>
+            <a:r>
+              <a:rPr lang="en-MY" sz="1800" dirty="0"/>
+              <a:t>Merge conflicts, pull requests, forking</a:t>
+            </a:r>
+          </a:p>
+          <a:p>
+            <a:pPr>
+              <a:buFont typeface="Wingdings" panose="05000000000000000000" pitchFamily="2" charset="2"/>
+              <a:buChar char="v"/>
+            </a:pPr>
+            <a:r>
+              <a:rPr lang="en-MY" sz="1800" dirty="0"/>
+              <a:t>Contribute to open source by forking:</a:t>
+            </a:r>
+          </a:p>
+          <a:p>
+            <a:pPr>
+              <a:buFont typeface="Wingdings" panose="05000000000000000000" pitchFamily="2" charset="2"/>
+              <a:buChar char="v"/>
+            </a:pPr>
+            <a:r>
+              <a:rPr lang="en-US" sz="1800" dirty="0"/>
+              <a:t>Git best practices!</a:t>
+            </a:r>
+          </a:p>
+          <a:p>
+            <a:pPr>
+              <a:buFont typeface="Wingdings" panose="05000000000000000000" pitchFamily="2" charset="2"/>
+              <a:buChar char="v"/>
+            </a:pPr>
+            <a:r>
+              <a:rPr lang="en-US" sz="1800" dirty="0"/>
+              <a:t>Resources</a:t>
+            </a:r>
+          </a:p>
+          <a:p>
+            <a:pPr>
+              <a:buFont typeface="Wingdings" panose="05000000000000000000" pitchFamily="2" charset="2"/>
+              <a:buChar char="v"/>
+            </a:pPr>
+            <a:r>
+              <a:rPr lang="en-US" sz="1800" dirty="0"/>
+              <a:t>Technical Issues</a:t>
+            </a:r>
+          </a:p>
+          <a:p>
+            <a:pPr>
+              <a:buFont typeface="Wingdings" panose="05000000000000000000" pitchFamily="2" charset="2"/>
+              <a:buChar char="v"/>
+            </a:pPr>
+            <a:r>
+              <a:rPr lang="en-US" sz="1800" dirty="0"/>
+              <a:t>Add. slides/images</a:t>
+            </a:r>
+          </a:p>
+          <a:p>
+            <a:endParaRPr lang="en-MY" sz="1400" dirty="0">
+              <a:solidFill>
+                <a:schemeClr val="tx1"/>
+              </a:solidFill>
+            </a:endParaRPr>
+          </a:p>
+        </p:txBody>
+      </p:sp>
+    </p:spTree>
+    <p:extLst>
+      <p:ext uri="{BB962C8B-B14F-4D97-AF65-F5344CB8AC3E}">
+        <p14:creationId xmlns:p14="http://schemas.microsoft.com/office/powerpoint/2010/main" val="1072947160"/>
+      </p:ext>
+    </p:extLst>
+  </p:cSld>
+  <p:clrMapOvr>
+    <a:masterClrMapping/>
+  </p:clrMapOvr>
+</p:sld>
+</file>
+
+<file path=ppt/slides/slide20.xml><?xml version="1.0" encoding="utf-8"?>
 <p:sld xmlns:a="http://schemas.openxmlformats.org/drawingml/2006/main" xmlns:r="http://schemas.openxmlformats.org/officeDocument/2006/relationships" xmlns:p="http://schemas.openxmlformats.org/presentationml/2006/main">
   <p:cSld>
     <p:spTree>
@@ -7892,7 +10400,7 @@
 </p:sld>
 </file>
 
-<file path=ppt/slides/slide18.xml><?xml version="1.0" encoding="utf-8"?>
+<file path=ppt/slides/slide21.xml><?xml version="1.0" encoding="utf-8"?>
 <p:sld xmlns:a="http://schemas.openxmlformats.org/drawingml/2006/main" xmlns:r="http://schemas.openxmlformats.org/officeDocument/2006/relationships" xmlns:p="http://schemas.openxmlformats.org/presentationml/2006/main">
   <p:cSld>
     <p:spTree>
@@ -8039,7 +10547,7 @@
 </p:sld>
 </file>
 
-<file path=ppt/slides/slide19.xml><?xml version="1.0" encoding="utf-8"?>
+<file path=ppt/slides/slide22.xml><?xml version="1.0" encoding="utf-8"?>
 <p:sld xmlns:a="http://schemas.openxmlformats.org/drawingml/2006/main" xmlns:r="http://schemas.openxmlformats.org/officeDocument/2006/relationships" xmlns:p="http://schemas.openxmlformats.org/presentationml/2006/main">
   <p:cSld>
     <p:spTree>
@@ -8119,6 +10627,32 @@
             <a:r>
               <a:rPr lang="en-MY" dirty="0"/>
               <a:t>What happens when multiple people push at the same time? How about if you push before pulling?</a:t>
+            </a:r>
+          </a:p>
+          <a:p>
+            <a:r>
+              <a:rPr lang="en-MY" dirty="0"/>
+              <a:t>You’ll get errors or conflicts! So always </a:t>
+            </a:r>
+            <a:r>
+              <a:rPr lang="en-MY" dirty="0">
+                <a:solidFill>
+                  <a:schemeClr val="accent4"/>
+                </a:solidFill>
+              </a:rPr>
+              <a:t>git pull </a:t>
+            </a:r>
+            <a:r>
+              <a:rPr lang="en-MY" dirty="0"/>
+              <a:t>before </a:t>
+            </a:r>
+            <a:r>
+              <a:rPr lang="en-MY" dirty="0">
+                <a:solidFill>
+                  <a:schemeClr val="accent4"/>
+                </a:solidFill>
+              </a:rPr>
+              <a:t>git push</a:t>
             </a:r>
           </a:p>
           <a:p>
@@ -8175,357 +10709,7 @@
 </p:sld>
 </file>
 
-<file path=ppt/slides/slide2.xml><?xml version="1.0" encoding="utf-8"?>
-<p:sld xmlns:a="http://schemas.openxmlformats.org/drawingml/2006/main" xmlns:r="http://schemas.openxmlformats.org/officeDocument/2006/relationships" xmlns:p="http://schemas.openxmlformats.org/presentationml/2006/main">
-  <p:cSld>
-    <p:spTree>
-      <p:nvGrpSpPr>
-        <p:cNvPr id="1" name=""/>
-        <p:cNvGrpSpPr/>
-        <p:nvPr/>
-      </p:nvGrpSpPr>
-      <p:grpSpPr>
-        <a:xfrm>
-          <a:off x="0" y="0"/>
-          <a:ext cx="0" cy="0"/>
-          <a:chOff x="0" y="0"/>
-          <a:chExt cx="0" cy="0"/>
-        </a:xfrm>
-      </p:grpSpPr>
-      <p:sp>
-        <p:nvSpPr>
-          <p:cNvPr id="2" name="Title 1"/>
-          <p:cNvSpPr>
-            <a:spLocks noGrp="1"/>
-          </p:cNvSpPr>
-          <p:nvPr>
-            <p:ph type="title"/>
-          </p:nvPr>
-        </p:nvSpPr>
-        <p:spPr>
-          <a:xfrm>
-            <a:off x="838200" y="110002"/>
-            <a:ext cx="8334376" cy="1325563"/>
-          </a:xfrm>
-        </p:spPr>
-        <p:txBody>
-          <a:bodyPr/>
-          <a:lstStyle/>
-          <a:p>
-            <a:r>
-              <a:rPr lang="en-US" dirty="0"/>
-              <a:t>Version Control System</a:t>
-            </a:r>
-          </a:p>
-        </p:txBody>
-      </p:sp>
-      <p:sp>
-        <p:nvSpPr>
-          <p:cNvPr id="3" name="Content Placeholder 2"/>
-          <p:cNvSpPr>
-            <a:spLocks noGrp="1"/>
-          </p:cNvSpPr>
-          <p:nvPr>
-            <p:ph idx="1"/>
-          </p:nvPr>
-        </p:nvSpPr>
-        <p:spPr>
-          <a:xfrm>
-            <a:off x="838200" y="1842403"/>
-            <a:ext cx="10515600" cy="4351338"/>
-          </a:xfrm>
-        </p:spPr>
-        <p:txBody>
-          <a:bodyPr/>
-          <a:lstStyle/>
-          <a:p>
-            <a:r>
-              <a:rPr lang="en-US" dirty="0"/>
-              <a:t>VCS: A system of recording changes to files.</a:t>
-            </a:r>
-          </a:p>
-        </p:txBody>
-      </p:sp>
-      <p:pic>
-        <p:nvPicPr>
-          <p:cNvPr id="3074" name="Picture 2" descr="50 Doodle People ideas | doodle people, doodles, drawings">
-            <a:extLst>
-              <a:ext uri="{FF2B5EF4-FFF2-40B4-BE49-F238E27FC236}">
-                <a16:creationId xmlns:a16="http://schemas.microsoft.com/office/drawing/2014/main" id="{EB262063-F146-41CF-A833-9756FB97FC4A}"/>
-              </a:ext>
-            </a:extLst>
-          </p:cNvPr>
-          <p:cNvPicPr>
-            <a:picLocks noChangeAspect="1" noChangeArrowheads="1"/>
-          </p:cNvPicPr>
-          <p:nvPr/>
-        </p:nvPicPr>
-        <p:blipFill rotWithShape="1">
-          <a:blip r:embed="rId2">
-            <a:extLst>
-              <a:ext uri="{28A0092B-C50C-407E-A947-70E740481C1C}">
-                <a14:useLocalDpi xmlns:a14="http://schemas.microsoft.com/office/drawing/2010/main" val="0"/>
-              </a:ext>
-            </a:extLst>
-          </a:blip>
-          <a:srcRect l="67665" t="45443" b="27542"/>
-          <a:stretch/>
-        </p:blipFill>
-        <p:spPr bwMode="auto">
-          <a:xfrm>
-            <a:off x="1211832" y="3278080"/>
-            <a:ext cx="1334549" cy="1894489"/>
-          </a:xfrm>
-          <a:prstGeom prst="rect">
-            <a:avLst/>
-          </a:prstGeom>
-          <a:noFill/>
-          <a:ln>
-            <a:noFill/>
-          </a:ln>
-          <a:extLst>
-            <a:ext uri="{909E8E84-426E-40DD-AFC4-6F175D3DCCD1}">
-              <a14:hiddenFill xmlns:a14="http://schemas.microsoft.com/office/drawing/2010/main">
-                <a:solidFill>
-                  <a:srgbClr val="FFFFFF"/>
-                </a:solidFill>
-              </a14:hiddenFill>
-            </a:ext>
-          </a:extLst>
-        </p:spPr>
-      </p:pic>
-      <p:sp>
-        <p:nvSpPr>
-          <p:cNvPr id="12" name="Content Placeholder 2">
-            <a:extLst>
-              <a:ext uri="{FF2B5EF4-FFF2-40B4-BE49-F238E27FC236}">
-                <a16:creationId xmlns:a16="http://schemas.microsoft.com/office/drawing/2014/main" id="{E9CEA309-373A-4925-838C-19A065F716A6}"/>
-              </a:ext>
-            </a:extLst>
-          </p:cNvPr>
-          <p:cNvSpPr txBox="1">
-            <a:spLocks/>
-          </p:cNvSpPr>
-          <p:nvPr/>
-        </p:nvSpPr>
-        <p:spPr>
-          <a:xfrm>
-            <a:off x="2920013" y="3363421"/>
-            <a:ext cx="2961313" cy="1723806"/>
-          </a:xfrm>
-          <a:prstGeom prst="rect">
-            <a:avLst/>
-          </a:prstGeom>
-        </p:spPr>
-        <p:txBody>
-          <a:bodyPr vert="horz" lIns="91440" tIns="45720" rIns="91440" bIns="45720" rtlCol="0">
-            <a:normAutofit/>
-          </a:bodyPr>
-          <a:lstStyle>
-            <a:lvl1pPr marL="228600" indent="-228600" algn="l" defTabSz="914400" rtl="0" eaLnBrk="1" latinLnBrk="0" hangingPunct="1">
-              <a:lnSpc>
-                <a:spcPct val="90000"/>
-              </a:lnSpc>
-              <a:spcBef>
-                <a:spcPts val="1000"/>
-              </a:spcBef>
-              <a:buClr>
-                <a:schemeClr val="accent4"/>
-              </a:buClr>
-              <a:buFont typeface="Wingdings" panose="05000000000000000000" pitchFamily="2" charset="2"/>
-              <a:buChar char="§"/>
-              <a:defRPr sz="2800" kern="1200">
-                <a:solidFill>
-                  <a:schemeClr val="bg1"/>
-                </a:solidFill>
-                <a:latin typeface="+mn-lt"/>
-                <a:ea typeface="+mn-ea"/>
-                <a:cs typeface="+mn-cs"/>
-              </a:defRPr>
-            </a:lvl1pPr>
-            <a:lvl2pPr marL="685800" indent="-228600" algn="l" defTabSz="914400" rtl="0" eaLnBrk="1" latinLnBrk="0" hangingPunct="1">
-              <a:lnSpc>
-                <a:spcPct val="90000"/>
-              </a:lnSpc>
-              <a:spcBef>
-                <a:spcPts val="500"/>
-              </a:spcBef>
-              <a:buClr>
-                <a:schemeClr val="accent4"/>
-              </a:buClr>
-              <a:buFont typeface="Wingdings" panose="05000000000000000000" pitchFamily="2" charset="2"/>
-              <a:buChar char="§"/>
-              <a:defRPr sz="2400" kern="1200">
-                <a:solidFill>
-                  <a:schemeClr val="bg1"/>
-                </a:solidFill>
-                <a:latin typeface="+mn-lt"/>
-                <a:ea typeface="+mn-ea"/>
-                <a:cs typeface="+mn-cs"/>
-              </a:defRPr>
-            </a:lvl2pPr>
-            <a:lvl3pPr marL="1143000" indent="-228600" algn="l" defTabSz="914400" rtl="0" eaLnBrk="1" latinLnBrk="0" hangingPunct="1">
-              <a:lnSpc>
-                <a:spcPct val="90000"/>
-              </a:lnSpc>
-              <a:spcBef>
-                <a:spcPts val="500"/>
-              </a:spcBef>
-              <a:buClr>
-                <a:schemeClr val="accent4"/>
-              </a:buClr>
-              <a:buFont typeface="Wingdings" panose="05000000000000000000" pitchFamily="2" charset="2"/>
-              <a:buChar char="§"/>
-              <a:defRPr sz="2000" kern="1200">
-                <a:solidFill>
-                  <a:schemeClr val="bg1"/>
-                </a:solidFill>
-                <a:latin typeface="+mn-lt"/>
-                <a:ea typeface="+mn-ea"/>
-                <a:cs typeface="+mn-cs"/>
-              </a:defRPr>
-            </a:lvl3pPr>
-            <a:lvl4pPr marL="1600200" indent="-228600" algn="l" defTabSz="914400" rtl="0" eaLnBrk="1" latinLnBrk="0" hangingPunct="1">
-              <a:lnSpc>
-                <a:spcPct val="90000"/>
-              </a:lnSpc>
-              <a:spcBef>
-                <a:spcPts val="500"/>
-              </a:spcBef>
-              <a:buClr>
-                <a:schemeClr val="accent4"/>
-              </a:buClr>
-              <a:buFont typeface="Wingdings" panose="05000000000000000000" pitchFamily="2" charset="2"/>
-              <a:buChar char="§"/>
-              <a:defRPr sz="1800" kern="1200">
-                <a:solidFill>
-                  <a:schemeClr val="bg1"/>
-                </a:solidFill>
-                <a:latin typeface="+mn-lt"/>
-                <a:ea typeface="+mn-ea"/>
-                <a:cs typeface="+mn-cs"/>
-              </a:defRPr>
-            </a:lvl4pPr>
-            <a:lvl5pPr marL="2057400" indent="-228600" algn="l" defTabSz="914400" rtl="0" eaLnBrk="1" latinLnBrk="0" hangingPunct="1">
-              <a:lnSpc>
-                <a:spcPct val="90000"/>
-              </a:lnSpc>
-              <a:spcBef>
-                <a:spcPts val="500"/>
-              </a:spcBef>
-              <a:buClr>
-                <a:schemeClr val="accent4"/>
-              </a:buClr>
-              <a:buFont typeface="Wingdings" panose="05000000000000000000" pitchFamily="2" charset="2"/>
-              <a:buChar char="§"/>
-              <a:defRPr sz="1800" kern="1200">
-                <a:solidFill>
-                  <a:schemeClr val="bg1"/>
-                </a:solidFill>
-                <a:latin typeface="+mn-lt"/>
-                <a:ea typeface="+mn-ea"/>
-                <a:cs typeface="+mn-cs"/>
-              </a:defRPr>
-            </a:lvl5pPr>
-            <a:lvl6pPr marL="2514600" indent="-228600" algn="l" defTabSz="914400" rtl="0" eaLnBrk="1" latinLnBrk="0" hangingPunct="1">
-              <a:lnSpc>
-                <a:spcPct val="90000"/>
-              </a:lnSpc>
-              <a:spcBef>
-                <a:spcPts val="500"/>
-              </a:spcBef>
-              <a:buFont typeface="Arial" panose="020B0604020202020204" pitchFamily="34" charset="0"/>
-              <a:buChar char="•"/>
-              <a:defRPr sz="1800" kern="1200">
-                <a:solidFill>
-                  <a:schemeClr val="tx1"/>
-                </a:solidFill>
-                <a:latin typeface="+mn-lt"/>
-                <a:ea typeface="+mn-ea"/>
-                <a:cs typeface="+mn-cs"/>
-              </a:defRPr>
-            </a:lvl6pPr>
-            <a:lvl7pPr marL="2971800" indent="-228600" algn="l" defTabSz="914400" rtl="0" eaLnBrk="1" latinLnBrk="0" hangingPunct="1">
-              <a:lnSpc>
-                <a:spcPct val="90000"/>
-              </a:lnSpc>
-              <a:spcBef>
-                <a:spcPts val="500"/>
-              </a:spcBef>
-              <a:buFont typeface="Arial" panose="020B0604020202020204" pitchFamily="34" charset="0"/>
-              <a:buChar char="•"/>
-              <a:defRPr sz="1800" kern="1200">
-                <a:solidFill>
-                  <a:schemeClr val="tx1"/>
-                </a:solidFill>
-                <a:latin typeface="+mn-lt"/>
-                <a:ea typeface="+mn-ea"/>
-                <a:cs typeface="+mn-cs"/>
-              </a:defRPr>
-            </a:lvl7pPr>
-            <a:lvl8pPr marL="3429000" indent="-228600" algn="l" defTabSz="914400" rtl="0" eaLnBrk="1" latinLnBrk="0" hangingPunct="1">
-              <a:lnSpc>
-                <a:spcPct val="90000"/>
-              </a:lnSpc>
-              <a:spcBef>
-                <a:spcPts val="500"/>
-              </a:spcBef>
-              <a:buFont typeface="Arial" panose="020B0604020202020204" pitchFamily="34" charset="0"/>
-              <a:buChar char="•"/>
-              <a:defRPr sz="1800" kern="1200">
-                <a:solidFill>
-                  <a:schemeClr val="tx1"/>
-                </a:solidFill>
-                <a:latin typeface="+mn-lt"/>
-                <a:ea typeface="+mn-ea"/>
-                <a:cs typeface="+mn-cs"/>
-              </a:defRPr>
-            </a:lvl8pPr>
-            <a:lvl9pPr marL="3886200" indent="-228600" algn="l" defTabSz="914400" rtl="0" eaLnBrk="1" latinLnBrk="0" hangingPunct="1">
-              <a:lnSpc>
-                <a:spcPct val="90000"/>
-              </a:lnSpc>
-              <a:spcBef>
-                <a:spcPts val="500"/>
-              </a:spcBef>
-              <a:buFont typeface="Arial" panose="020B0604020202020204" pitchFamily="34" charset="0"/>
-              <a:buChar char="•"/>
-              <a:defRPr sz="1800" kern="1200">
-                <a:solidFill>
-                  <a:schemeClr val="tx1"/>
-                </a:solidFill>
-                <a:latin typeface="+mn-lt"/>
-                <a:ea typeface="+mn-ea"/>
-                <a:cs typeface="+mn-cs"/>
-              </a:defRPr>
-            </a:lvl9pPr>
-          </a:lstStyle>
-          <a:p>
-            <a:pPr>
-              <a:buFontTx/>
-              <a:buChar char="-"/>
-            </a:pPr>
-            <a:r>
-              <a:rPr lang="en-US" sz="2400" dirty="0"/>
-              <a:t>Write a novel yay!</a:t>
-            </a:r>
-          </a:p>
-        </p:txBody>
-      </p:sp>
-    </p:spTree>
-    <p:extLst>
-      <p:ext uri="{BB962C8B-B14F-4D97-AF65-F5344CB8AC3E}">
-        <p14:creationId xmlns:p14="http://schemas.microsoft.com/office/powerpoint/2010/main" val="2541583471"/>
-      </p:ext>
-    </p:extLst>
-  </p:cSld>
-  <p:clrMapOvr>
-    <a:masterClrMapping/>
-  </p:clrMapOvr>
-</p:sld>
-</file>
-
-<file path=ppt/slides/slide20.xml><?xml version="1.0" encoding="utf-8"?>
+<file path=ppt/slides/slide23.xml><?xml version="1.0" encoding="utf-8"?>
 <p:sld xmlns:a="http://schemas.openxmlformats.org/drawingml/2006/main" xmlns:r="http://schemas.openxmlformats.org/officeDocument/2006/relationships" xmlns:p="http://schemas.openxmlformats.org/presentationml/2006/main">
   <p:cSld>
     <p:spTree>
@@ -8618,7 +10802,7 @@
 </p:sld>
 </file>
 
-<file path=ppt/slides/slide21.xml><?xml version="1.0" encoding="utf-8"?>
+<file path=ppt/slides/slide24.xml><?xml version="1.0" encoding="utf-8"?>
 <p:sld xmlns:a="http://schemas.openxmlformats.org/drawingml/2006/main" xmlns:r="http://schemas.openxmlformats.org/officeDocument/2006/relationships" xmlns:p="http://schemas.openxmlformats.org/presentationml/2006/main">
   <p:cSld>
     <p:spTree>
@@ -8765,7 +10949,7 @@
 </p:sld>
 </file>
 
-<file path=ppt/slides/slide22.xml><?xml version="1.0" encoding="utf-8"?>
+<file path=ppt/slides/slide25.xml><?xml version="1.0" encoding="utf-8"?>
 <p:sld xmlns:a="http://schemas.openxmlformats.org/drawingml/2006/main" xmlns:r="http://schemas.openxmlformats.org/officeDocument/2006/relationships" xmlns:p="http://schemas.openxmlformats.org/presentationml/2006/main">
   <p:cSld>
     <p:spTree>
@@ -8918,14 +11102,20 @@
           <a:p>
             <a:pPr algn="ctr"/>
             <a:r>
-              <a:rPr lang="en-MY" dirty="0">
+              <a:rPr lang="en-MY">
                 <a:solidFill>
                   <a:schemeClr val="tx1"/>
                 </a:solidFill>
                 <a:latin typeface="+mj-lt"/>
               </a:rPr>
-              <a:t>Master</a:t>
-            </a:r>
+              <a:t>Main</a:t>
+            </a:r>
+            <a:endParaRPr lang="en-MY" dirty="0">
+              <a:solidFill>
+                <a:schemeClr val="tx1"/>
+              </a:solidFill>
+              <a:latin typeface="+mj-lt"/>
+            </a:endParaRPr>
           </a:p>
         </p:txBody>
       </p:sp>
@@ -10655,7 +12845,7 @@
 </p:sld>
 </file>
 
-<file path=ppt/slides/slide23.xml><?xml version="1.0" encoding="utf-8"?>
+<file path=ppt/slides/slide26.xml><?xml version="1.0" encoding="utf-8"?>
 <p:sld xmlns:a="http://schemas.openxmlformats.org/drawingml/2006/main" xmlns:r="http://schemas.openxmlformats.org/officeDocument/2006/relationships" xmlns:p="http://schemas.openxmlformats.org/presentationml/2006/main">
   <p:cSld>
     <p:spTree>
@@ -10783,7 +12973,7 @@
 </p:sld>
 </file>
 
-<file path=ppt/slides/slide24.xml><?xml version="1.0" encoding="utf-8"?>
+<file path=ppt/slides/slide27.xml><?xml version="1.0" encoding="utf-8"?>
 <p:sld xmlns:a="http://schemas.openxmlformats.org/drawingml/2006/main" xmlns:r="http://schemas.openxmlformats.org/officeDocument/2006/relationships" xmlns:p="http://schemas.openxmlformats.org/presentationml/2006/main">
   <p:cSld>
     <p:spTree>
@@ -10891,6 +13081,15 @@
               <a:t>iii) Does not affect original project</a:t>
             </a:r>
           </a:p>
+          <a:p>
+            <a:endParaRPr lang="en-MY" dirty="0"/>
+          </a:p>
+          <a:p>
+            <a:r>
+              <a:rPr lang="en-MY" dirty="0"/>
+              <a:t>To work on open-source projects, look at the next slide!</a:t>
+            </a:r>
+          </a:p>
         </p:txBody>
       </p:sp>
     </p:spTree>
@@ -10906,7 +13105,7 @@
 </p:sld>
 </file>
 
-<file path=ppt/slides/slide25.xml><?xml version="1.0" encoding="utf-8"?>
+<file path=ppt/slides/slide28.xml><?xml version="1.0" encoding="utf-8"?>
 <p:sld xmlns:a="http://schemas.openxmlformats.org/drawingml/2006/main" xmlns:r="http://schemas.openxmlformats.org/officeDocument/2006/relationships" xmlns:p="http://schemas.openxmlformats.org/presentationml/2006/main">
   <p:cSld>
     <p:spTree>
@@ -10941,8 +13140,8 @@
         </p:nvSpPr>
         <p:spPr>
           <a:xfrm>
-            <a:off x="838200" y="163583"/>
-            <a:ext cx="8334376" cy="1325563"/>
+            <a:off x="838199" y="163583"/>
+            <a:ext cx="10116845" cy="1325563"/>
           </a:xfrm>
         </p:spPr>
         <p:txBody>
@@ -10951,7 +13150,7 @@
           <a:p>
             <a:r>
               <a:rPr lang="en-MY" dirty="0"/>
-              <a:t>Merge conflicts, pull requests, forking</a:t>
+              <a:t>Contribute to open source by forking</a:t>
             </a:r>
           </a:p>
         </p:txBody>
@@ -11067,7 +13266,7 @@
 </p:sld>
 </file>
 
-<file path=ppt/slides/slide26.xml><?xml version="1.0" encoding="utf-8"?>
+<file path=ppt/slides/slide29.xml><?xml version="1.0" encoding="utf-8"?>
 <p:sld xmlns:a="http://schemas.openxmlformats.org/drawingml/2006/main" xmlns:r="http://schemas.openxmlformats.org/officeDocument/2006/relationships" xmlns:p="http://schemas.openxmlformats.org/presentationml/2006/main">
   <p:cSld>
     <p:spTree>
@@ -11112,7 +13311,7 @@
           <a:p>
             <a:r>
               <a:rPr lang="en-MY" dirty="0"/>
-              <a:t>Merge conflicts, pull requests, forking</a:t>
+              <a:t>Merge conflicts</a:t>
             </a:r>
           </a:p>
         </p:txBody>
@@ -11201,7 +13400,177 @@
 </p:sld>
 </file>
 
-<file path=ppt/slides/slide27.xml><?xml version="1.0" encoding="utf-8"?>
+<file path=ppt/slides/slide3.xml><?xml version="1.0" encoding="utf-8"?>
+<p:sld xmlns:a="http://schemas.openxmlformats.org/drawingml/2006/main" xmlns:r="http://schemas.openxmlformats.org/officeDocument/2006/relationships" xmlns:p="http://schemas.openxmlformats.org/presentationml/2006/main">
+  <p:cSld>
+    <p:spTree>
+      <p:nvGrpSpPr>
+        <p:cNvPr id="1" name=""/>
+        <p:cNvGrpSpPr/>
+        <p:nvPr/>
+      </p:nvGrpSpPr>
+      <p:grpSpPr>
+        <a:xfrm>
+          <a:off x="0" y="0"/>
+          <a:ext cx="0" cy="0"/>
+          <a:chOff x="0" y="0"/>
+          <a:chExt cx="0" cy="0"/>
+        </a:xfrm>
+      </p:grpSpPr>
+      <p:sp>
+        <p:nvSpPr>
+          <p:cNvPr id="2" name="Title 1"/>
+          <p:cNvSpPr>
+            <a:spLocks noGrp="1"/>
+          </p:cNvSpPr>
+          <p:nvPr>
+            <p:ph type="title"/>
+          </p:nvPr>
+        </p:nvSpPr>
+        <p:spPr>
+          <a:xfrm>
+            <a:off x="838200" y="110002"/>
+            <a:ext cx="8334376" cy="1325563"/>
+          </a:xfrm>
+        </p:spPr>
+        <p:txBody>
+          <a:bodyPr/>
+          <a:lstStyle/>
+          <a:p>
+            <a:r>
+              <a:rPr lang="en-US" dirty="0" err="1"/>
+              <a:t>Learnin</a:t>
+            </a:r>
+            <a:r>
+              <a:rPr lang="en-US" dirty="0"/>
+              <a:t> today:</a:t>
+            </a:r>
+          </a:p>
+        </p:txBody>
+      </p:sp>
+      <p:sp>
+        <p:nvSpPr>
+          <p:cNvPr id="14" name="Content Placeholder 13">
+            <a:extLst>
+              <a:ext uri="{FF2B5EF4-FFF2-40B4-BE49-F238E27FC236}">
+                <a16:creationId xmlns:a16="http://schemas.microsoft.com/office/drawing/2014/main" id="{89DD93C4-882C-4D9C-A2C6-BB1AFBA96F37}"/>
+              </a:ext>
+            </a:extLst>
+          </p:cNvPr>
+          <p:cNvSpPr>
+            <a:spLocks noGrp="1"/>
+          </p:cNvSpPr>
+          <p:nvPr>
+            <p:ph idx="1"/>
+          </p:nvPr>
+        </p:nvSpPr>
+        <p:spPr>
+          <a:xfrm>
+            <a:off x="838200" y="1435565"/>
+            <a:ext cx="10515600" cy="5054012"/>
+          </a:xfrm>
+        </p:spPr>
+        <p:txBody>
+          <a:bodyPr numCol="1">
+            <a:noAutofit/>
+          </a:bodyPr>
+          <a:lstStyle/>
+          <a:p>
+            <a:pPr marL="342900" indent="-342900">
+              <a:lnSpc>
+                <a:spcPct val="150000"/>
+              </a:lnSpc>
+              <a:buAutoNum type="arabicParenR"/>
+            </a:pPr>
+            <a:r>
+              <a:rPr lang="en-MY" sz="2400" dirty="0"/>
+              <a:t>What is Git?</a:t>
+            </a:r>
+          </a:p>
+          <a:p>
+            <a:pPr marL="342900" indent="-342900">
+              <a:lnSpc>
+                <a:spcPct val="150000"/>
+              </a:lnSpc>
+              <a:buAutoNum type="arabicParenR"/>
+            </a:pPr>
+            <a:r>
+              <a:rPr lang="en-MY" sz="2400" dirty="0"/>
+              <a:t>Installing and configuring Git</a:t>
+            </a:r>
+          </a:p>
+          <a:p>
+            <a:pPr marL="342900" indent="-342900">
+              <a:lnSpc>
+                <a:spcPct val="150000"/>
+              </a:lnSpc>
+              <a:buAutoNum type="arabicParenR"/>
+            </a:pPr>
+            <a:r>
+              <a:rPr lang="en-MY" sz="2400" dirty="0"/>
+              <a:t>Fundamentals of Git</a:t>
+            </a:r>
+          </a:p>
+          <a:p>
+            <a:pPr marL="342900" indent="-342900">
+              <a:lnSpc>
+                <a:spcPct val="150000"/>
+              </a:lnSpc>
+              <a:buAutoNum type="arabicParenR"/>
+            </a:pPr>
+            <a:r>
+              <a:rPr lang="en-MY" sz="2400" dirty="0"/>
+              <a:t>Using </a:t>
+            </a:r>
+            <a:r>
+              <a:rPr lang="en-MY" sz="2400" dirty="0" err="1"/>
+              <a:t>VSCode</a:t>
+            </a:r>
+            <a:r>
+              <a:rPr lang="en-MY" sz="2400" dirty="0"/>
+              <a:t> with Git</a:t>
+            </a:r>
+          </a:p>
+          <a:p>
+            <a:pPr marL="342900" indent="-342900">
+              <a:lnSpc>
+                <a:spcPct val="150000"/>
+              </a:lnSpc>
+              <a:buAutoNum type="arabicParenR"/>
+            </a:pPr>
+            <a:r>
+              <a:rPr lang="en-MY" sz="2400" dirty="0"/>
+              <a:t>Fundamentals of GitHub</a:t>
+            </a:r>
+          </a:p>
+          <a:p>
+            <a:pPr marL="342900" indent="-342900">
+              <a:lnSpc>
+                <a:spcPct val="150000"/>
+              </a:lnSpc>
+              <a:buAutoNum type="arabicParenR"/>
+            </a:pPr>
+            <a:r>
+              <a:rPr lang="en-MY" sz="2400" dirty="0"/>
+              <a:t>A little on branching and collaborating</a:t>
+            </a:r>
+          </a:p>
+        </p:txBody>
+      </p:sp>
+    </p:spTree>
+    <p:extLst>
+      <p:ext uri="{BB962C8B-B14F-4D97-AF65-F5344CB8AC3E}">
+        <p14:creationId xmlns:p14="http://schemas.microsoft.com/office/powerpoint/2010/main" val="1911262099"/>
+      </p:ext>
+    </p:extLst>
+  </p:cSld>
+  <p:clrMapOvr>
+    <a:masterClrMapping/>
+  </p:clrMapOvr>
+</p:sld>
+</file>
+
+<file path=ppt/slides/slide30.xml><?xml version="1.0" encoding="utf-8"?>
 <p:sld xmlns:a="http://schemas.openxmlformats.org/drawingml/2006/main" xmlns:r="http://schemas.openxmlformats.org/officeDocument/2006/relationships" xmlns:p="http://schemas.openxmlformats.org/presentationml/2006/main">
   <p:cSld>
     <p:bg>
@@ -11333,7 +13702,7 @@
 </p:sld>
 </file>
 
-<file path=ppt/slides/slide28.xml><?xml version="1.0" encoding="utf-8"?>
+<file path=ppt/slides/slide31.xml><?xml version="1.0" encoding="utf-8"?>
 <p:sld xmlns:a="http://schemas.openxmlformats.org/drawingml/2006/main" xmlns:r="http://schemas.openxmlformats.org/officeDocument/2006/relationships" xmlns:p="http://schemas.openxmlformats.org/presentationml/2006/main">
   <p:cSld>
     <p:spTree>
@@ -11777,30 +14146,11 @@
               </a:rPr>
               <a:t>GitKraken</a:t>
             </a:r>
-            <a:r>
-              <a:rPr lang="en-US" sz="2400" dirty="0">
-                <a:solidFill>
-                  <a:schemeClr val="accent5"/>
-                </a:solidFill>
-              </a:rPr>
-              <a:t> and </a:t>
-            </a:r>
-            <a:r>
-              <a:rPr lang="en-US" sz="2400" dirty="0" err="1">
-                <a:solidFill>
-                  <a:schemeClr val="accent5"/>
-                </a:solidFill>
-              </a:rPr>
-              <a:t>VSCode</a:t>
-            </a:r>
-            <a:r>
-              <a:rPr lang="en-US" sz="2400" dirty="0">
-                <a:solidFill>
-                  <a:schemeClr val="accent5"/>
-                </a:solidFill>
-              </a:rPr>
-              <a:t> git extension</a:t>
-            </a:r>
+            <a:endParaRPr lang="en-US" sz="2400" dirty="0">
+              <a:solidFill>
+                <a:schemeClr val="accent5"/>
+              </a:solidFill>
+            </a:endParaRPr>
           </a:p>
         </p:txBody>
       </p:sp>
@@ -11817,7 +14167,7 @@
 </p:sld>
 </file>
 
-<file path=ppt/slides/slide29.xml><?xml version="1.0" encoding="utf-8"?>
+<file path=ppt/slides/slide32.xml><?xml version="1.0" encoding="utf-8"?>
 <p:sld xmlns:a="http://schemas.openxmlformats.org/drawingml/2006/main" xmlns:r="http://schemas.openxmlformats.org/officeDocument/2006/relationships" xmlns:p="http://schemas.openxmlformats.org/presentationml/2006/main">
   <p:cSld>
     <p:spTree>
@@ -11857,7 +14207,7 @@
           <a:p>
             <a:r>
               <a:rPr lang="en-US" dirty="0"/>
-              <a:t>Technical Issues</a:t>
+              <a:t>Challenge for you!</a:t>
             </a:r>
           </a:p>
         </p:txBody>
@@ -11883,28 +14233,23 @@
           <a:bodyPr/>
           <a:lstStyle/>
           <a:p>
-            <a:r>
-              <a:rPr lang="en-US" dirty="0">
-                <a:solidFill>
-                  <a:schemeClr val="accent5"/>
-                </a:solidFill>
-                <a:hlinkClick r:id="rId2">
-                  <a:extLst>
-                    <a:ext uri="{A12FA001-AC4F-418D-AE19-62706E023703}">
-                      <ahyp:hlinkClr xmlns:ahyp="http://schemas.microsoft.com/office/drawing/2018/hyperlinkcolor" val="tx"/>
-                    </a:ext>
-                  </a:extLst>
-                </a:hlinkClick>
-              </a:rPr>
-              <a:t>Configuring editor for Git</a:t>
-            </a:r>
             <a:r>
               <a:rPr lang="en-US" dirty="0">
                 <a:solidFill>
                   <a:schemeClr val="accent5"/>
                 </a:solidFill>
               </a:rPr>
-              <a:t> (if you don’t use </a:t>
+              <a:t>Clone our repo!</a:t>
+            </a:r>
+          </a:p>
+          <a:p>
+            <a:r>
+              <a:rPr lang="en-US" dirty="0">
+                <a:solidFill>
+                  <a:schemeClr val="accent5"/>
+                </a:solidFill>
+              </a:rPr>
+              <a:t>Start a new repo on your own and share on </a:t>
             </a:r>
             <a:r>
               <a:rPr lang="en-US" dirty="0" err="1">
@@ -11912,7 +14257,7 @@
                   <a:schemeClr val="accent5"/>
                 </a:solidFill>
               </a:rPr>
-              <a:t>VSCode</a:t>
+              <a:t>insta</a:t>
             </a:r>
             <a:r>
               <a:rPr lang="en-US" dirty="0">
@@ -11920,15 +14265,54 @@
                   <a:schemeClr val="accent5"/>
                 </a:solidFill>
               </a:rPr>
-              <a:t>)</a:t>
-            </a:r>
+              <a:t>!! And tag me or </a:t>
+            </a:r>
+            <a:r>
+              <a:rPr lang="en-US" dirty="0" err="1">
+                <a:solidFill>
+                  <a:schemeClr val="accent5"/>
+                </a:solidFill>
+              </a:rPr>
+              <a:t>Keng</a:t>
+            </a:r>
+            <a:r>
+              <a:rPr lang="en-US" dirty="0">
+                <a:solidFill>
+                  <a:schemeClr val="accent5"/>
+                </a:solidFill>
+              </a:rPr>
+              <a:t> Son :)</a:t>
+            </a:r>
+          </a:p>
+          <a:p>
+            <a:r>
+              <a:rPr lang="en-US" dirty="0">
+                <a:solidFill>
+                  <a:schemeClr val="accent5"/>
+                </a:solidFill>
+              </a:rPr>
+              <a:t>We will be proud </a:t>
+            </a:r>
+            <a:r>
+              <a:rPr lang="en-US">
+                <a:solidFill>
+                  <a:schemeClr val="accent5"/>
+                </a:solidFill>
+              </a:rPr>
+              <a:t>of you</a:t>
+            </a:r>
+            <a:endParaRPr lang="en-US" dirty="0">
+              <a:solidFill>
+                <a:schemeClr val="accent5"/>
+              </a:solidFill>
+            </a:endParaRPr>
           </a:p>
         </p:txBody>
       </p:sp>
     </p:spTree>
     <p:extLst>
       <p:ext uri="{BB962C8B-B14F-4D97-AF65-F5344CB8AC3E}">
-        <p14:creationId xmlns:p14="http://schemas.microsoft.com/office/powerpoint/2010/main" val="2073495077"/>
+        <p14:creationId xmlns:p14="http://schemas.microsoft.com/office/powerpoint/2010/main" val="3063934382"/>
       </p:ext>
     </p:extLst>
   </p:cSld>
@@ -11938,7 +14322,7 @@
 </p:sld>
 </file>
 
-<file path=ppt/slides/slide3.xml><?xml version="1.0" encoding="utf-8"?>
+<file path=ppt/slides/slide33.xml><?xml version="1.0" encoding="utf-8"?>
 <p:sld xmlns:a="http://schemas.openxmlformats.org/drawingml/2006/main" xmlns:r="http://schemas.openxmlformats.org/officeDocument/2006/relationships" xmlns:p="http://schemas.openxmlformats.org/presentationml/2006/main">
   <p:cSld>
     <p:spTree>
@@ -11957,10 +14341,10 @@
       </p:grpSpPr>
       <p:sp>
         <p:nvSpPr>
-          <p:cNvPr id="3" name="Content Placeholder 2">
-            <a:extLst>
-              <a:ext uri="{FF2B5EF4-FFF2-40B4-BE49-F238E27FC236}">
-                <a16:creationId xmlns:a16="http://schemas.microsoft.com/office/drawing/2014/main" id="{6CD1FD88-1DF5-4CB5-97CD-1BF062D3DAAF}"/>
+          <p:cNvPr id="2" name="Title 1">
+            <a:extLst>
+              <a:ext uri="{FF2B5EF4-FFF2-40B4-BE49-F238E27FC236}">
+                <a16:creationId xmlns:a16="http://schemas.microsoft.com/office/drawing/2014/main" id="{3D528A8F-BE90-403A-92DC-C6654ECBAE5F}"/>
               </a:ext>
             </a:extLst>
           </p:cNvPr>
@@ -11968,595 +14352,80 @@
             <a:spLocks noGrp="1"/>
           </p:cNvSpPr>
           <p:nvPr>
-            <p:ph idx="1"/>
-          </p:nvPr>
-        </p:nvSpPr>
-        <p:spPr>
-          <a:xfrm>
-            <a:off x="754310" y="491775"/>
-            <a:ext cx="10515600" cy="4351338"/>
-          </a:xfrm>
-        </p:spPr>
+            <p:ph type="title"/>
+          </p:nvPr>
+        </p:nvSpPr>
+        <p:spPr/>
         <p:txBody>
           <a:bodyPr/>
           <a:lstStyle/>
           <a:p>
-            <a:pPr marL="0" indent="0" algn="ctr">
-              <a:buNone/>
-            </a:pPr>
-            <a:r>
-              <a:rPr lang="en-US" sz="3600" dirty="0">
-                <a:latin typeface="+mj-lt"/>
+            <a:r>
+              <a:rPr lang="en-US" dirty="0"/>
+              <a:t>Technical Issues</a:t>
+            </a:r>
+          </a:p>
+        </p:txBody>
+      </p:sp>
+      <p:sp>
+        <p:nvSpPr>
+          <p:cNvPr id="3" name="Content Placeholder 2">
+            <a:extLst>
+              <a:ext uri="{FF2B5EF4-FFF2-40B4-BE49-F238E27FC236}">
+                <a16:creationId xmlns:a16="http://schemas.microsoft.com/office/drawing/2014/main" id="{EF0BB469-A5E0-4D3D-959E-9809A9A8BAF2}"/>
+              </a:ext>
+            </a:extLst>
+          </p:cNvPr>
+          <p:cNvSpPr>
+            <a:spLocks noGrp="1"/>
+          </p:cNvSpPr>
+          <p:nvPr>
+            <p:ph idx="1"/>
+          </p:nvPr>
+        </p:nvSpPr>
+        <p:spPr/>
+        <p:txBody>
+          <a:bodyPr/>
+          <a:lstStyle/>
+          <a:p>
+            <a:r>
+              <a:rPr lang="en-US" dirty="0">
+                <a:solidFill>
+                  <a:schemeClr val="accent5"/>
+                </a:solidFill>
+                <a:hlinkClick r:id="rId2">
+                  <a:extLst>
+                    <a:ext uri="{A12FA001-AC4F-418D-AE19-62706E023703}">
+                      <ahyp:hlinkClr xmlns:ahyp="http://schemas.microsoft.com/office/drawing/2018/hyperlinkcolor" val="tx"/>
+                    </a:ext>
+                  </a:extLst>
+                </a:hlinkClick>
               </a:rPr>
-              <a:t>A system that:</a:t>
-            </a:r>
-          </a:p>
-          <a:p>
-            <a:pPr marL="0" indent="0">
-              <a:buNone/>
-            </a:pPr>
-            <a:endParaRPr lang="en-US" dirty="0">
-              <a:latin typeface="+mj-lt"/>
-            </a:endParaRPr>
-          </a:p>
-        </p:txBody>
-      </p:sp>
-      <p:sp>
-        <p:nvSpPr>
-          <p:cNvPr id="4" name="Rectangle: Rounded Corners 3">
-            <a:extLst>
-              <a:ext uri="{FF2B5EF4-FFF2-40B4-BE49-F238E27FC236}">
-                <a16:creationId xmlns:a16="http://schemas.microsoft.com/office/drawing/2014/main" id="{271A5690-00A1-4EBD-BA23-2FFBBEBB9A86}"/>
-              </a:ext>
-            </a:extLst>
-          </p:cNvPr>
-          <p:cNvSpPr/>
-          <p:nvPr/>
-        </p:nvSpPr>
-        <p:spPr>
-          <a:xfrm>
-            <a:off x="1165370" y="1627464"/>
-            <a:ext cx="1888261" cy="1563018"/>
-          </a:xfrm>
-          <a:prstGeom prst="roundRect">
-            <a:avLst/>
-          </a:prstGeom>
-          <a:solidFill>
-            <a:schemeClr val="bg2"/>
-          </a:solidFill>
-          <a:ln>
-            <a:noFill/>
-          </a:ln>
-        </p:spPr>
-        <p:style>
-          <a:lnRef idx="2">
-            <a:schemeClr val="accent1">
-              <a:shade val="50000"/>
-            </a:schemeClr>
-          </a:lnRef>
-          <a:fillRef idx="1">
-            <a:schemeClr val="accent1"/>
-          </a:fillRef>
-          <a:effectRef idx="0">
-            <a:schemeClr val="accent1"/>
-          </a:effectRef>
-          <a:fontRef idx="minor">
-            <a:schemeClr val="lt1"/>
-          </a:fontRef>
-        </p:style>
-        <p:txBody>
-          <a:bodyPr rtlCol="0" anchor="ctr"/>
-          <a:lstStyle/>
-          <a:p>
-            <a:pPr algn="ctr"/>
-            <a:r>
-              <a:rPr lang="en-MY" dirty="0">
+              <a:t>Configuring editor for Git</a:t>
+            </a:r>
+            <a:r>
+              <a:rPr lang="en-US" dirty="0">
                 <a:solidFill>
-                  <a:schemeClr val="tx1"/>
+                  <a:schemeClr val="accent5"/>
                 </a:solidFill>
               </a:rPr>
-              <a:t>Records changes made</a:t>
-            </a:r>
-          </a:p>
-        </p:txBody>
-      </p:sp>
-      <p:sp>
-        <p:nvSpPr>
-          <p:cNvPr id="7" name="Rectangle: Rounded Corners 6">
-            <a:extLst>
-              <a:ext uri="{FF2B5EF4-FFF2-40B4-BE49-F238E27FC236}">
-                <a16:creationId xmlns:a16="http://schemas.microsoft.com/office/drawing/2014/main" id="{00AEEC39-7F46-4F51-B127-BBA8315603FF}"/>
-              </a:ext>
-            </a:extLst>
-          </p:cNvPr>
-          <p:cNvSpPr/>
-          <p:nvPr/>
-        </p:nvSpPr>
-        <p:spPr>
-          <a:xfrm>
-            <a:off x="3817689" y="1627464"/>
-            <a:ext cx="1888261" cy="1563018"/>
-          </a:xfrm>
-          <a:prstGeom prst="roundRect">
-            <a:avLst/>
-          </a:prstGeom>
-          <a:solidFill>
-            <a:schemeClr val="bg2"/>
-          </a:solidFill>
-          <a:ln>
-            <a:noFill/>
-          </a:ln>
-        </p:spPr>
-        <p:style>
-          <a:lnRef idx="2">
-            <a:schemeClr val="accent6">
-              <a:shade val="50000"/>
-            </a:schemeClr>
-          </a:lnRef>
-          <a:fillRef idx="1">
-            <a:schemeClr val="accent6"/>
-          </a:fillRef>
-          <a:effectRef idx="0">
-            <a:schemeClr val="accent6"/>
-          </a:effectRef>
-          <a:fontRef idx="minor">
-            <a:schemeClr val="lt1"/>
-          </a:fontRef>
-        </p:style>
-        <p:txBody>
-          <a:bodyPr rtlCol="0" anchor="ctr"/>
-          <a:lstStyle/>
-          <a:p>
-            <a:pPr algn="ctr"/>
-            <a:r>
-              <a:rPr lang="en-MY" dirty="0">
+              <a:t> (if you don’t use </a:t>
+            </a:r>
+            <a:r>
+              <a:rPr lang="en-US" dirty="0" err="1">
                 <a:solidFill>
-                  <a:schemeClr val="tx1"/>
+                  <a:schemeClr val="accent5"/>
                 </a:solidFill>
               </a:rPr>
-              <a:t>Can recover previous versions</a:t>
-            </a:r>
-          </a:p>
-        </p:txBody>
-      </p:sp>
-      <p:sp>
-        <p:nvSpPr>
-          <p:cNvPr id="8" name="Rectangle: Rounded Corners 7">
-            <a:extLst>
-              <a:ext uri="{FF2B5EF4-FFF2-40B4-BE49-F238E27FC236}">
-                <a16:creationId xmlns:a16="http://schemas.microsoft.com/office/drawing/2014/main" id="{80E687EE-9A7E-4C1F-949E-E87410C1267F}"/>
-              </a:ext>
-            </a:extLst>
-          </p:cNvPr>
-          <p:cNvSpPr/>
-          <p:nvPr/>
-        </p:nvSpPr>
-        <p:spPr>
-          <a:xfrm>
-            <a:off x="6470008" y="1627464"/>
-            <a:ext cx="1888261" cy="1563018"/>
-          </a:xfrm>
-          <a:prstGeom prst="roundRect">
-            <a:avLst/>
-          </a:prstGeom>
-          <a:solidFill>
-            <a:schemeClr val="accent6"/>
-          </a:solidFill>
-          <a:ln>
-            <a:noFill/>
-          </a:ln>
-        </p:spPr>
-        <p:style>
-          <a:lnRef idx="1">
-            <a:schemeClr val="accent4"/>
-          </a:lnRef>
-          <a:fillRef idx="3">
-            <a:schemeClr val="accent4"/>
-          </a:fillRef>
-          <a:effectRef idx="2">
-            <a:schemeClr val="accent4"/>
-          </a:effectRef>
-          <a:fontRef idx="minor">
-            <a:schemeClr val="lt1"/>
-          </a:fontRef>
-        </p:style>
-        <p:txBody>
-          <a:bodyPr rtlCol="0" anchor="ctr"/>
-          <a:lstStyle/>
-          <a:p>
-            <a:pPr algn="ctr"/>
-            <a:r>
-              <a:rPr lang="en-MY" dirty="0">
+              <a:t>VSCode</a:t>
+            </a:r>
+            <a:r>
+              <a:rPr lang="en-US" dirty="0">
                 <a:solidFill>
-                  <a:schemeClr val="bg2"/>
+                  <a:schemeClr val="accent5"/>
                 </a:solidFill>
               </a:rPr>
-              <a:t>Allows us to work independently in a team</a:t>
-            </a:r>
-          </a:p>
-        </p:txBody>
-      </p:sp>
-      <p:sp>
-        <p:nvSpPr>
-          <p:cNvPr id="9" name="Rectangle: Rounded Corners 8">
-            <a:extLst>
-              <a:ext uri="{FF2B5EF4-FFF2-40B4-BE49-F238E27FC236}">
-                <a16:creationId xmlns:a16="http://schemas.microsoft.com/office/drawing/2014/main" id="{61A158EC-5DDB-4778-BA26-5238F108FB5C}"/>
-              </a:ext>
-            </a:extLst>
-          </p:cNvPr>
-          <p:cNvSpPr/>
-          <p:nvPr/>
-        </p:nvSpPr>
-        <p:spPr>
-          <a:xfrm>
-            <a:off x="9122327" y="1627464"/>
-            <a:ext cx="1888261" cy="1563018"/>
-          </a:xfrm>
-          <a:prstGeom prst="roundRect">
-            <a:avLst/>
-          </a:prstGeom>
-          <a:solidFill>
-            <a:schemeClr val="accent6"/>
-          </a:solidFill>
-          <a:ln>
-            <a:noFill/>
-          </a:ln>
-        </p:spPr>
-        <p:style>
-          <a:lnRef idx="1">
-            <a:schemeClr val="accent1"/>
-          </a:lnRef>
-          <a:fillRef idx="3">
-            <a:schemeClr val="accent1"/>
-          </a:fillRef>
-          <a:effectRef idx="2">
-            <a:schemeClr val="accent1"/>
-          </a:effectRef>
-          <a:fontRef idx="minor">
-            <a:schemeClr val="lt1"/>
-          </a:fontRef>
-        </p:style>
-        <p:txBody>
-          <a:bodyPr rtlCol="0" anchor="ctr"/>
-          <a:lstStyle/>
-          <a:p>
-            <a:pPr algn="ctr"/>
-            <a:r>
-              <a:rPr lang="en-MY" dirty="0">
-                <a:solidFill>
-                  <a:schemeClr val="bg2"/>
-                </a:solidFill>
-              </a:rPr>
-              <a:t>Stores files in one place</a:t>
-            </a:r>
-          </a:p>
-        </p:txBody>
-      </p:sp>
-      <p:sp>
-        <p:nvSpPr>
-          <p:cNvPr id="11" name="Title 1">
-            <a:extLst>
-              <a:ext uri="{FF2B5EF4-FFF2-40B4-BE49-F238E27FC236}">
-                <a16:creationId xmlns:a16="http://schemas.microsoft.com/office/drawing/2014/main" id="{BDDB32F0-D524-4A32-8A3E-88EC14C9D5FC}"/>
-              </a:ext>
-            </a:extLst>
-          </p:cNvPr>
-          <p:cNvSpPr txBox="1">
-            <a:spLocks/>
-          </p:cNvSpPr>
-          <p:nvPr/>
-        </p:nvSpPr>
-        <p:spPr>
-          <a:xfrm>
-            <a:off x="4455515" y="3875735"/>
-            <a:ext cx="3280969" cy="711142"/>
-          </a:xfrm>
-          <a:prstGeom prst="rect">
-            <a:avLst/>
-          </a:prstGeom>
-        </p:spPr>
-        <p:txBody>
-          <a:bodyPr vert="horz" lIns="91440" tIns="45720" rIns="91440" bIns="45720" rtlCol="0" anchor="ctr">
-            <a:noAutofit/>
-          </a:bodyPr>
-          <a:lstStyle>
-            <a:lvl1pPr algn="l" defTabSz="914400" rtl="0" eaLnBrk="1" latinLnBrk="0" hangingPunct="1">
-              <a:lnSpc>
-                <a:spcPct val="90000"/>
-              </a:lnSpc>
-              <a:spcBef>
-                <a:spcPct val="0"/>
-              </a:spcBef>
-              <a:buNone/>
-              <a:defRPr sz="4400" kern="1200">
-                <a:solidFill>
-                  <a:schemeClr val="bg1"/>
-                </a:solidFill>
-                <a:latin typeface="+mj-lt"/>
-                <a:ea typeface="+mj-ea"/>
-                <a:cs typeface="+mj-cs"/>
-              </a:defRPr>
-            </a:lvl1pPr>
-          </a:lstStyle>
-          <a:p>
-            <a:pPr algn="ctr"/>
-            <a:r>
-              <a:rPr lang="en-US" sz="3600" dirty="0"/>
-              <a:t>Introducing</a:t>
-            </a:r>
-          </a:p>
-        </p:txBody>
-      </p:sp>
-      <p:pic>
-        <p:nvPicPr>
-          <p:cNvPr id="4100" name="Picture 4" descr="Git and Github: A Beginner's Guide">
-            <a:extLst>
-              <a:ext uri="{FF2B5EF4-FFF2-40B4-BE49-F238E27FC236}">
-                <a16:creationId xmlns:a16="http://schemas.microsoft.com/office/drawing/2014/main" id="{3A337843-39E4-4121-93B3-8A13AB6A5E48}"/>
-              </a:ext>
-            </a:extLst>
-          </p:cNvPr>
-          <p:cNvPicPr>
-            <a:picLocks noChangeAspect="1" noChangeArrowheads="1"/>
-          </p:cNvPicPr>
-          <p:nvPr/>
-        </p:nvPicPr>
-        <p:blipFill rotWithShape="1">
-          <a:blip r:embed="rId2">
-            <a:extLst>
-              <a:ext uri="{28A0092B-C50C-407E-A947-70E740481C1C}">
-                <a14:useLocalDpi xmlns:a14="http://schemas.microsoft.com/office/drawing/2010/main" val="0"/>
-              </a:ext>
-            </a:extLst>
-          </a:blip>
-          <a:srcRect l="7873" t="14309" r="8197" b="21632"/>
-          <a:stretch/>
-        </p:blipFill>
-        <p:spPr bwMode="auto">
-          <a:xfrm>
-            <a:off x="477841" y="4975180"/>
-            <a:ext cx="3263317" cy="1388496"/>
-          </a:xfrm>
-          <a:prstGeom prst="rect">
-            <a:avLst/>
-          </a:prstGeom>
-          <a:noFill/>
-          <a:extLst>
-            <a:ext uri="{909E8E84-426E-40DD-AFC4-6F175D3DCCD1}">
-              <a14:hiddenFill xmlns:a14="http://schemas.microsoft.com/office/drawing/2010/main">
-                <a:solidFill>
-                  <a:srgbClr val="FFFFFF"/>
-                </a:solidFill>
-              </a14:hiddenFill>
-            </a:ext>
-          </a:extLst>
-        </p:spPr>
-      </p:pic>
-      <p:sp>
-        <p:nvSpPr>
-          <p:cNvPr id="13" name="Content Placeholder 2">
-            <a:extLst>
-              <a:ext uri="{FF2B5EF4-FFF2-40B4-BE49-F238E27FC236}">
-                <a16:creationId xmlns:a16="http://schemas.microsoft.com/office/drawing/2014/main" id="{9B0E902E-D838-4A61-A3B3-8901FC18962B}"/>
-              </a:ext>
-            </a:extLst>
-          </p:cNvPr>
-          <p:cNvSpPr txBox="1">
-            <a:spLocks/>
-          </p:cNvSpPr>
-          <p:nvPr/>
-        </p:nvSpPr>
-        <p:spPr>
-          <a:xfrm>
-            <a:off x="4035103" y="5041782"/>
-            <a:ext cx="7592037" cy="1388496"/>
-          </a:xfrm>
-          <a:prstGeom prst="rect">
-            <a:avLst/>
-          </a:prstGeom>
-        </p:spPr>
-        <p:txBody>
-          <a:bodyPr vert="horz" lIns="91440" tIns="45720" rIns="91440" bIns="45720" rtlCol="0">
-            <a:normAutofit fontScale="92500"/>
-          </a:bodyPr>
-          <a:lstStyle>
-            <a:lvl1pPr marL="228600" indent="-228600" algn="l" defTabSz="914400" rtl="0" eaLnBrk="1" latinLnBrk="0" hangingPunct="1">
-              <a:lnSpc>
-                <a:spcPct val="90000"/>
-              </a:lnSpc>
-              <a:spcBef>
-                <a:spcPts val="1000"/>
-              </a:spcBef>
-              <a:buClr>
-                <a:schemeClr val="accent4"/>
-              </a:buClr>
-              <a:buFont typeface="Wingdings" panose="05000000000000000000" pitchFamily="2" charset="2"/>
-              <a:buChar char="§"/>
-              <a:defRPr sz="2800" kern="1200">
-                <a:solidFill>
-                  <a:schemeClr val="bg1"/>
-                </a:solidFill>
-                <a:latin typeface="+mn-lt"/>
-                <a:ea typeface="+mn-ea"/>
-                <a:cs typeface="+mn-cs"/>
-              </a:defRPr>
-            </a:lvl1pPr>
-            <a:lvl2pPr marL="685800" indent="-228600" algn="l" defTabSz="914400" rtl="0" eaLnBrk="1" latinLnBrk="0" hangingPunct="1">
-              <a:lnSpc>
-                <a:spcPct val="90000"/>
-              </a:lnSpc>
-              <a:spcBef>
-                <a:spcPts val="500"/>
-              </a:spcBef>
-              <a:buClr>
-                <a:schemeClr val="accent4"/>
-              </a:buClr>
-              <a:buFont typeface="Wingdings" panose="05000000000000000000" pitchFamily="2" charset="2"/>
-              <a:buChar char="§"/>
-              <a:defRPr sz="2400" kern="1200">
-                <a:solidFill>
-                  <a:schemeClr val="bg1"/>
-                </a:solidFill>
-                <a:latin typeface="+mn-lt"/>
-                <a:ea typeface="+mn-ea"/>
-                <a:cs typeface="+mn-cs"/>
-              </a:defRPr>
-            </a:lvl2pPr>
-            <a:lvl3pPr marL="1143000" indent="-228600" algn="l" defTabSz="914400" rtl="0" eaLnBrk="1" latinLnBrk="0" hangingPunct="1">
-              <a:lnSpc>
-                <a:spcPct val="90000"/>
-              </a:lnSpc>
-              <a:spcBef>
-                <a:spcPts val="500"/>
-              </a:spcBef>
-              <a:buClr>
-                <a:schemeClr val="accent4"/>
-              </a:buClr>
-              <a:buFont typeface="Wingdings" panose="05000000000000000000" pitchFamily="2" charset="2"/>
-              <a:buChar char="§"/>
-              <a:defRPr sz="2000" kern="1200">
-                <a:solidFill>
-                  <a:schemeClr val="bg1"/>
-                </a:solidFill>
-                <a:latin typeface="+mn-lt"/>
-                <a:ea typeface="+mn-ea"/>
-                <a:cs typeface="+mn-cs"/>
-              </a:defRPr>
-            </a:lvl3pPr>
-            <a:lvl4pPr marL="1600200" indent="-228600" algn="l" defTabSz="914400" rtl="0" eaLnBrk="1" latinLnBrk="0" hangingPunct="1">
-              <a:lnSpc>
-                <a:spcPct val="90000"/>
-              </a:lnSpc>
-              <a:spcBef>
-                <a:spcPts val="500"/>
-              </a:spcBef>
-              <a:buClr>
-                <a:schemeClr val="accent4"/>
-              </a:buClr>
-              <a:buFont typeface="Wingdings" panose="05000000000000000000" pitchFamily="2" charset="2"/>
-              <a:buChar char="§"/>
-              <a:defRPr sz="1800" kern="1200">
-                <a:solidFill>
-                  <a:schemeClr val="bg1"/>
-                </a:solidFill>
-                <a:latin typeface="+mn-lt"/>
-                <a:ea typeface="+mn-ea"/>
-                <a:cs typeface="+mn-cs"/>
-              </a:defRPr>
-            </a:lvl4pPr>
-            <a:lvl5pPr marL="2057400" indent="-228600" algn="l" defTabSz="914400" rtl="0" eaLnBrk="1" latinLnBrk="0" hangingPunct="1">
-              <a:lnSpc>
-                <a:spcPct val="90000"/>
-              </a:lnSpc>
-              <a:spcBef>
-                <a:spcPts val="500"/>
-              </a:spcBef>
-              <a:buClr>
-                <a:schemeClr val="accent4"/>
-              </a:buClr>
-              <a:buFont typeface="Wingdings" panose="05000000000000000000" pitchFamily="2" charset="2"/>
-              <a:buChar char="§"/>
-              <a:defRPr sz="1800" kern="1200">
-                <a:solidFill>
-                  <a:schemeClr val="bg1"/>
-                </a:solidFill>
-                <a:latin typeface="+mn-lt"/>
-                <a:ea typeface="+mn-ea"/>
-                <a:cs typeface="+mn-cs"/>
-              </a:defRPr>
-            </a:lvl5pPr>
-            <a:lvl6pPr marL="2514600" indent="-228600" algn="l" defTabSz="914400" rtl="0" eaLnBrk="1" latinLnBrk="0" hangingPunct="1">
-              <a:lnSpc>
-                <a:spcPct val="90000"/>
-              </a:lnSpc>
-              <a:spcBef>
-                <a:spcPts val="500"/>
-              </a:spcBef>
-              <a:buFont typeface="Arial" panose="020B0604020202020204" pitchFamily="34" charset="0"/>
-              <a:buChar char="•"/>
-              <a:defRPr sz="1800" kern="1200">
-                <a:solidFill>
-                  <a:schemeClr val="tx1"/>
-                </a:solidFill>
-                <a:latin typeface="+mn-lt"/>
-                <a:ea typeface="+mn-ea"/>
-                <a:cs typeface="+mn-cs"/>
-              </a:defRPr>
-            </a:lvl6pPr>
-            <a:lvl7pPr marL="2971800" indent="-228600" algn="l" defTabSz="914400" rtl="0" eaLnBrk="1" latinLnBrk="0" hangingPunct="1">
-              <a:lnSpc>
-                <a:spcPct val="90000"/>
-              </a:lnSpc>
-              <a:spcBef>
-                <a:spcPts val="500"/>
-              </a:spcBef>
-              <a:buFont typeface="Arial" panose="020B0604020202020204" pitchFamily="34" charset="0"/>
-              <a:buChar char="•"/>
-              <a:defRPr sz="1800" kern="1200">
-                <a:solidFill>
-                  <a:schemeClr val="tx1"/>
-                </a:solidFill>
-                <a:latin typeface="+mn-lt"/>
-                <a:ea typeface="+mn-ea"/>
-                <a:cs typeface="+mn-cs"/>
-              </a:defRPr>
-            </a:lvl7pPr>
-            <a:lvl8pPr marL="3429000" indent="-228600" algn="l" defTabSz="914400" rtl="0" eaLnBrk="1" latinLnBrk="0" hangingPunct="1">
-              <a:lnSpc>
-                <a:spcPct val="90000"/>
-              </a:lnSpc>
-              <a:spcBef>
-                <a:spcPts val="500"/>
-              </a:spcBef>
-              <a:buFont typeface="Arial" panose="020B0604020202020204" pitchFamily="34" charset="0"/>
-              <a:buChar char="•"/>
-              <a:defRPr sz="1800" kern="1200">
-                <a:solidFill>
-                  <a:schemeClr val="tx1"/>
-                </a:solidFill>
-                <a:latin typeface="+mn-lt"/>
-                <a:ea typeface="+mn-ea"/>
-                <a:cs typeface="+mn-cs"/>
-              </a:defRPr>
-            </a:lvl8pPr>
-            <a:lvl9pPr marL="3886200" indent="-228600" algn="l" defTabSz="914400" rtl="0" eaLnBrk="1" latinLnBrk="0" hangingPunct="1">
-              <a:lnSpc>
-                <a:spcPct val="90000"/>
-              </a:lnSpc>
-              <a:spcBef>
-                <a:spcPts val="500"/>
-              </a:spcBef>
-              <a:buFont typeface="Arial" panose="020B0604020202020204" pitchFamily="34" charset="0"/>
-              <a:buChar char="•"/>
-              <a:defRPr sz="1800" kern="1200">
-                <a:solidFill>
-                  <a:schemeClr val="tx1"/>
-                </a:solidFill>
-                <a:latin typeface="+mn-lt"/>
-                <a:ea typeface="+mn-ea"/>
-                <a:cs typeface="+mn-cs"/>
-              </a:defRPr>
-            </a:lvl9pPr>
-          </a:lstStyle>
-          <a:p>
-            <a:r>
-              <a:rPr lang="en-US" sz="2400" dirty="0"/>
-              <a:t>Git: A </a:t>
-            </a:r>
-            <a:r>
-              <a:rPr lang="en-US" sz="2400" b="1" dirty="0"/>
-              <a:t>distributed </a:t>
-            </a:r>
-            <a:r>
-              <a:rPr lang="en-US" sz="2400" dirty="0"/>
-              <a:t>VCS that takes ‘snapshots’ of your project.</a:t>
-            </a:r>
-          </a:p>
-          <a:p>
-            <a:r>
-              <a:rPr lang="en-US" sz="2400" dirty="0"/>
-              <a:t>GitHub: A platform to host &amp; collab on repositories (project).</a:t>
+              <a:t>)</a:t>
             </a:r>
           </a:p>
         </p:txBody>
@@ -12564,7 +14433,7 @@
     </p:spTree>
     <p:extLst>
       <p:ext uri="{BB962C8B-B14F-4D97-AF65-F5344CB8AC3E}">
-        <p14:creationId xmlns:p14="http://schemas.microsoft.com/office/powerpoint/2010/main" val="1852513965"/>
+        <p14:creationId xmlns:p14="http://schemas.microsoft.com/office/powerpoint/2010/main" val="2073495077"/>
       </p:ext>
     </p:extLst>
   </p:cSld>
@@ -12574,7 +14443,7 @@
 </p:sld>
 </file>
 
-<file path=ppt/slides/slide30.xml><?xml version="1.0" encoding="utf-8"?>
+<file path=ppt/slides/slide34.xml><?xml version="1.0" encoding="utf-8"?>
 <p:sld xmlns:a="http://schemas.openxmlformats.org/drawingml/2006/main" xmlns:r="http://schemas.openxmlformats.org/officeDocument/2006/relationships" xmlns:p="http://schemas.openxmlformats.org/presentationml/2006/main">
   <p:cSld>
     <p:spTree>
@@ -13419,7 +15288,7 @@
 </p:sld>
 </file>
 
-<file path=ppt/slides/slide31.xml><?xml version="1.0" encoding="utf-8"?>
+<file path=ppt/slides/slide35.xml><?xml version="1.0" encoding="utf-8"?>
 <p:sld xmlns:a="http://schemas.openxmlformats.org/drawingml/2006/main" xmlns:r="http://schemas.openxmlformats.org/officeDocument/2006/relationships" xmlns:p="http://schemas.openxmlformats.org/presentationml/2006/main">
   <p:cSld>
     <p:spTree>
@@ -13542,7 +15411,7 @@
 </p:sld>
 </file>
 
-<file path=ppt/slides/slide32.xml><?xml version="1.0" encoding="utf-8"?>
+<file path=ppt/slides/slide36.xml><?xml version="1.0" encoding="utf-8"?>
 <p:sld xmlns:a="http://schemas.openxmlformats.org/drawingml/2006/main" xmlns:r="http://schemas.openxmlformats.org/officeDocument/2006/relationships" xmlns:p="http://schemas.openxmlformats.org/presentationml/2006/main">
   <p:cSld>
     <p:spTree>
@@ -13635,7 +15504,7 @@
 </p:sld>
 </file>
 
-<file path=ppt/slides/slide33.xml><?xml version="1.0" encoding="utf-8"?>
+<file path=ppt/slides/slide37.xml><?xml version="1.0" encoding="utf-8"?>
 <p:sld xmlns:a="http://schemas.openxmlformats.org/drawingml/2006/main" xmlns:r="http://schemas.openxmlformats.org/officeDocument/2006/relationships" xmlns:p="http://schemas.openxmlformats.org/presentationml/2006/main">
   <p:cSld>
     <p:spTree>
@@ -13747,6 +15616,992 @@
       </p:grpSpPr>
       <p:sp>
         <p:nvSpPr>
+          <p:cNvPr id="2" name="Title 1"/>
+          <p:cNvSpPr>
+            <a:spLocks noGrp="1"/>
+          </p:cNvSpPr>
+          <p:nvPr>
+            <p:ph type="title"/>
+          </p:nvPr>
+        </p:nvSpPr>
+        <p:spPr>
+          <a:xfrm>
+            <a:off x="838200" y="110002"/>
+            <a:ext cx="8334376" cy="1325563"/>
+          </a:xfrm>
+        </p:spPr>
+        <p:txBody>
+          <a:bodyPr/>
+          <a:lstStyle/>
+          <a:p>
+            <a:r>
+              <a:rPr lang="en-US" dirty="0"/>
+              <a:t>Version Control System</a:t>
+            </a:r>
+          </a:p>
+        </p:txBody>
+      </p:sp>
+      <p:sp>
+        <p:nvSpPr>
+          <p:cNvPr id="3" name="Content Placeholder 2"/>
+          <p:cNvSpPr>
+            <a:spLocks noGrp="1"/>
+          </p:cNvSpPr>
+          <p:nvPr>
+            <p:ph idx="1"/>
+          </p:nvPr>
+        </p:nvSpPr>
+        <p:spPr>
+          <a:xfrm>
+            <a:off x="838200" y="1842403"/>
+            <a:ext cx="10515600" cy="4351338"/>
+          </a:xfrm>
+        </p:spPr>
+        <p:txBody>
+          <a:bodyPr/>
+          <a:lstStyle/>
+          <a:p>
+            <a:r>
+              <a:rPr lang="en-US" dirty="0"/>
+              <a:t>VCS: A system of recording changes to files.</a:t>
+            </a:r>
+          </a:p>
+        </p:txBody>
+      </p:sp>
+      <p:pic>
+        <p:nvPicPr>
+          <p:cNvPr id="3074" name="Picture 2" descr="50 Doodle People ideas | doodle people, doodles, drawings">
+            <a:extLst>
+              <a:ext uri="{FF2B5EF4-FFF2-40B4-BE49-F238E27FC236}">
+                <a16:creationId xmlns:a16="http://schemas.microsoft.com/office/drawing/2014/main" id="{EB262063-F146-41CF-A833-9756FB97FC4A}"/>
+              </a:ext>
+            </a:extLst>
+          </p:cNvPr>
+          <p:cNvPicPr>
+            <a:picLocks noChangeAspect="1" noChangeArrowheads="1"/>
+          </p:cNvPicPr>
+          <p:nvPr/>
+        </p:nvPicPr>
+        <p:blipFill rotWithShape="1">
+          <a:blip r:embed="rId3">
+            <a:extLst>
+              <a:ext uri="{28A0092B-C50C-407E-A947-70E740481C1C}">
+                <a14:useLocalDpi xmlns:a14="http://schemas.microsoft.com/office/drawing/2010/main" val="0"/>
+              </a:ext>
+            </a:extLst>
+          </a:blip>
+          <a:srcRect l="67665" t="45443" b="27542"/>
+          <a:stretch/>
+        </p:blipFill>
+        <p:spPr bwMode="auto">
+          <a:xfrm>
+            <a:off x="1211832" y="3278080"/>
+            <a:ext cx="1334549" cy="1894489"/>
+          </a:xfrm>
+          <a:prstGeom prst="rect">
+            <a:avLst/>
+          </a:prstGeom>
+          <a:noFill/>
+          <a:ln>
+            <a:noFill/>
+          </a:ln>
+          <a:extLst>
+            <a:ext uri="{909E8E84-426E-40DD-AFC4-6F175D3DCCD1}">
+              <a14:hiddenFill xmlns:a14="http://schemas.microsoft.com/office/drawing/2010/main">
+                <a:solidFill>
+                  <a:srgbClr val="FFFFFF"/>
+                </a:solidFill>
+              </a14:hiddenFill>
+            </a:ext>
+          </a:extLst>
+        </p:spPr>
+      </p:pic>
+      <p:sp>
+        <p:nvSpPr>
+          <p:cNvPr id="12" name="Content Placeholder 2">
+            <a:extLst>
+              <a:ext uri="{FF2B5EF4-FFF2-40B4-BE49-F238E27FC236}">
+                <a16:creationId xmlns:a16="http://schemas.microsoft.com/office/drawing/2014/main" id="{E9CEA309-373A-4925-838C-19A065F716A6}"/>
+              </a:ext>
+            </a:extLst>
+          </p:cNvPr>
+          <p:cNvSpPr txBox="1">
+            <a:spLocks/>
+          </p:cNvSpPr>
+          <p:nvPr/>
+        </p:nvSpPr>
+        <p:spPr>
+          <a:xfrm>
+            <a:off x="2920013" y="3363421"/>
+            <a:ext cx="2961313" cy="1723806"/>
+          </a:xfrm>
+          <a:prstGeom prst="rect">
+            <a:avLst/>
+          </a:prstGeom>
+        </p:spPr>
+        <p:txBody>
+          <a:bodyPr vert="horz" lIns="91440" tIns="45720" rIns="91440" bIns="45720" rtlCol="0">
+            <a:normAutofit/>
+          </a:bodyPr>
+          <a:lstStyle>
+            <a:lvl1pPr marL="228600" indent="-228600" algn="l" defTabSz="914400" rtl="0" eaLnBrk="1" latinLnBrk="0" hangingPunct="1">
+              <a:lnSpc>
+                <a:spcPct val="90000"/>
+              </a:lnSpc>
+              <a:spcBef>
+                <a:spcPts val="1000"/>
+              </a:spcBef>
+              <a:buClr>
+                <a:schemeClr val="accent4"/>
+              </a:buClr>
+              <a:buFont typeface="Wingdings" panose="05000000000000000000" pitchFamily="2" charset="2"/>
+              <a:buChar char="§"/>
+              <a:defRPr sz="2800" kern="1200">
+                <a:solidFill>
+                  <a:schemeClr val="bg1"/>
+                </a:solidFill>
+                <a:latin typeface="+mn-lt"/>
+                <a:ea typeface="+mn-ea"/>
+                <a:cs typeface="+mn-cs"/>
+              </a:defRPr>
+            </a:lvl1pPr>
+            <a:lvl2pPr marL="685800" indent="-228600" algn="l" defTabSz="914400" rtl="0" eaLnBrk="1" latinLnBrk="0" hangingPunct="1">
+              <a:lnSpc>
+                <a:spcPct val="90000"/>
+              </a:lnSpc>
+              <a:spcBef>
+                <a:spcPts val="500"/>
+              </a:spcBef>
+              <a:buClr>
+                <a:schemeClr val="accent4"/>
+              </a:buClr>
+              <a:buFont typeface="Wingdings" panose="05000000000000000000" pitchFamily="2" charset="2"/>
+              <a:buChar char="§"/>
+              <a:defRPr sz="2400" kern="1200">
+                <a:solidFill>
+                  <a:schemeClr val="bg1"/>
+                </a:solidFill>
+                <a:latin typeface="+mn-lt"/>
+                <a:ea typeface="+mn-ea"/>
+                <a:cs typeface="+mn-cs"/>
+              </a:defRPr>
+            </a:lvl2pPr>
+            <a:lvl3pPr marL="1143000" indent="-228600" algn="l" defTabSz="914400" rtl="0" eaLnBrk="1" latinLnBrk="0" hangingPunct="1">
+              <a:lnSpc>
+                <a:spcPct val="90000"/>
+              </a:lnSpc>
+              <a:spcBef>
+                <a:spcPts val="500"/>
+              </a:spcBef>
+              <a:buClr>
+                <a:schemeClr val="accent4"/>
+              </a:buClr>
+              <a:buFont typeface="Wingdings" panose="05000000000000000000" pitchFamily="2" charset="2"/>
+              <a:buChar char="§"/>
+              <a:defRPr sz="2000" kern="1200">
+                <a:solidFill>
+                  <a:schemeClr val="bg1"/>
+                </a:solidFill>
+                <a:latin typeface="+mn-lt"/>
+                <a:ea typeface="+mn-ea"/>
+                <a:cs typeface="+mn-cs"/>
+              </a:defRPr>
+            </a:lvl3pPr>
+            <a:lvl4pPr marL="1600200" indent="-228600" algn="l" defTabSz="914400" rtl="0" eaLnBrk="1" latinLnBrk="0" hangingPunct="1">
+              <a:lnSpc>
+                <a:spcPct val="90000"/>
+              </a:lnSpc>
+              <a:spcBef>
+                <a:spcPts val="500"/>
+              </a:spcBef>
+              <a:buClr>
+                <a:schemeClr val="accent4"/>
+              </a:buClr>
+              <a:buFont typeface="Wingdings" panose="05000000000000000000" pitchFamily="2" charset="2"/>
+              <a:buChar char="§"/>
+              <a:defRPr sz="1800" kern="1200">
+                <a:solidFill>
+                  <a:schemeClr val="bg1"/>
+                </a:solidFill>
+                <a:latin typeface="+mn-lt"/>
+                <a:ea typeface="+mn-ea"/>
+                <a:cs typeface="+mn-cs"/>
+              </a:defRPr>
+            </a:lvl4pPr>
+            <a:lvl5pPr marL="2057400" indent="-228600" algn="l" defTabSz="914400" rtl="0" eaLnBrk="1" latinLnBrk="0" hangingPunct="1">
+              <a:lnSpc>
+                <a:spcPct val="90000"/>
+              </a:lnSpc>
+              <a:spcBef>
+                <a:spcPts val="500"/>
+              </a:spcBef>
+              <a:buClr>
+                <a:schemeClr val="accent4"/>
+              </a:buClr>
+              <a:buFont typeface="Wingdings" panose="05000000000000000000" pitchFamily="2" charset="2"/>
+              <a:buChar char="§"/>
+              <a:defRPr sz="1800" kern="1200">
+                <a:solidFill>
+                  <a:schemeClr val="bg1"/>
+                </a:solidFill>
+                <a:latin typeface="+mn-lt"/>
+                <a:ea typeface="+mn-ea"/>
+                <a:cs typeface="+mn-cs"/>
+              </a:defRPr>
+            </a:lvl5pPr>
+            <a:lvl6pPr marL="2514600" indent="-228600" algn="l" defTabSz="914400" rtl="0" eaLnBrk="1" latinLnBrk="0" hangingPunct="1">
+              <a:lnSpc>
+                <a:spcPct val="90000"/>
+              </a:lnSpc>
+              <a:spcBef>
+                <a:spcPts val="500"/>
+              </a:spcBef>
+              <a:buFont typeface="Arial" panose="020B0604020202020204" pitchFamily="34" charset="0"/>
+              <a:buChar char="•"/>
+              <a:defRPr sz="1800" kern="1200">
+                <a:solidFill>
+                  <a:schemeClr val="tx1"/>
+                </a:solidFill>
+                <a:latin typeface="+mn-lt"/>
+                <a:ea typeface="+mn-ea"/>
+                <a:cs typeface="+mn-cs"/>
+              </a:defRPr>
+            </a:lvl6pPr>
+            <a:lvl7pPr marL="2971800" indent="-228600" algn="l" defTabSz="914400" rtl="0" eaLnBrk="1" latinLnBrk="0" hangingPunct="1">
+              <a:lnSpc>
+                <a:spcPct val="90000"/>
+              </a:lnSpc>
+              <a:spcBef>
+                <a:spcPts val="500"/>
+              </a:spcBef>
+              <a:buFont typeface="Arial" panose="020B0604020202020204" pitchFamily="34" charset="0"/>
+              <a:buChar char="•"/>
+              <a:defRPr sz="1800" kern="1200">
+                <a:solidFill>
+                  <a:schemeClr val="tx1"/>
+                </a:solidFill>
+                <a:latin typeface="+mn-lt"/>
+                <a:ea typeface="+mn-ea"/>
+                <a:cs typeface="+mn-cs"/>
+              </a:defRPr>
+            </a:lvl7pPr>
+            <a:lvl8pPr marL="3429000" indent="-228600" algn="l" defTabSz="914400" rtl="0" eaLnBrk="1" latinLnBrk="0" hangingPunct="1">
+              <a:lnSpc>
+                <a:spcPct val="90000"/>
+              </a:lnSpc>
+              <a:spcBef>
+                <a:spcPts val="500"/>
+              </a:spcBef>
+              <a:buFont typeface="Arial" panose="020B0604020202020204" pitchFamily="34" charset="0"/>
+              <a:buChar char="•"/>
+              <a:defRPr sz="1800" kern="1200">
+                <a:solidFill>
+                  <a:schemeClr val="tx1"/>
+                </a:solidFill>
+                <a:latin typeface="+mn-lt"/>
+                <a:ea typeface="+mn-ea"/>
+                <a:cs typeface="+mn-cs"/>
+              </a:defRPr>
+            </a:lvl8pPr>
+            <a:lvl9pPr marL="3886200" indent="-228600" algn="l" defTabSz="914400" rtl="0" eaLnBrk="1" latinLnBrk="0" hangingPunct="1">
+              <a:lnSpc>
+                <a:spcPct val="90000"/>
+              </a:lnSpc>
+              <a:spcBef>
+                <a:spcPts val="500"/>
+              </a:spcBef>
+              <a:buFont typeface="Arial" panose="020B0604020202020204" pitchFamily="34" charset="0"/>
+              <a:buChar char="•"/>
+              <a:defRPr sz="1800" kern="1200">
+                <a:solidFill>
+                  <a:schemeClr val="tx1"/>
+                </a:solidFill>
+                <a:latin typeface="+mn-lt"/>
+                <a:ea typeface="+mn-ea"/>
+                <a:cs typeface="+mn-cs"/>
+              </a:defRPr>
+            </a:lvl9pPr>
+          </a:lstStyle>
+          <a:p>
+            <a:pPr>
+              <a:buFontTx/>
+              <a:buChar char="-"/>
+            </a:pPr>
+            <a:r>
+              <a:rPr lang="en-US" sz="2400" dirty="0"/>
+              <a:t>Write a novel yay!</a:t>
+            </a:r>
+          </a:p>
+        </p:txBody>
+      </p:sp>
+    </p:spTree>
+    <p:extLst>
+      <p:ext uri="{BB962C8B-B14F-4D97-AF65-F5344CB8AC3E}">
+        <p14:creationId xmlns:p14="http://schemas.microsoft.com/office/powerpoint/2010/main" val="2541583471"/>
+      </p:ext>
+    </p:extLst>
+  </p:cSld>
+  <p:clrMapOvr>
+    <a:masterClrMapping/>
+  </p:clrMapOvr>
+</p:sld>
+</file>
+
+<file path=ppt/slides/slide5.xml><?xml version="1.0" encoding="utf-8"?>
+<p:sld xmlns:a="http://schemas.openxmlformats.org/drawingml/2006/main" xmlns:r="http://schemas.openxmlformats.org/officeDocument/2006/relationships" xmlns:p="http://schemas.openxmlformats.org/presentationml/2006/main">
+  <p:cSld>
+    <p:spTree>
+      <p:nvGrpSpPr>
+        <p:cNvPr id="1" name=""/>
+        <p:cNvGrpSpPr/>
+        <p:nvPr/>
+      </p:nvGrpSpPr>
+      <p:grpSpPr>
+        <a:xfrm>
+          <a:off x="0" y="0"/>
+          <a:ext cx="0" cy="0"/>
+          <a:chOff x="0" y="0"/>
+          <a:chExt cx="0" cy="0"/>
+        </a:xfrm>
+      </p:grpSpPr>
+      <p:sp>
+        <p:nvSpPr>
+          <p:cNvPr id="3" name="Content Placeholder 2">
+            <a:extLst>
+              <a:ext uri="{FF2B5EF4-FFF2-40B4-BE49-F238E27FC236}">
+                <a16:creationId xmlns:a16="http://schemas.microsoft.com/office/drawing/2014/main" id="{6CD1FD88-1DF5-4CB5-97CD-1BF062D3DAAF}"/>
+              </a:ext>
+            </a:extLst>
+          </p:cNvPr>
+          <p:cNvSpPr>
+            <a:spLocks noGrp="1"/>
+          </p:cNvSpPr>
+          <p:nvPr>
+            <p:ph idx="1"/>
+          </p:nvPr>
+        </p:nvSpPr>
+        <p:spPr>
+          <a:xfrm>
+            <a:off x="754310" y="491775"/>
+            <a:ext cx="10515600" cy="4351338"/>
+          </a:xfrm>
+        </p:spPr>
+        <p:txBody>
+          <a:bodyPr/>
+          <a:lstStyle/>
+          <a:p>
+            <a:pPr marL="0" indent="0" algn="ctr">
+              <a:buNone/>
+            </a:pPr>
+            <a:r>
+              <a:rPr lang="en-US" sz="3600" dirty="0">
+                <a:latin typeface="+mj-lt"/>
+              </a:rPr>
+              <a:t>A system that:</a:t>
+            </a:r>
+          </a:p>
+          <a:p>
+            <a:pPr marL="0" indent="0">
+              <a:buNone/>
+            </a:pPr>
+            <a:endParaRPr lang="en-US" dirty="0">
+              <a:latin typeface="+mj-lt"/>
+            </a:endParaRPr>
+          </a:p>
+        </p:txBody>
+      </p:sp>
+      <p:sp>
+        <p:nvSpPr>
+          <p:cNvPr id="4" name="Rectangle: Rounded Corners 3">
+            <a:extLst>
+              <a:ext uri="{FF2B5EF4-FFF2-40B4-BE49-F238E27FC236}">
+                <a16:creationId xmlns:a16="http://schemas.microsoft.com/office/drawing/2014/main" id="{271A5690-00A1-4EBD-BA23-2FFBBEBB9A86}"/>
+              </a:ext>
+            </a:extLst>
+          </p:cNvPr>
+          <p:cNvSpPr/>
+          <p:nvPr/>
+        </p:nvSpPr>
+        <p:spPr>
+          <a:xfrm>
+            <a:off x="1165370" y="1627464"/>
+            <a:ext cx="1888261" cy="1563018"/>
+          </a:xfrm>
+          <a:prstGeom prst="roundRect">
+            <a:avLst/>
+          </a:prstGeom>
+          <a:solidFill>
+            <a:schemeClr val="bg2"/>
+          </a:solidFill>
+          <a:ln>
+            <a:noFill/>
+          </a:ln>
+        </p:spPr>
+        <p:style>
+          <a:lnRef idx="2">
+            <a:schemeClr val="accent1">
+              <a:shade val="50000"/>
+            </a:schemeClr>
+          </a:lnRef>
+          <a:fillRef idx="1">
+            <a:schemeClr val="accent1"/>
+          </a:fillRef>
+          <a:effectRef idx="0">
+            <a:schemeClr val="accent1"/>
+          </a:effectRef>
+          <a:fontRef idx="minor">
+            <a:schemeClr val="lt1"/>
+          </a:fontRef>
+        </p:style>
+        <p:txBody>
+          <a:bodyPr rtlCol="0" anchor="ctr"/>
+          <a:lstStyle/>
+          <a:p>
+            <a:pPr algn="ctr"/>
+            <a:r>
+              <a:rPr lang="en-MY" dirty="0">
+                <a:solidFill>
+                  <a:schemeClr val="tx1"/>
+                </a:solidFill>
+              </a:rPr>
+              <a:t>Records changes made</a:t>
+            </a:r>
+          </a:p>
+        </p:txBody>
+      </p:sp>
+      <p:sp>
+        <p:nvSpPr>
+          <p:cNvPr id="7" name="Rectangle: Rounded Corners 6">
+            <a:extLst>
+              <a:ext uri="{FF2B5EF4-FFF2-40B4-BE49-F238E27FC236}">
+                <a16:creationId xmlns:a16="http://schemas.microsoft.com/office/drawing/2014/main" id="{00AEEC39-7F46-4F51-B127-BBA8315603FF}"/>
+              </a:ext>
+            </a:extLst>
+          </p:cNvPr>
+          <p:cNvSpPr/>
+          <p:nvPr/>
+        </p:nvSpPr>
+        <p:spPr>
+          <a:xfrm>
+            <a:off x="3817689" y="1627464"/>
+            <a:ext cx="1888261" cy="1563018"/>
+          </a:xfrm>
+          <a:prstGeom prst="roundRect">
+            <a:avLst/>
+          </a:prstGeom>
+          <a:solidFill>
+            <a:schemeClr val="bg2"/>
+          </a:solidFill>
+          <a:ln>
+            <a:noFill/>
+          </a:ln>
+        </p:spPr>
+        <p:style>
+          <a:lnRef idx="2">
+            <a:schemeClr val="accent6">
+              <a:shade val="50000"/>
+            </a:schemeClr>
+          </a:lnRef>
+          <a:fillRef idx="1">
+            <a:schemeClr val="accent6"/>
+          </a:fillRef>
+          <a:effectRef idx="0">
+            <a:schemeClr val="accent6"/>
+          </a:effectRef>
+          <a:fontRef idx="minor">
+            <a:schemeClr val="lt1"/>
+          </a:fontRef>
+        </p:style>
+        <p:txBody>
+          <a:bodyPr rtlCol="0" anchor="ctr"/>
+          <a:lstStyle/>
+          <a:p>
+            <a:pPr algn="ctr"/>
+            <a:r>
+              <a:rPr lang="en-MY" dirty="0">
+                <a:solidFill>
+                  <a:schemeClr val="tx1"/>
+                </a:solidFill>
+              </a:rPr>
+              <a:t>Can recover previous versions</a:t>
+            </a:r>
+          </a:p>
+        </p:txBody>
+      </p:sp>
+      <p:sp>
+        <p:nvSpPr>
+          <p:cNvPr id="8" name="Rectangle: Rounded Corners 7">
+            <a:extLst>
+              <a:ext uri="{FF2B5EF4-FFF2-40B4-BE49-F238E27FC236}">
+                <a16:creationId xmlns:a16="http://schemas.microsoft.com/office/drawing/2014/main" id="{80E687EE-9A7E-4C1F-949E-E87410C1267F}"/>
+              </a:ext>
+            </a:extLst>
+          </p:cNvPr>
+          <p:cNvSpPr/>
+          <p:nvPr/>
+        </p:nvSpPr>
+        <p:spPr>
+          <a:xfrm>
+            <a:off x="6470008" y="1627464"/>
+            <a:ext cx="1888261" cy="1563018"/>
+          </a:xfrm>
+          <a:prstGeom prst="roundRect">
+            <a:avLst/>
+          </a:prstGeom>
+          <a:solidFill>
+            <a:schemeClr val="accent6"/>
+          </a:solidFill>
+          <a:ln>
+            <a:noFill/>
+          </a:ln>
+        </p:spPr>
+        <p:style>
+          <a:lnRef idx="1">
+            <a:schemeClr val="accent4"/>
+          </a:lnRef>
+          <a:fillRef idx="3">
+            <a:schemeClr val="accent4"/>
+          </a:fillRef>
+          <a:effectRef idx="2">
+            <a:schemeClr val="accent4"/>
+          </a:effectRef>
+          <a:fontRef idx="minor">
+            <a:schemeClr val="lt1"/>
+          </a:fontRef>
+        </p:style>
+        <p:txBody>
+          <a:bodyPr rtlCol="0" anchor="ctr"/>
+          <a:lstStyle/>
+          <a:p>
+            <a:pPr algn="ctr"/>
+            <a:r>
+              <a:rPr lang="en-MY" dirty="0">
+                <a:solidFill>
+                  <a:schemeClr val="bg2"/>
+                </a:solidFill>
+              </a:rPr>
+              <a:t>Allows us to work independently in a team</a:t>
+            </a:r>
+          </a:p>
+        </p:txBody>
+      </p:sp>
+      <p:sp>
+        <p:nvSpPr>
+          <p:cNvPr id="9" name="Rectangle: Rounded Corners 8">
+            <a:extLst>
+              <a:ext uri="{FF2B5EF4-FFF2-40B4-BE49-F238E27FC236}">
+                <a16:creationId xmlns:a16="http://schemas.microsoft.com/office/drawing/2014/main" id="{61A158EC-5DDB-4778-BA26-5238F108FB5C}"/>
+              </a:ext>
+            </a:extLst>
+          </p:cNvPr>
+          <p:cNvSpPr/>
+          <p:nvPr/>
+        </p:nvSpPr>
+        <p:spPr>
+          <a:xfrm>
+            <a:off x="9122327" y="1627464"/>
+            <a:ext cx="1888261" cy="1563018"/>
+          </a:xfrm>
+          <a:prstGeom prst="roundRect">
+            <a:avLst/>
+          </a:prstGeom>
+          <a:solidFill>
+            <a:schemeClr val="accent6"/>
+          </a:solidFill>
+          <a:ln>
+            <a:noFill/>
+          </a:ln>
+        </p:spPr>
+        <p:style>
+          <a:lnRef idx="1">
+            <a:schemeClr val="accent1"/>
+          </a:lnRef>
+          <a:fillRef idx="3">
+            <a:schemeClr val="accent1"/>
+          </a:fillRef>
+          <a:effectRef idx="2">
+            <a:schemeClr val="accent1"/>
+          </a:effectRef>
+          <a:fontRef idx="minor">
+            <a:schemeClr val="lt1"/>
+          </a:fontRef>
+        </p:style>
+        <p:txBody>
+          <a:bodyPr rtlCol="0" anchor="ctr"/>
+          <a:lstStyle/>
+          <a:p>
+            <a:pPr algn="ctr"/>
+            <a:r>
+              <a:rPr lang="en-MY" dirty="0">
+                <a:solidFill>
+                  <a:schemeClr val="bg2"/>
+                </a:solidFill>
+              </a:rPr>
+              <a:t>Stores files in one place</a:t>
+            </a:r>
+          </a:p>
+        </p:txBody>
+      </p:sp>
+      <p:sp>
+        <p:nvSpPr>
+          <p:cNvPr id="11" name="Title 1">
+            <a:extLst>
+              <a:ext uri="{FF2B5EF4-FFF2-40B4-BE49-F238E27FC236}">
+                <a16:creationId xmlns:a16="http://schemas.microsoft.com/office/drawing/2014/main" id="{BDDB32F0-D524-4A32-8A3E-88EC14C9D5FC}"/>
+              </a:ext>
+            </a:extLst>
+          </p:cNvPr>
+          <p:cNvSpPr txBox="1">
+            <a:spLocks/>
+          </p:cNvSpPr>
+          <p:nvPr/>
+        </p:nvSpPr>
+        <p:spPr>
+          <a:xfrm>
+            <a:off x="4455515" y="3875735"/>
+            <a:ext cx="3280969" cy="711142"/>
+          </a:xfrm>
+          <a:prstGeom prst="rect">
+            <a:avLst/>
+          </a:prstGeom>
+        </p:spPr>
+        <p:txBody>
+          <a:bodyPr vert="horz" lIns="91440" tIns="45720" rIns="91440" bIns="45720" rtlCol="0" anchor="ctr">
+            <a:noAutofit/>
+          </a:bodyPr>
+          <a:lstStyle>
+            <a:lvl1pPr algn="l" defTabSz="914400" rtl="0" eaLnBrk="1" latinLnBrk="0" hangingPunct="1">
+              <a:lnSpc>
+                <a:spcPct val="90000"/>
+              </a:lnSpc>
+              <a:spcBef>
+                <a:spcPct val="0"/>
+              </a:spcBef>
+              <a:buNone/>
+              <a:defRPr sz="4400" kern="1200">
+                <a:solidFill>
+                  <a:schemeClr val="bg1"/>
+                </a:solidFill>
+                <a:latin typeface="+mj-lt"/>
+                <a:ea typeface="+mj-ea"/>
+                <a:cs typeface="+mj-cs"/>
+              </a:defRPr>
+            </a:lvl1pPr>
+          </a:lstStyle>
+          <a:p>
+            <a:pPr algn="ctr"/>
+            <a:r>
+              <a:rPr lang="en-US" sz="3600" dirty="0"/>
+              <a:t>Introducing</a:t>
+            </a:r>
+          </a:p>
+        </p:txBody>
+      </p:sp>
+      <p:pic>
+        <p:nvPicPr>
+          <p:cNvPr id="4100" name="Picture 4" descr="Git and Github: A Beginner's Guide">
+            <a:extLst>
+              <a:ext uri="{FF2B5EF4-FFF2-40B4-BE49-F238E27FC236}">
+                <a16:creationId xmlns:a16="http://schemas.microsoft.com/office/drawing/2014/main" id="{3A337843-39E4-4121-93B3-8A13AB6A5E48}"/>
+              </a:ext>
+            </a:extLst>
+          </p:cNvPr>
+          <p:cNvPicPr>
+            <a:picLocks noChangeAspect="1" noChangeArrowheads="1"/>
+          </p:cNvPicPr>
+          <p:nvPr/>
+        </p:nvPicPr>
+        <p:blipFill rotWithShape="1">
+          <a:blip r:embed="rId3">
+            <a:extLst>
+              <a:ext uri="{28A0092B-C50C-407E-A947-70E740481C1C}">
+                <a14:useLocalDpi xmlns:a14="http://schemas.microsoft.com/office/drawing/2010/main" val="0"/>
+              </a:ext>
+            </a:extLst>
+          </a:blip>
+          <a:srcRect l="7873" t="14309" r="8197" b="21632"/>
+          <a:stretch/>
+        </p:blipFill>
+        <p:spPr bwMode="auto">
+          <a:xfrm>
+            <a:off x="477841" y="4975180"/>
+            <a:ext cx="3263317" cy="1388496"/>
+          </a:xfrm>
+          <a:prstGeom prst="rect">
+            <a:avLst/>
+          </a:prstGeom>
+          <a:noFill/>
+          <a:extLst>
+            <a:ext uri="{909E8E84-426E-40DD-AFC4-6F175D3DCCD1}">
+              <a14:hiddenFill xmlns:a14="http://schemas.microsoft.com/office/drawing/2010/main">
+                <a:solidFill>
+                  <a:srgbClr val="FFFFFF"/>
+                </a:solidFill>
+              </a14:hiddenFill>
+            </a:ext>
+          </a:extLst>
+        </p:spPr>
+      </p:pic>
+      <p:sp>
+        <p:nvSpPr>
+          <p:cNvPr id="13" name="Content Placeholder 2">
+            <a:extLst>
+              <a:ext uri="{FF2B5EF4-FFF2-40B4-BE49-F238E27FC236}">
+                <a16:creationId xmlns:a16="http://schemas.microsoft.com/office/drawing/2014/main" id="{9B0E902E-D838-4A61-A3B3-8901FC18962B}"/>
+              </a:ext>
+            </a:extLst>
+          </p:cNvPr>
+          <p:cNvSpPr txBox="1">
+            <a:spLocks/>
+          </p:cNvSpPr>
+          <p:nvPr/>
+        </p:nvSpPr>
+        <p:spPr>
+          <a:xfrm>
+            <a:off x="4035103" y="5041782"/>
+            <a:ext cx="7592037" cy="1388496"/>
+          </a:xfrm>
+          <a:prstGeom prst="rect">
+            <a:avLst/>
+          </a:prstGeom>
+        </p:spPr>
+        <p:txBody>
+          <a:bodyPr vert="horz" lIns="91440" tIns="45720" rIns="91440" bIns="45720" rtlCol="0">
+            <a:normAutofit/>
+          </a:bodyPr>
+          <a:lstStyle>
+            <a:lvl1pPr marL="228600" indent="-228600" algn="l" defTabSz="914400" rtl="0" eaLnBrk="1" latinLnBrk="0" hangingPunct="1">
+              <a:lnSpc>
+                <a:spcPct val="90000"/>
+              </a:lnSpc>
+              <a:spcBef>
+                <a:spcPts val="1000"/>
+              </a:spcBef>
+              <a:buClr>
+                <a:schemeClr val="accent4"/>
+              </a:buClr>
+              <a:buFont typeface="Wingdings" panose="05000000000000000000" pitchFamily="2" charset="2"/>
+              <a:buChar char="§"/>
+              <a:defRPr sz="2800" kern="1200">
+                <a:solidFill>
+                  <a:schemeClr val="bg1"/>
+                </a:solidFill>
+                <a:latin typeface="+mn-lt"/>
+                <a:ea typeface="+mn-ea"/>
+                <a:cs typeface="+mn-cs"/>
+              </a:defRPr>
+            </a:lvl1pPr>
+            <a:lvl2pPr marL="685800" indent="-228600" algn="l" defTabSz="914400" rtl="0" eaLnBrk="1" latinLnBrk="0" hangingPunct="1">
+              <a:lnSpc>
+                <a:spcPct val="90000"/>
+              </a:lnSpc>
+              <a:spcBef>
+                <a:spcPts val="500"/>
+              </a:spcBef>
+              <a:buClr>
+                <a:schemeClr val="accent4"/>
+              </a:buClr>
+              <a:buFont typeface="Wingdings" panose="05000000000000000000" pitchFamily="2" charset="2"/>
+              <a:buChar char="§"/>
+              <a:defRPr sz="2400" kern="1200">
+                <a:solidFill>
+                  <a:schemeClr val="bg1"/>
+                </a:solidFill>
+                <a:latin typeface="+mn-lt"/>
+                <a:ea typeface="+mn-ea"/>
+                <a:cs typeface="+mn-cs"/>
+              </a:defRPr>
+            </a:lvl2pPr>
+            <a:lvl3pPr marL="1143000" indent="-228600" algn="l" defTabSz="914400" rtl="0" eaLnBrk="1" latinLnBrk="0" hangingPunct="1">
+              <a:lnSpc>
+                <a:spcPct val="90000"/>
+              </a:lnSpc>
+              <a:spcBef>
+                <a:spcPts val="500"/>
+              </a:spcBef>
+              <a:buClr>
+                <a:schemeClr val="accent4"/>
+              </a:buClr>
+              <a:buFont typeface="Wingdings" panose="05000000000000000000" pitchFamily="2" charset="2"/>
+              <a:buChar char="§"/>
+              <a:defRPr sz="2000" kern="1200">
+                <a:solidFill>
+                  <a:schemeClr val="bg1"/>
+                </a:solidFill>
+                <a:latin typeface="+mn-lt"/>
+                <a:ea typeface="+mn-ea"/>
+                <a:cs typeface="+mn-cs"/>
+              </a:defRPr>
+            </a:lvl3pPr>
+            <a:lvl4pPr marL="1600200" indent="-228600" algn="l" defTabSz="914400" rtl="0" eaLnBrk="1" latinLnBrk="0" hangingPunct="1">
+              <a:lnSpc>
+                <a:spcPct val="90000"/>
+              </a:lnSpc>
+              <a:spcBef>
+                <a:spcPts val="500"/>
+              </a:spcBef>
+              <a:buClr>
+                <a:schemeClr val="accent4"/>
+              </a:buClr>
+              <a:buFont typeface="Wingdings" panose="05000000000000000000" pitchFamily="2" charset="2"/>
+              <a:buChar char="§"/>
+              <a:defRPr sz="1800" kern="1200">
+                <a:solidFill>
+                  <a:schemeClr val="bg1"/>
+                </a:solidFill>
+                <a:latin typeface="+mn-lt"/>
+                <a:ea typeface="+mn-ea"/>
+                <a:cs typeface="+mn-cs"/>
+              </a:defRPr>
+            </a:lvl4pPr>
+            <a:lvl5pPr marL="2057400" indent="-228600" algn="l" defTabSz="914400" rtl="0" eaLnBrk="1" latinLnBrk="0" hangingPunct="1">
+              <a:lnSpc>
+                <a:spcPct val="90000"/>
+              </a:lnSpc>
+              <a:spcBef>
+                <a:spcPts val="500"/>
+              </a:spcBef>
+              <a:buClr>
+                <a:schemeClr val="accent4"/>
+              </a:buClr>
+              <a:buFont typeface="Wingdings" panose="05000000000000000000" pitchFamily="2" charset="2"/>
+              <a:buChar char="§"/>
+              <a:defRPr sz="1800" kern="1200">
+                <a:solidFill>
+                  <a:schemeClr val="bg1"/>
+                </a:solidFill>
+                <a:latin typeface="+mn-lt"/>
+                <a:ea typeface="+mn-ea"/>
+                <a:cs typeface="+mn-cs"/>
+              </a:defRPr>
+            </a:lvl5pPr>
+            <a:lvl6pPr marL="2514600" indent="-228600" algn="l" defTabSz="914400" rtl="0" eaLnBrk="1" latinLnBrk="0" hangingPunct="1">
+              <a:lnSpc>
+                <a:spcPct val="90000"/>
+              </a:lnSpc>
+              <a:spcBef>
+                <a:spcPts val="500"/>
+              </a:spcBef>
+              <a:buFont typeface="Arial" panose="020B0604020202020204" pitchFamily="34" charset="0"/>
+              <a:buChar char="•"/>
+              <a:defRPr sz="1800" kern="1200">
+                <a:solidFill>
+                  <a:schemeClr val="tx1"/>
+                </a:solidFill>
+                <a:latin typeface="+mn-lt"/>
+                <a:ea typeface="+mn-ea"/>
+                <a:cs typeface="+mn-cs"/>
+              </a:defRPr>
+            </a:lvl6pPr>
+            <a:lvl7pPr marL="2971800" indent="-228600" algn="l" defTabSz="914400" rtl="0" eaLnBrk="1" latinLnBrk="0" hangingPunct="1">
+              <a:lnSpc>
+                <a:spcPct val="90000"/>
+              </a:lnSpc>
+              <a:spcBef>
+                <a:spcPts val="500"/>
+              </a:spcBef>
+              <a:buFont typeface="Arial" panose="020B0604020202020204" pitchFamily="34" charset="0"/>
+              <a:buChar char="•"/>
+              <a:defRPr sz="1800" kern="1200">
+                <a:solidFill>
+                  <a:schemeClr val="tx1"/>
+                </a:solidFill>
+                <a:latin typeface="+mn-lt"/>
+                <a:ea typeface="+mn-ea"/>
+                <a:cs typeface="+mn-cs"/>
+              </a:defRPr>
+            </a:lvl7pPr>
+            <a:lvl8pPr marL="3429000" indent="-228600" algn="l" defTabSz="914400" rtl="0" eaLnBrk="1" latinLnBrk="0" hangingPunct="1">
+              <a:lnSpc>
+                <a:spcPct val="90000"/>
+              </a:lnSpc>
+              <a:spcBef>
+                <a:spcPts val="500"/>
+              </a:spcBef>
+              <a:buFont typeface="Arial" panose="020B0604020202020204" pitchFamily="34" charset="0"/>
+              <a:buChar char="•"/>
+              <a:defRPr sz="1800" kern="1200">
+                <a:solidFill>
+                  <a:schemeClr val="tx1"/>
+                </a:solidFill>
+                <a:latin typeface="+mn-lt"/>
+                <a:ea typeface="+mn-ea"/>
+                <a:cs typeface="+mn-cs"/>
+              </a:defRPr>
+            </a:lvl8pPr>
+            <a:lvl9pPr marL="3886200" indent="-228600" algn="l" defTabSz="914400" rtl="0" eaLnBrk="1" latinLnBrk="0" hangingPunct="1">
+              <a:lnSpc>
+                <a:spcPct val="90000"/>
+              </a:lnSpc>
+              <a:spcBef>
+                <a:spcPts val="500"/>
+              </a:spcBef>
+              <a:buFont typeface="Arial" panose="020B0604020202020204" pitchFamily="34" charset="0"/>
+              <a:buChar char="•"/>
+              <a:defRPr sz="1800" kern="1200">
+                <a:solidFill>
+                  <a:schemeClr val="tx1"/>
+                </a:solidFill>
+                <a:latin typeface="+mn-lt"/>
+                <a:ea typeface="+mn-ea"/>
+                <a:cs typeface="+mn-cs"/>
+              </a:defRPr>
+            </a:lvl9pPr>
+          </a:lstStyle>
+          <a:p>
+            <a:r>
+              <a:rPr lang="en-US" sz="2400" dirty="0"/>
+              <a:t>Git: A </a:t>
+            </a:r>
+            <a:r>
+              <a:rPr lang="en-US" sz="2400" b="1" dirty="0"/>
+              <a:t>distributed </a:t>
+            </a:r>
+            <a:r>
+              <a:rPr lang="en-US" sz="2400" dirty="0"/>
+              <a:t>VCS that takes ‘snapshots’ of your project.</a:t>
+            </a:r>
+          </a:p>
+          <a:p>
+            <a:r>
+              <a:rPr lang="en-US" sz="2400" dirty="0"/>
+              <a:t>GitHub: A platform to collab on repositories (project).</a:t>
+            </a:r>
+          </a:p>
+        </p:txBody>
+      </p:sp>
+    </p:spTree>
+    <p:extLst>
+      <p:ext uri="{BB962C8B-B14F-4D97-AF65-F5344CB8AC3E}">
+        <p14:creationId xmlns:p14="http://schemas.microsoft.com/office/powerpoint/2010/main" val="1852513965"/>
+      </p:ext>
+    </p:extLst>
+  </p:cSld>
+  <p:clrMapOvr>
+    <a:masterClrMapping/>
+  </p:clrMapOvr>
+</p:sld>
+</file>
+
+<file path=ppt/slides/slide6.xml><?xml version="1.0" encoding="utf-8"?>
+<p:sld xmlns:a="http://schemas.openxmlformats.org/drawingml/2006/main" xmlns:r="http://schemas.openxmlformats.org/officeDocument/2006/relationships" xmlns:p="http://schemas.openxmlformats.org/presentationml/2006/main">
+  <p:cSld>
+    <p:spTree>
+      <p:nvGrpSpPr>
+        <p:cNvPr id="1" name=""/>
+        <p:cNvGrpSpPr/>
+        <p:nvPr/>
+      </p:nvGrpSpPr>
+      <p:grpSpPr>
+        <a:xfrm>
+          <a:off x="0" y="0"/>
+          <a:ext cx="0" cy="0"/>
+          <a:chOff x="0" y="0"/>
+          <a:chExt cx="0" cy="0"/>
+        </a:xfrm>
+      </p:grpSpPr>
+      <p:sp>
+        <p:nvSpPr>
           <p:cNvPr id="2" name="Title 1">
             <a:extLst>
               <a:ext uri="{FF2B5EF4-FFF2-40B4-BE49-F238E27FC236}">
@@ -13803,7 +16658,7 @@
                 <a:solidFill>
                   <a:schemeClr val="accent5"/>
                 </a:solidFill>
-                <a:hlinkClick r:id="rId2">
+                <a:hlinkClick r:id="rId3">
                   <a:extLst>
                     <a:ext uri="{A12FA001-AC4F-418D-AE19-62706E023703}">
                       <ahyp:hlinkClr xmlns:ahyp="http://schemas.microsoft.com/office/drawing/2018/hyperlinkcolor" val="tx"/>
@@ -14306,7 +17161,7 @@
           <p:nvPr/>
         </p:nvPicPr>
         <p:blipFill>
-          <a:blip r:embed="rId3"/>
+          <a:blip r:embed="rId4"/>
           <a:stretch>
             <a:fillRect/>
           </a:stretch>
@@ -14334,7 +17189,7 @@
 </p:sld>
 </file>
 
-<file path=ppt/slides/slide5.xml><?xml version="1.0" encoding="utf-8"?>
+<file path=ppt/slides/slide7.xml><?xml version="1.0" encoding="utf-8"?>
 <p:sld xmlns:a="http://schemas.openxmlformats.org/drawingml/2006/main" xmlns:r="http://schemas.openxmlformats.org/officeDocument/2006/relationships" xmlns:p="http://schemas.openxmlformats.org/presentationml/2006/main">
   <p:cSld>
     <p:spTree>
@@ -14443,7 +17298,7 @@
           <p:nvPr/>
         </p:nvPicPr>
         <p:blipFill>
-          <a:blip r:embed="rId2"/>
+          <a:blip r:embed="rId3"/>
           <a:stretch>
             <a:fillRect/>
           </a:stretch>
@@ -14473,7 +17328,7 @@
           <p:nvPr/>
         </p:nvPicPr>
         <p:blipFill>
-          <a:blip r:embed="rId3"/>
+          <a:blip r:embed="rId4"/>
           <a:stretch>
             <a:fillRect/>
           </a:stretch>
@@ -14503,7 +17358,7 @@
           <p:nvPr/>
         </p:nvPicPr>
         <p:blipFill>
-          <a:blip r:embed="rId4"/>
+          <a:blip r:embed="rId5"/>
           <a:stretch>
             <a:fillRect/>
           </a:stretch>
@@ -14531,7 +17386,7 @@
 </p:sld>
 </file>
 
-<file path=ppt/slides/slide6.xml><?xml version="1.0" encoding="utf-8"?>
+<file path=ppt/slides/slide8.xml><?xml version="1.0" encoding="utf-8"?>
 <p:sld xmlns:a="http://schemas.openxmlformats.org/drawingml/2006/main" xmlns:r="http://schemas.openxmlformats.org/officeDocument/2006/relationships" xmlns:p="http://schemas.openxmlformats.org/presentationml/2006/main">
   <p:cSld>
     <p:spTree>
@@ -14621,7 +17476,7 @@
           <p:nvPr/>
         </p:nvPicPr>
         <p:blipFill>
-          <a:blip r:embed="rId2"/>
+          <a:blip r:embed="rId3"/>
           <a:stretch>
             <a:fillRect/>
           </a:stretch>
@@ -14649,7 +17504,7 @@
 </p:sld>
 </file>
 
-<file path=ppt/slides/slide7.xml><?xml version="1.0" encoding="utf-8"?>
+<file path=ppt/slides/slide9.xml><?xml version="1.0" encoding="utf-8"?>
 <p:sld xmlns:a="http://schemas.openxmlformats.org/drawingml/2006/main" xmlns:r="http://schemas.openxmlformats.org/officeDocument/2006/relationships" xmlns:p="http://schemas.openxmlformats.org/presentationml/2006/main">
   <p:cSld>
     <p:spTree>
@@ -14716,10 +17571,10 @@
           </p:nvPr>
         </p:nvPicPr>
         <p:blipFill>
-          <a:blip r:embed="rId2">
+          <a:blip r:embed="rId3">
             <a:extLst>
               <a:ext uri="{837473B0-CC2E-450A-ABE3-18F120FF3D39}">
-                <a1611:picAttrSrcUrl xmlns:a1611="http://schemas.microsoft.com/office/drawing/2016/11/main" r:id="rId3"/>
+                <a1611:picAttrSrcUrl xmlns:a1611="http://schemas.microsoft.com/office/drawing/2016/11/main" r:id="rId4"/>
               </a:ext>
             </a:extLst>
           </a:blip>
@@ -15868,7 +18723,7 @@
           <p:nvPr/>
         </p:nvPicPr>
         <p:blipFill>
-          <a:blip r:embed="rId4"/>
+          <a:blip r:embed="rId5"/>
           <a:stretch>
             <a:fillRect/>
           </a:stretch>
@@ -16948,563 +19803,6 @@
 </p:sld>
 </file>
 
-<file path=ppt/slides/slide8.xml><?xml version="1.0" encoding="utf-8"?>
-<p:sld xmlns:a="http://schemas.openxmlformats.org/drawingml/2006/main" xmlns:r="http://schemas.openxmlformats.org/officeDocument/2006/relationships" xmlns:p="http://schemas.openxmlformats.org/presentationml/2006/main">
-  <p:cSld>
-    <p:spTree>
-      <p:nvGrpSpPr>
-        <p:cNvPr id="1" name=""/>
-        <p:cNvGrpSpPr/>
-        <p:nvPr/>
-      </p:nvGrpSpPr>
-      <p:grpSpPr>
-        <a:xfrm>
-          <a:off x="0" y="0"/>
-          <a:ext cx="0" cy="0"/>
-          <a:chOff x="0" y="0"/>
-          <a:chExt cx="0" cy="0"/>
-        </a:xfrm>
-      </p:grpSpPr>
-      <p:sp>
-        <p:nvSpPr>
-          <p:cNvPr id="2" name="Title 1">
-            <a:extLst>
-              <a:ext uri="{FF2B5EF4-FFF2-40B4-BE49-F238E27FC236}">
-                <a16:creationId xmlns:a16="http://schemas.microsoft.com/office/drawing/2014/main" id="{C33F4ED6-95B6-45CA-9318-D5C6D107AB69}"/>
-              </a:ext>
-            </a:extLst>
-          </p:cNvPr>
-          <p:cNvSpPr>
-            <a:spLocks noGrp="1"/>
-          </p:cNvSpPr>
-          <p:nvPr>
-            <p:ph type="title"/>
-          </p:nvPr>
-        </p:nvSpPr>
-        <p:spPr/>
-        <p:txBody>
-          <a:bodyPr/>
-          <a:lstStyle/>
-          <a:p>
-            <a:r>
-              <a:rPr lang="en-US" dirty="0"/>
-              <a:t>v</a:t>
-            </a:r>
-            <a:r>
-              <a:rPr lang="en-US"/>
-              <a:t>iewing </a:t>
-            </a:r>
-            <a:r>
-              <a:rPr lang="en-US" dirty="0"/>
-              <a:t>changes</a:t>
-            </a:r>
-          </a:p>
-        </p:txBody>
-      </p:sp>
-      <p:pic>
-        <p:nvPicPr>
-          <p:cNvPr id="10" name="Content Placeholder 9" descr="Text&#10;&#10;Description automatically generated">
-            <a:extLst>
-              <a:ext uri="{FF2B5EF4-FFF2-40B4-BE49-F238E27FC236}">
-                <a16:creationId xmlns:a16="http://schemas.microsoft.com/office/drawing/2014/main" id="{14559BC8-7D3D-4E7F-9634-EEC97C487D3C}"/>
-              </a:ext>
-            </a:extLst>
-          </p:cNvPr>
-          <p:cNvPicPr>
-            <a:picLocks noGrp="1" noChangeAspect="1"/>
-          </p:cNvPicPr>
-          <p:nvPr>
-            <p:ph idx="1"/>
-          </p:nvPr>
-        </p:nvPicPr>
-        <p:blipFill rotWithShape="1">
-          <a:blip r:embed="rId2"/>
-          <a:srcRect l="7702" t="17456" r="5271" b="15447"/>
-          <a:stretch/>
-        </p:blipFill>
-        <p:spPr>
-          <a:xfrm>
-            <a:off x="838200" y="1189607"/>
-            <a:ext cx="7240480" cy="2432481"/>
-          </a:xfrm>
-        </p:spPr>
-      </p:pic>
-      <p:sp>
-        <p:nvSpPr>
-          <p:cNvPr id="4" name="Title 1">
-            <a:extLst>
-              <a:ext uri="{FF2B5EF4-FFF2-40B4-BE49-F238E27FC236}">
-                <a16:creationId xmlns:a16="http://schemas.microsoft.com/office/drawing/2014/main" id="{3B3BB8C6-5CF2-47FA-ACDA-4E1C4C6E8976}"/>
-              </a:ext>
-            </a:extLst>
-          </p:cNvPr>
-          <p:cNvSpPr txBox="1">
-            <a:spLocks/>
-          </p:cNvSpPr>
-          <p:nvPr/>
-        </p:nvSpPr>
-        <p:spPr>
-          <a:xfrm>
-            <a:off x="838200" y="3325796"/>
-            <a:ext cx="4718298" cy="1325563"/>
-          </a:xfrm>
-          <a:prstGeom prst="rect">
-            <a:avLst/>
-          </a:prstGeom>
-        </p:spPr>
-        <p:txBody>
-          <a:bodyPr vert="horz" lIns="91440" tIns="45720" rIns="91440" bIns="45720" rtlCol="0" anchor="ctr">
-            <a:normAutofit/>
-          </a:bodyPr>
-          <a:lstStyle>
-            <a:lvl1pPr algn="l" defTabSz="914400" rtl="0" eaLnBrk="1" latinLnBrk="0" hangingPunct="1">
-              <a:lnSpc>
-                <a:spcPct val="90000"/>
-              </a:lnSpc>
-              <a:spcBef>
-                <a:spcPct val="0"/>
-              </a:spcBef>
-              <a:buNone/>
-              <a:defRPr sz="4400" kern="1200">
-                <a:solidFill>
-                  <a:schemeClr val="bg1"/>
-                </a:solidFill>
-                <a:latin typeface="+mj-lt"/>
-                <a:ea typeface="+mj-ea"/>
-                <a:cs typeface="+mj-cs"/>
-              </a:defRPr>
-            </a:lvl1pPr>
-          </a:lstStyle>
-          <a:p>
-            <a:r>
-              <a:rPr lang="en-US" dirty="0"/>
-              <a:t>undoing changes</a:t>
-            </a:r>
-          </a:p>
-        </p:txBody>
-      </p:sp>
-      <p:pic>
-        <p:nvPicPr>
-          <p:cNvPr id="5" name="Content Placeholder 2" descr="Text&#10;&#10;Description automatically generated">
-            <a:extLst>
-              <a:ext uri="{FF2B5EF4-FFF2-40B4-BE49-F238E27FC236}">
-                <a16:creationId xmlns:a16="http://schemas.microsoft.com/office/drawing/2014/main" id="{0E92F082-7B0D-438E-921A-852B3A7578B7}"/>
-              </a:ext>
-            </a:extLst>
-          </p:cNvPr>
-          <p:cNvPicPr>
-            <a:picLocks noChangeAspect="1"/>
-          </p:cNvPicPr>
-          <p:nvPr/>
-        </p:nvPicPr>
-        <p:blipFill rotWithShape="1">
-          <a:blip r:embed="rId3"/>
-          <a:srcRect l="6098" t="13084" r="4882" b="15511"/>
-          <a:stretch/>
-        </p:blipFill>
-        <p:spPr>
-          <a:xfrm>
-            <a:off x="754603" y="4208016"/>
-            <a:ext cx="6994435" cy="2370337"/>
-          </a:xfrm>
-          <a:prstGeom prst="rect">
-            <a:avLst/>
-          </a:prstGeom>
-        </p:spPr>
-      </p:pic>
-      <p:sp>
-        <p:nvSpPr>
-          <p:cNvPr id="7" name="Content Placeholder 2">
-            <a:extLst>
-              <a:ext uri="{FF2B5EF4-FFF2-40B4-BE49-F238E27FC236}">
-                <a16:creationId xmlns:a16="http://schemas.microsoft.com/office/drawing/2014/main" id="{3BB19A29-F645-4D96-BFE7-A69855DCD836}"/>
-              </a:ext>
-            </a:extLst>
-          </p:cNvPr>
-          <p:cNvSpPr txBox="1">
-            <a:spLocks/>
-          </p:cNvSpPr>
-          <p:nvPr/>
-        </p:nvSpPr>
-        <p:spPr>
-          <a:xfrm>
-            <a:off x="7572652" y="5584053"/>
-            <a:ext cx="4396844" cy="760151"/>
-          </a:xfrm>
-          <a:prstGeom prst="rect">
-            <a:avLst/>
-          </a:prstGeom>
-        </p:spPr>
-        <p:txBody>
-          <a:bodyPr vert="horz" lIns="91440" tIns="45720" rIns="91440" bIns="45720" rtlCol="0">
-            <a:normAutofit/>
-          </a:bodyPr>
-          <a:lstStyle>
-            <a:lvl1pPr marL="228600" indent="-228600" algn="l" defTabSz="914400" rtl="0" eaLnBrk="1" latinLnBrk="0" hangingPunct="1">
-              <a:lnSpc>
-                <a:spcPct val="90000"/>
-              </a:lnSpc>
-              <a:spcBef>
-                <a:spcPts val="1000"/>
-              </a:spcBef>
-              <a:buClr>
-                <a:schemeClr val="accent5"/>
-              </a:buClr>
-              <a:buFont typeface="Wingdings" panose="05000000000000000000" pitchFamily="2" charset="2"/>
-              <a:buChar char="§"/>
-              <a:defRPr sz="2800" kern="1200">
-                <a:solidFill>
-                  <a:schemeClr val="bg1"/>
-                </a:solidFill>
-                <a:latin typeface="+mn-lt"/>
-                <a:ea typeface="+mn-ea"/>
-                <a:cs typeface="+mn-cs"/>
-              </a:defRPr>
-            </a:lvl1pPr>
-            <a:lvl2pPr marL="685800" indent="-228600" algn="l" defTabSz="914400" rtl="0" eaLnBrk="1" latinLnBrk="0" hangingPunct="1">
-              <a:lnSpc>
-                <a:spcPct val="90000"/>
-              </a:lnSpc>
-              <a:spcBef>
-                <a:spcPts val="500"/>
-              </a:spcBef>
-              <a:buClr>
-                <a:schemeClr val="accent5"/>
-              </a:buClr>
-              <a:buFont typeface="Wingdings" panose="05000000000000000000" pitchFamily="2" charset="2"/>
-              <a:buChar char="§"/>
-              <a:defRPr sz="2400" kern="1200">
-                <a:solidFill>
-                  <a:schemeClr val="bg1"/>
-                </a:solidFill>
-                <a:latin typeface="+mn-lt"/>
-                <a:ea typeface="+mn-ea"/>
-                <a:cs typeface="+mn-cs"/>
-              </a:defRPr>
-            </a:lvl2pPr>
-            <a:lvl3pPr marL="1143000" indent="-228600" algn="l" defTabSz="914400" rtl="0" eaLnBrk="1" latinLnBrk="0" hangingPunct="1">
-              <a:lnSpc>
-                <a:spcPct val="90000"/>
-              </a:lnSpc>
-              <a:spcBef>
-                <a:spcPts val="500"/>
-              </a:spcBef>
-              <a:buClr>
-                <a:schemeClr val="accent5"/>
-              </a:buClr>
-              <a:buFont typeface="Wingdings" panose="05000000000000000000" pitchFamily="2" charset="2"/>
-              <a:buChar char="§"/>
-              <a:defRPr sz="2000" kern="1200">
-                <a:solidFill>
-                  <a:schemeClr val="bg1"/>
-                </a:solidFill>
-                <a:latin typeface="+mn-lt"/>
-                <a:ea typeface="+mn-ea"/>
-                <a:cs typeface="+mn-cs"/>
-              </a:defRPr>
-            </a:lvl3pPr>
-            <a:lvl4pPr marL="1600200" indent="-228600" algn="l" defTabSz="914400" rtl="0" eaLnBrk="1" latinLnBrk="0" hangingPunct="1">
-              <a:lnSpc>
-                <a:spcPct val="90000"/>
-              </a:lnSpc>
-              <a:spcBef>
-                <a:spcPts val="500"/>
-              </a:spcBef>
-              <a:buClr>
-                <a:schemeClr val="accent5"/>
-              </a:buClr>
-              <a:buFont typeface="Wingdings" panose="05000000000000000000" pitchFamily="2" charset="2"/>
-              <a:buChar char="§"/>
-              <a:defRPr sz="1800" kern="1200">
-                <a:solidFill>
-                  <a:schemeClr val="bg1"/>
-                </a:solidFill>
-                <a:latin typeface="+mn-lt"/>
-                <a:ea typeface="+mn-ea"/>
-                <a:cs typeface="+mn-cs"/>
-              </a:defRPr>
-            </a:lvl4pPr>
-            <a:lvl5pPr marL="2057400" indent="-228600" algn="l" defTabSz="914400" rtl="0" eaLnBrk="1" latinLnBrk="0" hangingPunct="1">
-              <a:lnSpc>
-                <a:spcPct val="90000"/>
-              </a:lnSpc>
-              <a:spcBef>
-                <a:spcPts val="500"/>
-              </a:spcBef>
-              <a:buClr>
-                <a:schemeClr val="accent5"/>
-              </a:buClr>
-              <a:buFont typeface="Wingdings" panose="05000000000000000000" pitchFamily="2" charset="2"/>
-              <a:buChar char="§"/>
-              <a:defRPr sz="1800" kern="1200">
-                <a:solidFill>
-                  <a:schemeClr val="bg1"/>
-                </a:solidFill>
-                <a:latin typeface="+mn-lt"/>
-                <a:ea typeface="+mn-ea"/>
-                <a:cs typeface="+mn-cs"/>
-              </a:defRPr>
-            </a:lvl5pPr>
-            <a:lvl6pPr marL="2514600" indent="-228600" algn="l" defTabSz="914400" rtl="0" eaLnBrk="1" latinLnBrk="0" hangingPunct="1">
-              <a:lnSpc>
-                <a:spcPct val="90000"/>
-              </a:lnSpc>
-              <a:spcBef>
-                <a:spcPts val="500"/>
-              </a:spcBef>
-              <a:buFont typeface="Arial" panose="020B0604020202020204" pitchFamily="34" charset="0"/>
-              <a:buChar char="•"/>
-              <a:defRPr sz="1800" kern="1200">
-                <a:solidFill>
-                  <a:schemeClr val="tx1"/>
-                </a:solidFill>
-                <a:latin typeface="+mn-lt"/>
-                <a:ea typeface="+mn-ea"/>
-                <a:cs typeface="+mn-cs"/>
-              </a:defRPr>
-            </a:lvl6pPr>
-            <a:lvl7pPr marL="2971800" indent="-228600" algn="l" defTabSz="914400" rtl="0" eaLnBrk="1" latinLnBrk="0" hangingPunct="1">
-              <a:lnSpc>
-                <a:spcPct val="90000"/>
-              </a:lnSpc>
-              <a:spcBef>
-                <a:spcPts val="500"/>
-              </a:spcBef>
-              <a:buFont typeface="Arial" panose="020B0604020202020204" pitchFamily="34" charset="0"/>
-              <a:buChar char="•"/>
-              <a:defRPr sz="1800" kern="1200">
-                <a:solidFill>
-                  <a:schemeClr val="tx1"/>
-                </a:solidFill>
-                <a:latin typeface="+mn-lt"/>
-                <a:ea typeface="+mn-ea"/>
-                <a:cs typeface="+mn-cs"/>
-              </a:defRPr>
-            </a:lvl7pPr>
-            <a:lvl8pPr marL="3429000" indent="-228600" algn="l" defTabSz="914400" rtl="0" eaLnBrk="1" latinLnBrk="0" hangingPunct="1">
-              <a:lnSpc>
-                <a:spcPct val="90000"/>
-              </a:lnSpc>
-              <a:spcBef>
-                <a:spcPts val="500"/>
-              </a:spcBef>
-              <a:buFont typeface="Arial" panose="020B0604020202020204" pitchFamily="34" charset="0"/>
-              <a:buChar char="•"/>
-              <a:defRPr sz="1800" kern="1200">
-                <a:solidFill>
-                  <a:schemeClr val="tx1"/>
-                </a:solidFill>
-                <a:latin typeface="+mn-lt"/>
-                <a:ea typeface="+mn-ea"/>
-                <a:cs typeface="+mn-cs"/>
-              </a:defRPr>
-            </a:lvl8pPr>
-            <a:lvl9pPr marL="3886200" indent="-228600" algn="l" defTabSz="914400" rtl="0" eaLnBrk="1" latinLnBrk="0" hangingPunct="1">
-              <a:lnSpc>
-                <a:spcPct val="90000"/>
-              </a:lnSpc>
-              <a:spcBef>
-                <a:spcPts val="500"/>
-              </a:spcBef>
-              <a:buFont typeface="Arial" panose="020B0604020202020204" pitchFamily="34" charset="0"/>
-              <a:buChar char="•"/>
-              <a:defRPr sz="1800" kern="1200">
-                <a:solidFill>
-                  <a:schemeClr val="tx1"/>
-                </a:solidFill>
-                <a:latin typeface="+mn-lt"/>
-                <a:ea typeface="+mn-ea"/>
-                <a:cs typeface="+mn-cs"/>
-              </a:defRPr>
-            </a:lvl9pPr>
-          </a:lstStyle>
-          <a:p>
-            <a:r>
-              <a:rPr lang="en-US" sz="2000" dirty="0"/>
-              <a:t>What happens if you remove the file from working directory?</a:t>
-            </a:r>
-          </a:p>
-        </p:txBody>
-      </p:sp>
-    </p:spTree>
-    <p:extLst>
-      <p:ext uri="{BB962C8B-B14F-4D97-AF65-F5344CB8AC3E}">
-        <p14:creationId xmlns:p14="http://schemas.microsoft.com/office/powerpoint/2010/main" val="2094405024"/>
-      </p:ext>
-    </p:extLst>
-  </p:cSld>
-  <p:clrMapOvr>
-    <a:masterClrMapping/>
-  </p:clrMapOvr>
-</p:sld>
-</file>
-
-<file path=ppt/slides/slide9.xml><?xml version="1.0" encoding="utf-8"?>
-<p:sld xmlns:a="http://schemas.openxmlformats.org/drawingml/2006/main" xmlns:r="http://schemas.openxmlformats.org/officeDocument/2006/relationships" xmlns:p="http://schemas.openxmlformats.org/presentationml/2006/main">
-  <p:cSld>
-    <p:spTree>
-      <p:nvGrpSpPr>
-        <p:cNvPr id="1" name=""/>
-        <p:cNvGrpSpPr/>
-        <p:nvPr/>
-      </p:nvGrpSpPr>
-      <p:grpSpPr>
-        <a:xfrm>
-          <a:off x="0" y="0"/>
-          <a:ext cx="0" cy="0"/>
-          <a:chOff x="0" y="0"/>
-          <a:chExt cx="0" cy="0"/>
-        </a:xfrm>
-      </p:grpSpPr>
-      <p:sp>
-        <p:nvSpPr>
-          <p:cNvPr id="2" name="Title 1">
-            <a:extLst>
-              <a:ext uri="{FF2B5EF4-FFF2-40B4-BE49-F238E27FC236}">
-                <a16:creationId xmlns:a16="http://schemas.microsoft.com/office/drawing/2014/main" id="{6C14B5D2-8D31-4D6C-B863-E5FA61A0FA35}"/>
-              </a:ext>
-            </a:extLst>
-          </p:cNvPr>
-          <p:cNvSpPr>
-            <a:spLocks noGrp="1"/>
-          </p:cNvSpPr>
-          <p:nvPr>
-            <p:ph type="title"/>
-          </p:nvPr>
-        </p:nvSpPr>
-        <p:spPr/>
-        <p:txBody>
-          <a:bodyPr/>
-          <a:lstStyle/>
-          <a:p>
-            <a:r>
-              <a:rPr lang="en-MY" dirty="0"/>
-              <a:t>Restoring previous versions</a:t>
-            </a:r>
-          </a:p>
-        </p:txBody>
-      </p:sp>
-      <p:pic>
-        <p:nvPicPr>
-          <p:cNvPr id="4" name="Picture 3" descr="Text&#10;&#10;Description automatically generated">
-            <a:extLst>
-              <a:ext uri="{FF2B5EF4-FFF2-40B4-BE49-F238E27FC236}">
-                <a16:creationId xmlns:a16="http://schemas.microsoft.com/office/drawing/2014/main" id="{0339B361-A173-4F78-992D-90F084E78421}"/>
-              </a:ext>
-            </a:extLst>
-          </p:cNvPr>
-          <p:cNvPicPr>
-            <a:picLocks noChangeAspect="1"/>
-          </p:cNvPicPr>
-          <p:nvPr/>
-        </p:nvPicPr>
-        <p:blipFill>
-          <a:blip r:embed="rId2"/>
-          <a:stretch>
-            <a:fillRect/>
-          </a:stretch>
-        </p:blipFill>
-        <p:spPr>
-          <a:xfrm>
-            <a:off x="101024" y="1114165"/>
-            <a:ext cx="8774070" cy="5583499"/>
-          </a:xfrm>
-          <a:prstGeom prst="rect">
-            <a:avLst/>
-          </a:prstGeom>
-        </p:spPr>
-      </p:pic>
-      <p:sp>
-        <p:nvSpPr>
-          <p:cNvPr id="6" name="Content Placeholder 2">
-            <a:extLst>
-              <a:ext uri="{FF2B5EF4-FFF2-40B4-BE49-F238E27FC236}">
-                <a16:creationId xmlns:a16="http://schemas.microsoft.com/office/drawing/2014/main" id="{270D1C7C-ABDA-4EBB-8817-EA6FFCB6E15A}"/>
-              </a:ext>
-            </a:extLst>
-          </p:cNvPr>
-          <p:cNvSpPr>
-            <a:spLocks noGrp="1"/>
-          </p:cNvSpPr>
-          <p:nvPr>
-            <p:ph idx="1"/>
-          </p:nvPr>
-        </p:nvSpPr>
-        <p:spPr>
-          <a:xfrm>
-            <a:off x="8531440" y="1819921"/>
-            <a:ext cx="3018409" cy="4357041"/>
-          </a:xfrm>
-        </p:spPr>
-        <p:txBody>
-          <a:bodyPr/>
-          <a:lstStyle/>
-          <a:p>
-            <a:r>
-              <a:rPr lang="en-US" sz="2400" dirty="0"/>
-              <a:t>Several methods to restore previous versions</a:t>
-            </a:r>
-          </a:p>
-          <a:p>
-            <a:pPr marL="457200" indent="-457200">
-              <a:buAutoNum type="arabicParenR"/>
-            </a:pPr>
-            <a:r>
-              <a:rPr lang="en-US" sz="2400" dirty="0"/>
-              <a:t>git checkout</a:t>
-            </a:r>
-          </a:p>
-          <a:p>
-            <a:pPr marL="457200" indent="-457200">
-              <a:buAutoNum type="arabicParenR"/>
-            </a:pPr>
-            <a:r>
-              <a:rPr lang="en-US" sz="2400" dirty="0"/>
-              <a:t>git reset</a:t>
-            </a:r>
-          </a:p>
-          <a:p>
-            <a:pPr marL="457200" indent="-457200">
-              <a:buAutoNum type="arabicParenR"/>
-            </a:pPr>
-            <a:r>
-              <a:rPr lang="en-US" sz="2400" dirty="0"/>
-              <a:t>git revert</a:t>
-            </a:r>
-          </a:p>
-          <a:p>
-            <a:pPr marL="457200" indent="-457200">
-              <a:buAutoNum type="arabicParenR"/>
-            </a:pPr>
-            <a:r>
-              <a:rPr lang="en-US" sz="2400" dirty="0"/>
-              <a:t>git restore</a:t>
-            </a:r>
-          </a:p>
-          <a:p>
-            <a:pPr marL="457200" indent="-457200">
-              <a:buAutoNum type="arabicParenR"/>
-            </a:pPr>
-            <a:endParaRPr lang="en-US" sz="2400" dirty="0"/>
-          </a:p>
-          <a:p>
-            <a:endParaRPr lang="en-US" dirty="0"/>
-          </a:p>
-        </p:txBody>
-      </p:sp>
-    </p:spTree>
-    <p:extLst>
-      <p:ext uri="{BB962C8B-B14F-4D97-AF65-F5344CB8AC3E}">
-        <p14:creationId xmlns:p14="http://schemas.microsoft.com/office/powerpoint/2010/main" val="639973640"/>
-      </p:ext>
-    </p:extLst>
-  </p:cSld>
-  <p:clrMapOvr>
-    <a:masterClrMapping/>
-  </p:clrMapOvr>
-</p:sld>
-</file>
-
 <file path=ppt/theme/theme1.xml><?xml version="1.0" encoding="utf-8"?>
 <a:theme xmlns:a="http://schemas.openxmlformats.org/drawingml/2006/main" name="Office Theme">
   <a:themeElements>
@@ -18306,6 +20604,14 @@
 </file>
 
 <file path=customXml/item2.xml><?xml version="1.0" encoding="utf-8"?>
+<p:properties xmlns:p="http://schemas.microsoft.com/office/2006/metadata/properties" xmlns:xsi="http://www.w3.org/2001/XMLSchema-instance" xmlns:pc="http://schemas.microsoft.com/office/infopath/2007/PartnerControls">
+  <documentManagement>
+    <MediaServiceKeyPoints xmlns="71af3243-3dd4-4a8d-8c0d-dd76da1f02a5" xsi:nil="true"/>
+  </documentManagement>
+</p:properties>
+</file>
+
+<file path=customXml/item3.xml><?xml version="1.0" encoding="utf-8"?>
 <ct:contentTypeSchema xmlns:ct="http://schemas.microsoft.com/office/2006/metadata/contentType" xmlns:ma="http://schemas.microsoft.com/office/2006/metadata/properties/metaAttributes" ct:_="" ma:_="" ma:contentTypeName="Document" ma:contentTypeID="0x01010079F111ED35F8CC479449609E8A0923A6" ma:contentTypeVersion="11" ma:contentTypeDescription="Create a new document." ma:contentTypeScope="" ma:versionID="96291512c1ee715ab617f4c07df79fc1">
   <xsd:schema xmlns:xsd="http://www.w3.org/2001/XMLSchema" xmlns:xs="http://www.w3.org/2001/XMLSchema" xmlns:p="http://schemas.microsoft.com/office/2006/metadata/properties" xmlns:ns2="71af3243-3dd4-4a8d-8c0d-dd76da1f02a5" xmlns:ns3="16c05727-aa75-4e4a-9b5f-8a80a1165891" targetNamespace="http://schemas.microsoft.com/office/2006/metadata/properties" ma:root="true" ma:fieldsID="8256c27c40ca5c40ce1cf6c44f0205df" ns2:_="" ns3:_="">
     <xsd:import namespace="71af3243-3dd4-4a8d-8c0d-dd76da1f02a5"/>
@@ -18516,14 +20822,6 @@
 </ct:contentTypeSchema>
 </file>
 
-<file path=customXml/item3.xml><?xml version="1.0" encoding="utf-8"?>
-<p:properties xmlns:p="http://schemas.microsoft.com/office/2006/metadata/properties" xmlns:xsi="http://www.w3.org/2001/XMLSchema-instance" xmlns:pc="http://schemas.microsoft.com/office/infopath/2007/PartnerControls">
-  <documentManagement>
-    <MediaServiceKeyPoints xmlns="71af3243-3dd4-4a8d-8c0d-dd76da1f02a5" xsi:nil="true"/>
-  </documentManagement>
-</p:properties>
-</file>
-
 <file path=customXml/itemProps1.xml><?xml version="1.0" encoding="utf-8"?>
 <ds:datastoreItem xmlns:ds="http://schemas.openxmlformats.org/officeDocument/2006/customXml" ds:itemID="{EEDC6638-3F1D-4CA5-A167-2F719C08762F}">
   <ds:schemaRefs>
@@ -18533,6 +20831,16 @@
 </file>
 
 <file path=customXml/itemProps2.xml><?xml version="1.0" encoding="utf-8"?>
+<ds:datastoreItem xmlns:ds="http://schemas.openxmlformats.org/officeDocument/2006/customXml" ds:itemID="{1E159ADF-C50B-4A45-AD13-B0A8152C3150}">
+  <ds:schemaRefs>
+    <ds:schemaRef ds:uri="http://schemas.microsoft.com/office/2006/metadata/properties"/>
+    <ds:schemaRef ds:uri="http://schemas.microsoft.com/office/infopath/2007/PartnerControls"/>
+    <ds:schemaRef ds:uri="71af3243-3dd4-4a8d-8c0d-dd76da1f02a5"/>
+  </ds:schemaRefs>
+</ds:datastoreItem>
+</file>
+
+<file path=customXml/itemProps3.xml><?xml version="1.0" encoding="utf-8"?>
 <ds:datastoreItem xmlns:ds="http://schemas.openxmlformats.org/officeDocument/2006/customXml" ds:itemID="{95FDF6E3-4638-4FD3-B9D7-E0E63F20565C}">
   <ds:schemaRefs>
     <ds:schemaRef ds:uri="http://schemas.microsoft.com/office/2006/metadata/contentType"/>
@@ -18549,14 +20857,4 @@
     <ds:schemaRef ds:uri="http://schemas.microsoft.com/internal/obd"/>
   </ds:schemaRefs>
 </ds:datastoreItem>
-</file>
-
-<file path=customXml/itemProps3.xml><?xml version="1.0" encoding="utf-8"?>
-<ds:datastoreItem xmlns:ds="http://schemas.openxmlformats.org/officeDocument/2006/customXml" ds:itemID="{1E159ADF-C50B-4A45-AD13-B0A8152C3150}">
-  <ds:schemaRefs>
-    <ds:schemaRef ds:uri="http://schemas.microsoft.com/office/2006/metadata/properties"/>
-    <ds:schemaRef ds:uri="http://schemas.microsoft.com/office/infopath/2007/PartnerControls"/>
-    <ds:schemaRef ds:uri="71af3243-3dd4-4a8d-8c0d-dd76da1f02a5"/>
-  </ds:schemaRefs>
-</ds:datastoreItem>
 </file>
--- a/Git and Github.pptx
+++ b/Git and Github.pptx
@@ -5,51 +5,52 @@
     <p:sldMasterId id="2147483648" r:id="rId4"/>
   </p:sldMasterIdLst>
   <p:notesMasterIdLst>
-    <p:notesMasterId r:id="rId44"/>
+    <p:notesMasterId r:id="rId45"/>
   </p:notesMasterIdLst>
   <p:handoutMasterIdLst>
-    <p:handoutMasterId r:id="rId45"/>
+    <p:handoutMasterId r:id="rId46"/>
   </p:handoutMasterIdLst>
   <p:sldIdLst>
     <p:sldId id="256" r:id="rId5"/>
     <p:sldId id="290" r:id="rId6"/>
     <p:sldId id="292" r:id="rId7"/>
-    <p:sldId id="263" r:id="rId8"/>
-    <p:sldId id="257" r:id="rId9"/>
-    <p:sldId id="259" r:id="rId10"/>
-    <p:sldId id="295" r:id="rId11"/>
-    <p:sldId id="296" r:id="rId12"/>
-    <p:sldId id="258" r:id="rId13"/>
-    <p:sldId id="264" r:id="rId14"/>
+    <p:sldId id="297" r:id="rId8"/>
+    <p:sldId id="259" r:id="rId9"/>
+    <p:sldId id="295" r:id="rId10"/>
+    <p:sldId id="263" r:id="rId11"/>
+    <p:sldId id="257" r:id="rId12"/>
+    <p:sldId id="296" r:id="rId13"/>
+    <p:sldId id="258" r:id="rId14"/>
     <p:sldId id="261" r:id="rId15"/>
-    <p:sldId id="269" r:id="rId16"/>
-    <p:sldId id="273" r:id="rId17"/>
-    <p:sldId id="280" r:id="rId18"/>
-    <p:sldId id="293" r:id="rId19"/>
-    <p:sldId id="282" r:id="rId20"/>
-    <p:sldId id="283" r:id="rId21"/>
-    <p:sldId id="288" r:id="rId22"/>
-    <p:sldId id="270" r:id="rId23"/>
-    <p:sldId id="268" r:id="rId24"/>
-    <p:sldId id="267" r:id="rId25"/>
-    <p:sldId id="275" r:id="rId26"/>
-    <p:sldId id="276" r:id="rId27"/>
-    <p:sldId id="277" r:id="rId28"/>
-    <p:sldId id="289" r:id="rId29"/>
-    <p:sldId id="278" r:id="rId30"/>
-    <p:sldId id="279" r:id="rId31"/>
-    <p:sldId id="281" r:id="rId32"/>
-    <p:sldId id="286" r:id="rId33"/>
-    <p:sldId id="285" r:id="rId34"/>
-    <p:sldId id="284" r:id="rId35"/>
-    <p:sldId id="260" r:id="rId36"/>
-    <p:sldId id="262" r:id="rId37"/>
-    <p:sldId id="291" r:id="rId38"/>
-    <p:sldId id="266" r:id="rId39"/>
-    <p:sldId id="265" r:id="rId40"/>
-    <p:sldId id="271" r:id="rId41"/>
-    <p:sldId id="274" r:id="rId42"/>
-    <p:sldId id="287" r:id="rId43"/>
+    <p:sldId id="264" r:id="rId16"/>
+    <p:sldId id="269" r:id="rId17"/>
+    <p:sldId id="273" r:id="rId18"/>
+    <p:sldId id="280" r:id="rId19"/>
+    <p:sldId id="293" r:id="rId20"/>
+    <p:sldId id="282" r:id="rId21"/>
+    <p:sldId id="283" r:id="rId22"/>
+    <p:sldId id="288" r:id="rId23"/>
+    <p:sldId id="270" r:id="rId24"/>
+    <p:sldId id="289" r:id="rId25"/>
+    <p:sldId id="268" r:id="rId26"/>
+    <p:sldId id="267" r:id="rId27"/>
+    <p:sldId id="275" r:id="rId28"/>
+    <p:sldId id="276" r:id="rId29"/>
+    <p:sldId id="277" r:id="rId30"/>
+    <p:sldId id="278" r:id="rId31"/>
+    <p:sldId id="279" r:id="rId32"/>
+    <p:sldId id="281" r:id="rId33"/>
+    <p:sldId id="286" r:id="rId34"/>
+    <p:sldId id="285" r:id="rId35"/>
+    <p:sldId id="284" r:id="rId36"/>
+    <p:sldId id="260" r:id="rId37"/>
+    <p:sldId id="262" r:id="rId38"/>
+    <p:sldId id="291" r:id="rId39"/>
+    <p:sldId id="266" r:id="rId40"/>
+    <p:sldId id="265" r:id="rId41"/>
+    <p:sldId id="271" r:id="rId42"/>
+    <p:sldId id="274" r:id="rId43"/>
+    <p:sldId id="287" r:id="rId44"/>
   </p:sldIdLst>
   <p:sldSz cx="12192000" cy="6858000"/>
   <p:notesSz cx="6858000" cy="9144000"/>
@@ -264,7 +265,7 @@
           <a:p>
             <a:fld id="{33ADE46C-81A1-43FB-B8E4-2C816F921C1C}" type="datetimeFigureOut">
               <a:rPr lang="en-US" smtClean="0"/>
-              <a:t>9/30/2021</a:t>
+              <a:t>10/6/2021</a:t>
             </a:fld>
             <a:endParaRPr lang="en-US" dirty="0"/>
           </a:p>
@@ -441,7 +442,7 @@
           <a:p>
             <a:fld id="{1A32EB95-E92B-4DBE-A5E5-BAD87330878F}" type="datetimeFigureOut">
               <a:rPr lang="en-US" smtClean="0"/>
-              <a:t>9/30/2021</a:t>
+              <a:t>10/6/2021</a:t>
             </a:fld>
             <a:endParaRPr lang="en-US" dirty="0"/>
           </a:p>
@@ -836,7 +837,7 @@
           <a:bodyPr/>
           <a:lstStyle/>
           <a:p>
-            <a:endParaRPr lang="en-MY"/>
+            <a:endParaRPr lang="en-MY" dirty="0"/>
           </a:p>
         </p:txBody>
       </p:sp>
@@ -866,7 +867,7 @@
     </p:spTree>
     <p:extLst>
       <p:ext uri="{BB962C8B-B14F-4D97-AF65-F5344CB8AC3E}">
-        <p14:creationId xmlns:p14="http://schemas.microsoft.com/office/powerpoint/2010/main" val="2792107645"/>
+        <p14:creationId xmlns:p14="http://schemas.microsoft.com/office/powerpoint/2010/main" val="3091079788"/>
       </p:ext>
     </p:extLst>
   </p:cSld>
@@ -1034,7 +1035,7 @@
     </p:spTree>
     <p:extLst>
       <p:ext uri="{BB962C8B-B14F-4D97-AF65-F5344CB8AC3E}">
-        <p14:creationId xmlns:p14="http://schemas.microsoft.com/office/powerpoint/2010/main" val="366419889"/>
+        <p14:creationId xmlns:p14="http://schemas.microsoft.com/office/powerpoint/2010/main" val="2792107645"/>
       </p:ext>
     </p:extLst>
   </p:cSld>
@@ -1118,7 +1119,7 @@
     </p:spTree>
     <p:extLst>
       <p:ext uri="{BB962C8B-B14F-4D97-AF65-F5344CB8AC3E}">
-        <p14:creationId xmlns:p14="http://schemas.microsoft.com/office/powerpoint/2010/main" val="3576866511"/>
+        <p14:creationId xmlns:p14="http://schemas.microsoft.com/office/powerpoint/2010/main" val="366419889"/>
       </p:ext>
     </p:extLst>
   </p:cSld>
@@ -1202,7 +1203,7 @@
     </p:spTree>
     <p:extLst>
       <p:ext uri="{BB962C8B-B14F-4D97-AF65-F5344CB8AC3E}">
-        <p14:creationId xmlns:p14="http://schemas.microsoft.com/office/powerpoint/2010/main" val="1336391628"/>
+        <p14:creationId xmlns:p14="http://schemas.microsoft.com/office/powerpoint/2010/main" val="3576866511"/>
       </p:ext>
     </p:extLst>
   </p:cSld>
@@ -1286,7 +1287,7 @@
     </p:spTree>
     <p:extLst>
       <p:ext uri="{BB962C8B-B14F-4D97-AF65-F5344CB8AC3E}">
-        <p14:creationId xmlns:p14="http://schemas.microsoft.com/office/powerpoint/2010/main" val="1227104334"/>
+        <p14:creationId xmlns:p14="http://schemas.microsoft.com/office/powerpoint/2010/main" val="1336391628"/>
       </p:ext>
     </p:extLst>
   </p:cSld>
@@ -1370,7 +1371,7 @@
     </p:spTree>
     <p:extLst>
       <p:ext uri="{BB962C8B-B14F-4D97-AF65-F5344CB8AC3E}">
-        <p14:creationId xmlns:p14="http://schemas.microsoft.com/office/powerpoint/2010/main" val="210115921"/>
+        <p14:creationId xmlns:p14="http://schemas.microsoft.com/office/powerpoint/2010/main" val="1227104334"/>
       </p:ext>
     </p:extLst>
   </p:cSld>
@@ -1445,7 +1446,7 @@
           <a:p>
             <a:fld id="{F4367C96-DDCA-4867-8F69-39EABFA21D53}" type="slidenum">
               <a:rPr lang="en-US" smtClean="0"/>
-              <a:t>18</a:t>
+              <a:t>17</a:t>
             </a:fld>
             <a:endParaRPr lang="en-US" dirty="0"/>
           </a:p>
@@ -1454,7 +1455,7 @@
     </p:spTree>
     <p:extLst>
       <p:ext uri="{BB962C8B-B14F-4D97-AF65-F5344CB8AC3E}">
-        <p14:creationId xmlns:p14="http://schemas.microsoft.com/office/powerpoint/2010/main" val="4285047696"/>
+        <p14:creationId xmlns:p14="http://schemas.microsoft.com/office/powerpoint/2010/main" val="210115921"/>
       </p:ext>
     </p:extLst>
   </p:cSld>
@@ -1538,7 +1539,7 @@
     </p:spTree>
     <p:extLst>
       <p:ext uri="{BB962C8B-B14F-4D97-AF65-F5344CB8AC3E}">
-        <p14:creationId xmlns:p14="http://schemas.microsoft.com/office/powerpoint/2010/main" val="117126957"/>
+        <p14:creationId xmlns:p14="http://schemas.microsoft.com/office/powerpoint/2010/main" val="4285047696"/>
       </p:ext>
     </p:extLst>
   </p:cSld>
@@ -1592,7 +1593,7 @@
           <a:bodyPr/>
           <a:lstStyle/>
           <a:p>
-            <a:endParaRPr lang="en-MY" dirty="0"/>
+            <a:endParaRPr lang="en-MY"/>
           </a:p>
         </p:txBody>
       </p:sp>
@@ -1613,7 +1614,7 @@
           <a:p>
             <a:fld id="{F4367C96-DDCA-4867-8F69-39EABFA21D53}" type="slidenum">
               <a:rPr lang="en-US" smtClean="0"/>
-              <a:t>22</a:t>
+              <a:t>20</a:t>
             </a:fld>
             <a:endParaRPr lang="en-US" dirty="0"/>
           </a:p>
@@ -1622,7 +1623,7 @@
     </p:spTree>
     <p:extLst>
       <p:ext uri="{BB962C8B-B14F-4D97-AF65-F5344CB8AC3E}">
-        <p14:creationId xmlns:p14="http://schemas.microsoft.com/office/powerpoint/2010/main" val="1522652898"/>
+        <p14:creationId xmlns:p14="http://schemas.microsoft.com/office/powerpoint/2010/main" val="117126957"/>
       </p:ext>
     </p:extLst>
   </p:cSld>
@@ -1781,7 +1782,7 @@
           <a:p>
             <a:fld id="{F4367C96-DDCA-4867-8F69-39EABFA21D53}" type="slidenum">
               <a:rPr lang="en-US" smtClean="0"/>
-              <a:t>23</a:t>
+              <a:t>21</a:t>
             </a:fld>
             <a:endParaRPr lang="en-US" dirty="0"/>
           </a:p>
@@ -1790,7 +1791,7 @@
     </p:spTree>
     <p:extLst>
       <p:ext uri="{BB962C8B-B14F-4D97-AF65-F5344CB8AC3E}">
-        <p14:creationId xmlns:p14="http://schemas.microsoft.com/office/powerpoint/2010/main" val="3933458520"/>
+        <p14:creationId xmlns:p14="http://schemas.microsoft.com/office/powerpoint/2010/main" val="2284461147"/>
       </p:ext>
     </p:extLst>
   </p:cSld>
@@ -1874,7 +1875,7 @@
     </p:spTree>
     <p:extLst>
       <p:ext uri="{BB962C8B-B14F-4D97-AF65-F5344CB8AC3E}">
-        <p14:creationId xmlns:p14="http://schemas.microsoft.com/office/powerpoint/2010/main" val="2560814428"/>
+        <p14:creationId xmlns:p14="http://schemas.microsoft.com/office/powerpoint/2010/main" val="1522652898"/>
       </p:ext>
     </p:extLst>
   </p:cSld>
@@ -1958,7 +1959,7 @@
     </p:spTree>
     <p:extLst>
       <p:ext uri="{BB962C8B-B14F-4D97-AF65-F5344CB8AC3E}">
-        <p14:creationId xmlns:p14="http://schemas.microsoft.com/office/powerpoint/2010/main" val="2284461147"/>
+        <p14:creationId xmlns:p14="http://schemas.microsoft.com/office/powerpoint/2010/main" val="3933458520"/>
       </p:ext>
     </p:extLst>
   </p:cSld>
@@ -2042,7 +2043,7 @@
     </p:spTree>
     <p:extLst>
       <p:ext uri="{BB962C8B-B14F-4D97-AF65-F5344CB8AC3E}">
-        <p14:creationId xmlns:p14="http://schemas.microsoft.com/office/powerpoint/2010/main" val="3742640483"/>
+        <p14:creationId xmlns:p14="http://schemas.microsoft.com/office/powerpoint/2010/main" val="2560814428"/>
       </p:ext>
     </p:extLst>
   </p:cSld>
@@ -2126,7 +2127,7 @@
     </p:spTree>
     <p:extLst>
       <p:ext uri="{BB962C8B-B14F-4D97-AF65-F5344CB8AC3E}">
-        <p14:creationId xmlns:p14="http://schemas.microsoft.com/office/powerpoint/2010/main" val="3447023021"/>
+        <p14:creationId xmlns:p14="http://schemas.microsoft.com/office/powerpoint/2010/main" val="3742640483"/>
       </p:ext>
     </p:extLst>
   </p:cSld>
@@ -2210,7 +2211,7 @@
     </p:spTree>
     <p:extLst>
       <p:ext uri="{BB962C8B-B14F-4D97-AF65-F5344CB8AC3E}">
-        <p14:creationId xmlns:p14="http://schemas.microsoft.com/office/powerpoint/2010/main" val="4274731091"/>
+        <p14:creationId xmlns:p14="http://schemas.microsoft.com/office/powerpoint/2010/main" val="3447023021"/>
       </p:ext>
     </p:extLst>
   </p:cSld>
@@ -2294,7 +2295,7 @@
     </p:spTree>
     <p:extLst>
       <p:ext uri="{BB962C8B-B14F-4D97-AF65-F5344CB8AC3E}">
-        <p14:creationId xmlns:p14="http://schemas.microsoft.com/office/powerpoint/2010/main" val="1205285005"/>
+        <p14:creationId xmlns:p14="http://schemas.microsoft.com/office/powerpoint/2010/main" val="4274731091"/>
       </p:ext>
     </p:extLst>
   </p:cSld>
@@ -2378,7 +2379,7 @@
     </p:spTree>
     <p:extLst>
       <p:ext uri="{BB962C8B-B14F-4D97-AF65-F5344CB8AC3E}">
-        <p14:creationId xmlns:p14="http://schemas.microsoft.com/office/powerpoint/2010/main" val="1322968903"/>
+        <p14:creationId xmlns:p14="http://schemas.microsoft.com/office/powerpoint/2010/main" val="1205285005"/>
       </p:ext>
     </p:extLst>
   </p:cSld>
@@ -2454,6 +2455,90 @@
             <a:fld id="{F4367C96-DDCA-4867-8F69-39EABFA21D53}" type="slidenum">
               <a:rPr lang="en-US" smtClean="0"/>
               <a:t>31</a:t>
+            </a:fld>
+            <a:endParaRPr lang="en-US" dirty="0"/>
+          </a:p>
+        </p:txBody>
+      </p:sp>
+    </p:spTree>
+    <p:extLst>
+      <p:ext uri="{BB962C8B-B14F-4D97-AF65-F5344CB8AC3E}">
+        <p14:creationId xmlns:p14="http://schemas.microsoft.com/office/powerpoint/2010/main" val="1322968903"/>
+      </p:ext>
+    </p:extLst>
+  </p:cSld>
+  <p:clrMapOvr>
+    <a:masterClrMapping/>
+  </p:clrMapOvr>
+</p:notes>
+</file>
+
+<file path=ppt/notesSlides/notesSlide29.xml><?xml version="1.0" encoding="utf-8"?>
+<p:notes xmlns:a="http://schemas.openxmlformats.org/drawingml/2006/main" xmlns:r="http://schemas.openxmlformats.org/officeDocument/2006/relationships" xmlns:p="http://schemas.openxmlformats.org/presentationml/2006/main">
+  <p:cSld>
+    <p:spTree>
+      <p:nvGrpSpPr>
+        <p:cNvPr id="1" name=""/>
+        <p:cNvGrpSpPr/>
+        <p:nvPr/>
+      </p:nvGrpSpPr>
+      <p:grpSpPr>
+        <a:xfrm>
+          <a:off x="0" y="0"/>
+          <a:ext cx="0" cy="0"/>
+          <a:chOff x="0" y="0"/>
+          <a:chExt cx="0" cy="0"/>
+        </a:xfrm>
+      </p:grpSpPr>
+      <p:sp>
+        <p:nvSpPr>
+          <p:cNvPr id="2" name="Slide Image Placeholder 1"/>
+          <p:cNvSpPr>
+            <a:spLocks noGrp="1" noRot="1" noChangeAspect="1"/>
+          </p:cNvSpPr>
+          <p:nvPr>
+            <p:ph type="sldImg"/>
+          </p:nvPr>
+        </p:nvSpPr>
+        <p:spPr/>
+      </p:sp>
+      <p:sp>
+        <p:nvSpPr>
+          <p:cNvPr id="3" name="Notes Placeholder 2"/>
+          <p:cNvSpPr>
+            <a:spLocks noGrp="1"/>
+          </p:cNvSpPr>
+          <p:nvPr>
+            <p:ph type="body" idx="1"/>
+          </p:nvPr>
+        </p:nvSpPr>
+        <p:spPr/>
+        <p:txBody>
+          <a:bodyPr/>
+          <a:lstStyle/>
+          <a:p>
+            <a:endParaRPr lang="en-MY" dirty="0"/>
+          </a:p>
+        </p:txBody>
+      </p:sp>
+      <p:sp>
+        <p:nvSpPr>
+          <p:cNvPr id="4" name="Slide Number Placeholder 3"/>
+          <p:cNvSpPr>
+            <a:spLocks noGrp="1"/>
+          </p:cNvSpPr>
+          <p:nvPr>
+            <p:ph type="sldNum" sz="quarter" idx="5"/>
+          </p:nvPr>
+        </p:nvSpPr>
+        <p:spPr/>
+        <p:txBody>
+          <a:bodyPr/>
+          <a:lstStyle/>
+          <a:p>
+            <a:fld id="{F4367C96-DDCA-4867-8F69-39EABFA21D53}" type="slidenum">
+              <a:rPr lang="en-US" smtClean="0"/>
+              <a:t>32</a:t>
             </a:fld>
             <a:endParaRPr lang="en-US" dirty="0"/>
           </a:p>
@@ -2600,7 +2685,7 @@
           <a:bodyPr/>
           <a:lstStyle/>
           <a:p>
-            <a:endParaRPr lang="en-MY"/>
+            <a:endParaRPr lang="en-MY" dirty="0"/>
           </a:p>
         </p:txBody>
       </p:sp>
@@ -2630,7 +2715,7 @@
     </p:spTree>
     <p:extLst>
       <p:ext uri="{BB962C8B-B14F-4D97-AF65-F5344CB8AC3E}">
-        <p14:creationId xmlns:p14="http://schemas.microsoft.com/office/powerpoint/2010/main" val="2413317764"/>
+        <p14:creationId xmlns:p14="http://schemas.microsoft.com/office/powerpoint/2010/main" val="3191542401"/>
       </p:ext>
     </p:extLst>
   </p:cSld>
@@ -2714,7 +2799,7 @@
     </p:spTree>
     <p:extLst>
       <p:ext uri="{BB962C8B-B14F-4D97-AF65-F5344CB8AC3E}">
-        <p14:creationId xmlns:p14="http://schemas.microsoft.com/office/powerpoint/2010/main" val="2879884676"/>
+        <p14:creationId xmlns:p14="http://schemas.microsoft.com/office/powerpoint/2010/main" val="1827559280"/>
       </p:ext>
     </p:extLst>
   </p:cSld>
@@ -2798,7 +2883,7 @@
     </p:spTree>
     <p:extLst>
       <p:ext uri="{BB962C8B-B14F-4D97-AF65-F5344CB8AC3E}">
-        <p14:creationId xmlns:p14="http://schemas.microsoft.com/office/powerpoint/2010/main" val="1827559280"/>
+        <p14:creationId xmlns:p14="http://schemas.microsoft.com/office/powerpoint/2010/main" val="1516177463"/>
       </p:ext>
     </p:extLst>
   </p:cSld>
@@ -2882,7 +2967,7 @@
     </p:spTree>
     <p:extLst>
       <p:ext uri="{BB962C8B-B14F-4D97-AF65-F5344CB8AC3E}">
-        <p14:creationId xmlns:p14="http://schemas.microsoft.com/office/powerpoint/2010/main" val="1516177463"/>
+        <p14:creationId xmlns:p14="http://schemas.microsoft.com/office/powerpoint/2010/main" val="2413317764"/>
       </p:ext>
     </p:extLst>
   </p:cSld>
@@ -2966,7 +3051,7 @@
     </p:spTree>
     <p:extLst>
       <p:ext uri="{BB962C8B-B14F-4D97-AF65-F5344CB8AC3E}">
-        <p14:creationId xmlns:p14="http://schemas.microsoft.com/office/powerpoint/2010/main" val="803627712"/>
+        <p14:creationId xmlns:p14="http://schemas.microsoft.com/office/powerpoint/2010/main" val="2879884676"/>
       </p:ext>
     </p:extLst>
   </p:cSld>
@@ -3050,7 +3135,7 @@
     </p:spTree>
     <p:extLst>
       <p:ext uri="{BB962C8B-B14F-4D97-AF65-F5344CB8AC3E}">
-        <p14:creationId xmlns:p14="http://schemas.microsoft.com/office/powerpoint/2010/main" val="3091079788"/>
+        <p14:creationId xmlns:p14="http://schemas.microsoft.com/office/powerpoint/2010/main" val="803627712"/>
       </p:ext>
     </p:extLst>
   </p:cSld>
@@ -3235,7 +3320,7 @@
           <a:p>
             <a:fld id="{B99A8159-6B10-4896-B6E2-2809ECD1D84D}" type="datetimeFigureOut">
               <a:rPr lang="en-US" smtClean="0"/>
-              <a:t>9/30/2021</a:t>
+              <a:t>10/6/2021</a:t>
             </a:fld>
             <a:endParaRPr lang="en-US" dirty="0"/>
           </a:p>
@@ -3647,7 +3732,7 @@
           <a:p>
             <a:fld id="{B99A8159-6B10-4896-B6E2-2809ECD1D84D}" type="datetimeFigureOut">
               <a:rPr lang="en-US" smtClean="0"/>
-              <a:t>9/30/2021</a:t>
+              <a:t>10/6/2021</a:t>
             </a:fld>
             <a:endParaRPr lang="en-US" dirty="0"/>
           </a:p>
@@ -3788,7 +3873,7 @@
           <a:p>
             <a:fld id="{B99A8159-6B10-4896-B6E2-2809ECD1D84D}" type="datetimeFigureOut">
               <a:rPr lang="en-US" smtClean="0"/>
-              <a:t>9/30/2021</a:t>
+              <a:t>10/6/2021</a:t>
             </a:fld>
             <a:endParaRPr lang="en-US" dirty="0"/>
           </a:p>
@@ -3901,7 +3986,7 @@
           <a:p>
             <a:fld id="{B99A8159-6B10-4896-B6E2-2809ECD1D84D}" type="datetimeFigureOut">
               <a:rPr lang="en-US" smtClean="0"/>
-              <a:t>9/30/2021</a:t>
+              <a:t>10/6/2021</a:t>
             </a:fld>
             <a:endParaRPr lang="en-US" dirty="0"/>
           </a:p>
@@ -4212,7 +4297,7 @@
           <a:p>
             <a:fld id="{B99A8159-6B10-4896-B6E2-2809ECD1D84D}" type="datetimeFigureOut">
               <a:rPr lang="en-US" smtClean="0"/>
-              <a:t>9/30/2021</a:t>
+              <a:t>10/6/2021</a:t>
             </a:fld>
             <a:endParaRPr lang="en-US" dirty="0"/>
           </a:p>
@@ -4504,7 +4589,7 @@
           <a:p>
             <a:fld id="{B99A8159-6B10-4896-B6E2-2809ECD1D84D}" type="datetimeFigureOut">
               <a:rPr lang="en-US" smtClean="0"/>
-              <a:t>9/30/2021</a:t>
+              <a:t>10/6/2021</a:t>
             </a:fld>
             <a:endParaRPr lang="en-US" dirty="0"/>
           </a:p>
@@ -4792,7 +4877,7 @@
           <a:p>
             <a:fld id="{B99A8159-6B10-4896-B6E2-2809ECD1D84D}" type="datetimeFigureOut">
               <a:rPr lang="en-US" smtClean="0"/>
-              <a:t>9/30/2021</a:t>
+              <a:t>10/6/2021</a:t>
             </a:fld>
             <a:endParaRPr lang="en-US" dirty="0"/>
           </a:p>
@@ -5080,7 +5165,7 @@
           <a:p>
             <a:fld id="{B99A8159-6B10-4896-B6E2-2809ECD1D84D}" type="datetimeFigureOut">
               <a:rPr lang="en-US" smtClean="0"/>
-              <a:t>9/30/2021</a:t>
+              <a:t>10/6/2021</a:t>
             </a:fld>
             <a:endParaRPr lang="en-US" dirty="0"/>
           </a:p>
@@ -5368,7 +5453,7 @@
           <a:p>
             <a:fld id="{B99A8159-6B10-4896-B6E2-2809ECD1D84D}" type="datetimeFigureOut">
               <a:rPr lang="en-US" smtClean="0"/>
-              <a:t>9/30/2021</a:t>
+              <a:t>10/6/2021</a:t>
             </a:fld>
             <a:endParaRPr lang="en-US" dirty="0"/>
           </a:p>
@@ -5656,7 +5741,7 @@
           <a:p>
             <a:fld id="{B99A8159-6B10-4896-B6E2-2809ECD1D84D}" type="datetimeFigureOut">
               <a:rPr lang="en-US" smtClean="0"/>
-              <a:t>9/30/2021</a:t>
+              <a:t>10/6/2021</a:t>
             </a:fld>
             <a:endParaRPr lang="en-US" dirty="0"/>
           </a:p>
@@ -5944,7 +6029,7 @@
           <a:p>
             <a:fld id="{B99A8159-6B10-4896-B6E2-2809ECD1D84D}" type="datetimeFigureOut">
               <a:rPr lang="en-US" smtClean="0"/>
-              <a:t>9/30/2021</a:t>
+              <a:t>10/6/2021</a:t>
             </a:fld>
             <a:endParaRPr lang="en-US" dirty="0"/>
           </a:p>
@@ -6232,7 +6317,7 @@
           <a:p>
             <a:fld id="{B99A8159-6B10-4896-B6E2-2809ECD1D84D}" type="datetimeFigureOut">
               <a:rPr lang="en-US" smtClean="0"/>
-              <a:t>9/30/2021</a:t>
+              <a:t>10/6/2021</a:t>
             </a:fld>
             <a:endParaRPr lang="en-US" dirty="0"/>
           </a:p>
@@ -6507,7 +6592,7 @@
           <a:p>
             <a:fld id="{B99A8159-6B10-4896-B6E2-2809ECD1D84D}" type="datetimeFigureOut">
               <a:rPr lang="en-US" smtClean="0"/>
-              <a:t>9/30/2021</a:t>
+              <a:t>10/6/2021</a:t>
             </a:fld>
             <a:endParaRPr lang="en-US" dirty="0"/>
           </a:p>
@@ -6772,7 +6857,7 @@
           <a:p>
             <a:fld id="{B99A8159-6B10-4896-B6E2-2809ECD1D84D}" type="datetimeFigureOut">
               <a:rPr lang="en-US" smtClean="0"/>
-              <a:t>9/30/2021</a:t>
+              <a:t>10/6/2021</a:t>
             </a:fld>
             <a:endParaRPr lang="en-US" dirty="0"/>
           </a:p>
@@ -7013,7 +7098,7 @@
           <a:p>
             <a:fld id="{B99A8159-6B10-4896-B6E2-2809ECD1D84D}" type="datetimeFigureOut">
               <a:rPr lang="en-US" smtClean="0"/>
-              <a:t>9/30/2021</a:t>
+              <a:t>10/6/2021</a:t>
             </a:fld>
             <a:endParaRPr lang="en-US" dirty="0"/>
           </a:p>
@@ -7699,6 +7784,384 @@
           <p:cNvPr id="2" name="Title 1">
             <a:extLst>
               <a:ext uri="{FF2B5EF4-FFF2-40B4-BE49-F238E27FC236}">
+                <a16:creationId xmlns:a16="http://schemas.microsoft.com/office/drawing/2014/main" id="{8B2AD4E1-0643-4C88-9E49-C2724AEB3568}"/>
+              </a:ext>
+            </a:extLst>
+          </p:cNvPr>
+          <p:cNvSpPr>
+            <a:spLocks noGrp="1"/>
+          </p:cNvSpPr>
+          <p:nvPr>
+            <p:ph type="title"/>
+          </p:nvPr>
+        </p:nvSpPr>
+        <p:spPr/>
+        <p:txBody>
+          <a:bodyPr/>
+          <a:lstStyle/>
+          <a:p>
+            <a:r>
+              <a:rPr lang="en-US" dirty="0"/>
+              <a:t>Initializing a Repo</a:t>
+            </a:r>
+          </a:p>
+        </p:txBody>
+      </p:sp>
+      <p:sp>
+        <p:nvSpPr>
+          <p:cNvPr id="3" name="Content Placeholder 2">
+            <a:extLst>
+              <a:ext uri="{FF2B5EF4-FFF2-40B4-BE49-F238E27FC236}">
+                <a16:creationId xmlns:a16="http://schemas.microsoft.com/office/drawing/2014/main" id="{F8D322E9-A7EC-465F-93FE-BAA394728626}"/>
+              </a:ext>
+            </a:extLst>
+          </p:cNvPr>
+          <p:cNvSpPr>
+            <a:spLocks noGrp="1"/>
+          </p:cNvSpPr>
+          <p:nvPr>
+            <p:ph idx="1"/>
+          </p:nvPr>
+        </p:nvSpPr>
+        <p:spPr>
+          <a:xfrm>
+            <a:off x="838200" y="1485899"/>
+            <a:ext cx="10515600" cy="4691064"/>
+          </a:xfrm>
+        </p:spPr>
+        <p:txBody>
+          <a:bodyPr/>
+          <a:lstStyle/>
+          <a:p>
+            <a:r>
+              <a:rPr lang="en-US" dirty="0"/>
+              <a:t>A repository is a place to store all your project files.</a:t>
+            </a:r>
+          </a:p>
+          <a:p>
+            <a:r>
+              <a:rPr lang="en-US" dirty="0"/>
+              <a:t>Contains .git files (hidden) </a:t>
+            </a:r>
+          </a:p>
+          <a:p>
+            <a:r>
+              <a:rPr lang="en-US" dirty="0"/>
+              <a:t>Remote repository: hosted on a server</a:t>
+            </a:r>
+          </a:p>
+          <a:p>
+            <a:r>
+              <a:rPr lang="en-US" dirty="0"/>
+              <a:t>Local repository: resides on a computer of someone</a:t>
+            </a:r>
+          </a:p>
+          <a:p>
+            <a:endParaRPr lang="en-US" dirty="0"/>
+          </a:p>
+        </p:txBody>
+      </p:sp>
+      <p:pic>
+        <p:nvPicPr>
+          <p:cNvPr id="10" name="Picture 9" descr="Text&#10;&#10;Description automatically generated">
+            <a:extLst>
+              <a:ext uri="{FF2B5EF4-FFF2-40B4-BE49-F238E27FC236}">
+                <a16:creationId xmlns:a16="http://schemas.microsoft.com/office/drawing/2014/main" id="{7635B3C4-2DB2-421D-9486-D767960933A7}"/>
+              </a:ext>
+            </a:extLst>
+          </p:cNvPr>
+          <p:cNvPicPr>
+            <a:picLocks noChangeAspect="1"/>
+          </p:cNvPicPr>
+          <p:nvPr/>
+        </p:nvPicPr>
+        <p:blipFill>
+          <a:blip r:embed="rId3"/>
+          <a:stretch>
+            <a:fillRect/>
+          </a:stretch>
+        </p:blipFill>
+        <p:spPr>
+          <a:xfrm>
+            <a:off x="99071" y="3035343"/>
+            <a:ext cx="6748460" cy="3822657"/>
+          </a:xfrm>
+          <a:prstGeom prst="rect">
+            <a:avLst/>
+          </a:prstGeom>
+        </p:spPr>
+      </p:pic>
+      <p:sp>
+        <p:nvSpPr>
+          <p:cNvPr id="5" name="Title 1">
+            <a:extLst>
+              <a:ext uri="{FF2B5EF4-FFF2-40B4-BE49-F238E27FC236}">
+                <a16:creationId xmlns:a16="http://schemas.microsoft.com/office/drawing/2014/main" id="{58836265-8F6E-4A10-BAE0-0E2B7EF4DD6A}"/>
+              </a:ext>
+            </a:extLst>
+          </p:cNvPr>
+          <p:cNvSpPr txBox="1">
+            <a:spLocks/>
+          </p:cNvSpPr>
+          <p:nvPr/>
+        </p:nvSpPr>
+        <p:spPr>
+          <a:xfrm>
+            <a:off x="3184125" y="5638685"/>
+            <a:ext cx="4691996" cy="1325563"/>
+          </a:xfrm>
+          <a:prstGeom prst="rect">
+            <a:avLst/>
+          </a:prstGeom>
+        </p:spPr>
+        <p:txBody>
+          <a:bodyPr vert="horz" lIns="91440" tIns="45720" rIns="91440" bIns="45720" rtlCol="0" anchor="ctr">
+            <a:normAutofit/>
+          </a:bodyPr>
+          <a:lstStyle>
+            <a:lvl1pPr algn="l" defTabSz="914400" rtl="0" eaLnBrk="1" latinLnBrk="0" hangingPunct="1">
+              <a:lnSpc>
+                <a:spcPct val="90000"/>
+              </a:lnSpc>
+              <a:spcBef>
+                <a:spcPct val="0"/>
+              </a:spcBef>
+              <a:buNone/>
+              <a:defRPr sz="4400" kern="1200">
+                <a:solidFill>
+                  <a:schemeClr val="bg1"/>
+                </a:solidFill>
+                <a:latin typeface="+mj-lt"/>
+                <a:ea typeface="+mj-ea"/>
+                <a:cs typeface="+mj-cs"/>
+              </a:defRPr>
+            </a:lvl1pPr>
+          </a:lstStyle>
+          <a:p>
+            <a:r>
+              <a:rPr lang="en-US" sz="2400" dirty="0">
+                <a:solidFill>
+                  <a:schemeClr val="accent4"/>
+                </a:solidFill>
+                <a:latin typeface="+mn-lt"/>
+              </a:rPr>
+              <a:t>git status (rly helpful command) </a:t>
+            </a:r>
+          </a:p>
+        </p:txBody>
+      </p:sp>
+      <p:sp>
+        <p:nvSpPr>
+          <p:cNvPr id="6" name="Title 1">
+            <a:extLst>
+              <a:ext uri="{FF2B5EF4-FFF2-40B4-BE49-F238E27FC236}">
+                <a16:creationId xmlns:a16="http://schemas.microsoft.com/office/drawing/2014/main" id="{554081AE-E25D-44A8-80B3-F3E7BC60DA81}"/>
+              </a:ext>
+            </a:extLst>
+          </p:cNvPr>
+          <p:cNvSpPr txBox="1">
+            <a:spLocks/>
+          </p:cNvSpPr>
+          <p:nvPr/>
+        </p:nvSpPr>
+        <p:spPr>
+          <a:xfrm>
+            <a:off x="6248400" y="313562"/>
+            <a:ext cx="4691996" cy="1325563"/>
+          </a:xfrm>
+          <a:prstGeom prst="rect">
+            <a:avLst/>
+          </a:prstGeom>
+        </p:spPr>
+        <p:txBody>
+          <a:bodyPr vert="horz" lIns="91440" tIns="45720" rIns="91440" bIns="45720" rtlCol="0" anchor="ctr">
+            <a:normAutofit/>
+          </a:bodyPr>
+          <a:lstStyle>
+            <a:lvl1pPr algn="l" defTabSz="914400" rtl="0" eaLnBrk="1" latinLnBrk="0" hangingPunct="1">
+              <a:lnSpc>
+                <a:spcPct val="90000"/>
+              </a:lnSpc>
+              <a:spcBef>
+                <a:spcPct val="0"/>
+              </a:spcBef>
+              <a:buNone/>
+              <a:defRPr sz="4400" kern="1200">
+                <a:solidFill>
+                  <a:schemeClr val="bg1"/>
+                </a:solidFill>
+                <a:latin typeface="+mj-lt"/>
+                <a:ea typeface="+mj-ea"/>
+                <a:cs typeface="+mj-cs"/>
+              </a:defRPr>
+            </a:lvl1pPr>
+          </a:lstStyle>
+          <a:p>
+            <a:r>
+              <a:rPr lang="en-US" sz="2800" dirty="0">
+                <a:solidFill>
+                  <a:schemeClr val="accent4"/>
+                </a:solidFill>
+                <a:latin typeface="+mn-lt"/>
+              </a:rPr>
+              <a:t>repo = repository</a:t>
+            </a:r>
+          </a:p>
+        </p:txBody>
+      </p:sp>
+    </p:spTree>
+    <p:extLst>
+      <p:ext uri="{BB962C8B-B14F-4D97-AF65-F5344CB8AC3E}">
+        <p14:creationId xmlns:p14="http://schemas.microsoft.com/office/powerpoint/2010/main" val="3255499886"/>
+      </p:ext>
+    </p:extLst>
+  </p:cSld>
+  <p:clrMapOvr>
+    <a:masterClrMapping/>
+  </p:clrMapOvr>
+</p:sld>
+</file>
+
+<file path=ppt/slides/slide11.xml><?xml version="1.0" encoding="utf-8"?>
+<p:sld xmlns:a="http://schemas.openxmlformats.org/drawingml/2006/main" xmlns:r="http://schemas.openxmlformats.org/officeDocument/2006/relationships" xmlns:p="http://schemas.openxmlformats.org/presentationml/2006/main">
+  <p:cSld>
+    <p:spTree>
+      <p:nvGrpSpPr>
+        <p:cNvPr id="1" name=""/>
+        <p:cNvGrpSpPr/>
+        <p:nvPr/>
+      </p:nvGrpSpPr>
+      <p:grpSpPr>
+        <a:xfrm>
+          <a:off x="0" y="0"/>
+          <a:ext cx="0" cy="0"/>
+          <a:chOff x="0" y="0"/>
+          <a:chExt cx="0" cy="0"/>
+        </a:xfrm>
+      </p:grpSpPr>
+      <p:sp>
+        <p:nvSpPr>
+          <p:cNvPr id="2" name="Title 1">
+            <a:extLst>
+              <a:ext uri="{FF2B5EF4-FFF2-40B4-BE49-F238E27FC236}">
+                <a16:creationId xmlns:a16="http://schemas.microsoft.com/office/drawing/2014/main" id="{C33F4ED6-95B6-45CA-9318-D5C6D107AB69}"/>
+              </a:ext>
+            </a:extLst>
+          </p:cNvPr>
+          <p:cNvSpPr>
+            <a:spLocks noGrp="1"/>
+          </p:cNvSpPr>
+          <p:nvPr>
+            <p:ph type="title"/>
+          </p:nvPr>
+        </p:nvSpPr>
+        <p:spPr/>
+        <p:txBody>
+          <a:bodyPr/>
+          <a:lstStyle/>
+          <a:p>
+            <a:r>
+              <a:rPr lang="en-US" dirty="0"/>
+              <a:t>Git Workflow</a:t>
+            </a:r>
+          </a:p>
+        </p:txBody>
+      </p:sp>
+      <p:sp>
+        <p:nvSpPr>
+          <p:cNvPr id="3" name="Content Placeholder 2">
+            <a:extLst>
+              <a:ext uri="{FF2B5EF4-FFF2-40B4-BE49-F238E27FC236}">
+                <a16:creationId xmlns:a16="http://schemas.microsoft.com/office/drawing/2014/main" id="{E84E5DA1-F8B9-4937-9464-997FD4F08F17}"/>
+              </a:ext>
+            </a:extLst>
+          </p:cNvPr>
+          <p:cNvSpPr>
+            <a:spLocks noGrp="1"/>
+          </p:cNvSpPr>
+          <p:nvPr>
+            <p:ph idx="1"/>
+          </p:nvPr>
+        </p:nvSpPr>
+        <p:spPr>
+          <a:xfrm>
+            <a:off x="1502434" y="2223533"/>
+            <a:ext cx="6401499" cy="1361682"/>
+          </a:xfrm>
+        </p:spPr>
+        <p:txBody>
+          <a:bodyPr/>
+          <a:lstStyle/>
+          <a:p>
+            <a:endParaRPr lang="en-US" dirty="0"/>
+          </a:p>
+        </p:txBody>
+      </p:sp>
+      <p:pic>
+        <p:nvPicPr>
+          <p:cNvPr id="4" name="Picture 3">
+            <a:extLst>
+              <a:ext uri="{FF2B5EF4-FFF2-40B4-BE49-F238E27FC236}">
+                <a16:creationId xmlns:a16="http://schemas.microsoft.com/office/drawing/2014/main" id="{17E80496-BCDE-4BA3-B613-788876989DEC}"/>
+              </a:ext>
+            </a:extLst>
+          </p:cNvPr>
+          <p:cNvPicPr>
+            <a:picLocks noChangeAspect="1"/>
+          </p:cNvPicPr>
+          <p:nvPr/>
+        </p:nvPicPr>
+        <p:blipFill>
+          <a:blip r:embed="rId3"/>
+          <a:stretch>
+            <a:fillRect/>
+          </a:stretch>
+        </p:blipFill>
+        <p:spPr>
+          <a:xfrm>
+            <a:off x="838200" y="1485899"/>
+            <a:ext cx="9914765" cy="4598152"/>
+          </a:xfrm>
+          <a:prstGeom prst="rect">
+            <a:avLst/>
+          </a:prstGeom>
+        </p:spPr>
+      </p:pic>
+    </p:spTree>
+    <p:extLst>
+      <p:ext uri="{BB962C8B-B14F-4D97-AF65-F5344CB8AC3E}">
+        <p14:creationId xmlns:p14="http://schemas.microsoft.com/office/powerpoint/2010/main" val="3657973790"/>
+      </p:ext>
+    </p:extLst>
+  </p:cSld>
+  <p:clrMapOvr>
+    <a:masterClrMapping/>
+  </p:clrMapOvr>
+</p:sld>
+</file>
+
+<file path=ppt/slides/slide12.xml><?xml version="1.0" encoding="utf-8"?>
+<p:sld xmlns:a="http://schemas.openxmlformats.org/drawingml/2006/main" xmlns:r="http://schemas.openxmlformats.org/officeDocument/2006/relationships" xmlns:p="http://schemas.openxmlformats.org/presentationml/2006/main">
+  <p:cSld>
+    <p:spTree>
+      <p:nvGrpSpPr>
+        <p:cNvPr id="1" name=""/>
+        <p:cNvGrpSpPr/>
+        <p:nvPr/>
+      </p:nvGrpSpPr>
+      <p:grpSpPr>
+        <a:xfrm>
+          <a:off x="0" y="0"/>
+          <a:ext cx="0" cy="0"/>
+          <a:chOff x="0" y="0"/>
+          <a:chExt cx="0" cy="0"/>
+        </a:xfrm>
+      </p:grpSpPr>
+      <p:sp>
+        <p:nvSpPr>
+          <p:cNvPr id="2" name="Title 1">
+            <a:extLst>
+              <a:ext uri="{FF2B5EF4-FFF2-40B4-BE49-F238E27FC236}">
                 <a16:creationId xmlns:a16="http://schemas.microsoft.com/office/drawing/2014/main" id="{9B1B5930-005D-418C-A61A-5F545E6F6905}"/>
               </a:ext>
             </a:extLst>
@@ -8911,6 +9374,63 @@
           </a:prstGeom>
         </p:spPr>
       </p:pic>
+      <p:sp>
+        <p:nvSpPr>
+          <p:cNvPr id="28" name="Title 1">
+            <a:extLst>
+              <a:ext uri="{FF2B5EF4-FFF2-40B4-BE49-F238E27FC236}">
+                <a16:creationId xmlns:a16="http://schemas.microsoft.com/office/drawing/2014/main" id="{31176773-B49B-4C5E-845E-8FB4F1DF6F1F}"/>
+              </a:ext>
+            </a:extLst>
+          </p:cNvPr>
+          <p:cNvSpPr txBox="1">
+            <a:spLocks/>
+          </p:cNvSpPr>
+          <p:nvPr/>
+        </p:nvSpPr>
+        <p:spPr>
+          <a:xfrm>
+            <a:off x="1615816" y="1343289"/>
+            <a:ext cx="2417389" cy="648850"/>
+          </a:xfrm>
+          <a:prstGeom prst="rect">
+            <a:avLst/>
+          </a:prstGeom>
+        </p:spPr>
+        <p:txBody>
+          <a:bodyPr vert="horz" lIns="91440" tIns="45720" rIns="91440" bIns="45720" rtlCol="0" anchor="ctr">
+            <a:normAutofit/>
+          </a:bodyPr>
+          <a:lstStyle>
+            <a:lvl1pPr algn="l" defTabSz="914400" rtl="0" eaLnBrk="1" latinLnBrk="0" hangingPunct="1">
+              <a:lnSpc>
+                <a:spcPct val="90000"/>
+              </a:lnSpc>
+              <a:spcBef>
+                <a:spcPct val="0"/>
+              </a:spcBef>
+              <a:buNone/>
+              <a:defRPr sz="4400" kern="1200">
+                <a:solidFill>
+                  <a:schemeClr val="bg1"/>
+                </a:solidFill>
+                <a:latin typeface="+mj-lt"/>
+                <a:ea typeface="+mj-ea"/>
+                <a:cs typeface="+mj-cs"/>
+              </a:defRPr>
+            </a:lvl1pPr>
+          </a:lstStyle>
+          <a:p>
+            <a:pPr algn="ctr"/>
+            <a:r>
+              <a:rPr lang="en-MY" sz="2400" dirty="0">
+                <a:latin typeface="+mn-lt"/>
+              </a:rPr>
+              <a:t>Working directory</a:t>
+            </a:r>
+          </a:p>
+        </p:txBody>
+      </p:sp>
     </p:spTree>
     <p:extLst>
       <p:ext uri="{BB962C8B-B14F-4D97-AF65-F5344CB8AC3E}">
@@ -9976,125 +10496,7 @@
 </p:sld>
 </file>
 
-<file path=ppt/slides/slide11.xml><?xml version="1.0" encoding="utf-8"?>
-<p:sld xmlns:a="http://schemas.openxmlformats.org/drawingml/2006/main" xmlns:r="http://schemas.openxmlformats.org/officeDocument/2006/relationships" xmlns:p="http://schemas.openxmlformats.org/presentationml/2006/main">
-  <p:cSld>
-    <p:spTree>
-      <p:nvGrpSpPr>
-        <p:cNvPr id="1" name=""/>
-        <p:cNvGrpSpPr/>
-        <p:nvPr/>
-      </p:nvGrpSpPr>
-      <p:grpSpPr>
-        <a:xfrm>
-          <a:off x="0" y="0"/>
-          <a:ext cx="0" cy="0"/>
-          <a:chOff x="0" y="0"/>
-          <a:chExt cx="0" cy="0"/>
-        </a:xfrm>
-      </p:grpSpPr>
-      <p:sp>
-        <p:nvSpPr>
-          <p:cNvPr id="2" name="Title 1">
-            <a:extLst>
-              <a:ext uri="{FF2B5EF4-FFF2-40B4-BE49-F238E27FC236}">
-                <a16:creationId xmlns:a16="http://schemas.microsoft.com/office/drawing/2014/main" id="{C33F4ED6-95B6-45CA-9318-D5C6D107AB69}"/>
-              </a:ext>
-            </a:extLst>
-          </p:cNvPr>
-          <p:cNvSpPr>
-            <a:spLocks noGrp="1"/>
-          </p:cNvSpPr>
-          <p:nvPr>
-            <p:ph type="title"/>
-          </p:nvPr>
-        </p:nvSpPr>
-        <p:spPr/>
-        <p:txBody>
-          <a:bodyPr/>
-          <a:lstStyle/>
-          <a:p>
-            <a:r>
-              <a:rPr lang="en-US" dirty="0"/>
-              <a:t>Git Workflow</a:t>
-            </a:r>
-          </a:p>
-        </p:txBody>
-      </p:sp>
-      <p:sp>
-        <p:nvSpPr>
-          <p:cNvPr id="3" name="Content Placeholder 2">
-            <a:extLst>
-              <a:ext uri="{FF2B5EF4-FFF2-40B4-BE49-F238E27FC236}">
-                <a16:creationId xmlns:a16="http://schemas.microsoft.com/office/drawing/2014/main" id="{E84E5DA1-F8B9-4937-9464-997FD4F08F17}"/>
-              </a:ext>
-            </a:extLst>
-          </p:cNvPr>
-          <p:cNvSpPr>
-            <a:spLocks noGrp="1"/>
-          </p:cNvSpPr>
-          <p:nvPr>
-            <p:ph idx="1"/>
-          </p:nvPr>
-        </p:nvSpPr>
-        <p:spPr>
-          <a:xfrm>
-            <a:off x="1502434" y="2223533"/>
-            <a:ext cx="6401499" cy="1361682"/>
-          </a:xfrm>
-        </p:spPr>
-        <p:txBody>
-          <a:bodyPr/>
-          <a:lstStyle/>
-          <a:p>
-            <a:endParaRPr lang="en-US" dirty="0"/>
-          </a:p>
-        </p:txBody>
-      </p:sp>
-      <p:pic>
-        <p:nvPicPr>
-          <p:cNvPr id="4" name="Picture 3">
-            <a:extLst>
-              <a:ext uri="{FF2B5EF4-FFF2-40B4-BE49-F238E27FC236}">
-                <a16:creationId xmlns:a16="http://schemas.microsoft.com/office/drawing/2014/main" id="{17E80496-BCDE-4BA3-B613-788876989DEC}"/>
-              </a:ext>
-            </a:extLst>
-          </p:cNvPr>
-          <p:cNvPicPr>
-            <a:picLocks noChangeAspect="1"/>
-          </p:cNvPicPr>
-          <p:nvPr/>
-        </p:nvPicPr>
-        <p:blipFill>
-          <a:blip r:embed="rId3"/>
-          <a:stretch>
-            <a:fillRect/>
-          </a:stretch>
-        </p:blipFill>
-        <p:spPr>
-          <a:xfrm>
-            <a:off x="838200" y="1485899"/>
-            <a:ext cx="9914765" cy="4598152"/>
-          </a:xfrm>
-          <a:prstGeom prst="rect">
-            <a:avLst/>
-          </a:prstGeom>
-        </p:spPr>
-      </p:pic>
-    </p:spTree>
-    <p:extLst>
-      <p:ext uri="{BB962C8B-B14F-4D97-AF65-F5344CB8AC3E}">
-        <p14:creationId xmlns:p14="http://schemas.microsoft.com/office/powerpoint/2010/main" val="3657973790"/>
-      </p:ext>
-    </p:extLst>
-  </p:cSld>
-  <p:clrMapOvr>
-    <a:masterClrMapping/>
-  </p:clrMapOvr>
-</p:sld>
-</file>
-
-<file path=ppt/slides/slide12.xml><?xml version="1.0" encoding="utf-8"?>
+<file path=ppt/slides/slide13.xml><?xml version="1.0" encoding="utf-8"?>
 <p:sld xmlns:a="http://schemas.openxmlformats.org/drawingml/2006/main" xmlns:r="http://schemas.openxmlformats.org/officeDocument/2006/relationships" xmlns:p="http://schemas.openxmlformats.org/presentationml/2006/main">
   <p:cSld>
     <p:spTree>
@@ -10477,7 +10879,7 @@
 </p:sld>
 </file>
 
-<file path=ppt/slides/slide13.xml><?xml version="1.0" encoding="utf-8"?>
+<file path=ppt/slides/slide14.xml><?xml version="1.0" encoding="utf-8"?>
 <p:sld xmlns:a="http://schemas.openxmlformats.org/drawingml/2006/main" xmlns:r="http://schemas.openxmlformats.org/officeDocument/2006/relationships" xmlns:p="http://schemas.openxmlformats.org/presentationml/2006/main">
   <p:cSld>
     <p:spTree>
@@ -10606,7 +11008,7 @@
 </p:sld>
 </file>
 
-<file path=ppt/slides/slide14.xml><?xml version="1.0" encoding="utf-8"?>
+<file path=ppt/slides/slide15.xml><?xml version="1.0" encoding="utf-8"?>
 <p:sld xmlns:a="http://schemas.openxmlformats.org/drawingml/2006/main" xmlns:r="http://schemas.openxmlformats.org/officeDocument/2006/relationships" xmlns:p="http://schemas.openxmlformats.org/presentationml/2006/main">
   <p:cSld>
     <p:spTree>
@@ -10824,7 +11226,7 @@
 </p:sld>
 </file>
 
-<file path=ppt/slides/slide15.xml><?xml version="1.0" encoding="utf-8"?>
+<file path=ppt/slides/slide16.xml><?xml version="1.0" encoding="utf-8"?>
 <p:sld xmlns:a="http://schemas.openxmlformats.org/drawingml/2006/main" xmlns:r="http://schemas.openxmlformats.org/officeDocument/2006/relationships" xmlns:p="http://schemas.openxmlformats.org/presentationml/2006/main">
   <p:cSld>
     <p:spTree>
@@ -10992,7 +11394,7 @@
 </p:sld>
 </file>
 
-<file path=ppt/slides/slide16.xml><?xml version="1.0" encoding="utf-8"?>
+<file path=ppt/slides/slide17.xml><?xml version="1.0" encoding="utf-8"?>
 <p:sld xmlns:a="http://schemas.openxmlformats.org/drawingml/2006/main" xmlns:r="http://schemas.openxmlformats.org/officeDocument/2006/relationships" xmlns:p="http://schemas.openxmlformats.org/presentationml/2006/main">
   <p:cSld>
     <p:spTree>
@@ -11400,7 +11802,17 @@
             </a:pPr>
             <a:r>
               <a:rPr lang="en-US" sz="2400" dirty="0"/>
-              <a:t>Add paragraph 1</a:t>
+              <a:t>Add chapter 1</a:t>
+            </a:r>
+          </a:p>
+          <a:p>
+            <a:pPr>
+              <a:buFontTx/>
+              <a:buChar char="-"/>
+            </a:pPr>
+            <a:r>
+              <a:rPr lang="en-US" sz="2400" dirty="0"/>
+              <a:t>Add chapter 2</a:t>
             </a:r>
           </a:p>
         </p:txBody>
@@ -11618,7 +12030,7 @@
             </a:pPr>
             <a:r>
               <a:rPr lang="en-US" sz="2400" dirty="0"/>
-              <a:t>Add paragraph 2</a:t>
+              <a:t>Add chapter 3</a:t>
             </a:r>
           </a:p>
         </p:txBody>
@@ -11681,197 +12093,6 @@
 </p:sld>
 </file>
 
-<file path=ppt/slides/slide17.xml><?xml version="1.0" encoding="utf-8"?>
-<p:sld xmlns:a="http://schemas.openxmlformats.org/drawingml/2006/main" xmlns:r="http://schemas.openxmlformats.org/officeDocument/2006/relationships" xmlns:p="http://schemas.openxmlformats.org/presentationml/2006/main">
-  <p:cSld>
-    <p:spTree>
-      <p:nvGrpSpPr>
-        <p:cNvPr id="1" name=""/>
-        <p:cNvGrpSpPr/>
-        <p:nvPr/>
-      </p:nvGrpSpPr>
-      <p:grpSpPr>
-        <a:xfrm>
-          <a:off x="0" y="0"/>
-          <a:ext cx="0" cy="0"/>
-          <a:chOff x="0" y="0"/>
-          <a:chExt cx="0" cy="0"/>
-        </a:xfrm>
-      </p:grpSpPr>
-      <p:sp>
-        <p:nvSpPr>
-          <p:cNvPr id="2" name="Title 1">
-            <a:extLst>
-              <a:ext uri="{FF2B5EF4-FFF2-40B4-BE49-F238E27FC236}">
-                <a16:creationId xmlns:a16="http://schemas.microsoft.com/office/drawing/2014/main" id="{D47DE0EA-8D0E-4F71-BA30-530045163A55}"/>
-              </a:ext>
-            </a:extLst>
-          </p:cNvPr>
-          <p:cNvSpPr>
-            <a:spLocks noGrp="1"/>
-          </p:cNvSpPr>
-          <p:nvPr>
-            <p:ph type="title"/>
-          </p:nvPr>
-        </p:nvSpPr>
-        <p:spPr/>
-        <p:txBody>
-          <a:bodyPr/>
-          <a:lstStyle/>
-          <a:p>
-            <a:r>
-              <a:rPr lang="en-MY" dirty="0"/>
-              <a:t>Authentication</a:t>
-            </a:r>
-          </a:p>
-        </p:txBody>
-      </p:sp>
-      <p:sp>
-        <p:nvSpPr>
-          <p:cNvPr id="3" name="Content Placeholder 2">
-            <a:extLst>
-              <a:ext uri="{FF2B5EF4-FFF2-40B4-BE49-F238E27FC236}">
-                <a16:creationId xmlns:a16="http://schemas.microsoft.com/office/drawing/2014/main" id="{4A1CEAAC-31C8-41BE-BB8B-21876DCAE696}"/>
-              </a:ext>
-            </a:extLst>
-          </p:cNvPr>
-          <p:cNvSpPr>
-            <a:spLocks noGrp="1"/>
-          </p:cNvSpPr>
-          <p:nvPr>
-            <p:ph idx="1"/>
-          </p:nvPr>
-        </p:nvSpPr>
-        <p:spPr>
-          <a:xfrm>
-            <a:off x="838200" y="1567543"/>
-            <a:ext cx="10515600" cy="4609420"/>
-          </a:xfrm>
-        </p:spPr>
-        <p:txBody>
-          <a:bodyPr/>
-          <a:lstStyle/>
-          <a:p>
-            <a:pPr marL="0" indent="0">
-              <a:buNone/>
-            </a:pPr>
-            <a:endParaRPr lang="en-MY" dirty="0">
-              <a:hlinkClick r:id="rId2">
-                <a:extLst>
-                  <a:ext uri="{A12FA001-AC4F-418D-AE19-62706E023703}">
-                    <ahyp:hlinkClr xmlns:ahyp="http://schemas.microsoft.com/office/drawing/2018/hyperlinkcolor" val="tx"/>
-                  </a:ext>
-                </a:extLst>
-              </a:hlinkClick>
-            </a:endParaRPr>
-          </a:p>
-          <a:p>
-            <a:r>
-              <a:rPr lang="en-MY" dirty="0">
-                <a:solidFill>
-                  <a:schemeClr val="accent4"/>
-                </a:solidFill>
-                <a:hlinkClick r:id="rId2">
-                  <a:extLst>
-                    <a:ext uri="{A12FA001-AC4F-418D-AE19-62706E023703}">
-                      <ahyp:hlinkClr xmlns:ahyp="http://schemas.microsoft.com/office/drawing/2018/hyperlinkcolor" val="tx"/>
-                    </a:ext>
-                  </a:extLst>
-                </a:hlinkClick>
-              </a:rPr>
-              <a:t>SSH: </a:t>
-            </a:r>
-            <a:r>
-              <a:rPr lang="en-MY" dirty="0">
-                <a:solidFill>
-                  <a:schemeClr val="accent4"/>
-                </a:solidFill>
-              </a:rPr>
-              <a:t>Older method</a:t>
-            </a:r>
-            <a:endParaRPr lang="en-MY" dirty="0"/>
-          </a:p>
-          <a:p>
-            <a:r>
-              <a:rPr lang="en-MY" dirty="0">
-                <a:solidFill>
-                  <a:schemeClr val="accent4"/>
-                </a:solidFill>
-                <a:hlinkClick r:id="rId3">
-                  <a:extLst>
-                    <a:ext uri="{A12FA001-AC4F-418D-AE19-62706E023703}">
-                      <ahyp:hlinkClr xmlns:ahyp="http://schemas.microsoft.com/office/drawing/2018/hyperlinkcolor" val="tx"/>
-                    </a:ext>
-                  </a:extLst>
-                </a:hlinkClick>
-              </a:rPr>
-              <a:t>Personal access tokens:</a:t>
-            </a:r>
-            <a:r>
-              <a:rPr lang="en-MY" dirty="0">
-                <a:solidFill>
-                  <a:schemeClr val="accent4"/>
-                </a:solidFill>
-              </a:rPr>
-              <a:t> GitHub has updated their policies to have this. </a:t>
-            </a:r>
-          </a:p>
-          <a:p>
-            <a:r>
-              <a:rPr lang="en-MY" dirty="0">
-                <a:solidFill>
-                  <a:schemeClr val="accent4"/>
-                </a:solidFill>
-                <a:hlinkClick r:id="rId4">
-                  <a:extLst>
-                    <a:ext uri="{A12FA001-AC4F-418D-AE19-62706E023703}">
-                      <ahyp:hlinkClr xmlns:ahyp="http://schemas.microsoft.com/office/drawing/2018/hyperlinkcolor" val="tx"/>
-                    </a:ext>
-                  </a:extLst>
-                </a:hlinkClick>
-              </a:rPr>
-              <a:t>Git Manager Credentials Core</a:t>
-            </a:r>
-            <a:r>
-              <a:rPr lang="en-MY" dirty="0">
-                <a:solidFill>
-                  <a:schemeClr val="accent4"/>
-                </a:solidFill>
-              </a:rPr>
-              <a:t> (comes installed) : So don’t need to worry so much</a:t>
-            </a:r>
-            <a:endParaRPr lang="en-MY" dirty="0"/>
-          </a:p>
-          <a:p>
-            <a:pPr marL="0" indent="0">
-              <a:buNone/>
-            </a:pPr>
-            <a:endParaRPr lang="en-MY" dirty="0"/>
-          </a:p>
-          <a:p>
-            <a:r>
-              <a:rPr lang="en-MY" dirty="0"/>
-              <a:t>Authentication is to ensure security of your projects. If you have errors with permissions, this may be a reason why.</a:t>
-            </a:r>
-          </a:p>
-          <a:p>
-            <a:endParaRPr lang="en-MY" dirty="0"/>
-          </a:p>
-        </p:txBody>
-      </p:sp>
-    </p:spTree>
-    <p:extLst>
-      <p:ext uri="{BB962C8B-B14F-4D97-AF65-F5344CB8AC3E}">
-        <p14:creationId xmlns:p14="http://schemas.microsoft.com/office/powerpoint/2010/main" val="3783286907"/>
-      </p:ext>
-    </p:extLst>
-  </p:cSld>
-  <p:clrMapOvr>
-    <a:masterClrMapping/>
-  </p:clrMapOvr>
-</p:sld>
-</file>
-
 <file path=ppt/slides/slide18.xml><?xml version="1.0" encoding="utf-8"?>
 <p:sld xmlns:a="http://schemas.openxmlformats.org/drawingml/2006/main" xmlns:r="http://schemas.openxmlformats.org/officeDocument/2006/relationships" xmlns:p="http://schemas.openxmlformats.org/presentationml/2006/main">
   <p:cSld>
@@ -11891,6 +12112,197 @@
       </p:grpSpPr>
       <p:sp>
         <p:nvSpPr>
+          <p:cNvPr id="2" name="Title 1">
+            <a:extLst>
+              <a:ext uri="{FF2B5EF4-FFF2-40B4-BE49-F238E27FC236}">
+                <a16:creationId xmlns:a16="http://schemas.microsoft.com/office/drawing/2014/main" id="{D47DE0EA-8D0E-4F71-BA30-530045163A55}"/>
+              </a:ext>
+            </a:extLst>
+          </p:cNvPr>
+          <p:cNvSpPr>
+            <a:spLocks noGrp="1"/>
+          </p:cNvSpPr>
+          <p:nvPr>
+            <p:ph type="title"/>
+          </p:nvPr>
+        </p:nvSpPr>
+        <p:spPr/>
+        <p:txBody>
+          <a:bodyPr/>
+          <a:lstStyle/>
+          <a:p>
+            <a:r>
+              <a:rPr lang="en-MY" dirty="0"/>
+              <a:t>Authentication</a:t>
+            </a:r>
+          </a:p>
+        </p:txBody>
+      </p:sp>
+      <p:sp>
+        <p:nvSpPr>
+          <p:cNvPr id="3" name="Content Placeholder 2">
+            <a:extLst>
+              <a:ext uri="{FF2B5EF4-FFF2-40B4-BE49-F238E27FC236}">
+                <a16:creationId xmlns:a16="http://schemas.microsoft.com/office/drawing/2014/main" id="{4A1CEAAC-31C8-41BE-BB8B-21876DCAE696}"/>
+              </a:ext>
+            </a:extLst>
+          </p:cNvPr>
+          <p:cNvSpPr>
+            <a:spLocks noGrp="1"/>
+          </p:cNvSpPr>
+          <p:nvPr>
+            <p:ph idx="1"/>
+          </p:nvPr>
+        </p:nvSpPr>
+        <p:spPr>
+          <a:xfrm>
+            <a:off x="838200" y="1567543"/>
+            <a:ext cx="10515600" cy="4609420"/>
+          </a:xfrm>
+        </p:spPr>
+        <p:txBody>
+          <a:bodyPr/>
+          <a:lstStyle/>
+          <a:p>
+            <a:pPr marL="0" indent="0">
+              <a:buNone/>
+            </a:pPr>
+            <a:endParaRPr lang="en-MY" dirty="0">
+              <a:hlinkClick r:id="rId2">
+                <a:extLst>
+                  <a:ext uri="{A12FA001-AC4F-418D-AE19-62706E023703}">
+                    <ahyp:hlinkClr xmlns:ahyp="http://schemas.microsoft.com/office/drawing/2018/hyperlinkcolor" val="tx"/>
+                  </a:ext>
+                </a:extLst>
+              </a:hlinkClick>
+            </a:endParaRPr>
+          </a:p>
+          <a:p>
+            <a:r>
+              <a:rPr lang="en-MY" dirty="0">
+                <a:solidFill>
+                  <a:schemeClr val="accent4"/>
+                </a:solidFill>
+                <a:hlinkClick r:id="rId2">
+                  <a:extLst>
+                    <a:ext uri="{A12FA001-AC4F-418D-AE19-62706E023703}">
+                      <ahyp:hlinkClr xmlns:ahyp="http://schemas.microsoft.com/office/drawing/2018/hyperlinkcolor" val="tx"/>
+                    </a:ext>
+                  </a:extLst>
+                </a:hlinkClick>
+              </a:rPr>
+              <a:t>SSH: </a:t>
+            </a:r>
+            <a:r>
+              <a:rPr lang="en-MY" dirty="0">
+                <a:solidFill>
+                  <a:schemeClr val="accent4"/>
+                </a:solidFill>
+              </a:rPr>
+              <a:t>Older method</a:t>
+            </a:r>
+            <a:endParaRPr lang="en-MY" dirty="0"/>
+          </a:p>
+          <a:p>
+            <a:r>
+              <a:rPr lang="en-MY" dirty="0">
+                <a:solidFill>
+                  <a:schemeClr val="accent4"/>
+                </a:solidFill>
+                <a:hlinkClick r:id="rId3">
+                  <a:extLst>
+                    <a:ext uri="{A12FA001-AC4F-418D-AE19-62706E023703}">
+                      <ahyp:hlinkClr xmlns:ahyp="http://schemas.microsoft.com/office/drawing/2018/hyperlinkcolor" val="tx"/>
+                    </a:ext>
+                  </a:extLst>
+                </a:hlinkClick>
+              </a:rPr>
+              <a:t>Personal access tokens:</a:t>
+            </a:r>
+            <a:r>
+              <a:rPr lang="en-MY" dirty="0">
+                <a:solidFill>
+                  <a:schemeClr val="accent4"/>
+                </a:solidFill>
+              </a:rPr>
+              <a:t> GitHub has updated their policies to have this. </a:t>
+            </a:r>
+          </a:p>
+          <a:p>
+            <a:r>
+              <a:rPr lang="en-MY" dirty="0">
+                <a:solidFill>
+                  <a:schemeClr val="accent4"/>
+                </a:solidFill>
+                <a:hlinkClick r:id="rId4">
+                  <a:extLst>
+                    <a:ext uri="{A12FA001-AC4F-418D-AE19-62706E023703}">
+                      <ahyp:hlinkClr xmlns:ahyp="http://schemas.microsoft.com/office/drawing/2018/hyperlinkcolor" val="tx"/>
+                    </a:ext>
+                  </a:extLst>
+                </a:hlinkClick>
+              </a:rPr>
+              <a:t>Git Manager Credentials Core</a:t>
+            </a:r>
+            <a:r>
+              <a:rPr lang="en-MY" dirty="0">
+                <a:solidFill>
+                  <a:schemeClr val="accent4"/>
+                </a:solidFill>
+              </a:rPr>
+              <a:t> (comes installed) : So don’t need to worry so much</a:t>
+            </a:r>
+            <a:endParaRPr lang="en-MY" dirty="0"/>
+          </a:p>
+          <a:p>
+            <a:pPr marL="0" indent="0">
+              <a:buNone/>
+            </a:pPr>
+            <a:endParaRPr lang="en-MY" dirty="0"/>
+          </a:p>
+          <a:p>
+            <a:r>
+              <a:rPr lang="en-MY" dirty="0"/>
+              <a:t>Authentication is to ensure security of your projects. If you have errors with permissions, this may be a reason why.</a:t>
+            </a:r>
+          </a:p>
+          <a:p>
+            <a:endParaRPr lang="en-MY" dirty="0"/>
+          </a:p>
+        </p:txBody>
+      </p:sp>
+    </p:spTree>
+    <p:extLst>
+      <p:ext uri="{BB962C8B-B14F-4D97-AF65-F5344CB8AC3E}">
+        <p14:creationId xmlns:p14="http://schemas.microsoft.com/office/powerpoint/2010/main" val="3783286907"/>
+      </p:ext>
+    </p:extLst>
+  </p:cSld>
+  <p:clrMapOvr>
+    <a:masterClrMapping/>
+  </p:clrMapOvr>
+</p:sld>
+</file>
+
+<file path=ppt/slides/slide19.xml><?xml version="1.0" encoding="utf-8"?>
+<p:sld xmlns:a="http://schemas.openxmlformats.org/drawingml/2006/main" xmlns:r="http://schemas.openxmlformats.org/officeDocument/2006/relationships" xmlns:p="http://schemas.openxmlformats.org/presentationml/2006/main">
+  <p:cSld>
+    <p:spTree>
+      <p:nvGrpSpPr>
+        <p:cNvPr id="1" name=""/>
+        <p:cNvGrpSpPr/>
+        <p:nvPr/>
+      </p:nvGrpSpPr>
+      <p:grpSpPr>
+        <a:xfrm>
+          <a:off x="0" y="0"/>
+          <a:ext cx="0" cy="0"/>
+          <a:chOff x="0" y="0"/>
+          <a:chExt cx="0" cy="0"/>
+        </a:xfrm>
+      </p:grpSpPr>
+      <p:sp>
+        <p:nvSpPr>
           <p:cNvPr id="2" name="Title 1"/>
           <p:cNvSpPr>
             <a:spLocks noGrp="1"/>
@@ -11986,7 +12398,371 @@
 </p:sld>
 </file>
 
-<file path=ppt/slides/slide19.xml><?xml version="1.0" encoding="utf-8"?>
+<file path=ppt/slides/slide2.xml><?xml version="1.0" encoding="utf-8"?>
+<p:sld xmlns:a="http://schemas.openxmlformats.org/drawingml/2006/main" xmlns:r="http://schemas.openxmlformats.org/officeDocument/2006/relationships" xmlns:p="http://schemas.openxmlformats.org/presentationml/2006/main">
+  <p:cSld>
+    <p:spTree>
+      <p:nvGrpSpPr>
+        <p:cNvPr id="1" name=""/>
+        <p:cNvGrpSpPr/>
+        <p:nvPr/>
+      </p:nvGrpSpPr>
+      <p:grpSpPr>
+        <a:xfrm>
+          <a:off x="0" y="0"/>
+          <a:ext cx="0" cy="0"/>
+          <a:chOff x="0" y="0"/>
+          <a:chExt cx="0" cy="0"/>
+        </a:xfrm>
+      </p:grpSpPr>
+      <p:sp>
+        <p:nvSpPr>
+          <p:cNvPr id="2" name="Title 1"/>
+          <p:cNvSpPr>
+            <a:spLocks noGrp="1"/>
+          </p:cNvSpPr>
+          <p:nvPr>
+            <p:ph type="title"/>
+          </p:nvPr>
+        </p:nvSpPr>
+        <p:spPr>
+          <a:xfrm>
+            <a:off x="838200" y="110002"/>
+            <a:ext cx="8334376" cy="1325563"/>
+          </a:xfrm>
+        </p:spPr>
+        <p:txBody>
+          <a:bodyPr/>
+          <a:lstStyle/>
+          <a:p>
+            <a:r>
+              <a:rPr lang="en-US" dirty="0"/>
+              <a:t>Slides Content:</a:t>
+            </a:r>
+          </a:p>
+        </p:txBody>
+      </p:sp>
+      <p:sp>
+        <p:nvSpPr>
+          <p:cNvPr id="14" name="Content Placeholder 13">
+            <a:extLst>
+              <a:ext uri="{FF2B5EF4-FFF2-40B4-BE49-F238E27FC236}">
+                <a16:creationId xmlns:a16="http://schemas.microsoft.com/office/drawing/2014/main" id="{89DD93C4-882C-4D9C-A2C6-BB1AFBA96F37}"/>
+              </a:ext>
+            </a:extLst>
+          </p:cNvPr>
+          <p:cNvSpPr>
+            <a:spLocks noGrp="1"/>
+          </p:cNvSpPr>
+          <p:nvPr>
+            <p:ph idx="1"/>
+          </p:nvPr>
+        </p:nvSpPr>
+        <p:spPr>
+          <a:xfrm>
+            <a:off x="838200" y="1435565"/>
+            <a:ext cx="10515600" cy="5054012"/>
+          </a:xfrm>
+        </p:spPr>
+        <p:txBody>
+          <a:bodyPr numCol="2">
+            <a:noAutofit/>
+          </a:bodyPr>
+          <a:lstStyle/>
+          <a:p>
+            <a:pPr>
+              <a:buFont typeface="Wingdings" panose="05000000000000000000" pitchFamily="2" charset="2"/>
+              <a:buChar char="v"/>
+            </a:pPr>
+            <a:r>
+              <a:rPr lang="en-US" sz="1800" dirty="0"/>
+              <a:t>Version Control System</a:t>
+            </a:r>
+            <a:endParaRPr lang="en-US" sz="1800" dirty="0">
+              <a:latin typeface="+mj-lt"/>
+            </a:endParaRPr>
+          </a:p>
+          <a:p>
+            <a:pPr>
+              <a:buFont typeface="Wingdings" panose="05000000000000000000" pitchFamily="2" charset="2"/>
+              <a:buChar char="v"/>
+            </a:pPr>
+            <a:r>
+              <a:rPr lang="en-US" sz="1800" dirty="0"/>
+              <a:t>Installing &amp; Configuring Git</a:t>
+            </a:r>
+          </a:p>
+          <a:p>
+            <a:pPr>
+              <a:buFont typeface="Wingdings" panose="05000000000000000000" pitchFamily="2" charset="2"/>
+              <a:buChar char="v"/>
+            </a:pPr>
+            <a:r>
+              <a:rPr lang="en-US" sz="1800" dirty="0"/>
+              <a:t>Using </a:t>
+            </a:r>
+            <a:r>
+              <a:rPr lang="en-US" sz="1800" dirty="0" err="1"/>
+              <a:t>GitBash</a:t>
+            </a:r>
+            <a:r>
+              <a:rPr lang="en-US" sz="1800" dirty="0"/>
+              <a:t> (Windows) or terminal (Mac)</a:t>
+            </a:r>
+          </a:p>
+          <a:p>
+            <a:pPr>
+              <a:buFont typeface="Wingdings" panose="05000000000000000000" pitchFamily="2" charset="2"/>
+              <a:buChar char="v"/>
+            </a:pPr>
+            <a:r>
+              <a:rPr lang="en-US" sz="1800" dirty="0"/>
+              <a:t>Initializing a Repo</a:t>
+            </a:r>
+          </a:p>
+          <a:p>
+            <a:pPr>
+              <a:buFont typeface="Wingdings" panose="05000000000000000000" pitchFamily="2" charset="2"/>
+              <a:buChar char="v"/>
+            </a:pPr>
+            <a:r>
+              <a:rPr lang="en-US" sz="1800" dirty="0"/>
+              <a:t>Git Workflow</a:t>
+            </a:r>
+          </a:p>
+          <a:p>
+            <a:pPr>
+              <a:buFont typeface="Wingdings" panose="05000000000000000000" pitchFamily="2" charset="2"/>
+              <a:buChar char="v"/>
+            </a:pPr>
+            <a:r>
+              <a:rPr lang="en-US" sz="1800" dirty="0"/>
+              <a:t>Viewing changes</a:t>
+            </a:r>
+          </a:p>
+          <a:p>
+            <a:pPr>
+              <a:buFont typeface="Wingdings" panose="05000000000000000000" pitchFamily="2" charset="2"/>
+              <a:buChar char="v"/>
+            </a:pPr>
+            <a:r>
+              <a:rPr lang="en-MY" sz="1800" dirty="0"/>
+              <a:t>Restoring previous versions</a:t>
+            </a:r>
+            <a:endParaRPr lang="en-US" sz="1800" dirty="0"/>
+          </a:p>
+          <a:p>
+            <a:pPr>
+              <a:buFont typeface="Wingdings" panose="05000000000000000000" pitchFamily="2" charset="2"/>
+              <a:buChar char="v"/>
+            </a:pPr>
+            <a:r>
+              <a:rPr lang="en-MY" sz="1800" dirty="0"/>
+              <a:t>Git log</a:t>
+            </a:r>
+          </a:p>
+          <a:p>
+            <a:pPr>
+              <a:buFont typeface="Wingdings" panose="05000000000000000000" pitchFamily="2" charset="2"/>
+              <a:buChar char="v"/>
+            </a:pPr>
+            <a:r>
+              <a:rPr lang="en-US" sz="1800" dirty="0"/>
+              <a:t>Collaboration</a:t>
+            </a:r>
+          </a:p>
+          <a:p>
+            <a:pPr>
+              <a:buFont typeface="Wingdings" panose="05000000000000000000" pitchFamily="2" charset="2"/>
+              <a:buChar char="v"/>
+            </a:pPr>
+            <a:r>
+              <a:rPr lang="en-US" sz="1800" dirty="0"/>
+              <a:t>Create and share your repo</a:t>
+            </a:r>
+          </a:p>
+          <a:p>
+            <a:pPr>
+              <a:buFont typeface="Wingdings" panose="05000000000000000000" pitchFamily="2" charset="2"/>
+              <a:buChar char="v"/>
+            </a:pPr>
+            <a:r>
+              <a:rPr lang="en-US" sz="1800" dirty="0"/>
+              <a:t>Cloning an existing repo</a:t>
+            </a:r>
+          </a:p>
+          <a:p>
+            <a:pPr>
+              <a:buFont typeface="Wingdings" panose="05000000000000000000" pitchFamily="2" charset="2"/>
+              <a:buChar char="v"/>
+            </a:pPr>
+            <a:r>
+              <a:rPr lang="en-MY" sz="1800" dirty="0"/>
+              <a:t>Remote repository, </a:t>
+            </a:r>
+            <a:r>
+              <a:rPr lang="en-MY" sz="1800" dirty="0" err="1"/>
+              <a:t>github</a:t>
+            </a:r>
+            <a:r>
+              <a:rPr lang="en-MY" sz="1800" dirty="0"/>
+              <a:t>!</a:t>
+            </a:r>
+          </a:p>
+          <a:p>
+            <a:pPr>
+              <a:buFont typeface="Wingdings" panose="05000000000000000000" pitchFamily="2" charset="2"/>
+              <a:buChar char="v"/>
+            </a:pPr>
+            <a:r>
+              <a:rPr lang="en-US" sz="1800" dirty="0"/>
+              <a:t>Common additional files</a:t>
+            </a:r>
+            <a:endParaRPr lang="en-MY" sz="1800" dirty="0"/>
+          </a:p>
+          <a:p>
+            <a:pPr>
+              <a:buFont typeface="Wingdings" panose="05000000000000000000" pitchFamily="2" charset="2"/>
+              <a:buChar char="v"/>
+            </a:pPr>
+            <a:r>
+              <a:rPr lang="en-MY" sz="1800" dirty="0"/>
+              <a:t>Authentication</a:t>
+            </a:r>
+          </a:p>
+          <a:p>
+            <a:pPr>
+              <a:buFont typeface="Wingdings" panose="05000000000000000000" pitchFamily="2" charset="2"/>
+              <a:buChar char="v"/>
+            </a:pPr>
+            <a:r>
+              <a:rPr lang="en-MY" sz="1800" dirty="0"/>
+              <a:t>Adding a remote repository</a:t>
+            </a:r>
+          </a:p>
+          <a:p>
+            <a:pPr>
+              <a:buFont typeface="Wingdings" panose="05000000000000000000" pitchFamily="2" charset="2"/>
+              <a:buChar char="v"/>
+            </a:pPr>
+            <a:r>
+              <a:rPr lang="en-MY" sz="1800" dirty="0"/>
+              <a:t>Fetching and pulling</a:t>
+            </a:r>
+          </a:p>
+          <a:p>
+            <a:pPr>
+              <a:buFont typeface="Wingdings" panose="05000000000000000000" pitchFamily="2" charset="2"/>
+              <a:buChar char="v"/>
+            </a:pPr>
+            <a:r>
+              <a:rPr lang="en-MY" sz="1800" dirty="0"/>
+              <a:t>Pushing</a:t>
+            </a:r>
+          </a:p>
+          <a:p>
+            <a:pPr>
+              <a:buFont typeface="Wingdings" panose="05000000000000000000" pitchFamily="2" charset="2"/>
+              <a:buChar char="v"/>
+            </a:pPr>
+            <a:r>
+              <a:rPr lang="en-MY" sz="1800" dirty="0"/>
+              <a:t>Story so far</a:t>
+            </a:r>
+          </a:p>
+          <a:p>
+            <a:pPr>
+              <a:buFont typeface="Wingdings" panose="05000000000000000000" pitchFamily="2" charset="2"/>
+              <a:buChar char="v"/>
+            </a:pPr>
+            <a:r>
+              <a:rPr lang="en-MY" sz="1800" dirty="0"/>
+              <a:t>Branching</a:t>
+            </a:r>
+          </a:p>
+          <a:p>
+            <a:pPr>
+              <a:buFont typeface="Wingdings" panose="05000000000000000000" pitchFamily="2" charset="2"/>
+              <a:buChar char="v"/>
+            </a:pPr>
+            <a:r>
+              <a:rPr lang="en-MY" sz="1800" dirty="0"/>
+              <a:t>Merge conflicts, pull requests, forking</a:t>
+            </a:r>
+          </a:p>
+          <a:p>
+            <a:pPr>
+              <a:buFont typeface="Wingdings" panose="05000000000000000000" pitchFamily="2" charset="2"/>
+              <a:buChar char="v"/>
+            </a:pPr>
+            <a:r>
+              <a:rPr lang="en-MY" sz="1800" dirty="0"/>
+              <a:t>Contribute to open source by forking:</a:t>
+            </a:r>
+          </a:p>
+          <a:p>
+            <a:pPr>
+              <a:buFont typeface="Wingdings" panose="05000000000000000000" pitchFamily="2" charset="2"/>
+              <a:buChar char="v"/>
+            </a:pPr>
+            <a:r>
+              <a:rPr lang="en-US" sz="1800" dirty="0"/>
+              <a:t>Git best practices!</a:t>
+            </a:r>
+          </a:p>
+          <a:p>
+            <a:pPr>
+              <a:buFont typeface="Wingdings" panose="05000000000000000000" pitchFamily="2" charset="2"/>
+              <a:buChar char="v"/>
+            </a:pPr>
+            <a:r>
+              <a:rPr lang="en-US" sz="1800" dirty="0"/>
+              <a:t>Resources</a:t>
+            </a:r>
+          </a:p>
+          <a:p>
+            <a:pPr>
+              <a:buFont typeface="Wingdings" panose="05000000000000000000" pitchFamily="2" charset="2"/>
+              <a:buChar char="v"/>
+            </a:pPr>
+            <a:r>
+              <a:rPr lang="en-US" sz="1800" dirty="0"/>
+              <a:t>Technical Issues</a:t>
+            </a:r>
+          </a:p>
+          <a:p>
+            <a:pPr>
+              <a:buFont typeface="Wingdings" panose="05000000000000000000" pitchFamily="2" charset="2"/>
+              <a:buChar char="v"/>
+            </a:pPr>
+            <a:r>
+              <a:rPr lang="en-US" sz="1800" dirty="0"/>
+              <a:t>Add. slides/images</a:t>
+            </a:r>
+          </a:p>
+          <a:p>
+            <a:endParaRPr lang="en-MY" sz="1400" dirty="0">
+              <a:solidFill>
+                <a:schemeClr val="tx1"/>
+              </a:solidFill>
+            </a:endParaRPr>
+          </a:p>
+        </p:txBody>
+      </p:sp>
+    </p:spTree>
+    <p:extLst>
+      <p:ext uri="{BB962C8B-B14F-4D97-AF65-F5344CB8AC3E}">
+        <p14:creationId xmlns:p14="http://schemas.microsoft.com/office/powerpoint/2010/main" val="1072947160"/>
+      </p:ext>
+    </p:extLst>
+  </p:cSld>
+  <p:clrMapOvr>
+    <a:masterClrMapping/>
+  </p:clrMapOvr>
+</p:sld>
+</file>
+
+<file path=ppt/slides/slide20.xml><?xml version="1.0" encoding="utf-8"?>
 <p:sld xmlns:a="http://schemas.openxmlformats.org/drawingml/2006/main" xmlns:r="http://schemas.openxmlformats.org/officeDocument/2006/relationships" xmlns:p="http://schemas.openxmlformats.org/presentationml/2006/main">
   <p:cSld>
     <p:spTree>
@@ -12325,7 +13101,7 @@
 </p:sld>
 </file>
 
-<file path=ppt/slides/slide2.xml><?xml version="1.0" encoding="utf-8"?>
+<file path=ppt/slides/slide21.xml><?xml version="1.0" encoding="utf-8"?>
 <p:sld xmlns:a="http://schemas.openxmlformats.org/drawingml/2006/main" xmlns:r="http://schemas.openxmlformats.org/officeDocument/2006/relationships" xmlns:p="http://schemas.openxmlformats.org/presentationml/2006/main">
   <p:cSld>
     <p:spTree>
@@ -12344,7 +13120,13 @@
       </p:grpSpPr>
       <p:sp>
         <p:nvSpPr>
-          <p:cNvPr id="2" name="Title 1"/>
+          <p:cNvPr id="2" name="Title 1">
+            <a:extLst>
+              <a:ext uri="{FF2B5EF4-FFF2-40B4-BE49-F238E27FC236}">
+                <a16:creationId xmlns:a16="http://schemas.microsoft.com/office/drawing/2014/main" id="{D47DE0EA-8D0E-4F71-BA30-530045163A55}"/>
+              </a:ext>
+            </a:extLst>
+          </p:cNvPr>
           <p:cNvSpPr>
             <a:spLocks noGrp="1"/>
           </p:cNvSpPr>
@@ -12354,8 +13136,8 @@
         </p:nvSpPr>
         <p:spPr>
           <a:xfrm>
-            <a:off x="838200" y="110002"/>
-            <a:ext cx="8334376" cy="1325563"/>
+            <a:off x="838199" y="181339"/>
+            <a:ext cx="9095913" cy="1325563"/>
           </a:xfrm>
         </p:spPr>
         <p:txBody>
@@ -12363,323 +13145,46 @@
           <a:lstStyle/>
           <a:p>
             <a:r>
-              <a:rPr lang="en-US" dirty="0"/>
-              <a:t>Slides Content:</a:t>
-            </a:r>
-          </a:p>
-        </p:txBody>
-      </p:sp>
-      <p:sp>
-        <p:nvSpPr>
-          <p:cNvPr id="14" name="Content Placeholder 13">
-            <a:extLst>
-              <a:ext uri="{FF2B5EF4-FFF2-40B4-BE49-F238E27FC236}">
-                <a16:creationId xmlns:a16="http://schemas.microsoft.com/office/drawing/2014/main" id="{89DD93C4-882C-4D9C-A2C6-BB1AFBA96F37}"/>
-              </a:ext>
-            </a:extLst>
-          </p:cNvPr>
-          <p:cNvSpPr>
-            <a:spLocks noGrp="1"/>
-          </p:cNvSpPr>
-          <p:nvPr>
-            <p:ph idx="1"/>
-          </p:nvPr>
-        </p:nvSpPr>
+              <a:rPr lang="en-MY" dirty="0"/>
+              <a:t>Story so far</a:t>
+            </a:r>
+          </a:p>
+        </p:txBody>
+      </p:sp>
+      <p:pic>
+        <p:nvPicPr>
+          <p:cNvPr id="12" name="Picture 11">
+            <a:extLst>
+              <a:ext uri="{FF2B5EF4-FFF2-40B4-BE49-F238E27FC236}">
+                <a16:creationId xmlns:a16="http://schemas.microsoft.com/office/drawing/2014/main" id="{DA0CF328-123E-40C8-ACB4-BEEE2929B7F0}"/>
+              </a:ext>
+            </a:extLst>
+          </p:cNvPr>
+          <p:cNvPicPr>
+            <a:picLocks noChangeAspect="1"/>
+          </p:cNvPicPr>
+          <p:nvPr/>
+        </p:nvPicPr>
+        <p:blipFill>
+          <a:blip r:embed="rId3"/>
+          <a:stretch>
+            <a:fillRect/>
+          </a:stretch>
+        </p:blipFill>
         <p:spPr>
           <a:xfrm>
-            <a:off x="838200" y="1435565"/>
-            <a:ext cx="10515600" cy="5054012"/>
+            <a:off x="838199" y="1610187"/>
+            <a:ext cx="9914765" cy="4598152"/>
           </a:xfrm>
+          <a:prstGeom prst="rect">
+            <a:avLst/>
+          </a:prstGeom>
         </p:spPr>
-        <p:txBody>
-          <a:bodyPr numCol="2">
-            <a:noAutofit/>
-          </a:bodyPr>
-          <a:lstStyle/>
-          <a:p>
-            <a:pPr>
-              <a:buFont typeface="Wingdings" panose="05000000000000000000" pitchFamily="2" charset="2"/>
-              <a:buChar char="v"/>
-            </a:pPr>
-            <a:r>
-              <a:rPr lang="en-US" sz="1800" dirty="0"/>
-              <a:t>Version Control System</a:t>
-            </a:r>
-            <a:endParaRPr lang="en-US" sz="1800" dirty="0">
-              <a:latin typeface="+mj-lt"/>
-            </a:endParaRPr>
-          </a:p>
-          <a:p>
-            <a:pPr>
-              <a:buFont typeface="Wingdings" panose="05000000000000000000" pitchFamily="2" charset="2"/>
-              <a:buChar char="v"/>
-            </a:pPr>
-            <a:r>
-              <a:rPr lang="en-US" sz="1800" dirty="0"/>
-              <a:t>Installing &amp; Configuring Git</a:t>
-            </a:r>
-          </a:p>
-          <a:p>
-            <a:pPr>
-              <a:buFont typeface="Wingdings" panose="05000000000000000000" pitchFamily="2" charset="2"/>
-              <a:buChar char="v"/>
-            </a:pPr>
-            <a:r>
-              <a:rPr lang="en-US" sz="1800" dirty="0"/>
-              <a:t>Using </a:t>
-            </a:r>
-            <a:r>
-              <a:rPr lang="en-US" sz="1800" dirty="0" err="1"/>
-              <a:t>GitBash</a:t>
-            </a:r>
-            <a:r>
-              <a:rPr lang="en-US" sz="1800" dirty="0"/>
-              <a:t> (Windows) or terminal (Mac)</a:t>
-            </a:r>
-          </a:p>
-          <a:p>
-            <a:pPr>
-              <a:buFont typeface="Wingdings" panose="05000000000000000000" pitchFamily="2" charset="2"/>
-              <a:buChar char="v"/>
-            </a:pPr>
-            <a:r>
-              <a:rPr lang="en-US" sz="1800" dirty="0"/>
-              <a:t>Initializing a Repo</a:t>
-            </a:r>
-          </a:p>
-          <a:p>
-            <a:pPr>
-              <a:buFont typeface="Wingdings" panose="05000000000000000000" pitchFamily="2" charset="2"/>
-              <a:buChar char="v"/>
-            </a:pPr>
-            <a:r>
-              <a:rPr lang="en-US" sz="1800" dirty="0"/>
-              <a:t>Git Workflow</a:t>
-            </a:r>
-          </a:p>
-          <a:p>
-            <a:pPr>
-              <a:buFont typeface="Wingdings" panose="05000000000000000000" pitchFamily="2" charset="2"/>
-              <a:buChar char="v"/>
-            </a:pPr>
-            <a:r>
-              <a:rPr lang="en-US" sz="1800" dirty="0"/>
-              <a:t>Viewing changes</a:t>
-            </a:r>
-          </a:p>
-          <a:p>
-            <a:pPr>
-              <a:buFont typeface="Wingdings" panose="05000000000000000000" pitchFamily="2" charset="2"/>
-              <a:buChar char="v"/>
-            </a:pPr>
-            <a:r>
-              <a:rPr lang="en-MY" sz="1800" dirty="0"/>
-              <a:t>Restoring previous versions</a:t>
-            </a:r>
-            <a:endParaRPr lang="en-US" sz="1800" dirty="0"/>
-          </a:p>
-          <a:p>
-            <a:pPr>
-              <a:buFont typeface="Wingdings" panose="05000000000000000000" pitchFamily="2" charset="2"/>
-              <a:buChar char="v"/>
-            </a:pPr>
-            <a:r>
-              <a:rPr lang="en-MY" sz="1800" dirty="0"/>
-              <a:t>Git log</a:t>
-            </a:r>
-          </a:p>
-          <a:p>
-            <a:pPr>
-              <a:buFont typeface="Wingdings" panose="05000000000000000000" pitchFamily="2" charset="2"/>
-              <a:buChar char="v"/>
-            </a:pPr>
-            <a:r>
-              <a:rPr lang="en-US" sz="1800" dirty="0"/>
-              <a:t>Collaboration</a:t>
-            </a:r>
-          </a:p>
-          <a:p>
-            <a:pPr>
-              <a:buFont typeface="Wingdings" panose="05000000000000000000" pitchFamily="2" charset="2"/>
-              <a:buChar char="v"/>
-            </a:pPr>
-            <a:r>
-              <a:rPr lang="en-US" sz="1800" dirty="0"/>
-              <a:t>Create and share your repo</a:t>
-            </a:r>
-          </a:p>
-          <a:p>
-            <a:pPr>
-              <a:buFont typeface="Wingdings" panose="05000000000000000000" pitchFamily="2" charset="2"/>
-              <a:buChar char="v"/>
-            </a:pPr>
-            <a:r>
-              <a:rPr lang="en-US" sz="1800" dirty="0"/>
-              <a:t>Cloning an existing repo</a:t>
-            </a:r>
-          </a:p>
-          <a:p>
-            <a:pPr>
-              <a:buFont typeface="Wingdings" panose="05000000000000000000" pitchFamily="2" charset="2"/>
-              <a:buChar char="v"/>
-            </a:pPr>
-            <a:r>
-              <a:rPr lang="en-MY" sz="1800" dirty="0"/>
-              <a:t>Remote repository, </a:t>
-            </a:r>
-            <a:r>
-              <a:rPr lang="en-MY" sz="1800" dirty="0" err="1"/>
-              <a:t>github</a:t>
-            </a:r>
-            <a:r>
-              <a:rPr lang="en-MY" sz="1800" dirty="0"/>
-              <a:t>!</a:t>
-            </a:r>
-          </a:p>
-          <a:p>
-            <a:pPr>
-              <a:buFont typeface="Wingdings" panose="05000000000000000000" pitchFamily="2" charset="2"/>
-              <a:buChar char="v"/>
-            </a:pPr>
-            <a:r>
-              <a:rPr lang="en-US" sz="1800" dirty="0"/>
-              <a:t>Common additional files</a:t>
-            </a:r>
-            <a:endParaRPr lang="en-MY" sz="1800" dirty="0"/>
-          </a:p>
-          <a:p>
-            <a:pPr>
-              <a:buFont typeface="Wingdings" panose="05000000000000000000" pitchFamily="2" charset="2"/>
-              <a:buChar char="v"/>
-            </a:pPr>
-            <a:r>
-              <a:rPr lang="en-MY" sz="1800" dirty="0"/>
-              <a:t>Authentication</a:t>
-            </a:r>
-          </a:p>
-          <a:p>
-            <a:pPr>
-              <a:buFont typeface="Wingdings" panose="05000000000000000000" pitchFamily="2" charset="2"/>
-              <a:buChar char="v"/>
-            </a:pPr>
-            <a:r>
-              <a:rPr lang="en-MY" sz="1800" dirty="0"/>
-              <a:t>Adding a remote repository</a:t>
-            </a:r>
-          </a:p>
-          <a:p>
-            <a:pPr>
-              <a:buFont typeface="Wingdings" panose="05000000000000000000" pitchFamily="2" charset="2"/>
-              <a:buChar char="v"/>
-            </a:pPr>
-            <a:r>
-              <a:rPr lang="en-MY" sz="1800" dirty="0"/>
-              <a:t>Fetching and pulling</a:t>
-            </a:r>
-          </a:p>
-          <a:p>
-            <a:pPr>
-              <a:buFont typeface="Wingdings" panose="05000000000000000000" pitchFamily="2" charset="2"/>
-              <a:buChar char="v"/>
-            </a:pPr>
-            <a:r>
-              <a:rPr lang="en-MY" sz="1800" dirty="0"/>
-              <a:t>Pushing</a:t>
-            </a:r>
-          </a:p>
-          <a:p>
-            <a:pPr>
-              <a:buFont typeface="Wingdings" panose="05000000000000000000" pitchFamily="2" charset="2"/>
-              <a:buChar char="v"/>
-            </a:pPr>
-            <a:r>
-              <a:rPr lang="en-MY" sz="1800" dirty="0"/>
-              <a:t>Story so far</a:t>
-            </a:r>
-          </a:p>
-          <a:p>
-            <a:pPr>
-              <a:buFont typeface="Wingdings" panose="05000000000000000000" pitchFamily="2" charset="2"/>
-              <a:buChar char="v"/>
-            </a:pPr>
-            <a:r>
-              <a:rPr lang="en-MY" sz="1800" dirty="0"/>
-              <a:t>Branching</a:t>
-            </a:r>
-          </a:p>
-          <a:p>
-            <a:pPr>
-              <a:buFont typeface="Wingdings" panose="05000000000000000000" pitchFamily="2" charset="2"/>
-              <a:buChar char="v"/>
-            </a:pPr>
-            <a:r>
-              <a:rPr lang="en-MY" sz="1800" dirty="0"/>
-              <a:t>Merge conflicts, pull requests, forking</a:t>
-            </a:r>
-          </a:p>
-          <a:p>
-            <a:pPr>
-              <a:buFont typeface="Wingdings" panose="05000000000000000000" pitchFamily="2" charset="2"/>
-              <a:buChar char="v"/>
-            </a:pPr>
-            <a:r>
-              <a:rPr lang="en-MY" sz="1800" dirty="0"/>
-              <a:t>Contribute to open source by forking:</a:t>
-            </a:r>
-          </a:p>
-          <a:p>
-            <a:pPr>
-              <a:buFont typeface="Wingdings" panose="05000000000000000000" pitchFamily="2" charset="2"/>
-              <a:buChar char="v"/>
-            </a:pPr>
-            <a:r>
-              <a:rPr lang="en-US" sz="1800" dirty="0"/>
-              <a:t>Git best practices!</a:t>
-            </a:r>
-          </a:p>
-          <a:p>
-            <a:pPr>
-              <a:buFont typeface="Wingdings" panose="05000000000000000000" pitchFamily="2" charset="2"/>
-              <a:buChar char="v"/>
-            </a:pPr>
-            <a:r>
-              <a:rPr lang="en-US" sz="1800" dirty="0"/>
-              <a:t>Resources</a:t>
-            </a:r>
-          </a:p>
-          <a:p>
-            <a:pPr>
-              <a:buFont typeface="Wingdings" panose="05000000000000000000" pitchFamily="2" charset="2"/>
-              <a:buChar char="v"/>
-            </a:pPr>
-            <a:r>
-              <a:rPr lang="en-US" sz="1800" dirty="0"/>
-              <a:t>Technical Issues</a:t>
-            </a:r>
-          </a:p>
-          <a:p>
-            <a:pPr>
-              <a:buFont typeface="Wingdings" panose="05000000000000000000" pitchFamily="2" charset="2"/>
-              <a:buChar char="v"/>
-            </a:pPr>
-            <a:r>
-              <a:rPr lang="en-US" sz="1800" dirty="0"/>
-              <a:t>Add. slides/images</a:t>
-            </a:r>
-          </a:p>
-          <a:p>
-            <a:endParaRPr lang="en-MY" sz="1400" dirty="0">
-              <a:solidFill>
-                <a:schemeClr val="tx1"/>
-              </a:solidFill>
-            </a:endParaRPr>
-          </a:p>
-        </p:txBody>
-      </p:sp>
+      </p:pic>
     </p:spTree>
     <p:extLst>
       <p:ext uri="{BB962C8B-B14F-4D97-AF65-F5344CB8AC3E}">
-        <p14:creationId xmlns:p14="http://schemas.microsoft.com/office/powerpoint/2010/main" val="1072947160"/>
+        <p14:creationId xmlns:p14="http://schemas.microsoft.com/office/powerpoint/2010/main" val="3092724317"/>
       </p:ext>
     </p:extLst>
   </p:cSld>
@@ -12689,7 +13194,7 @@
 </p:sld>
 </file>
 
-<file path=ppt/slides/slide20.xml><?xml version="1.0" encoding="utf-8"?>
+<file path=ppt/slides/slide22.xml><?xml version="1.0" encoding="utf-8"?>
 <p:sld xmlns:a="http://schemas.openxmlformats.org/drawingml/2006/main" xmlns:r="http://schemas.openxmlformats.org/officeDocument/2006/relationships" xmlns:p="http://schemas.openxmlformats.org/presentationml/2006/main">
   <p:cSld>
     <p:spTree>
@@ -12830,7 +13335,7 @@
 </p:sld>
 </file>
 
-<file path=ppt/slides/slide21.xml><?xml version="1.0" encoding="utf-8"?>
+<file path=ppt/slides/slide23.xml><?xml version="1.0" encoding="utf-8"?>
 <p:sld xmlns:a="http://schemas.openxmlformats.org/drawingml/2006/main" xmlns:r="http://schemas.openxmlformats.org/officeDocument/2006/relationships" xmlns:p="http://schemas.openxmlformats.org/presentationml/2006/main">
   <p:cSld>
     <p:spTree>
@@ -12973,7 +13478,7 @@
 </p:sld>
 </file>
 
-<file path=ppt/slides/slide22.xml><?xml version="1.0" encoding="utf-8"?>
+<file path=ppt/slides/slide24.xml><?xml version="1.0" encoding="utf-8"?>
 <p:sld xmlns:a="http://schemas.openxmlformats.org/drawingml/2006/main" xmlns:r="http://schemas.openxmlformats.org/officeDocument/2006/relationships" xmlns:p="http://schemas.openxmlformats.org/presentationml/2006/main">
   <p:cSld>
     <p:spTree>
@@ -13112,7 +13617,7 @@
 </p:sld>
 </file>
 
-<file path=ppt/slides/slide23.xml><?xml version="1.0" encoding="utf-8"?>
+<file path=ppt/slides/slide25.xml><?xml version="1.0" encoding="utf-8"?>
 <p:sld xmlns:a="http://schemas.openxmlformats.org/drawingml/2006/main" xmlns:r="http://schemas.openxmlformats.org/officeDocument/2006/relationships" xmlns:p="http://schemas.openxmlformats.org/presentationml/2006/main">
   <p:cSld>
     <p:spTree>
@@ -13259,7 +13764,7 @@
 </p:sld>
 </file>
 
-<file path=ppt/slides/slide24.xml><?xml version="1.0" encoding="utf-8"?>
+<file path=ppt/slides/slide26.xml><?xml version="1.0" encoding="utf-8"?>
 <p:sld xmlns:a="http://schemas.openxmlformats.org/drawingml/2006/main" xmlns:r="http://schemas.openxmlformats.org/officeDocument/2006/relationships" xmlns:p="http://schemas.openxmlformats.org/presentationml/2006/main">
   <p:cSld>
     <p:spTree>
@@ -13421,100 +13926,7 @@
 </p:sld>
 </file>
 
-<file path=ppt/slides/slide25.xml><?xml version="1.0" encoding="utf-8"?>
-<p:sld xmlns:a="http://schemas.openxmlformats.org/drawingml/2006/main" xmlns:r="http://schemas.openxmlformats.org/officeDocument/2006/relationships" xmlns:p="http://schemas.openxmlformats.org/presentationml/2006/main">
-  <p:cSld>
-    <p:spTree>
-      <p:nvGrpSpPr>
-        <p:cNvPr id="1" name=""/>
-        <p:cNvGrpSpPr/>
-        <p:nvPr/>
-      </p:nvGrpSpPr>
-      <p:grpSpPr>
-        <a:xfrm>
-          <a:off x="0" y="0"/>
-          <a:ext cx="0" cy="0"/>
-          <a:chOff x="0" y="0"/>
-          <a:chExt cx="0" cy="0"/>
-        </a:xfrm>
-      </p:grpSpPr>
-      <p:sp>
-        <p:nvSpPr>
-          <p:cNvPr id="2" name="Title 1">
-            <a:extLst>
-              <a:ext uri="{FF2B5EF4-FFF2-40B4-BE49-F238E27FC236}">
-                <a16:creationId xmlns:a16="http://schemas.microsoft.com/office/drawing/2014/main" id="{D47DE0EA-8D0E-4F71-BA30-530045163A55}"/>
-              </a:ext>
-            </a:extLst>
-          </p:cNvPr>
-          <p:cNvSpPr>
-            <a:spLocks noGrp="1"/>
-          </p:cNvSpPr>
-          <p:nvPr>
-            <p:ph type="title"/>
-          </p:nvPr>
-        </p:nvSpPr>
-        <p:spPr>
-          <a:xfrm>
-            <a:off x="838199" y="181339"/>
-            <a:ext cx="9095913" cy="1325563"/>
-          </a:xfrm>
-        </p:spPr>
-        <p:txBody>
-          <a:bodyPr/>
-          <a:lstStyle/>
-          <a:p>
-            <a:r>
-              <a:rPr lang="en-MY" dirty="0"/>
-              <a:t>Story so far</a:t>
-            </a:r>
-          </a:p>
-        </p:txBody>
-      </p:sp>
-      <p:pic>
-        <p:nvPicPr>
-          <p:cNvPr id="12" name="Picture 11">
-            <a:extLst>
-              <a:ext uri="{FF2B5EF4-FFF2-40B4-BE49-F238E27FC236}">
-                <a16:creationId xmlns:a16="http://schemas.microsoft.com/office/drawing/2014/main" id="{DA0CF328-123E-40C8-ACB4-BEEE2929B7F0}"/>
-              </a:ext>
-            </a:extLst>
-          </p:cNvPr>
-          <p:cNvPicPr>
-            <a:picLocks noChangeAspect="1"/>
-          </p:cNvPicPr>
-          <p:nvPr/>
-        </p:nvPicPr>
-        <p:blipFill>
-          <a:blip r:embed="rId3"/>
-          <a:stretch>
-            <a:fillRect/>
-          </a:stretch>
-        </p:blipFill>
-        <p:spPr>
-          <a:xfrm>
-            <a:off x="838199" y="1610187"/>
-            <a:ext cx="9914765" cy="4598152"/>
-          </a:xfrm>
-          <a:prstGeom prst="rect">
-            <a:avLst/>
-          </a:prstGeom>
-        </p:spPr>
-      </p:pic>
-    </p:spTree>
-    <p:extLst>
-      <p:ext uri="{BB962C8B-B14F-4D97-AF65-F5344CB8AC3E}">
-        <p14:creationId xmlns:p14="http://schemas.microsoft.com/office/powerpoint/2010/main" val="3092724317"/>
-      </p:ext>
-    </p:extLst>
-  </p:cSld>
-  <p:clrMapOvr>
-    <a:masterClrMapping/>
-  </p:clrMapOvr>
-</p:sld>
-</file>
-
-<file path=ppt/slides/slide26.xml><?xml version="1.0" encoding="utf-8"?>
+<file path=ppt/slides/slide27.xml><?xml version="1.0" encoding="utf-8"?>
 <p:sld xmlns:a="http://schemas.openxmlformats.org/drawingml/2006/main" xmlns:r="http://schemas.openxmlformats.org/officeDocument/2006/relationships" xmlns:p="http://schemas.openxmlformats.org/presentationml/2006/main">
   <p:cSld>
     <p:spTree>
@@ -13661,7 +14073,7 @@
 </p:sld>
 </file>
 
-<file path=ppt/slides/slide27.xml><?xml version="1.0" encoding="utf-8"?>
+<file path=ppt/slides/slide28.xml><?xml version="1.0" encoding="utf-8"?>
 <p:sld xmlns:a="http://schemas.openxmlformats.org/drawingml/2006/main" xmlns:r="http://schemas.openxmlformats.org/officeDocument/2006/relationships" xmlns:p="http://schemas.openxmlformats.org/presentationml/2006/main">
   <p:cSld>
     <p:spTree>
@@ -13820,7 +14232,7 @@
                 </a:solidFill>
                 <a:latin typeface="+mj-lt"/>
               </a:rPr>
-              <a:t>Master</a:t>
+              <a:t>main</a:t>
             </a:r>
           </a:p>
         </p:txBody>
@@ -15557,7 +15969,7 @@
 </p:sld>
 </file>
 
-<file path=ppt/slides/slide28.xml><?xml version="1.0" encoding="utf-8"?>
+<file path=ppt/slides/slide29.xml><?xml version="1.0" encoding="utf-8"?>
 <p:sld xmlns:a="http://schemas.openxmlformats.org/drawingml/2006/main" xmlns:r="http://schemas.openxmlformats.org/officeDocument/2006/relationships" xmlns:p="http://schemas.openxmlformats.org/presentationml/2006/main">
   <p:cSld>
     <p:spTree>
@@ -15685,138 +16097,6 @@
 </p:sld>
 </file>
 
-<file path=ppt/slides/slide29.xml><?xml version="1.0" encoding="utf-8"?>
-<p:sld xmlns:a="http://schemas.openxmlformats.org/drawingml/2006/main" xmlns:r="http://schemas.openxmlformats.org/officeDocument/2006/relationships" xmlns:p="http://schemas.openxmlformats.org/presentationml/2006/main">
-  <p:cSld>
-    <p:spTree>
-      <p:nvGrpSpPr>
-        <p:cNvPr id="1" name=""/>
-        <p:cNvGrpSpPr/>
-        <p:nvPr/>
-      </p:nvGrpSpPr>
-      <p:grpSpPr>
-        <a:xfrm>
-          <a:off x="0" y="0"/>
-          <a:ext cx="0" cy="0"/>
-          <a:chOff x="0" y="0"/>
-          <a:chExt cx="0" cy="0"/>
-        </a:xfrm>
-      </p:grpSpPr>
-      <p:sp>
-        <p:nvSpPr>
-          <p:cNvPr id="2" name="Title 1">
-            <a:extLst>
-              <a:ext uri="{FF2B5EF4-FFF2-40B4-BE49-F238E27FC236}">
-                <a16:creationId xmlns:a16="http://schemas.microsoft.com/office/drawing/2014/main" id="{D47DE0EA-8D0E-4F71-BA30-530045163A55}"/>
-              </a:ext>
-            </a:extLst>
-          </p:cNvPr>
-          <p:cNvSpPr>
-            <a:spLocks noGrp="1"/>
-          </p:cNvSpPr>
-          <p:nvPr>
-            <p:ph type="title"/>
-          </p:nvPr>
-        </p:nvSpPr>
-        <p:spPr>
-          <a:xfrm>
-            <a:off x="838200" y="163583"/>
-            <a:ext cx="8334376" cy="1325563"/>
-          </a:xfrm>
-        </p:spPr>
-        <p:txBody>
-          <a:bodyPr/>
-          <a:lstStyle/>
-          <a:p>
-            <a:r>
-              <a:rPr lang="en-MY" dirty="0"/>
-              <a:t>Merge conflicts, pull requests, forking</a:t>
-            </a:r>
-          </a:p>
-        </p:txBody>
-      </p:sp>
-      <p:sp>
-        <p:nvSpPr>
-          <p:cNvPr id="29" name="Content Placeholder 2">
-            <a:extLst>
-              <a:ext uri="{FF2B5EF4-FFF2-40B4-BE49-F238E27FC236}">
-                <a16:creationId xmlns:a16="http://schemas.microsoft.com/office/drawing/2014/main" id="{CEEDF549-53F1-4D19-82FA-8EE3F12DBB3F}"/>
-              </a:ext>
-            </a:extLst>
-          </p:cNvPr>
-          <p:cNvSpPr>
-            <a:spLocks noGrp="1"/>
-          </p:cNvSpPr>
-          <p:nvPr>
-            <p:ph idx="1"/>
-          </p:nvPr>
-        </p:nvSpPr>
-        <p:spPr>
-          <a:xfrm>
-            <a:off x="647700" y="1650999"/>
-            <a:ext cx="10999801" cy="4980619"/>
-          </a:xfrm>
-        </p:spPr>
-        <p:txBody>
-          <a:bodyPr>
-            <a:normAutofit/>
-          </a:bodyPr>
-          <a:lstStyle/>
-          <a:p>
-            <a:pPr marL="0" indent="0">
-              <a:buNone/>
-            </a:pPr>
-            <a:r>
-              <a:rPr lang="en-MY" dirty="0"/>
-              <a:t>Contributing to open source by forking:</a:t>
-            </a:r>
-          </a:p>
-          <a:p>
-            <a:r>
-              <a:rPr lang="en-MY" dirty="0" err="1"/>
-              <a:t>i</a:t>
-            </a:r>
-            <a:r>
-              <a:rPr lang="en-MY" dirty="0"/>
-              <a:t>) Propose changes to someone’s project</a:t>
-            </a:r>
-          </a:p>
-          <a:p>
-            <a:r>
-              <a:rPr lang="en-MY" dirty="0"/>
-              <a:t>ii) Use the code as your own project</a:t>
-            </a:r>
-          </a:p>
-          <a:p>
-            <a:r>
-              <a:rPr lang="en-MY" dirty="0"/>
-              <a:t>iii) Does not affect original project</a:t>
-            </a:r>
-          </a:p>
-          <a:p>
-            <a:endParaRPr lang="en-MY" dirty="0"/>
-          </a:p>
-          <a:p>
-            <a:r>
-              <a:rPr lang="en-MY" dirty="0"/>
-              <a:t>To work on open-source projects, look at the next slide!</a:t>
-            </a:r>
-          </a:p>
-        </p:txBody>
-      </p:sp>
-    </p:spTree>
-    <p:extLst>
-      <p:ext uri="{BB962C8B-B14F-4D97-AF65-F5344CB8AC3E}">
-        <p14:creationId xmlns:p14="http://schemas.microsoft.com/office/powerpoint/2010/main" val="3635112261"/>
-      </p:ext>
-    </p:extLst>
-  </p:cSld>
-  <p:clrMapOvr>
-    <a:masterClrMapping/>
-  </p:clrMapOvr>
-</p:sld>
-</file>
-
 <file path=ppt/slides/slide3.xml><?xml version="1.0" encoding="utf-8"?>
 <p:sld xmlns:a="http://schemas.openxmlformats.org/drawingml/2006/main" xmlns:r="http://schemas.openxmlformats.org/officeDocument/2006/relationships" xmlns:p="http://schemas.openxmlformats.org/presentationml/2006/main">
   <p:cSld>
@@ -15883,8 +16163,8 @@
         </p:nvSpPr>
         <p:spPr>
           <a:xfrm>
-            <a:off x="838200" y="1435565"/>
-            <a:ext cx="10515600" cy="5054012"/>
+            <a:off x="838200" y="763480"/>
+            <a:ext cx="10515600" cy="5726097"/>
           </a:xfrm>
         </p:spPr>
         <p:txBody>
@@ -15892,6 +16172,15 @@
             <a:noAutofit/>
           </a:bodyPr>
           <a:lstStyle/>
+          <a:p>
+            <a:pPr marL="0" indent="0">
+              <a:lnSpc>
+                <a:spcPct val="150000"/>
+              </a:lnSpc>
+              <a:buNone/>
+            </a:pPr>
+            <a:endParaRPr lang="en-MY" sz="2400" dirty="0"/>
+          </a:p>
           <a:p>
             <a:pPr marL="342900" indent="-342900">
               <a:lnSpc>
@@ -15901,7 +16190,7 @@
             </a:pPr>
             <a:r>
               <a:rPr lang="en-MY" sz="2400" dirty="0"/>
-              <a:t>What is Git?</a:t>
+              <a:t>Installing and configuring Git</a:t>
             </a:r>
           </a:p>
           <a:p>
@@ -15913,7 +16202,7 @@
             </a:pPr>
             <a:r>
               <a:rPr lang="en-MY" sz="2400" dirty="0"/>
-              <a:t>Installing and configuring Git</a:t>
+              <a:t>Fundamentals of Git</a:t>
             </a:r>
           </a:p>
           <a:p>
@@ -15925,7 +16214,15 @@
             </a:pPr>
             <a:r>
               <a:rPr lang="en-MY" sz="2400" dirty="0"/>
-              <a:t>Fundamentals of Git</a:t>
+              <a:t>Using </a:t>
+            </a:r>
+            <a:r>
+              <a:rPr lang="en-MY" sz="2400" dirty="0" err="1"/>
+              <a:t>VSCode</a:t>
+            </a:r>
+            <a:r>
+              <a:rPr lang="en-MY" sz="2400" dirty="0"/>
+              <a:t> with Git</a:t>
             </a:r>
           </a:p>
           <a:p>
@@ -15937,15 +16234,7 @@
             </a:pPr>
             <a:r>
               <a:rPr lang="en-MY" sz="2400" dirty="0"/>
-              <a:t>Using </a:t>
-            </a:r>
-            <a:r>
-              <a:rPr lang="en-MY" sz="2400" dirty="0" err="1"/>
-              <a:t>VSCode</a:t>
-            </a:r>
-            <a:r>
-              <a:rPr lang="en-MY" sz="2400" dirty="0"/>
-              <a:t> with Git</a:t>
+              <a:t>Fundamentals of GitHub</a:t>
             </a:r>
           </a:p>
           <a:p>
@@ -15957,19 +16246,7 @@
             </a:pPr>
             <a:r>
               <a:rPr lang="en-MY" sz="2400" dirty="0"/>
-              <a:t>Fundamentals of GitHub</a:t>
-            </a:r>
-          </a:p>
-          <a:p>
-            <a:pPr marL="342900" indent="-342900">
-              <a:lnSpc>
-                <a:spcPct val="150000"/>
-              </a:lnSpc>
-              <a:buAutoNum type="arabicParenR"/>
-            </a:pPr>
-            <a:r>
-              <a:rPr lang="en-MY" sz="2400" dirty="0"/>
-              <a:t>A little on branching and collaborating</a:t>
+              <a:t>Working as a team using GitHub</a:t>
             </a:r>
           </a:p>
         </p:txBody>
@@ -16022,6 +16299,138 @@
         </p:nvSpPr>
         <p:spPr>
           <a:xfrm>
+            <a:off x="838200" y="163583"/>
+            <a:ext cx="8334376" cy="1325563"/>
+          </a:xfrm>
+        </p:spPr>
+        <p:txBody>
+          <a:bodyPr/>
+          <a:lstStyle/>
+          <a:p>
+            <a:r>
+              <a:rPr lang="en-MY" dirty="0"/>
+              <a:t>Merge conflicts, pull requests, forking</a:t>
+            </a:r>
+          </a:p>
+        </p:txBody>
+      </p:sp>
+      <p:sp>
+        <p:nvSpPr>
+          <p:cNvPr id="29" name="Content Placeholder 2">
+            <a:extLst>
+              <a:ext uri="{FF2B5EF4-FFF2-40B4-BE49-F238E27FC236}">
+                <a16:creationId xmlns:a16="http://schemas.microsoft.com/office/drawing/2014/main" id="{CEEDF549-53F1-4D19-82FA-8EE3F12DBB3F}"/>
+              </a:ext>
+            </a:extLst>
+          </p:cNvPr>
+          <p:cNvSpPr>
+            <a:spLocks noGrp="1"/>
+          </p:cNvSpPr>
+          <p:nvPr>
+            <p:ph idx="1"/>
+          </p:nvPr>
+        </p:nvSpPr>
+        <p:spPr>
+          <a:xfrm>
+            <a:off x="647700" y="1650999"/>
+            <a:ext cx="10999801" cy="4980619"/>
+          </a:xfrm>
+        </p:spPr>
+        <p:txBody>
+          <a:bodyPr>
+            <a:normAutofit/>
+          </a:bodyPr>
+          <a:lstStyle/>
+          <a:p>
+            <a:pPr marL="0" indent="0">
+              <a:buNone/>
+            </a:pPr>
+            <a:r>
+              <a:rPr lang="en-MY" dirty="0"/>
+              <a:t>Contributing to open source by forking:</a:t>
+            </a:r>
+          </a:p>
+          <a:p>
+            <a:r>
+              <a:rPr lang="en-MY" dirty="0" err="1"/>
+              <a:t>i</a:t>
+            </a:r>
+            <a:r>
+              <a:rPr lang="en-MY" dirty="0"/>
+              <a:t>) Propose changes to someone’s project</a:t>
+            </a:r>
+          </a:p>
+          <a:p>
+            <a:r>
+              <a:rPr lang="en-MY" dirty="0"/>
+              <a:t>ii) Use the code as your own project</a:t>
+            </a:r>
+          </a:p>
+          <a:p>
+            <a:r>
+              <a:rPr lang="en-MY" dirty="0"/>
+              <a:t>iii) Does not affect original project</a:t>
+            </a:r>
+          </a:p>
+          <a:p>
+            <a:endParaRPr lang="en-MY" dirty="0"/>
+          </a:p>
+          <a:p>
+            <a:r>
+              <a:rPr lang="en-MY" dirty="0"/>
+              <a:t>To work on open-source projects, look at the next slide!</a:t>
+            </a:r>
+          </a:p>
+        </p:txBody>
+      </p:sp>
+    </p:spTree>
+    <p:extLst>
+      <p:ext uri="{BB962C8B-B14F-4D97-AF65-F5344CB8AC3E}">
+        <p14:creationId xmlns:p14="http://schemas.microsoft.com/office/powerpoint/2010/main" val="3635112261"/>
+      </p:ext>
+    </p:extLst>
+  </p:cSld>
+  <p:clrMapOvr>
+    <a:masterClrMapping/>
+  </p:clrMapOvr>
+</p:sld>
+</file>
+
+<file path=ppt/slides/slide31.xml><?xml version="1.0" encoding="utf-8"?>
+<p:sld xmlns:a="http://schemas.openxmlformats.org/drawingml/2006/main" xmlns:r="http://schemas.openxmlformats.org/officeDocument/2006/relationships" xmlns:p="http://schemas.openxmlformats.org/presentationml/2006/main">
+  <p:cSld>
+    <p:spTree>
+      <p:nvGrpSpPr>
+        <p:cNvPr id="1" name=""/>
+        <p:cNvGrpSpPr/>
+        <p:nvPr/>
+      </p:nvGrpSpPr>
+      <p:grpSpPr>
+        <a:xfrm>
+          <a:off x="0" y="0"/>
+          <a:ext cx="0" cy="0"/>
+          <a:chOff x="0" y="0"/>
+          <a:chExt cx="0" cy="0"/>
+        </a:xfrm>
+      </p:grpSpPr>
+      <p:sp>
+        <p:nvSpPr>
+          <p:cNvPr id="2" name="Title 1">
+            <a:extLst>
+              <a:ext uri="{FF2B5EF4-FFF2-40B4-BE49-F238E27FC236}">
+                <a16:creationId xmlns:a16="http://schemas.microsoft.com/office/drawing/2014/main" id="{D47DE0EA-8D0E-4F71-BA30-530045163A55}"/>
+              </a:ext>
+            </a:extLst>
+          </p:cNvPr>
+          <p:cNvSpPr>
+            <a:spLocks noGrp="1"/>
+          </p:cNvSpPr>
+          <p:nvPr>
+            <p:ph type="title"/>
+          </p:nvPr>
+        </p:nvSpPr>
+        <p:spPr>
+          <a:xfrm>
             <a:off x="838199" y="163583"/>
             <a:ext cx="10116845" cy="1325563"/>
           </a:xfrm>
@@ -16085,6 +16494,16 @@
                 <a:schemeClr val="accent4"/>
               </a:solidFill>
             </a:endParaRPr>
+          </a:p>
+          <a:p>
+            <a:r>
+              <a:rPr lang="en-MY" dirty="0">
+                <a:solidFill>
+                  <a:schemeClr val="accent4"/>
+                </a:solidFill>
+              </a:rPr>
+              <a:t>A fork is a personal copy of the project</a:t>
+            </a:r>
           </a:p>
           <a:p>
             <a:endParaRPr lang="en-MY" dirty="0">
@@ -16148,7 +16567,7 @@
 </p:sld>
 </file>
 
-<file path=ppt/slides/slide31.xml><?xml version="1.0" encoding="utf-8"?>
+<file path=ppt/slides/slide32.xml><?xml version="1.0" encoding="utf-8"?>
 <p:sld xmlns:a="http://schemas.openxmlformats.org/drawingml/2006/main" xmlns:r="http://schemas.openxmlformats.org/officeDocument/2006/relationships" xmlns:p="http://schemas.openxmlformats.org/presentationml/2006/main">
   <p:cSld>
     <p:spTree>
@@ -16282,7 +16701,7 @@
 </p:sld>
 </file>
 
-<file path=ppt/slides/slide32.xml><?xml version="1.0" encoding="utf-8"?>
+<file path=ppt/slides/slide33.xml><?xml version="1.0" encoding="utf-8"?>
 <p:sld xmlns:a="http://schemas.openxmlformats.org/drawingml/2006/main" xmlns:r="http://schemas.openxmlformats.org/officeDocument/2006/relationships" xmlns:p="http://schemas.openxmlformats.org/presentationml/2006/main">
   <p:cSld>
     <p:bg>
@@ -16414,7 +16833,7 @@
 </p:sld>
 </file>
 
-<file path=ppt/slides/slide33.xml><?xml version="1.0" encoding="utf-8"?>
+<file path=ppt/slides/slide34.xml><?xml version="1.0" encoding="utf-8"?>
 <p:sld xmlns:a="http://schemas.openxmlformats.org/drawingml/2006/main" xmlns:r="http://schemas.openxmlformats.org/officeDocument/2006/relationships" xmlns:p="http://schemas.openxmlformats.org/presentationml/2006/main">
   <p:cSld>
     <p:spTree>
@@ -16879,181 +17298,6 @@
 </p:sld>
 </file>
 
-<file path=ppt/slides/slide34.xml><?xml version="1.0" encoding="utf-8"?>
-<p:sld xmlns:a="http://schemas.openxmlformats.org/drawingml/2006/main" xmlns:r="http://schemas.openxmlformats.org/officeDocument/2006/relationships" xmlns:p="http://schemas.openxmlformats.org/presentationml/2006/main">
-  <p:cSld>
-    <p:spTree>
-      <p:nvGrpSpPr>
-        <p:cNvPr id="1" name=""/>
-        <p:cNvGrpSpPr/>
-        <p:nvPr/>
-      </p:nvGrpSpPr>
-      <p:grpSpPr>
-        <a:xfrm>
-          <a:off x="0" y="0"/>
-          <a:ext cx="0" cy="0"/>
-          <a:chOff x="0" y="0"/>
-          <a:chExt cx="0" cy="0"/>
-        </a:xfrm>
-      </p:grpSpPr>
-      <p:sp>
-        <p:nvSpPr>
-          <p:cNvPr id="2" name="Title 1">
-            <a:extLst>
-              <a:ext uri="{FF2B5EF4-FFF2-40B4-BE49-F238E27FC236}">
-                <a16:creationId xmlns:a16="http://schemas.microsoft.com/office/drawing/2014/main" id="{3D528A8F-BE90-403A-92DC-C6654ECBAE5F}"/>
-              </a:ext>
-            </a:extLst>
-          </p:cNvPr>
-          <p:cNvSpPr>
-            <a:spLocks noGrp="1"/>
-          </p:cNvSpPr>
-          <p:nvPr>
-            <p:ph type="title"/>
-          </p:nvPr>
-        </p:nvSpPr>
-        <p:spPr/>
-        <p:txBody>
-          <a:bodyPr/>
-          <a:lstStyle/>
-          <a:p>
-            <a:r>
-              <a:rPr lang="en-US" dirty="0"/>
-              <a:t>Challenge for you!</a:t>
-            </a:r>
-          </a:p>
-        </p:txBody>
-      </p:sp>
-      <p:sp>
-        <p:nvSpPr>
-          <p:cNvPr id="3" name="Content Placeholder 2">
-            <a:extLst>
-              <a:ext uri="{FF2B5EF4-FFF2-40B4-BE49-F238E27FC236}">
-                <a16:creationId xmlns:a16="http://schemas.microsoft.com/office/drawing/2014/main" id="{EF0BB469-A5E0-4D3D-959E-9809A9A8BAF2}"/>
-              </a:ext>
-            </a:extLst>
-          </p:cNvPr>
-          <p:cNvSpPr>
-            <a:spLocks noGrp="1"/>
-          </p:cNvSpPr>
-          <p:nvPr>
-            <p:ph idx="1"/>
-          </p:nvPr>
-        </p:nvSpPr>
-        <p:spPr>
-          <a:xfrm>
-            <a:off x="838200" y="1894789"/>
-            <a:ext cx="10515600" cy="3502834"/>
-          </a:xfrm>
-        </p:spPr>
-        <p:txBody>
-          <a:bodyPr>
-            <a:normAutofit/>
-          </a:bodyPr>
-          <a:lstStyle/>
-          <a:p>
-            <a:r>
-              <a:rPr lang="en-US" dirty="0">
-                <a:solidFill>
-                  <a:schemeClr val="accent5"/>
-                </a:solidFill>
-              </a:rPr>
-              <a:t>Check the exercises on </a:t>
-            </a:r>
-            <a:r>
-              <a:rPr lang="en-US" dirty="0" err="1">
-                <a:solidFill>
-                  <a:schemeClr val="accent5"/>
-                </a:solidFill>
-              </a:rPr>
-              <a:t>git_tutorial</a:t>
-            </a:r>
-            <a:r>
-              <a:rPr lang="en-US" dirty="0">
-                <a:solidFill>
-                  <a:schemeClr val="accent5"/>
-                </a:solidFill>
-              </a:rPr>
-              <a:t> repository</a:t>
-            </a:r>
-          </a:p>
-          <a:p>
-            <a:r>
-              <a:rPr lang="en-US" dirty="0">
-                <a:solidFill>
-                  <a:schemeClr val="accent5"/>
-                </a:solidFill>
-              </a:rPr>
-              <a:t>Do them and share on </a:t>
-            </a:r>
-            <a:r>
-              <a:rPr lang="en-US" dirty="0" err="1">
-                <a:solidFill>
-                  <a:schemeClr val="accent5"/>
-                </a:solidFill>
-              </a:rPr>
-              <a:t>insta</a:t>
-            </a:r>
-            <a:r>
-              <a:rPr lang="en-US" dirty="0">
-                <a:solidFill>
-                  <a:schemeClr val="accent5"/>
-                </a:solidFill>
-              </a:rPr>
-              <a:t>!! And tag me, </a:t>
-            </a:r>
-            <a:r>
-              <a:rPr lang="en-US" dirty="0" err="1">
-                <a:solidFill>
-                  <a:schemeClr val="accent5"/>
-                </a:solidFill>
-              </a:rPr>
-              <a:t>Keng</a:t>
-            </a:r>
-            <a:r>
-              <a:rPr lang="en-US" dirty="0">
-                <a:solidFill>
-                  <a:schemeClr val="accent5"/>
-                </a:solidFill>
-              </a:rPr>
-              <a:t> Son and STC.</a:t>
-            </a:r>
-          </a:p>
-          <a:p>
-            <a:r>
-              <a:rPr lang="en-US" dirty="0">
-                <a:solidFill>
-                  <a:schemeClr val="accent5"/>
-                </a:solidFill>
-              </a:rPr>
-              <a:t>We will be proud of you :)</a:t>
-            </a:r>
-          </a:p>
-          <a:p>
-            <a:pPr marL="0" indent="0">
-              <a:buNone/>
-            </a:pPr>
-            <a:endParaRPr lang="en-US" dirty="0">
-              <a:solidFill>
-                <a:schemeClr val="accent5"/>
-              </a:solidFill>
-            </a:endParaRPr>
-          </a:p>
-        </p:txBody>
-      </p:sp>
-    </p:spTree>
-    <p:extLst>
-      <p:ext uri="{BB962C8B-B14F-4D97-AF65-F5344CB8AC3E}">
-        <p14:creationId xmlns:p14="http://schemas.microsoft.com/office/powerpoint/2010/main" val="3063934382"/>
-      </p:ext>
-    </p:extLst>
-  </p:cSld>
-  <p:clrMapOvr>
-    <a:masterClrMapping/>
-  </p:clrMapOvr>
-</p:sld>
-</file>
-
 <file path=ppt/slides/slide35.xml><?xml version="1.0" encoding="utf-8"?>
 <p:sld xmlns:a="http://schemas.openxmlformats.org/drawingml/2006/main" xmlns:r="http://schemas.openxmlformats.org/officeDocument/2006/relationships" xmlns:p="http://schemas.openxmlformats.org/presentationml/2006/main">
   <p:cSld>
@@ -17094,6 +17338,181 @@
           <a:p>
             <a:r>
               <a:rPr lang="en-US" dirty="0"/>
+              <a:t>Challenge for you!</a:t>
+            </a:r>
+          </a:p>
+        </p:txBody>
+      </p:sp>
+      <p:sp>
+        <p:nvSpPr>
+          <p:cNvPr id="3" name="Content Placeholder 2">
+            <a:extLst>
+              <a:ext uri="{FF2B5EF4-FFF2-40B4-BE49-F238E27FC236}">
+                <a16:creationId xmlns:a16="http://schemas.microsoft.com/office/drawing/2014/main" id="{EF0BB469-A5E0-4D3D-959E-9809A9A8BAF2}"/>
+              </a:ext>
+            </a:extLst>
+          </p:cNvPr>
+          <p:cNvSpPr>
+            <a:spLocks noGrp="1"/>
+          </p:cNvSpPr>
+          <p:nvPr>
+            <p:ph idx="1"/>
+          </p:nvPr>
+        </p:nvSpPr>
+        <p:spPr>
+          <a:xfrm>
+            <a:off x="838200" y="1894789"/>
+            <a:ext cx="10515600" cy="3502834"/>
+          </a:xfrm>
+        </p:spPr>
+        <p:txBody>
+          <a:bodyPr>
+            <a:normAutofit/>
+          </a:bodyPr>
+          <a:lstStyle/>
+          <a:p>
+            <a:r>
+              <a:rPr lang="en-US" dirty="0">
+                <a:solidFill>
+                  <a:schemeClr val="accent5"/>
+                </a:solidFill>
+              </a:rPr>
+              <a:t>Check the exercises on </a:t>
+            </a:r>
+            <a:r>
+              <a:rPr lang="en-US" dirty="0" err="1">
+                <a:solidFill>
+                  <a:schemeClr val="accent5"/>
+                </a:solidFill>
+              </a:rPr>
+              <a:t>git_tutorial</a:t>
+            </a:r>
+            <a:r>
+              <a:rPr lang="en-US" dirty="0">
+                <a:solidFill>
+                  <a:schemeClr val="accent5"/>
+                </a:solidFill>
+              </a:rPr>
+              <a:t> repository</a:t>
+            </a:r>
+          </a:p>
+          <a:p>
+            <a:r>
+              <a:rPr lang="en-US" dirty="0">
+                <a:solidFill>
+                  <a:schemeClr val="accent5"/>
+                </a:solidFill>
+              </a:rPr>
+              <a:t>Do them and share on </a:t>
+            </a:r>
+            <a:r>
+              <a:rPr lang="en-US" dirty="0" err="1">
+                <a:solidFill>
+                  <a:schemeClr val="accent5"/>
+                </a:solidFill>
+              </a:rPr>
+              <a:t>insta</a:t>
+            </a:r>
+            <a:r>
+              <a:rPr lang="en-US" dirty="0">
+                <a:solidFill>
+                  <a:schemeClr val="accent5"/>
+                </a:solidFill>
+              </a:rPr>
+              <a:t>!! And tag me, </a:t>
+            </a:r>
+            <a:r>
+              <a:rPr lang="en-US" dirty="0" err="1">
+                <a:solidFill>
+                  <a:schemeClr val="accent5"/>
+                </a:solidFill>
+              </a:rPr>
+              <a:t>Keng</a:t>
+            </a:r>
+            <a:r>
+              <a:rPr lang="en-US" dirty="0">
+                <a:solidFill>
+                  <a:schemeClr val="accent5"/>
+                </a:solidFill>
+              </a:rPr>
+              <a:t> Son and STC.</a:t>
+            </a:r>
+          </a:p>
+          <a:p>
+            <a:r>
+              <a:rPr lang="en-US" dirty="0">
+                <a:solidFill>
+                  <a:schemeClr val="accent5"/>
+                </a:solidFill>
+              </a:rPr>
+              <a:t>We will be proud of you :)</a:t>
+            </a:r>
+          </a:p>
+          <a:p>
+            <a:pPr marL="0" indent="0">
+              <a:buNone/>
+            </a:pPr>
+            <a:endParaRPr lang="en-US" dirty="0">
+              <a:solidFill>
+                <a:schemeClr val="accent5"/>
+              </a:solidFill>
+            </a:endParaRPr>
+          </a:p>
+        </p:txBody>
+      </p:sp>
+    </p:spTree>
+    <p:extLst>
+      <p:ext uri="{BB962C8B-B14F-4D97-AF65-F5344CB8AC3E}">
+        <p14:creationId xmlns:p14="http://schemas.microsoft.com/office/powerpoint/2010/main" val="3063934382"/>
+      </p:ext>
+    </p:extLst>
+  </p:cSld>
+  <p:clrMapOvr>
+    <a:masterClrMapping/>
+  </p:clrMapOvr>
+</p:sld>
+</file>
+
+<file path=ppt/slides/slide36.xml><?xml version="1.0" encoding="utf-8"?>
+<p:sld xmlns:a="http://schemas.openxmlformats.org/drawingml/2006/main" xmlns:r="http://schemas.openxmlformats.org/officeDocument/2006/relationships" xmlns:p="http://schemas.openxmlformats.org/presentationml/2006/main">
+  <p:cSld>
+    <p:spTree>
+      <p:nvGrpSpPr>
+        <p:cNvPr id="1" name=""/>
+        <p:cNvGrpSpPr/>
+        <p:nvPr/>
+      </p:nvGrpSpPr>
+      <p:grpSpPr>
+        <a:xfrm>
+          <a:off x="0" y="0"/>
+          <a:ext cx="0" cy="0"/>
+          <a:chOff x="0" y="0"/>
+          <a:chExt cx="0" cy="0"/>
+        </a:xfrm>
+      </p:grpSpPr>
+      <p:sp>
+        <p:nvSpPr>
+          <p:cNvPr id="2" name="Title 1">
+            <a:extLst>
+              <a:ext uri="{FF2B5EF4-FFF2-40B4-BE49-F238E27FC236}">
+                <a16:creationId xmlns:a16="http://schemas.microsoft.com/office/drawing/2014/main" id="{3D528A8F-BE90-403A-92DC-C6654ECBAE5F}"/>
+              </a:ext>
+            </a:extLst>
+          </p:cNvPr>
+          <p:cNvSpPr>
+            <a:spLocks noGrp="1"/>
+          </p:cNvSpPr>
+          <p:nvPr>
+            <p:ph type="title"/>
+          </p:nvPr>
+        </p:nvSpPr>
+        <p:spPr/>
+        <p:txBody>
+          <a:bodyPr/>
+          <a:lstStyle/>
+          <a:p>
+            <a:r>
+              <a:rPr lang="en-US" dirty="0"/>
               <a:t>Technical Issues</a:t>
             </a:r>
           </a:p>
@@ -17175,7 +17594,7 @@
 </p:sld>
 </file>
 
-<file path=ppt/slides/slide36.xml><?xml version="1.0" encoding="utf-8"?>
+<file path=ppt/slides/slide37.xml><?xml version="1.0" encoding="utf-8"?>
 <p:sld xmlns:a="http://schemas.openxmlformats.org/drawingml/2006/main" xmlns:r="http://schemas.openxmlformats.org/officeDocument/2006/relationships" xmlns:p="http://schemas.openxmlformats.org/presentationml/2006/main">
   <p:cSld>
     <p:spTree>
@@ -18020,7 +18439,7 @@
 </p:sld>
 </file>
 
-<file path=ppt/slides/slide37.xml><?xml version="1.0" encoding="utf-8"?>
+<file path=ppt/slides/slide38.xml><?xml version="1.0" encoding="utf-8"?>
 <p:sld xmlns:a="http://schemas.openxmlformats.org/drawingml/2006/main" xmlns:r="http://schemas.openxmlformats.org/officeDocument/2006/relationships" xmlns:p="http://schemas.openxmlformats.org/presentationml/2006/main">
   <p:cSld>
     <p:spTree>
@@ -18143,7 +18562,7 @@
 </p:sld>
 </file>
 
-<file path=ppt/slides/slide38.xml><?xml version="1.0" encoding="utf-8"?>
+<file path=ppt/slides/slide39.xml><?xml version="1.0" encoding="utf-8"?>
 <p:sld xmlns:a="http://schemas.openxmlformats.org/drawingml/2006/main" xmlns:r="http://schemas.openxmlformats.org/officeDocument/2006/relationships" xmlns:p="http://schemas.openxmlformats.org/presentationml/2006/main">
   <p:cSld>
     <p:spTree>
@@ -18236,7 +18655,141 @@
 </p:sld>
 </file>
 
-<file path=ppt/slides/slide39.xml><?xml version="1.0" encoding="utf-8"?>
+<file path=ppt/slides/slide4.xml><?xml version="1.0" encoding="utf-8"?>
+<p:sld xmlns:a="http://schemas.openxmlformats.org/drawingml/2006/main" xmlns:r="http://schemas.openxmlformats.org/officeDocument/2006/relationships" xmlns:p="http://schemas.openxmlformats.org/presentationml/2006/main">
+  <p:cSld>
+    <p:spTree>
+      <p:nvGrpSpPr>
+        <p:cNvPr id="1" name=""/>
+        <p:cNvGrpSpPr/>
+        <p:nvPr/>
+      </p:nvGrpSpPr>
+      <p:grpSpPr>
+        <a:xfrm>
+          <a:off x="0" y="0"/>
+          <a:ext cx="0" cy="0"/>
+          <a:chOff x="0" y="0"/>
+          <a:chExt cx="0" cy="0"/>
+        </a:xfrm>
+      </p:grpSpPr>
+      <p:sp>
+        <p:nvSpPr>
+          <p:cNvPr id="2" name="Title 1"/>
+          <p:cNvSpPr>
+            <a:spLocks noGrp="1"/>
+          </p:cNvSpPr>
+          <p:nvPr>
+            <p:ph type="title"/>
+          </p:nvPr>
+        </p:nvSpPr>
+        <p:spPr>
+          <a:xfrm>
+            <a:off x="838200" y="110002"/>
+            <a:ext cx="8334376" cy="1325563"/>
+          </a:xfrm>
+        </p:spPr>
+        <p:txBody>
+          <a:bodyPr/>
+          <a:lstStyle/>
+          <a:p>
+            <a:r>
+              <a:rPr lang="en-US" dirty="0"/>
+              <a:t>Reading commands:</a:t>
+            </a:r>
+          </a:p>
+        </p:txBody>
+      </p:sp>
+      <p:sp>
+        <p:nvSpPr>
+          <p:cNvPr id="14" name="Content Placeholder 13">
+            <a:extLst>
+              <a:ext uri="{FF2B5EF4-FFF2-40B4-BE49-F238E27FC236}">
+                <a16:creationId xmlns:a16="http://schemas.microsoft.com/office/drawing/2014/main" id="{89DD93C4-882C-4D9C-A2C6-BB1AFBA96F37}"/>
+              </a:ext>
+            </a:extLst>
+          </p:cNvPr>
+          <p:cNvSpPr>
+            <a:spLocks noGrp="1"/>
+          </p:cNvSpPr>
+          <p:nvPr>
+            <p:ph idx="1"/>
+          </p:nvPr>
+        </p:nvSpPr>
+        <p:spPr>
+          <a:xfrm>
+            <a:off x="838200" y="763480"/>
+            <a:ext cx="10515600" cy="5726097"/>
+          </a:xfrm>
+        </p:spPr>
+        <p:txBody>
+          <a:bodyPr numCol="1">
+            <a:noAutofit/>
+          </a:bodyPr>
+          <a:lstStyle/>
+          <a:p>
+            <a:pPr marL="0" indent="0">
+              <a:lnSpc>
+                <a:spcPct val="150000"/>
+              </a:lnSpc>
+              <a:buNone/>
+            </a:pPr>
+            <a:endParaRPr lang="en-MY" sz="2400" dirty="0"/>
+          </a:p>
+          <a:p>
+            <a:pPr marL="0" indent="0">
+              <a:lnSpc>
+                <a:spcPct val="150000"/>
+              </a:lnSpc>
+              <a:buNone/>
+            </a:pPr>
+            <a:endParaRPr lang="en-MY" sz="2400" dirty="0"/>
+          </a:p>
+        </p:txBody>
+      </p:sp>
+      <p:pic>
+        <p:nvPicPr>
+          <p:cNvPr id="4" name="Picture 3" descr="Graphical user interface, text, application&#10;&#10;Description automatically generated">
+            <a:extLst>
+              <a:ext uri="{FF2B5EF4-FFF2-40B4-BE49-F238E27FC236}">
+                <a16:creationId xmlns:a16="http://schemas.microsoft.com/office/drawing/2014/main" id="{416A9324-E8FC-4763-9740-DD7573C5A836}"/>
+              </a:ext>
+            </a:extLst>
+          </p:cNvPr>
+          <p:cNvPicPr>
+            <a:picLocks noChangeAspect="1"/>
+          </p:cNvPicPr>
+          <p:nvPr/>
+        </p:nvPicPr>
+        <p:blipFill>
+          <a:blip r:embed="rId3"/>
+          <a:stretch>
+            <a:fillRect/>
+          </a:stretch>
+        </p:blipFill>
+        <p:spPr>
+          <a:xfrm>
+            <a:off x="293547" y="1249211"/>
+            <a:ext cx="4962525" cy="2845808"/>
+          </a:xfrm>
+          <a:prstGeom prst="rect">
+            <a:avLst/>
+          </a:prstGeom>
+        </p:spPr>
+      </p:pic>
+    </p:spTree>
+    <p:extLst>
+      <p:ext uri="{BB962C8B-B14F-4D97-AF65-F5344CB8AC3E}">
+        <p14:creationId xmlns:p14="http://schemas.microsoft.com/office/powerpoint/2010/main" val="1035187852"/>
+      </p:ext>
+    </p:extLst>
+  </p:cSld>
+  <p:clrMapOvr>
+    <a:masterClrMapping/>
+  </p:clrMapOvr>
+</p:sld>
+</file>
+
+<file path=ppt/slides/slide40.xml><?xml version="1.0" encoding="utf-8"?>
 <p:sld xmlns:a="http://schemas.openxmlformats.org/drawingml/2006/main" xmlns:r="http://schemas.openxmlformats.org/officeDocument/2006/relationships" xmlns:p="http://schemas.openxmlformats.org/presentationml/2006/main">
   <p:cSld>
     <p:spTree>
@@ -18329,362 +18882,6 @@
 </p:sld>
 </file>
 
-<file path=ppt/slides/slide4.xml><?xml version="1.0" encoding="utf-8"?>
-<p:sld xmlns:a="http://schemas.openxmlformats.org/drawingml/2006/main" xmlns:r="http://schemas.openxmlformats.org/officeDocument/2006/relationships" xmlns:p="http://schemas.openxmlformats.org/presentationml/2006/main">
-  <p:cSld>
-    <p:spTree>
-      <p:nvGrpSpPr>
-        <p:cNvPr id="1" name=""/>
-        <p:cNvGrpSpPr/>
-        <p:nvPr/>
-      </p:nvGrpSpPr>
-      <p:grpSpPr>
-        <a:xfrm>
-          <a:off x="0" y="0"/>
-          <a:ext cx="0" cy="0"/>
-          <a:chOff x="0" y="0"/>
-          <a:chExt cx="0" cy="0"/>
-        </a:xfrm>
-      </p:grpSpPr>
-      <p:sp>
-        <p:nvSpPr>
-          <p:cNvPr id="2" name="Title 1"/>
-          <p:cNvSpPr>
-            <a:spLocks noGrp="1"/>
-          </p:cNvSpPr>
-          <p:nvPr>
-            <p:ph type="title"/>
-          </p:nvPr>
-        </p:nvSpPr>
-        <p:spPr>
-          <a:xfrm>
-            <a:off x="838200" y="110002"/>
-            <a:ext cx="8334376" cy="1325563"/>
-          </a:xfrm>
-        </p:spPr>
-        <p:txBody>
-          <a:bodyPr/>
-          <a:lstStyle/>
-          <a:p>
-            <a:r>
-              <a:rPr lang="en-US" dirty="0"/>
-              <a:t>Version Control System</a:t>
-            </a:r>
-          </a:p>
-        </p:txBody>
-      </p:sp>
-      <p:sp>
-        <p:nvSpPr>
-          <p:cNvPr id="3" name="Content Placeholder 2"/>
-          <p:cNvSpPr>
-            <a:spLocks noGrp="1"/>
-          </p:cNvSpPr>
-          <p:nvPr>
-            <p:ph idx="1"/>
-          </p:nvPr>
-        </p:nvSpPr>
-        <p:spPr>
-          <a:xfrm>
-            <a:off x="838200" y="1842403"/>
-            <a:ext cx="10515600" cy="4351338"/>
-          </a:xfrm>
-        </p:spPr>
-        <p:txBody>
-          <a:bodyPr/>
-          <a:lstStyle/>
-          <a:p>
-            <a:r>
-              <a:rPr lang="en-US" dirty="0"/>
-              <a:t>VCS: A system of recording changes to files.</a:t>
-            </a:r>
-          </a:p>
-          <a:p>
-            <a:r>
-              <a:rPr lang="en-US" dirty="0"/>
-              <a:t>Git is a VCS</a:t>
-            </a:r>
-          </a:p>
-        </p:txBody>
-      </p:sp>
-      <p:pic>
-        <p:nvPicPr>
-          <p:cNvPr id="3074" name="Picture 2" descr="50 Doodle People ideas | doodle people, doodles, drawings">
-            <a:extLst>
-              <a:ext uri="{FF2B5EF4-FFF2-40B4-BE49-F238E27FC236}">
-                <a16:creationId xmlns:a16="http://schemas.microsoft.com/office/drawing/2014/main" id="{EB262063-F146-41CF-A833-9756FB97FC4A}"/>
-              </a:ext>
-            </a:extLst>
-          </p:cNvPr>
-          <p:cNvPicPr>
-            <a:picLocks noChangeAspect="1" noChangeArrowheads="1"/>
-          </p:cNvPicPr>
-          <p:nvPr/>
-        </p:nvPicPr>
-        <p:blipFill rotWithShape="1">
-          <a:blip r:embed="rId3">
-            <a:extLst>
-              <a:ext uri="{28A0092B-C50C-407E-A947-70E740481C1C}">
-                <a14:useLocalDpi xmlns:a14="http://schemas.microsoft.com/office/drawing/2010/main" val="0"/>
-              </a:ext>
-            </a:extLst>
-          </a:blip>
-          <a:srcRect l="67665" t="45443" b="27542"/>
-          <a:stretch/>
-        </p:blipFill>
-        <p:spPr bwMode="auto">
-          <a:xfrm>
-            <a:off x="1211832" y="3278080"/>
-            <a:ext cx="1334549" cy="1894489"/>
-          </a:xfrm>
-          <a:prstGeom prst="rect">
-            <a:avLst/>
-          </a:prstGeom>
-          <a:noFill/>
-          <a:ln>
-            <a:noFill/>
-          </a:ln>
-          <a:extLst>
-            <a:ext uri="{909E8E84-426E-40DD-AFC4-6F175D3DCCD1}">
-              <a14:hiddenFill xmlns:a14="http://schemas.microsoft.com/office/drawing/2010/main">
-                <a:solidFill>
-                  <a:srgbClr val="FFFFFF"/>
-                </a:solidFill>
-              </a14:hiddenFill>
-            </a:ext>
-          </a:extLst>
-        </p:spPr>
-      </p:pic>
-      <p:sp>
-        <p:nvSpPr>
-          <p:cNvPr id="12" name="Content Placeholder 2">
-            <a:extLst>
-              <a:ext uri="{FF2B5EF4-FFF2-40B4-BE49-F238E27FC236}">
-                <a16:creationId xmlns:a16="http://schemas.microsoft.com/office/drawing/2014/main" id="{E9CEA309-373A-4925-838C-19A065F716A6}"/>
-              </a:ext>
-            </a:extLst>
-          </p:cNvPr>
-          <p:cNvSpPr txBox="1">
-            <a:spLocks/>
-          </p:cNvSpPr>
-          <p:nvPr/>
-        </p:nvSpPr>
-        <p:spPr>
-          <a:xfrm>
-            <a:off x="2920013" y="3363421"/>
-            <a:ext cx="2961313" cy="1723806"/>
-          </a:xfrm>
-          <a:prstGeom prst="rect">
-            <a:avLst/>
-          </a:prstGeom>
-        </p:spPr>
-        <p:txBody>
-          <a:bodyPr vert="horz" lIns="91440" tIns="45720" rIns="91440" bIns="45720" rtlCol="0">
-            <a:normAutofit/>
-          </a:bodyPr>
-          <a:lstStyle>
-            <a:lvl1pPr marL="228600" indent="-228600" algn="l" defTabSz="914400" rtl="0" eaLnBrk="1" latinLnBrk="0" hangingPunct="1">
-              <a:lnSpc>
-                <a:spcPct val="90000"/>
-              </a:lnSpc>
-              <a:spcBef>
-                <a:spcPts val="1000"/>
-              </a:spcBef>
-              <a:buClr>
-                <a:schemeClr val="accent4"/>
-              </a:buClr>
-              <a:buFont typeface="Wingdings" panose="05000000000000000000" pitchFamily="2" charset="2"/>
-              <a:buChar char="§"/>
-              <a:defRPr sz="2800" kern="1200">
-                <a:solidFill>
-                  <a:schemeClr val="bg1"/>
-                </a:solidFill>
-                <a:latin typeface="+mn-lt"/>
-                <a:ea typeface="+mn-ea"/>
-                <a:cs typeface="+mn-cs"/>
-              </a:defRPr>
-            </a:lvl1pPr>
-            <a:lvl2pPr marL="685800" indent="-228600" algn="l" defTabSz="914400" rtl="0" eaLnBrk="1" latinLnBrk="0" hangingPunct="1">
-              <a:lnSpc>
-                <a:spcPct val="90000"/>
-              </a:lnSpc>
-              <a:spcBef>
-                <a:spcPts val="500"/>
-              </a:spcBef>
-              <a:buClr>
-                <a:schemeClr val="accent4"/>
-              </a:buClr>
-              <a:buFont typeface="Wingdings" panose="05000000000000000000" pitchFamily="2" charset="2"/>
-              <a:buChar char="§"/>
-              <a:defRPr sz="2400" kern="1200">
-                <a:solidFill>
-                  <a:schemeClr val="bg1"/>
-                </a:solidFill>
-                <a:latin typeface="+mn-lt"/>
-                <a:ea typeface="+mn-ea"/>
-                <a:cs typeface="+mn-cs"/>
-              </a:defRPr>
-            </a:lvl2pPr>
-            <a:lvl3pPr marL="1143000" indent="-228600" algn="l" defTabSz="914400" rtl="0" eaLnBrk="1" latinLnBrk="0" hangingPunct="1">
-              <a:lnSpc>
-                <a:spcPct val="90000"/>
-              </a:lnSpc>
-              <a:spcBef>
-                <a:spcPts val="500"/>
-              </a:spcBef>
-              <a:buClr>
-                <a:schemeClr val="accent4"/>
-              </a:buClr>
-              <a:buFont typeface="Wingdings" panose="05000000000000000000" pitchFamily="2" charset="2"/>
-              <a:buChar char="§"/>
-              <a:defRPr sz="2000" kern="1200">
-                <a:solidFill>
-                  <a:schemeClr val="bg1"/>
-                </a:solidFill>
-                <a:latin typeface="+mn-lt"/>
-                <a:ea typeface="+mn-ea"/>
-                <a:cs typeface="+mn-cs"/>
-              </a:defRPr>
-            </a:lvl3pPr>
-            <a:lvl4pPr marL="1600200" indent="-228600" algn="l" defTabSz="914400" rtl="0" eaLnBrk="1" latinLnBrk="0" hangingPunct="1">
-              <a:lnSpc>
-                <a:spcPct val="90000"/>
-              </a:lnSpc>
-              <a:spcBef>
-                <a:spcPts val="500"/>
-              </a:spcBef>
-              <a:buClr>
-                <a:schemeClr val="accent4"/>
-              </a:buClr>
-              <a:buFont typeface="Wingdings" panose="05000000000000000000" pitchFamily="2" charset="2"/>
-              <a:buChar char="§"/>
-              <a:defRPr sz="1800" kern="1200">
-                <a:solidFill>
-                  <a:schemeClr val="bg1"/>
-                </a:solidFill>
-                <a:latin typeface="+mn-lt"/>
-                <a:ea typeface="+mn-ea"/>
-                <a:cs typeface="+mn-cs"/>
-              </a:defRPr>
-            </a:lvl4pPr>
-            <a:lvl5pPr marL="2057400" indent="-228600" algn="l" defTabSz="914400" rtl="0" eaLnBrk="1" latinLnBrk="0" hangingPunct="1">
-              <a:lnSpc>
-                <a:spcPct val="90000"/>
-              </a:lnSpc>
-              <a:spcBef>
-                <a:spcPts val="500"/>
-              </a:spcBef>
-              <a:buClr>
-                <a:schemeClr val="accent4"/>
-              </a:buClr>
-              <a:buFont typeface="Wingdings" panose="05000000000000000000" pitchFamily="2" charset="2"/>
-              <a:buChar char="§"/>
-              <a:defRPr sz="1800" kern="1200">
-                <a:solidFill>
-                  <a:schemeClr val="bg1"/>
-                </a:solidFill>
-                <a:latin typeface="+mn-lt"/>
-                <a:ea typeface="+mn-ea"/>
-                <a:cs typeface="+mn-cs"/>
-              </a:defRPr>
-            </a:lvl5pPr>
-            <a:lvl6pPr marL="2514600" indent="-228600" algn="l" defTabSz="914400" rtl="0" eaLnBrk="1" latinLnBrk="0" hangingPunct="1">
-              <a:lnSpc>
-                <a:spcPct val="90000"/>
-              </a:lnSpc>
-              <a:spcBef>
-                <a:spcPts val="500"/>
-              </a:spcBef>
-              <a:buFont typeface="Arial" panose="020B0604020202020204" pitchFamily="34" charset="0"/>
-              <a:buChar char="•"/>
-              <a:defRPr sz="1800" kern="1200">
-                <a:solidFill>
-                  <a:schemeClr val="tx1"/>
-                </a:solidFill>
-                <a:latin typeface="+mn-lt"/>
-                <a:ea typeface="+mn-ea"/>
-                <a:cs typeface="+mn-cs"/>
-              </a:defRPr>
-            </a:lvl6pPr>
-            <a:lvl7pPr marL="2971800" indent="-228600" algn="l" defTabSz="914400" rtl="0" eaLnBrk="1" latinLnBrk="0" hangingPunct="1">
-              <a:lnSpc>
-                <a:spcPct val="90000"/>
-              </a:lnSpc>
-              <a:spcBef>
-                <a:spcPts val="500"/>
-              </a:spcBef>
-              <a:buFont typeface="Arial" panose="020B0604020202020204" pitchFamily="34" charset="0"/>
-              <a:buChar char="•"/>
-              <a:defRPr sz="1800" kern="1200">
-                <a:solidFill>
-                  <a:schemeClr val="tx1"/>
-                </a:solidFill>
-                <a:latin typeface="+mn-lt"/>
-                <a:ea typeface="+mn-ea"/>
-                <a:cs typeface="+mn-cs"/>
-              </a:defRPr>
-            </a:lvl7pPr>
-            <a:lvl8pPr marL="3429000" indent="-228600" algn="l" defTabSz="914400" rtl="0" eaLnBrk="1" latinLnBrk="0" hangingPunct="1">
-              <a:lnSpc>
-                <a:spcPct val="90000"/>
-              </a:lnSpc>
-              <a:spcBef>
-                <a:spcPts val="500"/>
-              </a:spcBef>
-              <a:buFont typeface="Arial" panose="020B0604020202020204" pitchFamily="34" charset="0"/>
-              <a:buChar char="•"/>
-              <a:defRPr sz="1800" kern="1200">
-                <a:solidFill>
-                  <a:schemeClr val="tx1"/>
-                </a:solidFill>
-                <a:latin typeface="+mn-lt"/>
-                <a:ea typeface="+mn-ea"/>
-                <a:cs typeface="+mn-cs"/>
-              </a:defRPr>
-            </a:lvl8pPr>
-            <a:lvl9pPr marL="3886200" indent="-228600" algn="l" defTabSz="914400" rtl="0" eaLnBrk="1" latinLnBrk="0" hangingPunct="1">
-              <a:lnSpc>
-                <a:spcPct val="90000"/>
-              </a:lnSpc>
-              <a:spcBef>
-                <a:spcPts val="500"/>
-              </a:spcBef>
-              <a:buFont typeface="Arial" panose="020B0604020202020204" pitchFamily="34" charset="0"/>
-              <a:buChar char="•"/>
-              <a:defRPr sz="1800" kern="1200">
-                <a:solidFill>
-                  <a:schemeClr val="tx1"/>
-                </a:solidFill>
-                <a:latin typeface="+mn-lt"/>
-                <a:ea typeface="+mn-ea"/>
-                <a:cs typeface="+mn-cs"/>
-              </a:defRPr>
-            </a:lvl9pPr>
-          </a:lstStyle>
-          <a:p>
-            <a:pPr>
-              <a:buFontTx/>
-              <a:buChar char="-"/>
-            </a:pPr>
-            <a:r>
-              <a:rPr lang="en-US" sz="2400" dirty="0"/>
-              <a:t>Write a novel yay!</a:t>
-            </a:r>
-          </a:p>
-        </p:txBody>
-      </p:sp>
-    </p:spTree>
-    <p:extLst>
-      <p:ext uri="{BB962C8B-B14F-4D97-AF65-F5344CB8AC3E}">
-        <p14:creationId xmlns:p14="http://schemas.microsoft.com/office/powerpoint/2010/main" val="2541583471"/>
-      </p:ext>
-    </p:extLst>
-  </p:cSld>
-  <p:clrMapOvr>
-    <a:masterClrMapping/>
-  </p:clrMapOvr>
-</p:sld>
-</file>
-
 <file path=ppt/slides/slide5.xml><?xml version="1.0" encoding="utf-8"?>
 <p:sld xmlns:a="http://schemas.openxmlformats.org/drawingml/2006/main" xmlns:r="http://schemas.openxmlformats.org/officeDocument/2006/relationships" xmlns:p="http://schemas.openxmlformats.org/presentationml/2006/main">
   <p:cSld>
@@ -18704,642 +18901,6 @@
       </p:grpSpPr>
       <p:sp>
         <p:nvSpPr>
-          <p:cNvPr id="3" name="Content Placeholder 2">
-            <a:extLst>
-              <a:ext uri="{FF2B5EF4-FFF2-40B4-BE49-F238E27FC236}">
-                <a16:creationId xmlns:a16="http://schemas.microsoft.com/office/drawing/2014/main" id="{6CD1FD88-1DF5-4CB5-97CD-1BF062D3DAAF}"/>
-              </a:ext>
-            </a:extLst>
-          </p:cNvPr>
-          <p:cNvSpPr>
-            <a:spLocks noGrp="1"/>
-          </p:cNvSpPr>
-          <p:nvPr>
-            <p:ph idx="1"/>
-          </p:nvPr>
-        </p:nvSpPr>
-        <p:spPr>
-          <a:xfrm>
-            <a:off x="754310" y="491775"/>
-            <a:ext cx="10515600" cy="4351338"/>
-          </a:xfrm>
-        </p:spPr>
-        <p:txBody>
-          <a:bodyPr/>
-          <a:lstStyle/>
-          <a:p>
-            <a:pPr marL="0" indent="0" algn="ctr">
-              <a:buNone/>
-            </a:pPr>
-            <a:r>
-              <a:rPr lang="en-US" sz="3600" dirty="0">
-                <a:latin typeface="+mj-lt"/>
-              </a:rPr>
-              <a:t>A system that:</a:t>
-            </a:r>
-          </a:p>
-          <a:p>
-            <a:pPr marL="0" indent="0">
-              <a:buNone/>
-            </a:pPr>
-            <a:endParaRPr lang="en-US" dirty="0">
-              <a:latin typeface="+mj-lt"/>
-            </a:endParaRPr>
-          </a:p>
-        </p:txBody>
-      </p:sp>
-      <p:sp>
-        <p:nvSpPr>
-          <p:cNvPr id="4" name="Rectangle: Rounded Corners 3">
-            <a:extLst>
-              <a:ext uri="{FF2B5EF4-FFF2-40B4-BE49-F238E27FC236}">
-                <a16:creationId xmlns:a16="http://schemas.microsoft.com/office/drawing/2014/main" id="{271A5690-00A1-4EBD-BA23-2FFBBEBB9A86}"/>
-              </a:ext>
-            </a:extLst>
-          </p:cNvPr>
-          <p:cNvSpPr/>
-          <p:nvPr/>
-        </p:nvSpPr>
-        <p:spPr>
-          <a:xfrm>
-            <a:off x="1165370" y="1627464"/>
-            <a:ext cx="1888261" cy="1563018"/>
-          </a:xfrm>
-          <a:prstGeom prst="roundRect">
-            <a:avLst/>
-          </a:prstGeom>
-          <a:solidFill>
-            <a:schemeClr val="bg2"/>
-          </a:solidFill>
-          <a:ln>
-            <a:noFill/>
-          </a:ln>
-        </p:spPr>
-        <p:style>
-          <a:lnRef idx="2">
-            <a:schemeClr val="accent1">
-              <a:shade val="50000"/>
-            </a:schemeClr>
-          </a:lnRef>
-          <a:fillRef idx="1">
-            <a:schemeClr val="accent1"/>
-          </a:fillRef>
-          <a:effectRef idx="0">
-            <a:schemeClr val="accent1"/>
-          </a:effectRef>
-          <a:fontRef idx="minor">
-            <a:schemeClr val="lt1"/>
-          </a:fontRef>
-        </p:style>
-        <p:txBody>
-          <a:bodyPr rtlCol="0" anchor="ctr"/>
-          <a:lstStyle/>
-          <a:p>
-            <a:pPr algn="ctr"/>
-            <a:r>
-              <a:rPr lang="en-MY" dirty="0">
-                <a:solidFill>
-                  <a:schemeClr val="tx1"/>
-                </a:solidFill>
-              </a:rPr>
-              <a:t>Records changes made</a:t>
-            </a:r>
-          </a:p>
-        </p:txBody>
-      </p:sp>
-      <p:sp>
-        <p:nvSpPr>
-          <p:cNvPr id="7" name="Rectangle: Rounded Corners 6">
-            <a:extLst>
-              <a:ext uri="{FF2B5EF4-FFF2-40B4-BE49-F238E27FC236}">
-                <a16:creationId xmlns:a16="http://schemas.microsoft.com/office/drawing/2014/main" id="{00AEEC39-7F46-4F51-B127-BBA8315603FF}"/>
-              </a:ext>
-            </a:extLst>
-          </p:cNvPr>
-          <p:cNvSpPr/>
-          <p:nvPr/>
-        </p:nvSpPr>
-        <p:spPr>
-          <a:xfrm>
-            <a:off x="3817689" y="1627464"/>
-            <a:ext cx="1888261" cy="1563018"/>
-          </a:xfrm>
-          <a:prstGeom prst="roundRect">
-            <a:avLst/>
-          </a:prstGeom>
-          <a:solidFill>
-            <a:schemeClr val="bg2"/>
-          </a:solidFill>
-          <a:ln>
-            <a:noFill/>
-          </a:ln>
-        </p:spPr>
-        <p:style>
-          <a:lnRef idx="2">
-            <a:schemeClr val="accent6">
-              <a:shade val="50000"/>
-            </a:schemeClr>
-          </a:lnRef>
-          <a:fillRef idx="1">
-            <a:schemeClr val="accent6"/>
-          </a:fillRef>
-          <a:effectRef idx="0">
-            <a:schemeClr val="accent6"/>
-          </a:effectRef>
-          <a:fontRef idx="minor">
-            <a:schemeClr val="lt1"/>
-          </a:fontRef>
-        </p:style>
-        <p:txBody>
-          <a:bodyPr rtlCol="0" anchor="ctr"/>
-          <a:lstStyle/>
-          <a:p>
-            <a:pPr algn="ctr"/>
-            <a:r>
-              <a:rPr lang="en-MY" dirty="0">
-                <a:solidFill>
-                  <a:schemeClr val="tx1"/>
-                </a:solidFill>
-              </a:rPr>
-              <a:t>Can recover previous versions</a:t>
-            </a:r>
-          </a:p>
-        </p:txBody>
-      </p:sp>
-      <p:sp>
-        <p:nvSpPr>
-          <p:cNvPr id="8" name="Rectangle: Rounded Corners 7">
-            <a:extLst>
-              <a:ext uri="{FF2B5EF4-FFF2-40B4-BE49-F238E27FC236}">
-                <a16:creationId xmlns:a16="http://schemas.microsoft.com/office/drawing/2014/main" id="{80E687EE-9A7E-4C1F-949E-E87410C1267F}"/>
-              </a:ext>
-            </a:extLst>
-          </p:cNvPr>
-          <p:cNvSpPr/>
-          <p:nvPr/>
-        </p:nvSpPr>
-        <p:spPr>
-          <a:xfrm>
-            <a:off x="6470008" y="1627464"/>
-            <a:ext cx="1888261" cy="1563018"/>
-          </a:xfrm>
-          <a:prstGeom prst="roundRect">
-            <a:avLst/>
-          </a:prstGeom>
-          <a:solidFill>
-            <a:schemeClr val="accent6"/>
-          </a:solidFill>
-          <a:ln>
-            <a:noFill/>
-          </a:ln>
-        </p:spPr>
-        <p:style>
-          <a:lnRef idx="1">
-            <a:schemeClr val="accent4"/>
-          </a:lnRef>
-          <a:fillRef idx="3">
-            <a:schemeClr val="accent4"/>
-          </a:fillRef>
-          <a:effectRef idx="2">
-            <a:schemeClr val="accent4"/>
-          </a:effectRef>
-          <a:fontRef idx="minor">
-            <a:schemeClr val="lt1"/>
-          </a:fontRef>
-        </p:style>
-        <p:txBody>
-          <a:bodyPr rtlCol="0" anchor="ctr"/>
-          <a:lstStyle/>
-          <a:p>
-            <a:pPr algn="ctr"/>
-            <a:r>
-              <a:rPr lang="en-MY" dirty="0">
-                <a:solidFill>
-                  <a:schemeClr val="bg2"/>
-                </a:solidFill>
-              </a:rPr>
-              <a:t>Allows us to work independently in a team</a:t>
-            </a:r>
-          </a:p>
-        </p:txBody>
-      </p:sp>
-      <p:sp>
-        <p:nvSpPr>
-          <p:cNvPr id="9" name="Rectangle: Rounded Corners 8">
-            <a:extLst>
-              <a:ext uri="{FF2B5EF4-FFF2-40B4-BE49-F238E27FC236}">
-                <a16:creationId xmlns:a16="http://schemas.microsoft.com/office/drawing/2014/main" id="{61A158EC-5DDB-4778-BA26-5238F108FB5C}"/>
-              </a:ext>
-            </a:extLst>
-          </p:cNvPr>
-          <p:cNvSpPr/>
-          <p:nvPr/>
-        </p:nvSpPr>
-        <p:spPr>
-          <a:xfrm>
-            <a:off x="9122327" y="1627464"/>
-            <a:ext cx="1888261" cy="1563018"/>
-          </a:xfrm>
-          <a:prstGeom prst="roundRect">
-            <a:avLst/>
-          </a:prstGeom>
-          <a:solidFill>
-            <a:schemeClr val="accent6"/>
-          </a:solidFill>
-          <a:ln>
-            <a:noFill/>
-          </a:ln>
-        </p:spPr>
-        <p:style>
-          <a:lnRef idx="1">
-            <a:schemeClr val="accent1"/>
-          </a:lnRef>
-          <a:fillRef idx="3">
-            <a:schemeClr val="accent1"/>
-          </a:fillRef>
-          <a:effectRef idx="2">
-            <a:schemeClr val="accent1"/>
-          </a:effectRef>
-          <a:fontRef idx="minor">
-            <a:schemeClr val="lt1"/>
-          </a:fontRef>
-        </p:style>
-        <p:txBody>
-          <a:bodyPr rtlCol="0" anchor="ctr"/>
-          <a:lstStyle/>
-          <a:p>
-            <a:pPr algn="ctr"/>
-            <a:r>
-              <a:rPr lang="en-MY" dirty="0">
-                <a:solidFill>
-                  <a:schemeClr val="bg2"/>
-                </a:solidFill>
-              </a:rPr>
-              <a:t>Stores files in one place</a:t>
-            </a:r>
-          </a:p>
-        </p:txBody>
-      </p:sp>
-      <p:sp>
-        <p:nvSpPr>
-          <p:cNvPr id="11" name="Title 1">
-            <a:extLst>
-              <a:ext uri="{FF2B5EF4-FFF2-40B4-BE49-F238E27FC236}">
-                <a16:creationId xmlns:a16="http://schemas.microsoft.com/office/drawing/2014/main" id="{BDDB32F0-D524-4A32-8A3E-88EC14C9D5FC}"/>
-              </a:ext>
-            </a:extLst>
-          </p:cNvPr>
-          <p:cNvSpPr txBox="1">
-            <a:spLocks/>
-          </p:cNvSpPr>
-          <p:nvPr/>
-        </p:nvSpPr>
-        <p:spPr>
-          <a:xfrm>
-            <a:off x="4455515" y="3875735"/>
-            <a:ext cx="3280969" cy="711142"/>
-          </a:xfrm>
-          <a:prstGeom prst="rect">
-            <a:avLst/>
-          </a:prstGeom>
-        </p:spPr>
-        <p:txBody>
-          <a:bodyPr vert="horz" lIns="91440" tIns="45720" rIns="91440" bIns="45720" rtlCol="0" anchor="ctr">
-            <a:noAutofit/>
-          </a:bodyPr>
-          <a:lstStyle>
-            <a:lvl1pPr algn="l" defTabSz="914400" rtl="0" eaLnBrk="1" latinLnBrk="0" hangingPunct="1">
-              <a:lnSpc>
-                <a:spcPct val="90000"/>
-              </a:lnSpc>
-              <a:spcBef>
-                <a:spcPct val="0"/>
-              </a:spcBef>
-              <a:buNone/>
-              <a:defRPr sz="4400" kern="1200">
-                <a:solidFill>
-                  <a:schemeClr val="bg1"/>
-                </a:solidFill>
-                <a:latin typeface="+mj-lt"/>
-                <a:ea typeface="+mj-ea"/>
-                <a:cs typeface="+mj-cs"/>
-              </a:defRPr>
-            </a:lvl1pPr>
-          </a:lstStyle>
-          <a:p>
-            <a:pPr algn="ctr"/>
-            <a:r>
-              <a:rPr lang="en-US" sz="3600" dirty="0"/>
-              <a:t>Introducing</a:t>
-            </a:r>
-          </a:p>
-        </p:txBody>
-      </p:sp>
-      <p:pic>
-        <p:nvPicPr>
-          <p:cNvPr id="4100" name="Picture 4" descr="Git and Github: A Beginner's Guide">
-            <a:extLst>
-              <a:ext uri="{FF2B5EF4-FFF2-40B4-BE49-F238E27FC236}">
-                <a16:creationId xmlns:a16="http://schemas.microsoft.com/office/drawing/2014/main" id="{3A337843-39E4-4121-93B3-8A13AB6A5E48}"/>
-              </a:ext>
-            </a:extLst>
-          </p:cNvPr>
-          <p:cNvPicPr>
-            <a:picLocks noChangeAspect="1" noChangeArrowheads="1"/>
-          </p:cNvPicPr>
-          <p:nvPr/>
-        </p:nvPicPr>
-        <p:blipFill rotWithShape="1">
-          <a:blip r:embed="rId3">
-            <a:extLst>
-              <a:ext uri="{28A0092B-C50C-407E-A947-70E740481C1C}">
-                <a14:useLocalDpi xmlns:a14="http://schemas.microsoft.com/office/drawing/2010/main" val="0"/>
-              </a:ext>
-            </a:extLst>
-          </a:blip>
-          <a:srcRect l="7873" t="14309" r="8197" b="21632"/>
-          <a:stretch/>
-        </p:blipFill>
-        <p:spPr bwMode="auto">
-          <a:xfrm>
-            <a:off x="477841" y="4975180"/>
-            <a:ext cx="3263317" cy="1388496"/>
-          </a:xfrm>
-          <a:prstGeom prst="rect">
-            <a:avLst/>
-          </a:prstGeom>
-          <a:noFill/>
-          <a:extLst>
-            <a:ext uri="{909E8E84-426E-40DD-AFC4-6F175D3DCCD1}">
-              <a14:hiddenFill xmlns:a14="http://schemas.microsoft.com/office/drawing/2010/main">
-                <a:solidFill>
-                  <a:srgbClr val="FFFFFF"/>
-                </a:solidFill>
-              </a14:hiddenFill>
-            </a:ext>
-          </a:extLst>
-        </p:spPr>
-      </p:pic>
-      <p:sp>
-        <p:nvSpPr>
-          <p:cNvPr id="13" name="Content Placeholder 2">
-            <a:extLst>
-              <a:ext uri="{FF2B5EF4-FFF2-40B4-BE49-F238E27FC236}">
-                <a16:creationId xmlns:a16="http://schemas.microsoft.com/office/drawing/2014/main" id="{9B0E902E-D838-4A61-A3B3-8901FC18962B}"/>
-              </a:ext>
-            </a:extLst>
-          </p:cNvPr>
-          <p:cNvSpPr txBox="1">
-            <a:spLocks/>
-          </p:cNvSpPr>
-          <p:nvPr/>
-        </p:nvSpPr>
-        <p:spPr>
-          <a:xfrm>
-            <a:off x="4035103" y="5041782"/>
-            <a:ext cx="7592037" cy="1388496"/>
-          </a:xfrm>
-          <a:prstGeom prst="rect">
-            <a:avLst/>
-          </a:prstGeom>
-        </p:spPr>
-        <p:txBody>
-          <a:bodyPr vert="horz" lIns="91440" tIns="45720" rIns="91440" bIns="45720" rtlCol="0">
-            <a:normAutofit/>
-          </a:bodyPr>
-          <a:lstStyle>
-            <a:lvl1pPr marL="228600" indent="-228600" algn="l" defTabSz="914400" rtl="0" eaLnBrk="1" latinLnBrk="0" hangingPunct="1">
-              <a:lnSpc>
-                <a:spcPct val="90000"/>
-              </a:lnSpc>
-              <a:spcBef>
-                <a:spcPts val="1000"/>
-              </a:spcBef>
-              <a:buClr>
-                <a:schemeClr val="accent4"/>
-              </a:buClr>
-              <a:buFont typeface="Wingdings" panose="05000000000000000000" pitchFamily="2" charset="2"/>
-              <a:buChar char="§"/>
-              <a:defRPr sz="2800" kern="1200">
-                <a:solidFill>
-                  <a:schemeClr val="bg1"/>
-                </a:solidFill>
-                <a:latin typeface="+mn-lt"/>
-                <a:ea typeface="+mn-ea"/>
-                <a:cs typeface="+mn-cs"/>
-              </a:defRPr>
-            </a:lvl1pPr>
-            <a:lvl2pPr marL="685800" indent="-228600" algn="l" defTabSz="914400" rtl="0" eaLnBrk="1" latinLnBrk="0" hangingPunct="1">
-              <a:lnSpc>
-                <a:spcPct val="90000"/>
-              </a:lnSpc>
-              <a:spcBef>
-                <a:spcPts val="500"/>
-              </a:spcBef>
-              <a:buClr>
-                <a:schemeClr val="accent4"/>
-              </a:buClr>
-              <a:buFont typeface="Wingdings" panose="05000000000000000000" pitchFamily="2" charset="2"/>
-              <a:buChar char="§"/>
-              <a:defRPr sz="2400" kern="1200">
-                <a:solidFill>
-                  <a:schemeClr val="bg1"/>
-                </a:solidFill>
-                <a:latin typeface="+mn-lt"/>
-                <a:ea typeface="+mn-ea"/>
-                <a:cs typeface="+mn-cs"/>
-              </a:defRPr>
-            </a:lvl2pPr>
-            <a:lvl3pPr marL="1143000" indent="-228600" algn="l" defTabSz="914400" rtl="0" eaLnBrk="1" latinLnBrk="0" hangingPunct="1">
-              <a:lnSpc>
-                <a:spcPct val="90000"/>
-              </a:lnSpc>
-              <a:spcBef>
-                <a:spcPts val="500"/>
-              </a:spcBef>
-              <a:buClr>
-                <a:schemeClr val="accent4"/>
-              </a:buClr>
-              <a:buFont typeface="Wingdings" panose="05000000000000000000" pitchFamily="2" charset="2"/>
-              <a:buChar char="§"/>
-              <a:defRPr sz="2000" kern="1200">
-                <a:solidFill>
-                  <a:schemeClr val="bg1"/>
-                </a:solidFill>
-                <a:latin typeface="+mn-lt"/>
-                <a:ea typeface="+mn-ea"/>
-                <a:cs typeface="+mn-cs"/>
-              </a:defRPr>
-            </a:lvl3pPr>
-            <a:lvl4pPr marL="1600200" indent="-228600" algn="l" defTabSz="914400" rtl="0" eaLnBrk="1" latinLnBrk="0" hangingPunct="1">
-              <a:lnSpc>
-                <a:spcPct val="90000"/>
-              </a:lnSpc>
-              <a:spcBef>
-                <a:spcPts val="500"/>
-              </a:spcBef>
-              <a:buClr>
-                <a:schemeClr val="accent4"/>
-              </a:buClr>
-              <a:buFont typeface="Wingdings" panose="05000000000000000000" pitchFamily="2" charset="2"/>
-              <a:buChar char="§"/>
-              <a:defRPr sz="1800" kern="1200">
-                <a:solidFill>
-                  <a:schemeClr val="bg1"/>
-                </a:solidFill>
-                <a:latin typeface="+mn-lt"/>
-                <a:ea typeface="+mn-ea"/>
-                <a:cs typeface="+mn-cs"/>
-              </a:defRPr>
-            </a:lvl4pPr>
-            <a:lvl5pPr marL="2057400" indent="-228600" algn="l" defTabSz="914400" rtl="0" eaLnBrk="1" latinLnBrk="0" hangingPunct="1">
-              <a:lnSpc>
-                <a:spcPct val="90000"/>
-              </a:lnSpc>
-              <a:spcBef>
-                <a:spcPts val="500"/>
-              </a:spcBef>
-              <a:buClr>
-                <a:schemeClr val="accent4"/>
-              </a:buClr>
-              <a:buFont typeface="Wingdings" panose="05000000000000000000" pitchFamily="2" charset="2"/>
-              <a:buChar char="§"/>
-              <a:defRPr sz="1800" kern="1200">
-                <a:solidFill>
-                  <a:schemeClr val="bg1"/>
-                </a:solidFill>
-                <a:latin typeface="+mn-lt"/>
-                <a:ea typeface="+mn-ea"/>
-                <a:cs typeface="+mn-cs"/>
-              </a:defRPr>
-            </a:lvl5pPr>
-            <a:lvl6pPr marL="2514600" indent="-228600" algn="l" defTabSz="914400" rtl="0" eaLnBrk="1" latinLnBrk="0" hangingPunct="1">
-              <a:lnSpc>
-                <a:spcPct val="90000"/>
-              </a:lnSpc>
-              <a:spcBef>
-                <a:spcPts val="500"/>
-              </a:spcBef>
-              <a:buFont typeface="Arial" panose="020B0604020202020204" pitchFamily="34" charset="0"/>
-              <a:buChar char="•"/>
-              <a:defRPr sz="1800" kern="1200">
-                <a:solidFill>
-                  <a:schemeClr val="tx1"/>
-                </a:solidFill>
-                <a:latin typeface="+mn-lt"/>
-                <a:ea typeface="+mn-ea"/>
-                <a:cs typeface="+mn-cs"/>
-              </a:defRPr>
-            </a:lvl6pPr>
-            <a:lvl7pPr marL="2971800" indent="-228600" algn="l" defTabSz="914400" rtl="0" eaLnBrk="1" latinLnBrk="0" hangingPunct="1">
-              <a:lnSpc>
-                <a:spcPct val="90000"/>
-              </a:lnSpc>
-              <a:spcBef>
-                <a:spcPts val="500"/>
-              </a:spcBef>
-              <a:buFont typeface="Arial" panose="020B0604020202020204" pitchFamily="34" charset="0"/>
-              <a:buChar char="•"/>
-              <a:defRPr sz="1800" kern="1200">
-                <a:solidFill>
-                  <a:schemeClr val="tx1"/>
-                </a:solidFill>
-                <a:latin typeface="+mn-lt"/>
-                <a:ea typeface="+mn-ea"/>
-                <a:cs typeface="+mn-cs"/>
-              </a:defRPr>
-            </a:lvl7pPr>
-            <a:lvl8pPr marL="3429000" indent="-228600" algn="l" defTabSz="914400" rtl="0" eaLnBrk="1" latinLnBrk="0" hangingPunct="1">
-              <a:lnSpc>
-                <a:spcPct val="90000"/>
-              </a:lnSpc>
-              <a:spcBef>
-                <a:spcPts val="500"/>
-              </a:spcBef>
-              <a:buFont typeface="Arial" panose="020B0604020202020204" pitchFamily="34" charset="0"/>
-              <a:buChar char="•"/>
-              <a:defRPr sz="1800" kern="1200">
-                <a:solidFill>
-                  <a:schemeClr val="tx1"/>
-                </a:solidFill>
-                <a:latin typeface="+mn-lt"/>
-                <a:ea typeface="+mn-ea"/>
-                <a:cs typeface="+mn-cs"/>
-              </a:defRPr>
-            </a:lvl8pPr>
-            <a:lvl9pPr marL="3886200" indent="-228600" algn="l" defTabSz="914400" rtl="0" eaLnBrk="1" latinLnBrk="0" hangingPunct="1">
-              <a:lnSpc>
-                <a:spcPct val="90000"/>
-              </a:lnSpc>
-              <a:spcBef>
-                <a:spcPts val="500"/>
-              </a:spcBef>
-              <a:buFont typeface="Arial" panose="020B0604020202020204" pitchFamily="34" charset="0"/>
-              <a:buChar char="•"/>
-              <a:defRPr sz="1800" kern="1200">
-                <a:solidFill>
-                  <a:schemeClr val="tx1"/>
-                </a:solidFill>
-                <a:latin typeface="+mn-lt"/>
-                <a:ea typeface="+mn-ea"/>
-                <a:cs typeface="+mn-cs"/>
-              </a:defRPr>
-            </a:lvl9pPr>
-          </a:lstStyle>
-          <a:p>
-            <a:r>
-              <a:rPr lang="en-US" sz="2400" dirty="0"/>
-              <a:t>Git: A </a:t>
-            </a:r>
-            <a:r>
-              <a:rPr lang="en-US" sz="2400" b="1" dirty="0"/>
-              <a:t>distributed </a:t>
-            </a:r>
-            <a:r>
-              <a:rPr lang="en-US" sz="2400" dirty="0"/>
-              <a:t>VCS that takes ‘snapshots’ of your project.</a:t>
-            </a:r>
-          </a:p>
-          <a:p>
-            <a:r>
-              <a:rPr lang="en-US" sz="2400" dirty="0"/>
-              <a:t>GitHub: A platform to collab on repositories (project).</a:t>
-            </a:r>
-          </a:p>
-        </p:txBody>
-      </p:sp>
-    </p:spTree>
-    <p:extLst>
-      <p:ext uri="{BB962C8B-B14F-4D97-AF65-F5344CB8AC3E}">
-        <p14:creationId xmlns:p14="http://schemas.microsoft.com/office/powerpoint/2010/main" val="1852513965"/>
-      </p:ext>
-    </p:extLst>
-  </p:cSld>
-  <p:clrMapOvr>
-    <a:masterClrMapping/>
-  </p:clrMapOvr>
-</p:sld>
-</file>
-
-<file path=ppt/slides/slide6.xml><?xml version="1.0" encoding="utf-8"?>
-<p:sld xmlns:a="http://schemas.openxmlformats.org/drawingml/2006/main" xmlns:r="http://schemas.openxmlformats.org/officeDocument/2006/relationships" xmlns:p="http://schemas.openxmlformats.org/presentationml/2006/main">
-  <p:cSld>
-    <p:spTree>
-      <p:nvGrpSpPr>
-        <p:cNvPr id="1" name=""/>
-        <p:cNvGrpSpPr/>
-        <p:nvPr/>
-      </p:nvGrpSpPr>
-      <p:grpSpPr>
-        <a:xfrm>
-          <a:off x="0" y="0"/>
-          <a:ext cx="0" cy="0"/>
-          <a:chOff x="0" y="0"/>
-          <a:chExt cx="0" cy="0"/>
-        </a:xfrm>
-      </p:grpSpPr>
-      <p:sp>
-        <p:nvSpPr>
           <p:cNvPr id="2" name="Title 1">
             <a:extLst>
               <a:ext uri="{FF2B5EF4-FFF2-40B4-BE49-F238E27FC236}">
@@ -19442,7 +19003,7 @@
             </a:r>
             <a:r>
               <a:rPr lang="en-US" dirty="0"/>
-              <a:t> (Windows) or terminal (Mac)</a:t>
+              <a:t> (Windows) or terminal (Mac) to interact with Git</a:t>
             </a:r>
           </a:p>
           <a:p>
@@ -19898,16 +19459,15 @@
           </p:cNvPicPr>
           <p:nvPr/>
         </p:nvPicPr>
-        <p:blipFill>
+        <p:blipFill rotWithShape="1">
           <a:blip r:embed="rId4"/>
-          <a:stretch>
-            <a:fillRect/>
-          </a:stretch>
+          <a:srcRect l="6664" t="12705" r="7120" b="12875"/>
+          <a:stretch/>
         </p:blipFill>
         <p:spPr>
           <a:xfrm>
-            <a:off x="120781" y="2296454"/>
-            <a:ext cx="8586990" cy="4843943"/>
+            <a:off x="693142" y="2911876"/>
+            <a:ext cx="7403294" cy="3604813"/>
           </a:xfrm>
           <a:prstGeom prst="rect">
             <a:avLst/>
@@ -19927,7 +19487,7 @@
 </p:sld>
 </file>
 
-<file path=ppt/slides/slide7.xml><?xml version="1.0" encoding="utf-8"?>
+<file path=ppt/slides/slide6.xml><?xml version="1.0" encoding="utf-8"?>
 <p:sld xmlns:a="http://schemas.openxmlformats.org/drawingml/2006/main" xmlns:r="http://schemas.openxmlformats.org/officeDocument/2006/relationships" xmlns:p="http://schemas.openxmlformats.org/presentationml/2006/main">
   <p:cSld>
     <p:spTree>
@@ -20082,6 +19642,362 @@
 </p:sld>
 </file>
 
+<file path=ppt/slides/slide7.xml><?xml version="1.0" encoding="utf-8"?>
+<p:sld xmlns:a="http://schemas.openxmlformats.org/drawingml/2006/main" xmlns:r="http://schemas.openxmlformats.org/officeDocument/2006/relationships" xmlns:p="http://schemas.openxmlformats.org/presentationml/2006/main">
+  <p:cSld>
+    <p:spTree>
+      <p:nvGrpSpPr>
+        <p:cNvPr id="1" name=""/>
+        <p:cNvGrpSpPr/>
+        <p:nvPr/>
+      </p:nvGrpSpPr>
+      <p:grpSpPr>
+        <a:xfrm>
+          <a:off x="0" y="0"/>
+          <a:ext cx="0" cy="0"/>
+          <a:chOff x="0" y="0"/>
+          <a:chExt cx="0" cy="0"/>
+        </a:xfrm>
+      </p:grpSpPr>
+      <p:sp>
+        <p:nvSpPr>
+          <p:cNvPr id="2" name="Title 1"/>
+          <p:cNvSpPr>
+            <a:spLocks noGrp="1"/>
+          </p:cNvSpPr>
+          <p:nvPr>
+            <p:ph type="title"/>
+          </p:nvPr>
+        </p:nvSpPr>
+        <p:spPr>
+          <a:xfrm>
+            <a:off x="838200" y="110002"/>
+            <a:ext cx="8334376" cy="1325563"/>
+          </a:xfrm>
+        </p:spPr>
+        <p:txBody>
+          <a:bodyPr/>
+          <a:lstStyle/>
+          <a:p>
+            <a:r>
+              <a:rPr lang="en-US" dirty="0"/>
+              <a:t>Version Control System</a:t>
+            </a:r>
+          </a:p>
+        </p:txBody>
+      </p:sp>
+      <p:sp>
+        <p:nvSpPr>
+          <p:cNvPr id="3" name="Content Placeholder 2"/>
+          <p:cNvSpPr>
+            <a:spLocks noGrp="1"/>
+          </p:cNvSpPr>
+          <p:nvPr>
+            <p:ph idx="1"/>
+          </p:nvPr>
+        </p:nvSpPr>
+        <p:spPr>
+          <a:xfrm>
+            <a:off x="838200" y="1842403"/>
+            <a:ext cx="10515600" cy="4351338"/>
+          </a:xfrm>
+        </p:spPr>
+        <p:txBody>
+          <a:bodyPr/>
+          <a:lstStyle/>
+          <a:p>
+            <a:r>
+              <a:rPr lang="en-US" dirty="0"/>
+              <a:t>VCS: A system of recording changes to files.</a:t>
+            </a:r>
+          </a:p>
+          <a:p>
+            <a:r>
+              <a:rPr lang="en-US" dirty="0"/>
+              <a:t>Git is a VCS</a:t>
+            </a:r>
+          </a:p>
+        </p:txBody>
+      </p:sp>
+      <p:pic>
+        <p:nvPicPr>
+          <p:cNvPr id="3074" name="Picture 2" descr="50 Doodle People ideas | doodle people, doodles, drawings">
+            <a:extLst>
+              <a:ext uri="{FF2B5EF4-FFF2-40B4-BE49-F238E27FC236}">
+                <a16:creationId xmlns:a16="http://schemas.microsoft.com/office/drawing/2014/main" id="{EB262063-F146-41CF-A833-9756FB97FC4A}"/>
+              </a:ext>
+            </a:extLst>
+          </p:cNvPr>
+          <p:cNvPicPr>
+            <a:picLocks noChangeAspect="1" noChangeArrowheads="1"/>
+          </p:cNvPicPr>
+          <p:nvPr/>
+        </p:nvPicPr>
+        <p:blipFill rotWithShape="1">
+          <a:blip r:embed="rId3">
+            <a:extLst>
+              <a:ext uri="{28A0092B-C50C-407E-A947-70E740481C1C}">
+                <a14:useLocalDpi xmlns:a14="http://schemas.microsoft.com/office/drawing/2010/main" val="0"/>
+              </a:ext>
+            </a:extLst>
+          </a:blip>
+          <a:srcRect l="67665" t="45443" b="27542"/>
+          <a:stretch/>
+        </p:blipFill>
+        <p:spPr bwMode="auto">
+          <a:xfrm>
+            <a:off x="1211832" y="3278080"/>
+            <a:ext cx="1334549" cy="1894489"/>
+          </a:xfrm>
+          <a:prstGeom prst="rect">
+            <a:avLst/>
+          </a:prstGeom>
+          <a:noFill/>
+          <a:ln>
+            <a:noFill/>
+          </a:ln>
+          <a:extLst>
+            <a:ext uri="{909E8E84-426E-40DD-AFC4-6F175D3DCCD1}">
+              <a14:hiddenFill xmlns:a14="http://schemas.microsoft.com/office/drawing/2010/main">
+                <a:solidFill>
+                  <a:srgbClr val="FFFFFF"/>
+                </a:solidFill>
+              </a14:hiddenFill>
+            </a:ext>
+          </a:extLst>
+        </p:spPr>
+      </p:pic>
+      <p:sp>
+        <p:nvSpPr>
+          <p:cNvPr id="12" name="Content Placeholder 2">
+            <a:extLst>
+              <a:ext uri="{FF2B5EF4-FFF2-40B4-BE49-F238E27FC236}">
+                <a16:creationId xmlns:a16="http://schemas.microsoft.com/office/drawing/2014/main" id="{E9CEA309-373A-4925-838C-19A065F716A6}"/>
+              </a:ext>
+            </a:extLst>
+          </p:cNvPr>
+          <p:cNvSpPr txBox="1">
+            <a:spLocks/>
+          </p:cNvSpPr>
+          <p:nvPr/>
+        </p:nvSpPr>
+        <p:spPr>
+          <a:xfrm>
+            <a:off x="2920013" y="3363421"/>
+            <a:ext cx="2961313" cy="1723806"/>
+          </a:xfrm>
+          <a:prstGeom prst="rect">
+            <a:avLst/>
+          </a:prstGeom>
+        </p:spPr>
+        <p:txBody>
+          <a:bodyPr vert="horz" lIns="91440" tIns="45720" rIns="91440" bIns="45720" rtlCol="0">
+            <a:normAutofit/>
+          </a:bodyPr>
+          <a:lstStyle>
+            <a:lvl1pPr marL="228600" indent="-228600" algn="l" defTabSz="914400" rtl="0" eaLnBrk="1" latinLnBrk="0" hangingPunct="1">
+              <a:lnSpc>
+                <a:spcPct val="90000"/>
+              </a:lnSpc>
+              <a:spcBef>
+                <a:spcPts val="1000"/>
+              </a:spcBef>
+              <a:buClr>
+                <a:schemeClr val="accent4"/>
+              </a:buClr>
+              <a:buFont typeface="Wingdings" panose="05000000000000000000" pitchFamily="2" charset="2"/>
+              <a:buChar char="§"/>
+              <a:defRPr sz="2800" kern="1200">
+                <a:solidFill>
+                  <a:schemeClr val="bg1"/>
+                </a:solidFill>
+                <a:latin typeface="+mn-lt"/>
+                <a:ea typeface="+mn-ea"/>
+                <a:cs typeface="+mn-cs"/>
+              </a:defRPr>
+            </a:lvl1pPr>
+            <a:lvl2pPr marL="685800" indent="-228600" algn="l" defTabSz="914400" rtl="0" eaLnBrk="1" latinLnBrk="0" hangingPunct="1">
+              <a:lnSpc>
+                <a:spcPct val="90000"/>
+              </a:lnSpc>
+              <a:spcBef>
+                <a:spcPts val="500"/>
+              </a:spcBef>
+              <a:buClr>
+                <a:schemeClr val="accent4"/>
+              </a:buClr>
+              <a:buFont typeface="Wingdings" panose="05000000000000000000" pitchFamily="2" charset="2"/>
+              <a:buChar char="§"/>
+              <a:defRPr sz="2400" kern="1200">
+                <a:solidFill>
+                  <a:schemeClr val="bg1"/>
+                </a:solidFill>
+                <a:latin typeface="+mn-lt"/>
+                <a:ea typeface="+mn-ea"/>
+                <a:cs typeface="+mn-cs"/>
+              </a:defRPr>
+            </a:lvl2pPr>
+            <a:lvl3pPr marL="1143000" indent="-228600" algn="l" defTabSz="914400" rtl="0" eaLnBrk="1" latinLnBrk="0" hangingPunct="1">
+              <a:lnSpc>
+                <a:spcPct val="90000"/>
+              </a:lnSpc>
+              <a:spcBef>
+                <a:spcPts val="500"/>
+              </a:spcBef>
+              <a:buClr>
+                <a:schemeClr val="accent4"/>
+              </a:buClr>
+              <a:buFont typeface="Wingdings" panose="05000000000000000000" pitchFamily="2" charset="2"/>
+              <a:buChar char="§"/>
+              <a:defRPr sz="2000" kern="1200">
+                <a:solidFill>
+                  <a:schemeClr val="bg1"/>
+                </a:solidFill>
+                <a:latin typeface="+mn-lt"/>
+                <a:ea typeface="+mn-ea"/>
+                <a:cs typeface="+mn-cs"/>
+              </a:defRPr>
+            </a:lvl3pPr>
+            <a:lvl4pPr marL="1600200" indent="-228600" algn="l" defTabSz="914400" rtl="0" eaLnBrk="1" latinLnBrk="0" hangingPunct="1">
+              <a:lnSpc>
+                <a:spcPct val="90000"/>
+              </a:lnSpc>
+              <a:spcBef>
+                <a:spcPts val="500"/>
+              </a:spcBef>
+              <a:buClr>
+                <a:schemeClr val="accent4"/>
+              </a:buClr>
+              <a:buFont typeface="Wingdings" panose="05000000000000000000" pitchFamily="2" charset="2"/>
+              <a:buChar char="§"/>
+              <a:defRPr sz="1800" kern="1200">
+                <a:solidFill>
+                  <a:schemeClr val="bg1"/>
+                </a:solidFill>
+                <a:latin typeface="+mn-lt"/>
+                <a:ea typeface="+mn-ea"/>
+                <a:cs typeface="+mn-cs"/>
+              </a:defRPr>
+            </a:lvl4pPr>
+            <a:lvl5pPr marL="2057400" indent="-228600" algn="l" defTabSz="914400" rtl="0" eaLnBrk="1" latinLnBrk="0" hangingPunct="1">
+              <a:lnSpc>
+                <a:spcPct val="90000"/>
+              </a:lnSpc>
+              <a:spcBef>
+                <a:spcPts val="500"/>
+              </a:spcBef>
+              <a:buClr>
+                <a:schemeClr val="accent4"/>
+              </a:buClr>
+              <a:buFont typeface="Wingdings" panose="05000000000000000000" pitchFamily="2" charset="2"/>
+              <a:buChar char="§"/>
+              <a:defRPr sz="1800" kern="1200">
+                <a:solidFill>
+                  <a:schemeClr val="bg1"/>
+                </a:solidFill>
+                <a:latin typeface="+mn-lt"/>
+                <a:ea typeface="+mn-ea"/>
+                <a:cs typeface="+mn-cs"/>
+              </a:defRPr>
+            </a:lvl5pPr>
+            <a:lvl6pPr marL="2514600" indent="-228600" algn="l" defTabSz="914400" rtl="0" eaLnBrk="1" latinLnBrk="0" hangingPunct="1">
+              <a:lnSpc>
+                <a:spcPct val="90000"/>
+              </a:lnSpc>
+              <a:spcBef>
+                <a:spcPts val="500"/>
+              </a:spcBef>
+              <a:buFont typeface="Arial" panose="020B0604020202020204" pitchFamily="34" charset="0"/>
+              <a:buChar char="•"/>
+              <a:defRPr sz="1800" kern="1200">
+                <a:solidFill>
+                  <a:schemeClr val="tx1"/>
+                </a:solidFill>
+                <a:latin typeface="+mn-lt"/>
+                <a:ea typeface="+mn-ea"/>
+                <a:cs typeface="+mn-cs"/>
+              </a:defRPr>
+            </a:lvl6pPr>
+            <a:lvl7pPr marL="2971800" indent="-228600" algn="l" defTabSz="914400" rtl="0" eaLnBrk="1" latinLnBrk="0" hangingPunct="1">
+              <a:lnSpc>
+                <a:spcPct val="90000"/>
+              </a:lnSpc>
+              <a:spcBef>
+                <a:spcPts val="500"/>
+              </a:spcBef>
+              <a:buFont typeface="Arial" panose="020B0604020202020204" pitchFamily="34" charset="0"/>
+              <a:buChar char="•"/>
+              <a:defRPr sz="1800" kern="1200">
+                <a:solidFill>
+                  <a:schemeClr val="tx1"/>
+                </a:solidFill>
+                <a:latin typeface="+mn-lt"/>
+                <a:ea typeface="+mn-ea"/>
+                <a:cs typeface="+mn-cs"/>
+              </a:defRPr>
+            </a:lvl7pPr>
+            <a:lvl8pPr marL="3429000" indent="-228600" algn="l" defTabSz="914400" rtl="0" eaLnBrk="1" latinLnBrk="0" hangingPunct="1">
+              <a:lnSpc>
+                <a:spcPct val="90000"/>
+              </a:lnSpc>
+              <a:spcBef>
+                <a:spcPts val="500"/>
+              </a:spcBef>
+              <a:buFont typeface="Arial" panose="020B0604020202020204" pitchFamily="34" charset="0"/>
+              <a:buChar char="•"/>
+              <a:defRPr sz="1800" kern="1200">
+                <a:solidFill>
+                  <a:schemeClr val="tx1"/>
+                </a:solidFill>
+                <a:latin typeface="+mn-lt"/>
+                <a:ea typeface="+mn-ea"/>
+                <a:cs typeface="+mn-cs"/>
+              </a:defRPr>
+            </a:lvl8pPr>
+            <a:lvl9pPr marL="3886200" indent="-228600" algn="l" defTabSz="914400" rtl="0" eaLnBrk="1" latinLnBrk="0" hangingPunct="1">
+              <a:lnSpc>
+                <a:spcPct val="90000"/>
+              </a:lnSpc>
+              <a:spcBef>
+                <a:spcPts val="500"/>
+              </a:spcBef>
+              <a:buFont typeface="Arial" panose="020B0604020202020204" pitchFamily="34" charset="0"/>
+              <a:buChar char="•"/>
+              <a:defRPr sz="1800" kern="1200">
+                <a:solidFill>
+                  <a:schemeClr val="tx1"/>
+                </a:solidFill>
+                <a:latin typeface="+mn-lt"/>
+                <a:ea typeface="+mn-ea"/>
+                <a:cs typeface="+mn-cs"/>
+              </a:defRPr>
+            </a:lvl9pPr>
+          </a:lstStyle>
+          <a:p>
+            <a:pPr>
+              <a:buFontTx/>
+              <a:buChar char="-"/>
+            </a:pPr>
+            <a:r>
+              <a:rPr lang="en-US" sz="2400" dirty="0"/>
+              <a:t>Write a novel yay!</a:t>
+            </a:r>
+          </a:p>
+        </p:txBody>
+      </p:sp>
+    </p:spTree>
+    <p:extLst>
+      <p:ext uri="{BB962C8B-B14F-4D97-AF65-F5344CB8AC3E}">
+        <p14:creationId xmlns:p14="http://schemas.microsoft.com/office/powerpoint/2010/main" val="2541583471"/>
+      </p:ext>
+    </p:extLst>
+  </p:cSld>
+  <p:clrMapOvr>
+    <a:masterClrMapping/>
+  </p:clrMapOvr>
+</p:sld>
+</file>
+
 <file path=ppt/slides/slide8.xml><?xml version="1.0" encoding="utf-8"?>
 <p:sld xmlns:a="http://schemas.openxmlformats.org/drawingml/2006/main" xmlns:r="http://schemas.openxmlformats.org/officeDocument/2006/relationships" xmlns:p="http://schemas.openxmlformats.org/presentationml/2006/main">
   <p:cSld>
@@ -20101,10 +20017,10 @@
       </p:grpSpPr>
       <p:sp>
         <p:nvSpPr>
-          <p:cNvPr id="2" name="Title 1">
-            <a:extLst>
-              <a:ext uri="{FF2B5EF4-FFF2-40B4-BE49-F238E27FC236}">
-                <a16:creationId xmlns:a16="http://schemas.microsoft.com/office/drawing/2014/main" id="{8B2AD4E1-0643-4C88-9E49-C2724AEB3568}"/>
+          <p:cNvPr id="3" name="Content Placeholder 2">
+            <a:extLst>
+              <a:ext uri="{FF2B5EF4-FFF2-40B4-BE49-F238E27FC236}">
+                <a16:creationId xmlns:a16="http://schemas.microsoft.com/office/drawing/2014/main" id="{6CD1FD88-1DF5-4CB5-97CD-1BF062D3DAAF}"/>
               </a:ext>
             </a:extLst>
           </p:cNvPr>
@@ -20112,104 +20028,603 @@
             <a:spLocks noGrp="1"/>
           </p:cNvSpPr>
           <p:nvPr>
-            <p:ph type="title"/>
-          </p:nvPr>
-        </p:nvSpPr>
-        <p:spPr/>
+            <p:ph idx="1"/>
+          </p:nvPr>
+        </p:nvSpPr>
+        <p:spPr>
+          <a:xfrm>
+            <a:off x="754310" y="491775"/>
+            <a:ext cx="10515600" cy="4351338"/>
+          </a:xfrm>
+        </p:spPr>
         <p:txBody>
           <a:bodyPr/>
           <a:lstStyle/>
           <a:p>
-            <a:r>
-              <a:rPr lang="en-US" dirty="0"/>
-              <a:t>Basic git commands</a:t>
-            </a:r>
-          </a:p>
-        </p:txBody>
-      </p:sp>
-      <p:sp>
-        <p:nvSpPr>
-          <p:cNvPr id="3" name="Content Placeholder 2">
-            <a:extLst>
-              <a:ext uri="{FF2B5EF4-FFF2-40B4-BE49-F238E27FC236}">
-                <a16:creationId xmlns:a16="http://schemas.microsoft.com/office/drawing/2014/main" id="{F8D322E9-A7EC-465F-93FE-BAA394728626}"/>
-              </a:ext>
-            </a:extLst>
-          </p:cNvPr>
-          <p:cNvSpPr>
-            <a:spLocks noGrp="1"/>
-          </p:cNvSpPr>
-          <p:nvPr>
-            <p:ph idx="1"/>
-          </p:nvPr>
-        </p:nvSpPr>
-        <p:spPr>
-          <a:xfrm>
-            <a:off x="838200" y="1411357"/>
-            <a:ext cx="10515600" cy="4765606"/>
-          </a:xfrm>
-        </p:spPr>
-        <p:txBody>
-          <a:bodyPr/>
-          <a:lstStyle/>
-          <a:p>
-            <a:pPr marL="0" indent="0">
+            <a:pPr marL="0" indent="0" algn="ctr">
               <a:buNone/>
             </a:pPr>
-            <a:endParaRPr lang="en-US" dirty="0"/>
-          </a:p>
-          <a:p>
-            <a:r>
-              <a:rPr lang="en-US" dirty="0"/>
-              <a:t>git </a:t>
-            </a:r>
-            <a:r>
-              <a:rPr lang="en-US" dirty="0" err="1"/>
-              <a:t>init</a:t>
-            </a:r>
-            <a:r>
-              <a:rPr lang="en-US" dirty="0"/>
-              <a:t> -&gt; git add -&gt; git commit</a:t>
-            </a:r>
-          </a:p>
-          <a:p>
-            <a:r>
-              <a:rPr lang="en-US" dirty="0"/>
-              <a:t>git status</a:t>
-            </a:r>
-          </a:p>
-          <a:p>
-            <a:r>
-              <a:rPr lang="en-US" dirty="0"/>
-              <a:t>git log</a:t>
-            </a:r>
-          </a:p>
-          <a:p>
-            <a:endParaRPr lang="en-US" dirty="0">
-              <a:solidFill>
-                <a:schemeClr val="accent4"/>
-              </a:solidFill>
-            </a:endParaRPr>
+            <a:r>
+              <a:rPr lang="en-US" sz="3600" dirty="0">
+                <a:latin typeface="+mj-lt"/>
+              </a:rPr>
+              <a:t>A system that:</a:t>
+            </a:r>
           </a:p>
           <a:p>
             <a:pPr marL="0" indent="0">
               <a:buNone/>
             </a:pPr>
             <a:endParaRPr lang="en-US" dirty="0">
-              <a:solidFill>
+              <a:latin typeface="+mj-lt"/>
+            </a:endParaRPr>
+          </a:p>
+        </p:txBody>
+      </p:sp>
+      <p:sp>
+        <p:nvSpPr>
+          <p:cNvPr id="4" name="Rectangle: Rounded Corners 3">
+            <a:extLst>
+              <a:ext uri="{FF2B5EF4-FFF2-40B4-BE49-F238E27FC236}">
+                <a16:creationId xmlns:a16="http://schemas.microsoft.com/office/drawing/2014/main" id="{271A5690-00A1-4EBD-BA23-2FFBBEBB9A86}"/>
+              </a:ext>
+            </a:extLst>
+          </p:cNvPr>
+          <p:cNvSpPr/>
+          <p:nvPr/>
+        </p:nvSpPr>
+        <p:spPr>
+          <a:xfrm>
+            <a:off x="1165370" y="1627464"/>
+            <a:ext cx="1888261" cy="1563018"/>
+          </a:xfrm>
+          <a:prstGeom prst="roundRect">
+            <a:avLst/>
+          </a:prstGeom>
+          <a:solidFill>
+            <a:schemeClr val="bg2"/>
+          </a:solidFill>
+          <a:ln>
+            <a:noFill/>
+          </a:ln>
+        </p:spPr>
+        <p:style>
+          <a:lnRef idx="2">
+            <a:schemeClr val="accent1">
+              <a:shade val="50000"/>
+            </a:schemeClr>
+          </a:lnRef>
+          <a:fillRef idx="1">
+            <a:schemeClr val="accent1"/>
+          </a:fillRef>
+          <a:effectRef idx="0">
+            <a:schemeClr val="accent1"/>
+          </a:effectRef>
+          <a:fontRef idx="minor">
+            <a:schemeClr val="lt1"/>
+          </a:fontRef>
+        </p:style>
+        <p:txBody>
+          <a:bodyPr rtlCol="0" anchor="ctr"/>
+          <a:lstStyle/>
+          <a:p>
+            <a:pPr algn="ctr"/>
+            <a:r>
+              <a:rPr lang="en-MY" dirty="0">
+                <a:solidFill>
+                  <a:schemeClr val="tx1"/>
+                </a:solidFill>
+              </a:rPr>
+              <a:t>Records changes made</a:t>
+            </a:r>
+          </a:p>
+        </p:txBody>
+      </p:sp>
+      <p:sp>
+        <p:nvSpPr>
+          <p:cNvPr id="7" name="Rectangle: Rounded Corners 6">
+            <a:extLst>
+              <a:ext uri="{FF2B5EF4-FFF2-40B4-BE49-F238E27FC236}">
+                <a16:creationId xmlns:a16="http://schemas.microsoft.com/office/drawing/2014/main" id="{00AEEC39-7F46-4F51-B127-BBA8315603FF}"/>
+              </a:ext>
+            </a:extLst>
+          </p:cNvPr>
+          <p:cNvSpPr/>
+          <p:nvPr/>
+        </p:nvSpPr>
+        <p:spPr>
+          <a:xfrm>
+            <a:off x="3817689" y="1627464"/>
+            <a:ext cx="1888261" cy="1563018"/>
+          </a:xfrm>
+          <a:prstGeom prst="roundRect">
+            <a:avLst/>
+          </a:prstGeom>
+          <a:solidFill>
+            <a:schemeClr val="bg2"/>
+          </a:solidFill>
+          <a:ln>
+            <a:noFill/>
+          </a:ln>
+        </p:spPr>
+        <p:style>
+          <a:lnRef idx="2">
+            <a:schemeClr val="accent6">
+              <a:shade val="50000"/>
+            </a:schemeClr>
+          </a:lnRef>
+          <a:fillRef idx="1">
+            <a:schemeClr val="accent6"/>
+          </a:fillRef>
+          <a:effectRef idx="0">
+            <a:schemeClr val="accent6"/>
+          </a:effectRef>
+          <a:fontRef idx="minor">
+            <a:schemeClr val="lt1"/>
+          </a:fontRef>
+        </p:style>
+        <p:txBody>
+          <a:bodyPr rtlCol="0" anchor="ctr"/>
+          <a:lstStyle/>
+          <a:p>
+            <a:pPr algn="ctr"/>
+            <a:r>
+              <a:rPr lang="en-MY" dirty="0">
+                <a:solidFill>
+                  <a:schemeClr val="tx1"/>
+                </a:solidFill>
+              </a:rPr>
+              <a:t>Can recover previous versions</a:t>
+            </a:r>
+          </a:p>
+        </p:txBody>
+      </p:sp>
+      <p:sp>
+        <p:nvSpPr>
+          <p:cNvPr id="8" name="Rectangle: Rounded Corners 7">
+            <a:extLst>
+              <a:ext uri="{FF2B5EF4-FFF2-40B4-BE49-F238E27FC236}">
+                <a16:creationId xmlns:a16="http://schemas.microsoft.com/office/drawing/2014/main" id="{80E687EE-9A7E-4C1F-949E-E87410C1267F}"/>
+              </a:ext>
+            </a:extLst>
+          </p:cNvPr>
+          <p:cNvSpPr/>
+          <p:nvPr/>
+        </p:nvSpPr>
+        <p:spPr>
+          <a:xfrm>
+            <a:off x="6470008" y="1627464"/>
+            <a:ext cx="1888261" cy="1563018"/>
+          </a:xfrm>
+          <a:prstGeom prst="roundRect">
+            <a:avLst/>
+          </a:prstGeom>
+          <a:solidFill>
+            <a:schemeClr val="accent6"/>
+          </a:solidFill>
+          <a:ln>
+            <a:noFill/>
+          </a:ln>
+        </p:spPr>
+        <p:style>
+          <a:lnRef idx="1">
+            <a:schemeClr val="accent4"/>
+          </a:lnRef>
+          <a:fillRef idx="3">
+            <a:schemeClr val="accent4"/>
+          </a:fillRef>
+          <a:effectRef idx="2">
+            <a:schemeClr val="accent4"/>
+          </a:effectRef>
+          <a:fontRef idx="minor">
+            <a:schemeClr val="lt1"/>
+          </a:fontRef>
+        </p:style>
+        <p:txBody>
+          <a:bodyPr rtlCol="0" anchor="ctr"/>
+          <a:lstStyle/>
+          <a:p>
+            <a:pPr algn="ctr"/>
+            <a:r>
+              <a:rPr lang="en-MY" dirty="0">
+                <a:solidFill>
+                  <a:schemeClr val="bg2"/>
+                </a:solidFill>
+              </a:rPr>
+              <a:t>Allows us to work independently in a team</a:t>
+            </a:r>
+          </a:p>
+        </p:txBody>
+      </p:sp>
+      <p:sp>
+        <p:nvSpPr>
+          <p:cNvPr id="9" name="Rectangle: Rounded Corners 8">
+            <a:extLst>
+              <a:ext uri="{FF2B5EF4-FFF2-40B4-BE49-F238E27FC236}">
+                <a16:creationId xmlns:a16="http://schemas.microsoft.com/office/drawing/2014/main" id="{61A158EC-5DDB-4778-BA26-5238F108FB5C}"/>
+              </a:ext>
+            </a:extLst>
+          </p:cNvPr>
+          <p:cNvSpPr/>
+          <p:nvPr/>
+        </p:nvSpPr>
+        <p:spPr>
+          <a:xfrm>
+            <a:off x="9122327" y="1627464"/>
+            <a:ext cx="1888261" cy="1563018"/>
+          </a:xfrm>
+          <a:prstGeom prst="roundRect">
+            <a:avLst/>
+          </a:prstGeom>
+          <a:solidFill>
+            <a:schemeClr val="accent6"/>
+          </a:solidFill>
+          <a:ln>
+            <a:noFill/>
+          </a:ln>
+        </p:spPr>
+        <p:style>
+          <a:lnRef idx="1">
+            <a:schemeClr val="accent1"/>
+          </a:lnRef>
+          <a:fillRef idx="3">
+            <a:schemeClr val="accent1"/>
+          </a:fillRef>
+          <a:effectRef idx="2">
+            <a:schemeClr val="accent1"/>
+          </a:effectRef>
+          <a:fontRef idx="minor">
+            <a:schemeClr val="lt1"/>
+          </a:fontRef>
+        </p:style>
+        <p:txBody>
+          <a:bodyPr rtlCol="0" anchor="ctr"/>
+          <a:lstStyle/>
+          <a:p>
+            <a:pPr algn="ctr"/>
+            <a:r>
+              <a:rPr lang="en-MY" dirty="0">
+                <a:solidFill>
+                  <a:schemeClr val="bg2"/>
+                </a:solidFill>
+              </a:rPr>
+              <a:t>Stores files in one place</a:t>
+            </a:r>
+          </a:p>
+        </p:txBody>
+      </p:sp>
+      <p:sp>
+        <p:nvSpPr>
+          <p:cNvPr id="11" name="Title 1">
+            <a:extLst>
+              <a:ext uri="{FF2B5EF4-FFF2-40B4-BE49-F238E27FC236}">
+                <a16:creationId xmlns:a16="http://schemas.microsoft.com/office/drawing/2014/main" id="{BDDB32F0-D524-4A32-8A3E-88EC14C9D5FC}"/>
+              </a:ext>
+            </a:extLst>
+          </p:cNvPr>
+          <p:cNvSpPr txBox="1">
+            <a:spLocks/>
+          </p:cNvSpPr>
+          <p:nvPr/>
+        </p:nvSpPr>
+        <p:spPr>
+          <a:xfrm>
+            <a:off x="4455515" y="3875735"/>
+            <a:ext cx="3280969" cy="711142"/>
+          </a:xfrm>
+          <a:prstGeom prst="rect">
+            <a:avLst/>
+          </a:prstGeom>
+        </p:spPr>
+        <p:txBody>
+          <a:bodyPr vert="horz" lIns="91440" tIns="45720" rIns="91440" bIns="45720" rtlCol="0" anchor="ctr">
+            <a:noAutofit/>
+          </a:bodyPr>
+          <a:lstStyle>
+            <a:lvl1pPr algn="l" defTabSz="914400" rtl="0" eaLnBrk="1" latinLnBrk="0" hangingPunct="1">
+              <a:lnSpc>
+                <a:spcPct val="90000"/>
+              </a:lnSpc>
+              <a:spcBef>
+                <a:spcPct val="0"/>
+              </a:spcBef>
+              <a:buNone/>
+              <a:defRPr sz="4400" kern="1200">
+                <a:solidFill>
+                  <a:schemeClr val="bg1"/>
+                </a:solidFill>
+                <a:latin typeface="+mj-lt"/>
+                <a:ea typeface="+mj-ea"/>
+                <a:cs typeface="+mj-cs"/>
+              </a:defRPr>
+            </a:lvl1pPr>
+          </a:lstStyle>
+          <a:p>
+            <a:pPr algn="ctr"/>
+            <a:r>
+              <a:rPr lang="en-US" sz="3600" dirty="0"/>
+              <a:t>Introducing</a:t>
+            </a:r>
+          </a:p>
+        </p:txBody>
+      </p:sp>
+      <p:pic>
+        <p:nvPicPr>
+          <p:cNvPr id="4100" name="Picture 4" descr="Git and Github: A Beginner's Guide">
+            <a:extLst>
+              <a:ext uri="{FF2B5EF4-FFF2-40B4-BE49-F238E27FC236}">
+                <a16:creationId xmlns:a16="http://schemas.microsoft.com/office/drawing/2014/main" id="{3A337843-39E4-4121-93B3-8A13AB6A5E48}"/>
+              </a:ext>
+            </a:extLst>
+          </p:cNvPr>
+          <p:cNvPicPr>
+            <a:picLocks noChangeAspect="1" noChangeArrowheads="1"/>
+          </p:cNvPicPr>
+          <p:nvPr/>
+        </p:nvPicPr>
+        <p:blipFill rotWithShape="1">
+          <a:blip r:embed="rId3">
+            <a:extLst>
+              <a:ext uri="{28A0092B-C50C-407E-A947-70E740481C1C}">
+                <a14:useLocalDpi xmlns:a14="http://schemas.microsoft.com/office/drawing/2010/main" val="0"/>
+              </a:ext>
+            </a:extLst>
+          </a:blip>
+          <a:srcRect l="7873" t="14309" r="8197" b="21632"/>
+          <a:stretch/>
+        </p:blipFill>
+        <p:spPr bwMode="auto">
+          <a:xfrm>
+            <a:off x="477841" y="4975180"/>
+            <a:ext cx="3263317" cy="1388496"/>
+          </a:xfrm>
+          <a:prstGeom prst="rect">
+            <a:avLst/>
+          </a:prstGeom>
+          <a:noFill/>
+          <a:extLst>
+            <a:ext uri="{909E8E84-426E-40DD-AFC4-6F175D3DCCD1}">
+              <a14:hiddenFill xmlns:a14="http://schemas.microsoft.com/office/drawing/2010/main">
+                <a:solidFill>
+                  <a:srgbClr val="FFFFFF"/>
+                </a:solidFill>
+              </a14:hiddenFill>
+            </a:ext>
+          </a:extLst>
+        </p:spPr>
+      </p:pic>
+      <p:sp>
+        <p:nvSpPr>
+          <p:cNvPr id="13" name="Content Placeholder 2">
+            <a:extLst>
+              <a:ext uri="{FF2B5EF4-FFF2-40B4-BE49-F238E27FC236}">
+                <a16:creationId xmlns:a16="http://schemas.microsoft.com/office/drawing/2014/main" id="{9B0E902E-D838-4A61-A3B3-8901FC18962B}"/>
+              </a:ext>
+            </a:extLst>
+          </p:cNvPr>
+          <p:cNvSpPr txBox="1">
+            <a:spLocks/>
+          </p:cNvSpPr>
+          <p:nvPr/>
+        </p:nvSpPr>
+        <p:spPr>
+          <a:xfrm>
+            <a:off x="4035103" y="5041782"/>
+            <a:ext cx="7592037" cy="1388496"/>
+          </a:xfrm>
+          <a:prstGeom prst="rect">
+            <a:avLst/>
+          </a:prstGeom>
+        </p:spPr>
+        <p:txBody>
+          <a:bodyPr vert="horz" lIns="91440" tIns="45720" rIns="91440" bIns="45720" rtlCol="0">
+            <a:normAutofit/>
+          </a:bodyPr>
+          <a:lstStyle>
+            <a:lvl1pPr marL="228600" indent="-228600" algn="l" defTabSz="914400" rtl="0" eaLnBrk="1" latinLnBrk="0" hangingPunct="1">
+              <a:lnSpc>
+                <a:spcPct val="90000"/>
+              </a:lnSpc>
+              <a:spcBef>
+                <a:spcPts val="1000"/>
+              </a:spcBef>
+              <a:buClr>
                 <a:schemeClr val="accent4"/>
-              </a:solidFill>
-            </a:endParaRPr>
-          </a:p>
-          <a:p>
-            <a:endParaRPr lang="en-US" dirty="0"/>
+              </a:buClr>
+              <a:buFont typeface="Wingdings" panose="05000000000000000000" pitchFamily="2" charset="2"/>
+              <a:buChar char="§"/>
+              <a:defRPr sz="2800" kern="1200">
+                <a:solidFill>
+                  <a:schemeClr val="bg1"/>
+                </a:solidFill>
+                <a:latin typeface="+mn-lt"/>
+                <a:ea typeface="+mn-ea"/>
+                <a:cs typeface="+mn-cs"/>
+              </a:defRPr>
+            </a:lvl1pPr>
+            <a:lvl2pPr marL="685800" indent="-228600" algn="l" defTabSz="914400" rtl="0" eaLnBrk="1" latinLnBrk="0" hangingPunct="1">
+              <a:lnSpc>
+                <a:spcPct val="90000"/>
+              </a:lnSpc>
+              <a:spcBef>
+                <a:spcPts val="500"/>
+              </a:spcBef>
+              <a:buClr>
+                <a:schemeClr val="accent4"/>
+              </a:buClr>
+              <a:buFont typeface="Wingdings" panose="05000000000000000000" pitchFamily="2" charset="2"/>
+              <a:buChar char="§"/>
+              <a:defRPr sz="2400" kern="1200">
+                <a:solidFill>
+                  <a:schemeClr val="bg1"/>
+                </a:solidFill>
+                <a:latin typeface="+mn-lt"/>
+                <a:ea typeface="+mn-ea"/>
+                <a:cs typeface="+mn-cs"/>
+              </a:defRPr>
+            </a:lvl2pPr>
+            <a:lvl3pPr marL="1143000" indent="-228600" algn="l" defTabSz="914400" rtl="0" eaLnBrk="1" latinLnBrk="0" hangingPunct="1">
+              <a:lnSpc>
+                <a:spcPct val="90000"/>
+              </a:lnSpc>
+              <a:spcBef>
+                <a:spcPts val="500"/>
+              </a:spcBef>
+              <a:buClr>
+                <a:schemeClr val="accent4"/>
+              </a:buClr>
+              <a:buFont typeface="Wingdings" panose="05000000000000000000" pitchFamily="2" charset="2"/>
+              <a:buChar char="§"/>
+              <a:defRPr sz="2000" kern="1200">
+                <a:solidFill>
+                  <a:schemeClr val="bg1"/>
+                </a:solidFill>
+                <a:latin typeface="+mn-lt"/>
+                <a:ea typeface="+mn-ea"/>
+                <a:cs typeface="+mn-cs"/>
+              </a:defRPr>
+            </a:lvl3pPr>
+            <a:lvl4pPr marL="1600200" indent="-228600" algn="l" defTabSz="914400" rtl="0" eaLnBrk="1" latinLnBrk="0" hangingPunct="1">
+              <a:lnSpc>
+                <a:spcPct val="90000"/>
+              </a:lnSpc>
+              <a:spcBef>
+                <a:spcPts val="500"/>
+              </a:spcBef>
+              <a:buClr>
+                <a:schemeClr val="accent4"/>
+              </a:buClr>
+              <a:buFont typeface="Wingdings" panose="05000000000000000000" pitchFamily="2" charset="2"/>
+              <a:buChar char="§"/>
+              <a:defRPr sz="1800" kern="1200">
+                <a:solidFill>
+                  <a:schemeClr val="bg1"/>
+                </a:solidFill>
+                <a:latin typeface="+mn-lt"/>
+                <a:ea typeface="+mn-ea"/>
+                <a:cs typeface="+mn-cs"/>
+              </a:defRPr>
+            </a:lvl4pPr>
+            <a:lvl5pPr marL="2057400" indent="-228600" algn="l" defTabSz="914400" rtl="0" eaLnBrk="1" latinLnBrk="0" hangingPunct="1">
+              <a:lnSpc>
+                <a:spcPct val="90000"/>
+              </a:lnSpc>
+              <a:spcBef>
+                <a:spcPts val="500"/>
+              </a:spcBef>
+              <a:buClr>
+                <a:schemeClr val="accent4"/>
+              </a:buClr>
+              <a:buFont typeface="Wingdings" panose="05000000000000000000" pitchFamily="2" charset="2"/>
+              <a:buChar char="§"/>
+              <a:defRPr sz="1800" kern="1200">
+                <a:solidFill>
+                  <a:schemeClr val="bg1"/>
+                </a:solidFill>
+                <a:latin typeface="+mn-lt"/>
+                <a:ea typeface="+mn-ea"/>
+                <a:cs typeface="+mn-cs"/>
+              </a:defRPr>
+            </a:lvl5pPr>
+            <a:lvl6pPr marL="2514600" indent="-228600" algn="l" defTabSz="914400" rtl="0" eaLnBrk="1" latinLnBrk="0" hangingPunct="1">
+              <a:lnSpc>
+                <a:spcPct val="90000"/>
+              </a:lnSpc>
+              <a:spcBef>
+                <a:spcPts val="500"/>
+              </a:spcBef>
+              <a:buFont typeface="Arial" panose="020B0604020202020204" pitchFamily="34" charset="0"/>
+              <a:buChar char="•"/>
+              <a:defRPr sz="1800" kern="1200">
+                <a:solidFill>
+                  <a:schemeClr val="tx1"/>
+                </a:solidFill>
+                <a:latin typeface="+mn-lt"/>
+                <a:ea typeface="+mn-ea"/>
+                <a:cs typeface="+mn-cs"/>
+              </a:defRPr>
+            </a:lvl6pPr>
+            <a:lvl7pPr marL="2971800" indent="-228600" algn="l" defTabSz="914400" rtl="0" eaLnBrk="1" latinLnBrk="0" hangingPunct="1">
+              <a:lnSpc>
+                <a:spcPct val="90000"/>
+              </a:lnSpc>
+              <a:spcBef>
+                <a:spcPts val="500"/>
+              </a:spcBef>
+              <a:buFont typeface="Arial" panose="020B0604020202020204" pitchFamily="34" charset="0"/>
+              <a:buChar char="•"/>
+              <a:defRPr sz="1800" kern="1200">
+                <a:solidFill>
+                  <a:schemeClr val="tx1"/>
+                </a:solidFill>
+                <a:latin typeface="+mn-lt"/>
+                <a:ea typeface="+mn-ea"/>
+                <a:cs typeface="+mn-cs"/>
+              </a:defRPr>
+            </a:lvl7pPr>
+            <a:lvl8pPr marL="3429000" indent="-228600" algn="l" defTabSz="914400" rtl="0" eaLnBrk="1" latinLnBrk="0" hangingPunct="1">
+              <a:lnSpc>
+                <a:spcPct val="90000"/>
+              </a:lnSpc>
+              <a:spcBef>
+                <a:spcPts val="500"/>
+              </a:spcBef>
+              <a:buFont typeface="Arial" panose="020B0604020202020204" pitchFamily="34" charset="0"/>
+              <a:buChar char="•"/>
+              <a:defRPr sz="1800" kern="1200">
+                <a:solidFill>
+                  <a:schemeClr val="tx1"/>
+                </a:solidFill>
+                <a:latin typeface="+mn-lt"/>
+                <a:ea typeface="+mn-ea"/>
+                <a:cs typeface="+mn-cs"/>
+              </a:defRPr>
+            </a:lvl8pPr>
+            <a:lvl9pPr marL="3886200" indent="-228600" algn="l" defTabSz="914400" rtl="0" eaLnBrk="1" latinLnBrk="0" hangingPunct="1">
+              <a:lnSpc>
+                <a:spcPct val="90000"/>
+              </a:lnSpc>
+              <a:spcBef>
+                <a:spcPts val="500"/>
+              </a:spcBef>
+              <a:buFont typeface="Arial" panose="020B0604020202020204" pitchFamily="34" charset="0"/>
+              <a:buChar char="•"/>
+              <a:defRPr sz="1800" kern="1200">
+                <a:solidFill>
+                  <a:schemeClr val="tx1"/>
+                </a:solidFill>
+                <a:latin typeface="+mn-lt"/>
+                <a:ea typeface="+mn-ea"/>
+                <a:cs typeface="+mn-cs"/>
+              </a:defRPr>
+            </a:lvl9pPr>
+          </a:lstStyle>
+          <a:p>
+            <a:r>
+              <a:rPr lang="en-US" sz="2400" dirty="0"/>
+              <a:t>Git: A </a:t>
+            </a:r>
+            <a:r>
+              <a:rPr lang="en-US" sz="2400" b="1" dirty="0"/>
+              <a:t>distributed </a:t>
+            </a:r>
+            <a:r>
+              <a:rPr lang="en-US" sz="2400" dirty="0"/>
+              <a:t>VCS that takes ‘snapshots’ of your project.</a:t>
+            </a:r>
+          </a:p>
+          <a:p>
+            <a:r>
+              <a:rPr lang="en-US" sz="2400" dirty="0"/>
+              <a:t>GitHub: A platform to collab on repositories (project).</a:t>
+            </a:r>
           </a:p>
         </p:txBody>
       </p:sp>
     </p:spTree>
     <p:extLst>
       <p:ext uri="{BB962C8B-B14F-4D97-AF65-F5344CB8AC3E}">
-        <p14:creationId xmlns:p14="http://schemas.microsoft.com/office/powerpoint/2010/main" val="2313085239"/>
+        <p14:creationId xmlns:p14="http://schemas.microsoft.com/office/powerpoint/2010/main" val="1852513965"/>
       </p:ext>
     </p:extLst>
   </p:cSld>
@@ -20259,7 +20674,7 @@
           <a:p>
             <a:r>
               <a:rPr lang="en-US" dirty="0"/>
-              <a:t>Initializing a Repo</a:t>
+              <a:t>Basic git commands</a:t>
             </a:r>
           </a:p>
         </p:txBody>
@@ -20282,76 +20697,71 @@
         </p:nvSpPr>
         <p:spPr>
           <a:xfrm>
-            <a:off x="838200" y="1485899"/>
-            <a:ext cx="10515600" cy="4691064"/>
+            <a:off x="838200" y="1411357"/>
+            <a:ext cx="10515600" cy="4765606"/>
           </a:xfrm>
         </p:spPr>
         <p:txBody>
           <a:bodyPr/>
           <a:lstStyle/>
           <a:p>
+            <a:pPr marL="0" indent="0">
+              <a:buNone/>
+            </a:pPr>
+            <a:endParaRPr lang="en-US" dirty="0"/>
+          </a:p>
+          <a:p>
             <a:r>
               <a:rPr lang="en-US" dirty="0"/>
-              <a:t>A repository is a place to store all your project files.</a:t>
-            </a:r>
-          </a:p>
-          <a:p>
+              <a:t>git </a:t>
+            </a:r>
+            <a:r>
+              <a:rPr lang="en-US" dirty="0" err="1"/>
+              <a:t>init</a:t>
+            </a:r>
             <a:r>
               <a:rPr lang="en-US" dirty="0"/>
-              <a:t>Contains .git files (hidden) </a:t>
+              <a:t> -&gt; git add -&gt; git commit</a:t>
             </a:r>
           </a:p>
           <a:p>
             <a:r>
               <a:rPr lang="en-US" dirty="0"/>
-              <a:t>Remote repository: hosted on a server</a:t>
+              <a:t>git status</a:t>
             </a:r>
           </a:p>
           <a:p>
             <a:r>
               <a:rPr lang="en-US" dirty="0"/>
-              <a:t>Local repository: resides on a computer of someone</a:t>
-            </a:r>
+              <a:t>git log</a:t>
+            </a:r>
+          </a:p>
+          <a:p>
+            <a:endParaRPr lang="en-US" dirty="0">
+              <a:solidFill>
+                <a:schemeClr val="accent4"/>
+              </a:solidFill>
+            </a:endParaRPr>
+          </a:p>
+          <a:p>
+            <a:pPr marL="0" indent="0">
+              <a:buNone/>
+            </a:pPr>
+            <a:endParaRPr lang="en-US" dirty="0">
+              <a:solidFill>
+                <a:schemeClr val="accent4"/>
+              </a:solidFill>
+            </a:endParaRPr>
           </a:p>
           <a:p>
             <a:endParaRPr lang="en-US" dirty="0"/>
           </a:p>
         </p:txBody>
       </p:sp>
-      <p:pic>
-        <p:nvPicPr>
-          <p:cNvPr id="10" name="Picture 9" descr="Text&#10;&#10;Description automatically generated">
-            <a:extLst>
-              <a:ext uri="{FF2B5EF4-FFF2-40B4-BE49-F238E27FC236}">
-                <a16:creationId xmlns:a16="http://schemas.microsoft.com/office/drawing/2014/main" id="{7635B3C4-2DB2-421D-9486-D767960933A7}"/>
-              </a:ext>
-            </a:extLst>
-          </p:cNvPr>
-          <p:cNvPicPr>
-            <a:picLocks noChangeAspect="1"/>
-          </p:cNvPicPr>
-          <p:nvPr/>
-        </p:nvPicPr>
-        <p:blipFill>
-          <a:blip r:embed="rId3"/>
-          <a:stretch>
-            <a:fillRect/>
-          </a:stretch>
-        </p:blipFill>
-        <p:spPr>
-          <a:xfrm>
-            <a:off x="99071" y="3035343"/>
-            <a:ext cx="6748460" cy="3822657"/>
-          </a:xfrm>
-          <a:prstGeom prst="rect">
-            <a:avLst/>
-          </a:prstGeom>
-        </p:spPr>
-      </p:pic>
     </p:spTree>
     <p:extLst>
       <p:ext uri="{BB962C8B-B14F-4D97-AF65-F5344CB8AC3E}">
-        <p14:creationId xmlns:p14="http://schemas.microsoft.com/office/powerpoint/2010/main" val="3255499886"/>
+        <p14:creationId xmlns:p14="http://schemas.microsoft.com/office/powerpoint/2010/main" val="2313085239"/>
       </p:ext>
     </p:extLst>
   </p:cSld>
@@ -21153,6 +21563,23 @@
 </file>
 
 <file path=customXml/item1.xml><?xml version="1.0" encoding="utf-8"?>
+<?mso-contentType ?>
+<FormTemplates xmlns="http://schemas.microsoft.com/sharepoint/v3/contenttype/forms">
+  <Display>DocumentLibraryForm</Display>
+  <Edit>DocumentLibraryForm</Edit>
+  <New>DocumentLibraryForm</New>
+</FormTemplates>
+</file>
+
+<file path=customXml/item2.xml><?xml version="1.0" encoding="utf-8"?>
+<p:properties xmlns:p="http://schemas.microsoft.com/office/2006/metadata/properties" xmlns:xsi="http://www.w3.org/2001/XMLSchema-instance" xmlns:pc="http://schemas.microsoft.com/office/infopath/2007/PartnerControls">
+  <documentManagement>
+    <MediaServiceKeyPoints xmlns="71af3243-3dd4-4a8d-8c0d-dd76da1f02a5" xsi:nil="true"/>
+  </documentManagement>
+</p:properties>
+</file>
+
+<file path=customXml/item3.xml><?xml version="1.0" encoding="utf-8"?>
 <ct:contentTypeSchema xmlns:ct="http://schemas.microsoft.com/office/2006/metadata/contentType" xmlns:ma="http://schemas.microsoft.com/office/2006/metadata/properties/metaAttributes" ct:_="" ma:_="" ma:contentTypeName="Document" ma:contentTypeID="0x01010079F111ED35F8CC479449609E8A0923A6" ma:contentTypeVersion="11" ma:contentTypeDescription="Create a new document." ma:contentTypeScope="" ma:versionID="96291512c1ee715ab617f4c07df79fc1">
   <xsd:schema xmlns:xsd="http://www.w3.org/2001/XMLSchema" xmlns:xs="http://www.w3.org/2001/XMLSchema" xmlns:p="http://schemas.microsoft.com/office/2006/metadata/properties" xmlns:ns2="71af3243-3dd4-4a8d-8c0d-dd76da1f02a5" xmlns:ns3="16c05727-aa75-4e4a-9b5f-8a80a1165891" targetNamespace="http://schemas.microsoft.com/office/2006/metadata/properties" ma:root="true" ma:fieldsID="8256c27c40ca5c40ce1cf6c44f0205df" ns2:_="" ns3:_="">
     <xsd:import namespace="71af3243-3dd4-4a8d-8c0d-dd76da1f02a5"/>
@@ -21363,24 +21790,25 @@
 </ct:contentTypeSchema>
 </file>
 
-<file path=customXml/item2.xml><?xml version="1.0" encoding="utf-8"?>
-<?mso-contentType ?>
-<FormTemplates xmlns="http://schemas.microsoft.com/sharepoint/v3/contenttype/forms">
-  <Display>DocumentLibraryForm</Display>
-  <Edit>DocumentLibraryForm</Edit>
-  <New>DocumentLibraryForm</New>
-</FormTemplates>
+<file path=customXml/itemProps1.xml><?xml version="1.0" encoding="utf-8"?>
+<ds:datastoreItem xmlns:ds="http://schemas.openxmlformats.org/officeDocument/2006/customXml" ds:itemID="{EEDC6638-3F1D-4CA5-A167-2F719C08762F}">
+  <ds:schemaRefs>
+    <ds:schemaRef ds:uri="http://schemas.microsoft.com/sharepoint/v3/contenttype/forms"/>
+  </ds:schemaRefs>
+</ds:datastoreItem>
 </file>
 
-<file path=customXml/item3.xml><?xml version="1.0" encoding="utf-8"?>
-<p:properties xmlns:p="http://schemas.microsoft.com/office/2006/metadata/properties" xmlns:xsi="http://www.w3.org/2001/XMLSchema-instance" xmlns:pc="http://schemas.microsoft.com/office/infopath/2007/PartnerControls">
-  <documentManagement>
-    <MediaServiceKeyPoints xmlns="71af3243-3dd4-4a8d-8c0d-dd76da1f02a5" xsi:nil="true"/>
-  </documentManagement>
-</p:properties>
+<file path=customXml/itemProps2.xml><?xml version="1.0" encoding="utf-8"?>
+<ds:datastoreItem xmlns:ds="http://schemas.openxmlformats.org/officeDocument/2006/customXml" ds:itemID="{1E159ADF-C50B-4A45-AD13-B0A8152C3150}">
+  <ds:schemaRefs>
+    <ds:schemaRef ds:uri="http://schemas.microsoft.com/office/2006/metadata/properties"/>
+    <ds:schemaRef ds:uri="http://schemas.microsoft.com/office/infopath/2007/PartnerControls"/>
+    <ds:schemaRef ds:uri="71af3243-3dd4-4a8d-8c0d-dd76da1f02a5"/>
+  </ds:schemaRefs>
+</ds:datastoreItem>
 </file>
 
-<file path=customXml/itemProps1.xml><?xml version="1.0" encoding="utf-8"?>
+<file path=customXml/itemProps3.xml><?xml version="1.0" encoding="utf-8"?>
 <ds:datastoreItem xmlns:ds="http://schemas.openxmlformats.org/officeDocument/2006/customXml" ds:itemID="{95FDF6E3-4638-4FD3-B9D7-E0E63F20565C}">
   <ds:schemaRefs>
     <ds:schemaRef ds:uri="http://schemas.microsoft.com/office/2006/metadata/contentType"/>
@@ -21397,22 +21825,4 @@
     <ds:schemaRef ds:uri="http://schemas.microsoft.com/internal/obd"/>
   </ds:schemaRefs>
 </ds:datastoreItem>
-</file>
-
-<file path=customXml/itemProps2.xml><?xml version="1.0" encoding="utf-8"?>
-<ds:datastoreItem xmlns:ds="http://schemas.openxmlformats.org/officeDocument/2006/customXml" ds:itemID="{EEDC6638-3F1D-4CA5-A167-2F719C08762F}">
-  <ds:schemaRefs>
-    <ds:schemaRef ds:uri="http://schemas.microsoft.com/sharepoint/v3/contenttype/forms"/>
-  </ds:schemaRefs>
-</ds:datastoreItem>
-</file>
-
-<file path=customXml/itemProps3.xml><?xml version="1.0" encoding="utf-8"?>
-<ds:datastoreItem xmlns:ds="http://schemas.openxmlformats.org/officeDocument/2006/customXml" ds:itemID="{1E159ADF-C50B-4A45-AD13-B0A8152C3150}">
-  <ds:schemaRefs>
-    <ds:schemaRef ds:uri="http://schemas.microsoft.com/office/2006/metadata/properties"/>
-    <ds:schemaRef ds:uri="http://schemas.microsoft.com/office/infopath/2007/PartnerControls"/>
-    <ds:schemaRef ds:uri="71af3243-3dd4-4a8d-8c0d-dd76da1f02a5"/>
-  </ds:schemaRefs>
-</ds:datastoreItem>
 </file>
--- a/Git and Github.pptx
+++ b/Git and Github.pptx
@@ -265,7 +265,7 @@
           <a:p>
             <a:fld id="{33ADE46C-81A1-43FB-B8E4-2C816F921C1C}" type="datetimeFigureOut">
               <a:rPr lang="en-US" smtClean="0"/>
-              <a:t>10/6/2021</a:t>
+              <a:t>10/8/2021</a:t>
             </a:fld>
             <a:endParaRPr lang="en-US" dirty="0"/>
           </a:p>
@@ -442,7 +442,7 @@
           <a:p>
             <a:fld id="{1A32EB95-E92B-4DBE-A5E5-BAD87330878F}" type="datetimeFigureOut">
               <a:rPr lang="en-US" smtClean="0"/>
-              <a:t>10/6/2021</a:t>
+              <a:t>10/8/2021</a:t>
             </a:fld>
             <a:endParaRPr lang="en-US" dirty="0"/>
           </a:p>
@@ -3320,7 +3320,7 @@
           <a:p>
             <a:fld id="{B99A8159-6B10-4896-B6E2-2809ECD1D84D}" type="datetimeFigureOut">
               <a:rPr lang="en-US" smtClean="0"/>
-              <a:t>10/6/2021</a:t>
+              <a:t>10/8/2021</a:t>
             </a:fld>
             <a:endParaRPr lang="en-US" dirty="0"/>
           </a:p>
@@ -3732,7 +3732,7 @@
           <a:p>
             <a:fld id="{B99A8159-6B10-4896-B6E2-2809ECD1D84D}" type="datetimeFigureOut">
               <a:rPr lang="en-US" smtClean="0"/>
-              <a:t>10/6/2021</a:t>
+              <a:t>10/8/2021</a:t>
             </a:fld>
             <a:endParaRPr lang="en-US" dirty="0"/>
           </a:p>
@@ -3873,7 +3873,7 @@
           <a:p>
             <a:fld id="{B99A8159-6B10-4896-B6E2-2809ECD1D84D}" type="datetimeFigureOut">
               <a:rPr lang="en-US" smtClean="0"/>
-              <a:t>10/6/2021</a:t>
+              <a:t>10/8/2021</a:t>
             </a:fld>
             <a:endParaRPr lang="en-US" dirty="0"/>
           </a:p>
@@ -3986,7 +3986,7 @@
           <a:p>
             <a:fld id="{B99A8159-6B10-4896-B6E2-2809ECD1D84D}" type="datetimeFigureOut">
               <a:rPr lang="en-US" smtClean="0"/>
-              <a:t>10/6/2021</a:t>
+              <a:t>10/8/2021</a:t>
             </a:fld>
             <a:endParaRPr lang="en-US" dirty="0"/>
           </a:p>
@@ -4297,7 +4297,7 @@
           <a:p>
             <a:fld id="{B99A8159-6B10-4896-B6E2-2809ECD1D84D}" type="datetimeFigureOut">
               <a:rPr lang="en-US" smtClean="0"/>
-              <a:t>10/6/2021</a:t>
+              <a:t>10/8/2021</a:t>
             </a:fld>
             <a:endParaRPr lang="en-US" dirty="0"/>
           </a:p>
@@ -4589,7 +4589,7 @@
           <a:p>
             <a:fld id="{B99A8159-6B10-4896-B6E2-2809ECD1D84D}" type="datetimeFigureOut">
               <a:rPr lang="en-US" smtClean="0"/>
-              <a:t>10/6/2021</a:t>
+              <a:t>10/8/2021</a:t>
             </a:fld>
             <a:endParaRPr lang="en-US" dirty="0"/>
           </a:p>
@@ -4877,7 +4877,7 @@
           <a:p>
             <a:fld id="{B99A8159-6B10-4896-B6E2-2809ECD1D84D}" type="datetimeFigureOut">
               <a:rPr lang="en-US" smtClean="0"/>
-              <a:t>10/6/2021</a:t>
+              <a:t>10/8/2021</a:t>
             </a:fld>
             <a:endParaRPr lang="en-US" dirty="0"/>
           </a:p>
@@ -5165,7 +5165,7 @@
           <a:p>
             <a:fld id="{B99A8159-6B10-4896-B6E2-2809ECD1D84D}" type="datetimeFigureOut">
               <a:rPr lang="en-US" smtClean="0"/>
-              <a:t>10/6/2021</a:t>
+              <a:t>10/8/2021</a:t>
             </a:fld>
             <a:endParaRPr lang="en-US" dirty="0"/>
           </a:p>
@@ -5453,7 +5453,7 @@
           <a:p>
             <a:fld id="{B99A8159-6B10-4896-B6E2-2809ECD1D84D}" type="datetimeFigureOut">
               <a:rPr lang="en-US" smtClean="0"/>
-              <a:t>10/6/2021</a:t>
+              <a:t>10/8/2021</a:t>
             </a:fld>
             <a:endParaRPr lang="en-US" dirty="0"/>
           </a:p>
@@ -5741,7 +5741,7 @@
           <a:p>
             <a:fld id="{B99A8159-6B10-4896-B6E2-2809ECD1D84D}" type="datetimeFigureOut">
               <a:rPr lang="en-US" smtClean="0"/>
-              <a:t>10/6/2021</a:t>
+              <a:t>10/8/2021</a:t>
             </a:fld>
             <a:endParaRPr lang="en-US" dirty="0"/>
           </a:p>
@@ -6029,7 +6029,7 @@
           <a:p>
             <a:fld id="{B99A8159-6B10-4896-B6E2-2809ECD1D84D}" type="datetimeFigureOut">
               <a:rPr lang="en-US" smtClean="0"/>
-              <a:t>10/6/2021</a:t>
+              <a:t>10/8/2021</a:t>
             </a:fld>
             <a:endParaRPr lang="en-US" dirty="0"/>
           </a:p>
@@ -6317,7 +6317,7 @@
           <a:p>
             <a:fld id="{B99A8159-6B10-4896-B6E2-2809ECD1D84D}" type="datetimeFigureOut">
               <a:rPr lang="en-US" smtClean="0"/>
-              <a:t>10/6/2021</a:t>
+              <a:t>10/8/2021</a:t>
             </a:fld>
             <a:endParaRPr lang="en-US" dirty="0"/>
           </a:p>
@@ -6592,7 +6592,7 @@
           <a:p>
             <a:fld id="{B99A8159-6B10-4896-B6E2-2809ECD1D84D}" type="datetimeFigureOut">
               <a:rPr lang="en-US" smtClean="0"/>
-              <a:t>10/6/2021</a:t>
+              <a:t>10/8/2021</a:t>
             </a:fld>
             <a:endParaRPr lang="en-US" dirty="0"/>
           </a:p>
@@ -6857,7 +6857,7 @@
           <a:p>
             <a:fld id="{B99A8159-6B10-4896-B6E2-2809ECD1D84D}" type="datetimeFigureOut">
               <a:rPr lang="en-US" smtClean="0"/>
-              <a:t>10/6/2021</a:t>
+              <a:t>10/8/2021</a:t>
             </a:fld>
             <a:endParaRPr lang="en-US" dirty="0"/>
           </a:p>
@@ -7098,7 +7098,7 @@
           <a:p>
             <a:fld id="{B99A8159-6B10-4896-B6E2-2809ECD1D84D}" type="datetimeFigureOut">
               <a:rPr lang="en-US" smtClean="0"/>
-              <a:t>10/6/2021</a:t>
+              <a:t>10/8/2021</a:t>
             </a:fld>
             <a:endParaRPr lang="en-US" dirty="0"/>
           </a:p>
@@ -7841,7 +7841,19 @@
           <a:p>
             <a:r>
               <a:rPr lang="en-US" dirty="0"/>
-              <a:t>Contains .git files (hidden) </a:t>
+              <a:t>Contains .git </a:t>
+            </a:r>
+            <a:r>
+              <a:rPr lang="en-US" dirty="0">
+                <a:solidFill>
+                  <a:srgbClr val="AA11CB"/>
+                </a:solidFill>
+              </a:rPr>
+              <a:t>files</a:t>
+            </a:r>
+            <a:r>
+              <a:rPr lang="en-US" dirty="0"/>
+              <a:t> (hidden) </a:t>
             </a:r>
           </a:p>
           <a:p>
@@ -14289,7 +14301,7 @@
                 </a:solidFill>
                 <a:latin typeface="+mj-lt"/>
               </a:rPr>
-              <a:t>chap2</a:t>
+              <a:t>chap3</a:t>
             </a:r>
           </a:p>
         </p:txBody>
@@ -14974,7 +14986,7 @@
                 </a:solidFill>
                 <a:latin typeface="+mj-lt"/>
               </a:rPr>
-              <a:t>chap2</a:t>
+              <a:t>chap3</a:t>
             </a:r>
             <a:endParaRPr lang="en-MY" dirty="0">
               <a:solidFill>
@@ -19445,35 +19457,801 @@
           </p:txBody>
         </p:sp>
       </p:grpSp>
-      <p:pic>
-        <p:nvPicPr>
-          <p:cNvPr id="35" name="Picture 34" descr="Text&#10;&#10;Description automatically generated">
-            <a:extLst>
-              <a:ext uri="{FF2B5EF4-FFF2-40B4-BE49-F238E27FC236}">
-                <a16:creationId xmlns:a16="http://schemas.microsoft.com/office/drawing/2014/main" id="{8B42EF0D-F710-4269-ACB8-EB377386F4CB}"/>
-              </a:ext>
-            </a:extLst>
-          </p:cNvPr>
-          <p:cNvPicPr>
-            <a:picLocks noChangeAspect="1"/>
-          </p:cNvPicPr>
+      <p:grpSp>
+        <p:nvGrpSpPr>
+          <p:cNvPr id="4" name="Group 3">
+            <a:extLst>
+              <a:ext uri="{FF2B5EF4-FFF2-40B4-BE49-F238E27FC236}">
+                <a16:creationId xmlns:a16="http://schemas.microsoft.com/office/drawing/2014/main" id="{90E8E61B-5530-44DE-BE27-29CAB1AEF55F}"/>
+              </a:ext>
+            </a:extLst>
+          </p:cNvPr>
+          <p:cNvGrpSpPr/>
           <p:nvPr/>
-        </p:nvPicPr>
-        <p:blipFill rotWithShape="1">
-          <a:blip r:embed="rId4"/>
-          <a:srcRect l="6664" t="12705" r="7120" b="12875"/>
-          <a:stretch/>
-        </p:blipFill>
-        <p:spPr>
+        </p:nvGrpSpPr>
+        <p:grpSpPr>
           <a:xfrm>
-            <a:off x="693142" y="2911876"/>
-            <a:ext cx="7403294" cy="3604813"/>
+            <a:off x="838200" y="3154364"/>
+            <a:ext cx="6638925" cy="3362325"/>
+            <a:chOff x="4053016" y="1660137"/>
+            <a:chExt cx="6638925" cy="3362325"/>
           </a:xfrm>
-          <a:prstGeom prst="rect">
-            <a:avLst/>
-          </a:prstGeom>
-        </p:spPr>
-      </p:pic>
+        </p:grpSpPr>
+        <p:grpSp>
+          <p:nvGrpSpPr>
+            <p:cNvPr id="17" name="Group 16">
+              <a:extLst>
+                <a:ext uri="{FF2B5EF4-FFF2-40B4-BE49-F238E27FC236}">
+                  <a16:creationId xmlns:a16="http://schemas.microsoft.com/office/drawing/2014/main" id="{0773F586-C3F4-4B76-AA33-5C8BADBDF18A}"/>
+                </a:ext>
+              </a:extLst>
+            </p:cNvPr>
+            <p:cNvGrpSpPr/>
+            <p:nvPr/>
+          </p:nvGrpSpPr>
+          <p:grpSpPr>
+            <a:xfrm>
+              <a:off x="4053016" y="1660137"/>
+              <a:ext cx="6638925" cy="3362325"/>
+              <a:chOff x="4922031" y="978849"/>
+              <a:chExt cx="6638925" cy="3362325"/>
+            </a:xfrm>
+          </p:grpSpPr>
+          <p:sp>
+            <p:nvSpPr>
+              <p:cNvPr id="14" name="Rectangle: Rounded Corners 13">
+                <a:extLst>
+                  <a:ext uri="{FF2B5EF4-FFF2-40B4-BE49-F238E27FC236}">
+                    <a16:creationId xmlns:a16="http://schemas.microsoft.com/office/drawing/2014/main" id="{50E88637-CB61-4181-BB59-F78E063A1E57}"/>
+                  </a:ext>
+                </a:extLst>
+              </p:cNvPr>
+              <p:cNvSpPr/>
+              <p:nvPr/>
+            </p:nvSpPr>
+            <p:spPr>
+              <a:xfrm>
+                <a:off x="4922031" y="978849"/>
+                <a:ext cx="6638925" cy="3362325"/>
+              </a:xfrm>
+              <a:prstGeom prst="roundRect">
+                <a:avLst/>
+              </a:prstGeom>
+              <a:solidFill>
+                <a:srgbClr val="151718"/>
+              </a:solidFill>
+              <a:ln>
+                <a:noFill/>
+              </a:ln>
+            </p:spPr>
+            <p:style>
+              <a:lnRef idx="2">
+                <a:schemeClr val="accent1">
+                  <a:shade val="50000"/>
+                </a:schemeClr>
+              </a:lnRef>
+              <a:fillRef idx="1">
+                <a:schemeClr val="accent1"/>
+              </a:fillRef>
+              <a:effectRef idx="0">
+                <a:schemeClr val="accent1"/>
+              </a:effectRef>
+              <a:fontRef idx="minor">
+                <a:schemeClr val="lt1"/>
+              </a:fontRef>
+            </p:style>
+            <p:txBody>
+              <a:bodyPr rtlCol="0" anchor="ctr"/>
+              <a:lstStyle/>
+              <a:p>
+                <a:pPr algn="ctr"/>
+                <a:endParaRPr lang="en-MY"/>
+              </a:p>
+            </p:txBody>
+          </p:sp>
+          <p:sp>
+            <p:nvSpPr>
+              <p:cNvPr id="16" name="Oval 15">
+                <a:extLst>
+                  <a:ext uri="{FF2B5EF4-FFF2-40B4-BE49-F238E27FC236}">
+                    <a16:creationId xmlns:a16="http://schemas.microsoft.com/office/drawing/2014/main" id="{D00EE5D2-CA0D-4C5A-B46F-7AFF648D464F}"/>
+                  </a:ext>
+                </a:extLst>
+              </p:cNvPr>
+              <p:cNvSpPr/>
+              <p:nvPr/>
+            </p:nvSpPr>
+            <p:spPr>
+              <a:xfrm>
+                <a:off x="5255582" y="1192500"/>
+                <a:ext cx="180000" cy="180000"/>
+              </a:xfrm>
+              <a:prstGeom prst="ellipse">
+                <a:avLst/>
+              </a:prstGeom>
+              <a:solidFill>
+                <a:srgbClr val="FF5F56"/>
+              </a:solidFill>
+            </p:spPr>
+            <p:style>
+              <a:lnRef idx="2">
+                <a:schemeClr val="accent1">
+                  <a:shade val="50000"/>
+                </a:schemeClr>
+              </a:lnRef>
+              <a:fillRef idx="1">
+                <a:schemeClr val="accent1"/>
+              </a:fillRef>
+              <a:effectRef idx="0">
+                <a:schemeClr val="accent1"/>
+              </a:effectRef>
+              <a:fontRef idx="minor">
+                <a:schemeClr val="lt1"/>
+              </a:fontRef>
+            </p:style>
+            <p:txBody>
+              <a:bodyPr rtlCol="0" anchor="ctr"/>
+              <a:lstStyle/>
+              <a:p>
+                <a:pPr algn="ctr"/>
+                <a:endParaRPr lang="en-MY" dirty="0"/>
+              </a:p>
+            </p:txBody>
+          </p:sp>
+          <p:sp>
+            <p:nvSpPr>
+              <p:cNvPr id="18" name="Oval 17">
+                <a:extLst>
+                  <a:ext uri="{FF2B5EF4-FFF2-40B4-BE49-F238E27FC236}">
+                    <a16:creationId xmlns:a16="http://schemas.microsoft.com/office/drawing/2014/main" id="{29300F4A-C073-4CCA-B13C-59DD9F2CC5EC}"/>
+                  </a:ext>
+                </a:extLst>
+              </p:cNvPr>
+              <p:cNvSpPr/>
+              <p:nvPr/>
+            </p:nvSpPr>
+            <p:spPr>
+              <a:xfrm>
+                <a:off x="5523392" y="1192500"/>
+                <a:ext cx="180000" cy="180000"/>
+              </a:xfrm>
+              <a:prstGeom prst="ellipse">
+                <a:avLst/>
+              </a:prstGeom>
+              <a:solidFill>
+                <a:srgbClr val="FFBD2E"/>
+              </a:solidFill>
+            </p:spPr>
+            <p:style>
+              <a:lnRef idx="2">
+                <a:schemeClr val="accent1">
+                  <a:shade val="50000"/>
+                </a:schemeClr>
+              </a:lnRef>
+              <a:fillRef idx="1">
+                <a:schemeClr val="accent1"/>
+              </a:fillRef>
+              <a:effectRef idx="0">
+                <a:schemeClr val="accent1"/>
+              </a:effectRef>
+              <a:fontRef idx="minor">
+                <a:schemeClr val="lt1"/>
+              </a:fontRef>
+            </p:style>
+            <p:txBody>
+              <a:bodyPr rtlCol="0" anchor="ctr"/>
+              <a:lstStyle/>
+              <a:p>
+                <a:pPr algn="ctr"/>
+                <a:endParaRPr lang="en-MY" dirty="0"/>
+              </a:p>
+            </p:txBody>
+          </p:sp>
+          <p:sp>
+            <p:nvSpPr>
+              <p:cNvPr id="19" name="Oval 18">
+                <a:extLst>
+                  <a:ext uri="{FF2B5EF4-FFF2-40B4-BE49-F238E27FC236}">
+                    <a16:creationId xmlns:a16="http://schemas.microsoft.com/office/drawing/2014/main" id="{EC0678D9-CFED-465C-8255-D57B1362E7DD}"/>
+                  </a:ext>
+                </a:extLst>
+              </p:cNvPr>
+              <p:cNvSpPr/>
+              <p:nvPr/>
+            </p:nvSpPr>
+            <p:spPr>
+              <a:xfrm>
+                <a:off x="5791202" y="1192500"/>
+                <a:ext cx="180000" cy="180000"/>
+              </a:xfrm>
+              <a:prstGeom prst="ellipse">
+                <a:avLst/>
+              </a:prstGeom>
+              <a:solidFill>
+                <a:srgbClr val="27C93F"/>
+              </a:solidFill>
+            </p:spPr>
+            <p:style>
+              <a:lnRef idx="2">
+                <a:schemeClr val="accent1">
+                  <a:shade val="50000"/>
+                </a:schemeClr>
+              </a:lnRef>
+              <a:fillRef idx="1">
+                <a:schemeClr val="accent1"/>
+              </a:fillRef>
+              <a:effectRef idx="0">
+                <a:schemeClr val="accent1"/>
+              </a:effectRef>
+              <a:fontRef idx="minor">
+                <a:schemeClr val="lt1"/>
+              </a:fontRef>
+            </p:style>
+            <p:txBody>
+              <a:bodyPr rtlCol="0" anchor="ctr"/>
+              <a:lstStyle/>
+              <a:p>
+                <a:pPr algn="ctr"/>
+                <a:endParaRPr lang="en-MY" dirty="0"/>
+              </a:p>
+            </p:txBody>
+          </p:sp>
+        </p:grpSp>
+        <p:sp>
+          <p:nvSpPr>
+            <p:cNvPr id="20" name="TextBox 19">
+              <a:extLst>
+                <a:ext uri="{FF2B5EF4-FFF2-40B4-BE49-F238E27FC236}">
+                  <a16:creationId xmlns:a16="http://schemas.microsoft.com/office/drawing/2014/main" id="{15146E8C-C127-4468-918E-21B8CC5059DA}"/>
+                </a:ext>
+              </a:extLst>
+            </p:cNvPr>
+            <p:cNvSpPr txBox="1"/>
+            <p:nvPr/>
+          </p:nvSpPr>
+          <p:spPr>
+            <a:xfrm>
+              <a:off x="4311152" y="2298530"/>
+              <a:ext cx="5938163" cy="2208297"/>
+            </a:xfrm>
+            <a:prstGeom prst="rect">
+              <a:avLst/>
+            </a:prstGeom>
+            <a:noFill/>
+          </p:spPr>
+          <p:txBody>
+            <a:bodyPr wrap="square" rtlCol="0">
+              <a:spAutoFit/>
+            </a:bodyPr>
+            <a:lstStyle/>
+            <a:p>
+              <a:pPr>
+                <a:spcAft>
+                  <a:spcPts val="300"/>
+                </a:spcAft>
+              </a:pPr>
+              <a:r>
+                <a:rPr lang="en-MY" sz="1500" dirty="0">
+                  <a:solidFill>
+                    <a:srgbClr val="92B84F"/>
+                  </a:solidFill>
+                  <a:latin typeface="Hack" panose="020B0609030202020204" pitchFamily="49" charset="0"/>
+                  <a:ea typeface="Hack" panose="020B0609030202020204" pitchFamily="49" charset="0"/>
+                  <a:cs typeface="Hack" panose="020B0609030202020204" pitchFamily="49" charset="0"/>
+                </a:rPr>
+                <a:t>git</a:t>
+              </a:r>
+              <a:r>
+                <a:rPr lang="en-MY" sz="1500" dirty="0">
+                  <a:solidFill>
+                    <a:srgbClr val="C9CDCC"/>
+                  </a:solidFill>
+                  <a:latin typeface="Hack" panose="020B0609030202020204" pitchFamily="49" charset="0"/>
+                  <a:ea typeface="Hack" panose="020B0609030202020204" pitchFamily="49" charset="0"/>
+                  <a:cs typeface="Hack" panose="020B0609030202020204" pitchFamily="49" charset="0"/>
+                </a:rPr>
+                <a:t> config </a:t>
+              </a:r>
+              <a:r>
+                <a:rPr lang="en-MY" sz="1500" dirty="0">
+                  <a:solidFill>
+                    <a:srgbClr val="92B84F"/>
+                  </a:solidFill>
+                  <a:latin typeface="Hack" panose="020B0609030202020204" pitchFamily="49" charset="0"/>
+                  <a:ea typeface="Hack" panose="020B0609030202020204" pitchFamily="49" charset="0"/>
+                  <a:cs typeface="Hack" panose="020B0609030202020204" pitchFamily="49" charset="0"/>
+                </a:rPr>
+                <a:t>--global </a:t>
+              </a:r>
+              <a:r>
+                <a:rPr lang="en-MY" sz="1500" dirty="0">
+                  <a:solidFill>
+                    <a:srgbClr val="C9CDCC"/>
+                  </a:solidFill>
+                  <a:latin typeface="Hack" panose="020B0609030202020204" pitchFamily="49" charset="0"/>
+                  <a:ea typeface="Hack" panose="020B0609030202020204" pitchFamily="49" charset="0"/>
+                  <a:cs typeface="Hack" panose="020B0609030202020204" pitchFamily="49" charset="0"/>
+                </a:rPr>
+                <a:t>user.name </a:t>
+              </a:r>
+              <a:r>
+                <a:rPr lang="en-MY" sz="1500" dirty="0">
+                  <a:solidFill>
+                    <a:schemeClr val="accent2">
+                      <a:lumMod val="60000"/>
+                      <a:lumOff val="40000"/>
+                    </a:schemeClr>
+                  </a:solidFill>
+                  <a:latin typeface="Hack" panose="020B0609030202020204" pitchFamily="49" charset="0"/>
+                  <a:ea typeface="Hack" panose="020B0609030202020204" pitchFamily="49" charset="0"/>
+                  <a:cs typeface="Hack" panose="020B0609030202020204" pitchFamily="49" charset="0"/>
+                </a:rPr>
+                <a:t>“Name Here”</a:t>
+              </a:r>
+            </a:p>
+            <a:p>
+              <a:pPr>
+                <a:spcAft>
+                  <a:spcPts val="300"/>
+                </a:spcAft>
+              </a:pPr>
+              <a:r>
+                <a:rPr lang="en-MY" sz="1500" dirty="0">
+                  <a:solidFill>
+                    <a:srgbClr val="92B84F"/>
+                  </a:solidFill>
+                  <a:latin typeface="Hack" panose="020B0609030202020204" pitchFamily="49" charset="0"/>
+                  <a:ea typeface="Hack" panose="020B0609030202020204" pitchFamily="49" charset="0"/>
+                  <a:cs typeface="Hack" panose="020B0609030202020204" pitchFamily="49" charset="0"/>
+                </a:rPr>
+                <a:t>git</a:t>
+              </a:r>
+              <a:r>
+                <a:rPr lang="en-MY" sz="1500" dirty="0">
+                  <a:solidFill>
+                    <a:srgbClr val="C9CDCC"/>
+                  </a:solidFill>
+                  <a:latin typeface="Hack" panose="020B0609030202020204" pitchFamily="49" charset="0"/>
+                  <a:ea typeface="Hack" panose="020B0609030202020204" pitchFamily="49" charset="0"/>
+                  <a:cs typeface="Hack" panose="020B0609030202020204" pitchFamily="49" charset="0"/>
+                </a:rPr>
+                <a:t> config </a:t>
+              </a:r>
+              <a:r>
+                <a:rPr lang="en-MY" sz="1500" dirty="0">
+                  <a:solidFill>
+                    <a:srgbClr val="92B84F"/>
+                  </a:solidFill>
+                  <a:latin typeface="Hack" panose="020B0609030202020204" pitchFamily="49" charset="0"/>
+                  <a:ea typeface="Hack" panose="020B0609030202020204" pitchFamily="49" charset="0"/>
+                  <a:cs typeface="Hack" panose="020B0609030202020204" pitchFamily="49" charset="0"/>
+                </a:rPr>
+                <a:t>--global </a:t>
+              </a:r>
+              <a:r>
+                <a:rPr lang="en-MY" sz="1500" dirty="0" err="1">
+                  <a:solidFill>
+                    <a:srgbClr val="C9CDCC"/>
+                  </a:solidFill>
+                  <a:latin typeface="Hack" panose="020B0609030202020204" pitchFamily="49" charset="0"/>
+                  <a:ea typeface="Hack" panose="020B0609030202020204" pitchFamily="49" charset="0"/>
+                  <a:cs typeface="Hack" panose="020B0609030202020204" pitchFamily="49" charset="0"/>
+                </a:rPr>
+                <a:t>user.email</a:t>
+              </a:r>
+              <a:r>
+                <a:rPr lang="en-MY" sz="1500" dirty="0">
+                  <a:solidFill>
+                    <a:srgbClr val="C9CDCC"/>
+                  </a:solidFill>
+                  <a:latin typeface="Hack" panose="020B0609030202020204" pitchFamily="49" charset="0"/>
+                  <a:ea typeface="Hack" panose="020B0609030202020204" pitchFamily="49" charset="0"/>
+                  <a:cs typeface="Hack" panose="020B0609030202020204" pitchFamily="49" charset="0"/>
+                </a:rPr>
+                <a:t> </a:t>
+              </a:r>
+              <a:r>
+                <a:rPr lang="en-MY" sz="1500" dirty="0">
+                  <a:solidFill>
+                    <a:srgbClr val="C9CDCC"/>
+                  </a:solidFill>
+                  <a:latin typeface="Hack" panose="020B0609030202020204" pitchFamily="49" charset="0"/>
+                  <a:ea typeface="Hack" panose="020B0609030202020204" pitchFamily="49" charset="0"/>
+                  <a:cs typeface="Hack" panose="020B0609030202020204" pitchFamily="49" charset="0"/>
+                  <a:hlinkClick r:id="rId4">
+                    <a:extLst>
+                      <a:ext uri="{A12FA001-AC4F-418D-AE19-62706E023703}">
+                        <ahyp:hlinkClr xmlns:ahyp="http://schemas.microsoft.com/office/drawing/2018/hyperlinkcolor" val="tx"/>
+                      </a:ext>
+                    </a:extLst>
+                  </a:hlinkClick>
+                </a:rPr>
+                <a:t>email@gmail.com</a:t>
+              </a:r>
+              <a:endParaRPr lang="en-MY" sz="1500" dirty="0">
+                <a:solidFill>
+                  <a:srgbClr val="C9CDCC"/>
+                </a:solidFill>
+                <a:latin typeface="Hack" panose="020B0609030202020204" pitchFamily="49" charset="0"/>
+                <a:ea typeface="Hack" panose="020B0609030202020204" pitchFamily="49" charset="0"/>
+                <a:cs typeface="Hack" panose="020B0609030202020204" pitchFamily="49" charset="0"/>
+              </a:endParaRPr>
+            </a:p>
+            <a:p>
+              <a:pPr>
+                <a:spcAft>
+                  <a:spcPts val="300"/>
+                </a:spcAft>
+              </a:pPr>
+              <a:r>
+                <a:rPr lang="en-MY" sz="1500" dirty="0">
+                  <a:solidFill>
+                    <a:srgbClr val="92B84F"/>
+                  </a:solidFill>
+                  <a:latin typeface="Hack" panose="020B0609030202020204" pitchFamily="49" charset="0"/>
+                  <a:ea typeface="Hack" panose="020B0609030202020204" pitchFamily="49" charset="0"/>
+                  <a:cs typeface="Hack" panose="020B0609030202020204" pitchFamily="49" charset="0"/>
+                </a:rPr>
+                <a:t>git</a:t>
+              </a:r>
+              <a:r>
+                <a:rPr lang="en-MY" sz="1500" dirty="0">
+                  <a:solidFill>
+                    <a:srgbClr val="C9CDCC"/>
+                  </a:solidFill>
+                  <a:latin typeface="Hack" panose="020B0609030202020204" pitchFamily="49" charset="0"/>
+                  <a:ea typeface="Hack" panose="020B0609030202020204" pitchFamily="49" charset="0"/>
+                  <a:cs typeface="Hack" panose="020B0609030202020204" pitchFamily="49" charset="0"/>
+                </a:rPr>
+                <a:t> config </a:t>
+              </a:r>
+              <a:r>
+                <a:rPr lang="en-MY" sz="1500" dirty="0">
+                  <a:solidFill>
+                    <a:srgbClr val="92B84F"/>
+                  </a:solidFill>
+                  <a:latin typeface="Hack" panose="020B0609030202020204" pitchFamily="49" charset="0"/>
+                  <a:ea typeface="Hack" panose="020B0609030202020204" pitchFamily="49" charset="0"/>
+                  <a:cs typeface="Hack" panose="020B0609030202020204" pitchFamily="49" charset="0"/>
+                </a:rPr>
+                <a:t>--global </a:t>
+              </a:r>
+              <a:r>
+                <a:rPr lang="en-MY" sz="1500" dirty="0" err="1">
+                  <a:solidFill>
+                    <a:srgbClr val="C9CDCC"/>
+                  </a:solidFill>
+                  <a:latin typeface="Hack" panose="020B0609030202020204" pitchFamily="49" charset="0"/>
+                  <a:ea typeface="Hack" panose="020B0609030202020204" pitchFamily="49" charset="0"/>
+                  <a:cs typeface="Hack" panose="020B0609030202020204" pitchFamily="49" charset="0"/>
+                </a:rPr>
+                <a:t>core.editor</a:t>
+              </a:r>
+              <a:r>
+                <a:rPr lang="en-MY" sz="1500" dirty="0">
+                  <a:solidFill>
+                    <a:srgbClr val="C9CDCC"/>
+                  </a:solidFill>
+                  <a:latin typeface="Hack" panose="020B0609030202020204" pitchFamily="49" charset="0"/>
+                  <a:ea typeface="Hack" panose="020B0609030202020204" pitchFamily="49" charset="0"/>
+                  <a:cs typeface="Hack" panose="020B0609030202020204" pitchFamily="49" charset="0"/>
+                </a:rPr>
+                <a:t> </a:t>
+              </a:r>
+              <a:r>
+                <a:rPr lang="en-MY" sz="1500" dirty="0">
+                  <a:solidFill>
+                    <a:schemeClr val="accent2">
+                      <a:lumMod val="60000"/>
+                      <a:lumOff val="40000"/>
+                    </a:schemeClr>
+                  </a:solidFill>
+                  <a:latin typeface="Hack" panose="020B0609030202020204" pitchFamily="49" charset="0"/>
+                  <a:ea typeface="Hack" panose="020B0609030202020204" pitchFamily="49" charset="0"/>
+                  <a:cs typeface="Hack" panose="020B0609030202020204" pitchFamily="49" charset="0"/>
+                </a:rPr>
+                <a:t>“code --wait“</a:t>
+              </a:r>
+            </a:p>
+            <a:p>
+              <a:pPr>
+                <a:spcAft>
+                  <a:spcPts val="300"/>
+                </a:spcAft>
+              </a:pPr>
+              <a:r>
+                <a:rPr lang="en-MY" sz="1500" dirty="0">
+                  <a:solidFill>
+                    <a:srgbClr val="92B84F"/>
+                  </a:solidFill>
+                  <a:latin typeface="Hack" panose="020B0609030202020204" pitchFamily="49" charset="0"/>
+                  <a:ea typeface="Hack" panose="020B0609030202020204" pitchFamily="49" charset="0"/>
+                  <a:cs typeface="Hack" panose="020B0609030202020204" pitchFamily="49" charset="0"/>
+                </a:rPr>
+                <a:t>git</a:t>
+              </a:r>
+              <a:r>
+                <a:rPr lang="en-MY" sz="1500" dirty="0">
+                  <a:solidFill>
+                    <a:srgbClr val="C9CDCC"/>
+                  </a:solidFill>
+                  <a:latin typeface="Hack" panose="020B0609030202020204" pitchFamily="49" charset="0"/>
+                  <a:ea typeface="Hack" panose="020B0609030202020204" pitchFamily="49" charset="0"/>
+                  <a:cs typeface="Hack" panose="020B0609030202020204" pitchFamily="49" charset="0"/>
+                </a:rPr>
+                <a:t> config </a:t>
+              </a:r>
+              <a:r>
+                <a:rPr lang="en-MY" sz="1500" dirty="0">
+                  <a:solidFill>
+                    <a:srgbClr val="92B84F"/>
+                  </a:solidFill>
+                  <a:latin typeface="Hack" panose="020B0609030202020204" pitchFamily="49" charset="0"/>
+                  <a:ea typeface="Hack" panose="020B0609030202020204" pitchFamily="49" charset="0"/>
+                  <a:cs typeface="Hack" panose="020B0609030202020204" pitchFamily="49" charset="0"/>
+                </a:rPr>
+                <a:t>--global </a:t>
+              </a:r>
+              <a:r>
+                <a:rPr lang="en-MY" sz="1500" dirty="0" err="1">
+                  <a:solidFill>
+                    <a:srgbClr val="C9CDCC"/>
+                  </a:solidFill>
+                  <a:latin typeface="Hack" panose="020B0609030202020204" pitchFamily="49" charset="0"/>
+                  <a:ea typeface="Hack" panose="020B0609030202020204" pitchFamily="49" charset="0"/>
+                  <a:cs typeface="Hack" panose="020B0609030202020204" pitchFamily="49" charset="0"/>
+                </a:rPr>
+                <a:t>init.defaultBranch</a:t>
+              </a:r>
+              <a:r>
+                <a:rPr lang="en-MY" sz="1500" dirty="0">
+                  <a:solidFill>
+                    <a:srgbClr val="C9CDCC"/>
+                  </a:solidFill>
+                  <a:latin typeface="Hack" panose="020B0609030202020204" pitchFamily="49" charset="0"/>
+                  <a:ea typeface="Hack" panose="020B0609030202020204" pitchFamily="49" charset="0"/>
+                  <a:cs typeface="Hack" panose="020B0609030202020204" pitchFamily="49" charset="0"/>
+                </a:rPr>
+                <a:t> main</a:t>
+              </a:r>
+            </a:p>
+            <a:p>
+              <a:pPr>
+                <a:spcAft>
+                  <a:spcPts val="300"/>
+                </a:spcAft>
+              </a:pPr>
+              <a:r>
+                <a:rPr lang="en-MY" sz="1500" dirty="0">
+                  <a:solidFill>
+                    <a:srgbClr val="92B84F"/>
+                  </a:solidFill>
+                  <a:latin typeface="Hack" panose="020B0609030202020204" pitchFamily="49" charset="0"/>
+                  <a:ea typeface="Hack" panose="020B0609030202020204" pitchFamily="49" charset="0"/>
+                  <a:cs typeface="Hack" panose="020B0609030202020204" pitchFamily="49" charset="0"/>
+                </a:rPr>
+                <a:t>git</a:t>
+              </a:r>
+              <a:r>
+                <a:rPr lang="en-MY" sz="1500" dirty="0">
+                  <a:solidFill>
+                    <a:srgbClr val="C9CDCC"/>
+                  </a:solidFill>
+                  <a:latin typeface="Hack" panose="020B0609030202020204" pitchFamily="49" charset="0"/>
+                  <a:ea typeface="Hack" panose="020B0609030202020204" pitchFamily="49" charset="0"/>
+                  <a:cs typeface="Hack" panose="020B0609030202020204" pitchFamily="49" charset="0"/>
+                </a:rPr>
+                <a:t> config </a:t>
+              </a:r>
+              <a:r>
+                <a:rPr lang="en-MY" sz="1500" dirty="0">
+                  <a:solidFill>
+                    <a:srgbClr val="92B84F"/>
+                  </a:solidFill>
+                  <a:latin typeface="Hack" panose="020B0609030202020204" pitchFamily="49" charset="0"/>
+                  <a:ea typeface="Hack" panose="020B0609030202020204" pitchFamily="49" charset="0"/>
+                  <a:cs typeface="Hack" panose="020B0609030202020204" pitchFamily="49" charset="0"/>
+                </a:rPr>
+                <a:t>--global </a:t>
+              </a:r>
+              <a:r>
+                <a:rPr lang="en-MY" sz="1500" dirty="0" err="1">
+                  <a:solidFill>
+                    <a:srgbClr val="C9CDCC"/>
+                  </a:solidFill>
+                  <a:latin typeface="Hack" panose="020B0609030202020204" pitchFamily="49" charset="0"/>
+                  <a:ea typeface="Hack" panose="020B0609030202020204" pitchFamily="49" charset="0"/>
+                  <a:cs typeface="Hack" panose="020B0609030202020204" pitchFamily="49" charset="0"/>
+                </a:rPr>
+                <a:t>color.ui</a:t>
+              </a:r>
+              <a:r>
+                <a:rPr lang="en-MY" sz="1500" dirty="0">
+                  <a:solidFill>
+                    <a:srgbClr val="C9CDCC"/>
+                  </a:solidFill>
+                  <a:latin typeface="Hack" panose="020B0609030202020204" pitchFamily="49" charset="0"/>
+                  <a:ea typeface="Hack" panose="020B0609030202020204" pitchFamily="49" charset="0"/>
+                  <a:cs typeface="Hack" panose="020B0609030202020204" pitchFamily="49" charset="0"/>
+                </a:rPr>
+                <a:t> true</a:t>
+              </a:r>
+            </a:p>
+            <a:p>
+              <a:pPr>
+                <a:spcAft>
+                  <a:spcPts val="300"/>
+                </a:spcAft>
+              </a:pPr>
+              <a:endParaRPr lang="en-MY" sz="1500" dirty="0">
+                <a:solidFill>
+                  <a:srgbClr val="C9CDCC"/>
+                </a:solidFill>
+                <a:latin typeface="Hack" panose="020B0609030202020204" pitchFamily="49" charset="0"/>
+                <a:ea typeface="Hack" panose="020B0609030202020204" pitchFamily="49" charset="0"/>
+                <a:cs typeface="Hack" panose="020B0609030202020204" pitchFamily="49" charset="0"/>
+              </a:endParaRPr>
+            </a:p>
+            <a:p>
+              <a:pPr>
+                <a:spcAft>
+                  <a:spcPts val="300"/>
+                </a:spcAft>
+              </a:pPr>
+              <a:r>
+                <a:rPr lang="en-MY" sz="1500" dirty="0">
+                  <a:solidFill>
+                    <a:srgbClr val="92B84F"/>
+                  </a:solidFill>
+                  <a:latin typeface="Hack" panose="020B0609030202020204" pitchFamily="49" charset="0"/>
+                  <a:ea typeface="Hack" panose="020B0609030202020204" pitchFamily="49" charset="0"/>
+                  <a:cs typeface="Hack" panose="020B0609030202020204" pitchFamily="49" charset="0"/>
+                </a:rPr>
+                <a:t>git</a:t>
+              </a:r>
+              <a:r>
+                <a:rPr lang="en-MY" sz="1500" dirty="0">
+                  <a:solidFill>
+                    <a:srgbClr val="C9CDCC"/>
+                  </a:solidFill>
+                  <a:latin typeface="Hack" panose="020B0609030202020204" pitchFamily="49" charset="0"/>
+                  <a:ea typeface="Hack" panose="020B0609030202020204" pitchFamily="49" charset="0"/>
+                  <a:cs typeface="Hack" panose="020B0609030202020204" pitchFamily="49" charset="0"/>
+                </a:rPr>
+                <a:t> config </a:t>
+              </a:r>
+              <a:r>
+                <a:rPr lang="en-MY" sz="1500" dirty="0">
+                  <a:solidFill>
+                    <a:srgbClr val="92B84F"/>
+                  </a:solidFill>
+                  <a:latin typeface="Hack" panose="020B0609030202020204" pitchFamily="49" charset="0"/>
+                  <a:ea typeface="Hack" panose="020B0609030202020204" pitchFamily="49" charset="0"/>
+                  <a:cs typeface="Hack" panose="020B0609030202020204" pitchFamily="49" charset="0"/>
+                </a:rPr>
+                <a:t>--global</a:t>
+              </a:r>
+              <a:r>
+                <a:rPr lang="en-MY" sz="1500" dirty="0">
+                  <a:solidFill>
+                    <a:srgbClr val="C9CDCC"/>
+                  </a:solidFill>
+                  <a:latin typeface="Hack" panose="020B0609030202020204" pitchFamily="49" charset="0"/>
+                  <a:ea typeface="Hack" panose="020B0609030202020204" pitchFamily="49" charset="0"/>
+                  <a:cs typeface="Hack" panose="020B0609030202020204" pitchFamily="49" charset="0"/>
+                </a:rPr>
+                <a:t> </a:t>
+              </a:r>
+              <a:r>
+                <a:rPr lang="en-MY" sz="1500" dirty="0" err="1">
+                  <a:solidFill>
+                    <a:srgbClr val="C9CDCC"/>
+                  </a:solidFill>
+                  <a:latin typeface="Hack" panose="020B0609030202020204" pitchFamily="49" charset="0"/>
+                  <a:ea typeface="Hack" panose="020B0609030202020204" pitchFamily="49" charset="0"/>
+                  <a:cs typeface="Hack" panose="020B0609030202020204" pitchFamily="49" charset="0"/>
+                </a:rPr>
+                <a:t>core.autocrlf</a:t>
+              </a:r>
+              <a:r>
+                <a:rPr lang="en-MY" sz="1500" dirty="0">
+                  <a:solidFill>
+                    <a:srgbClr val="C9CDCC"/>
+                  </a:solidFill>
+                  <a:latin typeface="Hack" panose="020B0609030202020204" pitchFamily="49" charset="0"/>
+                  <a:ea typeface="Hack" panose="020B0609030202020204" pitchFamily="49" charset="0"/>
+                  <a:cs typeface="Hack" panose="020B0609030202020204" pitchFamily="49" charset="0"/>
+                </a:rPr>
+                <a:t> true </a:t>
+              </a:r>
+              <a:r>
+                <a:rPr lang="en-MY" sz="1500" dirty="0">
+                  <a:solidFill>
+                    <a:srgbClr val="AA11CB"/>
+                  </a:solidFill>
+                  <a:latin typeface="Hack" panose="020B0609030202020204" pitchFamily="49" charset="0"/>
+                  <a:ea typeface="Hack" panose="020B0609030202020204" pitchFamily="49" charset="0"/>
+                  <a:cs typeface="Hack" panose="020B0609030202020204" pitchFamily="49" charset="0"/>
+                </a:rPr>
+                <a:t># windows</a:t>
+              </a:r>
+            </a:p>
+            <a:p>
+              <a:pPr>
+                <a:spcAft>
+                  <a:spcPts val="300"/>
+                </a:spcAft>
+              </a:pPr>
+              <a:r>
+                <a:rPr lang="en-MY" sz="1500" dirty="0">
+                  <a:solidFill>
+                    <a:srgbClr val="92B84F"/>
+                  </a:solidFill>
+                  <a:latin typeface="Hack" panose="020B0609030202020204" pitchFamily="49" charset="0"/>
+                  <a:ea typeface="Hack" panose="020B0609030202020204" pitchFamily="49" charset="0"/>
+                  <a:cs typeface="Hack" panose="020B0609030202020204" pitchFamily="49" charset="0"/>
+                </a:rPr>
+                <a:t>git</a:t>
+              </a:r>
+              <a:r>
+                <a:rPr lang="en-MY" sz="1500" dirty="0">
+                  <a:solidFill>
+                    <a:srgbClr val="C9CDCC"/>
+                  </a:solidFill>
+                  <a:latin typeface="Hack" panose="020B0609030202020204" pitchFamily="49" charset="0"/>
+                  <a:ea typeface="Hack" panose="020B0609030202020204" pitchFamily="49" charset="0"/>
+                  <a:cs typeface="Hack" panose="020B0609030202020204" pitchFamily="49" charset="0"/>
+                </a:rPr>
+                <a:t> config </a:t>
+              </a:r>
+              <a:r>
+                <a:rPr lang="en-MY" sz="1500" dirty="0">
+                  <a:solidFill>
+                    <a:srgbClr val="92B84F"/>
+                  </a:solidFill>
+                  <a:latin typeface="Hack" panose="020B0609030202020204" pitchFamily="49" charset="0"/>
+                  <a:ea typeface="Hack" panose="020B0609030202020204" pitchFamily="49" charset="0"/>
+                  <a:cs typeface="Hack" panose="020B0609030202020204" pitchFamily="49" charset="0"/>
+                </a:rPr>
+                <a:t>--global </a:t>
+              </a:r>
+              <a:r>
+                <a:rPr lang="en-MY" sz="1500" dirty="0" err="1">
+                  <a:solidFill>
+                    <a:srgbClr val="C9CDCC"/>
+                  </a:solidFill>
+                  <a:latin typeface="Hack" panose="020B0609030202020204" pitchFamily="49" charset="0"/>
+                  <a:ea typeface="Hack" panose="020B0609030202020204" pitchFamily="49" charset="0"/>
+                  <a:cs typeface="Hack" panose="020B0609030202020204" pitchFamily="49" charset="0"/>
+                </a:rPr>
+                <a:t>core.autocrlf</a:t>
+              </a:r>
+              <a:r>
+                <a:rPr lang="en-MY" sz="1500" dirty="0">
+                  <a:solidFill>
+                    <a:srgbClr val="C9CDCC"/>
+                  </a:solidFill>
+                  <a:latin typeface="Hack" panose="020B0609030202020204" pitchFamily="49" charset="0"/>
+                  <a:ea typeface="Hack" panose="020B0609030202020204" pitchFamily="49" charset="0"/>
+                  <a:cs typeface="Hack" panose="020B0609030202020204" pitchFamily="49" charset="0"/>
+                </a:rPr>
+                <a:t> input </a:t>
+              </a:r>
+              <a:r>
+                <a:rPr lang="en-MY" sz="1500" dirty="0">
+                  <a:solidFill>
+                    <a:srgbClr val="AA11CB"/>
+                  </a:solidFill>
+                  <a:latin typeface="Hack" panose="020B0609030202020204" pitchFamily="49" charset="0"/>
+                  <a:ea typeface="Hack" panose="020B0609030202020204" pitchFamily="49" charset="0"/>
+                  <a:cs typeface="Hack" panose="020B0609030202020204" pitchFamily="49" charset="0"/>
+                </a:rPr>
+                <a:t># mac</a:t>
+              </a:r>
+            </a:p>
+          </p:txBody>
+        </p:sp>
+      </p:grpSp>
     </p:spTree>
     <p:extLst>
       <p:ext uri="{BB962C8B-B14F-4D97-AF65-F5344CB8AC3E}">

--- a/Git and Github.pptx
+++ b/Git and Github.pptx
@@ -5,52 +5,53 @@
     <p:sldMasterId id="2147483648" r:id="rId4"/>
   </p:sldMasterIdLst>
   <p:notesMasterIdLst>
-    <p:notesMasterId r:id="rId45"/>
+    <p:notesMasterId r:id="rId46"/>
   </p:notesMasterIdLst>
   <p:handoutMasterIdLst>
-    <p:handoutMasterId r:id="rId46"/>
+    <p:handoutMasterId r:id="rId47"/>
   </p:handoutMasterIdLst>
   <p:sldIdLst>
     <p:sldId id="256" r:id="rId5"/>
-    <p:sldId id="290" r:id="rId6"/>
-    <p:sldId id="292" r:id="rId7"/>
-    <p:sldId id="297" r:id="rId8"/>
-    <p:sldId id="259" r:id="rId9"/>
-    <p:sldId id="295" r:id="rId10"/>
-    <p:sldId id="263" r:id="rId11"/>
-    <p:sldId id="257" r:id="rId12"/>
-    <p:sldId id="296" r:id="rId13"/>
-    <p:sldId id="258" r:id="rId14"/>
-    <p:sldId id="261" r:id="rId15"/>
-    <p:sldId id="264" r:id="rId16"/>
-    <p:sldId id="269" r:id="rId17"/>
-    <p:sldId id="273" r:id="rId18"/>
-    <p:sldId id="280" r:id="rId19"/>
-    <p:sldId id="293" r:id="rId20"/>
-    <p:sldId id="282" r:id="rId21"/>
-    <p:sldId id="283" r:id="rId22"/>
-    <p:sldId id="288" r:id="rId23"/>
-    <p:sldId id="270" r:id="rId24"/>
-    <p:sldId id="289" r:id="rId25"/>
-    <p:sldId id="268" r:id="rId26"/>
-    <p:sldId id="267" r:id="rId27"/>
-    <p:sldId id="275" r:id="rId28"/>
-    <p:sldId id="276" r:id="rId29"/>
-    <p:sldId id="277" r:id="rId30"/>
-    <p:sldId id="278" r:id="rId31"/>
-    <p:sldId id="279" r:id="rId32"/>
-    <p:sldId id="281" r:id="rId33"/>
+    <p:sldId id="292" r:id="rId6"/>
+    <p:sldId id="297" r:id="rId7"/>
+    <p:sldId id="259" r:id="rId8"/>
+    <p:sldId id="295" r:id="rId9"/>
+    <p:sldId id="263" r:id="rId10"/>
+    <p:sldId id="257" r:id="rId11"/>
+    <p:sldId id="296" r:id="rId12"/>
+    <p:sldId id="258" r:id="rId13"/>
+    <p:sldId id="261" r:id="rId14"/>
+    <p:sldId id="264" r:id="rId15"/>
+    <p:sldId id="269" r:id="rId16"/>
+    <p:sldId id="273" r:id="rId17"/>
+    <p:sldId id="280" r:id="rId18"/>
+    <p:sldId id="293" r:id="rId19"/>
+    <p:sldId id="282" r:id="rId20"/>
+    <p:sldId id="298" r:id="rId21"/>
+    <p:sldId id="288" r:id="rId22"/>
+    <p:sldId id="299" r:id="rId23"/>
+    <p:sldId id="278" r:id="rId24"/>
+    <p:sldId id="279" r:id="rId25"/>
+    <p:sldId id="281" r:id="rId26"/>
+    <p:sldId id="300" r:id="rId27"/>
+    <p:sldId id="270" r:id="rId28"/>
+    <p:sldId id="268" r:id="rId29"/>
+    <p:sldId id="267" r:id="rId30"/>
+    <p:sldId id="275" r:id="rId31"/>
+    <p:sldId id="276" r:id="rId32"/>
+    <p:sldId id="277" r:id="rId33"/>
     <p:sldId id="286" r:id="rId34"/>
     <p:sldId id="285" r:id="rId35"/>
     <p:sldId id="284" r:id="rId36"/>
     <p:sldId id="260" r:id="rId37"/>
-    <p:sldId id="262" r:id="rId38"/>
-    <p:sldId id="291" r:id="rId39"/>
-    <p:sldId id="266" r:id="rId40"/>
-    <p:sldId id="265" r:id="rId41"/>
-    <p:sldId id="271" r:id="rId42"/>
-    <p:sldId id="274" r:id="rId43"/>
-    <p:sldId id="287" r:id="rId44"/>
+    <p:sldId id="291" r:id="rId38"/>
+    <p:sldId id="266" r:id="rId39"/>
+    <p:sldId id="265" r:id="rId40"/>
+    <p:sldId id="271" r:id="rId41"/>
+    <p:sldId id="274" r:id="rId42"/>
+    <p:sldId id="287" r:id="rId43"/>
+    <p:sldId id="283" r:id="rId44"/>
+    <p:sldId id="290" r:id="rId45"/>
   </p:sldIdLst>
   <p:sldSz cx="12192000" cy="6858000"/>
   <p:notesSz cx="6858000" cy="9144000"/>
@@ -265,7 +266,7 @@
           <a:p>
             <a:fld id="{33ADE46C-81A1-43FB-B8E4-2C816F921C1C}" type="datetimeFigureOut">
               <a:rPr lang="en-US" smtClean="0"/>
-              <a:t>10/8/2021</a:t>
+              <a:t>10/17/2021</a:t>
             </a:fld>
             <a:endParaRPr lang="en-US" dirty="0"/>
           </a:p>
@@ -442,7 +443,7 @@
           <a:p>
             <a:fld id="{1A32EB95-E92B-4DBE-A5E5-BAD87330878F}" type="datetimeFigureOut">
               <a:rPr lang="en-US" smtClean="0"/>
-              <a:t>10/8/2021</a:t>
+              <a:t>10/17/2021</a:t>
             </a:fld>
             <a:endParaRPr lang="en-US" dirty="0"/>
           </a:p>
@@ -837,7 +838,7 @@
           <a:bodyPr/>
           <a:lstStyle/>
           <a:p>
-            <a:endParaRPr lang="en-MY" dirty="0"/>
+            <a:endParaRPr lang="en-MY"/>
           </a:p>
         </p:txBody>
       </p:sp>
@@ -867,7 +868,7 @@
     </p:spTree>
     <p:extLst>
       <p:ext uri="{BB962C8B-B14F-4D97-AF65-F5344CB8AC3E}">
-        <p14:creationId xmlns:p14="http://schemas.microsoft.com/office/powerpoint/2010/main" val="3091079788"/>
+        <p14:creationId xmlns:p14="http://schemas.microsoft.com/office/powerpoint/2010/main" val="3042318795"/>
       </p:ext>
     </p:extLst>
   </p:cSld>
@@ -951,7 +952,7 @@
     </p:spTree>
     <p:extLst>
       <p:ext uri="{BB962C8B-B14F-4D97-AF65-F5344CB8AC3E}">
-        <p14:creationId xmlns:p14="http://schemas.microsoft.com/office/powerpoint/2010/main" val="3042318795"/>
+        <p14:creationId xmlns:p14="http://schemas.microsoft.com/office/powerpoint/2010/main" val="2792107645"/>
       </p:ext>
     </p:extLst>
   </p:cSld>
@@ -1035,7 +1036,7 @@
     </p:spTree>
     <p:extLst>
       <p:ext uri="{BB962C8B-B14F-4D97-AF65-F5344CB8AC3E}">
-        <p14:creationId xmlns:p14="http://schemas.microsoft.com/office/powerpoint/2010/main" val="2792107645"/>
+        <p14:creationId xmlns:p14="http://schemas.microsoft.com/office/powerpoint/2010/main" val="366419889"/>
       </p:ext>
     </p:extLst>
   </p:cSld>
@@ -1119,7 +1120,7 @@
     </p:spTree>
     <p:extLst>
       <p:ext uri="{BB962C8B-B14F-4D97-AF65-F5344CB8AC3E}">
-        <p14:creationId xmlns:p14="http://schemas.microsoft.com/office/powerpoint/2010/main" val="366419889"/>
+        <p14:creationId xmlns:p14="http://schemas.microsoft.com/office/powerpoint/2010/main" val="3576866511"/>
       </p:ext>
     </p:extLst>
   </p:cSld>
@@ -1203,7 +1204,7 @@
     </p:spTree>
     <p:extLst>
       <p:ext uri="{BB962C8B-B14F-4D97-AF65-F5344CB8AC3E}">
-        <p14:creationId xmlns:p14="http://schemas.microsoft.com/office/powerpoint/2010/main" val="3576866511"/>
+        <p14:creationId xmlns:p14="http://schemas.microsoft.com/office/powerpoint/2010/main" val="1336391628"/>
       </p:ext>
     </p:extLst>
   </p:cSld>
@@ -1287,7 +1288,7 @@
     </p:spTree>
     <p:extLst>
       <p:ext uri="{BB962C8B-B14F-4D97-AF65-F5344CB8AC3E}">
-        <p14:creationId xmlns:p14="http://schemas.microsoft.com/office/powerpoint/2010/main" val="1336391628"/>
+        <p14:creationId xmlns:p14="http://schemas.microsoft.com/office/powerpoint/2010/main" val="1227104334"/>
       </p:ext>
     </p:extLst>
   </p:cSld>
@@ -1371,7 +1372,7 @@
     </p:spTree>
     <p:extLst>
       <p:ext uri="{BB962C8B-B14F-4D97-AF65-F5344CB8AC3E}">
-        <p14:creationId xmlns:p14="http://schemas.microsoft.com/office/powerpoint/2010/main" val="1227104334"/>
+        <p14:creationId xmlns:p14="http://schemas.microsoft.com/office/powerpoint/2010/main" val="210115921"/>
       </p:ext>
     </p:extLst>
   </p:cSld>
@@ -1455,7 +1456,7 @@
     </p:spTree>
     <p:extLst>
       <p:ext uri="{BB962C8B-B14F-4D97-AF65-F5344CB8AC3E}">
-        <p14:creationId xmlns:p14="http://schemas.microsoft.com/office/powerpoint/2010/main" val="210115921"/>
+        <p14:creationId xmlns:p14="http://schemas.microsoft.com/office/powerpoint/2010/main" val="3146495447"/>
       </p:ext>
     </p:extLst>
   </p:cSld>
@@ -1530,7 +1531,7 @@
           <a:p>
             <a:fld id="{F4367C96-DDCA-4867-8F69-39EABFA21D53}" type="slidenum">
               <a:rPr lang="en-US" smtClean="0"/>
-              <a:t>19</a:t>
+              <a:t>18</a:t>
             </a:fld>
             <a:endParaRPr lang="en-US" dirty="0"/>
           </a:p>
@@ -1614,7 +1615,7 @@
           <a:p>
             <a:fld id="{F4367C96-DDCA-4867-8F69-39EABFA21D53}" type="slidenum">
               <a:rPr lang="en-US" smtClean="0"/>
-              <a:t>20</a:t>
+              <a:t>19</a:t>
             </a:fld>
             <a:endParaRPr lang="en-US" dirty="0"/>
           </a:p>
@@ -1623,7 +1624,7 @@
     </p:spTree>
     <p:extLst>
       <p:ext uri="{BB962C8B-B14F-4D97-AF65-F5344CB8AC3E}">
-        <p14:creationId xmlns:p14="http://schemas.microsoft.com/office/powerpoint/2010/main" val="117126957"/>
+        <p14:creationId xmlns:p14="http://schemas.microsoft.com/office/powerpoint/2010/main" val="910654344"/>
       </p:ext>
     </p:extLst>
   </p:cSld>
@@ -1707,7 +1708,7 @@
     </p:spTree>
     <p:extLst>
       <p:ext uri="{BB962C8B-B14F-4D97-AF65-F5344CB8AC3E}">
-        <p14:creationId xmlns:p14="http://schemas.microsoft.com/office/powerpoint/2010/main" val="2205390926"/>
+        <p14:creationId xmlns:p14="http://schemas.microsoft.com/office/powerpoint/2010/main" val="1799181344"/>
       </p:ext>
     </p:extLst>
   </p:cSld>
@@ -1782,7 +1783,7 @@
           <a:p>
             <a:fld id="{F4367C96-DDCA-4867-8F69-39EABFA21D53}" type="slidenum">
               <a:rPr lang="en-US" smtClean="0"/>
-              <a:t>21</a:t>
+              <a:t>20</a:t>
             </a:fld>
             <a:endParaRPr lang="en-US" dirty="0"/>
           </a:p>
@@ -1791,7 +1792,7 @@
     </p:spTree>
     <p:extLst>
       <p:ext uri="{BB962C8B-B14F-4D97-AF65-F5344CB8AC3E}">
-        <p14:creationId xmlns:p14="http://schemas.microsoft.com/office/powerpoint/2010/main" val="2284461147"/>
+        <p14:creationId xmlns:p14="http://schemas.microsoft.com/office/powerpoint/2010/main" val="3742640483"/>
       </p:ext>
     </p:extLst>
   </p:cSld>
@@ -1866,7 +1867,7 @@
           <a:p>
             <a:fld id="{F4367C96-DDCA-4867-8F69-39EABFA21D53}" type="slidenum">
               <a:rPr lang="en-US" smtClean="0"/>
-              <a:t>24</a:t>
+              <a:t>21</a:t>
             </a:fld>
             <a:endParaRPr lang="en-US" dirty="0"/>
           </a:p>
@@ -1875,7 +1876,7 @@
     </p:spTree>
     <p:extLst>
       <p:ext uri="{BB962C8B-B14F-4D97-AF65-F5344CB8AC3E}">
-        <p14:creationId xmlns:p14="http://schemas.microsoft.com/office/powerpoint/2010/main" val="1522652898"/>
+        <p14:creationId xmlns:p14="http://schemas.microsoft.com/office/powerpoint/2010/main" val="3447023021"/>
       </p:ext>
     </p:extLst>
   </p:cSld>
@@ -1950,7 +1951,7 @@
           <a:p>
             <a:fld id="{F4367C96-DDCA-4867-8F69-39EABFA21D53}" type="slidenum">
               <a:rPr lang="en-US" smtClean="0"/>
-              <a:t>25</a:t>
+              <a:t>22</a:t>
             </a:fld>
             <a:endParaRPr lang="en-US" dirty="0"/>
           </a:p>
@@ -1959,7 +1960,7 @@
     </p:spTree>
     <p:extLst>
       <p:ext uri="{BB962C8B-B14F-4D97-AF65-F5344CB8AC3E}">
-        <p14:creationId xmlns:p14="http://schemas.microsoft.com/office/powerpoint/2010/main" val="3933458520"/>
+        <p14:creationId xmlns:p14="http://schemas.microsoft.com/office/powerpoint/2010/main" val="4274731091"/>
       </p:ext>
     </p:extLst>
   </p:cSld>
@@ -2034,7 +2035,7 @@
           <a:p>
             <a:fld id="{F4367C96-DDCA-4867-8F69-39EABFA21D53}" type="slidenum">
               <a:rPr lang="en-US" smtClean="0"/>
-              <a:t>26</a:t>
+              <a:t>23</a:t>
             </a:fld>
             <a:endParaRPr lang="en-US" dirty="0"/>
           </a:p>
@@ -2043,7 +2044,7 @@
     </p:spTree>
     <p:extLst>
       <p:ext uri="{BB962C8B-B14F-4D97-AF65-F5344CB8AC3E}">
-        <p14:creationId xmlns:p14="http://schemas.microsoft.com/office/powerpoint/2010/main" val="2560814428"/>
+        <p14:creationId xmlns:p14="http://schemas.microsoft.com/office/powerpoint/2010/main" val="3949487349"/>
       </p:ext>
     </p:extLst>
   </p:cSld>
@@ -2097,7 +2098,7 @@
           <a:bodyPr/>
           <a:lstStyle/>
           <a:p>
-            <a:endParaRPr lang="en-MY" dirty="0"/>
+            <a:endParaRPr lang="en-MY"/>
           </a:p>
         </p:txBody>
       </p:sp>
@@ -2118,7 +2119,7 @@
           <a:p>
             <a:fld id="{F4367C96-DDCA-4867-8F69-39EABFA21D53}" type="slidenum">
               <a:rPr lang="en-US" smtClean="0"/>
-              <a:t>27</a:t>
+              <a:t>24</a:t>
             </a:fld>
             <a:endParaRPr lang="en-US" dirty="0"/>
           </a:p>
@@ -2127,7 +2128,7 @@
     </p:spTree>
     <p:extLst>
       <p:ext uri="{BB962C8B-B14F-4D97-AF65-F5344CB8AC3E}">
-        <p14:creationId xmlns:p14="http://schemas.microsoft.com/office/powerpoint/2010/main" val="3742640483"/>
+        <p14:creationId xmlns:p14="http://schemas.microsoft.com/office/powerpoint/2010/main" val="117126957"/>
       </p:ext>
     </p:extLst>
   </p:cSld>
@@ -2202,7 +2203,7 @@
           <a:p>
             <a:fld id="{F4367C96-DDCA-4867-8F69-39EABFA21D53}" type="slidenum">
               <a:rPr lang="en-US" smtClean="0"/>
-              <a:t>28</a:t>
+              <a:t>27</a:t>
             </a:fld>
             <a:endParaRPr lang="en-US" dirty="0"/>
           </a:p>
@@ -2211,7 +2212,7 @@
     </p:spTree>
     <p:extLst>
       <p:ext uri="{BB962C8B-B14F-4D97-AF65-F5344CB8AC3E}">
-        <p14:creationId xmlns:p14="http://schemas.microsoft.com/office/powerpoint/2010/main" val="3447023021"/>
+        <p14:creationId xmlns:p14="http://schemas.microsoft.com/office/powerpoint/2010/main" val="1522652898"/>
       </p:ext>
     </p:extLst>
   </p:cSld>
@@ -2286,7 +2287,7 @@
           <a:p>
             <a:fld id="{F4367C96-DDCA-4867-8F69-39EABFA21D53}" type="slidenum">
               <a:rPr lang="en-US" smtClean="0"/>
-              <a:t>29</a:t>
+              <a:t>28</a:t>
             </a:fld>
             <a:endParaRPr lang="en-US" dirty="0"/>
           </a:p>
@@ -2295,7 +2296,7 @@
     </p:spTree>
     <p:extLst>
       <p:ext uri="{BB962C8B-B14F-4D97-AF65-F5344CB8AC3E}">
-        <p14:creationId xmlns:p14="http://schemas.microsoft.com/office/powerpoint/2010/main" val="4274731091"/>
+        <p14:creationId xmlns:p14="http://schemas.microsoft.com/office/powerpoint/2010/main" val="3933458520"/>
       </p:ext>
     </p:extLst>
   </p:cSld>
@@ -2370,7 +2371,7 @@
           <a:p>
             <a:fld id="{F4367C96-DDCA-4867-8F69-39EABFA21D53}" type="slidenum">
               <a:rPr lang="en-US" smtClean="0"/>
-              <a:t>30</a:t>
+              <a:t>29</a:t>
             </a:fld>
             <a:endParaRPr lang="en-US" dirty="0"/>
           </a:p>
@@ -2379,7 +2380,7 @@
     </p:spTree>
     <p:extLst>
       <p:ext uri="{BB962C8B-B14F-4D97-AF65-F5344CB8AC3E}">
-        <p14:creationId xmlns:p14="http://schemas.microsoft.com/office/powerpoint/2010/main" val="1205285005"/>
+        <p14:creationId xmlns:p14="http://schemas.microsoft.com/office/powerpoint/2010/main" val="2560814428"/>
       </p:ext>
     </p:extLst>
   </p:cSld>
@@ -2454,7 +2455,7 @@
           <a:p>
             <a:fld id="{F4367C96-DDCA-4867-8F69-39EABFA21D53}" type="slidenum">
               <a:rPr lang="en-US" smtClean="0"/>
-              <a:t>31</a:t>
+              <a:t>30</a:t>
             </a:fld>
             <a:endParaRPr lang="en-US" dirty="0"/>
           </a:p>
@@ -2463,7 +2464,7 @@
     </p:spTree>
     <p:extLst>
       <p:ext uri="{BB962C8B-B14F-4D97-AF65-F5344CB8AC3E}">
-        <p14:creationId xmlns:p14="http://schemas.microsoft.com/office/powerpoint/2010/main" val="1322968903"/>
+        <p14:creationId xmlns:p14="http://schemas.microsoft.com/office/powerpoint/2010/main" val="1205285005"/>
       </p:ext>
     </p:extLst>
   </p:cSld>
@@ -2538,7 +2539,7 @@
           <a:p>
             <a:fld id="{F4367C96-DDCA-4867-8F69-39EABFA21D53}" type="slidenum">
               <a:rPr lang="en-US" smtClean="0"/>
-              <a:t>32</a:t>
+              <a:t>31</a:t>
             </a:fld>
             <a:endParaRPr lang="en-US" dirty="0"/>
           </a:p>
@@ -2547,7 +2548,7 @@
     </p:spTree>
     <p:extLst>
       <p:ext uri="{BB962C8B-B14F-4D97-AF65-F5344CB8AC3E}">
-        <p14:creationId xmlns:p14="http://schemas.microsoft.com/office/powerpoint/2010/main" val="1744955741"/>
+        <p14:creationId xmlns:p14="http://schemas.microsoft.com/office/powerpoint/2010/main" val="1322968903"/>
       </p:ext>
     </p:extLst>
   </p:cSld>
@@ -2631,7 +2632,175 @@
     </p:spTree>
     <p:extLst>
       <p:ext uri="{BB962C8B-B14F-4D97-AF65-F5344CB8AC3E}">
-        <p14:creationId xmlns:p14="http://schemas.microsoft.com/office/powerpoint/2010/main" val="1799181344"/>
+        <p14:creationId xmlns:p14="http://schemas.microsoft.com/office/powerpoint/2010/main" val="3191542401"/>
+      </p:ext>
+    </p:extLst>
+  </p:cSld>
+  <p:clrMapOvr>
+    <a:masterClrMapping/>
+  </p:clrMapOvr>
+</p:notes>
+</file>
+
+<file path=ppt/notesSlides/notesSlide30.xml><?xml version="1.0" encoding="utf-8"?>
+<p:notes xmlns:a="http://schemas.openxmlformats.org/drawingml/2006/main" xmlns:r="http://schemas.openxmlformats.org/officeDocument/2006/relationships" xmlns:p="http://schemas.openxmlformats.org/presentationml/2006/main">
+  <p:cSld>
+    <p:spTree>
+      <p:nvGrpSpPr>
+        <p:cNvPr id="1" name=""/>
+        <p:cNvGrpSpPr/>
+        <p:nvPr/>
+      </p:nvGrpSpPr>
+      <p:grpSpPr>
+        <a:xfrm>
+          <a:off x="0" y="0"/>
+          <a:ext cx="0" cy="0"/>
+          <a:chOff x="0" y="0"/>
+          <a:chExt cx="0" cy="0"/>
+        </a:xfrm>
+      </p:grpSpPr>
+      <p:sp>
+        <p:nvSpPr>
+          <p:cNvPr id="2" name="Slide Image Placeholder 1"/>
+          <p:cNvSpPr>
+            <a:spLocks noGrp="1" noRot="1" noChangeAspect="1"/>
+          </p:cNvSpPr>
+          <p:nvPr>
+            <p:ph type="sldImg"/>
+          </p:nvPr>
+        </p:nvSpPr>
+        <p:spPr/>
+      </p:sp>
+      <p:sp>
+        <p:nvSpPr>
+          <p:cNvPr id="3" name="Notes Placeholder 2"/>
+          <p:cNvSpPr>
+            <a:spLocks noGrp="1"/>
+          </p:cNvSpPr>
+          <p:nvPr>
+            <p:ph type="body" idx="1"/>
+          </p:nvPr>
+        </p:nvSpPr>
+        <p:spPr/>
+        <p:txBody>
+          <a:bodyPr/>
+          <a:lstStyle/>
+          <a:p>
+            <a:endParaRPr lang="en-MY" dirty="0"/>
+          </a:p>
+        </p:txBody>
+      </p:sp>
+      <p:sp>
+        <p:nvSpPr>
+          <p:cNvPr id="4" name="Slide Number Placeholder 3"/>
+          <p:cNvSpPr>
+            <a:spLocks noGrp="1"/>
+          </p:cNvSpPr>
+          <p:nvPr>
+            <p:ph type="sldNum" sz="quarter" idx="5"/>
+          </p:nvPr>
+        </p:nvSpPr>
+        <p:spPr/>
+        <p:txBody>
+          <a:bodyPr/>
+          <a:lstStyle/>
+          <a:p>
+            <a:fld id="{F4367C96-DDCA-4867-8F69-39EABFA21D53}" type="slidenum">
+              <a:rPr lang="en-US" smtClean="0"/>
+              <a:t>32</a:t>
+            </a:fld>
+            <a:endParaRPr lang="en-US" dirty="0"/>
+          </a:p>
+        </p:txBody>
+      </p:sp>
+    </p:spTree>
+    <p:extLst>
+      <p:ext uri="{BB962C8B-B14F-4D97-AF65-F5344CB8AC3E}">
+        <p14:creationId xmlns:p14="http://schemas.microsoft.com/office/powerpoint/2010/main" val="1744955741"/>
+      </p:ext>
+    </p:extLst>
+  </p:cSld>
+  <p:clrMapOvr>
+    <a:masterClrMapping/>
+  </p:clrMapOvr>
+</p:notes>
+</file>
+
+<file path=ppt/notesSlides/notesSlide31.xml><?xml version="1.0" encoding="utf-8"?>
+<p:notes xmlns:a="http://schemas.openxmlformats.org/drawingml/2006/main" xmlns:r="http://schemas.openxmlformats.org/officeDocument/2006/relationships" xmlns:p="http://schemas.openxmlformats.org/presentationml/2006/main">
+  <p:cSld>
+    <p:spTree>
+      <p:nvGrpSpPr>
+        <p:cNvPr id="1" name=""/>
+        <p:cNvGrpSpPr/>
+        <p:nvPr/>
+      </p:nvGrpSpPr>
+      <p:grpSpPr>
+        <a:xfrm>
+          <a:off x="0" y="0"/>
+          <a:ext cx="0" cy="0"/>
+          <a:chOff x="0" y="0"/>
+          <a:chExt cx="0" cy="0"/>
+        </a:xfrm>
+      </p:grpSpPr>
+      <p:sp>
+        <p:nvSpPr>
+          <p:cNvPr id="2" name="Slide Image Placeholder 1"/>
+          <p:cNvSpPr>
+            <a:spLocks noGrp="1" noRot="1" noChangeAspect="1"/>
+          </p:cNvSpPr>
+          <p:nvPr>
+            <p:ph type="sldImg"/>
+          </p:nvPr>
+        </p:nvSpPr>
+        <p:spPr/>
+      </p:sp>
+      <p:sp>
+        <p:nvSpPr>
+          <p:cNvPr id="3" name="Notes Placeholder 2"/>
+          <p:cNvSpPr>
+            <a:spLocks noGrp="1"/>
+          </p:cNvSpPr>
+          <p:nvPr>
+            <p:ph type="body" idx="1"/>
+          </p:nvPr>
+        </p:nvSpPr>
+        <p:spPr/>
+        <p:txBody>
+          <a:bodyPr/>
+          <a:lstStyle/>
+          <a:p>
+            <a:endParaRPr lang="en-MY" dirty="0"/>
+          </a:p>
+        </p:txBody>
+      </p:sp>
+      <p:sp>
+        <p:nvSpPr>
+          <p:cNvPr id="4" name="Slide Number Placeholder 3"/>
+          <p:cNvSpPr>
+            <a:spLocks noGrp="1"/>
+          </p:cNvSpPr>
+          <p:nvPr>
+            <p:ph type="sldNum" sz="quarter" idx="5"/>
+          </p:nvPr>
+        </p:nvSpPr>
+        <p:spPr/>
+        <p:txBody>
+          <a:bodyPr/>
+          <a:lstStyle/>
+          <a:p>
+            <a:fld id="{F4367C96-DDCA-4867-8F69-39EABFA21D53}" type="slidenum">
+              <a:rPr lang="en-US" smtClean="0"/>
+              <a:t>41</a:t>
+            </a:fld>
+            <a:endParaRPr lang="en-US" dirty="0"/>
+          </a:p>
+        </p:txBody>
+      </p:sp>
+    </p:spTree>
+    <p:extLst>
+      <p:ext uri="{BB962C8B-B14F-4D97-AF65-F5344CB8AC3E}">
+        <p14:creationId xmlns:p14="http://schemas.microsoft.com/office/powerpoint/2010/main" val="2205390926"/>
       </p:ext>
     </p:extLst>
   </p:cSld>
@@ -2685,7 +2854,7 @@
           <a:bodyPr/>
           <a:lstStyle/>
           <a:p>
-            <a:endParaRPr lang="en-MY" dirty="0"/>
+            <a:endParaRPr lang="en-MY"/>
           </a:p>
         </p:txBody>
       </p:sp>
@@ -2715,7 +2884,7 @@
     </p:spTree>
     <p:extLst>
       <p:ext uri="{BB962C8B-B14F-4D97-AF65-F5344CB8AC3E}">
-        <p14:creationId xmlns:p14="http://schemas.microsoft.com/office/powerpoint/2010/main" val="3191542401"/>
+        <p14:creationId xmlns:p14="http://schemas.microsoft.com/office/powerpoint/2010/main" val="1827559280"/>
       </p:ext>
     </p:extLst>
   </p:cSld>
@@ -2799,7 +2968,7 @@
     </p:spTree>
     <p:extLst>
       <p:ext uri="{BB962C8B-B14F-4D97-AF65-F5344CB8AC3E}">
-        <p14:creationId xmlns:p14="http://schemas.microsoft.com/office/powerpoint/2010/main" val="1827559280"/>
+        <p14:creationId xmlns:p14="http://schemas.microsoft.com/office/powerpoint/2010/main" val="1516177463"/>
       </p:ext>
     </p:extLst>
   </p:cSld>
@@ -2883,7 +3052,7 @@
     </p:spTree>
     <p:extLst>
       <p:ext uri="{BB962C8B-B14F-4D97-AF65-F5344CB8AC3E}">
-        <p14:creationId xmlns:p14="http://schemas.microsoft.com/office/powerpoint/2010/main" val="1516177463"/>
+        <p14:creationId xmlns:p14="http://schemas.microsoft.com/office/powerpoint/2010/main" val="2413317764"/>
       </p:ext>
     </p:extLst>
   </p:cSld>
@@ -2967,7 +3136,7 @@
     </p:spTree>
     <p:extLst>
       <p:ext uri="{BB962C8B-B14F-4D97-AF65-F5344CB8AC3E}">
-        <p14:creationId xmlns:p14="http://schemas.microsoft.com/office/powerpoint/2010/main" val="2413317764"/>
+        <p14:creationId xmlns:p14="http://schemas.microsoft.com/office/powerpoint/2010/main" val="2879884676"/>
       </p:ext>
     </p:extLst>
   </p:cSld>
@@ -3051,7 +3220,7 @@
     </p:spTree>
     <p:extLst>
       <p:ext uri="{BB962C8B-B14F-4D97-AF65-F5344CB8AC3E}">
-        <p14:creationId xmlns:p14="http://schemas.microsoft.com/office/powerpoint/2010/main" val="2879884676"/>
+        <p14:creationId xmlns:p14="http://schemas.microsoft.com/office/powerpoint/2010/main" val="803627712"/>
       </p:ext>
     </p:extLst>
   </p:cSld>
@@ -3105,7 +3274,7 @@
           <a:bodyPr/>
           <a:lstStyle/>
           <a:p>
-            <a:endParaRPr lang="en-MY"/>
+            <a:endParaRPr lang="en-MY" dirty="0"/>
           </a:p>
         </p:txBody>
       </p:sp>
@@ -3135,7 +3304,7 @@
     </p:spTree>
     <p:extLst>
       <p:ext uri="{BB962C8B-B14F-4D97-AF65-F5344CB8AC3E}">
-        <p14:creationId xmlns:p14="http://schemas.microsoft.com/office/powerpoint/2010/main" val="803627712"/>
+        <p14:creationId xmlns:p14="http://schemas.microsoft.com/office/powerpoint/2010/main" val="3091079788"/>
       </p:ext>
     </p:extLst>
   </p:cSld>
@@ -3320,7 +3489,7 @@
           <a:p>
             <a:fld id="{B99A8159-6B10-4896-B6E2-2809ECD1D84D}" type="datetimeFigureOut">
               <a:rPr lang="en-US" smtClean="0"/>
-              <a:t>10/8/2021</a:t>
+              <a:t>10/17/2021</a:t>
             </a:fld>
             <a:endParaRPr lang="en-US" dirty="0"/>
           </a:p>
@@ -3732,7 +3901,7 @@
           <a:p>
             <a:fld id="{B99A8159-6B10-4896-B6E2-2809ECD1D84D}" type="datetimeFigureOut">
               <a:rPr lang="en-US" smtClean="0"/>
-              <a:t>10/8/2021</a:t>
+              <a:t>10/17/2021</a:t>
             </a:fld>
             <a:endParaRPr lang="en-US" dirty="0"/>
           </a:p>
@@ -3873,7 +4042,7 @@
           <a:p>
             <a:fld id="{B99A8159-6B10-4896-B6E2-2809ECD1D84D}" type="datetimeFigureOut">
               <a:rPr lang="en-US" smtClean="0"/>
-              <a:t>10/8/2021</a:t>
+              <a:t>10/17/2021</a:t>
             </a:fld>
             <a:endParaRPr lang="en-US" dirty="0"/>
           </a:p>
@@ -3986,7 +4155,7 @@
           <a:p>
             <a:fld id="{B99A8159-6B10-4896-B6E2-2809ECD1D84D}" type="datetimeFigureOut">
               <a:rPr lang="en-US" smtClean="0"/>
-              <a:t>10/8/2021</a:t>
+              <a:t>10/17/2021</a:t>
             </a:fld>
             <a:endParaRPr lang="en-US" dirty="0"/>
           </a:p>
@@ -4297,7 +4466,7 @@
           <a:p>
             <a:fld id="{B99A8159-6B10-4896-B6E2-2809ECD1D84D}" type="datetimeFigureOut">
               <a:rPr lang="en-US" smtClean="0"/>
-              <a:t>10/8/2021</a:t>
+              <a:t>10/17/2021</a:t>
             </a:fld>
             <a:endParaRPr lang="en-US" dirty="0"/>
           </a:p>
@@ -4589,7 +4758,7 @@
           <a:p>
             <a:fld id="{B99A8159-6B10-4896-B6E2-2809ECD1D84D}" type="datetimeFigureOut">
               <a:rPr lang="en-US" smtClean="0"/>
-              <a:t>10/8/2021</a:t>
+              <a:t>10/17/2021</a:t>
             </a:fld>
             <a:endParaRPr lang="en-US" dirty="0"/>
           </a:p>
@@ -4877,7 +5046,7 @@
           <a:p>
             <a:fld id="{B99A8159-6B10-4896-B6E2-2809ECD1D84D}" type="datetimeFigureOut">
               <a:rPr lang="en-US" smtClean="0"/>
-              <a:t>10/8/2021</a:t>
+              <a:t>10/17/2021</a:t>
             </a:fld>
             <a:endParaRPr lang="en-US" dirty="0"/>
           </a:p>
@@ -5165,7 +5334,7 @@
           <a:p>
             <a:fld id="{B99A8159-6B10-4896-B6E2-2809ECD1D84D}" type="datetimeFigureOut">
               <a:rPr lang="en-US" smtClean="0"/>
-              <a:t>10/8/2021</a:t>
+              <a:t>10/17/2021</a:t>
             </a:fld>
             <a:endParaRPr lang="en-US" dirty="0"/>
           </a:p>
@@ -5453,7 +5622,7 @@
           <a:p>
             <a:fld id="{B99A8159-6B10-4896-B6E2-2809ECD1D84D}" type="datetimeFigureOut">
               <a:rPr lang="en-US" smtClean="0"/>
-              <a:t>10/8/2021</a:t>
+              <a:t>10/17/2021</a:t>
             </a:fld>
             <a:endParaRPr lang="en-US" dirty="0"/>
           </a:p>
@@ -5741,7 +5910,7 @@
           <a:p>
             <a:fld id="{B99A8159-6B10-4896-B6E2-2809ECD1D84D}" type="datetimeFigureOut">
               <a:rPr lang="en-US" smtClean="0"/>
-              <a:t>10/8/2021</a:t>
+              <a:t>10/17/2021</a:t>
             </a:fld>
             <a:endParaRPr lang="en-US" dirty="0"/>
           </a:p>
@@ -6029,7 +6198,7 @@
           <a:p>
             <a:fld id="{B99A8159-6B10-4896-B6E2-2809ECD1D84D}" type="datetimeFigureOut">
               <a:rPr lang="en-US" smtClean="0"/>
-              <a:t>10/8/2021</a:t>
+              <a:t>10/17/2021</a:t>
             </a:fld>
             <a:endParaRPr lang="en-US" dirty="0"/>
           </a:p>
@@ -6317,7 +6486,7 @@
           <a:p>
             <a:fld id="{B99A8159-6B10-4896-B6E2-2809ECD1D84D}" type="datetimeFigureOut">
               <a:rPr lang="en-US" smtClean="0"/>
-              <a:t>10/8/2021</a:t>
+              <a:t>10/17/2021</a:t>
             </a:fld>
             <a:endParaRPr lang="en-US" dirty="0"/>
           </a:p>
@@ -6592,7 +6761,7 @@
           <a:p>
             <a:fld id="{B99A8159-6B10-4896-B6E2-2809ECD1D84D}" type="datetimeFigureOut">
               <a:rPr lang="en-US" smtClean="0"/>
-              <a:t>10/8/2021</a:t>
+              <a:t>10/17/2021</a:t>
             </a:fld>
             <a:endParaRPr lang="en-US" dirty="0"/>
           </a:p>
@@ -6857,7 +7026,7 @@
           <a:p>
             <a:fld id="{B99A8159-6B10-4896-B6E2-2809ECD1D84D}" type="datetimeFigureOut">
               <a:rPr lang="en-US" smtClean="0"/>
-              <a:t>10/8/2021</a:t>
+              <a:t>10/17/2021</a:t>
             </a:fld>
             <a:endParaRPr lang="en-US" dirty="0"/>
           </a:p>
@@ -7098,7 +7267,7 @@
           <a:p>
             <a:fld id="{B99A8159-6B10-4896-B6E2-2809ECD1D84D}" type="datetimeFigureOut">
               <a:rPr lang="en-US" smtClean="0"/>
-              <a:t>10/8/2021</a:t>
+              <a:t>10/17/2021</a:t>
             </a:fld>
             <a:endParaRPr lang="en-US" dirty="0"/>
           </a:p>
@@ -7688,7 +7857,7 @@
         <p:spPr>
           <a:xfrm>
             <a:off x="8022454" y="2146384"/>
-            <a:ext cx="2574525" cy="920750"/>
+            <a:ext cx="2574525" cy="738859"/>
           </a:xfrm>
           <a:prstGeom prst="rect">
             <a:avLst/>
@@ -7724,18 +7893,6 @@
             <a:pPr algn="ctr"/>
             <a:r>
               <a:rPr lang="en-MY" dirty="0"/>
-              <a:t>&amp; Sign-Up on </a:t>
-            </a:r>
-            <a:r>
-              <a:rPr lang="en-MY" dirty="0" err="1"/>
-              <a:t>Github</a:t>
-            </a:r>
-            <a:endParaRPr lang="en-MY" dirty="0"/>
-          </a:p>
-          <a:p>
-            <a:pPr algn="ctr"/>
-            <a:r>
-              <a:rPr lang="en-MY" dirty="0"/>
               <a:t>(download </a:t>
             </a:r>
             <a:r>
@@ -7763,278 +7920,6 @@
 </file>
 
 <file path=ppt/slides/slide10.xml><?xml version="1.0" encoding="utf-8"?>
-<p:sld xmlns:a="http://schemas.openxmlformats.org/drawingml/2006/main" xmlns:r="http://schemas.openxmlformats.org/officeDocument/2006/relationships" xmlns:p="http://schemas.openxmlformats.org/presentationml/2006/main">
-  <p:cSld>
-    <p:spTree>
-      <p:nvGrpSpPr>
-        <p:cNvPr id="1" name=""/>
-        <p:cNvGrpSpPr/>
-        <p:nvPr/>
-      </p:nvGrpSpPr>
-      <p:grpSpPr>
-        <a:xfrm>
-          <a:off x="0" y="0"/>
-          <a:ext cx="0" cy="0"/>
-          <a:chOff x="0" y="0"/>
-          <a:chExt cx="0" cy="0"/>
-        </a:xfrm>
-      </p:grpSpPr>
-      <p:sp>
-        <p:nvSpPr>
-          <p:cNvPr id="2" name="Title 1">
-            <a:extLst>
-              <a:ext uri="{FF2B5EF4-FFF2-40B4-BE49-F238E27FC236}">
-                <a16:creationId xmlns:a16="http://schemas.microsoft.com/office/drawing/2014/main" id="{8B2AD4E1-0643-4C88-9E49-C2724AEB3568}"/>
-              </a:ext>
-            </a:extLst>
-          </p:cNvPr>
-          <p:cNvSpPr>
-            <a:spLocks noGrp="1"/>
-          </p:cNvSpPr>
-          <p:nvPr>
-            <p:ph type="title"/>
-          </p:nvPr>
-        </p:nvSpPr>
-        <p:spPr/>
-        <p:txBody>
-          <a:bodyPr/>
-          <a:lstStyle/>
-          <a:p>
-            <a:r>
-              <a:rPr lang="en-US" dirty="0"/>
-              <a:t>Initializing a Repo</a:t>
-            </a:r>
-          </a:p>
-        </p:txBody>
-      </p:sp>
-      <p:sp>
-        <p:nvSpPr>
-          <p:cNvPr id="3" name="Content Placeholder 2">
-            <a:extLst>
-              <a:ext uri="{FF2B5EF4-FFF2-40B4-BE49-F238E27FC236}">
-                <a16:creationId xmlns:a16="http://schemas.microsoft.com/office/drawing/2014/main" id="{F8D322E9-A7EC-465F-93FE-BAA394728626}"/>
-              </a:ext>
-            </a:extLst>
-          </p:cNvPr>
-          <p:cNvSpPr>
-            <a:spLocks noGrp="1"/>
-          </p:cNvSpPr>
-          <p:nvPr>
-            <p:ph idx="1"/>
-          </p:nvPr>
-        </p:nvSpPr>
-        <p:spPr>
-          <a:xfrm>
-            <a:off x="838200" y="1485899"/>
-            <a:ext cx="10515600" cy="4691064"/>
-          </a:xfrm>
-        </p:spPr>
-        <p:txBody>
-          <a:bodyPr/>
-          <a:lstStyle/>
-          <a:p>
-            <a:r>
-              <a:rPr lang="en-US" dirty="0"/>
-              <a:t>A repository is a place to store all your project files.</a:t>
-            </a:r>
-          </a:p>
-          <a:p>
-            <a:r>
-              <a:rPr lang="en-US" dirty="0"/>
-              <a:t>Contains .git </a:t>
-            </a:r>
-            <a:r>
-              <a:rPr lang="en-US" dirty="0">
-                <a:solidFill>
-                  <a:srgbClr val="AA11CB"/>
-                </a:solidFill>
-              </a:rPr>
-              <a:t>files</a:t>
-            </a:r>
-            <a:r>
-              <a:rPr lang="en-US" dirty="0"/>
-              <a:t> (hidden) </a:t>
-            </a:r>
-          </a:p>
-          <a:p>
-            <a:r>
-              <a:rPr lang="en-US" dirty="0"/>
-              <a:t>Remote repository: hosted on a server</a:t>
-            </a:r>
-          </a:p>
-          <a:p>
-            <a:r>
-              <a:rPr lang="en-US" dirty="0"/>
-              <a:t>Local repository: resides on a computer of someone</a:t>
-            </a:r>
-          </a:p>
-          <a:p>
-            <a:endParaRPr lang="en-US" dirty="0"/>
-          </a:p>
-        </p:txBody>
-      </p:sp>
-      <p:pic>
-        <p:nvPicPr>
-          <p:cNvPr id="10" name="Picture 9" descr="Text&#10;&#10;Description automatically generated">
-            <a:extLst>
-              <a:ext uri="{FF2B5EF4-FFF2-40B4-BE49-F238E27FC236}">
-                <a16:creationId xmlns:a16="http://schemas.microsoft.com/office/drawing/2014/main" id="{7635B3C4-2DB2-421D-9486-D767960933A7}"/>
-              </a:ext>
-            </a:extLst>
-          </p:cNvPr>
-          <p:cNvPicPr>
-            <a:picLocks noChangeAspect="1"/>
-          </p:cNvPicPr>
-          <p:nvPr/>
-        </p:nvPicPr>
-        <p:blipFill>
-          <a:blip r:embed="rId3"/>
-          <a:stretch>
-            <a:fillRect/>
-          </a:stretch>
-        </p:blipFill>
-        <p:spPr>
-          <a:xfrm>
-            <a:off x="99071" y="3035343"/>
-            <a:ext cx="6748460" cy="3822657"/>
-          </a:xfrm>
-          <a:prstGeom prst="rect">
-            <a:avLst/>
-          </a:prstGeom>
-        </p:spPr>
-      </p:pic>
-      <p:sp>
-        <p:nvSpPr>
-          <p:cNvPr id="5" name="Title 1">
-            <a:extLst>
-              <a:ext uri="{FF2B5EF4-FFF2-40B4-BE49-F238E27FC236}">
-                <a16:creationId xmlns:a16="http://schemas.microsoft.com/office/drawing/2014/main" id="{58836265-8F6E-4A10-BAE0-0E2B7EF4DD6A}"/>
-              </a:ext>
-            </a:extLst>
-          </p:cNvPr>
-          <p:cNvSpPr txBox="1">
-            <a:spLocks/>
-          </p:cNvSpPr>
-          <p:nvPr/>
-        </p:nvSpPr>
-        <p:spPr>
-          <a:xfrm>
-            <a:off x="3184125" y="5638685"/>
-            <a:ext cx="4691996" cy="1325563"/>
-          </a:xfrm>
-          <a:prstGeom prst="rect">
-            <a:avLst/>
-          </a:prstGeom>
-        </p:spPr>
-        <p:txBody>
-          <a:bodyPr vert="horz" lIns="91440" tIns="45720" rIns="91440" bIns="45720" rtlCol="0" anchor="ctr">
-            <a:normAutofit/>
-          </a:bodyPr>
-          <a:lstStyle>
-            <a:lvl1pPr algn="l" defTabSz="914400" rtl="0" eaLnBrk="1" latinLnBrk="0" hangingPunct="1">
-              <a:lnSpc>
-                <a:spcPct val="90000"/>
-              </a:lnSpc>
-              <a:spcBef>
-                <a:spcPct val="0"/>
-              </a:spcBef>
-              <a:buNone/>
-              <a:defRPr sz="4400" kern="1200">
-                <a:solidFill>
-                  <a:schemeClr val="bg1"/>
-                </a:solidFill>
-                <a:latin typeface="+mj-lt"/>
-                <a:ea typeface="+mj-ea"/>
-                <a:cs typeface="+mj-cs"/>
-              </a:defRPr>
-            </a:lvl1pPr>
-          </a:lstStyle>
-          <a:p>
-            <a:r>
-              <a:rPr lang="en-US" sz="2400" dirty="0">
-                <a:solidFill>
-                  <a:schemeClr val="accent4"/>
-                </a:solidFill>
-                <a:latin typeface="+mn-lt"/>
-              </a:rPr>
-              <a:t>git status (rly helpful command) </a:t>
-            </a:r>
-          </a:p>
-        </p:txBody>
-      </p:sp>
-      <p:sp>
-        <p:nvSpPr>
-          <p:cNvPr id="6" name="Title 1">
-            <a:extLst>
-              <a:ext uri="{FF2B5EF4-FFF2-40B4-BE49-F238E27FC236}">
-                <a16:creationId xmlns:a16="http://schemas.microsoft.com/office/drawing/2014/main" id="{554081AE-E25D-44A8-80B3-F3E7BC60DA81}"/>
-              </a:ext>
-            </a:extLst>
-          </p:cNvPr>
-          <p:cNvSpPr txBox="1">
-            <a:spLocks/>
-          </p:cNvSpPr>
-          <p:nvPr/>
-        </p:nvSpPr>
-        <p:spPr>
-          <a:xfrm>
-            <a:off x="6248400" y="313562"/>
-            <a:ext cx="4691996" cy="1325563"/>
-          </a:xfrm>
-          <a:prstGeom prst="rect">
-            <a:avLst/>
-          </a:prstGeom>
-        </p:spPr>
-        <p:txBody>
-          <a:bodyPr vert="horz" lIns="91440" tIns="45720" rIns="91440" bIns="45720" rtlCol="0" anchor="ctr">
-            <a:normAutofit/>
-          </a:bodyPr>
-          <a:lstStyle>
-            <a:lvl1pPr algn="l" defTabSz="914400" rtl="0" eaLnBrk="1" latinLnBrk="0" hangingPunct="1">
-              <a:lnSpc>
-                <a:spcPct val="90000"/>
-              </a:lnSpc>
-              <a:spcBef>
-                <a:spcPct val="0"/>
-              </a:spcBef>
-              <a:buNone/>
-              <a:defRPr sz="4400" kern="1200">
-                <a:solidFill>
-                  <a:schemeClr val="bg1"/>
-                </a:solidFill>
-                <a:latin typeface="+mj-lt"/>
-                <a:ea typeface="+mj-ea"/>
-                <a:cs typeface="+mj-cs"/>
-              </a:defRPr>
-            </a:lvl1pPr>
-          </a:lstStyle>
-          <a:p>
-            <a:r>
-              <a:rPr lang="en-US" sz="2800" dirty="0">
-                <a:solidFill>
-                  <a:schemeClr val="accent4"/>
-                </a:solidFill>
-                <a:latin typeface="+mn-lt"/>
-              </a:rPr>
-              <a:t>repo = repository</a:t>
-            </a:r>
-          </a:p>
-        </p:txBody>
-      </p:sp>
-    </p:spTree>
-    <p:extLst>
-      <p:ext uri="{BB962C8B-B14F-4D97-AF65-F5344CB8AC3E}">
-        <p14:creationId xmlns:p14="http://schemas.microsoft.com/office/powerpoint/2010/main" val="3255499886"/>
-      </p:ext>
-    </p:extLst>
-  </p:cSld>
-  <p:clrMapOvr>
-    <a:masterClrMapping/>
-  </p:clrMapOvr>
-</p:sld>
-</file>
-
-<file path=ppt/slides/slide11.xml><?xml version="1.0" encoding="utf-8"?>
 <p:sld xmlns:a="http://schemas.openxmlformats.org/drawingml/2006/main" xmlns:r="http://schemas.openxmlformats.org/officeDocument/2006/relationships" xmlns:p="http://schemas.openxmlformats.org/presentationml/2006/main">
   <p:cSld>
     <p:spTree>
@@ -8152,7 +8037,7 @@
 </p:sld>
 </file>
 
-<file path=ppt/slides/slide12.xml><?xml version="1.0" encoding="utf-8"?>
+<file path=ppt/slides/slide11.xml><?xml version="1.0" encoding="utf-8"?>
 <p:sld xmlns:a="http://schemas.openxmlformats.org/drawingml/2006/main" xmlns:r="http://schemas.openxmlformats.org/officeDocument/2006/relationships" xmlns:p="http://schemas.openxmlformats.org/presentationml/2006/main">
   <p:cSld>
     <p:spTree>
@@ -10508,7 +10393,7 @@
 </p:sld>
 </file>
 
-<file path=ppt/slides/slide13.xml><?xml version="1.0" encoding="utf-8"?>
+<file path=ppt/slides/slide12.xml><?xml version="1.0" encoding="utf-8"?>
 <p:sld xmlns:a="http://schemas.openxmlformats.org/drawingml/2006/main" xmlns:r="http://schemas.openxmlformats.org/officeDocument/2006/relationships" xmlns:p="http://schemas.openxmlformats.org/presentationml/2006/main">
   <p:cSld>
     <p:spTree>
@@ -10891,7 +10776,7 @@
 </p:sld>
 </file>
 
-<file path=ppt/slides/slide14.xml><?xml version="1.0" encoding="utf-8"?>
+<file path=ppt/slides/slide13.xml><?xml version="1.0" encoding="utf-8"?>
 <p:sld xmlns:a="http://schemas.openxmlformats.org/drawingml/2006/main" xmlns:r="http://schemas.openxmlformats.org/officeDocument/2006/relationships" xmlns:p="http://schemas.openxmlformats.org/presentationml/2006/main">
   <p:cSld>
     <p:spTree>
@@ -11020,7 +10905,7 @@
 </p:sld>
 </file>
 
-<file path=ppt/slides/slide15.xml><?xml version="1.0" encoding="utf-8"?>
+<file path=ppt/slides/slide14.xml><?xml version="1.0" encoding="utf-8"?>
 <p:sld xmlns:a="http://schemas.openxmlformats.org/drawingml/2006/main" xmlns:r="http://schemas.openxmlformats.org/officeDocument/2006/relationships" xmlns:p="http://schemas.openxmlformats.org/presentationml/2006/main">
   <p:cSld>
     <p:spTree>
@@ -11238,6 +11123,183 @@
 </p:sld>
 </file>
 
+<file path=ppt/slides/slide15.xml><?xml version="1.0" encoding="utf-8"?>
+<p:sld xmlns:a="http://schemas.openxmlformats.org/drawingml/2006/main" xmlns:r="http://schemas.openxmlformats.org/officeDocument/2006/relationships" xmlns:p="http://schemas.openxmlformats.org/presentationml/2006/main">
+  <p:cSld>
+    <p:spTree>
+      <p:nvGrpSpPr>
+        <p:cNvPr id="1" name=""/>
+        <p:cNvGrpSpPr/>
+        <p:nvPr/>
+      </p:nvGrpSpPr>
+      <p:grpSpPr>
+        <a:xfrm>
+          <a:off x="0" y="0"/>
+          <a:ext cx="0" cy="0"/>
+          <a:chOff x="0" y="0"/>
+          <a:chExt cx="0" cy="0"/>
+        </a:xfrm>
+      </p:grpSpPr>
+      <p:sp>
+        <p:nvSpPr>
+          <p:cNvPr id="2" name="Title 1">
+            <a:extLst>
+              <a:ext uri="{FF2B5EF4-FFF2-40B4-BE49-F238E27FC236}">
+                <a16:creationId xmlns:a16="http://schemas.microsoft.com/office/drawing/2014/main" id="{A8FC01A6-7657-4075-9DFD-F27EA0B9B657}"/>
+              </a:ext>
+            </a:extLst>
+          </p:cNvPr>
+          <p:cNvSpPr>
+            <a:spLocks noGrp="1"/>
+          </p:cNvSpPr>
+          <p:nvPr>
+            <p:ph type="title"/>
+          </p:nvPr>
+        </p:nvSpPr>
+        <p:spPr/>
+        <p:txBody>
+          <a:bodyPr/>
+          <a:lstStyle/>
+          <a:p>
+            <a:r>
+              <a:rPr lang="en-MY" dirty="0"/>
+              <a:t>Recap:</a:t>
+            </a:r>
+          </a:p>
+        </p:txBody>
+      </p:sp>
+      <p:sp>
+        <p:nvSpPr>
+          <p:cNvPr id="4" name="Content Placeholder 2">
+            <a:extLst>
+              <a:ext uri="{FF2B5EF4-FFF2-40B4-BE49-F238E27FC236}">
+                <a16:creationId xmlns:a16="http://schemas.microsoft.com/office/drawing/2014/main" id="{DC0D25E0-DDE2-42FE-961A-B0BCE886CC43}"/>
+              </a:ext>
+            </a:extLst>
+          </p:cNvPr>
+          <p:cNvSpPr>
+            <a:spLocks noGrp="1"/>
+          </p:cNvSpPr>
+          <p:nvPr>
+            <p:ph idx="1"/>
+          </p:nvPr>
+        </p:nvSpPr>
+        <p:spPr>
+          <a:xfrm>
+            <a:off x="838200" y="1842403"/>
+            <a:ext cx="10515600" cy="4351338"/>
+          </a:xfrm>
+        </p:spPr>
+        <p:txBody>
+          <a:bodyPr>
+            <a:normAutofit lnSpcReduction="10000"/>
+          </a:bodyPr>
+          <a:lstStyle/>
+          <a:p>
+            <a:pPr marL="0" indent="0">
+              <a:buNone/>
+            </a:pPr>
+            <a:r>
+              <a:rPr lang="en-US" dirty="0"/>
+              <a:t>GIT FLOW: </a:t>
+            </a:r>
+          </a:p>
+          <a:p>
+            <a:pPr marL="514350" indent="-514350">
+              <a:buAutoNum type="arabicParenR"/>
+            </a:pPr>
+            <a:r>
+              <a:rPr lang="en-US" dirty="0"/>
+              <a:t>Create project.</a:t>
+            </a:r>
+          </a:p>
+          <a:p>
+            <a:pPr marL="514350" indent="-514350">
+              <a:buAutoNum type="arabicParenR"/>
+            </a:pPr>
+            <a:r>
+              <a:rPr lang="en-US" dirty="0"/>
+              <a:t>git </a:t>
+            </a:r>
+            <a:r>
+              <a:rPr lang="en-US" dirty="0" err="1"/>
+              <a:t>init</a:t>
+            </a:r>
+            <a:r>
+              <a:rPr lang="en-US" dirty="0"/>
+              <a:t> -&gt; git add -&gt; git commit</a:t>
+            </a:r>
+          </a:p>
+          <a:p>
+            <a:pPr marL="514350" indent="-514350">
+              <a:buAutoNum type="arabicParenR"/>
+            </a:pPr>
+            <a:r>
+              <a:rPr lang="en-US" dirty="0"/>
+              <a:t>Anytime changes are made, git add -&gt; git commit</a:t>
+            </a:r>
+          </a:p>
+          <a:p>
+            <a:pPr marL="514350" indent="-514350">
+              <a:buAutoNum type="arabicParenR"/>
+            </a:pPr>
+            <a:r>
+              <a:rPr lang="en-US" dirty="0"/>
+              <a:t>Check status with git status</a:t>
+            </a:r>
+          </a:p>
+          <a:p>
+            <a:pPr marL="514350" indent="-514350">
+              <a:buAutoNum type="arabicParenR"/>
+            </a:pPr>
+            <a:r>
+              <a:rPr lang="en-US" dirty="0"/>
+              <a:t>Check commits with git log</a:t>
+            </a:r>
+          </a:p>
+          <a:p>
+            <a:pPr marL="514350" indent="-514350">
+              <a:buAutoNum type="arabicParenR"/>
+            </a:pPr>
+            <a:r>
+              <a:rPr lang="en-US" dirty="0"/>
+              <a:t>You can check differences, change to older version, undo changes</a:t>
+            </a:r>
+          </a:p>
+          <a:p>
+            <a:pPr marL="0" indent="0" algn="ctr">
+              <a:buNone/>
+            </a:pPr>
+            <a:r>
+              <a:rPr lang="en-US" dirty="0">
+                <a:solidFill>
+                  <a:schemeClr val="accent4"/>
+                </a:solidFill>
+              </a:rPr>
+              <a:t>:D any q’s?</a:t>
+            </a:r>
+          </a:p>
+          <a:p>
+            <a:pPr marL="0" indent="0">
+              <a:buNone/>
+            </a:pPr>
+            <a:endParaRPr lang="en-US" dirty="0"/>
+          </a:p>
+        </p:txBody>
+      </p:sp>
+    </p:spTree>
+    <p:extLst>
+      <p:ext uri="{BB962C8B-B14F-4D97-AF65-F5344CB8AC3E}">
+        <p14:creationId xmlns:p14="http://schemas.microsoft.com/office/powerpoint/2010/main" val="450847071"/>
+      </p:ext>
+    </p:extLst>
+  </p:cSld>
+  <p:clrMapOvr>
+    <a:masterClrMapping/>
+  </p:clrMapOvr>
+</p:sld>
+</file>
+
 <file path=ppt/slides/slide16.xml><?xml version="1.0" encoding="utf-8"?>
 <p:sld xmlns:a="http://schemas.openxmlformats.org/drawingml/2006/main" xmlns:r="http://schemas.openxmlformats.org/officeDocument/2006/relationships" xmlns:p="http://schemas.openxmlformats.org/presentationml/2006/main">
   <p:cSld>
@@ -11257,13 +11319,7 @@
       </p:grpSpPr>
       <p:sp>
         <p:nvSpPr>
-          <p:cNvPr id="2" name="Title 1">
-            <a:extLst>
-              <a:ext uri="{FF2B5EF4-FFF2-40B4-BE49-F238E27FC236}">
-                <a16:creationId xmlns:a16="http://schemas.microsoft.com/office/drawing/2014/main" id="{A8FC01A6-7657-4075-9DFD-F27EA0B9B657}"/>
-              </a:ext>
-            </a:extLst>
-          </p:cNvPr>
+          <p:cNvPr id="2" name="Title 1"/>
           <p:cNvSpPr>
             <a:spLocks noGrp="1"/>
           </p:cNvSpPr>
@@ -11271,27 +11327,26 @@
             <p:ph type="title"/>
           </p:nvPr>
         </p:nvSpPr>
-        <p:spPr/>
+        <p:spPr>
+          <a:xfrm>
+            <a:off x="838200" y="110002"/>
+            <a:ext cx="8334376" cy="1325563"/>
+          </a:xfrm>
+        </p:spPr>
         <p:txBody>
           <a:bodyPr/>
           <a:lstStyle/>
           <a:p>
             <a:r>
-              <a:rPr lang="en-MY" dirty="0"/>
-              <a:t>Recap:</a:t>
-            </a:r>
-          </a:p>
-        </p:txBody>
-      </p:sp>
-      <p:sp>
-        <p:nvSpPr>
-          <p:cNvPr id="4" name="Content Placeholder 2">
-            <a:extLst>
-              <a:ext uri="{FF2B5EF4-FFF2-40B4-BE49-F238E27FC236}">
-                <a16:creationId xmlns:a16="http://schemas.microsoft.com/office/drawing/2014/main" id="{DC0D25E0-DDE2-42FE-961A-B0BCE886CC43}"/>
-              </a:ext>
-            </a:extLst>
-          </p:cNvPr>
+              <a:rPr lang="en-US" dirty="0"/>
+              <a:t>Collaboration</a:t>
+            </a:r>
+          </a:p>
+        </p:txBody>
+      </p:sp>
+      <p:sp>
+        <p:nvSpPr>
+          <p:cNvPr id="3" name="Content Placeholder 2"/>
           <p:cNvSpPr>
             <a:spLocks noGrp="1"/>
           </p:cNvSpPr>
@@ -11306,189 +11361,28 @@
           </a:xfrm>
         </p:spPr>
         <p:txBody>
-          <a:bodyPr>
-            <a:normAutofit/>
-          </a:bodyPr>
-          <a:lstStyle/>
-          <a:p>
-            <a:pPr marL="0" indent="0">
-              <a:buNone/>
-            </a:pPr>
-            <a:r>
-              <a:rPr lang="en-US" dirty="0"/>
-              <a:t>GIT FLOW: </a:t>
-            </a:r>
-          </a:p>
-          <a:p>
-            <a:pPr marL="514350" indent="-514350">
-              <a:buAutoNum type="arabicParenR"/>
-            </a:pPr>
-            <a:r>
-              <a:rPr lang="en-US" dirty="0"/>
-              <a:t>Create project.</a:t>
-            </a:r>
-          </a:p>
-          <a:p>
-            <a:pPr marL="514350" indent="-514350">
-              <a:buAutoNum type="arabicParenR"/>
-            </a:pPr>
-            <a:r>
-              <a:rPr lang="en-US" dirty="0"/>
-              <a:t>git </a:t>
-            </a:r>
-            <a:r>
-              <a:rPr lang="en-US" dirty="0" err="1"/>
-              <a:t>init</a:t>
-            </a:r>
-            <a:r>
-              <a:rPr lang="en-US" dirty="0"/>
-              <a:t> -&gt; git add -&gt; git commit</a:t>
-            </a:r>
-          </a:p>
-          <a:p>
-            <a:pPr marL="514350" indent="-514350">
-              <a:buAutoNum type="arabicParenR"/>
-            </a:pPr>
-            <a:r>
-              <a:rPr lang="en-US" dirty="0"/>
-              <a:t>Check status with git status</a:t>
-            </a:r>
-          </a:p>
-          <a:p>
-            <a:pPr marL="514350" indent="-514350">
-              <a:buAutoNum type="arabicParenR"/>
-            </a:pPr>
-            <a:r>
-              <a:rPr lang="en-US" dirty="0"/>
-              <a:t>Check commits with git log</a:t>
-            </a:r>
-          </a:p>
-          <a:p>
-            <a:pPr marL="514350" indent="-514350">
-              <a:buAutoNum type="arabicParenR"/>
-            </a:pPr>
-            <a:r>
-              <a:rPr lang="en-US" dirty="0"/>
-              <a:t>You can check differences, change to older version, undo changes</a:t>
-            </a:r>
-          </a:p>
-          <a:p>
-            <a:pPr marL="0" indent="0" algn="ctr">
-              <a:buNone/>
-            </a:pPr>
-            <a:r>
-              <a:rPr lang="en-US" dirty="0">
-                <a:solidFill>
-                  <a:schemeClr val="accent4"/>
-                </a:solidFill>
-              </a:rPr>
-              <a:t>:D any q’s?</a:t>
-            </a:r>
-          </a:p>
-          <a:p>
-            <a:pPr marL="0" indent="0">
-              <a:buNone/>
-            </a:pPr>
-            <a:endParaRPr lang="en-US" dirty="0"/>
-          </a:p>
-        </p:txBody>
-      </p:sp>
-    </p:spTree>
-    <p:extLst>
-      <p:ext uri="{BB962C8B-B14F-4D97-AF65-F5344CB8AC3E}">
-        <p14:creationId xmlns:p14="http://schemas.microsoft.com/office/powerpoint/2010/main" val="450847071"/>
-      </p:ext>
-    </p:extLst>
-  </p:cSld>
-  <p:clrMapOvr>
-    <a:masterClrMapping/>
-  </p:clrMapOvr>
-</p:sld>
-</file>
-
-<file path=ppt/slides/slide17.xml><?xml version="1.0" encoding="utf-8"?>
-<p:sld xmlns:a="http://schemas.openxmlformats.org/drawingml/2006/main" xmlns:r="http://schemas.openxmlformats.org/officeDocument/2006/relationships" xmlns:p="http://schemas.openxmlformats.org/presentationml/2006/main">
-  <p:cSld>
-    <p:spTree>
-      <p:nvGrpSpPr>
-        <p:cNvPr id="1" name=""/>
-        <p:cNvGrpSpPr/>
-        <p:nvPr/>
-      </p:nvGrpSpPr>
-      <p:grpSpPr>
-        <a:xfrm>
-          <a:off x="0" y="0"/>
-          <a:ext cx="0" cy="0"/>
-          <a:chOff x="0" y="0"/>
-          <a:chExt cx="0" cy="0"/>
-        </a:xfrm>
-      </p:grpSpPr>
-      <p:sp>
-        <p:nvSpPr>
-          <p:cNvPr id="2" name="Title 1"/>
-          <p:cNvSpPr>
-            <a:spLocks noGrp="1"/>
-          </p:cNvSpPr>
-          <p:nvPr>
-            <p:ph type="title"/>
-          </p:nvPr>
-        </p:nvSpPr>
-        <p:spPr>
-          <a:xfrm>
-            <a:off x="838200" y="110002"/>
-            <a:ext cx="8334376" cy="1325563"/>
-          </a:xfrm>
-        </p:spPr>
-        <p:txBody>
           <a:bodyPr/>
           <a:lstStyle/>
           <a:p>
             <a:r>
               <a:rPr lang="en-US" dirty="0"/>
-              <a:t>Collaboration</a:t>
-            </a:r>
-          </a:p>
-        </p:txBody>
-      </p:sp>
-      <p:sp>
-        <p:nvSpPr>
-          <p:cNvPr id="3" name="Content Placeholder 2"/>
-          <p:cNvSpPr>
-            <a:spLocks noGrp="1"/>
-          </p:cNvSpPr>
-          <p:nvPr>
-            <p:ph idx="1"/>
-          </p:nvPr>
-        </p:nvSpPr>
-        <p:spPr>
-          <a:xfrm>
-            <a:off x="838200" y="1842403"/>
-            <a:ext cx="10515600" cy="4351338"/>
-          </a:xfrm>
-        </p:spPr>
-        <p:txBody>
-          <a:bodyPr/>
-          <a:lstStyle/>
-          <a:p>
-            <a:r>
-              <a:rPr lang="en-US" dirty="0"/>
               <a:t>Now, you want to collaboratively write a book.</a:t>
             </a:r>
           </a:p>
           <a:p>
             <a:r>
-              <a:rPr lang="en-MY" dirty="0"/>
+              <a:rPr lang="en-MY" u="sng" dirty="0"/>
               <a:t>Register an account on </a:t>
             </a:r>
             <a:r>
-              <a:rPr lang="en-MY" dirty="0" err="1"/>
+              <a:rPr lang="en-MY" u="sng" dirty="0" err="1"/>
               <a:t>Github</a:t>
             </a:r>
             <a:r>
-              <a:rPr lang="en-MY" dirty="0"/>
+              <a:rPr lang="en-MY" u="sng" dirty="0"/>
               <a:t>!</a:t>
             </a:r>
-            <a:endParaRPr lang="en-US" dirty="0"/>
+            <a:endParaRPr lang="en-US" u="sng" dirty="0"/>
           </a:p>
           <a:p>
             <a:pPr marL="0" indent="0">
@@ -12105,6 +11999,458 @@
 </p:sld>
 </file>
 
+<file path=ppt/slides/slide17.xml><?xml version="1.0" encoding="utf-8"?>
+<p:sld xmlns:a="http://schemas.openxmlformats.org/drawingml/2006/main" xmlns:r="http://schemas.openxmlformats.org/officeDocument/2006/relationships" xmlns:p="http://schemas.openxmlformats.org/presentationml/2006/main">
+  <p:cSld>
+    <p:spTree>
+      <p:nvGrpSpPr>
+        <p:cNvPr id="1" name=""/>
+        <p:cNvGrpSpPr/>
+        <p:nvPr/>
+      </p:nvGrpSpPr>
+      <p:grpSpPr>
+        <a:xfrm>
+          <a:off x="0" y="0"/>
+          <a:ext cx="0" cy="0"/>
+          <a:chOff x="0" y="0"/>
+          <a:chExt cx="0" cy="0"/>
+        </a:xfrm>
+      </p:grpSpPr>
+      <p:sp>
+        <p:nvSpPr>
+          <p:cNvPr id="2" name="Title 1"/>
+          <p:cNvSpPr>
+            <a:spLocks noGrp="1"/>
+          </p:cNvSpPr>
+          <p:nvPr>
+            <p:ph type="title"/>
+          </p:nvPr>
+        </p:nvSpPr>
+        <p:spPr>
+          <a:xfrm>
+            <a:off x="838200" y="110002"/>
+            <a:ext cx="9424386" cy="1325563"/>
+          </a:xfrm>
+        </p:spPr>
+        <p:txBody>
+          <a:bodyPr/>
+          <a:lstStyle/>
+          <a:p>
+            <a:r>
+              <a:rPr lang="en-US" dirty="0"/>
+              <a:t>First, lets push our project to GitHub</a:t>
+            </a:r>
+          </a:p>
+        </p:txBody>
+      </p:sp>
+      <p:sp>
+        <p:nvSpPr>
+          <p:cNvPr id="3" name="Content Placeholder 2"/>
+          <p:cNvSpPr>
+            <a:spLocks noGrp="1"/>
+          </p:cNvSpPr>
+          <p:nvPr>
+            <p:ph idx="1"/>
+          </p:nvPr>
+        </p:nvSpPr>
+        <p:spPr>
+          <a:xfrm>
+            <a:off x="838200" y="1864311"/>
+            <a:ext cx="10515600" cy="4329430"/>
+          </a:xfrm>
+        </p:spPr>
+        <p:txBody>
+          <a:bodyPr/>
+          <a:lstStyle/>
+          <a:p>
+            <a:pPr marL="0" indent="0">
+              <a:buNone/>
+            </a:pPr>
+            <a:r>
+              <a:rPr lang="en-US" dirty="0"/>
+              <a:t>1) Create remote repo</a:t>
+            </a:r>
+          </a:p>
+          <a:p>
+            <a:pPr marL="0" indent="0">
+              <a:buNone/>
+            </a:pPr>
+            <a:r>
+              <a:rPr lang="en-US" dirty="0"/>
+              <a:t>2) git push</a:t>
+            </a:r>
+          </a:p>
+          <a:p>
+            <a:pPr marL="0" indent="0">
+              <a:buNone/>
+            </a:pPr>
+            <a:endParaRPr lang="en-US" dirty="0"/>
+          </a:p>
+          <a:p>
+            <a:pPr marL="0" indent="0">
+              <a:buNone/>
+            </a:pPr>
+            <a:endParaRPr lang="en-US" dirty="0"/>
+          </a:p>
+        </p:txBody>
+      </p:sp>
+      <p:grpSp>
+        <p:nvGrpSpPr>
+          <p:cNvPr id="6" name="Group 5">
+            <a:extLst>
+              <a:ext uri="{FF2B5EF4-FFF2-40B4-BE49-F238E27FC236}">
+                <a16:creationId xmlns:a16="http://schemas.microsoft.com/office/drawing/2014/main" id="{8C3AAF33-25E7-4581-8B1D-CC671B7F4864}"/>
+              </a:ext>
+            </a:extLst>
+          </p:cNvPr>
+          <p:cNvGrpSpPr/>
+          <p:nvPr/>
+        </p:nvGrpSpPr>
+        <p:grpSpPr>
+          <a:xfrm>
+            <a:off x="838200" y="3269202"/>
+            <a:ext cx="6196298" cy="1382126"/>
+            <a:chOff x="4053017" y="1660138"/>
+            <a:chExt cx="6196298" cy="1382126"/>
+          </a:xfrm>
+        </p:grpSpPr>
+        <p:grpSp>
+          <p:nvGrpSpPr>
+            <p:cNvPr id="7" name="Group 6">
+              <a:extLst>
+                <a:ext uri="{FF2B5EF4-FFF2-40B4-BE49-F238E27FC236}">
+                  <a16:creationId xmlns:a16="http://schemas.microsoft.com/office/drawing/2014/main" id="{8BFCFDC2-86D7-4B0E-879E-01956598CAF2}"/>
+                </a:ext>
+              </a:extLst>
+            </p:cNvPr>
+            <p:cNvGrpSpPr/>
+            <p:nvPr/>
+          </p:nvGrpSpPr>
+          <p:grpSpPr>
+            <a:xfrm>
+              <a:off x="4053017" y="1660138"/>
+              <a:ext cx="3964620" cy="1382126"/>
+              <a:chOff x="4922032" y="978850"/>
+              <a:chExt cx="3964620" cy="1382126"/>
+            </a:xfrm>
+          </p:grpSpPr>
+          <p:sp>
+            <p:nvSpPr>
+              <p:cNvPr id="9" name="Rectangle: Rounded Corners 8">
+                <a:extLst>
+                  <a:ext uri="{FF2B5EF4-FFF2-40B4-BE49-F238E27FC236}">
+                    <a16:creationId xmlns:a16="http://schemas.microsoft.com/office/drawing/2014/main" id="{545A987E-07C0-436C-BF6E-04FB79ACC518}"/>
+                  </a:ext>
+                </a:extLst>
+              </p:cNvPr>
+              <p:cNvSpPr/>
+              <p:nvPr/>
+            </p:nvSpPr>
+            <p:spPr>
+              <a:xfrm>
+                <a:off x="4922032" y="978850"/>
+                <a:ext cx="3964620" cy="1382126"/>
+              </a:xfrm>
+              <a:prstGeom prst="roundRect">
+                <a:avLst/>
+              </a:prstGeom>
+              <a:solidFill>
+                <a:srgbClr val="151718"/>
+              </a:solidFill>
+              <a:ln>
+                <a:noFill/>
+              </a:ln>
+            </p:spPr>
+            <p:style>
+              <a:lnRef idx="2">
+                <a:schemeClr val="accent1">
+                  <a:shade val="50000"/>
+                </a:schemeClr>
+              </a:lnRef>
+              <a:fillRef idx="1">
+                <a:schemeClr val="accent1"/>
+              </a:fillRef>
+              <a:effectRef idx="0">
+                <a:schemeClr val="accent1"/>
+              </a:effectRef>
+              <a:fontRef idx="minor">
+                <a:schemeClr val="lt1"/>
+              </a:fontRef>
+            </p:style>
+            <p:txBody>
+              <a:bodyPr rtlCol="0" anchor="ctr"/>
+              <a:lstStyle/>
+              <a:p>
+                <a:pPr algn="ctr"/>
+                <a:endParaRPr lang="en-MY" dirty="0"/>
+              </a:p>
+            </p:txBody>
+          </p:sp>
+          <p:sp>
+            <p:nvSpPr>
+              <p:cNvPr id="10" name="Oval 9">
+                <a:extLst>
+                  <a:ext uri="{FF2B5EF4-FFF2-40B4-BE49-F238E27FC236}">
+                    <a16:creationId xmlns:a16="http://schemas.microsoft.com/office/drawing/2014/main" id="{69BF223A-1D80-428D-8D69-2FA19EF362D9}"/>
+                  </a:ext>
+                </a:extLst>
+              </p:cNvPr>
+              <p:cNvSpPr/>
+              <p:nvPr/>
+            </p:nvSpPr>
+            <p:spPr>
+              <a:xfrm>
+                <a:off x="5255582" y="1192500"/>
+                <a:ext cx="180000" cy="180000"/>
+              </a:xfrm>
+              <a:prstGeom prst="ellipse">
+                <a:avLst/>
+              </a:prstGeom>
+              <a:solidFill>
+                <a:srgbClr val="FF5F56"/>
+              </a:solidFill>
+            </p:spPr>
+            <p:style>
+              <a:lnRef idx="2">
+                <a:schemeClr val="accent1">
+                  <a:shade val="50000"/>
+                </a:schemeClr>
+              </a:lnRef>
+              <a:fillRef idx="1">
+                <a:schemeClr val="accent1"/>
+              </a:fillRef>
+              <a:effectRef idx="0">
+                <a:schemeClr val="accent1"/>
+              </a:effectRef>
+              <a:fontRef idx="minor">
+                <a:schemeClr val="lt1"/>
+              </a:fontRef>
+            </p:style>
+            <p:txBody>
+              <a:bodyPr rtlCol="0" anchor="ctr"/>
+              <a:lstStyle/>
+              <a:p>
+                <a:pPr algn="ctr"/>
+                <a:endParaRPr lang="en-MY" dirty="0"/>
+              </a:p>
+            </p:txBody>
+          </p:sp>
+          <p:sp>
+            <p:nvSpPr>
+              <p:cNvPr id="11" name="Oval 10">
+                <a:extLst>
+                  <a:ext uri="{FF2B5EF4-FFF2-40B4-BE49-F238E27FC236}">
+                    <a16:creationId xmlns:a16="http://schemas.microsoft.com/office/drawing/2014/main" id="{019E530D-5DB9-4526-800A-2948E715779B}"/>
+                  </a:ext>
+                </a:extLst>
+              </p:cNvPr>
+              <p:cNvSpPr/>
+              <p:nvPr/>
+            </p:nvSpPr>
+            <p:spPr>
+              <a:xfrm>
+                <a:off x="5523392" y="1192500"/>
+                <a:ext cx="180000" cy="180000"/>
+              </a:xfrm>
+              <a:prstGeom prst="ellipse">
+                <a:avLst/>
+              </a:prstGeom>
+              <a:solidFill>
+                <a:srgbClr val="FFBD2E"/>
+              </a:solidFill>
+            </p:spPr>
+            <p:style>
+              <a:lnRef idx="2">
+                <a:schemeClr val="accent1">
+                  <a:shade val="50000"/>
+                </a:schemeClr>
+              </a:lnRef>
+              <a:fillRef idx="1">
+                <a:schemeClr val="accent1"/>
+              </a:fillRef>
+              <a:effectRef idx="0">
+                <a:schemeClr val="accent1"/>
+              </a:effectRef>
+              <a:fontRef idx="minor">
+                <a:schemeClr val="lt1"/>
+              </a:fontRef>
+            </p:style>
+            <p:txBody>
+              <a:bodyPr rtlCol="0" anchor="ctr"/>
+              <a:lstStyle/>
+              <a:p>
+                <a:pPr algn="ctr"/>
+                <a:endParaRPr lang="en-MY" dirty="0"/>
+              </a:p>
+            </p:txBody>
+          </p:sp>
+          <p:sp>
+            <p:nvSpPr>
+              <p:cNvPr id="12" name="Oval 11">
+                <a:extLst>
+                  <a:ext uri="{FF2B5EF4-FFF2-40B4-BE49-F238E27FC236}">
+                    <a16:creationId xmlns:a16="http://schemas.microsoft.com/office/drawing/2014/main" id="{C56B42B4-A72D-4CAA-B3CE-B3B250397011}"/>
+                  </a:ext>
+                </a:extLst>
+              </p:cNvPr>
+              <p:cNvSpPr/>
+              <p:nvPr/>
+            </p:nvSpPr>
+            <p:spPr>
+              <a:xfrm>
+                <a:off x="5791202" y="1192500"/>
+                <a:ext cx="180000" cy="180000"/>
+              </a:xfrm>
+              <a:prstGeom prst="ellipse">
+                <a:avLst/>
+              </a:prstGeom>
+              <a:solidFill>
+                <a:srgbClr val="27C93F"/>
+              </a:solidFill>
+            </p:spPr>
+            <p:style>
+              <a:lnRef idx="2">
+                <a:schemeClr val="accent1">
+                  <a:shade val="50000"/>
+                </a:schemeClr>
+              </a:lnRef>
+              <a:fillRef idx="1">
+                <a:schemeClr val="accent1"/>
+              </a:fillRef>
+              <a:effectRef idx="0">
+                <a:schemeClr val="accent1"/>
+              </a:effectRef>
+              <a:fontRef idx="minor">
+                <a:schemeClr val="lt1"/>
+              </a:fontRef>
+            </p:style>
+            <p:txBody>
+              <a:bodyPr rtlCol="0" anchor="ctr"/>
+              <a:lstStyle/>
+              <a:p>
+                <a:pPr algn="ctr"/>
+                <a:endParaRPr lang="en-MY" dirty="0"/>
+              </a:p>
+            </p:txBody>
+          </p:sp>
+        </p:grpSp>
+        <p:sp>
+          <p:nvSpPr>
+            <p:cNvPr id="8" name="TextBox 7">
+              <a:extLst>
+                <a:ext uri="{FF2B5EF4-FFF2-40B4-BE49-F238E27FC236}">
+                  <a16:creationId xmlns:a16="http://schemas.microsoft.com/office/drawing/2014/main" id="{F3197391-4C0B-4963-8FE8-EBDFFB21FA53}"/>
+                </a:ext>
+              </a:extLst>
+            </p:cNvPr>
+            <p:cNvSpPr txBox="1"/>
+            <p:nvPr/>
+          </p:nvSpPr>
+          <p:spPr>
+            <a:xfrm>
+              <a:off x="4311152" y="2298530"/>
+              <a:ext cx="5938163" cy="592470"/>
+            </a:xfrm>
+            <a:prstGeom prst="rect">
+              <a:avLst/>
+            </a:prstGeom>
+            <a:noFill/>
+          </p:spPr>
+          <p:txBody>
+            <a:bodyPr wrap="square" rtlCol="0">
+              <a:spAutoFit/>
+            </a:bodyPr>
+            <a:lstStyle/>
+            <a:p>
+              <a:pPr>
+                <a:spcAft>
+                  <a:spcPts val="300"/>
+                </a:spcAft>
+              </a:pPr>
+              <a:r>
+                <a:rPr lang="en-MY" sz="1500" dirty="0">
+                  <a:solidFill>
+                    <a:srgbClr val="92B84F"/>
+                  </a:solidFill>
+                  <a:latin typeface="Hack" panose="020B0609030202020204" pitchFamily="49" charset="0"/>
+                  <a:ea typeface="Hack" panose="020B0609030202020204" pitchFamily="49" charset="0"/>
+                  <a:cs typeface="Hack" panose="020B0609030202020204" pitchFamily="49" charset="0"/>
+                </a:rPr>
+                <a:t>git</a:t>
+              </a:r>
+              <a:r>
+                <a:rPr lang="en-MY" sz="1500" dirty="0">
+                  <a:solidFill>
+                    <a:srgbClr val="C9CDCC"/>
+                  </a:solidFill>
+                  <a:latin typeface="Hack" panose="020B0609030202020204" pitchFamily="49" charset="0"/>
+                  <a:ea typeface="Hack" panose="020B0609030202020204" pitchFamily="49" charset="0"/>
+                  <a:cs typeface="Hack" panose="020B0609030202020204" pitchFamily="49" charset="0"/>
+                </a:rPr>
+                <a:t> pull</a:t>
+              </a:r>
+              <a:endParaRPr lang="en-MY" sz="1500" dirty="0">
+                <a:solidFill>
+                  <a:srgbClr val="AA11CB"/>
+                </a:solidFill>
+                <a:latin typeface="Hack" panose="020B0609030202020204" pitchFamily="49" charset="0"/>
+                <a:ea typeface="Hack" panose="020B0609030202020204" pitchFamily="49" charset="0"/>
+                <a:cs typeface="Hack" panose="020B0609030202020204" pitchFamily="49" charset="0"/>
+              </a:endParaRPr>
+            </a:p>
+            <a:p>
+              <a:pPr>
+                <a:spcAft>
+                  <a:spcPts val="300"/>
+                </a:spcAft>
+              </a:pPr>
+              <a:r>
+                <a:rPr lang="en-MY" sz="1500" dirty="0">
+                  <a:solidFill>
+                    <a:srgbClr val="92B84F"/>
+                  </a:solidFill>
+                  <a:latin typeface="Hack" panose="020B0609030202020204" pitchFamily="49" charset="0"/>
+                  <a:ea typeface="Hack" panose="020B0609030202020204" pitchFamily="49" charset="0"/>
+                  <a:cs typeface="Hack" panose="020B0609030202020204" pitchFamily="49" charset="0"/>
+                </a:rPr>
+                <a:t>git</a:t>
+              </a:r>
+              <a:r>
+                <a:rPr lang="en-MY" sz="1500" dirty="0">
+                  <a:solidFill>
+                    <a:srgbClr val="C9CDCC"/>
+                  </a:solidFill>
+                  <a:latin typeface="Hack" panose="020B0609030202020204" pitchFamily="49" charset="0"/>
+                  <a:ea typeface="Hack" panose="020B0609030202020204" pitchFamily="49" charset="0"/>
+                  <a:cs typeface="Hack" panose="020B0609030202020204" pitchFamily="49" charset="0"/>
+                </a:rPr>
+                <a:t> push</a:t>
+              </a:r>
+              <a:endParaRPr lang="en-MY" sz="1500" dirty="0">
+                <a:solidFill>
+                  <a:srgbClr val="AA11CB"/>
+                </a:solidFill>
+                <a:latin typeface="Hack" panose="020B0609030202020204" pitchFamily="49" charset="0"/>
+                <a:ea typeface="Hack" panose="020B0609030202020204" pitchFamily="49" charset="0"/>
+                <a:cs typeface="Hack" panose="020B0609030202020204" pitchFamily="49" charset="0"/>
+              </a:endParaRPr>
+            </a:p>
+          </p:txBody>
+        </p:sp>
+      </p:grpSp>
+    </p:spTree>
+    <p:extLst>
+      <p:ext uri="{BB962C8B-B14F-4D97-AF65-F5344CB8AC3E}">
+        <p14:creationId xmlns:p14="http://schemas.microsoft.com/office/powerpoint/2010/main" val="4195542319"/>
+      </p:ext>
+    </p:extLst>
+  </p:cSld>
+  <p:clrMapOvr>
+    <a:masterClrMapping/>
+  </p:clrMapOvr>
+</p:sld>
+</file>
+
 <file path=ppt/slides/slide18.xml><?xml version="1.0" encoding="utf-8"?>
 <p:sld xmlns:a="http://schemas.openxmlformats.org/drawingml/2006/main" xmlns:r="http://schemas.openxmlformats.org/officeDocument/2006/relationships" xmlns:p="http://schemas.openxmlformats.org/presentationml/2006/main">
   <p:cSld>
@@ -12124,13 +12470,7 @@
       </p:grpSpPr>
       <p:sp>
         <p:nvSpPr>
-          <p:cNvPr id="2" name="Title 1">
-            <a:extLst>
-              <a:ext uri="{FF2B5EF4-FFF2-40B4-BE49-F238E27FC236}">
-                <a16:creationId xmlns:a16="http://schemas.microsoft.com/office/drawing/2014/main" id="{D47DE0EA-8D0E-4F71-BA30-530045163A55}"/>
-              </a:ext>
-            </a:extLst>
-          </p:cNvPr>
+          <p:cNvPr id="2" name="Title 1"/>
           <p:cNvSpPr>
             <a:spLocks noGrp="1"/>
           </p:cNvSpPr>
@@ -12138,27 +12478,26 @@
             <p:ph type="title"/>
           </p:nvPr>
         </p:nvSpPr>
-        <p:spPr/>
+        <p:spPr>
+          <a:xfrm>
+            <a:off x="838200" y="110002"/>
+            <a:ext cx="8334376" cy="1325563"/>
+          </a:xfrm>
+        </p:spPr>
         <p:txBody>
           <a:bodyPr/>
           <a:lstStyle/>
           <a:p>
             <a:r>
-              <a:rPr lang="en-MY" dirty="0"/>
-              <a:t>Authentication</a:t>
-            </a:r>
-          </a:p>
-        </p:txBody>
-      </p:sp>
-      <p:sp>
-        <p:nvSpPr>
-          <p:cNvPr id="3" name="Content Placeholder 2">
-            <a:extLst>
-              <a:ext uri="{FF2B5EF4-FFF2-40B4-BE49-F238E27FC236}">
-                <a16:creationId xmlns:a16="http://schemas.microsoft.com/office/drawing/2014/main" id="{4A1CEAAC-31C8-41BE-BB8B-21876DCAE696}"/>
-              </a:ext>
-            </a:extLst>
-          </p:cNvPr>
+              <a:rPr lang="en-US" dirty="0"/>
+              <a:t>Collaboration</a:t>
+            </a:r>
+          </a:p>
+        </p:txBody>
+      </p:sp>
+      <p:sp>
+        <p:nvSpPr>
+          <p:cNvPr id="3" name="Content Placeholder 2"/>
           <p:cNvSpPr>
             <a:spLocks noGrp="1"/>
           </p:cNvSpPr>
@@ -12168,8 +12507,8 @@
         </p:nvSpPr>
         <p:spPr>
           <a:xfrm>
-            <a:off x="838200" y="1567543"/>
-            <a:ext cx="10515600" cy="4609420"/>
+            <a:off x="838200" y="2092751"/>
+            <a:ext cx="10515600" cy="4100990"/>
           </a:xfrm>
         </p:spPr>
         <p:txBody>
@@ -12179,114 +12518,44 @@
             <a:pPr marL="0" indent="0">
               <a:buNone/>
             </a:pPr>
-            <a:endParaRPr lang="en-MY" dirty="0">
-              <a:hlinkClick r:id="rId2">
-                <a:extLst>
-                  <a:ext uri="{A12FA001-AC4F-418D-AE19-62706E023703}">
-                    <ahyp:hlinkClr xmlns:ahyp="http://schemas.microsoft.com/office/drawing/2018/hyperlinkcolor" val="tx"/>
-                  </a:ext>
-                </a:extLst>
-              </a:hlinkClick>
-            </a:endParaRPr>
-          </a:p>
-          <a:p>
-            <a:r>
-              <a:rPr lang="en-MY" dirty="0">
-                <a:solidFill>
-                  <a:schemeClr val="accent4"/>
-                </a:solidFill>
-                <a:hlinkClick r:id="rId2">
-                  <a:extLst>
-                    <a:ext uri="{A12FA001-AC4F-418D-AE19-62706E023703}">
-                      <ahyp:hlinkClr xmlns:ahyp="http://schemas.microsoft.com/office/drawing/2018/hyperlinkcolor" val="tx"/>
-                    </a:ext>
-                  </a:extLst>
-                </a:hlinkClick>
-              </a:rPr>
-              <a:t>SSH: </a:t>
-            </a:r>
-            <a:r>
-              <a:rPr lang="en-MY" dirty="0">
-                <a:solidFill>
-                  <a:schemeClr val="accent4"/>
-                </a:solidFill>
-              </a:rPr>
-              <a:t>Older method</a:t>
-            </a:r>
-            <a:endParaRPr lang="en-MY" dirty="0"/>
-          </a:p>
-          <a:p>
-            <a:r>
-              <a:rPr lang="en-MY" dirty="0">
-                <a:solidFill>
-                  <a:schemeClr val="accent4"/>
-                </a:solidFill>
-                <a:hlinkClick r:id="rId3">
-                  <a:extLst>
-                    <a:ext uri="{A12FA001-AC4F-418D-AE19-62706E023703}">
-                      <ahyp:hlinkClr xmlns:ahyp="http://schemas.microsoft.com/office/drawing/2018/hyperlinkcolor" val="tx"/>
-                    </a:ext>
-                  </a:extLst>
-                </a:hlinkClick>
-              </a:rPr>
-              <a:t>Personal access tokens:</a:t>
-            </a:r>
-            <a:r>
-              <a:rPr lang="en-MY" dirty="0">
-                <a:solidFill>
-                  <a:schemeClr val="accent4"/>
-                </a:solidFill>
-              </a:rPr>
-              <a:t> GitHub has updated their policies to have this. </a:t>
-            </a:r>
-          </a:p>
-          <a:p>
-            <a:r>
-              <a:rPr lang="en-MY" dirty="0">
-                <a:solidFill>
-                  <a:schemeClr val="accent4"/>
-                </a:solidFill>
-                <a:hlinkClick r:id="rId4">
-                  <a:extLst>
-                    <a:ext uri="{A12FA001-AC4F-418D-AE19-62706E023703}">
-                      <ahyp:hlinkClr xmlns:ahyp="http://schemas.microsoft.com/office/drawing/2018/hyperlinkcolor" val="tx"/>
-                    </a:ext>
-                  </a:extLst>
-                </a:hlinkClick>
-              </a:rPr>
-              <a:t>Git Manager Credentials Core</a:t>
-            </a:r>
-            <a:r>
-              <a:rPr lang="en-MY" dirty="0">
-                <a:solidFill>
-                  <a:schemeClr val="accent4"/>
-                </a:solidFill>
-              </a:rPr>
-              <a:t> (comes installed) : So don’t need to worry so much</a:t>
-            </a:r>
-            <a:endParaRPr lang="en-MY" dirty="0"/>
+            <a:r>
+              <a:rPr lang="en-US" u="sng" dirty="0"/>
+              <a:t>What do you wanna do?</a:t>
+            </a:r>
+          </a:p>
+          <a:p>
+            <a:r>
+              <a:rPr lang="en-US" dirty="0"/>
+              <a:t>I’m doing a group project! : add collaborator method</a:t>
+            </a:r>
           </a:p>
           <a:p>
             <a:pPr marL="0" indent="0">
               <a:buNone/>
             </a:pPr>
-            <a:endParaRPr lang="en-MY" dirty="0"/>
-          </a:p>
-          <a:p>
-            <a:r>
-              <a:rPr lang="en-MY" dirty="0"/>
-              <a:t>Authentication is to ensure security of your projects. If you have errors with permissions, this may be a reason why.</a:t>
-            </a:r>
-          </a:p>
-          <a:p>
-            <a:endParaRPr lang="en-MY" dirty="0"/>
+            <a:r>
+              <a:rPr lang="en-US" dirty="0"/>
+              <a:t>   OR</a:t>
+            </a:r>
+          </a:p>
+          <a:p>
+            <a:r>
+              <a:rPr lang="en-US" dirty="0"/>
+              <a:t>Open-source project : forking method</a:t>
+            </a:r>
+          </a:p>
+          <a:p>
+            <a:pPr marL="0" indent="0">
+              <a:buNone/>
+            </a:pPr>
+            <a:endParaRPr lang="en-US" dirty="0"/>
           </a:p>
         </p:txBody>
       </p:sp>
     </p:spTree>
     <p:extLst>
       <p:ext uri="{BB962C8B-B14F-4D97-AF65-F5344CB8AC3E}">
-        <p14:creationId xmlns:p14="http://schemas.microsoft.com/office/powerpoint/2010/main" val="3783286907"/>
+        <p14:creationId xmlns:p14="http://schemas.microsoft.com/office/powerpoint/2010/main" val="2833756237"/>
       </p:ext>
     </p:extLst>
   </p:cSld>
@@ -12315,92 +12584,96 @@
       </p:grpSpPr>
       <p:sp>
         <p:nvSpPr>
-          <p:cNvPr id="2" name="Title 1"/>
+          <p:cNvPr id="2" name="Title 1">
+            <a:extLst>
+              <a:ext uri="{FF2B5EF4-FFF2-40B4-BE49-F238E27FC236}">
+                <a16:creationId xmlns:a16="http://schemas.microsoft.com/office/drawing/2014/main" id="{C33F4ED6-95B6-45CA-9318-D5C6D107AB69}"/>
+              </a:ext>
+            </a:extLst>
+          </p:cNvPr>
           <p:cNvSpPr>
             <a:spLocks noGrp="1"/>
           </p:cNvSpPr>
           <p:nvPr>
             <p:ph type="title"/>
+          </p:nvPr>
+        </p:nvSpPr>
+        <p:spPr/>
+        <p:txBody>
+          <a:bodyPr/>
+          <a:lstStyle/>
+          <a:p>
+            <a:r>
+              <a:rPr lang="en-US" dirty="0"/>
+              <a:t>Git Workflow</a:t>
+            </a:r>
+          </a:p>
+        </p:txBody>
+      </p:sp>
+      <p:sp>
+        <p:nvSpPr>
+          <p:cNvPr id="3" name="Content Placeholder 2">
+            <a:extLst>
+              <a:ext uri="{FF2B5EF4-FFF2-40B4-BE49-F238E27FC236}">
+                <a16:creationId xmlns:a16="http://schemas.microsoft.com/office/drawing/2014/main" id="{E84E5DA1-F8B9-4937-9464-997FD4F08F17}"/>
+              </a:ext>
+            </a:extLst>
+          </p:cNvPr>
+          <p:cNvSpPr>
+            <a:spLocks noGrp="1"/>
+          </p:cNvSpPr>
+          <p:nvPr>
+            <p:ph idx="1"/>
           </p:nvPr>
         </p:nvSpPr>
         <p:spPr>
           <a:xfrm>
-            <a:off x="838200" y="110002"/>
-            <a:ext cx="8334376" cy="1325563"/>
+            <a:off x="1502434" y="2223533"/>
+            <a:ext cx="6401499" cy="1361682"/>
           </a:xfrm>
         </p:spPr>
         <p:txBody>
           <a:bodyPr/>
           <a:lstStyle/>
           <a:p>
-            <a:r>
-              <a:rPr lang="en-US" dirty="0"/>
-              <a:t>Collaboration</a:t>
-            </a:r>
-          </a:p>
-        </p:txBody>
-      </p:sp>
-      <p:sp>
-        <p:nvSpPr>
-          <p:cNvPr id="3" name="Content Placeholder 2"/>
-          <p:cNvSpPr>
-            <a:spLocks noGrp="1"/>
-          </p:cNvSpPr>
-          <p:nvPr>
-            <p:ph idx="1"/>
-          </p:nvPr>
-        </p:nvSpPr>
+            <a:endParaRPr lang="en-US" dirty="0"/>
+          </a:p>
+        </p:txBody>
+      </p:sp>
+      <p:pic>
+        <p:nvPicPr>
+          <p:cNvPr id="4" name="Picture 3">
+            <a:extLst>
+              <a:ext uri="{FF2B5EF4-FFF2-40B4-BE49-F238E27FC236}">
+                <a16:creationId xmlns:a16="http://schemas.microsoft.com/office/drawing/2014/main" id="{17E80496-BCDE-4BA3-B613-788876989DEC}"/>
+              </a:ext>
+            </a:extLst>
+          </p:cNvPr>
+          <p:cNvPicPr>
+            <a:picLocks noChangeAspect="1"/>
+          </p:cNvPicPr>
+          <p:nvPr/>
+        </p:nvPicPr>
+        <p:blipFill>
+          <a:blip r:embed="rId3"/>
+          <a:stretch>
+            <a:fillRect/>
+          </a:stretch>
+        </p:blipFill>
         <p:spPr>
           <a:xfrm>
-            <a:off x="838200" y="2092751"/>
-            <a:ext cx="10515600" cy="4100990"/>
+            <a:off x="838200" y="1485899"/>
+            <a:ext cx="9914765" cy="4598152"/>
           </a:xfrm>
+          <a:prstGeom prst="rect">
+            <a:avLst/>
+          </a:prstGeom>
         </p:spPr>
-        <p:txBody>
-          <a:bodyPr/>
-          <a:lstStyle/>
-          <a:p>
-            <a:pPr marL="0" indent="0">
-              <a:buNone/>
-            </a:pPr>
-            <a:r>
-              <a:rPr lang="en-US" u="sng" dirty="0"/>
-              <a:t>What do you wanna do?</a:t>
-            </a:r>
-          </a:p>
-          <a:p>
-            <a:r>
-              <a:rPr lang="en-US" dirty="0"/>
-              <a:t>I’m doing a group project!</a:t>
-            </a:r>
-          </a:p>
-          <a:p>
-            <a:pPr marL="0" indent="0">
-              <a:buNone/>
-            </a:pPr>
-            <a:r>
-              <a:rPr lang="en-US" dirty="0"/>
-              <a:t>   OR</a:t>
-            </a:r>
-          </a:p>
-          <a:p>
-            <a:r>
-              <a:rPr lang="en-US" dirty="0"/>
-              <a:t>Open-source project</a:t>
-            </a:r>
-          </a:p>
-          <a:p>
-            <a:pPr marL="0" indent="0">
-              <a:buNone/>
-            </a:pPr>
-            <a:endParaRPr lang="en-US" dirty="0"/>
-          </a:p>
-        </p:txBody>
-      </p:sp>
+      </p:pic>
     </p:spTree>
     <p:extLst>
       <p:ext uri="{BB962C8B-B14F-4D97-AF65-F5344CB8AC3E}">
-        <p14:creationId xmlns:p14="http://schemas.microsoft.com/office/powerpoint/2010/main" val="2833756237"/>
+        <p14:creationId xmlns:p14="http://schemas.microsoft.com/office/powerpoint/2010/main" val="2641756664"/>
       </p:ext>
     </p:extLst>
   </p:cSld>
@@ -12448,8 +12721,12 @@
           <a:lstStyle/>
           <a:p>
             <a:r>
+              <a:rPr lang="en-US" dirty="0" err="1"/>
+              <a:t>Learnin</a:t>
+            </a:r>
+            <a:r>
               <a:rPr lang="en-US" dirty="0"/>
-              <a:t>Slides Content:</a:t>
+              <a:t> today:</a:t>
             </a:r>
           </a:p>
         </p:txBody>
@@ -12472,299 +12749,83 @@
         </p:nvSpPr>
         <p:spPr>
           <a:xfrm>
-            <a:off x="838200" y="1435565"/>
-            <a:ext cx="10515600" cy="5054012"/>
+            <a:off x="838200" y="763480"/>
+            <a:ext cx="10515600" cy="5726097"/>
           </a:xfrm>
         </p:spPr>
         <p:txBody>
-          <a:bodyPr numCol="2">
+          <a:bodyPr numCol="1">
             <a:noAutofit/>
           </a:bodyPr>
           <a:lstStyle/>
           <a:p>
-            <a:pPr>
-              <a:buFont typeface="Wingdings" panose="05000000000000000000" pitchFamily="2" charset="2"/>
-              <a:buChar char="v"/>
+            <a:pPr marL="0" indent="0">
+              <a:lnSpc>
+                <a:spcPct val="150000"/>
+              </a:lnSpc>
+              <a:buNone/>
             </a:pPr>
-            <a:r>
-              <a:rPr lang="en-US" sz="1800" dirty="0"/>
-              <a:t>Version Control System</a:t>
-            </a:r>
-            <a:endParaRPr lang="en-US" sz="1800" dirty="0">
-              <a:latin typeface="+mj-lt"/>
-            </a:endParaRPr>
-          </a:p>
-          <a:p>
-            <a:pPr>
-              <a:buFont typeface="Wingdings" panose="05000000000000000000" pitchFamily="2" charset="2"/>
-              <a:buChar char="v"/>
+            <a:endParaRPr lang="en-MY" sz="2400" dirty="0"/>
+          </a:p>
+          <a:p>
+            <a:pPr marL="342900" indent="-342900">
+              <a:lnSpc>
+                <a:spcPct val="150000"/>
+              </a:lnSpc>
+              <a:buAutoNum type="arabicParenR"/>
             </a:pPr>
             <a:r>
-              <a:rPr lang="en-US" sz="1800" dirty="0"/>
-              <a:t>Installing &amp; Configuring Git</a:t>
-            </a:r>
-          </a:p>
-          <a:p>
-            <a:pPr>
-              <a:buFont typeface="Wingdings" panose="05000000000000000000" pitchFamily="2" charset="2"/>
-              <a:buChar char="v"/>
+              <a:rPr lang="en-MY" sz="2400" dirty="0"/>
+              <a:t>Installing and configuring Git</a:t>
+            </a:r>
+          </a:p>
+          <a:p>
+            <a:pPr marL="342900" indent="-342900">
+              <a:lnSpc>
+                <a:spcPct val="150000"/>
+              </a:lnSpc>
+              <a:buAutoNum type="arabicParenR"/>
             </a:pPr>
             <a:r>
-              <a:rPr lang="en-US" sz="1800" dirty="0"/>
+              <a:rPr lang="en-MY" sz="2400" dirty="0"/>
+              <a:t>Fundamentals of Git &amp; GitHub</a:t>
+            </a:r>
+          </a:p>
+          <a:p>
+            <a:pPr marL="342900" indent="-342900">
+              <a:lnSpc>
+                <a:spcPct val="150000"/>
+              </a:lnSpc>
+              <a:buAutoNum type="arabicParenR"/>
+            </a:pPr>
+            <a:r>
+              <a:rPr lang="en-MY" sz="2400" dirty="0"/>
               <a:t>Using </a:t>
             </a:r>
             <a:r>
-              <a:rPr lang="en-US" sz="1800" dirty="0" err="1"/>
-              <a:t>GitBash</a:t>
-            </a:r>
-            <a:r>
-              <a:rPr lang="en-US" sz="1800" dirty="0"/>
-              <a:t> (Windows) or terminal (Mac)</a:t>
-            </a:r>
-          </a:p>
-          <a:p>
-            <a:pPr>
-              <a:buFont typeface="Wingdings" panose="05000000000000000000" pitchFamily="2" charset="2"/>
-              <a:buChar char="v"/>
+              <a:rPr lang="en-MY" sz="2400" dirty="0" err="1"/>
+              <a:t>VSCode</a:t>
+            </a:r>
+            <a:endParaRPr lang="en-MY" sz="2400" dirty="0"/>
+          </a:p>
+          <a:p>
+            <a:pPr marL="342900" indent="-342900">
+              <a:lnSpc>
+                <a:spcPct val="150000"/>
+              </a:lnSpc>
+              <a:buAutoNum type="arabicParenR"/>
             </a:pPr>
             <a:r>
-              <a:rPr lang="en-US" sz="1800" dirty="0"/>
-              <a:t>Initializing a Repo</a:t>
-            </a:r>
-          </a:p>
-          <a:p>
-            <a:pPr>
-              <a:buFont typeface="Wingdings" panose="05000000000000000000" pitchFamily="2" charset="2"/>
-              <a:buChar char="v"/>
-            </a:pPr>
-            <a:r>
-              <a:rPr lang="en-US" sz="1800" dirty="0"/>
-              <a:t>Git Workflow</a:t>
-            </a:r>
-          </a:p>
-          <a:p>
-            <a:pPr>
-              <a:buFont typeface="Wingdings" panose="05000000000000000000" pitchFamily="2" charset="2"/>
-              <a:buChar char="v"/>
-            </a:pPr>
-            <a:r>
-              <a:rPr lang="en-US" sz="1800" dirty="0"/>
-              <a:t>Viewing changes</a:t>
-            </a:r>
-          </a:p>
-          <a:p>
-            <a:pPr>
-              <a:buFont typeface="Wingdings" panose="05000000000000000000" pitchFamily="2" charset="2"/>
-              <a:buChar char="v"/>
-            </a:pPr>
-            <a:r>
-              <a:rPr lang="en-MY" sz="1800" dirty="0"/>
-              <a:t>Restoring previous versions</a:t>
-            </a:r>
-            <a:endParaRPr lang="en-US" sz="1800" dirty="0"/>
-          </a:p>
-          <a:p>
-            <a:pPr>
-              <a:buFont typeface="Wingdings" panose="05000000000000000000" pitchFamily="2" charset="2"/>
-              <a:buChar char="v"/>
-            </a:pPr>
-            <a:r>
-              <a:rPr lang="en-MY" sz="1800" dirty="0"/>
-              <a:t>Git log</a:t>
-            </a:r>
-          </a:p>
-          <a:p>
-            <a:pPr>
-              <a:buFont typeface="Wingdings" panose="05000000000000000000" pitchFamily="2" charset="2"/>
-              <a:buChar char="v"/>
-            </a:pPr>
-            <a:r>
-              <a:rPr lang="en-US" sz="1800" dirty="0"/>
-              <a:t>Collaboration</a:t>
-            </a:r>
-          </a:p>
-          <a:p>
-            <a:pPr>
-              <a:buFont typeface="Wingdings" panose="05000000000000000000" pitchFamily="2" charset="2"/>
-              <a:buChar char="v"/>
-            </a:pPr>
-            <a:r>
-              <a:rPr lang="en-US" sz="1800" dirty="0"/>
-              <a:t>Create and share your repo</a:t>
-            </a:r>
-          </a:p>
-          <a:p>
-            <a:pPr>
-              <a:buFont typeface="Wingdings" panose="05000000000000000000" pitchFamily="2" charset="2"/>
-              <a:buChar char="v"/>
-            </a:pPr>
-            <a:r>
-              <a:rPr lang="en-US" sz="1800" dirty="0"/>
-              <a:t>Cloning an existing repo</a:t>
-            </a:r>
-          </a:p>
-          <a:p>
-            <a:pPr>
-              <a:buFont typeface="Wingdings" panose="05000000000000000000" pitchFamily="2" charset="2"/>
-              <a:buChar char="v"/>
-            </a:pPr>
-            <a:r>
-              <a:rPr lang="en-MY" sz="1800" dirty="0"/>
-              <a:t>Remote repository, </a:t>
-            </a:r>
-            <a:r>
-              <a:rPr lang="en-MY" sz="1800" dirty="0" err="1"/>
-              <a:t>github</a:t>
-            </a:r>
-            <a:r>
-              <a:rPr lang="en-MY" sz="1800" dirty="0"/>
-              <a:t>!</a:t>
-            </a:r>
-          </a:p>
-          <a:p>
-            <a:pPr>
-              <a:buFont typeface="Wingdings" panose="05000000000000000000" pitchFamily="2" charset="2"/>
-              <a:buChar char="v"/>
-            </a:pPr>
-            <a:r>
-              <a:rPr lang="en-US" sz="1800" dirty="0"/>
-              <a:t>Common additional files</a:t>
-            </a:r>
-            <a:endParaRPr lang="en-MY" sz="1800" dirty="0"/>
-          </a:p>
-          <a:p>
-            <a:pPr>
-              <a:buFont typeface="Wingdings" panose="05000000000000000000" pitchFamily="2" charset="2"/>
-              <a:buChar char="v"/>
-            </a:pPr>
-            <a:r>
-              <a:rPr lang="en-MY" sz="1800" dirty="0"/>
-              <a:t>Authentication</a:t>
-            </a:r>
-          </a:p>
-          <a:p>
-            <a:pPr>
-              <a:buFont typeface="Wingdings" panose="05000000000000000000" pitchFamily="2" charset="2"/>
-              <a:buChar char="v"/>
-            </a:pPr>
-            <a:r>
-              <a:rPr lang="en-MY" sz="1800" dirty="0"/>
-              <a:t>Adding a remote repository</a:t>
-            </a:r>
-          </a:p>
-          <a:p>
-            <a:pPr>
-              <a:buFont typeface="Wingdings" panose="05000000000000000000" pitchFamily="2" charset="2"/>
-              <a:buChar char="v"/>
-            </a:pPr>
-            <a:r>
-              <a:rPr lang="en-MY" sz="1800" dirty="0"/>
-              <a:t>Fetching and pulling</a:t>
-            </a:r>
-          </a:p>
-          <a:p>
-            <a:pPr>
-              <a:buFont typeface="Wingdings" panose="05000000000000000000" pitchFamily="2" charset="2"/>
-              <a:buChar char="v"/>
-            </a:pPr>
-            <a:r>
-              <a:rPr lang="en-MY" sz="1800" dirty="0"/>
-              <a:t>Pushing</a:t>
-            </a:r>
-          </a:p>
-          <a:p>
-            <a:pPr>
-              <a:buFont typeface="Wingdings" panose="05000000000000000000" pitchFamily="2" charset="2"/>
-              <a:buChar char="v"/>
-            </a:pPr>
-            <a:r>
-              <a:rPr lang="en-MY" sz="1800" dirty="0"/>
-              <a:t>Story so far</a:t>
-            </a:r>
-          </a:p>
-          <a:p>
-            <a:pPr>
-              <a:buFont typeface="Wingdings" panose="05000000000000000000" pitchFamily="2" charset="2"/>
-              <a:buChar char="v"/>
-            </a:pPr>
-            <a:r>
-              <a:rPr lang="en-MY" sz="1800" dirty="0"/>
-              <a:t>Branching</a:t>
-            </a:r>
-          </a:p>
-          <a:p>
-            <a:pPr>
-              <a:buFont typeface="Wingdings" panose="05000000000000000000" pitchFamily="2" charset="2"/>
-              <a:buChar char="v"/>
-            </a:pPr>
-            <a:r>
-              <a:rPr lang="en-MY" sz="1800" dirty="0"/>
-              <a:t>Merge conflicts, pull requests, forking</a:t>
-            </a:r>
-          </a:p>
-          <a:p>
-            <a:pPr>
-              <a:buFont typeface="Wingdings" panose="05000000000000000000" pitchFamily="2" charset="2"/>
-              <a:buChar char="v"/>
-            </a:pPr>
-            <a:r>
-              <a:rPr lang="en-MY" sz="1800" dirty="0"/>
-              <a:t>Contribute to open source by forking:</a:t>
-            </a:r>
-          </a:p>
-          <a:p>
-            <a:pPr>
-              <a:buFont typeface="Wingdings" panose="05000000000000000000" pitchFamily="2" charset="2"/>
-              <a:buChar char="v"/>
-            </a:pPr>
-            <a:r>
-              <a:rPr lang="en-US" sz="1800" dirty="0"/>
-              <a:t>Git best practices!</a:t>
-            </a:r>
-          </a:p>
-          <a:p>
-            <a:pPr>
-              <a:buFont typeface="Wingdings" panose="05000000000000000000" pitchFamily="2" charset="2"/>
-              <a:buChar char="v"/>
-            </a:pPr>
-            <a:r>
-              <a:rPr lang="en-US" sz="1800" dirty="0"/>
-              <a:t>Resources</a:t>
-            </a:r>
-          </a:p>
-          <a:p>
-            <a:pPr>
-              <a:buFont typeface="Wingdings" panose="05000000000000000000" pitchFamily="2" charset="2"/>
-              <a:buChar char="v"/>
-            </a:pPr>
-            <a:r>
-              <a:rPr lang="en-US" sz="1800" dirty="0"/>
-              <a:t>Technical Issues</a:t>
-            </a:r>
-          </a:p>
-          <a:p>
-            <a:pPr>
-              <a:buFont typeface="Wingdings" panose="05000000000000000000" pitchFamily="2" charset="2"/>
-              <a:buChar char="v"/>
-            </a:pPr>
-            <a:r>
-              <a:rPr lang="en-US" sz="1800" dirty="0"/>
-              <a:t>Add. slides/images</a:t>
-            </a:r>
-          </a:p>
-          <a:p>
-            <a:endParaRPr lang="en-MY" sz="1400" dirty="0">
-              <a:solidFill>
-                <a:schemeClr val="tx1"/>
-              </a:solidFill>
-            </a:endParaRPr>
+              <a:rPr lang="en-MY" sz="2400" dirty="0"/>
+              <a:t>Working as a team using GitHub</a:t>
+            </a:r>
           </a:p>
         </p:txBody>
       </p:sp>
     </p:spTree>
     <p:extLst>
       <p:ext uri="{BB962C8B-B14F-4D97-AF65-F5344CB8AC3E}">
-        <p14:creationId xmlns:p14="http://schemas.microsoft.com/office/powerpoint/2010/main" val="1072947160"/>
+        <p14:creationId xmlns:p14="http://schemas.microsoft.com/office/powerpoint/2010/main" val="1911262099"/>
       </p:ext>
     </p:extLst>
   </p:cSld>
@@ -12775,1170 +12836,6 @@
 </file>
 
 <file path=ppt/slides/slide20.xml><?xml version="1.0" encoding="utf-8"?>
-<p:sld xmlns:a="http://schemas.openxmlformats.org/drawingml/2006/main" xmlns:r="http://schemas.openxmlformats.org/officeDocument/2006/relationships" xmlns:p="http://schemas.openxmlformats.org/presentationml/2006/main">
-  <p:cSld>
-    <p:spTree>
-      <p:nvGrpSpPr>
-        <p:cNvPr id="1" name=""/>
-        <p:cNvGrpSpPr/>
-        <p:nvPr/>
-      </p:nvGrpSpPr>
-      <p:grpSpPr>
-        <a:xfrm>
-          <a:off x="0" y="0"/>
-          <a:ext cx="0" cy="0"/>
-          <a:chOff x="0" y="0"/>
-          <a:chExt cx="0" cy="0"/>
-        </a:xfrm>
-      </p:grpSpPr>
-      <p:sp>
-        <p:nvSpPr>
-          <p:cNvPr id="2" name="Title 1">
-            <a:extLst>
-              <a:ext uri="{FF2B5EF4-FFF2-40B4-BE49-F238E27FC236}">
-                <a16:creationId xmlns:a16="http://schemas.microsoft.com/office/drawing/2014/main" id="{8B2AD4E1-0643-4C88-9E49-C2724AEB3568}"/>
-              </a:ext>
-            </a:extLst>
-          </p:cNvPr>
-          <p:cNvSpPr>
-            <a:spLocks noGrp="1"/>
-          </p:cNvSpPr>
-          <p:nvPr>
-            <p:ph type="title"/>
-          </p:nvPr>
-        </p:nvSpPr>
-        <p:spPr/>
-        <p:txBody>
-          <a:bodyPr/>
-          <a:lstStyle/>
-          <a:p>
-            <a:r>
-              <a:rPr lang="en-US" dirty="0"/>
-              <a:t>Cloning an existing repo</a:t>
-            </a:r>
-          </a:p>
-        </p:txBody>
-      </p:sp>
-      <p:sp>
-        <p:nvSpPr>
-          <p:cNvPr id="3" name="Content Placeholder 2">
-            <a:extLst>
-              <a:ext uri="{FF2B5EF4-FFF2-40B4-BE49-F238E27FC236}">
-                <a16:creationId xmlns:a16="http://schemas.microsoft.com/office/drawing/2014/main" id="{F8D322E9-A7EC-465F-93FE-BAA394728626}"/>
-              </a:ext>
-            </a:extLst>
-          </p:cNvPr>
-          <p:cNvSpPr>
-            <a:spLocks noGrp="1"/>
-          </p:cNvSpPr>
-          <p:nvPr>
-            <p:ph idx="1"/>
-          </p:nvPr>
-        </p:nvSpPr>
-        <p:spPr/>
-        <p:txBody>
-          <a:bodyPr/>
-          <a:lstStyle/>
-          <a:p>
-            <a:r>
-              <a:rPr lang="en-US" dirty="0"/>
-              <a:t>A full copy of nearly all data is retrieved </a:t>
-            </a:r>
-          </a:p>
-          <a:p>
-            <a:r>
-              <a:rPr lang="en-US" dirty="0"/>
-              <a:t>Includes all versions of the project</a:t>
-            </a:r>
-          </a:p>
-        </p:txBody>
-      </p:sp>
-      <p:pic>
-        <p:nvPicPr>
-          <p:cNvPr id="15" name="Picture 14" descr="Text&#10;&#10;Description automatically generated">
-            <a:extLst>
-              <a:ext uri="{FF2B5EF4-FFF2-40B4-BE49-F238E27FC236}">
-                <a16:creationId xmlns:a16="http://schemas.microsoft.com/office/drawing/2014/main" id="{F7C5C152-FF48-4239-8FCB-500A0A242A93}"/>
-              </a:ext>
-            </a:extLst>
-          </p:cNvPr>
-          <p:cNvPicPr>
-            <a:picLocks noChangeAspect="1"/>
-          </p:cNvPicPr>
-          <p:nvPr/>
-        </p:nvPicPr>
-        <p:blipFill>
-          <a:blip r:embed="rId3"/>
-          <a:stretch>
-            <a:fillRect/>
-          </a:stretch>
-        </p:blipFill>
-        <p:spPr>
-          <a:xfrm>
-            <a:off x="-176478" y="2371382"/>
-            <a:ext cx="8574754" cy="4326282"/>
-          </a:xfrm>
-          <a:prstGeom prst="rect">
-            <a:avLst/>
-          </a:prstGeom>
-        </p:spPr>
-      </p:pic>
-      <p:sp>
-        <p:nvSpPr>
-          <p:cNvPr id="16" name="Content Placeholder 2">
-            <a:extLst>
-              <a:ext uri="{FF2B5EF4-FFF2-40B4-BE49-F238E27FC236}">
-                <a16:creationId xmlns:a16="http://schemas.microsoft.com/office/drawing/2014/main" id="{EF31A08F-C129-44EC-8C6C-C30E36BA76F1}"/>
-              </a:ext>
-            </a:extLst>
-          </p:cNvPr>
-          <p:cNvSpPr txBox="1">
-            <a:spLocks/>
-          </p:cNvSpPr>
-          <p:nvPr/>
-        </p:nvSpPr>
-        <p:spPr>
-          <a:xfrm>
-            <a:off x="8706853" y="3577388"/>
-            <a:ext cx="2646947" cy="1548149"/>
-          </a:xfrm>
-          <a:prstGeom prst="rect">
-            <a:avLst/>
-          </a:prstGeom>
-        </p:spPr>
-        <p:txBody>
-          <a:bodyPr vert="horz" lIns="91440" tIns="45720" rIns="91440" bIns="45720" rtlCol="0">
-            <a:normAutofit/>
-          </a:bodyPr>
-          <a:lstStyle>
-            <a:lvl1pPr marL="228600" indent="-228600" algn="l" defTabSz="914400" rtl="0" eaLnBrk="1" latinLnBrk="0" hangingPunct="1">
-              <a:lnSpc>
-                <a:spcPct val="90000"/>
-              </a:lnSpc>
-              <a:spcBef>
-                <a:spcPts val="1000"/>
-              </a:spcBef>
-              <a:buClr>
-                <a:schemeClr val="accent5"/>
-              </a:buClr>
-              <a:buFont typeface="Wingdings" panose="05000000000000000000" pitchFamily="2" charset="2"/>
-              <a:buChar char="§"/>
-              <a:defRPr sz="2800" kern="1200">
-                <a:solidFill>
-                  <a:schemeClr val="bg1"/>
-                </a:solidFill>
-                <a:latin typeface="+mn-lt"/>
-                <a:ea typeface="+mn-ea"/>
-                <a:cs typeface="+mn-cs"/>
-              </a:defRPr>
-            </a:lvl1pPr>
-            <a:lvl2pPr marL="685800" indent="-228600" algn="l" defTabSz="914400" rtl="0" eaLnBrk="1" latinLnBrk="0" hangingPunct="1">
-              <a:lnSpc>
-                <a:spcPct val="90000"/>
-              </a:lnSpc>
-              <a:spcBef>
-                <a:spcPts val="500"/>
-              </a:spcBef>
-              <a:buClr>
-                <a:schemeClr val="accent5"/>
-              </a:buClr>
-              <a:buFont typeface="Wingdings" panose="05000000000000000000" pitchFamily="2" charset="2"/>
-              <a:buChar char="§"/>
-              <a:defRPr sz="2400" kern="1200">
-                <a:solidFill>
-                  <a:schemeClr val="bg1"/>
-                </a:solidFill>
-                <a:latin typeface="+mn-lt"/>
-                <a:ea typeface="+mn-ea"/>
-                <a:cs typeface="+mn-cs"/>
-              </a:defRPr>
-            </a:lvl2pPr>
-            <a:lvl3pPr marL="1143000" indent="-228600" algn="l" defTabSz="914400" rtl="0" eaLnBrk="1" latinLnBrk="0" hangingPunct="1">
-              <a:lnSpc>
-                <a:spcPct val="90000"/>
-              </a:lnSpc>
-              <a:spcBef>
-                <a:spcPts val="500"/>
-              </a:spcBef>
-              <a:buClr>
-                <a:schemeClr val="accent5"/>
-              </a:buClr>
-              <a:buFont typeface="Wingdings" panose="05000000000000000000" pitchFamily="2" charset="2"/>
-              <a:buChar char="§"/>
-              <a:defRPr sz="2000" kern="1200">
-                <a:solidFill>
-                  <a:schemeClr val="bg1"/>
-                </a:solidFill>
-                <a:latin typeface="+mn-lt"/>
-                <a:ea typeface="+mn-ea"/>
-                <a:cs typeface="+mn-cs"/>
-              </a:defRPr>
-            </a:lvl3pPr>
-            <a:lvl4pPr marL="1600200" indent="-228600" algn="l" defTabSz="914400" rtl="0" eaLnBrk="1" latinLnBrk="0" hangingPunct="1">
-              <a:lnSpc>
-                <a:spcPct val="90000"/>
-              </a:lnSpc>
-              <a:spcBef>
-                <a:spcPts val="500"/>
-              </a:spcBef>
-              <a:buClr>
-                <a:schemeClr val="accent5"/>
-              </a:buClr>
-              <a:buFont typeface="Wingdings" panose="05000000000000000000" pitchFamily="2" charset="2"/>
-              <a:buChar char="§"/>
-              <a:defRPr sz="1800" kern="1200">
-                <a:solidFill>
-                  <a:schemeClr val="bg1"/>
-                </a:solidFill>
-                <a:latin typeface="+mn-lt"/>
-                <a:ea typeface="+mn-ea"/>
-                <a:cs typeface="+mn-cs"/>
-              </a:defRPr>
-            </a:lvl4pPr>
-            <a:lvl5pPr marL="2057400" indent="-228600" algn="l" defTabSz="914400" rtl="0" eaLnBrk="1" latinLnBrk="0" hangingPunct="1">
-              <a:lnSpc>
-                <a:spcPct val="90000"/>
-              </a:lnSpc>
-              <a:spcBef>
-                <a:spcPts val="500"/>
-              </a:spcBef>
-              <a:buClr>
-                <a:schemeClr val="accent5"/>
-              </a:buClr>
-              <a:buFont typeface="Wingdings" panose="05000000000000000000" pitchFamily="2" charset="2"/>
-              <a:buChar char="§"/>
-              <a:defRPr sz="1800" kern="1200">
-                <a:solidFill>
-                  <a:schemeClr val="bg1"/>
-                </a:solidFill>
-                <a:latin typeface="+mn-lt"/>
-                <a:ea typeface="+mn-ea"/>
-                <a:cs typeface="+mn-cs"/>
-              </a:defRPr>
-            </a:lvl5pPr>
-            <a:lvl6pPr marL="2514600" indent="-228600" algn="l" defTabSz="914400" rtl="0" eaLnBrk="1" latinLnBrk="0" hangingPunct="1">
-              <a:lnSpc>
-                <a:spcPct val="90000"/>
-              </a:lnSpc>
-              <a:spcBef>
-                <a:spcPts val="500"/>
-              </a:spcBef>
-              <a:buFont typeface="Arial" panose="020B0604020202020204" pitchFamily="34" charset="0"/>
-              <a:buChar char="•"/>
-              <a:defRPr sz="1800" kern="1200">
-                <a:solidFill>
-                  <a:schemeClr val="tx1"/>
-                </a:solidFill>
-                <a:latin typeface="+mn-lt"/>
-                <a:ea typeface="+mn-ea"/>
-                <a:cs typeface="+mn-cs"/>
-              </a:defRPr>
-            </a:lvl6pPr>
-            <a:lvl7pPr marL="2971800" indent="-228600" algn="l" defTabSz="914400" rtl="0" eaLnBrk="1" latinLnBrk="0" hangingPunct="1">
-              <a:lnSpc>
-                <a:spcPct val="90000"/>
-              </a:lnSpc>
-              <a:spcBef>
-                <a:spcPts val="500"/>
-              </a:spcBef>
-              <a:buFont typeface="Arial" panose="020B0604020202020204" pitchFamily="34" charset="0"/>
-              <a:buChar char="•"/>
-              <a:defRPr sz="1800" kern="1200">
-                <a:solidFill>
-                  <a:schemeClr val="tx1"/>
-                </a:solidFill>
-                <a:latin typeface="+mn-lt"/>
-                <a:ea typeface="+mn-ea"/>
-                <a:cs typeface="+mn-cs"/>
-              </a:defRPr>
-            </a:lvl7pPr>
-            <a:lvl8pPr marL="3429000" indent="-228600" algn="l" defTabSz="914400" rtl="0" eaLnBrk="1" latinLnBrk="0" hangingPunct="1">
-              <a:lnSpc>
-                <a:spcPct val="90000"/>
-              </a:lnSpc>
-              <a:spcBef>
-                <a:spcPts val="500"/>
-              </a:spcBef>
-              <a:buFont typeface="Arial" panose="020B0604020202020204" pitchFamily="34" charset="0"/>
-              <a:buChar char="•"/>
-              <a:defRPr sz="1800" kern="1200">
-                <a:solidFill>
-                  <a:schemeClr val="tx1"/>
-                </a:solidFill>
-                <a:latin typeface="+mn-lt"/>
-                <a:ea typeface="+mn-ea"/>
-                <a:cs typeface="+mn-cs"/>
-              </a:defRPr>
-            </a:lvl8pPr>
-            <a:lvl9pPr marL="3886200" indent="-228600" algn="l" defTabSz="914400" rtl="0" eaLnBrk="1" latinLnBrk="0" hangingPunct="1">
-              <a:lnSpc>
-                <a:spcPct val="90000"/>
-              </a:lnSpc>
-              <a:spcBef>
-                <a:spcPts val="500"/>
-              </a:spcBef>
-              <a:buFont typeface="Arial" panose="020B0604020202020204" pitchFamily="34" charset="0"/>
-              <a:buChar char="•"/>
-              <a:defRPr sz="1800" kern="1200">
-                <a:solidFill>
-                  <a:schemeClr val="tx1"/>
-                </a:solidFill>
-                <a:latin typeface="+mn-lt"/>
-                <a:ea typeface="+mn-ea"/>
-                <a:cs typeface="+mn-cs"/>
-              </a:defRPr>
-            </a:lvl9pPr>
-          </a:lstStyle>
-          <a:p>
-            <a:pPr marL="0" indent="0">
-              <a:buNone/>
-            </a:pPr>
-            <a:r>
-              <a:rPr lang="en-US" dirty="0"/>
-              <a:t>Why?</a:t>
-            </a:r>
-          </a:p>
-        </p:txBody>
-      </p:sp>
-    </p:spTree>
-    <p:extLst>
-      <p:ext uri="{BB962C8B-B14F-4D97-AF65-F5344CB8AC3E}">
-        <p14:creationId xmlns:p14="http://schemas.microsoft.com/office/powerpoint/2010/main" val="2576156856"/>
-      </p:ext>
-    </p:extLst>
-  </p:cSld>
-  <p:clrMapOvr>
-    <a:masterClrMapping/>
-  </p:clrMapOvr>
-</p:sld>
-</file>
-
-<file path=ppt/slides/slide21.xml><?xml version="1.0" encoding="utf-8"?>
-<p:sld xmlns:a="http://schemas.openxmlformats.org/drawingml/2006/main" xmlns:r="http://schemas.openxmlformats.org/officeDocument/2006/relationships" xmlns:p="http://schemas.openxmlformats.org/presentationml/2006/main">
-  <p:cSld>
-    <p:spTree>
-      <p:nvGrpSpPr>
-        <p:cNvPr id="1" name=""/>
-        <p:cNvGrpSpPr/>
-        <p:nvPr/>
-      </p:nvGrpSpPr>
-      <p:grpSpPr>
-        <a:xfrm>
-          <a:off x="0" y="0"/>
-          <a:ext cx="0" cy="0"/>
-          <a:chOff x="0" y="0"/>
-          <a:chExt cx="0" cy="0"/>
-        </a:xfrm>
-      </p:grpSpPr>
-      <p:sp>
-        <p:nvSpPr>
-          <p:cNvPr id="2" name="Title 1">
-            <a:extLst>
-              <a:ext uri="{FF2B5EF4-FFF2-40B4-BE49-F238E27FC236}">
-                <a16:creationId xmlns:a16="http://schemas.microsoft.com/office/drawing/2014/main" id="{D47DE0EA-8D0E-4F71-BA30-530045163A55}"/>
-              </a:ext>
-            </a:extLst>
-          </p:cNvPr>
-          <p:cNvSpPr>
-            <a:spLocks noGrp="1"/>
-          </p:cNvSpPr>
-          <p:nvPr>
-            <p:ph type="title"/>
-          </p:nvPr>
-        </p:nvSpPr>
-        <p:spPr>
-          <a:xfrm>
-            <a:off x="838199" y="181339"/>
-            <a:ext cx="9095913" cy="1325563"/>
-          </a:xfrm>
-        </p:spPr>
-        <p:txBody>
-          <a:bodyPr/>
-          <a:lstStyle/>
-          <a:p>
-            <a:r>
-              <a:rPr lang="en-MY" dirty="0"/>
-              <a:t>Story so far</a:t>
-            </a:r>
-          </a:p>
-        </p:txBody>
-      </p:sp>
-      <p:pic>
-        <p:nvPicPr>
-          <p:cNvPr id="12" name="Picture 11">
-            <a:extLst>
-              <a:ext uri="{FF2B5EF4-FFF2-40B4-BE49-F238E27FC236}">
-                <a16:creationId xmlns:a16="http://schemas.microsoft.com/office/drawing/2014/main" id="{DA0CF328-123E-40C8-ACB4-BEEE2929B7F0}"/>
-              </a:ext>
-            </a:extLst>
-          </p:cNvPr>
-          <p:cNvPicPr>
-            <a:picLocks noChangeAspect="1"/>
-          </p:cNvPicPr>
-          <p:nvPr/>
-        </p:nvPicPr>
-        <p:blipFill>
-          <a:blip r:embed="rId3"/>
-          <a:stretch>
-            <a:fillRect/>
-          </a:stretch>
-        </p:blipFill>
-        <p:spPr>
-          <a:xfrm>
-            <a:off x="838199" y="1610187"/>
-            <a:ext cx="9914765" cy="4598152"/>
-          </a:xfrm>
-          <a:prstGeom prst="rect">
-            <a:avLst/>
-          </a:prstGeom>
-        </p:spPr>
-      </p:pic>
-    </p:spTree>
-    <p:extLst>
-      <p:ext uri="{BB962C8B-B14F-4D97-AF65-F5344CB8AC3E}">
-        <p14:creationId xmlns:p14="http://schemas.microsoft.com/office/powerpoint/2010/main" val="3092724317"/>
-      </p:ext>
-    </p:extLst>
-  </p:cSld>
-  <p:clrMapOvr>
-    <a:masterClrMapping/>
-  </p:clrMapOvr>
-</p:sld>
-</file>
-
-<file path=ppt/slides/slide22.xml><?xml version="1.0" encoding="utf-8"?>
-<p:sld xmlns:a="http://schemas.openxmlformats.org/drawingml/2006/main" xmlns:r="http://schemas.openxmlformats.org/officeDocument/2006/relationships" xmlns:p="http://schemas.openxmlformats.org/presentationml/2006/main">
-  <p:cSld>
-    <p:spTree>
-      <p:nvGrpSpPr>
-        <p:cNvPr id="1" name=""/>
-        <p:cNvGrpSpPr/>
-        <p:nvPr/>
-      </p:nvGrpSpPr>
-      <p:grpSpPr>
-        <a:xfrm>
-          <a:off x="0" y="0"/>
-          <a:ext cx="0" cy="0"/>
-          <a:chOff x="0" y="0"/>
-          <a:chExt cx="0" cy="0"/>
-        </a:xfrm>
-      </p:grpSpPr>
-      <p:sp>
-        <p:nvSpPr>
-          <p:cNvPr id="2" name="Title 1">
-            <a:extLst>
-              <a:ext uri="{FF2B5EF4-FFF2-40B4-BE49-F238E27FC236}">
-                <a16:creationId xmlns:a16="http://schemas.microsoft.com/office/drawing/2014/main" id="{D47DE0EA-8D0E-4F71-BA30-530045163A55}"/>
-              </a:ext>
-            </a:extLst>
-          </p:cNvPr>
-          <p:cNvSpPr>
-            <a:spLocks noGrp="1"/>
-          </p:cNvSpPr>
-          <p:nvPr>
-            <p:ph type="title"/>
-          </p:nvPr>
-        </p:nvSpPr>
-        <p:spPr>
-          <a:xfrm>
-            <a:off x="838200" y="142580"/>
-            <a:ext cx="8334376" cy="1325563"/>
-          </a:xfrm>
-        </p:spPr>
-        <p:txBody>
-          <a:bodyPr/>
-          <a:lstStyle/>
-          <a:p>
-            <a:r>
-              <a:rPr lang="en-MY" dirty="0"/>
-              <a:t>Remote repository, </a:t>
-            </a:r>
-            <a:r>
-              <a:rPr lang="en-MY" dirty="0" err="1"/>
-              <a:t>github</a:t>
-            </a:r>
-            <a:r>
-              <a:rPr lang="en-MY" dirty="0"/>
-              <a:t>!</a:t>
-            </a:r>
-          </a:p>
-        </p:txBody>
-      </p:sp>
-      <p:sp>
-        <p:nvSpPr>
-          <p:cNvPr id="3" name="Content Placeholder 2">
-            <a:extLst>
-              <a:ext uri="{FF2B5EF4-FFF2-40B4-BE49-F238E27FC236}">
-                <a16:creationId xmlns:a16="http://schemas.microsoft.com/office/drawing/2014/main" id="{4A1CEAAC-31C8-41BE-BB8B-21876DCAE696}"/>
-              </a:ext>
-            </a:extLst>
-          </p:cNvPr>
-          <p:cNvSpPr>
-            <a:spLocks noGrp="1"/>
-          </p:cNvSpPr>
-          <p:nvPr>
-            <p:ph idx="1"/>
-          </p:nvPr>
-        </p:nvSpPr>
-        <p:spPr/>
-        <p:txBody>
-          <a:bodyPr/>
-          <a:lstStyle/>
-          <a:p>
-            <a:r>
-              <a:rPr lang="en-MY" dirty="0"/>
-              <a:t>Origin refers to the remote repository’s name by convention.</a:t>
-            </a:r>
-          </a:p>
-          <a:p>
-            <a:endParaRPr lang="en-MY" dirty="0"/>
-          </a:p>
-          <a:p>
-            <a:endParaRPr lang="en-MY" dirty="0"/>
-          </a:p>
-          <a:p>
-            <a:endParaRPr lang="en-MY" dirty="0"/>
-          </a:p>
-          <a:p>
-            <a:endParaRPr lang="en-MY" dirty="0"/>
-          </a:p>
-        </p:txBody>
-      </p:sp>
-      <p:pic>
-        <p:nvPicPr>
-          <p:cNvPr id="6" name="Picture 5" descr="Text&#10;&#10;Description automatically generated">
-            <a:extLst>
-              <a:ext uri="{FF2B5EF4-FFF2-40B4-BE49-F238E27FC236}">
-                <a16:creationId xmlns:a16="http://schemas.microsoft.com/office/drawing/2014/main" id="{DF05D3C2-2C51-4B63-BB54-8459435A7C9C}"/>
-              </a:ext>
-            </a:extLst>
-          </p:cNvPr>
-          <p:cNvPicPr>
-            <a:picLocks noChangeAspect="1"/>
-          </p:cNvPicPr>
-          <p:nvPr/>
-        </p:nvPicPr>
-        <p:blipFill>
-          <a:blip r:embed="rId2"/>
-          <a:stretch>
-            <a:fillRect/>
-          </a:stretch>
-        </p:blipFill>
-        <p:spPr>
-          <a:xfrm>
-            <a:off x="283808" y="2563509"/>
-            <a:ext cx="8111629" cy="3260821"/>
-          </a:xfrm>
-          <a:prstGeom prst="rect">
-            <a:avLst/>
-          </a:prstGeom>
-        </p:spPr>
-      </p:pic>
-    </p:spTree>
-    <p:extLst>
-      <p:ext uri="{BB962C8B-B14F-4D97-AF65-F5344CB8AC3E}">
-        <p14:creationId xmlns:p14="http://schemas.microsoft.com/office/powerpoint/2010/main" val="1279877014"/>
-      </p:ext>
-    </p:extLst>
-  </p:cSld>
-  <p:clrMapOvr>
-    <a:masterClrMapping/>
-  </p:clrMapOvr>
-</p:sld>
-</file>
-
-<file path=ppt/slides/slide23.xml><?xml version="1.0" encoding="utf-8"?>
-<p:sld xmlns:a="http://schemas.openxmlformats.org/drawingml/2006/main" xmlns:r="http://schemas.openxmlformats.org/officeDocument/2006/relationships" xmlns:p="http://schemas.openxmlformats.org/presentationml/2006/main">
-  <p:cSld>
-    <p:spTree>
-      <p:nvGrpSpPr>
-        <p:cNvPr id="1" name=""/>
-        <p:cNvGrpSpPr/>
-        <p:nvPr/>
-      </p:nvGrpSpPr>
-      <p:grpSpPr>
-        <a:xfrm>
-          <a:off x="0" y="0"/>
-          <a:ext cx="0" cy="0"/>
-          <a:chOff x="0" y="0"/>
-          <a:chExt cx="0" cy="0"/>
-        </a:xfrm>
-      </p:grpSpPr>
-      <p:sp>
-        <p:nvSpPr>
-          <p:cNvPr id="3" name="Content Placeholder 2">
-            <a:extLst>
-              <a:ext uri="{FF2B5EF4-FFF2-40B4-BE49-F238E27FC236}">
-                <a16:creationId xmlns:a16="http://schemas.microsoft.com/office/drawing/2014/main" id="{09C0B1CC-DFB4-4DD5-9284-F0C0D09EEC7C}"/>
-              </a:ext>
-            </a:extLst>
-          </p:cNvPr>
-          <p:cNvSpPr>
-            <a:spLocks noGrp="1"/>
-          </p:cNvSpPr>
-          <p:nvPr>
-            <p:ph idx="1"/>
-          </p:nvPr>
-        </p:nvSpPr>
-        <p:spPr>
-          <a:xfrm>
-            <a:off x="838200" y="1800520"/>
-            <a:ext cx="10515599" cy="1628480"/>
-          </a:xfrm>
-        </p:spPr>
-        <p:txBody>
-          <a:bodyPr/>
-          <a:lstStyle/>
-          <a:p>
-            <a:r>
-              <a:rPr lang="en-MY" dirty="0"/>
-              <a:t>.</a:t>
-            </a:r>
-            <a:r>
-              <a:rPr lang="en-MY" dirty="0" err="1"/>
-              <a:t>gitignore</a:t>
-            </a:r>
-            <a:r>
-              <a:rPr lang="en-MY" dirty="0"/>
-              <a:t> is a way to ignore files in Git</a:t>
-            </a:r>
-          </a:p>
-          <a:p>
-            <a:r>
-              <a:rPr lang="en-MY" dirty="0"/>
-              <a:t>README.md is to display text on GitHub</a:t>
-            </a:r>
-          </a:p>
-          <a:p>
-            <a:endParaRPr lang="en-MY" dirty="0"/>
-          </a:p>
-        </p:txBody>
-      </p:sp>
-      <p:sp>
-        <p:nvSpPr>
-          <p:cNvPr id="14" name="Title 1">
-            <a:extLst>
-              <a:ext uri="{FF2B5EF4-FFF2-40B4-BE49-F238E27FC236}">
-                <a16:creationId xmlns:a16="http://schemas.microsoft.com/office/drawing/2014/main" id="{CB6EE48A-B4E1-49F8-9666-8F14CD82CB13}"/>
-              </a:ext>
-            </a:extLst>
-          </p:cNvPr>
-          <p:cNvSpPr>
-            <a:spLocks noGrp="1"/>
-          </p:cNvSpPr>
-          <p:nvPr>
-            <p:ph type="title"/>
-          </p:nvPr>
-        </p:nvSpPr>
-        <p:spPr>
-          <a:xfrm>
-            <a:off x="838200" y="143558"/>
-            <a:ext cx="8334376" cy="1325563"/>
-          </a:xfrm>
-        </p:spPr>
-        <p:txBody>
-          <a:bodyPr/>
-          <a:lstStyle/>
-          <a:p>
-            <a:r>
-              <a:rPr lang="en-US" dirty="0"/>
-              <a:t>Common additional files</a:t>
-            </a:r>
-          </a:p>
-        </p:txBody>
-      </p:sp>
-      <p:pic>
-        <p:nvPicPr>
-          <p:cNvPr id="4" name="Picture 3" descr="Text&#10;&#10;Description automatically generated">
-            <a:extLst>
-              <a:ext uri="{FF2B5EF4-FFF2-40B4-BE49-F238E27FC236}">
-                <a16:creationId xmlns:a16="http://schemas.microsoft.com/office/drawing/2014/main" id="{8D7378DC-8BE2-4C03-9CD8-8A00BCC48748}"/>
-              </a:ext>
-            </a:extLst>
-          </p:cNvPr>
-          <p:cNvPicPr>
-            <a:picLocks noChangeAspect="1"/>
-          </p:cNvPicPr>
-          <p:nvPr/>
-        </p:nvPicPr>
-        <p:blipFill>
-          <a:blip r:embed="rId2"/>
-          <a:stretch>
-            <a:fillRect/>
-          </a:stretch>
-        </p:blipFill>
-        <p:spPr>
-          <a:xfrm>
-            <a:off x="143060" y="2794684"/>
-            <a:ext cx="6758813" cy="3175986"/>
-          </a:xfrm>
-          <a:prstGeom prst="rect">
-            <a:avLst/>
-          </a:prstGeom>
-        </p:spPr>
-      </p:pic>
-    </p:spTree>
-    <p:extLst>
-      <p:ext uri="{BB962C8B-B14F-4D97-AF65-F5344CB8AC3E}">
-        <p14:creationId xmlns:p14="http://schemas.microsoft.com/office/powerpoint/2010/main" val="3478408731"/>
-      </p:ext>
-    </p:extLst>
-  </p:cSld>
-  <p:clrMapOvr>
-    <a:masterClrMapping/>
-  </p:clrMapOvr>
-</p:sld>
-</file>
-
-<file path=ppt/slides/slide24.xml><?xml version="1.0" encoding="utf-8"?>
-<p:sld xmlns:a="http://schemas.openxmlformats.org/drawingml/2006/main" xmlns:r="http://schemas.openxmlformats.org/officeDocument/2006/relationships" xmlns:p="http://schemas.openxmlformats.org/presentationml/2006/main">
-  <p:cSld>
-    <p:spTree>
-      <p:nvGrpSpPr>
-        <p:cNvPr id="1" name=""/>
-        <p:cNvGrpSpPr/>
-        <p:nvPr/>
-      </p:nvGrpSpPr>
-      <p:grpSpPr>
-        <a:xfrm>
-          <a:off x="0" y="0"/>
-          <a:ext cx="0" cy="0"/>
-          <a:chOff x="0" y="0"/>
-          <a:chExt cx="0" cy="0"/>
-        </a:xfrm>
-      </p:grpSpPr>
-      <p:sp>
-        <p:nvSpPr>
-          <p:cNvPr id="2" name="Title 1">
-            <a:extLst>
-              <a:ext uri="{FF2B5EF4-FFF2-40B4-BE49-F238E27FC236}">
-                <a16:creationId xmlns:a16="http://schemas.microsoft.com/office/drawing/2014/main" id="{D47DE0EA-8D0E-4F71-BA30-530045163A55}"/>
-              </a:ext>
-            </a:extLst>
-          </p:cNvPr>
-          <p:cNvSpPr>
-            <a:spLocks noGrp="1"/>
-          </p:cNvSpPr>
-          <p:nvPr>
-            <p:ph type="title"/>
-          </p:nvPr>
-        </p:nvSpPr>
-        <p:spPr>
-          <a:xfrm>
-            <a:off x="838200" y="181339"/>
-            <a:ext cx="8334376" cy="1325563"/>
-          </a:xfrm>
-        </p:spPr>
-        <p:txBody>
-          <a:bodyPr/>
-          <a:lstStyle/>
-          <a:p>
-            <a:r>
-              <a:rPr lang="en-MY" dirty="0"/>
-              <a:t>Adding a remote repository</a:t>
-            </a:r>
-          </a:p>
-        </p:txBody>
-      </p:sp>
-      <p:sp>
-        <p:nvSpPr>
-          <p:cNvPr id="3" name="Content Placeholder 2">
-            <a:extLst>
-              <a:ext uri="{FF2B5EF4-FFF2-40B4-BE49-F238E27FC236}">
-                <a16:creationId xmlns:a16="http://schemas.microsoft.com/office/drawing/2014/main" id="{4A1CEAAC-31C8-41BE-BB8B-21876DCAE696}"/>
-              </a:ext>
-            </a:extLst>
-          </p:cNvPr>
-          <p:cNvSpPr>
-            <a:spLocks noGrp="1"/>
-          </p:cNvSpPr>
-          <p:nvPr>
-            <p:ph idx="1"/>
-          </p:nvPr>
-        </p:nvSpPr>
-        <p:spPr/>
-        <p:txBody>
-          <a:bodyPr/>
-          <a:lstStyle/>
-          <a:p>
-            <a:r>
-              <a:rPr lang="en-MY" dirty="0"/>
-              <a:t>git clone implicitly adds the remote repo for you under the name origin</a:t>
-            </a:r>
-          </a:p>
-          <a:p>
-            <a:r>
-              <a:rPr lang="en-MY" dirty="0"/>
-              <a:t>To add one explicitly:</a:t>
-            </a:r>
-          </a:p>
-          <a:p>
-            <a:endParaRPr lang="en-MY" dirty="0"/>
-          </a:p>
-          <a:p>
-            <a:endParaRPr lang="en-MY" dirty="0"/>
-          </a:p>
-          <a:p>
-            <a:endParaRPr lang="en-MY" dirty="0"/>
-          </a:p>
-          <a:p>
-            <a:endParaRPr lang="en-MY" dirty="0"/>
-          </a:p>
-        </p:txBody>
-      </p:sp>
-      <p:pic>
-        <p:nvPicPr>
-          <p:cNvPr id="5" name="Picture 4" descr="Text&#10;&#10;Description automatically generated">
-            <a:extLst>
-              <a:ext uri="{FF2B5EF4-FFF2-40B4-BE49-F238E27FC236}">
-                <a16:creationId xmlns:a16="http://schemas.microsoft.com/office/drawing/2014/main" id="{2EAD8331-A85E-41BB-A7E6-B528E920A950}"/>
-              </a:ext>
-            </a:extLst>
-          </p:cNvPr>
-          <p:cNvPicPr>
-            <a:picLocks noChangeAspect="1"/>
-          </p:cNvPicPr>
-          <p:nvPr/>
-        </p:nvPicPr>
-        <p:blipFill>
-          <a:blip r:embed="rId3"/>
-          <a:stretch>
-            <a:fillRect/>
-          </a:stretch>
-        </p:blipFill>
-        <p:spPr>
-          <a:xfrm>
-            <a:off x="114909" y="2949888"/>
-            <a:ext cx="9625263" cy="3726773"/>
-          </a:xfrm>
-          <a:prstGeom prst="rect">
-            <a:avLst/>
-          </a:prstGeom>
-        </p:spPr>
-      </p:pic>
-    </p:spTree>
-    <p:extLst>
-      <p:ext uri="{BB962C8B-B14F-4D97-AF65-F5344CB8AC3E}">
-        <p14:creationId xmlns:p14="http://schemas.microsoft.com/office/powerpoint/2010/main" val="3163654555"/>
-      </p:ext>
-    </p:extLst>
-  </p:cSld>
-  <p:clrMapOvr>
-    <a:masterClrMapping/>
-  </p:clrMapOvr>
-</p:sld>
-</file>
-
-<file path=ppt/slides/slide25.xml><?xml version="1.0" encoding="utf-8"?>
-<p:sld xmlns:a="http://schemas.openxmlformats.org/drawingml/2006/main" xmlns:r="http://schemas.openxmlformats.org/officeDocument/2006/relationships" xmlns:p="http://schemas.openxmlformats.org/presentationml/2006/main">
-  <p:cSld>
-    <p:spTree>
-      <p:nvGrpSpPr>
-        <p:cNvPr id="1" name=""/>
-        <p:cNvGrpSpPr/>
-        <p:nvPr/>
-      </p:nvGrpSpPr>
-      <p:grpSpPr>
-        <a:xfrm>
-          <a:off x="0" y="0"/>
-          <a:ext cx="0" cy="0"/>
-          <a:chOff x="0" y="0"/>
-          <a:chExt cx="0" cy="0"/>
-        </a:xfrm>
-      </p:grpSpPr>
-      <p:sp>
-        <p:nvSpPr>
-          <p:cNvPr id="2" name="Title 1">
-            <a:extLst>
-              <a:ext uri="{FF2B5EF4-FFF2-40B4-BE49-F238E27FC236}">
-                <a16:creationId xmlns:a16="http://schemas.microsoft.com/office/drawing/2014/main" id="{D47DE0EA-8D0E-4F71-BA30-530045163A55}"/>
-              </a:ext>
-            </a:extLst>
-          </p:cNvPr>
-          <p:cNvSpPr>
-            <a:spLocks noGrp="1"/>
-          </p:cNvSpPr>
-          <p:nvPr>
-            <p:ph type="title"/>
-          </p:nvPr>
-        </p:nvSpPr>
-        <p:spPr>
-          <a:xfrm>
-            <a:off x="838200" y="181339"/>
-            <a:ext cx="8334376" cy="1325563"/>
-          </a:xfrm>
-        </p:spPr>
-        <p:txBody>
-          <a:bodyPr/>
-          <a:lstStyle/>
-          <a:p>
-            <a:r>
-              <a:rPr lang="en-MY" dirty="0"/>
-              <a:t>Fetching and pulling</a:t>
-            </a:r>
-          </a:p>
-        </p:txBody>
-      </p:sp>
-      <p:sp>
-        <p:nvSpPr>
-          <p:cNvPr id="3" name="Content Placeholder 2">
-            <a:extLst>
-              <a:ext uri="{FF2B5EF4-FFF2-40B4-BE49-F238E27FC236}">
-                <a16:creationId xmlns:a16="http://schemas.microsoft.com/office/drawing/2014/main" id="{4A1CEAAC-31C8-41BE-BB8B-21876DCAE696}"/>
-              </a:ext>
-            </a:extLst>
-          </p:cNvPr>
-          <p:cNvSpPr>
-            <a:spLocks noGrp="1"/>
-          </p:cNvSpPr>
-          <p:nvPr>
-            <p:ph idx="1"/>
-          </p:nvPr>
-        </p:nvSpPr>
-        <p:spPr>
-          <a:xfrm>
-            <a:off x="838200" y="1506902"/>
-            <a:ext cx="10515600" cy="4351338"/>
-          </a:xfrm>
-        </p:spPr>
-        <p:txBody>
-          <a:bodyPr/>
-          <a:lstStyle/>
-          <a:p>
-            <a:r>
-              <a:rPr lang="en-MY" dirty="0"/>
-              <a:t>git fetch command only downloads the data to your local repo but it does not merge or modify your work.</a:t>
-            </a:r>
-          </a:p>
-          <a:p>
-            <a:r>
-              <a:rPr lang="en-MY" dirty="0"/>
-              <a:t>You have to do this manually.</a:t>
-            </a:r>
-          </a:p>
-          <a:p>
-            <a:r>
-              <a:rPr lang="en-MY" dirty="0"/>
-              <a:t>git pull fetches the data and then merges that remote branch into your current branch. Additionally, git clone automatically sets up your local main branch to track the remote main branch.</a:t>
-            </a:r>
-          </a:p>
-          <a:p>
-            <a:endParaRPr lang="en-MY" dirty="0"/>
-          </a:p>
-          <a:p>
-            <a:endParaRPr lang="en-MY" dirty="0"/>
-          </a:p>
-          <a:p>
-            <a:endParaRPr lang="en-MY" dirty="0"/>
-          </a:p>
-        </p:txBody>
-      </p:sp>
-      <p:pic>
-        <p:nvPicPr>
-          <p:cNvPr id="8" name="Picture 7" descr="Text&#10;&#10;Description automatically generated">
-            <a:extLst>
-              <a:ext uri="{FF2B5EF4-FFF2-40B4-BE49-F238E27FC236}">
-                <a16:creationId xmlns:a16="http://schemas.microsoft.com/office/drawing/2014/main" id="{E93962E7-466C-4B3E-AFA9-545F232B1927}"/>
-              </a:ext>
-            </a:extLst>
-          </p:cNvPr>
-          <p:cNvPicPr>
-            <a:picLocks noChangeAspect="1"/>
-          </p:cNvPicPr>
-          <p:nvPr/>
-        </p:nvPicPr>
-        <p:blipFill>
-          <a:blip r:embed="rId3"/>
-          <a:stretch>
-            <a:fillRect/>
-          </a:stretch>
-        </p:blipFill>
-        <p:spPr>
-          <a:xfrm>
-            <a:off x="238398" y="3650516"/>
-            <a:ext cx="8256233" cy="3533287"/>
-          </a:xfrm>
-          <a:prstGeom prst="rect">
-            <a:avLst/>
-          </a:prstGeom>
-        </p:spPr>
-      </p:pic>
-    </p:spTree>
-    <p:extLst>
-      <p:ext uri="{BB962C8B-B14F-4D97-AF65-F5344CB8AC3E}">
-        <p14:creationId xmlns:p14="http://schemas.microsoft.com/office/powerpoint/2010/main" val="4023501392"/>
-      </p:ext>
-    </p:extLst>
-  </p:cSld>
-  <p:clrMapOvr>
-    <a:masterClrMapping/>
-  </p:clrMapOvr>
-</p:sld>
-</file>
-
-<file path=ppt/slides/slide26.xml><?xml version="1.0" encoding="utf-8"?>
-<p:sld xmlns:a="http://schemas.openxmlformats.org/drawingml/2006/main" xmlns:r="http://schemas.openxmlformats.org/officeDocument/2006/relationships" xmlns:p="http://schemas.openxmlformats.org/presentationml/2006/main">
-  <p:cSld>
-    <p:spTree>
-      <p:nvGrpSpPr>
-        <p:cNvPr id="1" name=""/>
-        <p:cNvGrpSpPr/>
-        <p:nvPr/>
-      </p:nvGrpSpPr>
-      <p:grpSpPr>
-        <a:xfrm>
-          <a:off x="0" y="0"/>
-          <a:ext cx="0" cy="0"/>
-          <a:chOff x="0" y="0"/>
-          <a:chExt cx="0" cy="0"/>
-        </a:xfrm>
-      </p:grpSpPr>
-      <p:sp>
-        <p:nvSpPr>
-          <p:cNvPr id="2" name="Title 1">
-            <a:extLst>
-              <a:ext uri="{FF2B5EF4-FFF2-40B4-BE49-F238E27FC236}">
-                <a16:creationId xmlns:a16="http://schemas.microsoft.com/office/drawing/2014/main" id="{D47DE0EA-8D0E-4F71-BA30-530045163A55}"/>
-              </a:ext>
-            </a:extLst>
-          </p:cNvPr>
-          <p:cNvSpPr>
-            <a:spLocks noGrp="1"/>
-          </p:cNvSpPr>
-          <p:nvPr>
-            <p:ph type="title"/>
-          </p:nvPr>
-        </p:nvSpPr>
-        <p:spPr>
-          <a:xfrm>
-            <a:off x="838200" y="181339"/>
-            <a:ext cx="8334376" cy="1325563"/>
-          </a:xfrm>
-        </p:spPr>
-        <p:txBody>
-          <a:bodyPr/>
-          <a:lstStyle/>
-          <a:p>
-            <a:r>
-              <a:rPr lang="en-MY" dirty="0"/>
-              <a:t>Pushing</a:t>
-            </a:r>
-          </a:p>
-        </p:txBody>
-      </p:sp>
-      <p:sp>
-        <p:nvSpPr>
-          <p:cNvPr id="3" name="Content Placeholder 2">
-            <a:extLst>
-              <a:ext uri="{FF2B5EF4-FFF2-40B4-BE49-F238E27FC236}">
-                <a16:creationId xmlns:a16="http://schemas.microsoft.com/office/drawing/2014/main" id="{4A1CEAAC-31C8-41BE-BB8B-21876DCAE696}"/>
-              </a:ext>
-            </a:extLst>
-          </p:cNvPr>
-          <p:cNvSpPr>
-            <a:spLocks noGrp="1"/>
-          </p:cNvSpPr>
-          <p:nvPr>
-            <p:ph idx="1"/>
-          </p:nvPr>
-        </p:nvSpPr>
-        <p:spPr/>
-        <p:txBody>
-          <a:bodyPr/>
-          <a:lstStyle/>
-          <a:p>
-            <a:r>
-              <a:rPr lang="en-MY" dirty="0"/>
-              <a:t>Ready to share?</a:t>
-            </a:r>
-          </a:p>
-          <a:p>
-            <a:r>
-              <a:rPr lang="en-MY" dirty="0"/>
-              <a:t>What happens when multiple people push at the same time? How about if you push before pulling?</a:t>
-            </a:r>
-          </a:p>
-          <a:p>
-            <a:r>
-              <a:rPr lang="en-MY" dirty="0"/>
-              <a:t>You’ll get errors or conflicts! So always </a:t>
-            </a:r>
-            <a:r>
-              <a:rPr lang="en-MY" dirty="0">
-                <a:solidFill>
-                  <a:schemeClr val="accent4"/>
-                </a:solidFill>
-              </a:rPr>
-              <a:t>git pull </a:t>
-            </a:r>
-            <a:r>
-              <a:rPr lang="en-MY" dirty="0"/>
-              <a:t>before </a:t>
-            </a:r>
-            <a:r>
-              <a:rPr lang="en-MY" dirty="0">
-                <a:solidFill>
-                  <a:schemeClr val="accent4"/>
-                </a:solidFill>
-              </a:rPr>
-              <a:t>git push</a:t>
-            </a:r>
-          </a:p>
-          <a:p>
-            <a:endParaRPr lang="en-MY" dirty="0"/>
-          </a:p>
-          <a:p>
-            <a:endParaRPr lang="en-MY" dirty="0"/>
-          </a:p>
-          <a:p>
-            <a:endParaRPr lang="en-MY" dirty="0"/>
-          </a:p>
-        </p:txBody>
-      </p:sp>
-      <p:pic>
-        <p:nvPicPr>
-          <p:cNvPr id="5" name="Picture 4" descr="Graphical user interface, text&#10;&#10;Description automatically generated">
-            <a:extLst>
-              <a:ext uri="{FF2B5EF4-FFF2-40B4-BE49-F238E27FC236}">
-                <a16:creationId xmlns:a16="http://schemas.microsoft.com/office/drawing/2014/main" id="{7962B4B9-8D8A-42AF-9521-CBBFE0D416F7}"/>
-              </a:ext>
-            </a:extLst>
-          </p:cNvPr>
-          <p:cNvPicPr>
-            <a:picLocks noChangeAspect="1"/>
-          </p:cNvPicPr>
-          <p:nvPr/>
-        </p:nvPicPr>
-        <p:blipFill>
-          <a:blip r:embed="rId3"/>
-          <a:stretch>
-            <a:fillRect/>
-          </a:stretch>
-        </p:blipFill>
-        <p:spPr>
-          <a:xfrm>
-            <a:off x="149087" y="3594933"/>
-            <a:ext cx="10289219" cy="2900753"/>
-          </a:xfrm>
-          <a:prstGeom prst="rect">
-            <a:avLst/>
-          </a:prstGeom>
-        </p:spPr>
-      </p:pic>
-    </p:spTree>
-    <p:extLst>
-      <p:ext uri="{BB962C8B-B14F-4D97-AF65-F5344CB8AC3E}">
-        <p14:creationId xmlns:p14="http://schemas.microsoft.com/office/powerpoint/2010/main" val="1261939104"/>
-      </p:ext>
-    </p:extLst>
-  </p:cSld>
-  <p:clrMapOvr>
-    <a:masterClrMapping/>
-  </p:clrMapOvr>
-</p:sld>
-</file>
-
-<file path=ppt/slides/slide27.xml><?xml version="1.0" encoding="utf-8"?>
 <p:sld xmlns:a="http://schemas.openxmlformats.org/drawingml/2006/main" xmlns:r="http://schemas.openxmlformats.org/officeDocument/2006/relationships" xmlns:p="http://schemas.openxmlformats.org/presentationml/2006/main">
   <p:cSld>
     <p:spTree>
@@ -14085,7 +12982,7 @@
 </p:sld>
 </file>
 
-<file path=ppt/slides/slide28.xml><?xml version="1.0" encoding="utf-8"?>
+<file path=ppt/slides/slide21.xml><?xml version="1.0" encoding="utf-8"?>
 <p:sld xmlns:a="http://schemas.openxmlformats.org/drawingml/2006/main" xmlns:r="http://schemas.openxmlformats.org/officeDocument/2006/relationships" xmlns:p="http://schemas.openxmlformats.org/presentationml/2006/main">
   <p:cSld>
     <p:spTree>
@@ -14845,7 +13742,7 @@
         </p:nvSpPr>
         <p:spPr>
           <a:xfrm>
-            <a:off x="6587233" y="3472582"/>
+            <a:off x="6587232" y="3705392"/>
             <a:ext cx="1518081" cy="556005"/>
           </a:xfrm>
           <a:prstGeom prst="rect">
@@ -14910,7 +13807,7 @@
         <p:spPr>
           <a:xfrm flipH="1" flipV="1">
             <a:off x="6024980" y="3739489"/>
-            <a:ext cx="562253" cy="11096"/>
+            <a:ext cx="562252" cy="243906"/>
           </a:xfrm>
           <a:prstGeom prst="straightConnector1">
             <a:avLst/>
@@ -14948,7 +13845,7 @@
         </p:nvSpPr>
         <p:spPr>
           <a:xfrm>
-            <a:off x="6587233" y="4620761"/>
+            <a:off x="6587232" y="4853571"/>
             <a:ext cx="1518081" cy="556005"/>
           </a:xfrm>
           <a:prstGeom prst="rect">
@@ -14980,7 +13877,7 @@
           <a:p>
             <a:pPr algn="ctr"/>
             <a:r>
-              <a:rPr lang="en-MY">
+              <a:rPr lang="en-MY" dirty="0">
                 <a:solidFill>
                   <a:schemeClr val="tx1"/>
                 </a:solidFill>
@@ -14988,12 +13885,6 @@
               </a:rPr>
               <a:t>chap3</a:t>
             </a:r>
-            <a:endParaRPr lang="en-MY" dirty="0">
-              <a:solidFill>
-                <a:schemeClr val="tx1"/>
-              </a:solidFill>
-              <a:latin typeface="+mj-lt"/>
-            </a:endParaRPr>
           </a:p>
         </p:txBody>
       </p:sp>
@@ -15011,7 +13902,7 @@
         </p:nvSpPr>
         <p:spPr>
           <a:xfrm>
-            <a:off x="6587232" y="5575650"/>
+            <a:off x="6587231" y="5808460"/>
             <a:ext cx="1518081" cy="556005"/>
           </a:xfrm>
           <a:prstGeom prst="rect">
@@ -15072,7 +13963,7 @@
         </p:nvCxnSpPr>
         <p:spPr>
           <a:xfrm flipV="1">
-            <a:off x="7346273" y="5176766"/>
+            <a:off x="7346272" y="5409576"/>
             <a:ext cx="1" cy="398884"/>
           </a:xfrm>
           <a:prstGeom prst="straightConnector1">
@@ -15115,7 +14006,7 @@
         </p:nvCxnSpPr>
         <p:spPr>
           <a:xfrm flipV="1">
-            <a:off x="7346274" y="4028587"/>
+            <a:off x="7346273" y="4261397"/>
             <a:ext cx="0" cy="592174"/>
           </a:xfrm>
           <a:prstGeom prst="straightConnector1">
@@ -15941,6 +14832,132 @@
                       </p:childTnLst>
                     </p:cTn>
                   </p:par>
+                  <p:par>
+                    <p:cTn id="65" fill="hold">
+                      <p:stCondLst>
+                        <p:cond delay="indefinite"/>
+                      </p:stCondLst>
+                      <p:childTnLst>
+                        <p:par>
+                          <p:cTn id="66" fill="hold">
+                            <p:stCondLst>
+                              <p:cond delay="0"/>
+                            </p:stCondLst>
+                            <p:childTnLst>
+                              <p:par>
+                                <p:cTn id="67" presetID="1" presetClass="exit" presetSubtype="0" fill="hold" grpId="1" nodeType="clickEffect">
+                                  <p:stCondLst>
+                                    <p:cond delay="0"/>
+                                  </p:stCondLst>
+                                  <p:childTnLst>
+                                    <p:set>
+                                      <p:cBhvr>
+                                        <p:cTn id="68" dur="1" fill="hold">
+                                          <p:stCondLst>
+                                            <p:cond delay="0"/>
+                                          </p:stCondLst>
+                                        </p:cTn>
+                                        <p:tgtEl>
+                                          <p:spTgt spid="48"/>
+                                        </p:tgtEl>
+                                        <p:attrNameLst>
+                                          <p:attrName>style.visibility</p:attrName>
+                                        </p:attrNameLst>
+                                      </p:cBhvr>
+                                      <p:to>
+                                        <p:strVal val="hidden"/>
+                                      </p:to>
+                                    </p:set>
+                                  </p:childTnLst>
+                                </p:cTn>
+                              </p:par>
+                              <p:par>
+                                <p:cTn id="69" presetID="1" presetClass="exit" presetSubtype="0" fill="hold" nodeType="withEffect">
+                                  <p:stCondLst>
+                                    <p:cond delay="0"/>
+                                  </p:stCondLst>
+                                  <p:childTnLst>
+                                    <p:set>
+                                      <p:cBhvr>
+                                        <p:cTn id="70" dur="1" fill="hold">
+                                          <p:stCondLst>
+                                            <p:cond delay="0"/>
+                                          </p:stCondLst>
+                                        </p:cTn>
+                                        <p:tgtEl>
+                                          <p:spTgt spid="49"/>
+                                        </p:tgtEl>
+                                        <p:attrNameLst>
+                                          <p:attrName>style.visibility</p:attrName>
+                                        </p:attrNameLst>
+                                      </p:cBhvr>
+                                      <p:to>
+                                        <p:strVal val="hidden"/>
+                                      </p:to>
+                                    </p:set>
+                                  </p:childTnLst>
+                                </p:cTn>
+                              </p:par>
+                              <p:par>
+                                <p:cTn id="71" presetID="1" presetClass="entr" presetSubtype="0" fill="hold" grpId="2" nodeType="withEffect">
+                                  <p:stCondLst>
+                                    <p:cond delay="0"/>
+                                  </p:stCondLst>
+                                  <p:childTnLst>
+                                    <p:set>
+                                      <p:cBhvr>
+                                        <p:cTn id="72" dur="1" fill="hold">
+                                          <p:stCondLst>
+                                            <p:cond delay="0"/>
+                                          </p:stCondLst>
+                                        </p:cTn>
+                                        <p:tgtEl>
+                                          <p:spTgt spid="6"/>
+                                        </p:tgtEl>
+                                        <p:attrNameLst>
+                                          <p:attrName>style.visibility</p:attrName>
+                                        </p:attrNameLst>
+                                      </p:cBhvr>
+                                      <p:to>
+                                        <p:strVal val="visible"/>
+                                      </p:to>
+                                    </p:set>
+                                  </p:childTnLst>
+                                </p:cTn>
+                              </p:par>
+                              <p:par>
+                                <p:cTn id="73" presetID="1" presetClass="entr" presetSubtype="0" fill="hold" nodeType="withEffect">
+                                  <p:stCondLst>
+                                    <p:cond delay="0"/>
+                                  </p:stCondLst>
+                                  <p:childTnLst>
+                                    <p:set>
+                                      <p:cBhvr>
+                                        <p:cTn id="74" dur="1" fill="hold">
+                                          <p:stCondLst>
+                                            <p:cond delay="0"/>
+                                          </p:stCondLst>
+                                        </p:cTn>
+                                        <p:tgtEl>
+                                          <p:spTgt spid="17"/>
+                                        </p:tgtEl>
+                                        <p:attrNameLst>
+                                          <p:attrName>style.visibility</p:attrName>
+                                        </p:attrNameLst>
+                                      </p:cBhvr>
+                                      <p:to>
+                                        <p:strVal val="visible"/>
+                                      </p:to>
+                                    </p:set>
+                                  </p:childTnLst>
+                                </p:cTn>
+                              </p:par>
+                            </p:childTnLst>
+                          </p:cTn>
+                        </p:par>
+                      </p:childTnLst>
+                    </p:cTn>
+                  </p:par>
                 </p:childTnLst>
               </p:cTn>
               <p:prevCondLst>
@@ -15965,6 +14982,7 @@
     <p:bldLst>
       <p:bldP spid="6" grpId="0" animBg="1"/>
       <p:bldP spid="6" grpId="1" animBg="1"/>
+      <p:bldP spid="6" grpId="2" animBg="1"/>
       <p:bldP spid="8" grpId="0" animBg="1"/>
       <p:bldP spid="9" grpId="0" animBg="1"/>
       <p:bldP spid="9" grpId="1" animBg="1"/>
@@ -15976,12 +14994,13 @@
       <p:bldP spid="41" grpId="0" animBg="1"/>
       <p:bldP spid="47" grpId="0" animBg="1"/>
       <p:bldP spid="48" grpId="0" animBg="1"/>
+      <p:bldP spid="48" grpId="1" animBg="1"/>
     </p:bldLst>
   </p:timing>
 </p:sld>
 </file>
 
-<file path=ppt/slides/slide29.xml><?xml version="1.0" encoding="utf-8"?>
+<file path=ppt/slides/slide22.xml><?xml version="1.0" encoding="utf-8"?>
 <p:sld xmlns:a="http://schemas.openxmlformats.org/drawingml/2006/main" xmlns:r="http://schemas.openxmlformats.org/officeDocument/2006/relationships" xmlns:p="http://schemas.openxmlformats.org/presentationml/2006/main">
   <p:cSld>
     <p:spTree>
@@ -16109,7 +15128,7 @@
 </p:sld>
 </file>
 
-<file path=ppt/slides/slide3.xml><?xml version="1.0" encoding="utf-8"?>
+<file path=ppt/slides/slide23.xml><?xml version="1.0" encoding="utf-8"?>
 <p:sld xmlns:a="http://schemas.openxmlformats.org/drawingml/2006/main" xmlns:r="http://schemas.openxmlformats.org/officeDocument/2006/relationships" xmlns:p="http://schemas.openxmlformats.org/presentationml/2006/main">
   <p:cSld>
     <p:spTree>
@@ -16128,7 +15147,13 @@
       </p:grpSpPr>
       <p:sp>
         <p:nvSpPr>
-          <p:cNvPr id="2" name="Title 1"/>
+          <p:cNvPr id="2" name="Title 1">
+            <a:extLst>
+              <a:ext uri="{FF2B5EF4-FFF2-40B4-BE49-F238E27FC236}">
+                <a16:creationId xmlns:a16="http://schemas.microsoft.com/office/drawing/2014/main" id="{D47DE0EA-8D0E-4F71-BA30-530045163A55}"/>
+              </a:ext>
+            </a:extLst>
+          </p:cNvPr>
           <p:cNvSpPr>
             <a:spLocks noGrp="1"/>
           </p:cNvSpPr>
@@ -16138,7 +15163,7 @@
         </p:nvSpPr>
         <p:spPr>
           <a:xfrm>
-            <a:off x="838200" y="110002"/>
+            <a:off x="838200" y="163583"/>
             <a:ext cx="8334376" cy="1325563"/>
           </a:xfrm>
         </p:spPr>
@@ -16147,22 +15172,18 @@
           <a:lstStyle/>
           <a:p>
             <a:r>
-              <a:rPr lang="en-US" dirty="0" err="1"/>
-              <a:t>Learnin</a:t>
-            </a:r>
-            <a:r>
-              <a:rPr lang="en-US" dirty="0"/>
-              <a:t> today:</a:t>
-            </a:r>
-          </a:p>
-        </p:txBody>
-      </p:sp>
-      <p:sp>
-        <p:nvSpPr>
-          <p:cNvPr id="14" name="Content Placeholder 13">
+              <a:rPr lang="en-MY" dirty="0"/>
+              <a:t>Pushing a branch</a:t>
+            </a:r>
+          </a:p>
+        </p:txBody>
+      </p:sp>
+      <p:sp>
+        <p:nvSpPr>
+          <p:cNvPr id="29" name="Content Placeholder 2">
             <a:extLst>
               <a:ext uri="{FF2B5EF4-FFF2-40B4-BE49-F238E27FC236}">
-                <a16:creationId xmlns:a16="http://schemas.microsoft.com/office/drawing/2014/main" id="{89DD93C4-882C-4D9C-A2C6-BB1AFBA96F37}"/>
+                <a16:creationId xmlns:a16="http://schemas.microsoft.com/office/drawing/2014/main" id="{CEEDF549-53F1-4D19-82FA-8EE3F12DBB3F}"/>
               </a:ext>
             </a:extLst>
           </p:cNvPr>
@@ -16175,98 +15196,414 @@
         </p:nvSpPr>
         <p:spPr>
           <a:xfrm>
-            <a:off x="838200" y="763480"/>
-            <a:ext cx="10515600" cy="5726097"/>
+            <a:off x="838200" y="1818639"/>
+            <a:ext cx="10809301" cy="4875777"/>
           </a:xfrm>
         </p:spPr>
         <p:txBody>
-          <a:bodyPr numCol="1">
-            <a:noAutofit/>
+          <a:bodyPr>
+            <a:normAutofit/>
           </a:bodyPr>
           <a:lstStyle/>
           <a:p>
+            <a:r>
+              <a:rPr lang="en-MY" dirty="0"/>
+              <a:t>Now, we push the new branch</a:t>
+            </a:r>
+          </a:p>
+          <a:p>
+            <a:r>
+              <a:rPr lang="en-MY" dirty="0"/>
+              <a:t>But it needs to link up to the GitHub repo</a:t>
+            </a:r>
+          </a:p>
+          <a:p>
+            <a:endParaRPr lang="en-MY" dirty="0"/>
+          </a:p>
+          <a:p>
+            <a:endParaRPr lang="en-MY" dirty="0"/>
+          </a:p>
+          <a:p>
+            <a:endParaRPr lang="en-MY" dirty="0"/>
+          </a:p>
+          <a:p>
             <a:pPr marL="0" indent="0">
-              <a:lnSpc>
-                <a:spcPct val="150000"/>
-              </a:lnSpc>
               <a:buNone/>
             </a:pPr>
-            <a:endParaRPr lang="en-MY" sz="2400" dirty="0"/>
-          </a:p>
-          <a:p>
-            <a:pPr marL="342900" indent="-342900">
-              <a:lnSpc>
-                <a:spcPct val="150000"/>
-              </a:lnSpc>
-              <a:buAutoNum type="arabicParenR"/>
+            <a:endParaRPr lang="en-MY" dirty="0"/>
+          </a:p>
+          <a:p>
+            <a:pPr marL="0" indent="0">
+              <a:buNone/>
             </a:pPr>
-            <a:r>
-              <a:rPr lang="en-MY" sz="2400" dirty="0"/>
-              <a:t>Installing and configuring Git</a:t>
-            </a:r>
-          </a:p>
-          <a:p>
-            <a:pPr marL="342900" indent="-342900">
-              <a:lnSpc>
-                <a:spcPct val="150000"/>
-              </a:lnSpc>
-              <a:buAutoNum type="arabicParenR"/>
-            </a:pPr>
-            <a:r>
-              <a:rPr lang="en-MY" sz="2400" dirty="0"/>
-              <a:t>Fundamentals of Git</a:t>
-            </a:r>
-          </a:p>
-          <a:p>
-            <a:pPr marL="342900" indent="-342900">
-              <a:lnSpc>
-                <a:spcPct val="150000"/>
-              </a:lnSpc>
-              <a:buAutoNum type="arabicParenR"/>
-            </a:pPr>
-            <a:r>
-              <a:rPr lang="en-MY" sz="2400" dirty="0"/>
-              <a:t>Using </a:t>
-            </a:r>
-            <a:r>
-              <a:rPr lang="en-MY" sz="2400" dirty="0" err="1"/>
-              <a:t>VSCode</a:t>
-            </a:r>
-            <a:r>
-              <a:rPr lang="en-MY" sz="2400" dirty="0"/>
-              <a:t> with Git</a:t>
-            </a:r>
-          </a:p>
-          <a:p>
-            <a:pPr marL="342900" indent="-342900">
-              <a:lnSpc>
-                <a:spcPct val="150000"/>
-              </a:lnSpc>
-              <a:buAutoNum type="arabicParenR"/>
-            </a:pPr>
-            <a:r>
-              <a:rPr lang="en-MY" sz="2400" dirty="0"/>
-              <a:t>Fundamentals of GitHub</a:t>
-            </a:r>
-          </a:p>
-          <a:p>
-            <a:pPr marL="342900" indent="-342900">
-              <a:lnSpc>
-                <a:spcPct val="150000"/>
-              </a:lnSpc>
-              <a:buAutoNum type="arabicParenR"/>
-            </a:pPr>
-            <a:r>
-              <a:rPr lang="en-MY" sz="2400" dirty="0"/>
-              <a:t>Working as a team using GitHub</a:t>
-            </a:r>
-          </a:p>
-        </p:txBody>
-      </p:sp>
+            <a:endParaRPr lang="en-MY" dirty="0"/>
+          </a:p>
+          <a:p>
+            <a:r>
+              <a:rPr lang="en-MY" dirty="0"/>
+              <a:t>This creates a pull request, which is how we </a:t>
+            </a:r>
+            <a:r>
+              <a:rPr lang="en-MY" dirty="0" err="1"/>
+              <a:t>wanna</a:t>
+            </a:r>
+            <a:r>
+              <a:rPr lang="en-MY" dirty="0"/>
+              <a:t> work in a team!</a:t>
+            </a:r>
+          </a:p>
+        </p:txBody>
+      </p:sp>
+      <p:grpSp>
+        <p:nvGrpSpPr>
+          <p:cNvPr id="5" name="Group 4">
+            <a:extLst>
+              <a:ext uri="{FF2B5EF4-FFF2-40B4-BE49-F238E27FC236}">
+                <a16:creationId xmlns:a16="http://schemas.microsoft.com/office/drawing/2014/main" id="{AA5F22C0-2EA6-4545-876F-3771585DB1E8}"/>
+              </a:ext>
+            </a:extLst>
+          </p:cNvPr>
+          <p:cNvGrpSpPr/>
+          <p:nvPr/>
+        </p:nvGrpSpPr>
+        <p:grpSpPr>
+          <a:xfrm>
+            <a:off x="970280" y="3012125"/>
+            <a:ext cx="6638925" cy="1834196"/>
+            <a:chOff x="4053016" y="1660138"/>
+            <a:chExt cx="6638925" cy="1834196"/>
+          </a:xfrm>
+        </p:grpSpPr>
+        <p:grpSp>
+          <p:nvGrpSpPr>
+            <p:cNvPr id="6" name="Group 5">
+              <a:extLst>
+                <a:ext uri="{FF2B5EF4-FFF2-40B4-BE49-F238E27FC236}">
+                  <a16:creationId xmlns:a16="http://schemas.microsoft.com/office/drawing/2014/main" id="{32744B0A-14D1-4E48-96BA-D329C2071173}"/>
+                </a:ext>
+              </a:extLst>
+            </p:cNvPr>
+            <p:cNvGrpSpPr/>
+            <p:nvPr/>
+          </p:nvGrpSpPr>
+          <p:grpSpPr>
+            <a:xfrm>
+              <a:off x="4053016" y="1660138"/>
+              <a:ext cx="6638925" cy="1834196"/>
+              <a:chOff x="4922031" y="978850"/>
+              <a:chExt cx="6638925" cy="1834196"/>
+            </a:xfrm>
+          </p:grpSpPr>
+          <p:sp>
+            <p:nvSpPr>
+              <p:cNvPr id="8" name="Rectangle: Rounded Corners 7">
+                <a:extLst>
+                  <a:ext uri="{FF2B5EF4-FFF2-40B4-BE49-F238E27FC236}">
+                    <a16:creationId xmlns:a16="http://schemas.microsoft.com/office/drawing/2014/main" id="{27CD1733-155D-44BE-9CEC-A69B3658A0FE}"/>
+                  </a:ext>
+                </a:extLst>
+              </p:cNvPr>
+              <p:cNvSpPr/>
+              <p:nvPr/>
+            </p:nvSpPr>
+            <p:spPr>
+              <a:xfrm>
+                <a:off x="4922031" y="978850"/>
+                <a:ext cx="6638925" cy="1834196"/>
+              </a:xfrm>
+              <a:prstGeom prst="roundRect">
+                <a:avLst/>
+              </a:prstGeom>
+              <a:solidFill>
+                <a:srgbClr val="151718"/>
+              </a:solidFill>
+              <a:ln>
+                <a:noFill/>
+              </a:ln>
+            </p:spPr>
+            <p:style>
+              <a:lnRef idx="2">
+                <a:schemeClr val="accent1">
+                  <a:shade val="50000"/>
+                </a:schemeClr>
+              </a:lnRef>
+              <a:fillRef idx="1">
+                <a:schemeClr val="accent1"/>
+              </a:fillRef>
+              <a:effectRef idx="0">
+                <a:schemeClr val="accent1"/>
+              </a:effectRef>
+              <a:fontRef idx="minor">
+                <a:schemeClr val="lt1"/>
+              </a:fontRef>
+            </p:style>
+            <p:txBody>
+              <a:bodyPr rtlCol="0" anchor="ctr"/>
+              <a:lstStyle/>
+              <a:p>
+                <a:pPr algn="ctr"/>
+                <a:endParaRPr lang="en-MY"/>
+              </a:p>
+            </p:txBody>
+          </p:sp>
+          <p:sp>
+            <p:nvSpPr>
+              <p:cNvPr id="9" name="Oval 8">
+                <a:extLst>
+                  <a:ext uri="{FF2B5EF4-FFF2-40B4-BE49-F238E27FC236}">
+                    <a16:creationId xmlns:a16="http://schemas.microsoft.com/office/drawing/2014/main" id="{1D697584-59E3-4810-8096-F4425C7ADD25}"/>
+                  </a:ext>
+                </a:extLst>
+              </p:cNvPr>
+              <p:cNvSpPr/>
+              <p:nvPr/>
+            </p:nvSpPr>
+            <p:spPr>
+              <a:xfrm>
+                <a:off x="5255582" y="1192500"/>
+                <a:ext cx="180000" cy="180000"/>
+              </a:xfrm>
+              <a:prstGeom prst="ellipse">
+                <a:avLst/>
+              </a:prstGeom>
+              <a:solidFill>
+                <a:srgbClr val="FF5F56"/>
+              </a:solidFill>
+            </p:spPr>
+            <p:style>
+              <a:lnRef idx="2">
+                <a:schemeClr val="accent1">
+                  <a:shade val="50000"/>
+                </a:schemeClr>
+              </a:lnRef>
+              <a:fillRef idx="1">
+                <a:schemeClr val="accent1"/>
+              </a:fillRef>
+              <a:effectRef idx="0">
+                <a:schemeClr val="accent1"/>
+              </a:effectRef>
+              <a:fontRef idx="minor">
+                <a:schemeClr val="lt1"/>
+              </a:fontRef>
+            </p:style>
+            <p:txBody>
+              <a:bodyPr rtlCol="0" anchor="ctr"/>
+              <a:lstStyle/>
+              <a:p>
+                <a:pPr algn="ctr"/>
+                <a:endParaRPr lang="en-MY" dirty="0"/>
+              </a:p>
+            </p:txBody>
+          </p:sp>
+          <p:sp>
+            <p:nvSpPr>
+              <p:cNvPr id="10" name="Oval 9">
+                <a:extLst>
+                  <a:ext uri="{FF2B5EF4-FFF2-40B4-BE49-F238E27FC236}">
+                    <a16:creationId xmlns:a16="http://schemas.microsoft.com/office/drawing/2014/main" id="{E32BD936-1E6E-430C-AB66-E8CFE2B58DF2}"/>
+                  </a:ext>
+                </a:extLst>
+              </p:cNvPr>
+              <p:cNvSpPr/>
+              <p:nvPr/>
+            </p:nvSpPr>
+            <p:spPr>
+              <a:xfrm>
+                <a:off x="5523392" y="1192500"/>
+                <a:ext cx="180000" cy="180000"/>
+              </a:xfrm>
+              <a:prstGeom prst="ellipse">
+                <a:avLst/>
+              </a:prstGeom>
+              <a:solidFill>
+                <a:srgbClr val="FFBD2E"/>
+              </a:solidFill>
+            </p:spPr>
+            <p:style>
+              <a:lnRef idx="2">
+                <a:schemeClr val="accent1">
+                  <a:shade val="50000"/>
+                </a:schemeClr>
+              </a:lnRef>
+              <a:fillRef idx="1">
+                <a:schemeClr val="accent1"/>
+              </a:fillRef>
+              <a:effectRef idx="0">
+                <a:schemeClr val="accent1"/>
+              </a:effectRef>
+              <a:fontRef idx="minor">
+                <a:schemeClr val="lt1"/>
+              </a:fontRef>
+            </p:style>
+            <p:txBody>
+              <a:bodyPr rtlCol="0" anchor="ctr"/>
+              <a:lstStyle/>
+              <a:p>
+                <a:pPr algn="ctr"/>
+                <a:endParaRPr lang="en-MY" dirty="0"/>
+              </a:p>
+            </p:txBody>
+          </p:sp>
+          <p:sp>
+            <p:nvSpPr>
+              <p:cNvPr id="11" name="Oval 10">
+                <a:extLst>
+                  <a:ext uri="{FF2B5EF4-FFF2-40B4-BE49-F238E27FC236}">
+                    <a16:creationId xmlns:a16="http://schemas.microsoft.com/office/drawing/2014/main" id="{97330116-824E-4079-BAB0-6D01BB43C4E6}"/>
+                  </a:ext>
+                </a:extLst>
+              </p:cNvPr>
+              <p:cNvSpPr/>
+              <p:nvPr/>
+            </p:nvSpPr>
+            <p:spPr>
+              <a:xfrm>
+                <a:off x="5791202" y="1192500"/>
+                <a:ext cx="180000" cy="180000"/>
+              </a:xfrm>
+              <a:prstGeom prst="ellipse">
+                <a:avLst/>
+              </a:prstGeom>
+              <a:solidFill>
+                <a:srgbClr val="27C93F"/>
+              </a:solidFill>
+            </p:spPr>
+            <p:style>
+              <a:lnRef idx="2">
+                <a:schemeClr val="accent1">
+                  <a:shade val="50000"/>
+                </a:schemeClr>
+              </a:lnRef>
+              <a:fillRef idx="1">
+                <a:schemeClr val="accent1"/>
+              </a:fillRef>
+              <a:effectRef idx="0">
+                <a:schemeClr val="accent1"/>
+              </a:effectRef>
+              <a:fontRef idx="minor">
+                <a:schemeClr val="lt1"/>
+              </a:fontRef>
+            </p:style>
+            <p:txBody>
+              <a:bodyPr rtlCol="0" anchor="ctr"/>
+              <a:lstStyle/>
+              <a:p>
+                <a:pPr algn="ctr"/>
+                <a:endParaRPr lang="en-MY" dirty="0"/>
+              </a:p>
+            </p:txBody>
+          </p:sp>
+        </p:grpSp>
+        <p:sp>
+          <p:nvSpPr>
+            <p:cNvPr id="7" name="TextBox 6">
+              <a:extLst>
+                <a:ext uri="{FF2B5EF4-FFF2-40B4-BE49-F238E27FC236}">
+                  <a16:creationId xmlns:a16="http://schemas.microsoft.com/office/drawing/2014/main" id="{D340ED19-234D-4271-9D75-A020204B9B23}"/>
+                </a:ext>
+              </a:extLst>
+            </p:cNvPr>
+            <p:cNvSpPr txBox="1"/>
+            <p:nvPr/>
+          </p:nvSpPr>
+          <p:spPr>
+            <a:xfrm>
+              <a:off x="4311152" y="2298530"/>
+              <a:ext cx="5938163" cy="861774"/>
+            </a:xfrm>
+            <a:prstGeom prst="rect">
+              <a:avLst/>
+            </a:prstGeom>
+            <a:noFill/>
+          </p:spPr>
+          <p:txBody>
+            <a:bodyPr wrap="square" rtlCol="0">
+              <a:spAutoFit/>
+            </a:bodyPr>
+            <a:lstStyle/>
+            <a:p>
+              <a:pPr>
+                <a:spcAft>
+                  <a:spcPts val="300"/>
+                </a:spcAft>
+              </a:pPr>
+              <a:r>
+                <a:rPr lang="en-MY" sz="1500" dirty="0">
+                  <a:solidFill>
+                    <a:srgbClr val="92B84F"/>
+                  </a:solidFill>
+                  <a:latin typeface="Hack" panose="020B0609030202020204" pitchFamily="49" charset="0"/>
+                  <a:ea typeface="Hack" panose="020B0609030202020204" pitchFamily="49" charset="0"/>
+                  <a:cs typeface="Hack" panose="020B0609030202020204" pitchFamily="49" charset="0"/>
+                </a:rPr>
+                <a:t>git </a:t>
+              </a:r>
+              <a:r>
+                <a:rPr lang="en-MY" sz="1500" dirty="0">
+                  <a:solidFill>
+                    <a:schemeClr val="bg1"/>
+                  </a:solidFill>
+                  <a:latin typeface="Hack" panose="020B0609030202020204" pitchFamily="49" charset="0"/>
+                  <a:ea typeface="Hack" panose="020B0609030202020204" pitchFamily="49" charset="0"/>
+                  <a:cs typeface="Hack" panose="020B0609030202020204" pitchFamily="49" charset="0"/>
+                </a:rPr>
+                <a:t>push –set--upstream origin &lt;branch-name&gt;</a:t>
+              </a:r>
+            </a:p>
+            <a:p>
+              <a:pPr>
+                <a:spcAft>
+                  <a:spcPts val="300"/>
+                </a:spcAft>
+              </a:pPr>
+              <a:r>
+                <a:rPr lang="en-MY" sz="1500" dirty="0">
+                  <a:solidFill>
+                    <a:schemeClr val="bg1"/>
+                  </a:solidFill>
+                  <a:latin typeface="Hack" panose="020B0609030202020204" pitchFamily="49" charset="0"/>
+                  <a:ea typeface="Hack" panose="020B0609030202020204" pitchFamily="49" charset="0"/>
+                  <a:cs typeface="Hack" panose="020B0609030202020204" pitchFamily="49" charset="0"/>
+                </a:rPr>
+                <a:t>   OR</a:t>
+              </a:r>
+            </a:p>
+            <a:p>
+              <a:pPr>
+                <a:spcAft>
+                  <a:spcPts val="300"/>
+                </a:spcAft>
+              </a:pPr>
+              <a:r>
+                <a:rPr lang="en-MY" sz="1500" dirty="0">
+                  <a:solidFill>
+                    <a:srgbClr val="92B84F"/>
+                  </a:solidFill>
+                  <a:latin typeface="Hack" panose="020B0609030202020204" pitchFamily="49" charset="0"/>
+                  <a:ea typeface="Hack" panose="020B0609030202020204" pitchFamily="49" charset="0"/>
+                  <a:cs typeface="Hack" panose="020B0609030202020204" pitchFamily="49" charset="0"/>
+                </a:rPr>
+                <a:t>git</a:t>
+              </a:r>
+              <a:r>
+                <a:rPr lang="en-MY" sz="1500" dirty="0">
+                  <a:solidFill>
+                    <a:schemeClr val="bg1"/>
+                  </a:solidFill>
+                  <a:latin typeface="Hack" panose="020B0609030202020204" pitchFamily="49" charset="0"/>
+                  <a:ea typeface="Hack" panose="020B0609030202020204" pitchFamily="49" charset="0"/>
+                  <a:cs typeface="Hack" panose="020B0609030202020204" pitchFamily="49" charset="0"/>
+                </a:rPr>
+                <a:t> push origin &lt;branch-name&gt;</a:t>
+              </a:r>
+            </a:p>
+          </p:txBody>
+        </p:sp>
+      </p:grpSp>
     </p:spTree>
     <p:extLst>
       <p:ext uri="{BB962C8B-B14F-4D97-AF65-F5344CB8AC3E}">
-        <p14:creationId xmlns:p14="http://schemas.microsoft.com/office/powerpoint/2010/main" val="1911262099"/>
+        <p14:creationId xmlns:p14="http://schemas.microsoft.com/office/powerpoint/2010/main" val="2290085116"/>
       </p:ext>
     </p:extLst>
   </p:cSld>
@@ -16276,7 +15613,7 @@
 </p:sld>
 </file>
 
-<file path=ppt/slides/slide30.xml><?xml version="1.0" encoding="utf-8"?>
+<file path=ppt/slides/slide24.xml><?xml version="1.0" encoding="utf-8"?>
 <p:sld xmlns:a="http://schemas.openxmlformats.org/drawingml/2006/main" xmlns:r="http://schemas.openxmlformats.org/officeDocument/2006/relationships" xmlns:p="http://schemas.openxmlformats.org/presentationml/2006/main">
   <p:cSld>
     <p:spTree>
@@ -16298,7 +15635,7 @@
           <p:cNvPr id="2" name="Title 1">
             <a:extLst>
               <a:ext uri="{FF2B5EF4-FFF2-40B4-BE49-F238E27FC236}">
-                <a16:creationId xmlns:a16="http://schemas.microsoft.com/office/drawing/2014/main" id="{D47DE0EA-8D0E-4F71-BA30-530045163A55}"/>
+                <a16:creationId xmlns:a16="http://schemas.microsoft.com/office/drawing/2014/main" id="{8B2AD4E1-0643-4C88-9E49-C2724AEB3568}"/>
               </a:ext>
             </a:extLst>
           </p:cNvPr>
@@ -16309,29 +15646,24 @@
             <p:ph type="title"/>
           </p:nvPr>
         </p:nvSpPr>
-        <p:spPr>
-          <a:xfrm>
-            <a:off x="838200" y="163583"/>
-            <a:ext cx="8334376" cy="1325563"/>
-          </a:xfrm>
-        </p:spPr>
+        <p:spPr/>
         <p:txBody>
           <a:bodyPr/>
           <a:lstStyle/>
           <a:p>
             <a:r>
-              <a:rPr lang="en-MY" dirty="0"/>
-              <a:t>Merge conflicts, pull requests, forking</a:t>
-            </a:r>
-          </a:p>
-        </p:txBody>
-      </p:sp>
-      <p:sp>
-        <p:nvSpPr>
-          <p:cNvPr id="29" name="Content Placeholder 2">
+              <a:rPr lang="en-US" dirty="0"/>
+              <a:t>Cloning an existing repo</a:t>
+            </a:r>
+          </a:p>
+        </p:txBody>
+      </p:sp>
+      <p:sp>
+        <p:nvSpPr>
+          <p:cNvPr id="3" name="Content Placeholder 2">
             <a:extLst>
               <a:ext uri="{FF2B5EF4-FFF2-40B4-BE49-F238E27FC236}">
-                <a16:creationId xmlns:a16="http://schemas.microsoft.com/office/drawing/2014/main" id="{CEEDF549-53F1-4D19-82FA-8EE3F12DBB3F}"/>
+                <a16:creationId xmlns:a16="http://schemas.microsoft.com/office/drawing/2014/main" id="{F8D322E9-A7EC-465F-93FE-BAA394728626}"/>
               </a:ext>
             </a:extLst>
           </p:cNvPr>
@@ -16342,340 +15674,30 @@
             <p:ph idx="1"/>
           </p:nvPr>
         </p:nvSpPr>
-        <p:spPr>
-          <a:xfrm>
-            <a:off x="647700" y="1650999"/>
-            <a:ext cx="10999801" cy="4980619"/>
-          </a:xfrm>
-        </p:spPr>
-        <p:txBody>
-          <a:bodyPr>
-            <a:normAutofit/>
-          </a:bodyPr>
-          <a:lstStyle/>
-          <a:p>
-            <a:pPr marL="0" indent="0">
-              <a:buNone/>
-            </a:pPr>
-            <a:r>
-              <a:rPr lang="en-MY" dirty="0"/>
-              <a:t>Contributing to open source by forking:</a:t>
-            </a:r>
-          </a:p>
-          <a:p>
-            <a:r>
-              <a:rPr lang="en-MY" dirty="0" err="1"/>
-              <a:t>i</a:t>
-            </a:r>
-            <a:r>
-              <a:rPr lang="en-MY" dirty="0"/>
-              <a:t>) Propose changes to someone’s project</a:t>
-            </a:r>
-          </a:p>
-          <a:p>
-            <a:r>
-              <a:rPr lang="en-MY" dirty="0"/>
-              <a:t>ii) Use the code as your own project</a:t>
-            </a:r>
-          </a:p>
-          <a:p>
-            <a:r>
-              <a:rPr lang="en-MY" dirty="0"/>
-              <a:t>iii) Does not affect original project</a:t>
-            </a:r>
-          </a:p>
-          <a:p>
-            <a:endParaRPr lang="en-MY" dirty="0"/>
-          </a:p>
-          <a:p>
-            <a:r>
-              <a:rPr lang="en-MY" dirty="0"/>
-              <a:t>To work on open-source projects, look at the next slide!</a:t>
-            </a:r>
-          </a:p>
-        </p:txBody>
-      </p:sp>
-    </p:spTree>
-    <p:extLst>
-      <p:ext uri="{BB962C8B-B14F-4D97-AF65-F5344CB8AC3E}">
-        <p14:creationId xmlns:p14="http://schemas.microsoft.com/office/powerpoint/2010/main" val="3635112261"/>
-      </p:ext>
-    </p:extLst>
-  </p:cSld>
-  <p:clrMapOvr>
-    <a:masterClrMapping/>
-  </p:clrMapOvr>
-</p:sld>
-</file>
-
-<file path=ppt/slides/slide31.xml><?xml version="1.0" encoding="utf-8"?>
-<p:sld xmlns:a="http://schemas.openxmlformats.org/drawingml/2006/main" xmlns:r="http://schemas.openxmlformats.org/officeDocument/2006/relationships" xmlns:p="http://schemas.openxmlformats.org/presentationml/2006/main">
-  <p:cSld>
-    <p:spTree>
-      <p:nvGrpSpPr>
-        <p:cNvPr id="1" name=""/>
-        <p:cNvGrpSpPr/>
-        <p:nvPr/>
-      </p:nvGrpSpPr>
-      <p:grpSpPr>
-        <a:xfrm>
-          <a:off x="0" y="0"/>
-          <a:ext cx="0" cy="0"/>
-          <a:chOff x="0" y="0"/>
-          <a:chExt cx="0" cy="0"/>
-        </a:xfrm>
-      </p:grpSpPr>
-      <p:sp>
-        <p:nvSpPr>
-          <p:cNvPr id="2" name="Title 1">
-            <a:extLst>
-              <a:ext uri="{FF2B5EF4-FFF2-40B4-BE49-F238E27FC236}">
-                <a16:creationId xmlns:a16="http://schemas.microsoft.com/office/drawing/2014/main" id="{D47DE0EA-8D0E-4F71-BA30-530045163A55}"/>
-              </a:ext>
-            </a:extLst>
-          </p:cNvPr>
-          <p:cNvSpPr>
-            <a:spLocks noGrp="1"/>
-          </p:cNvSpPr>
-          <p:nvPr>
-            <p:ph type="title"/>
-          </p:nvPr>
-        </p:nvSpPr>
-        <p:spPr>
-          <a:xfrm>
-            <a:off x="838199" y="163583"/>
-            <a:ext cx="10116845" cy="1325563"/>
-          </a:xfrm>
-        </p:spPr>
+        <p:spPr/>
         <p:txBody>
           <a:bodyPr/>
           <a:lstStyle/>
           <a:p>
             <a:r>
-              <a:rPr lang="en-MY" dirty="0"/>
-              <a:t>Contribute to open source by forking</a:t>
-            </a:r>
-          </a:p>
-        </p:txBody>
-      </p:sp>
-      <p:sp>
-        <p:nvSpPr>
-          <p:cNvPr id="29" name="Content Placeholder 2">
-            <a:extLst>
-              <a:ext uri="{FF2B5EF4-FFF2-40B4-BE49-F238E27FC236}">
-                <a16:creationId xmlns:a16="http://schemas.microsoft.com/office/drawing/2014/main" id="{CEEDF549-53F1-4D19-82FA-8EE3F12DBB3F}"/>
-              </a:ext>
-            </a:extLst>
-          </p:cNvPr>
-          <p:cNvSpPr>
-            <a:spLocks noGrp="1"/>
-          </p:cNvSpPr>
-          <p:nvPr>
-            <p:ph idx="1"/>
-          </p:nvPr>
-        </p:nvSpPr>
-        <p:spPr>
-          <a:xfrm>
-            <a:off x="647700" y="1650999"/>
-            <a:ext cx="10999801" cy="4980619"/>
-          </a:xfrm>
-        </p:spPr>
-        <p:txBody>
-          <a:bodyPr>
-            <a:normAutofit/>
-          </a:bodyPr>
-          <a:lstStyle/>
-          <a:p>
-            <a:r>
-              <a:rPr lang="en-MY" dirty="0">
-                <a:solidFill>
-                  <a:schemeClr val="accent4"/>
-                </a:solidFill>
-                <a:hlinkClick r:id="rId3">
-                  <a:extLst>
-                    <a:ext uri="{A12FA001-AC4F-418D-AE19-62706E023703}">
-                      <ahyp:hlinkClr xmlns:ahyp="http://schemas.microsoft.com/office/drawing/2018/hyperlinkcolor" val="tx"/>
-                    </a:ext>
-                  </a:extLst>
-                </a:hlinkClick>
-              </a:rPr>
-              <a:t>https://www.atlassian.com/git/tutorials/comparing-workflows/forking-workflow#:~:text=Forking%20is%20a%20git%20clone,org%2FuserA%2Fopen%2Dproject</a:t>
-            </a:r>
-            <a:endParaRPr lang="en-MY" dirty="0">
-              <a:solidFill>
-                <a:schemeClr val="accent4"/>
-              </a:solidFill>
-            </a:endParaRPr>
-          </a:p>
-          <a:p>
-            <a:r>
-              <a:rPr lang="en-MY" dirty="0">
-                <a:solidFill>
-                  <a:schemeClr val="accent4"/>
-                </a:solidFill>
-              </a:rPr>
-              <a:t>A fork is a personal copy of the project</a:t>
-            </a:r>
-          </a:p>
-          <a:p>
-            <a:endParaRPr lang="en-MY" dirty="0">
-              <a:solidFill>
-                <a:schemeClr val="accent4"/>
-              </a:solidFill>
-            </a:endParaRPr>
-          </a:p>
-          <a:p>
-            <a:endParaRPr lang="en-MY" dirty="0">
-              <a:solidFill>
-                <a:schemeClr val="accent4"/>
-              </a:solidFill>
-            </a:endParaRPr>
-          </a:p>
-          <a:p>
-            <a:endParaRPr lang="en-MY" dirty="0"/>
+              <a:rPr lang="en-US" dirty="0"/>
+              <a:t>A full copy of nearly all data is retrieved </a:t>
+            </a:r>
+          </a:p>
+          <a:p>
+            <a:r>
+              <a:rPr lang="en-US" dirty="0"/>
+              <a:t>Includes all versions of the project</a:t>
+            </a:r>
           </a:p>
         </p:txBody>
       </p:sp>
       <p:pic>
         <p:nvPicPr>
-          <p:cNvPr id="4" name="Picture 3" descr="Text&#10;&#10;Description automatically generated">
+          <p:cNvPr id="15" name="Picture 14" descr="Text&#10;&#10;Description automatically generated">
             <a:extLst>
               <a:ext uri="{FF2B5EF4-FFF2-40B4-BE49-F238E27FC236}">
-                <a16:creationId xmlns:a16="http://schemas.microsoft.com/office/drawing/2014/main" id="{DBEC1D91-F1AF-4624-82F3-FFBC444184B4}"/>
-              </a:ext>
-            </a:extLst>
-          </p:cNvPr>
-          <p:cNvPicPr>
-            <a:picLocks noChangeAspect="1"/>
-          </p:cNvPicPr>
-          <p:nvPr/>
-        </p:nvPicPr>
-        <p:blipFill>
-          <a:blip r:embed="rId4"/>
-          <a:stretch>
-            <a:fillRect/>
-          </a:stretch>
-        </p:blipFill>
-        <p:spPr>
-          <a:xfrm>
-            <a:off x="0" y="2618607"/>
-            <a:ext cx="8804635" cy="4503443"/>
-          </a:xfrm>
-          <a:prstGeom prst="rect">
-            <a:avLst/>
-          </a:prstGeom>
-        </p:spPr>
-      </p:pic>
-    </p:spTree>
-    <p:extLst>
-      <p:ext uri="{BB962C8B-B14F-4D97-AF65-F5344CB8AC3E}">
-        <p14:creationId xmlns:p14="http://schemas.microsoft.com/office/powerpoint/2010/main" val="1485133039"/>
-      </p:ext>
-    </p:extLst>
-  </p:cSld>
-  <p:clrMapOvr>
-    <a:masterClrMapping/>
-  </p:clrMapOvr>
-</p:sld>
-</file>
-
-<file path=ppt/slides/slide32.xml><?xml version="1.0" encoding="utf-8"?>
-<p:sld xmlns:a="http://schemas.openxmlformats.org/drawingml/2006/main" xmlns:r="http://schemas.openxmlformats.org/officeDocument/2006/relationships" xmlns:p="http://schemas.openxmlformats.org/presentationml/2006/main">
-  <p:cSld>
-    <p:spTree>
-      <p:nvGrpSpPr>
-        <p:cNvPr id="1" name=""/>
-        <p:cNvGrpSpPr/>
-        <p:nvPr/>
-      </p:nvGrpSpPr>
-      <p:grpSpPr>
-        <a:xfrm>
-          <a:off x="0" y="0"/>
-          <a:ext cx="0" cy="0"/>
-          <a:chOff x="0" y="0"/>
-          <a:chExt cx="0" cy="0"/>
-        </a:xfrm>
-      </p:grpSpPr>
-      <p:sp>
-        <p:nvSpPr>
-          <p:cNvPr id="2" name="Title 1">
-            <a:extLst>
-              <a:ext uri="{FF2B5EF4-FFF2-40B4-BE49-F238E27FC236}">
-                <a16:creationId xmlns:a16="http://schemas.microsoft.com/office/drawing/2014/main" id="{D47DE0EA-8D0E-4F71-BA30-530045163A55}"/>
-              </a:ext>
-            </a:extLst>
-          </p:cNvPr>
-          <p:cNvSpPr>
-            <a:spLocks noGrp="1"/>
-          </p:cNvSpPr>
-          <p:nvPr>
-            <p:ph type="title"/>
-          </p:nvPr>
-        </p:nvSpPr>
-        <p:spPr>
-          <a:xfrm>
-            <a:off x="838200" y="163583"/>
-            <a:ext cx="8334376" cy="1325563"/>
-          </a:xfrm>
-        </p:spPr>
-        <p:txBody>
-          <a:bodyPr/>
-          <a:lstStyle/>
-          <a:p>
-            <a:r>
-              <a:rPr lang="en-MY" dirty="0"/>
-              <a:t>Merge conflicts</a:t>
-            </a:r>
-          </a:p>
-        </p:txBody>
-      </p:sp>
-      <p:sp>
-        <p:nvSpPr>
-          <p:cNvPr id="29" name="Content Placeholder 2">
-            <a:extLst>
-              <a:ext uri="{FF2B5EF4-FFF2-40B4-BE49-F238E27FC236}">
-                <a16:creationId xmlns:a16="http://schemas.microsoft.com/office/drawing/2014/main" id="{CEEDF549-53F1-4D19-82FA-8EE3F12DBB3F}"/>
-              </a:ext>
-            </a:extLst>
-          </p:cNvPr>
-          <p:cNvSpPr>
-            <a:spLocks noGrp="1"/>
-          </p:cNvSpPr>
-          <p:nvPr>
-            <p:ph idx="1"/>
-          </p:nvPr>
-        </p:nvSpPr>
-        <p:spPr>
-          <a:xfrm>
-            <a:off x="647700" y="1651000"/>
-            <a:ext cx="10999801" cy="3525766"/>
-          </a:xfrm>
-        </p:spPr>
-        <p:txBody>
-          <a:bodyPr>
-            <a:normAutofit/>
-          </a:bodyPr>
-          <a:lstStyle/>
-          <a:p>
-            <a:r>
-              <a:rPr lang="en-MY" dirty="0"/>
-              <a:t>Once merge and conflict appears, open the file containing conflict</a:t>
-            </a:r>
-          </a:p>
-          <a:p>
-            <a:r>
-              <a:rPr lang="en-MY" dirty="0"/>
-              <a:t>git add, then git commit</a:t>
-            </a:r>
-          </a:p>
-        </p:txBody>
-      </p:sp>
-      <p:pic>
-        <p:nvPicPr>
-          <p:cNvPr id="5" name="Picture 4" descr="Text&#10;&#10;Description automatically generated">
-            <a:extLst>
-              <a:ext uri="{FF2B5EF4-FFF2-40B4-BE49-F238E27FC236}">
-                <a16:creationId xmlns:a16="http://schemas.microsoft.com/office/drawing/2014/main" id="{499C4249-6BE1-435D-96C6-8D2C5EF00F78}"/>
+                <a16:creationId xmlns:a16="http://schemas.microsoft.com/office/drawing/2014/main" id="{F7C5C152-FF48-4239-8FCB-500A0A242A93}"/>
               </a:ext>
             </a:extLst>
           </p:cNvPr>
@@ -16692,312 +15714,20 @@
         </p:blipFill>
         <p:spPr>
           <a:xfrm>
-            <a:off x="-25400" y="2395066"/>
-            <a:ext cx="9099169" cy="4208933"/>
+            <a:off x="-176478" y="2371382"/>
+            <a:ext cx="8574754" cy="4326282"/>
           </a:xfrm>
           <a:prstGeom prst="rect">
             <a:avLst/>
           </a:prstGeom>
         </p:spPr>
       </p:pic>
-    </p:spTree>
-    <p:extLst>
-      <p:ext uri="{BB962C8B-B14F-4D97-AF65-F5344CB8AC3E}">
-        <p14:creationId xmlns:p14="http://schemas.microsoft.com/office/powerpoint/2010/main" val="3903373397"/>
-      </p:ext>
-    </p:extLst>
-  </p:cSld>
-  <p:clrMapOvr>
-    <a:masterClrMapping/>
-  </p:clrMapOvr>
-</p:sld>
-</file>
-
-<file path=ppt/slides/slide33.xml><?xml version="1.0" encoding="utf-8"?>
-<p:sld xmlns:a="http://schemas.openxmlformats.org/drawingml/2006/main" xmlns:r="http://schemas.openxmlformats.org/officeDocument/2006/relationships" xmlns:p="http://schemas.openxmlformats.org/presentationml/2006/main">
-  <p:cSld>
-    <p:bg>
-      <p:bgPr>
-        <a:blipFill dpi="0" rotWithShape="1">
-          <a:blip r:embed="rId2">
-            <a:lum/>
-          </a:blip>
-          <a:srcRect/>
-          <a:stretch>
-            <a:fillRect/>
-          </a:stretch>
-        </a:blipFill>
-        <a:effectLst/>
-      </p:bgPr>
-    </p:bg>
-    <p:spTree>
-      <p:nvGrpSpPr>
-        <p:cNvPr id="1" name=""/>
-        <p:cNvGrpSpPr/>
-        <p:nvPr/>
-      </p:nvGrpSpPr>
-      <p:grpSpPr>
-        <a:xfrm>
-          <a:off x="0" y="0"/>
-          <a:ext cx="0" cy="0"/>
-          <a:chOff x="0" y="0"/>
-          <a:chExt cx="0" cy="0"/>
-        </a:xfrm>
-      </p:grpSpPr>
-      <p:sp>
-        <p:nvSpPr>
-          <p:cNvPr id="2" name="Title 1">
+      <p:sp>
+        <p:nvSpPr>
+          <p:cNvPr id="16" name="Content Placeholder 2">
             <a:extLst>
               <a:ext uri="{FF2B5EF4-FFF2-40B4-BE49-F238E27FC236}">
-                <a16:creationId xmlns:a16="http://schemas.microsoft.com/office/drawing/2014/main" id="{56DBE3E6-5A5E-4463-8DB0-F3CF9C324778}"/>
-              </a:ext>
-            </a:extLst>
-          </p:cNvPr>
-          <p:cNvSpPr>
-            <a:spLocks noGrp="1"/>
-          </p:cNvSpPr>
-          <p:nvPr>
-            <p:ph type="title"/>
-          </p:nvPr>
-        </p:nvSpPr>
-        <p:spPr>
-          <a:xfrm>
-            <a:off x="838200" y="142581"/>
-            <a:ext cx="8334376" cy="1325563"/>
-          </a:xfrm>
-        </p:spPr>
-        <p:txBody>
-          <a:bodyPr/>
-          <a:lstStyle/>
-          <a:p>
-            <a:r>
-              <a:rPr lang="en-US" dirty="0"/>
-              <a:t>Git best practices!</a:t>
-            </a:r>
-          </a:p>
-        </p:txBody>
-      </p:sp>
-      <p:sp>
-        <p:nvSpPr>
-          <p:cNvPr id="3" name="Content Placeholder 2">
-            <a:extLst>
-              <a:ext uri="{FF2B5EF4-FFF2-40B4-BE49-F238E27FC236}">
-                <a16:creationId xmlns:a16="http://schemas.microsoft.com/office/drawing/2014/main" id="{98407322-EE47-461A-937E-D8B74ADFB3D0}"/>
-              </a:ext>
-            </a:extLst>
-          </p:cNvPr>
-          <p:cNvSpPr>
-            <a:spLocks noGrp="1"/>
-          </p:cNvSpPr>
-          <p:nvPr>
-            <p:ph idx="1"/>
-          </p:nvPr>
-        </p:nvSpPr>
-        <p:spPr/>
-        <p:txBody>
-          <a:bodyPr/>
-          <a:lstStyle/>
-          <a:p>
-            <a:r>
-              <a:rPr lang="en-US" dirty="0"/>
-              <a:t>Commit often! </a:t>
-            </a:r>
-          </a:p>
-          <a:p>
-            <a:r>
-              <a:rPr lang="en-US" dirty="0"/>
-              <a:t>Small but frequent commits</a:t>
-            </a:r>
-          </a:p>
-          <a:p>
-            <a:r>
-              <a:rPr lang="en-US" dirty="0"/>
-              <a:t>Commit related changes only (wrap related changes)</a:t>
-            </a:r>
-          </a:p>
-          <a:p>
-            <a:r>
-              <a:rPr lang="en-US" dirty="0"/>
-              <a:t>Commit completed changes</a:t>
-            </a:r>
-          </a:p>
-          <a:p>
-            <a:r>
-              <a:rPr lang="en-US" dirty="0"/>
-              <a:t>Meaningful commit messages</a:t>
-            </a:r>
-          </a:p>
-          <a:p>
-            <a:endParaRPr lang="en-US" dirty="0"/>
-          </a:p>
-        </p:txBody>
-      </p:sp>
-    </p:spTree>
-    <p:extLst>
-      <p:ext uri="{BB962C8B-B14F-4D97-AF65-F5344CB8AC3E}">
-        <p14:creationId xmlns:p14="http://schemas.microsoft.com/office/powerpoint/2010/main" val="471062924"/>
-      </p:ext>
-    </p:extLst>
-  </p:cSld>
-  <p:clrMapOvr>
-    <a:masterClrMapping/>
-  </p:clrMapOvr>
-</p:sld>
-</file>
-
-<file path=ppt/slides/slide34.xml><?xml version="1.0" encoding="utf-8"?>
-<p:sld xmlns:a="http://schemas.openxmlformats.org/drawingml/2006/main" xmlns:r="http://schemas.openxmlformats.org/officeDocument/2006/relationships" xmlns:p="http://schemas.openxmlformats.org/presentationml/2006/main">
-  <p:cSld>
-    <p:spTree>
-      <p:nvGrpSpPr>
-        <p:cNvPr id="1" name=""/>
-        <p:cNvGrpSpPr/>
-        <p:nvPr/>
-      </p:nvGrpSpPr>
-      <p:grpSpPr>
-        <a:xfrm>
-          <a:off x="0" y="0"/>
-          <a:ext cx="0" cy="0"/>
-          <a:chOff x="0" y="0"/>
-          <a:chExt cx="0" cy="0"/>
-        </a:xfrm>
-      </p:grpSpPr>
-      <p:sp>
-        <p:nvSpPr>
-          <p:cNvPr id="2" name="Title 1">
-            <a:extLst>
-              <a:ext uri="{FF2B5EF4-FFF2-40B4-BE49-F238E27FC236}">
-                <a16:creationId xmlns:a16="http://schemas.microsoft.com/office/drawing/2014/main" id="{3D528A8F-BE90-403A-92DC-C6654ECBAE5F}"/>
-              </a:ext>
-            </a:extLst>
-          </p:cNvPr>
-          <p:cNvSpPr>
-            <a:spLocks noGrp="1"/>
-          </p:cNvSpPr>
-          <p:nvPr>
-            <p:ph type="title"/>
-          </p:nvPr>
-        </p:nvSpPr>
-        <p:spPr>
-          <a:xfrm>
-            <a:off x="838200" y="160336"/>
-            <a:ext cx="8334376" cy="1325563"/>
-          </a:xfrm>
-        </p:spPr>
-        <p:txBody>
-          <a:bodyPr/>
-          <a:lstStyle/>
-          <a:p>
-            <a:r>
-              <a:rPr lang="en-US" dirty="0"/>
-              <a:t>Resources</a:t>
-            </a:r>
-          </a:p>
-        </p:txBody>
-      </p:sp>
-      <p:sp>
-        <p:nvSpPr>
-          <p:cNvPr id="3" name="Content Placeholder 2">
-            <a:extLst>
-              <a:ext uri="{FF2B5EF4-FFF2-40B4-BE49-F238E27FC236}">
-                <a16:creationId xmlns:a16="http://schemas.microsoft.com/office/drawing/2014/main" id="{EF0BB469-A5E0-4D3D-959E-9809A9A8BAF2}"/>
-              </a:ext>
-            </a:extLst>
-          </p:cNvPr>
-          <p:cNvSpPr>
-            <a:spLocks noGrp="1"/>
-          </p:cNvSpPr>
-          <p:nvPr>
-            <p:ph idx="1"/>
-          </p:nvPr>
-        </p:nvSpPr>
-        <p:spPr>
-          <a:xfrm>
-            <a:off x="838200" y="1386909"/>
-            <a:ext cx="10515600" cy="2166150"/>
-          </a:xfrm>
-        </p:spPr>
-        <p:txBody>
-          <a:bodyPr>
-            <a:normAutofit/>
-          </a:bodyPr>
-          <a:lstStyle/>
-          <a:p>
-            <a:r>
-              <a:rPr lang="en-US" sz="2400" dirty="0">
-                <a:solidFill>
-                  <a:schemeClr val="accent5"/>
-                </a:solidFill>
-                <a:hlinkClick r:id="rId2">
-                  <a:extLst>
-                    <a:ext uri="{A12FA001-AC4F-418D-AE19-62706E023703}">
-                      <ahyp:hlinkClr xmlns:ahyp="http://schemas.microsoft.com/office/drawing/2018/hyperlinkcolor" val="tx"/>
-                    </a:ext>
-                  </a:extLst>
-                </a:hlinkClick>
-              </a:rPr>
-              <a:t>Pro Git Book</a:t>
-            </a:r>
-          </a:p>
-          <a:p>
-            <a:r>
-              <a:rPr lang="en-US" sz="2400" dirty="0">
-                <a:solidFill>
-                  <a:schemeClr val="accent5"/>
-                </a:solidFill>
-                <a:hlinkClick r:id="rId3">
-                  <a:extLst>
-                    <a:ext uri="{A12FA001-AC4F-418D-AE19-62706E023703}">
-                      <ahyp:hlinkClr xmlns:ahyp="http://schemas.microsoft.com/office/drawing/2018/hyperlinkcolor" val="tx"/>
-                    </a:ext>
-                  </a:extLst>
-                </a:hlinkClick>
-              </a:rPr>
-              <a:t>Bash commands</a:t>
-            </a:r>
-            <a:endParaRPr lang="en-US" sz="2400" dirty="0">
-              <a:solidFill>
-                <a:schemeClr val="accent5"/>
-              </a:solidFill>
-            </a:endParaRPr>
-          </a:p>
-          <a:p>
-            <a:r>
-              <a:rPr lang="en-US" sz="2400" dirty="0">
-                <a:solidFill>
-                  <a:schemeClr val="accent5"/>
-                </a:solidFill>
-                <a:hlinkClick r:id="rId4">
-                  <a:extLst>
-                    <a:ext uri="{A12FA001-AC4F-418D-AE19-62706E023703}">
-                      <ahyp:hlinkClr xmlns:ahyp="http://schemas.microsoft.com/office/drawing/2018/hyperlinkcolor" val="tx"/>
-                    </a:ext>
-                  </a:extLst>
-                </a:hlinkClick>
-              </a:rPr>
-              <a:t>https://www.youtube.com/watch?v=8JJ101D3knE&amp;ab_channel=ProgrammingwithMosh</a:t>
-            </a:r>
-            <a:endParaRPr lang="en-US" sz="2400" dirty="0">
-              <a:solidFill>
-                <a:schemeClr val="accent5"/>
-              </a:solidFill>
-            </a:endParaRPr>
-          </a:p>
-          <a:p>
-            <a:endParaRPr lang="en-US" sz="2400" dirty="0">
-              <a:solidFill>
-                <a:schemeClr val="accent5"/>
-              </a:solidFill>
-            </a:endParaRPr>
-          </a:p>
-        </p:txBody>
-      </p:sp>
-      <p:sp>
-        <p:nvSpPr>
-          <p:cNvPr id="4" name="Title 1">
-            <a:extLst>
-              <a:ext uri="{FF2B5EF4-FFF2-40B4-BE49-F238E27FC236}">
-                <a16:creationId xmlns:a16="http://schemas.microsoft.com/office/drawing/2014/main" id="{EC25C9FA-19B8-43CD-AE4F-404ED3B53972}"/>
+                <a16:creationId xmlns:a16="http://schemas.microsoft.com/office/drawing/2014/main" id="{EF31A08F-C129-44EC-8C6C-C30E36BA76F1}"/>
               </a:ext>
             </a:extLst>
           </p:cNvPr>
@@ -17008,62 +15738,8 @@
         </p:nvSpPr>
         <p:spPr>
           <a:xfrm>
-            <a:off x="838200" y="2928655"/>
-            <a:ext cx="8334376" cy="1325563"/>
-          </a:xfrm>
-          <a:prstGeom prst="rect">
-            <a:avLst/>
-          </a:prstGeom>
-        </p:spPr>
-        <p:txBody>
-          <a:bodyPr vert="horz" lIns="91440" tIns="45720" rIns="91440" bIns="45720" rtlCol="0" anchor="ctr">
-            <a:normAutofit/>
-          </a:bodyPr>
-          <a:lstStyle>
-            <a:lvl1pPr algn="l" defTabSz="914400" rtl="0" eaLnBrk="1" latinLnBrk="0" hangingPunct="1">
-              <a:lnSpc>
-                <a:spcPct val="90000"/>
-              </a:lnSpc>
-              <a:spcBef>
-                <a:spcPct val="0"/>
-              </a:spcBef>
-              <a:buNone/>
-              <a:defRPr sz="4400" kern="1200">
-                <a:solidFill>
-                  <a:schemeClr val="bg1"/>
-                </a:solidFill>
-                <a:latin typeface="+mj-lt"/>
-                <a:ea typeface="+mj-ea"/>
-                <a:cs typeface="+mj-cs"/>
-              </a:defRPr>
-            </a:lvl1pPr>
-          </a:lstStyle>
-          <a:p>
-            <a:r>
-              <a:rPr lang="en-US" sz="3600" dirty="0"/>
-              <a:t>Not covered today</a:t>
-            </a:r>
-          </a:p>
-        </p:txBody>
-      </p:sp>
-      <p:sp>
-        <p:nvSpPr>
-          <p:cNvPr id="6" name="Content Placeholder 2">
-            <a:extLst>
-              <a:ext uri="{FF2B5EF4-FFF2-40B4-BE49-F238E27FC236}">
-                <a16:creationId xmlns:a16="http://schemas.microsoft.com/office/drawing/2014/main" id="{58F46CE3-DD1C-4A68-B9A7-95DCFE1A5984}"/>
-              </a:ext>
-            </a:extLst>
-          </p:cNvPr>
-          <p:cNvSpPr txBox="1">
-            <a:spLocks/>
-          </p:cNvSpPr>
-          <p:nvPr/>
-        </p:nvSpPr>
-        <p:spPr>
-          <a:xfrm>
-            <a:off x="843517" y="3929345"/>
-            <a:ext cx="11348483" cy="2237138"/>
+            <a:off x="8706853" y="3577388"/>
+            <a:ext cx="2646947" cy="1548149"/>
           </a:xfrm>
           <a:prstGeom prst="rect">
             <a:avLst/>
@@ -17082,7 +15758,7 @@
                 <a:spcPts val="1000"/>
               </a:spcBef>
               <a:buClr>
-                <a:schemeClr val="accent3"/>
+                <a:schemeClr val="accent5"/>
               </a:buClr>
               <a:buFont typeface="Wingdings" panose="05000000000000000000" pitchFamily="2" charset="2"/>
               <a:buChar char="§"/>
@@ -17103,7 +15779,7 @@
                 <a:spcPts val="500"/>
               </a:spcBef>
               <a:buClr>
-                <a:schemeClr val="accent3"/>
+                <a:schemeClr val="accent5"/>
               </a:buClr>
               <a:buFont typeface="Wingdings" panose="05000000000000000000" pitchFamily="2" charset="2"/>
               <a:buChar char="§"/>
@@ -17124,7 +15800,7 @@
                 <a:spcPts val="500"/>
               </a:spcBef>
               <a:buClr>
-                <a:schemeClr val="accent3"/>
+                <a:schemeClr val="accent5"/>
               </a:buClr>
               <a:buFont typeface="Wingdings" panose="05000000000000000000" pitchFamily="2" charset="2"/>
               <a:buChar char="§"/>
@@ -17145,7 +15821,7 @@
                 <a:spcPts val="500"/>
               </a:spcBef>
               <a:buClr>
-                <a:schemeClr val="accent3"/>
+                <a:schemeClr val="accent5"/>
               </a:buClr>
               <a:buFont typeface="Wingdings" panose="05000000000000000000" pitchFamily="2" charset="2"/>
               <a:buChar char="§"/>
@@ -17166,7 +15842,7 @@
                 <a:spcPts val="500"/>
               </a:spcBef>
               <a:buClr>
-                <a:schemeClr val="accent3"/>
+                <a:schemeClr val="accent5"/>
               </a:buClr>
               <a:buFont typeface="Wingdings" panose="05000000000000000000" pitchFamily="2" charset="2"/>
               <a:buChar char="§"/>
@@ -17253,43 +15929,2727 @@
             </a:lvl9pPr>
           </a:lstStyle>
           <a:p>
-            <a:r>
-              <a:rPr lang="en-US" sz="2400" dirty="0">
+            <a:pPr marL="0" indent="0">
+              <a:buNone/>
+            </a:pPr>
+            <a:r>
+              <a:rPr lang="en-US" dirty="0"/>
+              <a:t>Why?</a:t>
+            </a:r>
+          </a:p>
+        </p:txBody>
+      </p:sp>
+    </p:spTree>
+    <p:extLst>
+      <p:ext uri="{BB962C8B-B14F-4D97-AF65-F5344CB8AC3E}">
+        <p14:creationId xmlns:p14="http://schemas.microsoft.com/office/powerpoint/2010/main" val="2576156856"/>
+      </p:ext>
+    </p:extLst>
+  </p:cSld>
+  <p:clrMapOvr>
+    <a:masterClrMapping/>
+  </p:clrMapOvr>
+</p:sld>
+</file>
+
+<file path=ppt/slides/slide25.xml><?xml version="1.0" encoding="utf-8"?>
+<p:sld xmlns:a="http://schemas.openxmlformats.org/drawingml/2006/main" xmlns:r="http://schemas.openxmlformats.org/officeDocument/2006/relationships" xmlns:p="http://schemas.openxmlformats.org/presentationml/2006/main">
+  <p:cSld>
+    <p:spTree>
+      <p:nvGrpSpPr>
+        <p:cNvPr id="1" name=""/>
+        <p:cNvGrpSpPr/>
+        <p:nvPr/>
+      </p:nvGrpSpPr>
+      <p:grpSpPr>
+        <a:xfrm>
+          <a:off x="0" y="0"/>
+          <a:ext cx="0" cy="0"/>
+          <a:chOff x="0" y="0"/>
+          <a:chExt cx="0" cy="0"/>
+        </a:xfrm>
+      </p:grpSpPr>
+      <p:sp>
+        <p:nvSpPr>
+          <p:cNvPr id="2" name="Title 1">
+            <a:extLst>
+              <a:ext uri="{FF2B5EF4-FFF2-40B4-BE49-F238E27FC236}">
+                <a16:creationId xmlns:a16="http://schemas.microsoft.com/office/drawing/2014/main" id="{D47DE0EA-8D0E-4F71-BA30-530045163A55}"/>
+              </a:ext>
+            </a:extLst>
+          </p:cNvPr>
+          <p:cNvSpPr>
+            <a:spLocks noGrp="1"/>
+          </p:cNvSpPr>
+          <p:nvPr>
+            <p:ph type="title"/>
+          </p:nvPr>
+        </p:nvSpPr>
+        <p:spPr>
+          <a:xfrm>
+            <a:off x="838200" y="142580"/>
+            <a:ext cx="8334376" cy="1325563"/>
+          </a:xfrm>
+        </p:spPr>
+        <p:txBody>
+          <a:bodyPr/>
+          <a:lstStyle/>
+          <a:p>
+            <a:r>
+              <a:rPr lang="en-MY" dirty="0"/>
+              <a:t>Remote repository, </a:t>
+            </a:r>
+            <a:r>
+              <a:rPr lang="en-MY" dirty="0" err="1"/>
+              <a:t>github</a:t>
+            </a:r>
+            <a:r>
+              <a:rPr lang="en-MY" dirty="0"/>
+              <a:t>!</a:t>
+            </a:r>
+          </a:p>
+        </p:txBody>
+      </p:sp>
+      <p:sp>
+        <p:nvSpPr>
+          <p:cNvPr id="3" name="Content Placeholder 2">
+            <a:extLst>
+              <a:ext uri="{FF2B5EF4-FFF2-40B4-BE49-F238E27FC236}">
+                <a16:creationId xmlns:a16="http://schemas.microsoft.com/office/drawing/2014/main" id="{4A1CEAAC-31C8-41BE-BB8B-21876DCAE696}"/>
+              </a:ext>
+            </a:extLst>
+          </p:cNvPr>
+          <p:cNvSpPr>
+            <a:spLocks noGrp="1"/>
+          </p:cNvSpPr>
+          <p:nvPr>
+            <p:ph idx="1"/>
+          </p:nvPr>
+        </p:nvSpPr>
+        <p:spPr/>
+        <p:txBody>
+          <a:bodyPr/>
+          <a:lstStyle/>
+          <a:p>
+            <a:r>
+              <a:rPr lang="en-MY" dirty="0"/>
+              <a:t>Origin refers to the remote repository’s name by convention.</a:t>
+            </a:r>
+          </a:p>
+          <a:p>
+            <a:endParaRPr lang="en-MY" dirty="0"/>
+          </a:p>
+          <a:p>
+            <a:endParaRPr lang="en-MY" dirty="0"/>
+          </a:p>
+          <a:p>
+            <a:endParaRPr lang="en-MY" dirty="0"/>
+          </a:p>
+          <a:p>
+            <a:endParaRPr lang="en-MY" dirty="0"/>
+          </a:p>
+        </p:txBody>
+      </p:sp>
+      <p:pic>
+        <p:nvPicPr>
+          <p:cNvPr id="6" name="Picture 5" descr="Text&#10;&#10;Description automatically generated">
+            <a:extLst>
+              <a:ext uri="{FF2B5EF4-FFF2-40B4-BE49-F238E27FC236}">
+                <a16:creationId xmlns:a16="http://schemas.microsoft.com/office/drawing/2014/main" id="{DF05D3C2-2C51-4B63-BB54-8459435A7C9C}"/>
+              </a:ext>
+            </a:extLst>
+          </p:cNvPr>
+          <p:cNvPicPr>
+            <a:picLocks noChangeAspect="1"/>
+          </p:cNvPicPr>
+          <p:nvPr/>
+        </p:nvPicPr>
+        <p:blipFill>
+          <a:blip r:embed="rId2"/>
+          <a:stretch>
+            <a:fillRect/>
+          </a:stretch>
+        </p:blipFill>
+        <p:spPr>
+          <a:xfrm>
+            <a:off x="283808" y="2563509"/>
+            <a:ext cx="8111629" cy="3260821"/>
+          </a:xfrm>
+          <a:prstGeom prst="rect">
+            <a:avLst/>
+          </a:prstGeom>
+        </p:spPr>
+      </p:pic>
+    </p:spTree>
+    <p:extLst>
+      <p:ext uri="{BB962C8B-B14F-4D97-AF65-F5344CB8AC3E}">
+        <p14:creationId xmlns:p14="http://schemas.microsoft.com/office/powerpoint/2010/main" val="1279877014"/>
+      </p:ext>
+    </p:extLst>
+  </p:cSld>
+  <p:clrMapOvr>
+    <a:masterClrMapping/>
+  </p:clrMapOvr>
+</p:sld>
+</file>
+
+<file path=ppt/slides/slide26.xml><?xml version="1.0" encoding="utf-8"?>
+<p:sld xmlns:a="http://schemas.openxmlformats.org/drawingml/2006/main" xmlns:r="http://schemas.openxmlformats.org/officeDocument/2006/relationships" xmlns:p="http://schemas.openxmlformats.org/presentationml/2006/main">
+  <p:cSld>
+    <p:spTree>
+      <p:nvGrpSpPr>
+        <p:cNvPr id="1" name=""/>
+        <p:cNvGrpSpPr/>
+        <p:nvPr/>
+      </p:nvGrpSpPr>
+      <p:grpSpPr>
+        <a:xfrm>
+          <a:off x="0" y="0"/>
+          <a:ext cx="0" cy="0"/>
+          <a:chOff x="0" y="0"/>
+          <a:chExt cx="0" cy="0"/>
+        </a:xfrm>
+      </p:grpSpPr>
+      <p:sp>
+        <p:nvSpPr>
+          <p:cNvPr id="3" name="Content Placeholder 2">
+            <a:extLst>
+              <a:ext uri="{FF2B5EF4-FFF2-40B4-BE49-F238E27FC236}">
+                <a16:creationId xmlns:a16="http://schemas.microsoft.com/office/drawing/2014/main" id="{09C0B1CC-DFB4-4DD5-9284-F0C0D09EEC7C}"/>
+              </a:ext>
+            </a:extLst>
+          </p:cNvPr>
+          <p:cNvSpPr>
+            <a:spLocks noGrp="1"/>
+          </p:cNvSpPr>
+          <p:nvPr>
+            <p:ph idx="1"/>
+          </p:nvPr>
+        </p:nvSpPr>
+        <p:spPr>
+          <a:xfrm>
+            <a:off x="838200" y="1800520"/>
+            <a:ext cx="10515599" cy="1628480"/>
+          </a:xfrm>
+        </p:spPr>
+        <p:txBody>
+          <a:bodyPr/>
+          <a:lstStyle/>
+          <a:p>
+            <a:r>
+              <a:rPr lang="en-MY" dirty="0"/>
+              <a:t>.</a:t>
+            </a:r>
+            <a:r>
+              <a:rPr lang="en-MY" dirty="0" err="1"/>
+              <a:t>gitignore</a:t>
+            </a:r>
+            <a:r>
+              <a:rPr lang="en-MY" dirty="0"/>
+              <a:t> is a way to ignore files in Git</a:t>
+            </a:r>
+          </a:p>
+          <a:p>
+            <a:r>
+              <a:rPr lang="en-MY" dirty="0"/>
+              <a:t>README.md is to display text on GitHub</a:t>
+            </a:r>
+          </a:p>
+          <a:p>
+            <a:endParaRPr lang="en-MY" dirty="0"/>
+          </a:p>
+        </p:txBody>
+      </p:sp>
+      <p:sp>
+        <p:nvSpPr>
+          <p:cNvPr id="14" name="Title 1">
+            <a:extLst>
+              <a:ext uri="{FF2B5EF4-FFF2-40B4-BE49-F238E27FC236}">
+                <a16:creationId xmlns:a16="http://schemas.microsoft.com/office/drawing/2014/main" id="{CB6EE48A-B4E1-49F8-9666-8F14CD82CB13}"/>
+              </a:ext>
+            </a:extLst>
+          </p:cNvPr>
+          <p:cNvSpPr>
+            <a:spLocks noGrp="1"/>
+          </p:cNvSpPr>
+          <p:nvPr>
+            <p:ph type="title"/>
+          </p:nvPr>
+        </p:nvSpPr>
+        <p:spPr>
+          <a:xfrm>
+            <a:off x="838200" y="143558"/>
+            <a:ext cx="8334376" cy="1325563"/>
+          </a:xfrm>
+        </p:spPr>
+        <p:txBody>
+          <a:bodyPr/>
+          <a:lstStyle/>
+          <a:p>
+            <a:r>
+              <a:rPr lang="en-US" dirty="0"/>
+              <a:t>Common additional files</a:t>
+            </a:r>
+          </a:p>
+        </p:txBody>
+      </p:sp>
+      <p:pic>
+        <p:nvPicPr>
+          <p:cNvPr id="4" name="Picture 3" descr="Text&#10;&#10;Description automatically generated">
+            <a:extLst>
+              <a:ext uri="{FF2B5EF4-FFF2-40B4-BE49-F238E27FC236}">
+                <a16:creationId xmlns:a16="http://schemas.microsoft.com/office/drawing/2014/main" id="{8D7378DC-8BE2-4C03-9CD8-8A00BCC48748}"/>
+              </a:ext>
+            </a:extLst>
+          </p:cNvPr>
+          <p:cNvPicPr>
+            <a:picLocks noChangeAspect="1"/>
+          </p:cNvPicPr>
+          <p:nvPr/>
+        </p:nvPicPr>
+        <p:blipFill>
+          <a:blip r:embed="rId2"/>
+          <a:stretch>
+            <a:fillRect/>
+          </a:stretch>
+        </p:blipFill>
+        <p:spPr>
+          <a:xfrm>
+            <a:off x="143060" y="2794684"/>
+            <a:ext cx="6758813" cy="3175986"/>
+          </a:xfrm>
+          <a:prstGeom prst="rect">
+            <a:avLst/>
+          </a:prstGeom>
+        </p:spPr>
+      </p:pic>
+      <p:sp>
+        <p:nvSpPr>
+          <p:cNvPr id="5" name="Callout: Quad Arrow 4">
+            <a:extLst>
+              <a:ext uri="{FF2B5EF4-FFF2-40B4-BE49-F238E27FC236}">
+                <a16:creationId xmlns:a16="http://schemas.microsoft.com/office/drawing/2014/main" id="{4915111C-3B99-4187-B025-5F7380DF9D23}"/>
+              </a:ext>
+            </a:extLst>
+          </p:cNvPr>
+          <p:cNvSpPr/>
+          <p:nvPr/>
+        </p:nvSpPr>
+        <p:spPr>
+          <a:xfrm>
+            <a:off x="443883" y="426128"/>
+            <a:ext cx="394317" cy="408373"/>
+          </a:xfrm>
+          <a:prstGeom prst="quadArrowCallout">
+            <a:avLst/>
+          </a:prstGeom>
+        </p:spPr>
+        <p:style>
+          <a:lnRef idx="2">
+            <a:schemeClr val="accent4">
+              <a:shade val="50000"/>
+            </a:schemeClr>
+          </a:lnRef>
+          <a:fillRef idx="1">
+            <a:schemeClr val="accent4"/>
+          </a:fillRef>
+          <a:effectRef idx="0">
+            <a:schemeClr val="accent4"/>
+          </a:effectRef>
+          <a:fontRef idx="minor">
+            <a:schemeClr val="lt1"/>
+          </a:fontRef>
+        </p:style>
+        <p:txBody>
+          <a:bodyPr rtlCol="0" anchor="ctr"/>
+          <a:lstStyle/>
+          <a:p>
+            <a:pPr algn="ctr"/>
+            <a:endParaRPr lang="en-MY"/>
+          </a:p>
+        </p:txBody>
+      </p:sp>
+    </p:spTree>
+    <p:extLst>
+      <p:ext uri="{BB962C8B-B14F-4D97-AF65-F5344CB8AC3E}">
+        <p14:creationId xmlns:p14="http://schemas.microsoft.com/office/powerpoint/2010/main" val="3478408731"/>
+      </p:ext>
+    </p:extLst>
+  </p:cSld>
+  <p:clrMapOvr>
+    <a:masterClrMapping/>
+  </p:clrMapOvr>
+</p:sld>
+</file>
+
+<file path=ppt/slides/slide27.xml><?xml version="1.0" encoding="utf-8"?>
+<p:sld xmlns:a="http://schemas.openxmlformats.org/drawingml/2006/main" xmlns:r="http://schemas.openxmlformats.org/officeDocument/2006/relationships" xmlns:p="http://schemas.openxmlformats.org/presentationml/2006/main">
+  <p:cSld>
+    <p:spTree>
+      <p:nvGrpSpPr>
+        <p:cNvPr id="1" name=""/>
+        <p:cNvGrpSpPr/>
+        <p:nvPr/>
+      </p:nvGrpSpPr>
+      <p:grpSpPr>
+        <a:xfrm>
+          <a:off x="0" y="0"/>
+          <a:ext cx="0" cy="0"/>
+          <a:chOff x="0" y="0"/>
+          <a:chExt cx="0" cy="0"/>
+        </a:xfrm>
+      </p:grpSpPr>
+      <p:sp>
+        <p:nvSpPr>
+          <p:cNvPr id="2" name="Title 1">
+            <a:extLst>
+              <a:ext uri="{FF2B5EF4-FFF2-40B4-BE49-F238E27FC236}">
+                <a16:creationId xmlns:a16="http://schemas.microsoft.com/office/drawing/2014/main" id="{D47DE0EA-8D0E-4F71-BA30-530045163A55}"/>
+              </a:ext>
+            </a:extLst>
+          </p:cNvPr>
+          <p:cNvSpPr>
+            <a:spLocks noGrp="1"/>
+          </p:cNvSpPr>
+          <p:nvPr>
+            <p:ph type="title"/>
+          </p:nvPr>
+        </p:nvSpPr>
+        <p:spPr>
+          <a:xfrm>
+            <a:off x="838200" y="181339"/>
+            <a:ext cx="8334376" cy="1325563"/>
+          </a:xfrm>
+        </p:spPr>
+        <p:txBody>
+          <a:bodyPr/>
+          <a:lstStyle/>
+          <a:p>
+            <a:r>
+              <a:rPr lang="en-MY" dirty="0"/>
+              <a:t>Adding a remote repository</a:t>
+            </a:r>
+          </a:p>
+        </p:txBody>
+      </p:sp>
+      <p:sp>
+        <p:nvSpPr>
+          <p:cNvPr id="3" name="Content Placeholder 2">
+            <a:extLst>
+              <a:ext uri="{FF2B5EF4-FFF2-40B4-BE49-F238E27FC236}">
+                <a16:creationId xmlns:a16="http://schemas.microsoft.com/office/drawing/2014/main" id="{4A1CEAAC-31C8-41BE-BB8B-21876DCAE696}"/>
+              </a:ext>
+            </a:extLst>
+          </p:cNvPr>
+          <p:cNvSpPr>
+            <a:spLocks noGrp="1"/>
+          </p:cNvSpPr>
+          <p:nvPr>
+            <p:ph idx="1"/>
+          </p:nvPr>
+        </p:nvSpPr>
+        <p:spPr/>
+        <p:txBody>
+          <a:bodyPr/>
+          <a:lstStyle/>
+          <a:p>
+            <a:r>
+              <a:rPr lang="en-MY" dirty="0"/>
+              <a:t>git clone implicitly adds the remote repo for you under the name origin</a:t>
+            </a:r>
+          </a:p>
+          <a:p>
+            <a:r>
+              <a:rPr lang="en-MY" dirty="0"/>
+              <a:t>To add one explicitly:</a:t>
+            </a:r>
+          </a:p>
+          <a:p>
+            <a:endParaRPr lang="en-MY" dirty="0"/>
+          </a:p>
+          <a:p>
+            <a:endParaRPr lang="en-MY" dirty="0"/>
+          </a:p>
+          <a:p>
+            <a:endParaRPr lang="en-MY" dirty="0"/>
+          </a:p>
+          <a:p>
+            <a:endParaRPr lang="en-MY" dirty="0"/>
+          </a:p>
+        </p:txBody>
+      </p:sp>
+      <p:pic>
+        <p:nvPicPr>
+          <p:cNvPr id="5" name="Picture 4" descr="Text&#10;&#10;Description automatically generated">
+            <a:extLst>
+              <a:ext uri="{FF2B5EF4-FFF2-40B4-BE49-F238E27FC236}">
+                <a16:creationId xmlns:a16="http://schemas.microsoft.com/office/drawing/2014/main" id="{2EAD8331-A85E-41BB-A7E6-B528E920A950}"/>
+              </a:ext>
+            </a:extLst>
+          </p:cNvPr>
+          <p:cNvPicPr>
+            <a:picLocks noChangeAspect="1"/>
+          </p:cNvPicPr>
+          <p:nvPr/>
+        </p:nvPicPr>
+        <p:blipFill>
+          <a:blip r:embed="rId3"/>
+          <a:stretch>
+            <a:fillRect/>
+          </a:stretch>
+        </p:blipFill>
+        <p:spPr>
+          <a:xfrm>
+            <a:off x="114909" y="2949888"/>
+            <a:ext cx="9625263" cy="3726773"/>
+          </a:xfrm>
+          <a:prstGeom prst="rect">
+            <a:avLst/>
+          </a:prstGeom>
+        </p:spPr>
+      </p:pic>
+      <p:sp>
+        <p:nvSpPr>
+          <p:cNvPr id="6" name="Callout: Quad Arrow 5">
+            <a:extLst>
+              <a:ext uri="{FF2B5EF4-FFF2-40B4-BE49-F238E27FC236}">
+                <a16:creationId xmlns:a16="http://schemas.microsoft.com/office/drawing/2014/main" id="{05528534-B002-4544-A178-1AFEA960330C}"/>
+              </a:ext>
+            </a:extLst>
+          </p:cNvPr>
+          <p:cNvSpPr/>
+          <p:nvPr/>
+        </p:nvSpPr>
+        <p:spPr>
+          <a:xfrm>
+            <a:off x="443883" y="426128"/>
+            <a:ext cx="394317" cy="408373"/>
+          </a:xfrm>
+          <a:prstGeom prst="quadArrowCallout">
+            <a:avLst/>
+          </a:prstGeom>
+        </p:spPr>
+        <p:style>
+          <a:lnRef idx="2">
+            <a:schemeClr val="accent4">
+              <a:shade val="50000"/>
+            </a:schemeClr>
+          </a:lnRef>
+          <a:fillRef idx="1">
+            <a:schemeClr val="accent4"/>
+          </a:fillRef>
+          <a:effectRef idx="0">
+            <a:schemeClr val="accent4"/>
+          </a:effectRef>
+          <a:fontRef idx="minor">
+            <a:schemeClr val="lt1"/>
+          </a:fontRef>
+        </p:style>
+        <p:txBody>
+          <a:bodyPr rtlCol="0" anchor="ctr"/>
+          <a:lstStyle/>
+          <a:p>
+            <a:pPr algn="ctr"/>
+            <a:endParaRPr lang="en-MY"/>
+          </a:p>
+        </p:txBody>
+      </p:sp>
+    </p:spTree>
+    <p:extLst>
+      <p:ext uri="{BB962C8B-B14F-4D97-AF65-F5344CB8AC3E}">
+        <p14:creationId xmlns:p14="http://schemas.microsoft.com/office/powerpoint/2010/main" val="3163654555"/>
+      </p:ext>
+    </p:extLst>
+  </p:cSld>
+  <p:clrMapOvr>
+    <a:masterClrMapping/>
+  </p:clrMapOvr>
+</p:sld>
+</file>
+
+<file path=ppt/slides/slide28.xml><?xml version="1.0" encoding="utf-8"?>
+<p:sld xmlns:a="http://schemas.openxmlformats.org/drawingml/2006/main" xmlns:r="http://schemas.openxmlformats.org/officeDocument/2006/relationships" xmlns:p="http://schemas.openxmlformats.org/presentationml/2006/main">
+  <p:cSld>
+    <p:spTree>
+      <p:nvGrpSpPr>
+        <p:cNvPr id="1" name=""/>
+        <p:cNvGrpSpPr/>
+        <p:nvPr/>
+      </p:nvGrpSpPr>
+      <p:grpSpPr>
+        <a:xfrm>
+          <a:off x="0" y="0"/>
+          <a:ext cx="0" cy="0"/>
+          <a:chOff x="0" y="0"/>
+          <a:chExt cx="0" cy="0"/>
+        </a:xfrm>
+      </p:grpSpPr>
+      <p:sp>
+        <p:nvSpPr>
+          <p:cNvPr id="2" name="Title 1">
+            <a:extLst>
+              <a:ext uri="{FF2B5EF4-FFF2-40B4-BE49-F238E27FC236}">
+                <a16:creationId xmlns:a16="http://schemas.microsoft.com/office/drawing/2014/main" id="{D47DE0EA-8D0E-4F71-BA30-530045163A55}"/>
+              </a:ext>
+            </a:extLst>
+          </p:cNvPr>
+          <p:cNvSpPr>
+            <a:spLocks noGrp="1"/>
+          </p:cNvSpPr>
+          <p:nvPr>
+            <p:ph type="title"/>
+          </p:nvPr>
+        </p:nvSpPr>
+        <p:spPr>
+          <a:xfrm>
+            <a:off x="838200" y="181339"/>
+            <a:ext cx="8334376" cy="1325563"/>
+          </a:xfrm>
+        </p:spPr>
+        <p:txBody>
+          <a:bodyPr/>
+          <a:lstStyle/>
+          <a:p>
+            <a:r>
+              <a:rPr lang="en-MY" dirty="0"/>
+              <a:t>Fetching and pulling</a:t>
+            </a:r>
+          </a:p>
+        </p:txBody>
+      </p:sp>
+      <p:sp>
+        <p:nvSpPr>
+          <p:cNvPr id="3" name="Content Placeholder 2">
+            <a:extLst>
+              <a:ext uri="{FF2B5EF4-FFF2-40B4-BE49-F238E27FC236}">
+                <a16:creationId xmlns:a16="http://schemas.microsoft.com/office/drawing/2014/main" id="{4A1CEAAC-31C8-41BE-BB8B-21876DCAE696}"/>
+              </a:ext>
+            </a:extLst>
+          </p:cNvPr>
+          <p:cNvSpPr>
+            <a:spLocks noGrp="1"/>
+          </p:cNvSpPr>
+          <p:nvPr>
+            <p:ph idx="1"/>
+          </p:nvPr>
+        </p:nvSpPr>
+        <p:spPr>
+          <a:xfrm>
+            <a:off x="838200" y="1506902"/>
+            <a:ext cx="10515600" cy="4351338"/>
+          </a:xfrm>
+        </p:spPr>
+        <p:txBody>
+          <a:bodyPr/>
+          <a:lstStyle/>
+          <a:p>
+            <a:r>
+              <a:rPr lang="en-MY" dirty="0"/>
+              <a:t>git fetch command only downloads the data to your local repo but it does not merge or modify your work.</a:t>
+            </a:r>
+          </a:p>
+          <a:p>
+            <a:r>
+              <a:rPr lang="en-MY" dirty="0"/>
+              <a:t>You have to do this manually.</a:t>
+            </a:r>
+          </a:p>
+          <a:p>
+            <a:r>
+              <a:rPr lang="en-MY" dirty="0"/>
+              <a:t>git pull fetches the data and then merges that remote branch into your current branch. Additionally, git clone automatically sets up your local main branch to track the remote main branch.</a:t>
+            </a:r>
+          </a:p>
+          <a:p>
+            <a:endParaRPr lang="en-MY" dirty="0"/>
+          </a:p>
+          <a:p>
+            <a:endParaRPr lang="en-MY" dirty="0"/>
+          </a:p>
+          <a:p>
+            <a:endParaRPr lang="en-MY" dirty="0"/>
+          </a:p>
+        </p:txBody>
+      </p:sp>
+      <p:pic>
+        <p:nvPicPr>
+          <p:cNvPr id="8" name="Picture 7" descr="Text&#10;&#10;Description automatically generated">
+            <a:extLst>
+              <a:ext uri="{FF2B5EF4-FFF2-40B4-BE49-F238E27FC236}">
+                <a16:creationId xmlns:a16="http://schemas.microsoft.com/office/drawing/2014/main" id="{E93962E7-466C-4B3E-AFA9-545F232B1927}"/>
+              </a:ext>
+            </a:extLst>
+          </p:cNvPr>
+          <p:cNvPicPr>
+            <a:picLocks noChangeAspect="1"/>
+          </p:cNvPicPr>
+          <p:nvPr/>
+        </p:nvPicPr>
+        <p:blipFill>
+          <a:blip r:embed="rId3"/>
+          <a:stretch>
+            <a:fillRect/>
+          </a:stretch>
+        </p:blipFill>
+        <p:spPr>
+          <a:xfrm>
+            <a:off x="238398" y="3650516"/>
+            <a:ext cx="8256233" cy="3533287"/>
+          </a:xfrm>
+          <a:prstGeom prst="rect">
+            <a:avLst/>
+          </a:prstGeom>
+        </p:spPr>
+      </p:pic>
+      <p:sp>
+        <p:nvSpPr>
+          <p:cNvPr id="5" name="Callout: Quad Arrow 4">
+            <a:extLst>
+              <a:ext uri="{FF2B5EF4-FFF2-40B4-BE49-F238E27FC236}">
+                <a16:creationId xmlns:a16="http://schemas.microsoft.com/office/drawing/2014/main" id="{12B490E0-29D9-4345-AE2C-F68423B8C613}"/>
+              </a:ext>
+            </a:extLst>
+          </p:cNvPr>
+          <p:cNvSpPr/>
+          <p:nvPr/>
+        </p:nvSpPr>
+        <p:spPr>
+          <a:xfrm>
+            <a:off x="443883" y="426128"/>
+            <a:ext cx="394317" cy="408373"/>
+          </a:xfrm>
+          <a:prstGeom prst="quadArrowCallout">
+            <a:avLst/>
+          </a:prstGeom>
+        </p:spPr>
+        <p:style>
+          <a:lnRef idx="2">
+            <a:schemeClr val="accent4">
+              <a:shade val="50000"/>
+            </a:schemeClr>
+          </a:lnRef>
+          <a:fillRef idx="1">
+            <a:schemeClr val="accent4"/>
+          </a:fillRef>
+          <a:effectRef idx="0">
+            <a:schemeClr val="accent4"/>
+          </a:effectRef>
+          <a:fontRef idx="minor">
+            <a:schemeClr val="lt1"/>
+          </a:fontRef>
+        </p:style>
+        <p:txBody>
+          <a:bodyPr rtlCol="0" anchor="ctr"/>
+          <a:lstStyle/>
+          <a:p>
+            <a:pPr algn="ctr"/>
+            <a:endParaRPr lang="en-MY"/>
+          </a:p>
+        </p:txBody>
+      </p:sp>
+    </p:spTree>
+    <p:extLst>
+      <p:ext uri="{BB962C8B-B14F-4D97-AF65-F5344CB8AC3E}">
+        <p14:creationId xmlns:p14="http://schemas.microsoft.com/office/powerpoint/2010/main" val="4023501392"/>
+      </p:ext>
+    </p:extLst>
+  </p:cSld>
+  <p:clrMapOvr>
+    <a:masterClrMapping/>
+  </p:clrMapOvr>
+</p:sld>
+</file>
+
+<file path=ppt/slides/slide29.xml><?xml version="1.0" encoding="utf-8"?>
+<p:sld xmlns:a="http://schemas.openxmlformats.org/drawingml/2006/main" xmlns:r="http://schemas.openxmlformats.org/officeDocument/2006/relationships" xmlns:p="http://schemas.openxmlformats.org/presentationml/2006/main">
+  <p:cSld>
+    <p:spTree>
+      <p:nvGrpSpPr>
+        <p:cNvPr id="1" name=""/>
+        <p:cNvGrpSpPr/>
+        <p:nvPr/>
+      </p:nvGrpSpPr>
+      <p:grpSpPr>
+        <a:xfrm>
+          <a:off x="0" y="0"/>
+          <a:ext cx="0" cy="0"/>
+          <a:chOff x="0" y="0"/>
+          <a:chExt cx="0" cy="0"/>
+        </a:xfrm>
+      </p:grpSpPr>
+      <p:sp>
+        <p:nvSpPr>
+          <p:cNvPr id="2" name="Title 1">
+            <a:extLst>
+              <a:ext uri="{FF2B5EF4-FFF2-40B4-BE49-F238E27FC236}">
+                <a16:creationId xmlns:a16="http://schemas.microsoft.com/office/drawing/2014/main" id="{D47DE0EA-8D0E-4F71-BA30-530045163A55}"/>
+              </a:ext>
+            </a:extLst>
+          </p:cNvPr>
+          <p:cNvSpPr>
+            <a:spLocks noGrp="1"/>
+          </p:cNvSpPr>
+          <p:nvPr>
+            <p:ph type="title"/>
+          </p:nvPr>
+        </p:nvSpPr>
+        <p:spPr>
+          <a:xfrm>
+            <a:off x="838200" y="181339"/>
+            <a:ext cx="8334376" cy="1325563"/>
+          </a:xfrm>
+        </p:spPr>
+        <p:txBody>
+          <a:bodyPr/>
+          <a:lstStyle/>
+          <a:p>
+            <a:r>
+              <a:rPr lang="en-MY" dirty="0"/>
+              <a:t>Pushing</a:t>
+            </a:r>
+          </a:p>
+        </p:txBody>
+      </p:sp>
+      <p:sp>
+        <p:nvSpPr>
+          <p:cNvPr id="3" name="Content Placeholder 2">
+            <a:extLst>
+              <a:ext uri="{FF2B5EF4-FFF2-40B4-BE49-F238E27FC236}">
+                <a16:creationId xmlns:a16="http://schemas.microsoft.com/office/drawing/2014/main" id="{4A1CEAAC-31C8-41BE-BB8B-21876DCAE696}"/>
+              </a:ext>
+            </a:extLst>
+          </p:cNvPr>
+          <p:cNvSpPr>
+            <a:spLocks noGrp="1"/>
+          </p:cNvSpPr>
+          <p:nvPr>
+            <p:ph idx="1"/>
+          </p:nvPr>
+        </p:nvSpPr>
+        <p:spPr/>
+        <p:txBody>
+          <a:bodyPr/>
+          <a:lstStyle/>
+          <a:p>
+            <a:r>
+              <a:rPr lang="en-MY" dirty="0"/>
+              <a:t>Ready to share?</a:t>
+            </a:r>
+          </a:p>
+          <a:p>
+            <a:r>
+              <a:rPr lang="en-MY" dirty="0"/>
+              <a:t>What happens when multiple people push at the same time? How about if you push before pulling?</a:t>
+            </a:r>
+          </a:p>
+          <a:p>
+            <a:r>
+              <a:rPr lang="en-MY" dirty="0"/>
+              <a:t>You’ll get errors or conflicts! So always </a:t>
+            </a:r>
+            <a:r>
+              <a:rPr lang="en-MY" dirty="0">
+                <a:solidFill>
+                  <a:schemeClr val="accent4"/>
+                </a:solidFill>
+              </a:rPr>
+              <a:t>git pull </a:t>
+            </a:r>
+            <a:r>
+              <a:rPr lang="en-MY" dirty="0"/>
+              <a:t>before </a:t>
+            </a:r>
+            <a:r>
+              <a:rPr lang="en-MY" dirty="0">
+                <a:solidFill>
+                  <a:schemeClr val="accent4"/>
+                </a:solidFill>
+              </a:rPr>
+              <a:t>git push</a:t>
+            </a:r>
+          </a:p>
+          <a:p>
+            <a:endParaRPr lang="en-MY" dirty="0"/>
+          </a:p>
+          <a:p>
+            <a:endParaRPr lang="en-MY" dirty="0"/>
+          </a:p>
+          <a:p>
+            <a:endParaRPr lang="en-MY" dirty="0"/>
+          </a:p>
+        </p:txBody>
+      </p:sp>
+      <p:pic>
+        <p:nvPicPr>
+          <p:cNvPr id="5" name="Picture 4" descr="Graphical user interface, text&#10;&#10;Description automatically generated">
+            <a:extLst>
+              <a:ext uri="{FF2B5EF4-FFF2-40B4-BE49-F238E27FC236}">
+                <a16:creationId xmlns:a16="http://schemas.microsoft.com/office/drawing/2014/main" id="{7962B4B9-8D8A-42AF-9521-CBBFE0D416F7}"/>
+              </a:ext>
+            </a:extLst>
+          </p:cNvPr>
+          <p:cNvPicPr>
+            <a:picLocks noChangeAspect="1"/>
+          </p:cNvPicPr>
+          <p:nvPr/>
+        </p:nvPicPr>
+        <p:blipFill>
+          <a:blip r:embed="rId3"/>
+          <a:stretch>
+            <a:fillRect/>
+          </a:stretch>
+        </p:blipFill>
+        <p:spPr>
+          <a:xfrm>
+            <a:off x="149087" y="3594933"/>
+            <a:ext cx="10289219" cy="2900753"/>
+          </a:xfrm>
+          <a:prstGeom prst="rect">
+            <a:avLst/>
+          </a:prstGeom>
+        </p:spPr>
+      </p:pic>
+      <p:sp>
+        <p:nvSpPr>
+          <p:cNvPr id="4" name="Callout: Quad Arrow 3">
+            <a:extLst>
+              <a:ext uri="{FF2B5EF4-FFF2-40B4-BE49-F238E27FC236}">
+                <a16:creationId xmlns:a16="http://schemas.microsoft.com/office/drawing/2014/main" id="{44583894-981B-4621-A38A-E74B9A366019}"/>
+              </a:ext>
+            </a:extLst>
+          </p:cNvPr>
+          <p:cNvSpPr/>
+          <p:nvPr/>
+        </p:nvSpPr>
+        <p:spPr>
+          <a:xfrm>
+            <a:off x="443883" y="426128"/>
+            <a:ext cx="394317" cy="408373"/>
+          </a:xfrm>
+          <a:prstGeom prst="quadArrowCallout">
+            <a:avLst/>
+          </a:prstGeom>
+        </p:spPr>
+        <p:style>
+          <a:lnRef idx="2">
+            <a:schemeClr val="accent4">
+              <a:shade val="50000"/>
+            </a:schemeClr>
+          </a:lnRef>
+          <a:fillRef idx="1">
+            <a:schemeClr val="accent4"/>
+          </a:fillRef>
+          <a:effectRef idx="0">
+            <a:schemeClr val="accent4"/>
+          </a:effectRef>
+          <a:fontRef idx="minor">
+            <a:schemeClr val="lt1"/>
+          </a:fontRef>
+        </p:style>
+        <p:txBody>
+          <a:bodyPr rtlCol="0" anchor="ctr"/>
+          <a:lstStyle/>
+          <a:p>
+            <a:pPr algn="ctr"/>
+            <a:endParaRPr lang="en-MY"/>
+          </a:p>
+        </p:txBody>
+      </p:sp>
+    </p:spTree>
+    <p:extLst>
+      <p:ext uri="{BB962C8B-B14F-4D97-AF65-F5344CB8AC3E}">
+        <p14:creationId xmlns:p14="http://schemas.microsoft.com/office/powerpoint/2010/main" val="1261939104"/>
+      </p:ext>
+    </p:extLst>
+  </p:cSld>
+  <p:clrMapOvr>
+    <a:masterClrMapping/>
+  </p:clrMapOvr>
+</p:sld>
+</file>
+
+<file path=ppt/slides/slide3.xml><?xml version="1.0" encoding="utf-8"?>
+<p:sld xmlns:a="http://schemas.openxmlformats.org/drawingml/2006/main" xmlns:r="http://schemas.openxmlformats.org/officeDocument/2006/relationships" xmlns:p="http://schemas.openxmlformats.org/presentationml/2006/main">
+  <p:cSld>
+    <p:spTree>
+      <p:nvGrpSpPr>
+        <p:cNvPr id="1" name=""/>
+        <p:cNvGrpSpPr/>
+        <p:nvPr/>
+      </p:nvGrpSpPr>
+      <p:grpSpPr>
+        <a:xfrm>
+          <a:off x="0" y="0"/>
+          <a:ext cx="0" cy="0"/>
+          <a:chOff x="0" y="0"/>
+          <a:chExt cx="0" cy="0"/>
+        </a:xfrm>
+      </p:grpSpPr>
+      <p:sp>
+        <p:nvSpPr>
+          <p:cNvPr id="2" name="Title 1"/>
+          <p:cNvSpPr>
+            <a:spLocks noGrp="1"/>
+          </p:cNvSpPr>
+          <p:nvPr>
+            <p:ph type="title"/>
+          </p:nvPr>
+        </p:nvSpPr>
+        <p:spPr>
+          <a:xfrm>
+            <a:off x="838200" y="110002"/>
+            <a:ext cx="8334376" cy="1325563"/>
+          </a:xfrm>
+        </p:spPr>
+        <p:txBody>
+          <a:bodyPr/>
+          <a:lstStyle/>
+          <a:p>
+            <a:r>
+              <a:rPr lang="en-US" dirty="0"/>
+              <a:t>Reading commands:</a:t>
+            </a:r>
+          </a:p>
+        </p:txBody>
+      </p:sp>
+      <p:sp>
+        <p:nvSpPr>
+          <p:cNvPr id="14" name="Content Placeholder 13">
+            <a:extLst>
+              <a:ext uri="{FF2B5EF4-FFF2-40B4-BE49-F238E27FC236}">
+                <a16:creationId xmlns:a16="http://schemas.microsoft.com/office/drawing/2014/main" id="{89DD93C4-882C-4D9C-A2C6-BB1AFBA96F37}"/>
+              </a:ext>
+            </a:extLst>
+          </p:cNvPr>
+          <p:cNvSpPr>
+            <a:spLocks noGrp="1"/>
+          </p:cNvSpPr>
+          <p:nvPr>
+            <p:ph idx="1"/>
+          </p:nvPr>
+        </p:nvSpPr>
+        <p:spPr>
+          <a:xfrm>
+            <a:off x="838200" y="763480"/>
+            <a:ext cx="10515600" cy="5726097"/>
+          </a:xfrm>
+        </p:spPr>
+        <p:txBody>
+          <a:bodyPr numCol="1">
+            <a:noAutofit/>
+          </a:bodyPr>
+          <a:lstStyle/>
+          <a:p>
+            <a:pPr marL="0" indent="0">
+              <a:lnSpc>
+                <a:spcPct val="150000"/>
+              </a:lnSpc>
+              <a:buNone/>
+            </a:pPr>
+            <a:endParaRPr lang="en-MY" sz="2400" dirty="0"/>
+          </a:p>
+          <a:p>
+            <a:pPr marL="0" indent="0">
+              <a:lnSpc>
+                <a:spcPct val="150000"/>
+              </a:lnSpc>
+              <a:buNone/>
+            </a:pPr>
+            <a:endParaRPr lang="en-MY" sz="2400" dirty="0"/>
+          </a:p>
+        </p:txBody>
+      </p:sp>
+      <p:grpSp>
+        <p:nvGrpSpPr>
+          <p:cNvPr id="5" name="Group 4">
+            <a:extLst>
+              <a:ext uri="{FF2B5EF4-FFF2-40B4-BE49-F238E27FC236}">
+                <a16:creationId xmlns:a16="http://schemas.microsoft.com/office/drawing/2014/main" id="{B8E5A1C0-5813-4F42-B75A-1CB721A55B02}"/>
+              </a:ext>
+            </a:extLst>
+          </p:cNvPr>
+          <p:cNvGrpSpPr/>
+          <p:nvPr/>
+        </p:nvGrpSpPr>
+        <p:grpSpPr>
+          <a:xfrm>
+            <a:off x="4854018" y="1580087"/>
+            <a:ext cx="6638925" cy="3923909"/>
+            <a:chOff x="4053016" y="1660136"/>
+            <a:chExt cx="6638925" cy="3923909"/>
+          </a:xfrm>
+        </p:grpSpPr>
+        <p:grpSp>
+          <p:nvGrpSpPr>
+            <p:cNvPr id="6" name="Group 5">
+              <a:extLst>
+                <a:ext uri="{FF2B5EF4-FFF2-40B4-BE49-F238E27FC236}">
+                  <a16:creationId xmlns:a16="http://schemas.microsoft.com/office/drawing/2014/main" id="{C988E7D2-267F-423D-8E46-D10498C8DFD6}"/>
+                </a:ext>
+              </a:extLst>
+            </p:cNvPr>
+            <p:cNvGrpSpPr/>
+            <p:nvPr/>
+          </p:nvGrpSpPr>
+          <p:grpSpPr>
+            <a:xfrm>
+              <a:off x="4053016" y="1660136"/>
+              <a:ext cx="6638925" cy="3654141"/>
+              <a:chOff x="4922031" y="978848"/>
+              <a:chExt cx="6638925" cy="3654141"/>
+            </a:xfrm>
+          </p:grpSpPr>
+          <p:sp>
+            <p:nvSpPr>
+              <p:cNvPr id="8" name="Rectangle: Rounded Corners 7">
+                <a:extLst>
+                  <a:ext uri="{FF2B5EF4-FFF2-40B4-BE49-F238E27FC236}">
+                    <a16:creationId xmlns:a16="http://schemas.microsoft.com/office/drawing/2014/main" id="{CC5D6CA0-82FA-4A28-BA84-1D588B1EE30D}"/>
+                  </a:ext>
+                </a:extLst>
+              </p:cNvPr>
+              <p:cNvSpPr/>
+              <p:nvPr/>
+            </p:nvSpPr>
+            <p:spPr>
+              <a:xfrm>
+                <a:off x="4922031" y="978848"/>
+                <a:ext cx="6638925" cy="3654141"/>
+              </a:xfrm>
+              <a:prstGeom prst="roundRect">
+                <a:avLst/>
+              </a:prstGeom>
+              <a:solidFill>
+                <a:srgbClr val="151718"/>
+              </a:solidFill>
+              <a:ln>
+                <a:noFill/>
+              </a:ln>
+            </p:spPr>
+            <p:style>
+              <a:lnRef idx="2">
+                <a:schemeClr val="accent1">
+                  <a:shade val="50000"/>
+                </a:schemeClr>
+              </a:lnRef>
+              <a:fillRef idx="1">
+                <a:schemeClr val="accent1"/>
+              </a:fillRef>
+              <a:effectRef idx="0">
+                <a:schemeClr val="accent1"/>
+              </a:effectRef>
+              <a:fontRef idx="minor">
+                <a:schemeClr val="lt1"/>
+              </a:fontRef>
+            </p:style>
+            <p:txBody>
+              <a:bodyPr rtlCol="0" anchor="ctr"/>
+              <a:lstStyle/>
+              <a:p>
+                <a:pPr algn="ctr"/>
+                <a:endParaRPr lang="en-MY"/>
+              </a:p>
+            </p:txBody>
+          </p:sp>
+          <p:sp>
+            <p:nvSpPr>
+              <p:cNvPr id="9" name="Oval 8">
+                <a:extLst>
+                  <a:ext uri="{FF2B5EF4-FFF2-40B4-BE49-F238E27FC236}">
+                    <a16:creationId xmlns:a16="http://schemas.microsoft.com/office/drawing/2014/main" id="{8C321AFA-C857-4455-9B44-85D077518D74}"/>
+                  </a:ext>
+                </a:extLst>
+              </p:cNvPr>
+              <p:cNvSpPr/>
+              <p:nvPr/>
+            </p:nvSpPr>
+            <p:spPr>
+              <a:xfrm>
+                <a:off x="5255582" y="1192500"/>
+                <a:ext cx="180000" cy="180000"/>
+              </a:xfrm>
+              <a:prstGeom prst="ellipse">
+                <a:avLst/>
+              </a:prstGeom>
+              <a:solidFill>
+                <a:srgbClr val="FF5F56"/>
+              </a:solidFill>
+            </p:spPr>
+            <p:style>
+              <a:lnRef idx="2">
+                <a:schemeClr val="accent1">
+                  <a:shade val="50000"/>
+                </a:schemeClr>
+              </a:lnRef>
+              <a:fillRef idx="1">
+                <a:schemeClr val="accent1"/>
+              </a:fillRef>
+              <a:effectRef idx="0">
+                <a:schemeClr val="accent1"/>
+              </a:effectRef>
+              <a:fontRef idx="minor">
+                <a:schemeClr val="lt1"/>
+              </a:fontRef>
+            </p:style>
+            <p:txBody>
+              <a:bodyPr rtlCol="0" anchor="ctr"/>
+              <a:lstStyle/>
+              <a:p>
+                <a:pPr algn="ctr"/>
+                <a:endParaRPr lang="en-MY" dirty="0"/>
+              </a:p>
+            </p:txBody>
+          </p:sp>
+          <p:sp>
+            <p:nvSpPr>
+              <p:cNvPr id="10" name="Oval 9">
+                <a:extLst>
+                  <a:ext uri="{FF2B5EF4-FFF2-40B4-BE49-F238E27FC236}">
+                    <a16:creationId xmlns:a16="http://schemas.microsoft.com/office/drawing/2014/main" id="{F9DA7E80-DF97-468B-B703-5106ECAD1CDA}"/>
+                  </a:ext>
+                </a:extLst>
+              </p:cNvPr>
+              <p:cNvSpPr/>
+              <p:nvPr/>
+            </p:nvSpPr>
+            <p:spPr>
+              <a:xfrm>
+                <a:off x="5523392" y="1192500"/>
+                <a:ext cx="180000" cy="180000"/>
+              </a:xfrm>
+              <a:prstGeom prst="ellipse">
+                <a:avLst/>
+              </a:prstGeom>
+              <a:solidFill>
+                <a:srgbClr val="FFBD2E"/>
+              </a:solidFill>
+            </p:spPr>
+            <p:style>
+              <a:lnRef idx="2">
+                <a:schemeClr val="accent1">
+                  <a:shade val="50000"/>
+                </a:schemeClr>
+              </a:lnRef>
+              <a:fillRef idx="1">
+                <a:schemeClr val="accent1"/>
+              </a:fillRef>
+              <a:effectRef idx="0">
+                <a:schemeClr val="accent1"/>
+              </a:effectRef>
+              <a:fontRef idx="minor">
+                <a:schemeClr val="lt1"/>
+              </a:fontRef>
+            </p:style>
+            <p:txBody>
+              <a:bodyPr rtlCol="0" anchor="ctr"/>
+              <a:lstStyle/>
+              <a:p>
+                <a:pPr algn="ctr"/>
+                <a:endParaRPr lang="en-MY" dirty="0"/>
+              </a:p>
+            </p:txBody>
+          </p:sp>
+          <p:sp>
+            <p:nvSpPr>
+              <p:cNvPr id="11" name="Oval 10">
+                <a:extLst>
+                  <a:ext uri="{FF2B5EF4-FFF2-40B4-BE49-F238E27FC236}">
+                    <a16:creationId xmlns:a16="http://schemas.microsoft.com/office/drawing/2014/main" id="{BD2EEC91-3955-4C8E-9C59-79C96D5AFC43}"/>
+                  </a:ext>
+                </a:extLst>
+              </p:cNvPr>
+              <p:cNvSpPr/>
+              <p:nvPr/>
+            </p:nvSpPr>
+            <p:spPr>
+              <a:xfrm>
+                <a:off x="5791202" y="1192500"/>
+                <a:ext cx="180000" cy="180000"/>
+              </a:xfrm>
+              <a:prstGeom prst="ellipse">
+                <a:avLst/>
+              </a:prstGeom>
+              <a:solidFill>
+                <a:srgbClr val="27C93F"/>
+              </a:solidFill>
+            </p:spPr>
+            <p:style>
+              <a:lnRef idx="2">
+                <a:schemeClr val="accent1">
+                  <a:shade val="50000"/>
+                </a:schemeClr>
+              </a:lnRef>
+              <a:fillRef idx="1">
+                <a:schemeClr val="accent1"/>
+              </a:fillRef>
+              <a:effectRef idx="0">
+                <a:schemeClr val="accent1"/>
+              </a:effectRef>
+              <a:fontRef idx="minor">
+                <a:schemeClr val="lt1"/>
+              </a:fontRef>
+            </p:style>
+            <p:txBody>
+              <a:bodyPr rtlCol="0" anchor="ctr"/>
+              <a:lstStyle/>
+              <a:p>
+                <a:pPr algn="ctr"/>
+                <a:endParaRPr lang="en-MY" dirty="0"/>
+              </a:p>
+            </p:txBody>
+          </p:sp>
+        </p:grpSp>
+        <p:sp>
+          <p:nvSpPr>
+            <p:cNvPr id="7" name="TextBox 6">
+              <a:extLst>
+                <a:ext uri="{FF2B5EF4-FFF2-40B4-BE49-F238E27FC236}">
+                  <a16:creationId xmlns:a16="http://schemas.microsoft.com/office/drawing/2014/main" id="{DD84B21D-5867-4221-8F08-2C09EFDD33BF}"/>
+                </a:ext>
+              </a:extLst>
+            </p:cNvPr>
+            <p:cNvSpPr txBox="1"/>
+            <p:nvPr/>
+          </p:nvSpPr>
+          <p:spPr>
+            <a:xfrm>
+              <a:off x="4311152" y="2298530"/>
+              <a:ext cx="5938163" cy="3285515"/>
+            </a:xfrm>
+            <a:prstGeom prst="rect">
+              <a:avLst/>
+            </a:prstGeom>
+            <a:noFill/>
+          </p:spPr>
+          <p:txBody>
+            <a:bodyPr wrap="square" rtlCol="0">
+              <a:spAutoFit/>
+            </a:bodyPr>
+            <a:lstStyle/>
+            <a:p>
+              <a:pPr>
+                <a:spcAft>
+                  <a:spcPts val="300"/>
+                </a:spcAft>
+              </a:pPr>
+              <a:r>
+                <a:rPr lang="en-MY" sz="1500" dirty="0">
+                  <a:solidFill>
+                    <a:schemeClr val="accent5"/>
+                  </a:solidFill>
+                  <a:latin typeface="Hack" panose="020B0609030202020204" pitchFamily="49" charset="0"/>
+                  <a:ea typeface="Hack" panose="020B0609030202020204" pitchFamily="49" charset="0"/>
+                  <a:cs typeface="Hack" panose="020B0609030202020204" pitchFamily="49" charset="0"/>
+                </a:rPr>
+                <a:t>Example:</a:t>
+              </a:r>
+            </a:p>
+            <a:p>
+              <a:pPr>
+                <a:spcAft>
+                  <a:spcPts val="300"/>
+                </a:spcAft>
+              </a:pPr>
+              <a:r>
+                <a:rPr lang="en-MY" sz="1500" dirty="0">
+                  <a:solidFill>
+                    <a:srgbClr val="92B84F"/>
+                  </a:solidFill>
+                  <a:latin typeface="Hack" panose="020B0609030202020204" pitchFamily="49" charset="0"/>
+                  <a:ea typeface="Hack" panose="020B0609030202020204" pitchFamily="49" charset="0"/>
+                  <a:cs typeface="Hack" panose="020B0609030202020204" pitchFamily="49" charset="0"/>
+                </a:rPr>
+                <a:t>git </a:t>
+              </a:r>
+              <a:r>
+                <a:rPr lang="en-MY" sz="1500" dirty="0">
+                  <a:solidFill>
+                    <a:schemeClr val="bg1"/>
+                  </a:solidFill>
+                  <a:latin typeface="Hack" panose="020B0609030202020204" pitchFamily="49" charset="0"/>
+                  <a:ea typeface="Hack" panose="020B0609030202020204" pitchFamily="49" charset="0"/>
+                  <a:cs typeface="Hack" panose="020B0609030202020204" pitchFamily="49" charset="0"/>
+                </a:rPr>
+                <a:t>branch -[f | l] &lt;branch-name&gt;</a:t>
+              </a:r>
+            </a:p>
+            <a:p>
+              <a:pPr>
+                <a:spcAft>
+                  <a:spcPts val="300"/>
+                </a:spcAft>
+              </a:pPr>
+              <a:endParaRPr lang="en-MY" sz="1500" dirty="0">
+                <a:solidFill>
+                  <a:schemeClr val="bg1"/>
+                </a:solidFill>
+                <a:latin typeface="Hack" panose="020B0609030202020204" pitchFamily="49" charset="0"/>
+                <a:ea typeface="Hack" panose="020B0609030202020204" pitchFamily="49" charset="0"/>
+                <a:cs typeface="Hack" panose="020B0609030202020204" pitchFamily="49" charset="0"/>
+              </a:endParaRPr>
+            </a:p>
+            <a:p>
+              <a:pPr>
+                <a:spcAft>
+                  <a:spcPts val="300"/>
+                </a:spcAft>
+              </a:pPr>
+              <a:r>
+                <a:rPr lang="en-MY" sz="1500" dirty="0">
+                  <a:solidFill>
+                    <a:schemeClr val="bg1"/>
+                  </a:solidFill>
+                  <a:latin typeface="Hack" panose="020B0609030202020204" pitchFamily="49" charset="0"/>
+                  <a:ea typeface="Hack" panose="020B0609030202020204" pitchFamily="49" charset="0"/>
+                  <a:cs typeface="Hack" panose="020B0609030202020204" pitchFamily="49" charset="0"/>
+                </a:rPr>
+                <a:t>Let’s say our branch-name = </a:t>
+              </a:r>
+              <a:r>
+                <a:rPr lang="en-MY" sz="1500" dirty="0" err="1">
+                  <a:solidFill>
+                    <a:schemeClr val="bg1"/>
+                  </a:solidFill>
+                  <a:latin typeface="Hack" panose="020B0609030202020204" pitchFamily="49" charset="0"/>
+                  <a:ea typeface="Hack" panose="020B0609030202020204" pitchFamily="49" charset="0"/>
+                  <a:cs typeface="Hack" panose="020B0609030202020204" pitchFamily="49" charset="0"/>
+                </a:rPr>
+                <a:t>abcd</a:t>
+              </a:r>
+              <a:endParaRPr lang="en-MY" sz="1500" dirty="0">
+                <a:solidFill>
+                  <a:schemeClr val="bg1"/>
+                </a:solidFill>
+                <a:latin typeface="Hack" panose="020B0609030202020204" pitchFamily="49" charset="0"/>
+                <a:ea typeface="Hack" panose="020B0609030202020204" pitchFamily="49" charset="0"/>
+                <a:cs typeface="Hack" panose="020B0609030202020204" pitchFamily="49" charset="0"/>
+              </a:endParaRPr>
+            </a:p>
+            <a:p>
+              <a:pPr>
+                <a:spcAft>
+                  <a:spcPts val="300"/>
+                </a:spcAft>
+              </a:pPr>
+              <a:r>
+                <a:rPr lang="en-MY" sz="1500" dirty="0">
+                  <a:solidFill>
+                    <a:schemeClr val="bg1"/>
+                  </a:solidFill>
+                  <a:latin typeface="Hack" panose="020B0609030202020204" pitchFamily="49" charset="0"/>
+                  <a:ea typeface="Hack" panose="020B0609030202020204" pitchFamily="49" charset="0"/>
+                  <a:cs typeface="Hack" panose="020B0609030202020204" pitchFamily="49" charset="0"/>
+                </a:rPr>
+                <a:t>Means you can write:</a:t>
+              </a:r>
+            </a:p>
+            <a:p>
+              <a:pPr>
+                <a:spcAft>
+                  <a:spcPts val="300"/>
+                </a:spcAft>
+              </a:pPr>
+              <a:r>
+                <a:rPr lang="en-MY" sz="1500" dirty="0">
+                  <a:solidFill>
+                    <a:srgbClr val="92B84F"/>
+                  </a:solidFill>
+                  <a:latin typeface="Hack" panose="020B0609030202020204" pitchFamily="49" charset="0"/>
+                  <a:ea typeface="Hack" panose="020B0609030202020204" pitchFamily="49" charset="0"/>
+                  <a:cs typeface="Hack" panose="020B0609030202020204" pitchFamily="49" charset="0"/>
+                </a:rPr>
+                <a:t>git</a:t>
+              </a:r>
+              <a:r>
+                <a:rPr lang="en-MY" sz="1500" dirty="0">
+                  <a:solidFill>
+                    <a:schemeClr val="bg1"/>
+                  </a:solidFill>
+                  <a:latin typeface="Hack" panose="020B0609030202020204" pitchFamily="49" charset="0"/>
+                  <a:ea typeface="Hack" panose="020B0609030202020204" pitchFamily="49" charset="0"/>
+                  <a:cs typeface="Hack" panose="020B0609030202020204" pitchFamily="49" charset="0"/>
+                </a:rPr>
+                <a:t> branch </a:t>
+              </a:r>
+              <a:r>
+                <a:rPr lang="en-MY" sz="1500" dirty="0" err="1">
+                  <a:solidFill>
+                    <a:schemeClr val="bg1"/>
+                  </a:solidFill>
+                  <a:latin typeface="Hack" panose="020B0609030202020204" pitchFamily="49" charset="0"/>
+                  <a:ea typeface="Hack" panose="020B0609030202020204" pitchFamily="49" charset="0"/>
+                  <a:cs typeface="Hack" panose="020B0609030202020204" pitchFamily="49" charset="0"/>
+                </a:rPr>
+                <a:t>abcd</a:t>
+              </a:r>
+              <a:r>
+                <a:rPr lang="en-MY" sz="1500" dirty="0">
+                  <a:solidFill>
+                    <a:schemeClr val="bg1"/>
+                  </a:solidFill>
+                  <a:latin typeface="Hack" panose="020B0609030202020204" pitchFamily="49" charset="0"/>
+                  <a:ea typeface="Hack" panose="020B0609030202020204" pitchFamily="49" charset="0"/>
+                  <a:cs typeface="Hack" panose="020B0609030202020204" pitchFamily="49" charset="0"/>
+                </a:rPr>
+                <a:t>  </a:t>
+              </a:r>
+            </a:p>
+            <a:p>
+              <a:pPr>
+                <a:spcAft>
+                  <a:spcPts val="300"/>
+                </a:spcAft>
+              </a:pPr>
+              <a:r>
+                <a:rPr lang="en-MY" sz="1500" dirty="0">
+                  <a:solidFill>
+                    <a:schemeClr val="bg1"/>
+                  </a:solidFill>
+                  <a:latin typeface="Hack" panose="020B0609030202020204" pitchFamily="49" charset="0"/>
+                  <a:ea typeface="Hack" panose="020B0609030202020204" pitchFamily="49" charset="0"/>
+                  <a:cs typeface="Hack" panose="020B0609030202020204" pitchFamily="49" charset="0"/>
+                </a:rPr>
+                <a:t>   OR</a:t>
+              </a:r>
+            </a:p>
+            <a:p>
+              <a:pPr>
+                <a:spcAft>
+                  <a:spcPts val="300"/>
+                </a:spcAft>
+              </a:pPr>
+              <a:r>
+                <a:rPr lang="en-MY" sz="1500" dirty="0">
+                  <a:solidFill>
+                    <a:srgbClr val="92B84F"/>
+                  </a:solidFill>
+                  <a:latin typeface="Hack" panose="020B0609030202020204" pitchFamily="49" charset="0"/>
+                  <a:ea typeface="Hack" panose="020B0609030202020204" pitchFamily="49" charset="0"/>
+                  <a:cs typeface="Hack" panose="020B0609030202020204" pitchFamily="49" charset="0"/>
+                </a:rPr>
+                <a:t>git</a:t>
+              </a:r>
+              <a:r>
+                <a:rPr lang="en-MY" sz="1500" dirty="0">
+                  <a:solidFill>
+                    <a:schemeClr val="bg1"/>
+                  </a:solidFill>
+                  <a:latin typeface="Hack" panose="020B0609030202020204" pitchFamily="49" charset="0"/>
+                  <a:ea typeface="Hack" panose="020B0609030202020204" pitchFamily="49" charset="0"/>
+                  <a:cs typeface="Hack" panose="020B0609030202020204" pitchFamily="49" charset="0"/>
+                </a:rPr>
+                <a:t> branch –f </a:t>
+              </a:r>
+              <a:r>
+                <a:rPr lang="en-MY" sz="1500" dirty="0" err="1">
+                  <a:solidFill>
+                    <a:schemeClr val="bg1"/>
+                  </a:solidFill>
+                  <a:latin typeface="Hack" panose="020B0609030202020204" pitchFamily="49" charset="0"/>
+                  <a:ea typeface="Hack" panose="020B0609030202020204" pitchFamily="49" charset="0"/>
+                  <a:cs typeface="Hack" panose="020B0609030202020204" pitchFamily="49" charset="0"/>
+                </a:rPr>
+                <a:t>abcd</a:t>
+              </a:r>
+              <a:endParaRPr lang="en-MY" sz="1500" dirty="0">
+                <a:solidFill>
+                  <a:schemeClr val="bg1"/>
+                </a:solidFill>
+                <a:latin typeface="Hack" panose="020B0609030202020204" pitchFamily="49" charset="0"/>
+                <a:ea typeface="Hack" panose="020B0609030202020204" pitchFamily="49" charset="0"/>
+                <a:cs typeface="Hack" panose="020B0609030202020204" pitchFamily="49" charset="0"/>
+              </a:endParaRPr>
+            </a:p>
+            <a:p>
+              <a:pPr>
+                <a:spcAft>
+                  <a:spcPts val="300"/>
+                </a:spcAft>
+              </a:pPr>
+              <a:r>
+                <a:rPr lang="en-MY" sz="1500" dirty="0">
+                  <a:solidFill>
+                    <a:schemeClr val="bg1"/>
+                  </a:solidFill>
+                  <a:latin typeface="Hack" panose="020B0609030202020204" pitchFamily="49" charset="0"/>
+                  <a:ea typeface="Hack" panose="020B0609030202020204" pitchFamily="49" charset="0"/>
+                  <a:cs typeface="Hack" panose="020B0609030202020204" pitchFamily="49" charset="0"/>
+                </a:rPr>
+                <a:t>   OR</a:t>
+              </a:r>
+            </a:p>
+            <a:p>
+              <a:pPr>
+                <a:spcAft>
+                  <a:spcPts val="300"/>
+                </a:spcAft>
+              </a:pPr>
+              <a:r>
+                <a:rPr lang="en-MY" sz="1500" dirty="0">
+                  <a:solidFill>
+                    <a:srgbClr val="92B84F"/>
+                  </a:solidFill>
+                  <a:latin typeface="Hack" panose="020B0609030202020204" pitchFamily="49" charset="0"/>
+                  <a:ea typeface="Hack" panose="020B0609030202020204" pitchFamily="49" charset="0"/>
+                  <a:cs typeface="Hack" panose="020B0609030202020204" pitchFamily="49" charset="0"/>
+                </a:rPr>
+                <a:t>git</a:t>
+              </a:r>
+              <a:r>
+                <a:rPr lang="en-MY" sz="1500" dirty="0">
+                  <a:solidFill>
+                    <a:schemeClr val="bg1"/>
+                  </a:solidFill>
+                  <a:latin typeface="Hack" panose="020B0609030202020204" pitchFamily="49" charset="0"/>
+                  <a:ea typeface="Hack" panose="020B0609030202020204" pitchFamily="49" charset="0"/>
+                  <a:cs typeface="Hack" panose="020B0609030202020204" pitchFamily="49" charset="0"/>
+                </a:rPr>
+                <a:t> branch –l </a:t>
+              </a:r>
+              <a:r>
+                <a:rPr lang="en-MY" sz="1500" dirty="0" err="1">
+                  <a:solidFill>
+                    <a:schemeClr val="bg1"/>
+                  </a:solidFill>
+                  <a:latin typeface="Hack" panose="020B0609030202020204" pitchFamily="49" charset="0"/>
+                  <a:ea typeface="Hack" panose="020B0609030202020204" pitchFamily="49" charset="0"/>
+                  <a:cs typeface="Hack" panose="020B0609030202020204" pitchFamily="49" charset="0"/>
+                </a:rPr>
+                <a:t>abcd</a:t>
+              </a:r>
+              <a:endParaRPr lang="en-MY" sz="1500" dirty="0">
+                <a:solidFill>
+                  <a:schemeClr val="bg1"/>
+                </a:solidFill>
+                <a:latin typeface="Hack" panose="020B0609030202020204" pitchFamily="49" charset="0"/>
+                <a:ea typeface="Hack" panose="020B0609030202020204" pitchFamily="49" charset="0"/>
+                <a:cs typeface="Hack" panose="020B0609030202020204" pitchFamily="49" charset="0"/>
+              </a:endParaRPr>
+            </a:p>
+            <a:p>
+              <a:pPr>
+                <a:spcAft>
+                  <a:spcPts val="300"/>
+                </a:spcAft>
+              </a:pPr>
+              <a:endParaRPr lang="en-MY" sz="1500" dirty="0">
+                <a:solidFill>
+                  <a:srgbClr val="92B84F"/>
+                </a:solidFill>
+                <a:latin typeface="Hack" panose="020B0609030202020204" pitchFamily="49" charset="0"/>
+                <a:ea typeface="Hack" panose="020B0609030202020204" pitchFamily="49" charset="0"/>
+                <a:cs typeface="Hack" panose="020B0609030202020204" pitchFamily="49" charset="0"/>
+              </a:endParaRPr>
+            </a:p>
+            <a:p>
+              <a:pPr>
+                <a:spcAft>
+                  <a:spcPts val="300"/>
+                </a:spcAft>
+              </a:pPr>
+              <a:endParaRPr lang="en-MY" sz="1500" dirty="0">
+                <a:solidFill>
+                  <a:srgbClr val="C9CDCC"/>
+                </a:solidFill>
+                <a:latin typeface="Hack" panose="020B0609030202020204" pitchFamily="49" charset="0"/>
+                <a:ea typeface="Hack" panose="020B0609030202020204" pitchFamily="49" charset="0"/>
+                <a:cs typeface="Hack" panose="020B0609030202020204" pitchFamily="49" charset="0"/>
+              </a:endParaRPr>
+            </a:p>
+          </p:txBody>
+        </p:sp>
+      </p:grpSp>
+      <p:grpSp>
+        <p:nvGrpSpPr>
+          <p:cNvPr id="12" name="Group 11">
+            <a:extLst>
+              <a:ext uri="{FF2B5EF4-FFF2-40B4-BE49-F238E27FC236}">
+                <a16:creationId xmlns:a16="http://schemas.microsoft.com/office/drawing/2014/main" id="{CAE6464F-AEE4-4372-BE15-E66E6DC58239}"/>
+              </a:ext>
+            </a:extLst>
+          </p:cNvPr>
+          <p:cNvGrpSpPr/>
+          <p:nvPr/>
+        </p:nvGrpSpPr>
+        <p:grpSpPr>
+          <a:xfrm>
+            <a:off x="743697" y="1580087"/>
+            <a:ext cx="3806838" cy="2038777"/>
+            <a:chOff x="4192159" y="1660136"/>
+            <a:chExt cx="3806838" cy="2038777"/>
+          </a:xfrm>
+        </p:grpSpPr>
+        <p:grpSp>
+          <p:nvGrpSpPr>
+            <p:cNvPr id="13" name="Group 12">
+              <a:extLst>
+                <a:ext uri="{FF2B5EF4-FFF2-40B4-BE49-F238E27FC236}">
+                  <a16:creationId xmlns:a16="http://schemas.microsoft.com/office/drawing/2014/main" id="{47A9690C-B3F0-42F0-AA84-D996152DD21D}"/>
+                </a:ext>
+              </a:extLst>
+            </p:cNvPr>
+            <p:cNvGrpSpPr/>
+            <p:nvPr/>
+          </p:nvGrpSpPr>
+          <p:grpSpPr>
+            <a:xfrm>
+              <a:off x="4192159" y="1660136"/>
+              <a:ext cx="3806838" cy="1851953"/>
+              <a:chOff x="5061174" y="978848"/>
+              <a:chExt cx="3806838" cy="1851953"/>
+            </a:xfrm>
+          </p:grpSpPr>
+          <p:sp>
+            <p:nvSpPr>
+              <p:cNvPr id="16" name="Rectangle: Rounded Corners 15">
+                <a:extLst>
+                  <a:ext uri="{FF2B5EF4-FFF2-40B4-BE49-F238E27FC236}">
+                    <a16:creationId xmlns:a16="http://schemas.microsoft.com/office/drawing/2014/main" id="{BF06CF51-C401-4A1A-B149-DDBDF545532B}"/>
+                  </a:ext>
+                </a:extLst>
+              </p:cNvPr>
+              <p:cNvSpPr/>
+              <p:nvPr/>
+            </p:nvSpPr>
+            <p:spPr>
+              <a:xfrm>
+                <a:off x="5061174" y="978848"/>
+                <a:ext cx="3806838" cy="1851953"/>
+              </a:xfrm>
+              <a:prstGeom prst="roundRect">
+                <a:avLst/>
+              </a:prstGeom>
+              <a:solidFill>
+                <a:srgbClr val="151718"/>
+              </a:solidFill>
+              <a:ln>
+                <a:noFill/>
+              </a:ln>
+            </p:spPr>
+            <p:style>
+              <a:lnRef idx="2">
+                <a:schemeClr val="accent1">
+                  <a:shade val="50000"/>
+                </a:schemeClr>
+              </a:lnRef>
+              <a:fillRef idx="1">
+                <a:schemeClr val="accent1"/>
+              </a:fillRef>
+              <a:effectRef idx="0">
+                <a:schemeClr val="accent1"/>
+              </a:effectRef>
+              <a:fontRef idx="minor">
+                <a:schemeClr val="lt1"/>
+              </a:fontRef>
+            </p:style>
+            <p:txBody>
+              <a:bodyPr rtlCol="0" anchor="ctr"/>
+              <a:lstStyle/>
+              <a:p>
+                <a:pPr algn="ctr"/>
+                <a:endParaRPr lang="en-MY"/>
+              </a:p>
+            </p:txBody>
+          </p:sp>
+          <p:sp>
+            <p:nvSpPr>
+              <p:cNvPr id="17" name="Oval 16">
+                <a:extLst>
+                  <a:ext uri="{FF2B5EF4-FFF2-40B4-BE49-F238E27FC236}">
+                    <a16:creationId xmlns:a16="http://schemas.microsoft.com/office/drawing/2014/main" id="{8244BF3E-4EE6-4874-BF64-78B46074757F}"/>
+                  </a:ext>
+                </a:extLst>
+              </p:cNvPr>
+              <p:cNvSpPr/>
+              <p:nvPr/>
+            </p:nvSpPr>
+            <p:spPr>
+              <a:xfrm>
+                <a:off x="5255582" y="1192500"/>
+                <a:ext cx="180000" cy="180000"/>
+              </a:xfrm>
+              <a:prstGeom prst="ellipse">
+                <a:avLst/>
+              </a:prstGeom>
+              <a:solidFill>
+                <a:srgbClr val="FF5F56"/>
+              </a:solidFill>
+            </p:spPr>
+            <p:style>
+              <a:lnRef idx="2">
+                <a:schemeClr val="accent1">
+                  <a:shade val="50000"/>
+                </a:schemeClr>
+              </a:lnRef>
+              <a:fillRef idx="1">
+                <a:schemeClr val="accent1"/>
+              </a:fillRef>
+              <a:effectRef idx="0">
+                <a:schemeClr val="accent1"/>
+              </a:effectRef>
+              <a:fontRef idx="minor">
+                <a:schemeClr val="lt1"/>
+              </a:fontRef>
+            </p:style>
+            <p:txBody>
+              <a:bodyPr rtlCol="0" anchor="ctr"/>
+              <a:lstStyle/>
+              <a:p>
+                <a:pPr algn="ctr"/>
+                <a:endParaRPr lang="en-MY" dirty="0"/>
+              </a:p>
+            </p:txBody>
+          </p:sp>
+          <p:sp>
+            <p:nvSpPr>
+              <p:cNvPr id="18" name="Oval 17">
+                <a:extLst>
+                  <a:ext uri="{FF2B5EF4-FFF2-40B4-BE49-F238E27FC236}">
+                    <a16:creationId xmlns:a16="http://schemas.microsoft.com/office/drawing/2014/main" id="{E447780C-DFC8-4FFB-B0CC-3158904B85E8}"/>
+                  </a:ext>
+                </a:extLst>
+              </p:cNvPr>
+              <p:cNvSpPr/>
+              <p:nvPr/>
+            </p:nvSpPr>
+            <p:spPr>
+              <a:xfrm>
+                <a:off x="5523392" y="1192500"/>
+                <a:ext cx="180000" cy="180000"/>
+              </a:xfrm>
+              <a:prstGeom prst="ellipse">
+                <a:avLst/>
+              </a:prstGeom>
+              <a:solidFill>
+                <a:srgbClr val="FFBD2E"/>
+              </a:solidFill>
+            </p:spPr>
+            <p:style>
+              <a:lnRef idx="2">
+                <a:schemeClr val="accent1">
+                  <a:shade val="50000"/>
+                </a:schemeClr>
+              </a:lnRef>
+              <a:fillRef idx="1">
+                <a:schemeClr val="accent1"/>
+              </a:fillRef>
+              <a:effectRef idx="0">
+                <a:schemeClr val="accent1"/>
+              </a:effectRef>
+              <a:fontRef idx="minor">
+                <a:schemeClr val="lt1"/>
+              </a:fontRef>
+            </p:style>
+            <p:txBody>
+              <a:bodyPr rtlCol="0" anchor="ctr"/>
+              <a:lstStyle/>
+              <a:p>
+                <a:pPr algn="ctr"/>
+                <a:endParaRPr lang="en-MY" dirty="0"/>
+              </a:p>
+            </p:txBody>
+          </p:sp>
+          <p:sp>
+            <p:nvSpPr>
+              <p:cNvPr id="19" name="Oval 18">
+                <a:extLst>
+                  <a:ext uri="{FF2B5EF4-FFF2-40B4-BE49-F238E27FC236}">
+                    <a16:creationId xmlns:a16="http://schemas.microsoft.com/office/drawing/2014/main" id="{A557B645-F3D0-47E5-AB33-D440D4FDBD2D}"/>
+                  </a:ext>
+                </a:extLst>
+              </p:cNvPr>
+              <p:cNvSpPr/>
+              <p:nvPr/>
+            </p:nvSpPr>
+            <p:spPr>
+              <a:xfrm>
+                <a:off x="5791202" y="1192500"/>
+                <a:ext cx="180000" cy="180000"/>
+              </a:xfrm>
+              <a:prstGeom prst="ellipse">
+                <a:avLst/>
+              </a:prstGeom>
+              <a:solidFill>
+                <a:srgbClr val="27C93F"/>
+              </a:solidFill>
+            </p:spPr>
+            <p:style>
+              <a:lnRef idx="2">
+                <a:schemeClr val="accent1">
+                  <a:shade val="50000"/>
+                </a:schemeClr>
+              </a:lnRef>
+              <a:fillRef idx="1">
+                <a:schemeClr val="accent1"/>
+              </a:fillRef>
+              <a:effectRef idx="0">
+                <a:schemeClr val="accent1"/>
+              </a:effectRef>
+              <a:fontRef idx="minor">
+                <a:schemeClr val="lt1"/>
+              </a:fontRef>
+            </p:style>
+            <p:txBody>
+              <a:bodyPr rtlCol="0" anchor="ctr"/>
+              <a:lstStyle/>
+              <a:p>
+                <a:pPr algn="ctr"/>
+                <a:endParaRPr lang="en-MY" dirty="0"/>
+              </a:p>
+            </p:txBody>
+          </p:sp>
+        </p:grpSp>
+        <p:sp>
+          <p:nvSpPr>
+            <p:cNvPr id="15" name="TextBox 14">
+              <a:extLst>
+                <a:ext uri="{FF2B5EF4-FFF2-40B4-BE49-F238E27FC236}">
+                  <a16:creationId xmlns:a16="http://schemas.microsoft.com/office/drawing/2014/main" id="{942E6B96-DC1D-4548-A275-14CDD41FD553}"/>
+                </a:ext>
+              </a:extLst>
+            </p:cNvPr>
+            <p:cNvSpPr txBox="1"/>
+            <p:nvPr/>
+          </p:nvSpPr>
+          <p:spPr>
+            <a:xfrm>
+              <a:off x="4311153" y="2298530"/>
+              <a:ext cx="3593342" cy="1400383"/>
+            </a:xfrm>
+            <a:prstGeom prst="rect">
+              <a:avLst/>
+            </a:prstGeom>
+            <a:noFill/>
+          </p:spPr>
+          <p:txBody>
+            <a:bodyPr wrap="square" rtlCol="0">
+              <a:spAutoFit/>
+            </a:bodyPr>
+            <a:lstStyle/>
+            <a:p>
+              <a:pPr>
+                <a:spcAft>
+                  <a:spcPts val="300"/>
+                </a:spcAft>
+              </a:pPr>
+              <a:r>
+                <a:rPr lang="en-MY" sz="1500" dirty="0">
+                  <a:solidFill>
+                    <a:schemeClr val="bg1"/>
+                  </a:solidFill>
+                  <a:latin typeface="Hack" panose="020B0609030202020204" pitchFamily="49" charset="0"/>
+                  <a:ea typeface="Hack" panose="020B0609030202020204" pitchFamily="49" charset="0"/>
+                  <a:cs typeface="Hack" panose="020B0609030202020204" pitchFamily="49" charset="0"/>
+                </a:rPr>
+                <a:t>&lt; &gt; means required to include</a:t>
+              </a:r>
+            </a:p>
+            <a:p>
+              <a:pPr>
+                <a:spcAft>
+                  <a:spcPts val="300"/>
+                </a:spcAft>
+              </a:pPr>
+              <a:r>
+                <a:rPr lang="en-MY" sz="1500" dirty="0">
+                  <a:solidFill>
+                    <a:schemeClr val="bg1"/>
+                  </a:solidFill>
+                  <a:latin typeface="Hack" panose="020B0609030202020204" pitchFamily="49" charset="0"/>
+                  <a:ea typeface="Hack" panose="020B0609030202020204" pitchFamily="49" charset="0"/>
+                  <a:cs typeface="Hack" panose="020B0609030202020204" pitchFamily="49" charset="0"/>
+                </a:rPr>
+                <a:t>[ ] means optional</a:t>
+              </a:r>
+            </a:p>
+            <a:p>
+              <a:pPr>
+                <a:spcAft>
+                  <a:spcPts val="300"/>
+                </a:spcAft>
+              </a:pPr>
+              <a:r>
+                <a:rPr lang="en-MY" sz="1500" dirty="0">
+                  <a:solidFill>
+                    <a:schemeClr val="bg1"/>
+                  </a:solidFill>
+                  <a:latin typeface="Hack" panose="020B0609030202020204" pitchFamily="49" charset="0"/>
+                  <a:ea typeface="Hack" panose="020B0609030202020204" pitchFamily="49" charset="0"/>
+                  <a:cs typeface="Hack" panose="020B0609030202020204" pitchFamily="49" charset="0"/>
+                </a:rPr>
+                <a:t> |  means or</a:t>
+              </a:r>
+            </a:p>
+            <a:p>
+              <a:pPr>
+                <a:spcAft>
+                  <a:spcPts val="300"/>
+                </a:spcAft>
+              </a:pPr>
+              <a:endParaRPr lang="en-MY" sz="1500" dirty="0">
+                <a:solidFill>
+                  <a:srgbClr val="92B84F"/>
+                </a:solidFill>
+                <a:latin typeface="Hack" panose="020B0609030202020204" pitchFamily="49" charset="0"/>
+                <a:ea typeface="Hack" panose="020B0609030202020204" pitchFamily="49" charset="0"/>
+                <a:cs typeface="Hack" panose="020B0609030202020204" pitchFamily="49" charset="0"/>
+              </a:endParaRPr>
+            </a:p>
+            <a:p>
+              <a:pPr>
+                <a:spcAft>
+                  <a:spcPts val="300"/>
+                </a:spcAft>
+              </a:pPr>
+              <a:endParaRPr lang="en-MY" sz="1500" dirty="0">
+                <a:solidFill>
+                  <a:srgbClr val="C9CDCC"/>
+                </a:solidFill>
+                <a:latin typeface="Hack" panose="020B0609030202020204" pitchFamily="49" charset="0"/>
+                <a:ea typeface="Hack" panose="020B0609030202020204" pitchFamily="49" charset="0"/>
+                <a:cs typeface="Hack" panose="020B0609030202020204" pitchFamily="49" charset="0"/>
+              </a:endParaRPr>
+            </a:p>
+          </p:txBody>
+        </p:sp>
+      </p:grpSp>
+    </p:spTree>
+    <p:extLst>
+      <p:ext uri="{BB962C8B-B14F-4D97-AF65-F5344CB8AC3E}">
+        <p14:creationId xmlns:p14="http://schemas.microsoft.com/office/powerpoint/2010/main" val="1035187852"/>
+      </p:ext>
+    </p:extLst>
+  </p:cSld>
+  <p:clrMapOvr>
+    <a:masterClrMapping/>
+  </p:clrMapOvr>
+</p:sld>
+</file>
+
+<file path=ppt/slides/slide30.xml><?xml version="1.0" encoding="utf-8"?>
+<p:sld xmlns:a="http://schemas.openxmlformats.org/drawingml/2006/main" xmlns:r="http://schemas.openxmlformats.org/officeDocument/2006/relationships" xmlns:p="http://schemas.openxmlformats.org/presentationml/2006/main">
+  <p:cSld>
+    <p:spTree>
+      <p:nvGrpSpPr>
+        <p:cNvPr id="1" name=""/>
+        <p:cNvGrpSpPr/>
+        <p:nvPr/>
+      </p:nvGrpSpPr>
+      <p:grpSpPr>
+        <a:xfrm>
+          <a:off x="0" y="0"/>
+          <a:ext cx="0" cy="0"/>
+          <a:chOff x="0" y="0"/>
+          <a:chExt cx="0" cy="0"/>
+        </a:xfrm>
+      </p:grpSpPr>
+      <p:sp>
+        <p:nvSpPr>
+          <p:cNvPr id="2" name="Title 1">
+            <a:extLst>
+              <a:ext uri="{FF2B5EF4-FFF2-40B4-BE49-F238E27FC236}">
+                <a16:creationId xmlns:a16="http://schemas.microsoft.com/office/drawing/2014/main" id="{D47DE0EA-8D0E-4F71-BA30-530045163A55}"/>
+              </a:ext>
+            </a:extLst>
+          </p:cNvPr>
+          <p:cNvSpPr>
+            <a:spLocks noGrp="1"/>
+          </p:cNvSpPr>
+          <p:nvPr>
+            <p:ph type="title"/>
+          </p:nvPr>
+        </p:nvSpPr>
+        <p:spPr>
+          <a:xfrm>
+            <a:off x="838200" y="163583"/>
+            <a:ext cx="8334376" cy="1325563"/>
+          </a:xfrm>
+        </p:spPr>
+        <p:txBody>
+          <a:bodyPr/>
+          <a:lstStyle/>
+          <a:p>
+            <a:r>
+              <a:rPr lang="en-MY" dirty="0"/>
+              <a:t>Merge conflicts, pull requests, forking</a:t>
+            </a:r>
+          </a:p>
+        </p:txBody>
+      </p:sp>
+      <p:sp>
+        <p:nvSpPr>
+          <p:cNvPr id="29" name="Content Placeholder 2">
+            <a:extLst>
+              <a:ext uri="{FF2B5EF4-FFF2-40B4-BE49-F238E27FC236}">
+                <a16:creationId xmlns:a16="http://schemas.microsoft.com/office/drawing/2014/main" id="{CEEDF549-53F1-4D19-82FA-8EE3F12DBB3F}"/>
+              </a:ext>
+            </a:extLst>
+          </p:cNvPr>
+          <p:cNvSpPr>
+            <a:spLocks noGrp="1"/>
+          </p:cNvSpPr>
+          <p:nvPr>
+            <p:ph idx="1"/>
+          </p:nvPr>
+        </p:nvSpPr>
+        <p:spPr>
+          <a:xfrm>
+            <a:off x="647700" y="1650999"/>
+            <a:ext cx="10999801" cy="4980619"/>
+          </a:xfrm>
+        </p:spPr>
+        <p:txBody>
+          <a:bodyPr>
+            <a:normAutofit/>
+          </a:bodyPr>
+          <a:lstStyle/>
+          <a:p>
+            <a:pPr marL="0" indent="0">
+              <a:buNone/>
+            </a:pPr>
+            <a:r>
+              <a:rPr lang="en-MY" dirty="0"/>
+              <a:t>Contributing to open source by forking:</a:t>
+            </a:r>
+          </a:p>
+          <a:p>
+            <a:r>
+              <a:rPr lang="en-MY" dirty="0" err="1"/>
+              <a:t>i</a:t>
+            </a:r>
+            <a:r>
+              <a:rPr lang="en-MY" dirty="0"/>
+              <a:t>) Propose changes to someone’s project</a:t>
+            </a:r>
+          </a:p>
+          <a:p>
+            <a:r>
+              <a:rPr lang="en-MY" dirty="0"/>
+              <a:t>ii) Use the code as your own project</a:t>
+            </a:r>
+          </a:p>
+          <a:p>
+            <a:r>
+              <a:rPr lang="en-MY" dirty="0"/>
+              <a:t>iii) Does not affect original project</a:t>
+            </a:r>
+          </a:p>
+          <a:p>
+            <a:endParaRPr lang="en-MY" dirty="0"/>
+          </a:p>
+          <a:p>
+            <a:r>
+              <a:rPr lang="en-MY" dirty="0"/>
+              <a:t>To work on open-source projects, look at the next slide!</a:t>
+            </a:r>
+          </a:p>
+        </p:txBody>
+      </p:sp>
+    </p:spTree>
+    <p:extLst>
+      <p:ext uri="{BB962C8B-B14F-4D97-AF65-F5344CB8AC3E}">
+        <p14:creationId xmlns:p14="http://schemas.microsoft.com/office/powerpoint/2010/main" val="3635112261"/>
+      </p:ext>
+    </p:extLst>
+  </p:cSld>
+  <p:clrMapOvr>
+    <a:masterClrMapping/>
+  </p:clrMapOvr>
+</p:sld>
+</file>
+
+<file path=ppt/slides/slide31.xml><?xml version="1.0" encoding="utf-8"?>
+<p:sld xmlns:a="http://schemas.openxmlformats.org/drawingml/2006/main" xmlns:r="http://schemas.openxmlformats.org/officeDocument/2006/relationships" xmlns:p="http://schemas.openxmlformats.org/presentationml/2006/main">
+  <p:cSld>
+    <p:spTree>
+      <p:nvGrpSpPr>
+        <p:cNvPr id="1" name=""/>
+        <p:cNvGrpSpPr/>
+        <p:nvPr/>
+      </p:nvGrpSpPr>
+      <p:grpSpPr>
+        <a:xfrm>
+          <a:off x="0" y="0"/>
+          <a:ext cx="0" cy="0"/>
+          <a:chOff x="0" y="0"/>
+          <a:chExt cx="0" cy="0"/>
+        </a:xfrm>
+      </p:grpSpPr>
+      <p:sp>
+        <p:nvSpPr>
+          <p:cNvPr id="2" name="Title 1">
+            <a:extLst>
+              <a:ext uri="{FF2B5EF4-FFF2-40B4-BE49-F238E27FC236}">
+                <a16:creationId xmlns:a16="http://schemas.microsoft.com/office/drawing/2014/main" id="{D47DE0EA-8D0E-4F71-BA30-530045163A55}"/>
+              </a:ext>
+            </a:extLst>
+          </p:cNvPr>
+          <p:cNvSpPr>
+            <a:spLocks noGrp="1"/>
+          </p:cNvSpPr>
+          <p:nvPr>
+            <p:ph type="title"/>
+          </p:nvPr>
+        </p:nvSpPr>
+        <p:spPr>
+          <a:xfrm>
+            <a:off x="838199" y="163583"/>
+            <a:ext cx="10116845" cy="1325563"/>
+          </a:xfrm>
+        </p:spPr>
+        <p:txBody>
+          <a:bodyPr/>
+          <a:lstStyle/>
+          <a:p>
+            <a:r>
+              <a:rPr lang="en-MY" dirty="0"/>
+              <a:t>Contribute to open source by forking</a:t>
+            </a:r>
+          </a:p>
+        </p:txBody>
+      </p:sp>
+      <p:sp>
+        <p:nvSpPr>
+          <p:cNvPr id="29" name="Content Placeholder 2">
+            <a:extLst>
+              <a:ext uri="{FF2B5EF4-FFF2-40B4-BE49-F238E27FC236}">
+                <a16:creationId xmlns:a16="http://schemas.microsoft.com/office/drawing/2014/main" id="{CEEDF549-53F1-4D19-82FA-8EE3F12DBB3F}"/>
+              </a:ext>
+            </a:extLst>
+          </p:cNvPr>
+          <p:cNvSpPr>
+            <a:spLocks noGrp="1"/>
+          </p:cNvSpPr>
+          <p:nvPr>
+            <p:ph idx="1"/>
+          </p:nvPr>
+        </p:nvSpPr>
+        <p:spPr>
+          <a:xfrm>
+            <a:off x="647700" y="1650999"/>
+            <a:ext cx="10999801" cy="4980619"/>
+          </a:xfrm>
+        </p:spPr>
+        <p:txBody>
+          <a:bodyPr>
+            <a:normAutofit/>
+          </a:bodyPr>
+          <a:lstStyle/>
+          <a:p>
+            <a:r>
+              <a:rPr lang="en-MY" dirty="0">
+                <a:solidFill>
+                  <a:schemeClr val="accent4"/>
+                </a:solidFill>
+                <a:hlinkClick r:id="rId3">
+                  <a:extLst>
+                    <a:ext uri="{A12FA001-AC4F-418D-AE19-62706E023703}">
+                      <ahyp:hlinkClr xmlns:ahyp="http://schemas.microsoft.com/office/drawing/2018/hyperlinkcolor" val="tx"/>
+                    </a:ext>
+                  </a:extLst>
+                </a:hlinkClick>
+              </a:rPr>
+              <a:t>https://www.atlassian.com/git/tutorials/comparing-workflows/forking-workflow#:~:text=Forking%20is%20a%20git%20clone,org%2FuserA%2Fopen%2Dproject</a:t>
+            </a:r>
+            <a:endParaRPr lang="en-MY" dirty="0">
+              <a:solidFill>
+                <a:schemeClr val="accent4"/>
+              </a:solidFill>
+            </a:endParaRPr>
+          </a:p>
+          <a:p>
+            <a:r>
+              <a:rPr lang="en-MY" dirty="0">
+                <a:solidFill>
+                  <a:schemeClr val="accent4"/>
+                </a:solidFill>
+              </a:rPr>
+              <a:t>A fork is a personal copy of the project</a:t>
+            </a:r>
+          </a:p>
+          <a:p>
+            <a:endParaRPr lang="en-MY" dirty="0">
+              <a:solidFill>
+                <a:schemeClr val="accent4"/>
+              </a:solidFill>
+            </a:endParaRPr>
+          </a:p>
+          <a:p>
+            <a:endParaRPr lang="en-MY" dirty="0">
+              <a:solidFill>
+                <a:schemeClr val="accent4"/>
+              </a:solidFill>
+            </a:endParaRPr>
+          </a:p>
+          <a:p>
+            <a:endParaRPr lang="en-MY" dirty="0"/>
+          </a:p>
+        </p:txBody>
+      </p:sp>
+      <p:pic>
+        <p:nvPicPr>
+          <p:cNvPr id="4" name="Picture 3" descr="Text&#10;&#10;Description automatically generated">
+            <a:extLst>
+              <a:ext uri="{FF2B5EF4-FFF2-40B4-BE49-F238E27FC236}">
+                <a16:creationId xmlns:a16="http://schemas.microsoft.com/office/drawing/2014/main" id="{DBEC1D91-F1AF-4624-82F3-FFBC444184B4}"/>
+              </a:ext>
+            </a:extLst>
+          </p:cNvPr>
+          <p:cNvPicPr>
+            <a:picLocks noChangeAspect="1"/>
+          </p:cNvPicPr>
+          <p:nvPr/>
+        </p:nvPicPr>
+        <p:blipFill>
+          <a:blip r:embed="rId4"/>
+          <a:stretch>
+            <a:fillRect/>
+          </a:stretch>
+        </p:blipFill>
+        <p:spPr>
+          <a:xfrm>
+            <a:off x="0" y="2618607"/>
+            <a:ext cx="8804635" cy="4503443"/>
+          </a:xfrm>
+          <a:prstGeom prst="rect">
+            <a:avLst/>
+          </a:prstGeom>
+        </p:spPr>
+      </p:pic>
+    </p:spTree>
+    <p:extLst>
+      <p:ext uri="{BB962C8B-B14F-4D97-AF65-F5344CB8AC3E}">
+        <p14:creationId xmlns:p14="http://schemas.microsoft.com/office/powerpoint/2010/main" val="1485133039"/>
+      </p:ext>
+    </p:extLst>
+  </p:cSld>
+  <p:clrMapOvr>
+    <a:masterClrMapping/>
+  </p:clrMapOvr>
+</p:sld>
+</file>
+
+<file path=ppt/slides/slide32.xml><?xml version="1.0" encoding="utf-8"?>
+<p:sld xmlns:a="http://schemas.openxmlformats.org/drawingml/2006/main" xmlns:r="http://schemas.openxmlformats.org/officeDocument/2006/relationships" xmlns:p="http://schemas.openxmlformats.org/presentationml/2006/main">
+  <p:cSld>
+    <p:spTree>
+      <p:nvGrpSpPr>
+        <p:cNvPr id="1" name=""/>
+        <p:cNvGrpSpPr/>
+        <p:nvPr/>
+      </p:nvGrpSpPr>
+      <p:grpSpPr>
+        <a:xfrm>
+          <a:off x="0" y="0"/>
+          <a:ext cx="0" cy="0"/>
+          <a:chOff x="0" y="0"/>
+          <a:chExt cx="0" cy="0"/>
+        </a:xfrm>
+      </p:grpSpPr>
+      <p:sp>
+        <p:nvSpPr>
+          <p:cNvPr id="2" name="Title 1">
+            <a:extLst>
+              <a:ext uri="{FF2B5EF4-FFF2-40B4-BE49-F238E27FC236}">
+                <a16:creationId xmlns:a16="http://schemas.microsoft.com/office/drawing/2014/main" id="{D47DE0EA-8D0E-4F71-BA30-530045163A55}"/>
+              </a:ext>
+            </a:extLst>
+          </p:cNvPr>
+          <p:cNvSpPr>
+            <a:spLocks noGrp="1"/>
+          </p:cNvSpPr>
+          <p:nvPr>
+            <p:ph type="title"/>
+          </p:nvPr>
+        </p:nvSpPr>
+        <p:spPr>
+          <a:xfrm>
+            <a:off x="838200" y="163583"/>
+            <a:ext cx="8334376" cy="1325563"/>
+          </a:xfrm>
+        </p:spPr>
+        <p:txBody>
+          <a:bodyPr/>
+          <a:lstStyle/>
+          <a:p>
+            <a:r>
+              <a:rPr lang="en-MY" dirty="0"/>
+              <a:t>Merge conflicts</a:t>
+            </a:r>
+          </a:p>
+        </p:txBody>
+      </p:sp>
+      <p:sp>
+        <p:nvSpPr>
+          <p:cNvPr id="29" name="Content Placeholder 2">
+            <a:extLst>
+              <a:ext uri="{FF2B5EF4-FFF2-40B4-BE49-F238E27FC236}">
+                <a16:creationId xmlns:a16="http://schemas.microsoft.com/office/drawing/2014/main" id="{CEEDF549-53F1-4D19-82FA-8EE3F12DBB3F}"/>
+              </a:ext>
+            </a:extLst>
+          </p:cNvPr>
+          <p:cNvSpPr>
+            <a:spLocks noGrp="1"/>
+          </p:cNvSpPr>
+          <p:nvPr>
+            <p:ph idx="1"/>
+          </p:nvPr>
+        </p:nvSpPr>
+        <p:spPr>
+          <a:xfrm>
+            <a:off x="647700" y="1651000"/>
+            <a:ext cx="10999801" cy="3525766"/>
+          </a:xfrm>
+        </p:spPr>
+        <p:txBody>
+          <a:bodyPr>
+            <a:normAutofit/>
+          </a:bodyPr>
+          <a:lstStyle/>
+          <a:p>
+            <a:r>
+              <a:rPr lang="en-MY" dirty="0"/>
+              <a:t>Once merge and conflict appears, open the file containing conflict</a:t>
+            </a:r>
+          </a:p>
+          <a:p>
+            <a:r>
+              <a:rPr lang="en-MY" dirty="0"/>
+              <a:t>git add, then git commit</a:t>
+            </a:r>
+          </a:p>
+        </p:txBody>
+      </p:sp>
+      <p:pic>
+        <p:nvPicPr>
+          <p:cNvPr id="5" name="Picture 4" descr="Text&#10;&#10;Description automatically generated">
+            <a:extLst>
+              <a:ext uri="{FF2B5EF4-FFF2-40B4-BE49-F238E27FC236}">
+                <a16:creationId xmlns:a16="http://schemas.microsoft.com/office/drawing/2014/main" id="{499C4249-6BE1-435D-96C6-8D2C5EF00F78}"/>
+              </a:ext>
+            </a:extLst>
+          </p:cNvPr>
+          <p:cNvPicPr>
+            <a:picLocks noChangeAspect="1"/>
+          </p:cNvPicPr>
+          <p:nvPr/>
+        </p:nvPicPr>
+        <p:blipFill>
+          <a:blip r:embed="rId3"/>
+          <a:stretch>
+            <a:fillRect/>
+          </a:stretch>
+        </p:blipFill>
+        <p:spPr>
+          <a:xfrm>
+            <a:off x="-25400" y="2395066"/>
+            <a:ext cx="9099169" cy="4208933"/>
+          </a:xfrm>
+          <a:prstGeom prst="rect">
+            <a:avLst/>
+          </a:prstGeom>
+        </p:spPr>
+      </p:pic>
+    </p:spTree>
+    <p:extLst>
+      <p:ext uri="{BB962C8B-B14F-4D97-AF65-F5344CB8AC3E}">
+        <p14:creationId xmlns:p14="http://schemas.microsoft.com/office/powerpoint/2010/main" val="3903373397"/>
+      </p:ext>
+    </p:extLst>
+  </p:cSld>
+  <p:clrMapOvr>
+    <a:masterClrMapping/>
+  </p:clrMapOvr>
+</p:sld>
+</file>
+
+<file path=ppt/slides/slide33.xml><?xml version="1.0" encoding="utf-8"?>
+<p:sld xmlns:a="http://schemas.openxmlformats.org/drawingml/2006/main" xmlns:r="http://schemas.openxmlformats.org/officeDocument/2006/relationships" xmlns:p="http://schemas.openxmlformats.org/presentationml/2006/main">
+  <p:cSld>
+    <p:bg>
+      <p:bgPr>
+        <a:blipFill dpi="0" rotWithShape="1">
+          <a:blip r:embed="rId2">
+            <a:lum/>
+          </a:blip>
+          <a:srcRect/>
+          <a:stretch>
+            <a:fillRect/>
+          </a:stretch>
+        </a:blipFill>
+        <a:effectLst/>
+      </p:bgPr>
+    </p:bg>
+    <p:spTree>
+      <p:nvGrpSpPr>
+        <p:cNvPr id="1" name=""/>
+        <p:cNvGrpSpPr/>
+        <p:nvPr/>
+      </p:nvGrpSpPr>
+      <p:grpSpPr>
+        <a:xfrm>
+          <a:off x="0" y="0"/>
+          <a:ext cx="0" cy="0"/>
+          <a:chOff x="0" y="0"/>
+          <a:chExt cx="0" cy="0"/>
+        </a:xfrm>
+      </p:grpSpPr>
+      <p:sp>
+        <p:nvSpPr>
+          <p:cNvPr id="2" name="Title 1">
+            <a:extLst>
+              <a:ext uri="{FF2B5EF4-FFF2-40B4-BE49-F238E27FC236}">
+                <a16:creationId xmlns:a16="http://schemas.microsoft.com/office/drawing/2014/main" id="{56DBE3E6-5A5E-4463-8DB0-F3CF9C324778}"/>
+              </a:ext>
+            </a:extLst>
+          </p:cNvPr>
+          <p:cNvSpPr>
+            <a:spLocks noGrp="1"/>
+          </p:cNvSpPr>
+          <p:nvPr>
+            <p:ph type="title"/>
+          </p:nvPr>
+        </p:nvSpPr>
+        <p:spPr>
+          <a:xfrm>
+            <a:off x="838200" y="142581"/>
+            <a:ext cx="8334376" cy="1325563"/>
+          </a:xfrm>
+        </p:spPr>
+        <p:txBody>
+          <a:bodyPr/>
+          <a:lstStyle/>
+          <a:p>
+            <a:r>
+              <a:rPr lang="en-US" dirty="0"/>
+              <a:t>Git best practices!</a:t>
+            </a:r>
+          </a:p>
+        </p:txBody>
+      </p:sp>
+      <p:sp>
+        <p:nvSpPr>
+          <p:cNvPr id="3" name="Content Placeholder 2">
+            <a:extLst>
+              <a:ext uri="{FF2B5EF4-FFF2-40B4-BE49-F238E27FC236}">
+                <a16:creationId xmlns:a16="http://schemas.microsoft.com/office/drawing/2014/main" id="{98407322-EE47-461A-937E-D8B74ADFB3D0}"/>
+              </a:ext>
+            </a:extLst>
+          </p:cNvPr>
+          <p:cNvSpPr>
+            <a:spLocks noGrp="1"/>
+          </p:cNvSpPr>
+          <p:nvPr>
+            <p:ph idx="1"/>
+          </p:nvPr>
+        </p:nvSpPr>
+        <p:spPr/>
+        <p:txBody>
+          <a:bodyPr/>
+          <a:lstStyle/>
+          <a:p>
+            <a:r>
+              <a:rPr lang="en-US" dirty="0"/>
+              <a:t>Commit often! </a:t>
+            </a:r>
+          </a:p>
+          <a:p>
+            <a:r>
+              <a:rPr lang="en-US" dirty="0"/>
+              <a:t>Small but frequent commits</a:t>
+            </a:r>
+          </a:p>
+          <a:p>
+            <a:r>
+              <a:rPr lang="en-US" dirty="0"/>
+              <a:t>Commit related changes only (wrap related changes)</a:t>
+            </a:r>
+          </a:p>
+          <a:p>
+            <a:r>
+              <a:rPr lang="en-US" dirty="0"/>
+              <a:t>Commit completed changes</a:t>
+            </a:r>
+          </a:p>
+          <a:p>
+            <a:r>
+              <a:rPr lang="en-US" dirty="0"/>
+              <a:t>Meaningful commit messages</a:t>
+            </a:r>
+          </a:p>
+          <a:p>
+            <a:endParaRPr lang="en-US" dirty="0"/>
+          </a:p>
+        </p:txBody>
+      </p:sp>
+    </p:spTree>
+    <p:extLst>
+      <p:ext uri="{BB962C8B-B14F-4D97-AF65-F5344CB8AC3E}">
+        <p14:creationId xmlns:p14="http://schemas.microsoft.com/office/powerpoint/2010/main" val="471062924"/>
+      </p:ext>
+    </p:extLst>
+  </p:cSld>
+  <p:clrMapOvr>
+    <a:masterClrMapping/>
+  </p:clrMapOvr>
+</p:sld>
+</file>
+
+<file path=ppt/slides/slide34.xml><?xml version="1.0" encoding="utf-8"?>
+<p:sld xmlns:a="http://schemas.openxmlformats.org/drawingml/2006/main" xmlns:r="http://schemas.openxmlformats.org/officeDocument/2006/relationships" xmlns:p="http://schemas.openxmlformats.org/presentationml/2006/main">
+  <p:cSld>
+    <p:spTree>
+      <p:nvGrpSpPr>
+        <p:cNvPr id="1" name=""/>
+        <p:cNvGrpSpPr/>
+        <p:nvPr/>
+      </p:nvGrpSpPr>
+      <p:grpSpPr>
+        <a:xfrm>
+          <a:off x="0" y="0"/>
+          <a:ext cx="0" cy="0"/>
+          <a:chOff x="0" y="0"/>
+          <a:chExt cx="0" cy="0"/>
+        </a:xfrm>
+      </p:grpSpPr>
+      <p:sp>
+        <p:nvSpPr>
+          <p:cNvPr id="2" name="Title 1">
+            <a:extLst>
+              <a:ext uri="{FF2B5EF4-FFF2-40B4-BE49-F238E27FC236}">
+                <a16:creationId xmlns:a16="http://schemas.microsoft.com/office/drawing/2014/main" id="{3D528A8F-BE90-403A-92DC-C6654ECBAE5F}"/>
+              </a:ext>
+            </a:extLst>
+          </p:cNvPr>
+          <p:cNvSpPr>
+            <a:spLocks noGrp="1"/>
+          </p:cNvSpPr>
+          <p:nvPr>
+            <p:ph type="title"/>
+          </p:nvPr>
+        </p:nvSpPr>
+        <p:spPr/>
+        <p:txBody>
+          <a:bodyPr/>
+          <a:lstStyle/>
+          <a:p>
+            <a:r>
+              <a:rPr lang="en-US" dirty="0"/>
+              <a:t>Challenge for you!</a:t>
+            </a:r>
+          </a:p>
+        </p:txBody>
+      </p:sp>
+      <p:sp>
+        <p:nvSpPr>
+          <p:cNvPr id="3" name="Content Placeholder 2">
+            <a:extLst>
+              <a:ext uri="{FF2B5EF4-FFF2-40B4-BE49-F238E27FC236}">
+                <a16:creationId xmlns:a16="http://schemas.microsoft.com/office/drawing/2014/main" id="{EF0BB469-A5E0-4D3D-959E-9809A9A8BAF2}"/>
+              </a:ext>
+            </a:extLst>
+          </p:cNvPr>
+          <p:cNvSpPr>
+            <a:spLocks noGrp="1"/>
+          </p:cNvSpPr>
+          <p:nvPr>
+            <p:ph idx="1"/>
+          </p:nvPr>
+        </p:nvSpPr>
+        <p:spPr>
+          <a:xfrm>
+            <a:off x="838200" y="1894789"/>
+            <a:ext cx="10515600" cy="3502834"/>
+          </a:xfrm>
+        </p:spPr>
+        <p:txBody>
+          <a:bodyPr>
+            <a:normAutofit/>
+          </a:bodyPr>
+          <a:lstStyle/>
+          <a:p>
+            <a:r>
+              <a:rPr lang="en-US" dirty="0">
                 <a:solidFill>
                   <a:schemeClr val="accent5"/>
                 </a:solidFill>
               </a:rPr>
-              <a:t>Rebasing, reverting, more advanced git commands</a:t>
-            </a:r>
-          </a:p>
-          <a:p>
-            <a:r>
-              <a:rPr lang="en-US" sz="2400" dirty="0">
+              <a:t>Check the exercises on </a:t>
+            </a:r>
+            <a:r>
+              <a:rPr lang="en-US" dirty="0" err="1">
                 <a:solidFill>
                   <a:schemeClr val="accent5"/>
                 </a:solidFill>
               </a:rPr>
-              <a:t>In-depth on how Git works</a:t>
-            </a:r>
-          </a:p>
-          <a:p>
-            <a:r>
-              <a:rPr lang="en-US" sz="2400" dirty="0">
+              <a:t>git_tutorial</a:t>
+            </a:r>
+            <a:r>
+              <a:rPr lang="en-US" dirty="0">
                 <a:solidFill>
                   <a:schemeClr val="accent5"/>
                 </a:solidFill>
               </a:rPr>
-              <a:t>Git visual tools like </a:t>
-            </a:r>
-            <a:r>
-              <a:rPr lang="en-US" sz="2400" dirty="0" err="1">
+              <a:t> repository</a:t>
+            </a:r>
+          </a:p>
+          <a:p>
+            <a:r>
+              <a:rPr lang="en-US" dirty="0">
                 <a:solidFill>
                   <a:schemeClr val="accent5"/>
                 </a:solidFill>
               </a:rPr>
-              <a:t>GitKraken</a:t>
-            </a:r>
-            <a:endParaRPr lang="en-US" sz="2400" dirty="0">
+              <a:t>Do them and share on </a:t>
+            </a:r>
+            <a:r>
+              <a:rPr lang="en-US" dirty="0" err="1">
+                <a:solidFill>
+                  <a:schemeClr val="accent5"/>
+                </a:solidFill>
+              </a:rPr>
+              <a:t>insta</a:t>
+            </a:r>
+            <a:r>
+              <a:rPr lang="en-US" dirty="0">
+                <a:solidFill>
+                  <a:schemeClr val="accent5"/>
+                </a:solidFill>
+              </a:rPr>
+              <a:t>!! And tag me, </a:t>
+            </a:r>
+            <a:r>
+              <a:rPr lang="en-US" dirty="0" err="1">
+                <a:solidFill>
+                  <a:schemeClr val="accent5"/>
+                </a:solidFill>
+              </a:rPr>
+              <a:t>Keng</a:t>
+            </a:r>
+            <a:r>
+              <a:rPr lang="en-US" dirty="0">
+                <a:solidFill>
+                  <a:schemeClr val="accent5"/>
+                </a:solidFill>
+              </a:rPr>
+              <a:t> Son and STC.</a:t>
+            </a:r>
+          </a:p>
+          <a:p>
+            <a:r>
+              <a:rPr lang="en-US" dirty="0">
+                <a:solidFill>
+                  <a:schemeClr val="accent5"/>
+                </a:solidFill>
+              </a:rPr>
+              <a:t>We will be proud of you :)</a:t>
+            </a:r>
+          </a:p>
+          <a:p>
+            <a:pPr marL="0" indent="0">
+              <a:buNone/>
+            </a:pPr>
+            <a:endParaRPr lang="en-US" dirty="0">
               <a:solidFill>
                 <a:schemeClr val="accent5"/>
               </a:solidFill>
@@ -17300,7 +18660,7 @@
     </p:spTree>
     <p:extLst>
       <p:ext uri="{BB962C8B-B14F-4D97-AF65-F5344CB8AC3E}">
-        <p14:creationId xmlns:p14="http://schemas.microsoft.com/office/powerpoint/2010/main" val="4055586292"/>
+        <p14:creationId xmlns:p14="http://schemas.microsoft.com/office/powerpoint/2010/main" val="3063934382"/>
       </p:ext>
     </p:extLst>
   </p:cSld>
@@ -17350,181 +18710,6 @@
           <a:p>
             <a:r>
               <a:rPr lang="en-US" dirty="0"/>
-              <a:t>Challenge for you!</a:t>
-            </a:r>
-          </a:p>
-        </p:txBody>
-      </p:sp>
-      <p:sp>
-        <p:nvSpPr>
-          <p:cNvPr id="3" name="Content Placeholder 2">
-            <a:extLst>
-              <a:ext uri="{FF2B5EF4-FFF2-40B4-BE49-F238E27FC236}">
-                <a16:creationId xmlns:a16="http://schemas.microsoft.com/office/drawing/2014/main" id="{EF0BB469-A5E0-4D3D-959E-9809A9A8BAF2}"/>
-              </a:ext>
-            </a:extLst>
-          </p:cNvPr>
-          <p:cNvSpPr>
-            <a:spLocks noGrp="1"/>
-          </p:cNvSpPr>
-          <p:nvPr>
-            <p:ph idx="1"/>
-          </p:nvPr>
-        </p:nvSpPr>
-        <p:spPr>
-          <a:xfrm>
-            <a:off x="838200" y="1894789"/>
-            <a:ext cx="10515600" cy="3502834"/>
-          </a:xfrm>
-        </p:spPr>
-        <p:txBody>
-          <a:bodyPr>
-            <a:normAutofit/>
-          </a:bodyPr>
-          <a:lstStyle/>
-          <a:p>
-            <a:r>
-              <a:rPr lang="en-US" dirty="0">
-                <a:solidFill>
-                  <a:schemeClr val="accent5"/>
-                </a:solidFill>
-              </a:rPr>
-              <a:t>Check the exercises on </a:t>
-            </a:r>
-            <a:r>
-              <a:rPr lang="en-US" dirty="0" err="1">
-                <a:solidFill>
-                  <a:schemeClr val="accent5"/>
-                </a:solidFill>
-              </a:rPr>
-              <a:t>git_tutorial</a:t>
-            </a:r>
-            <a:r>
-              <a:rPr lang="en-US" dirty="0">
-                <a:solidFill>
-                  <a:schemeClr val="accent5"/>
-                </a:solidFill>
-              </a:rPr>
-              <a:t> repository</a:t>
-            </a:r>
-          </a:p>
-          <a:p>
-            <a:r>
-              <a:rPr lang="en-US" dirty="0">
-                <a:solidFill>
-                  <a:schemeClr val="accent5"/>
-                </a:solidFill>
-              </a:rPr>
-              <a:t>Do them and share on </a:t>
-            </a:r>
-            <a:r>
-              <a:rPr lang="en-US" dirty="0" err="1">
-                <a:solidFill>
-                  <a:schemeClr val="accent5"/>
-                </a:solidFill>
-              </a:rPr>
-              <a:t>insta</a:t>
-            </a:r>
-            <a:r>
-              <a:rPr lang="en-US" dirty="0">
-                <a:solidFill>
-                  <a:schemeClr val="accent5"/>
-                </a:solidFill>
-              </a:rPr>
-              <a:t>!! And tag me, </a:t>
-            </a:r>
-            <a:r>
-              <a:rPr lang="en-US" dirty="0" err="1">
-                <a:solidFill>
-                  <a:schemeClr val="accent5"/>
-                </a:solidFill>
-              </a:rPr>
-              <a:t>Keng</a:t>
-            </a:r>
-            <a:r>
-              <a:rPr lang="en-US" dirty="0">
-                <a:solidFill>
-                  <a:schemeClr val="accent5"/>
-                </a:solidFill>
-              </a:rPr>
-              <a:t> Son and STC.</a:t>
-            </a:r>
-          </a:p>
-          <a:p>
-            <a:r>
-              <a:rPr lang="en-US" dirty="0">
-                <a:solidFill>
-                  <a:schemeClr val="accent5"/>
-                </a:solidFill>
-              </a:rPr>
-              <a:t>We will be proud of you :)</a:t>
-            </a:r>
-          </a:p>
-          <a:p>
-            <a:pPr marL="0" indent="0">
-              <a:buNone/>
-            </a:pPr>
-            <a:endParaRPr lang="en-US" dirty="0">
-              <a:solidFill>
-                <a:schemeClr val="accent5"/>
-              </a:solidFill>
-            </a:endParaRPr>
-          </a:p>
-        </p:txBody>
-      </p:sp>
-    </p:spTree>
-    <p:extLst>
-      <p:ext uri="{BB962C8B-B14F-4D97-AF65-F5344CB8AC3E}">
-        <p14:creationId xmlns:p14="http://schemas.microsoft.com/office/powerpoint/2010/main" val="3063934382"/>
-      </p:ext>
-    </p:extLst>
-  </p:cSld>
-  <p:clrMapOvr>
-    <a:masterClrMapping/>
-  </p:clrMapOvr>
-</p:sld>
-</file>
-
-<file path=ppt/slides/slide36.xml><?xml version="1.0" encoding="utf-8"?>
-<p:sld xmlns:a="http://schemas.openxmlformats.org/drawingml/2006/main" xmlns:r="http://schemas.openxmlformats.org/officeDocument/2006/relationships" xmlns:p="http://schemas.openxmlformats.org/presentationml/2006/main">
-  <p:cSld>
-    <p:spTree>
-      <p:nvGrpSpPr>
-        <p:cNvPr id="1" name=""/>
-        <p:cNvGrpSpPr/>
-        <p:nvPr/>
-      </p:nvGrpSpPr>
-      <p:grpSpPr>
-        <a:xfrm>
-          <a:off x="0" y="0"/>
-          <a:ext cx="0" cy="0"/>
-          <a:chOff x="0" y="0"/>
-          <a:chExt cx="0" cy="0"/>
-        </a:xfrm>
-      </p:grpSpPr>
-      <p:sp>
-        <p:nvSpPr>
-          <p:cNvPr id="2" name="Title 1">
-            <a:extLst>
-              <a:ext uri="{FF2B5EF4-FFF2-40B4-BE49-F238E27FC236}">
-                <a16:creationId xmlns:a16="http://schemas.microsoft.com/office/drawing/2014/main" id="{3D528A8F-BE90-403A-92DC-C6654ECBAE5F}"/>
-              </a:ext>
-            </a:extLst>
-          </p:cNvPr>
-          <p:cNvSpPr>
-            <a:spLocks noGrp="1"/>
-          </p:cNvSpPr>
-          <p:nvPr>
-            <p:ph type="title"/>
-          </p:nvPr>
-        </p:nvSpPr>
-        <p:spPr/>
-        <p:txBody>
-          <a:bodyPr/>
-          <a:lstStyle/>
-          <a:p>
-            <a:r>
-              <a:rPr lang="en-US" dirty="0"/>
               <a:t>Technical Issues</a:t>
             </a:r>
           </a:p>
@@ -17606,7 +18791,7 @@
 </p:sld>
 </file>
 
-<file path=ppt/slides/slide37.xml><?xml version="1.0" encoding="utf-8"?>
+<file path=ppt/slides/slide36.xml><?xml version="1.0" encoding="utf-8"?>
 <p:sld xmlns:a="http://schemas.openxmlformats.org/drawingml/2006/main" xmlns:r="http://schemas.openxmlformats.org/officeDocument/2006/relationships" xmlns:p="http://schemas.openxmlformats.org/presentationml/2006/main">
   <p:cSld>
     <p:spTree>
@@ -18451,7 +19636,7 @@
 </p:sld>
 </file>
 
-<file path=ppt/slides/slide38.xml><?xml version="1.0" encoding="utf-8"?>
+<file path=ppt/slides/slide37.xml><?xml version="1.0" encoding="utf-8"?>
 <p:sld xmlns:a="http://schemas.openxmlformats.org/drawingml/2006/main" xmlns:r="http://schemas.openxmlformats.org/officeDocument/2006/relationships" xmlns:p="http://schemas.openxmlformats.org/presentationml/2006/main">
   <p:cSld>
     <p:spTree>
@@ -18574,7 +19759,7 @@
 </p:sld>
 </file>
 
-<file path=ppt/slides/slide39.xml><?xml version="1.0" encoding="utf-8"?>
+<file path=ppt/slides/slide38.xml><?xml version="1.0" encoding="utf-8"?>
 <p:sld xmlns:a="http://schemas.openxmlformats.org/drawingml/2006/main" xmlns:r="http://schemas.openxmlformats.org/officeDocument/2006/relationships" xmlns:p="http://schemas.openxmlformats.org/presentationml/2006/main">
   <p:cSld>
     <p:spTree>
@@ -18667,141 +19852,7 @@
 </p:sld>
 </file>
 
-<file path=ppt/slides/slide4.xml><?xml version="1.0" encoding="utf-8"?>
-<p:sld xmlns:a="http://schemas.openxmlformats.org/drawingml/2006/main" xmlns:r="http://schemas.openxmlformats.org/officeDocument/2006/relationships" xmlns:p="http://schemas.openxmlformats.org/presentationml/2006/main">
-  <p:cSld>
-    <p:spTree>
-      <p:nvGrpSpPr>
-        <p:cNvPr id="1" name=""/>
-        <p:cNvGrpSpPr/>
-        <p:nvPr/>
-      </p:nvGrpSpPr>
-      <p:grpSpPr>
-        <a:xfrm>
-          <a:off x="0" y="0"/>
-          <a:ext cx="0" cy="0"/>
-          <a:chOff x="0" y="0"/>
-          <a:chExt cx="0" cy="0"/>
-        </a:xfrm>
-      </p:grpSpPr>
-      <p:sp>
-        <p:nvSpPr>
-          <p:cNvPr id="2" name="Title 1"/>
-          <p:cNvSpPr>
-            <a:spLocks noGrp="1"/>
-          </p:cNvSpPr>
-          <p:nvPr>
-            <p:ph type="title"/>
-          </p:nvPr>
-        </p:nvSpPr>
-        <p:spPr>
-          <a:xfrm>
-            <a:off x="838200" y="110002"/>
-            <a:ext cx="8334376" cy="1325563"/>
-          </a:xfrm>
-        </p:spPr>
-        <p:txBody>
-          <a:bodyPr/>
-          <a:lstStyle/>
-          <a:p>
-            <a:r>
-              <a:rPr lang="en-US" dirty="0"/>
-              <a:t>Reading commands:</a:t>
-            </a:r>
-          </a:p>
-        </p:txBody>
-      </p:sp>
-      <p:sp>
-        <p:nvSpPr>
-          <p:cNvPr id="14" name="Content Placeholder 13">
-            <a:extLst>
-              <a:ext uri="{FF2B5EF4-FFF2-40B4-BE49-F238E27FC236}">
-                <a16:creationId xmlns:a16="http://schemas.microsoft.com/office/drawing/2014/main" id="{89DD93C4-882C-4D9C-A2C6-BB1AFBA96F37}"/>
-              </a:ext>
-            </a:extLst>
-          </p:cNvPr>
-          <p:cNvSpPr>
-            <a:spLocks noGrp="1"/>
-          </p:cNvSpPr>
-          <p:nvPr>
-            <p:ph idx="1"/>
-          </p:nvPr>
-        </p:nvSpPr>
-        <p:spPr>
-          <a:xfrm>
-            <a:off x="838200" y="763480"/>
-            <a:ext cx="10515600" cy="5726097"/>
-          </a:xfrm>
-        </p:spPr>
-        <p:txBody>
-          <a:bodyPr numCol="1">
-            <a:noAutofit/>
-          </a:bodyPr>
-          <a:lstStyle/>
-          <a:p>
-            <a:pPr marL="0" indent="0">
-              <a:lnSpc>
-                <a:spcPct val="150000"/>
-              </a:lnSpc>
-              <a:buNone/>
-            </a:pPr>
-            <a:endParaRPr lang="en-MY" sz="2400" dirty="0"/>
-          </a:p>
-          <a:p>
-            <a:pPr marL="0" indent="0">
-              <a:lnSpc>
-                <a:spcPct val="150000"/>
-              </a:lnSpc>
-              <a:buNone/>
-            </a:pPr>
-            <a:endParaRPr lang="en-MY" sz="2400" dirty="0"/>
-          </a:p>
-        </p:txBody>
-      </p:sp>
-      <p:pic>
-        <p:nvPicPr>
-          <p:cNvPr id="4" name="Picture 3" descr="Graphical user interface, text, application&#10;&#10;Description automatically generated">
-            <a:extLst>
-              <a:ext uri="{FF2B5EF4-FFF2-40B4-BE49-F238E27FC236}">
-                <a16:creationId xmlns:a16="http://schemas.microsoft.com/office/drawing/2014/main" id="{416A9324-E8FC-4763-9740-DD7573C5A836}"/>
-              </a:ext>
-            </a:extLst>
-          </p:cNvPr>
-          <p:cNvPicPr>
-            <a:picLocks noChangeAspect="1"/>
-          </p:cNvPicPr>
-          <p:nvPr/>
-        </p:nvPicPr>
-        <p:blipFill>
-          <a:blip r:embed="rId3"/>
-          <a:stretch>
-            <a:fillRect/>
-          </a:stretch>
-        </p:blipFill>
-        <p:spPr>
-          <a:xfrm>
-            <a:off x="293547" y="1249211"/>
-            <a:ext cx="4962525" cy="2845808"/>
-          </a:xfrm>
-          <a:prstGeom prst="rect">
-            <a:avLst/>
-          </a:prstGeom>
-        </p:spPr>
-      </p:pic>
-    </p:spTree>
-    <p:extLst>
-      <p:ext uri="{BB962C8B-B14F-4D97-AF65-F5344CB8AC3E}">
-        <p14:creationId xmlns:p14="http://schemas.microsoft.com/office/powerpoint/2010/main" val="1035187852"/>
-      </p:ext>
-    </p:extLst>
-  </p:cSld>
-  <p:clrMapOvr>
-    <a:masterClrMapping/>
-  </p:clrMapOvr>
-</p:sld>
-</file>
-
-<file path=ppt/slides/slide40.xml><?xml version="1.0" encoding="utf-8"?>
+<file path=ppt/slides/slide39.xml><?xml version="1.0" encoding="utf-8"?>
 <p:sld xmlns:a="http://schemas.openxmlformats.org/drawingml/2006/main" xmlns:r="http://schemas.openxmlformats.org/officeDocument/2006/relationships" xmlns:p="http://schemas.openxmlformats.org/presentationml/2006/main">
   <p:cSld>
     <p:spTree>
@@ -18894,7 +19945,7 @@
 </p:sld>
 </file>
 
-<file path=ppt/slides/slide5.xml><?xml version="1.0" encoding="utf-8"?>
+<file path=ppt/slides/slide4.xml><?xml version="1.0" encoding="utf-8"?>
 <p:sld xmlns:a="http://schemas.openxmlformats.org/drawingml/2006/main" xmlns:r="http://schemas.openxmlformats.org/officeDocument/2006/relationships" xmlns:p="http://schemas.openxmlformats.org/presentationml/2006/main">
   <p:cSld>
     <p:spTree>
@@ -18997,11 +20048,11 @@
                   <a:schemeClr val="accent5"/>
                 </a:solidFill>
               </a:rPr>
-              <a:t>git –-version </a:t>
+              <a:t>git </a:t>
             </a:r>
             <a:r>
               <a:rPr lang="en-US" dirty="0"/>
-              <a:t>in Mac terminal</a:t>
+              <a:t>for Mac terminal</a:t>
             </a:r>
           </a:p>
           <a:p>
@@ -20265,7 +21316,567 @@
 </p:sld>
 </file>
 
-<file path=ppt/slides/slide6.xml><?xml version="1.0" encoding="utf-8"?>
+<file path=ppt/slides/slide40.xml><?xml version="1.0" encoding="utf-8"?>
+<p:sld xmlns:a="http://schemas.openxmlformats.org/drawingml/2006/main" xmlns:r="http://schemas.openxmlformats.org/officeDocument/2006/relationships" xmlns:p="http://schemas.openxmlformats.org/presentationml/2006/main">
+  <p:cSld>
+    <p:spTree>
+      <p:nvGrpSpPr>
+        <p:cNvPr id="1" name=""/>
+        <p:cNvGrpSpPr/>
+        <p:nvPr/>
+      </p:nvGrpSpPr>
+      <p:grpSpPr>
+        <a:xfrm>
+          <a:off x="0" y="0"/>
+          <a:ext cx="0" cy="0"/>
+          <a:chOff x="0" y="0"/>
+          <a:chExt cx="0" cy="0"/>
+        </a:xfrm>
+      </p:grpSpPr>
+      <p:sp>
+        <p:nvSpPr>
+          <p:cNvPr id="2" name="Title 1">
+            <a:extLst>
+              <a:ext uri="{FF2B5EF4-FFF2-40B4-BE49-F238E27FC236}">
+                <a16:creationId xmlns:a16="http://schemas.microsoft.com/office/drawing/2014/main" id="{D47DE0EA-8D0E-4F71-BA30-530045163A55}"/>
+              </a:ext>
+            </a:extLst>
+          </p:cNvPr>
+          <p:cNvSpPr>
+            <a:spLocks noGrp="1"/>
+          </p:cNvSpPr>
+          <p:nvPr>
+            <p:ph type="title"/>
+          </p:nvPr>
+        </p:nvSpPr>
+        <p:spPr>
+          <a:xfrm>
+            <a:off x="838200" y="142581"/>
+            <a:ext cx="8334376" cy="1325563"/>
+          </a:xfrm>
+        </p:spPr>
+        <p:txBody>
+          <a:bodyPr/>
+          <a:lstStyle/>
+          <a:p>
+            <a:r>
+              <a:rPr lang="en-MY" dirty="0"/>
+              <a:t>Configuring: Authentication</a:t>
+            </a:r>
+          </a:p>
+        </p:txBody>
+      </p:sp>
+      <p:sp>
+        <p:nvSpPr>
+          <p:cNvPr id="3" name="Content Placeholder 2">
+            <a:extLst>
+              <a:ext uri="{FF2B5EF4-FFF2-40B4-BE49-F238E27FC236}">
+                <a16:creationId xmlns:a16="http://schemas.microsoft.com/office/drawing/2014/main" id="{4A1CEAAC-31C8-41BE-BB8B-21876DCAE696}"/>
+              </a:ext>
+            </a:extLst>
+          </p:cNvPr>
+          <p:cNvSpPr>
+            <a:spLocks noGrp="1"/>
+          </p:cNvSpPr>
+          <p:nvPr>
+            <p:ph idx="1"/>
+          </p:nvPr>
+        </p:nvSpPr>
+        <p:spPr>
+          <a:xfrm>
+            <a:off x="838200" y="1567543"/>
+            <a:ext cx="10515600" cy="4609420"/>
+          </a:xfrm>
+        </p:spPr>
+        <p:txBody>
+          <a:bodyPr/>
+          <a:lstStyle/>
+          <a:p>
+            <a:pPr marL="0" indent="0">
+              <a:buNone/>
+            </a:pPr>
+            <a:endParaRPr lang="en-MY" dirty="0">
+              <a:hlinkClick r:id="rId2">
+                <a:extLst>
+                  <a:ext uri="{A12FA001-AC4F-418D-AE19-62706E023703}">
+                    <ahyp:hlinkClr xmlns:ahyp="http://schemas.microsoft.com/office/drawing/2018/hyperlinkcolor" val="tx"/>
+                  </a:ext>
+                </a:extLst>
+              </a:hlinkClick>
+            </a:endParaRPr>
+          </a:p>
+          <a:p>
+            <a:r>
+              <a:rPr lang="en-MY" dirty="0">
+                <a:solidFill>
+                  <a:schemeClr val="accent4"/>
+                </a:solidFill>
+                <a:hlinkClick r:id="rId2">
+                  <a:extLst>
+                    <a:ext uri="{A12FA001-AC4F-418D-AE19-62706E023703}">
+                      <ahyp:hlinkClr xmlns:ahyp="http://schemas.microsoft.com/office/drawing/2018/hyperlinkcolor" val="tx"/>
+                    </a:ext>
+                  </a:extLst>
+                </a:hlinkClick>
+              </a:rPr>
+              <a:t>SSH: </a:t>
+            </a:r>
+            <a:r>
+              <a:rPr lang="en-MY" dirty="0">
+                <a:solidFill>
+                  <a:schemeClr val="accent4"/>
+                </a:solidFill>
+              </a:rPr>
+              <a:t>Older method</a:t>
+            </a:r>
+            <a:endParaRPr lang="en-MY" dirty="0"/>
+          </a:p>
+          <a:p>
+            <a:r>
+              <a:rPr lang="en-MY" dirty="0">
+                <a:solidFill>
+                  <a:schemeClr val="accent4"/>
+                </a:solidFill>
+                <a:hlinkClick r:id="rId3">
+                  <a:extLst>
+                    <a:ext uri="{A12FA001-AC4F-418D-AE19-62706E023703}">
+                      <ahyp:hlinkClr xmlns:ahyp="http://schemas.microsoft.com/office/drawing/2018/hyperlinkcolor" val="tx"/>
+                    </a:ext>
+                  </a:extLst>
+                </a:hlinkClick>
+              </a:rPr>
+              <a:t>Personal access tokens:</a:t>
+            </a:r>
+            <a:r>
+              <a:rPr lang="en-MY" dirty="0">
+                <a:solidFill>
+                  <a:schemeClr val="accent4"/>
+                </a:solidFill>
+              </a:rPr>
+              <a:t> GitHub has updated their policies to have this. </a:t>
+            </a:r>
+          </a:p>
+          <a:p>
+            <a:r>
+              <a:rPr lang="en-MY" dirty="0">
+                <a:solidFill>
+                  <a:schemeClr val="accent4"/>
+                </a:solidFill>
+                <a:hlinkClick r:id="rId4">
+                  <a:extLst>
+                    <a:ext uri="{A12FA001-AC4F-418D-AE19-62706E023703}">
+                      <ahyp:hlinkClr xmlns:ahyp="http://schemas.microsoft.com/office/drawing/2018/hyperlinkcolor" val="tx"/>
+                    </a:ext>
+                  </a:extLst>
+                </a:hlinkClick>
+              </a:rPr>
+              <a:t>Git Manager Credentials Core</a:t>
+            </a:r>
+            <a:r>
+              <a:rPr lang="en-MY" dirty="0">
+                <a:solidFill>
+                  <a:schemeClr val="accent4"/>
+                </a:solidFill>
+              </a:rPr>
+              <a:t> (comes installed) : So don’t need to worry so much</a:t>
+            </a:r>
+            <a:endParaRPr lang="en-MY" dirty="0"/>
+          </a:p>
+          <a:p>
+            <a:pPr marL="0" indent="0">
+              <a:buNone/>
+            </a:pPr>
+            <a:endParaRPr lang="en-MY" dirty="0"/>
+          </a:p>
+          <a:p>
+            <a:r>
+              <a:rPr lang="en-MY" dirty="0"/>
+              <a:t>Authentication is to ensure security of your projects. If you have errors with permissions, this may be a reason why.</a:t>
+            </a:r>
+          </a:p>
+          <a:p>
+            <a:endParaRPr lang="en-MY" dirty="0"/>
+          </a:p>
+        </p:txBody>
+      </p:sp>
+    </p:spTree>
+    <p:extLst>
+      <p:ext uri="{BB962C8B-B14F-4D97-AF65-F5344CB8AC3E}">
+        <p14:creationId xmlns:p14="http://schemas.microsoft.com/office/powerpoint/2010/main" val="3783286907"/>
+      </p:ext>
+    </p:extLst>
+  </p:cSld>
+  <p:clrMapOvr>
+    <a:masterClrMapping/>
+  </p:clrMapOvr>
+</p:sld>
+</file>
+
+<file path=ppt/slides/slide41.xml><?xml version="1.0" encoding="utf-8"?>
+<p:sld xmlns:a="http://schemas.openxmlformats.org/drawingml/2006/main" xmlns:r="http://schemas.openxmlformats.org/officeDocument/2006/relationships" xmlns:p="http://schemas.openxmlformats.org/presentationml/2006/main">
+  <p:cSld>
+    <p:spTree>
+      <p:nvGrpSpPr>
+        <p:cNvPr id="1" name=""/>
+        <p:cNvGrpSpPr/>
+        <p:nvPr/>
+      </p:nvGrpSpPr>
+      <p:grpSpPr>
+        <a:xfrm>
+          <a:off x="0" y="0"/>
+          <a:ext cx="0" cy="0"/>
+          <a:chOff x="0" y="0"/>
+          <a:chExt cx="0" cy="0"/>
+        </a:xfrm>
+      </p:grpSpPr>
+      <p:sp>
+        <p:nvSpPr>
+          <p:cNvPr id="2" name="Title 1"/>
+          <p:cNvSpPr>
+            <a:spLocks noGrp="1"/>
+          </p:cNvSpPr>
+          <p:nvPr>
+            <p:ph type="title"/>
+          </p:nvPr>
+        </p:nvSpPr>
+        <p:spPr>
+          <a:xfrm>
+            <a:off x="838200" y="110002"/>
+            <a:ext cx="8334376" cy="1325563"/>
+          </a:xfrm>
+        </p:spPr>
+        <p:txBody>
+          <a:bodyPr/>
+          <a:lstStyle/>
+          <a:p>
+            <a:r>
+              <a:rPr lang="en-US" dirty="0"/>
+              <a:t>Slides Index(?):</a:t>
+            </a:r>
+          </a:p>
+        </p:txBody>
+      </p:sp>
+      <p:sp>
+        <p:nvSpPr>
+          <p:cNvPr id="14" name="Content Placeholder 13">
+            <a:extLst>
+              <a:ext uri="{FF2B5EF4-FFF2-40B4-BE49-F238E27FC236}">
+                <a16:creationId xmlns:a16="http://schemas.microsoft.com/office/drawing/2014/main" id="{89DD93C4-882C-4D9C-A2C6-BB1AFBA96F37}"/>
+              </a:ext>
+            </a:extLst>
+          </p:cNvPr>
+          <p:cNvSpPr>
+            <a:spLocks noGrp="1"/>
+          </p:cNvSpPr>
+          <p:nvPr>
+            <p:ph idx="1"/>
+          </p:nvPr>
+        </p:nvSpPr>
+        <p:spPr>
+          <a:xfrm>
+            <a:off x="838200" y="1435565"/>
+            <a:ext cx="10515600" cy="5054012"/>
+          </a:xfrm>
+        </p:spPr>
+        <p:txBody>
+          <a:bodyPr numCol="2">
+            <a:noAutofit/>
+          </a:bodyPr>
+          <a:lstStyle/>
+          <a:p>
+            <a:pPr>
+              <a:buFont typeface="Wingdings" panose="05000000000000000000" pitchFamily="2" charset="2"/>
+              <a:buChar char="v"/>
+            </a:pPr>
+            <a:r>
+              <a:rPr lang="en-US" sz="1800" dirty="0"/>
+              <a:t>Version Control System</a:t>
+            </a:r>
+            <a:endParaRPr lang="en-US" sz="1800" dirty="0">
+              <a:latin typeface="+mj-lt"/>
+            </a:endParaRPr>
+          </a:p>
+          <a:p>
+            <a:pPr>
+              <a:buFont typeface="Wingdings" panose="05000000000000000000" pitchFamily="2" charset="2"/>
+              <a:buChar char="v"/>
+            </a:pPr>
+            <a:r>
+              <a:rPr lang="en-US" sz="1800" dirty="0"/>
+              <a:t>Installing &amp; Configuring Git</a:t>
+            </a:r>
+          </a:p>
+          <a:p>
+            <a:pPr>
+              <a:buFont typeface="Wingdings" panose="05000000000000000000" pitchFamily="2" charset="2"/>
+              <a:buChar char="v"/>
+            </a:pPr>
+            <a:r>
+              <a:rPr lang="en-US" sz="1800" dirty="0"/>
+              <a:t>Using </a:t>
+            </a:r>
+            <a:r>
+              <a:rPr lang="en-US" sz="1800" dirty="0" err="1"/>
+              <a:t>GitBash</a:t>
+            </a:r>
+            <a:r>
+              <a:rPr lang="en-US" sz="1800" dirty="0"/>
+              <a:t> (Windows) or terminal (Mac)</a:t>
+            </a:r>
+          </a:p>
+          <a:p>
+            <a:pPr>
+              <a:buFont typeface="Wingdings" panose="05000000000000000000" pitchFamily="2" charset="2"/>
+              <a:buChar char="v"/>
+            </a:pPr>
+            <a:r>
+              <a:rPr lang="en-US" sz="1800" dirty="0"/>
+              <a:t>Initializing a Repo</a:t>
+            </a:r>
+          </a:p>
+          <a:p>
+            <a:pPr>
+              <a:buFont typeface="Wingdings" panose="05000000000000000000" pitchFamily="2" charset="2"/>
+              <a:buChar char="v"/>
+            </a:pPr>
+            <a:r>
+              <a:rPr lang="en-US" sz="1800" dirty="0"/>
+              <a:t>Git Workflow</a:t>
+            </a:r>
+          </a:p>
+          <a:p>
+            <a:pPr>
+              <a:buFont typeface="Wingdings" panose="05000000000000000000" pitchFamily="2" charset="2"/>
+              <a:buChar char="v"/>
+            </a:pPr>
+            <a:r>
+              <a:rPr lang="en-US" sz="1800" dirty="0"/>
+              <a:t>Viewing changes</a:t>
+            </a:r>
+          </a:p>
+          <a:p>
+            <a:pPr>
+              <a:buFont typeface="Wingdings" panose="05000000000000000000" pitchFamily="2" charset="2"/>
+              <a:buChar char="v"/>
+            </a:pPr>
+            <a:r>
+              <a:rPr lang="en-MY" sz="1800" dirty="0"/>
+              <a:t>Restoring previous versions</a:t>
+            </a:r>
+            <a:endParaRPr lang="en-US" sz="1800" dirty="0"/>
+          </a:p>
+          <a:p>
+            <a:pPr>
+              <a:buFont typeface="Wingdings" panose="05000000000000000000" pitchFamily="2" charset="2"/>
+              <a:buChar char="v"/>
+            </a:pPr>
+            <a:r>
+              <a:rPr lang="en-MY" sz="1800" dirty="0"/>
+              <a:t>Git log</a:t>
+            </a:r>
+          </a:p>
+          <a:p>
+            <a:pPr>
+              <a:buFont typeface="Wingdings" panose="05000000000000000000" pitchFamily="2" charset="2"/>
+              <a:buChar char="v"/>
+            </a:pPr>
+            <a:r>
+              <a:rPr lang="en-US" sz="1800" dirty="0"/>
+              <a:t>Collaboration</a:t>
+            </a:r>
+          </a:p>
+          <a:p>
+            <a:pPr>
+              <a:buFont typeface="Wingdings" panose="05000000000000000000" pitchFamily="2" charset="2"/>
+              <a:buChar char="v"/>
+            </a:pPr>
+            <a:r>
+              <a:rPr lang="en-US" sz="1800" dirty="0"/>
+              <a:t>Create and share your repo</a:t>
+            </a:r>
+          </a:p>
+          <a:p>
+            <a:pPr>
+              <a:buFont typeface="Wingdings" panose="05000000000000000000" pitchFamily="2" charset="2"/>
+              <a:buChar char="v"/>
+            </a:pPr>
+            <a:r>
+              <a:rPr lang="en-US" sz="1800" dirty="0"/>
+              <a:t>Cloning an existing repo</a:t>
+            </a:r>
+          </a:p>
+          <a:p>
+            <a:pPr>
+              <a:buFont typeface="Wingdings" panose="05000000000000000000" pitchFamily="2" charset="2"/>
+              <a:buChar char="v"/>
+            </a:pPr>
+            <a:r>
+              <a:rPr lang="en-MY" sz="1800" dirty="0"/>
+              <a:t>Remote repository, </a:t>
+            </a:r>
+            <a:r>
+              <a:rPr lang="en-MY" sz="1800" dirty="0" err="1"/>
+              <a:t>github</a:t>
+            </a:r>
+            <a:r>
+              <a:rPr lang="en-MY" sz="1800" dirty="0"/>
+              <a:t>!</a:t>
+            </a:r>
+          </a:p>
+          <a:p>
+            <a:pPr>
+              <a:buFont typeface="Wingdings" panose="05000000000000000000" pitchFamily="2" charset="2"/>
+              <a:buChar char="v"/>
+            </a:pPr>
+            <a:r>
+              <a:rPr lang="en-US" sz="1800" dirty="0"/>
+              <a:t>Common additional files</a:t>
+            </a:r>
+            <a:endParaRPr lang="en-MY" sz="1800" dirty="0"/>
+          </a:p>
+          <a:p>
+            <a:pPr>
+              <a:buFont typeface="Wingdings" panose="05000000000000000000" pitchFamily="2" charset="2"/>
+              <a:buChar char="v"/>
+            </a:pPr>
+            <a:r>
+              <a:rPr lang="en-MY" sz="1800" dirty="0"/>
+              <a:t>Authentication</a:t>
+            </a:r>
+          </a:p>
+          <a:p>
+            <a:pPr>
+              <a:buFont typeface="Wingdings" panose="05000000000000000000" pitchFamily="2" charset="2"/>
+              <a:buChar char="v"/>
+            </a:pPr>
+            <a:r>
+              <a:rPr lang="en-MY" sz="1800" dirty="0"/>
+              <a:t>Adding a remote repository</a:t>
+            </a:r>
+          </a:p>
+          <a:p>
+            <a:pPr>
+              <a:buFont typeface="Wingdings" panose="05000000000000000000" pitchFamily="2" charset="2"/>
+              <a:buChar char="v"/>
+            </a:pPr>
+            <a:r>
+              <a:rPr lang="en-MY" sz="1800" dirty="0"/>
+              <a:t>Fetching and pulling</a:t>
+            </a:r>
+          </a:p>
+          <a:p>
+            <a:pPr>
+              <a:buFont typeface="Wingdings" panose="05000000000000000000" pitchFamily="2" charset="2"/>
+              <a:buChar char="v"/>
+            </a:pPr>
+            <a:r>
+              <a:rPr lang="en-MY" sz="1800" dirty="0"/>
+              <a:t>Pushing</a:t>
+            </a:r>
+          </a:p>
+          <a:p>
+            <a:pPr>
+              <a:buFont typeface="Wingdings" panose="05000000000000000000" pitchFamily="2" charset="2"/>
+              <a:buChar char="v"/>
+            </a:pPr>
+            <a:r>
+              <a:rPr lang="en-MY" sz="1800" dirty="0"/>
+              <a:t>Story so far</a:t>
+            </a:r>
+          </a:p>
+          <a:p>
+            <a:pPr>
+              <a:buFont typeface="Wingdings" panose="05000000000000000000" pitchFamily="2" charset="2"/>
+              <a:buChar char="v"/>
+            </a:pPr>
+            <a:r>
+              <a:rPr lang="en-MY" sz="1800" dirty="0"/>
+              <a:t>Branching</a:t>
+            </a:r>
+          </a:p>
+          <a:p>
+            <a:pPr>
+              <a:buFont typeface="Wingdings" panose="05000000000000000000" pitchFamily="2" charset="2"/>
+              <a:buChar char="v"/>
+            </a:pPr>
+            <a:r>
+              <a:rPr lang="en-MY" sz="1800" dirty="0"/>
+              <a:t>Merge conflicts, pull requests, forking</a:t>
+            </a:r>
+          </a:p>
+          <a:p>
+            <a:pPr>
+              <a:buFont typeface="Wingdings" panose="05000000000000000000" pitchFamily="2" charset="2"/>
+              <a:buChar char="v"/>
+            </a:pPr>
+            <a:r>
+              <a:rPr lang="en-MY" sz="1800" dirty="0"/>
+              <a:t>Contribute to open source by forking:</a:t>
+            </a:r>
+          </a:p>
+          <a:p>
+            <a:pPr>
+              <a:buFont typeface="Wingdings" panose="05000000000000000000" pitchFamily="2" charset="2"/>
+              <a:buChar char="v"/>
+            </a:pPr>
+            <a:r>
+              <a:rPr lang="en-US" sz="1800" dirty="0"/>
+              <a:t>Git best practices!</a:t>
+            </a:r>
+          </a:p>
+          <a:p>
+            <a:pPr>
+              <a:buFont typeface="Wingdings" panose="05000000000000000000" pitchFamily="2" charset="2"/>
+              <a:buChar char="v"/>
+            </a:pPr>
+            <a:r>
+              <a:rPr lang="en-US" sz="1800" dirty="0"/>
+              <a:t>Resources</a:t>
+            </a:r>
+          </a:p>
+          <a:p>
+            <a:pPr>
+              <a:buFont typeface="Wingdings" panose="05000000000000000000" pitchFamily="2" charset="2"/>
+              <a:buChar char="v"/>
+            </a:pPr>
+            <a:r>
+              <a:rPr lang="en-US" sz="1800" dirty="0"/>
+              <a:t>Technical Issues</a:t>
+            </a:r>
+          </a:p>
+          <a:p>
+            <a:pPr>
+              <a:buFont typeface="Wingdings" panose="05000000000000000000" pitchFamily="2" charset="2"/>
+              <a:buChar char="v"/>
+            </a:pPr>
+            <a:r>
+              <a:rPr lang="en-US" sz="1800" dirty="0"/>
+              <a:t>Add. slides/images</a:t>
+            </a:r>
+          </a:p>
+          <a:p>
+            <a:endParaRPr lang="en-MY" sz="1400" dirty="0">
+              <a:solidFill>
+                <a:schemeClr val="tx1"/>
+              </a:solidFill>
+            </a:endParaRPr>
+          </a:p>
+        </p:txBody>
+      </p:sp>
+    </p:spTree>
+    <p:extLst>
+      <p:ext uri="{BB962C8B-B14F-4D97-AF65-F5344CB8AC3E}">
+        <p14:creationId xmlns:p14="http://schemas.microsoft.com/office/powerpoint/2010/main" val="1072947160"/>
+      </p:ext>
+    </p:extLst>
+  </p:cSld>
+  <p:clrMapOvr>
+    <a:masterClrMapping/>
+  </p:clrMapOvr>
+</p:sld>
+</file>
+
+<file path=ppt/slides/slide5.xml><?xml version="1.0" encoding="utf-8"?>
 <p:sld xmlns:a="http://schemas.openxmlformats.org/drawingml/2006/main" xmlns:r="http://schemas.openxmlformats.org/officeDocument/2006/relationships" xmlns:p="http://schemas.openxmlformats.org/presentationml/2006/main">
   <p:cSld>
     <p:spTree>
@@ -20420,7 +22031,7 @@
 </p:sld>
 </file>
 
-<file path=ppt/slides/slide7.xml><?xml version="1.0" encoding="utf-8"?>
+<file path=ppt/slides/slide6.xml><?xml version="1.0" encoding="utf-8"?>
 <p:sld xmlns:a="http://schemas.openxmlformats.org/drawingml/2006/main" xmlns:r="http://schemas.openxmlformats.org/officeDocument/2006/relationships" xmlns:p="http://schemas.openxmlformats.org/presentationml/2006/main">
   <p:cSld>
     <p:spTree>
@@ -20776,7 +22387,7 @@
 </p:sld>
 </file>
 
-<file path=ppt/slides/slide8.xml><?xml version="1.0" encoding="utf-8"?>
+<file path=ppt/slides/slide7.xml><?xml version="1.0" encoding="utf-8"?>
 <p:sld xmlns:a="http://schemas.openxmlformats.org/drawingml/2006/main" xmlns:r="http://schemas.openxmlformats.org/officeDocument/2006/relationships" xmlns:p="http://schemas.openxmlformats.org/presentationml/2006/main">
   <p:cSld>
     <p:spTree>
@@ -21412,6 +23023,143 @@
 </p:sld>
 </file>
 
+<file path=ppt/slides/slide8.xml><?xml version="1.0" encoding="utf-8"?>
+<p:sld xmlns:a="http://schemas.openxmlformats.org/drawingml/2006/main" xmlns:r="http://schemas.openxmlformats.org/officeDocument/2006/relationships" xmlns:p="http://schemas.openxmlformats.org/presentationml/2006/main">
+  <p:cSld>
+    <p:spTree>
+      <p:nvGrpSpPr>
+        <p:cNvPr id="1" name=""/>
+        <p:cNvGrpSpPr/>
+        <p:nvPr/>
+      </p:nvGrpSpPr>
+      <p:grpSpPr>
+        <a:xfrm>
+          <a:off x="0" y="0"/>
+          <a:ext cx="0" cy="0"/>
+          <a:chOff x="0" y="0"/>
+          <a:chExt cx="0" cy="0"/>
+        </a:xfrm>
+      </p:grpSpPr>
+      <p:sp>
+        <p:nvSpPr>
+          <p:cNvPr id="2" name="Title 1">
+            <a:extLst>
+              <a:ext uri="{FF2B5EF4-FFF2-40B4-BE49-F238E27FC236}">
+                <a16:creationId xmlns:a16="http://schemas.microsoft.com/office/drawing/2014/main" id="{8B2AD4E1-0643-4C88-9E49-C2724AEB3568}"/>
+              </a:ext>
+            </a:extLst>
+          </p:cNvPr>
+          <p:cNvSpPr>
+            <a:spLocks noGrp="1"/>
+          </p:cNvSpPr>
+          <p:nvPr>
+            <p:ph type="title"/>
+          </p:nvPr>
+        </p:nvSpPr>
+        <p:spPr/>
+        <p:txBody>
+          <a:bodyPr/>
+          <a:lstStyle/>
+          <a:p>
+            <a:r>
+              <a:rPr lang="en-US" dirty="0"/>
+              <a:t>Basic git commands</a:t>
+            </a:r>
+          </a:p>
+        </p:txBody>
+      </p:sp>
+      <p:sp>
+        <p:nvSpPr>
+          <p:cNvPr id="3" name="Content Placeholder 2">
+            <a:extLst>
+              <a:ext uri="{FF2B5EF4-FFF2-40B4-BE49-F238E27FC236}">
+                <a16:creationId xmlns:a16="http://schemas.microsoft.com/office/drawing/2014/main" id="{F8D322E9-A7EC-465F-93FE-BAA394728626}"/>
+              </a:ext>
+            </a:extLst>
+          </p:cNvPr>
+          <p:cNvSpPr>
+            <a:spLocks noGrp="1"/>
+          </p:cNvSpPr>
+          <p:nvPr>
+            <p:ph idx="1"/>
+          </p:nvPr>
+        </p:nvSpPr>
+        <p:spPr>
+          <a:xfrm>
+            <a:off x="838200" y="1411357"/>
+            <a:ext cx="10515600" cy="4765606"/>
+          </a:xfrm>
+        </p:spPr>
+        <p:txBody>
+          <a:bodyPr/>
+          <a:lstStyle/>
+          <a:p>
+            <a:pPr marL="0" indent="0">
+              <a:buNone/>
+            </a:pPr>
+            <a:endParaRPr lang="en-US" dirty="0"/>
+          </a:p>
+          <a:p>
+            <a:r>
+              <a:rPr lang="en-US" dirty="0"/>
+              <a:t>git </a:t>
+            </a:r>
+            <a:r>
+              <a:rPr lang="en-US" dirty="0" err="1"/>
+              <a:t>init</a:t>
+            </a:r>
+            <a:r>
+              <a:rPr lang="en-US" dirty="0"/>
+              <a:t> -&gt; git add -&gt; git commit</a:t>
+            </a:r>
+          </a:p>
+          <a:p>
+            <a:r>
+              <a:rPr lang="en-US" dirty="0"/>
+              <a:t>git status</a:t>
+            </a:r>
+          </a:p>
+          <a:p>
+            <a:r>
+              <a:rPr lang="en-US" dirty="0"/>
+              <a:t>git log</a:t>
+            </a:r>
+          </a:p>
+          <a:p>
+            <a:endParaRPr lang="en-US" dirty="0">
+              <a:solidFill>
+                <a:schemeClr val="accent4"/>
+              </a:solidFill>
+            </a:endParaRPr>
+          </a:p>
+          <a:p>
+            <a:pPr marL="0" indent="0">
+              <a:buNone/>
+            </a:pPr>
+            <a:endParaRPr lang="en-US" dirty="0">
+              <a:solidFill>
+                <a:schemeClr val="accent4"/>
+              </a:solidFill>
+            </a:endParaRPr>
+          </a:p>
+          <a:p>
+            <a:endParaRPr lang="en-US" dirty="0"/>
+          </a:p>
+        </p:txBody>
+      </p:sp>
+    </p:spTree>
+    <p:extLst>
+      <p:ext uri="{BB962C8B-B14F-4D97-AF65-F5344CB8AC3E}">
+        <p14:creationId xmlns:p14="http://schemas.microsoft.com/office/powerpoint/2010/main" val="2313085239"/>
+      </p:ext>
+    </p:extLst>
+  </p:cSld>
+  <p:clrMapOvr>
+    <a:masterClrMapping/>
+  </p:clrMapOvr>
+</p:sld>
+</file>
+
 <file path=ppt/slides/slide9.xml><?xml version="1.0" encoding="utf-8"?>
 <p:sld xmlns:a="http://schemas.openxmlformats.org/drawingml/2006/main" xmlns:r="http://schemas.openxmlformats.org/officeDocument/2006/relationships" xmlns:p="http://schemas.openxmlformats.org/presentationml/2006/main">
   <p:cSld>
@@ -21452,7 +23200,7 @@
           <a:p>
             <a:r>
               <a:rPr lang="en-US" dirty="0"/>
-              <a:t>Basic git commands</a:t>
+              <a:t>Initializing a Repo</a:t>
             </a:r>
           </a:p>
         </p:txBody>
@@ -21475,71 +23223,194 @@
         </p:nvSpPr>
         <p:spPr>
           <a:xfrm>
-            <a:off x="838200" y="1411357"/>
-            <a:ext cx="10515600" cy="4765606"/>
+            <a:off x="838200" y="1485899"/>
+            <a:ext cx="10515600" cy="4691064"/>
           </a:xfrm>
         </p:spPr>
         <p:txBody>
           <a:bodyPr/>
           <a:lstStyle/>
           <a:p>
-            <a:pPr marL="0" indent="0">
+            <a:r>
+              <a:rPr lang="en-US" dirty="0"/>
+              <a:t>A repository is a place to store all your project files.</a:t>
+            </a:r>
+          </a:p>
+          <a:p>
+            <a:r>
+              <a:rPr lang="en-US" dirty="0"/>
+              <a:t>Contains .git files (hidden) </a:t>
+            </a:r>
+          </a:p>
+          <a:p>
+            <a:r>
+              <a:rPr lang="en-US" dirty="0"/>
+              <a:t>Remote repository: hosted on a server</a:t>
+            </a:r>
+          </a:p>
+          <a:p>
+            <a:r>
+              <a:rPr lang="en-US" dirty="0"/>
+              <a:t>Local repository: resides on a computer of someone</a:t>
+            </a:r>
+          </a:p>
+          <a:p>
+            <a:endParaRPr lang="en-US" dirty="0"/>
+          </a:p>
+        </p:txBody>
+      </p:sp>
+      <p:pic>
+        <p:nvPicPr>
+          <p:cNvPr id="10" name="Picture 9" descr="Text&#10;&#10;Description automatically generated">
+            <a:extLst>
+              <a:ext uri="{FF2B5EF4-FFF2-40B4-BE49-F238E27FC236}">
+                <a16:creationId xmlns:a16="http://schemas.microsoft.com/office/drawing/2014/main" id="{7635B3C4-2DB2-421D-9486-D767960933A7}"/>
+              </a:ext>
+            </a:extLst>
+          </p:cNvPr>
+          <p:cNvPicPr>
+            <a:picLocks noChangeAspect="1"/>
+          </p:cNvPicPr>
+          <p:nvPr/>
+        </p:nvPicPr>
+        <p:blipFill>
+          <a:blip r:embed="rId3"/>
+          <a:stretch>
+            <a:fillRect/>
+          </a:stretch>
+        </p:blipFill>
+        <p:spPr>
+          <a:xfrm>
+            <a:off x="99071" y="3035343"/>
+            <a:ext cx="6748460" cy="3822657"/>
+          </a:xfrm>
+          <a:prstGeom prst="rect">
+            <a:avLst/>
+          </a:prstGeom>
+        </p:spPr>
+      </p:pic>
+      <p:sp>
+        <p:nvSpPr>
+          <p:cNvPr id="5" name="Title 1">
+            <a:extLst>
+              <a:ext uri="{FF2B5EF4-FFF2-40B4-BE49-F238E27FC236}">
+                <a16:creationId xmlns:a16="http://schemas.microsoft.com/office/drawing/2014/main" id="{58836265-8F6E-4A10-BAE0-0E2B7EF4DD6A}"/>
+              </a:ext>
+            </a:extLst>
+          </p:cNvPr>
+          <p:cNvSpPr txBox="1">
+            <a:spLocks/>
+          </p:cNvSpPr>
+          <p:nvPr/>
+        </p:nvSpPr>
+        <p:spPr>
+          <a:xfrm>
+            <a:off x="3184125" y="5638685"/>
+            <a:ext cx="4691996" cy="1325563"/>
+          </a:xfrm>
+          <a:prstGeom prst="rect">
+            <a:avLst/>
+          </a:prstGeom>
+        </p:spPr>
+        <p:txBody>
+          <a:bodyPr vert="horz" lIns="91440" tIns="45720" rIns="91440" bIns="45720" rtlCol="0" anchor="ctr">
+            <a:normAutofit/>
+          </a:bodyPr>
+          <a:lstStyle>
+            <a:lvl1pPr algn="l" defTabSz="914400" rtl="0" eaLnBrk="1" latinLnBrk="0" hangingPunct="1">
+              <a:lnSpc>
+                <a:spcPct val="90000"/>
+              </a:lnSpc>
+              <a:spcBef>
+                <a:spcPct val="0"/>
+              </a:spcBef>
               <a:buNone/>
-            </a:pPr>
-            <a:endParaRPr lang="en-US" dirty="0"/>
-          </a:p>
-          <a:p>
-            <a:r>
-              <a:rPr lang="en-US" dirty="0"/>
-              <a:t>git </a:t>
-            </a:r>
-            <a:r>
-              <a:rPr lang="en-US" dirty="0" err="1"/>
-              <a:t>init</a:t>
-            </a:r>
-            <a:r>
-              <a:rPr lang="en-US" dirty="0"/>
-              <a:t> -&gt; git add -&gt; git commit</a:t>
-            </a:r>
-          </a:p>
-          <a:p>
-            <a:r>
-              <a:rPr lang="en-US" dirty="0"/>
-              <a:t>git status</a:t>
-            </a:r>
-          </a:p>
-          <a:p>
-            <a:r>
-              <a:rPr lang="en-US" dirty="0"/>
-              <a:t>git log</a:t>
-            </a:r>
-          </a:p>
-          <a:p>
-            <a:endParaRPr lang="en-US" dirty="0">
-              <a:solidFill>
-                <a:schemeClr val="accent4"/>
-              </a:solidFill>
-            </a:endParaRPr>
-          </a:p>
-          <a:p>
-            <a:pPr marL="0" indent="0">
+              <a:defRPr sz="4400" kern="1200">
+                <a:solidFill>
+                  <a:schemeClr val="bg1"/>
+                </a:solidFill>
+                <a:latin typeface="+mj-lt"/>
+                <a:ea typeface="+mj-ea"/>
+                <a:cs typeface="+mj-cs"/>
+              </a:defRPr>
+            </a:lvl1pPr>
+          </a:lstStyle>
+          <a:p>
+            <a:r>
+              <a:rPr lang="en-US" sz="2400" dirty="0">
+                <a:solidFill>
+                  <a:schemeClr val="accent4"/>
+                </a:solidFill>
+                <a:latin typeface="+mn-lt"/>
+              </a:rPr>
+              <a:t>git status (rly helpful command) </a:t>
+            </a:r>
+          </a:p>
+        </p:txBody>
+      </p:sp>
+      <p:sp>
+        <p:nvSpPr>
+          <p:cNvPr id="6" name="Title 1">
+            <a:extLst>
+              <a:ext uri="{FF2B5EF4-FFF2-40B4-BE49-F238E27FC236}">
+                <a16:creationId xmlns:a16="http://schemas.microsoft.com/office/drawing/2014/main" id="{554081AE-E25D-44A8-80B3-F3E7BC60DA81}"/>
+              </a:ext>
+            </a:extLst>
+          </p:cNvPr>
+          <p:cNvSpPr txBox="1">
+            <a:spLocks/>
+          </p:cNvSpPr>
+          <p:nvPr/>
+        </p:nvSpPr>
+        <p:spPr>
+          <a:xfrm>
+            <a:off x="6248400" y="313562"/>
+            <a:ext cx="4691996" cy="1325563"/>
+          </a:xfrm>
+          <a:prstGeom prst="rect">
+            <a:avLst/>
+          </a:prstGeom>
+        </p:spPr>
+        <p:txBody>
+          <a:bodyPr vert="horz" lIns="91440" tIns="45720" rIns="91440" bIns="45720" rtlCol="0" anchor="ctr">
+            <a:normAutofit/>
+          </a:bodyPr>
+          <a:lstStyle>
+            <a:lvl1pPr algn="l" defTabSz="914400" rtl="0" eaLnBrk="1" latinLnBrk="0" hangingPunct="1">
+              <a:lnSpc>
+                <a:spcPct val="90000"/>
+              </a:lnSpc>
+              <a:spcBef>
+                <a:spcPct val="0"/>
+              </a:spcBef>
               <a:buNone/>
-            </a:pPr>
-            <a:endParaRPr lang="en-US" dirty="0">
-              <a:solidFill>
-                <a:schemeClr val="accent4"/>
-              </a:solidFill>
-            </a:endParaRPr>
-          </a:p>
-          <a:p>
-            <a:endParaRPr lang="en-US" dirty="0"/>
+              <a:defRPr sz="4400" kern="1200">
+                <a:solidFill>
+                  <a:schemeClr val="bg1"/>
+                </a:solidFill>
+                <a:latin typeface="+mj-lt"/>
+                <a:ea typeface="+mj-ea"/>
+                <a:cs typeface="+mj-cs"/>
+              </a:defRPr>
+            </a:lvl1pPr>
+          </a:lstStyle>
+          <a:p>
+            <a:r>
+              <a:rPr lang="en-US" sz="2800" dirty="0">
+                <a:solidFill>
+                  <a:schemeClr val="accent4"/>
+                </a:solidFill>
+                <a:latin typeface="+mn-lt"/>
+              </a:rPr>
+              <a:t>repo = repository</a:t>
+            </a:r>
           </a:p>
         </p:txBody>
       </p:sp>
     </p:spTree>
     <p:extLst>
       <p:ext uri="{BB962C8B-B14F-4D97-AF65-F5344CB8AC3E}">
-        <p14:creationId xmlns:p14="http://schemas.microsoft.com/office/powerpoint/2010/main" val="2313085239"/>
+        <p14:creationId xmlns:p14="http://schemas.microsoft.com/office/powerpoint/2010/main" val="3255499886"/>
       </p:ext>
     </p:extLst>
   </p:cSld>
@@ -22341,23 +24212,6 @@
 </file>
 
 <file path=customXml/item1.xml><?xml version="1.0" encoding="utf-8"?>
-<?mso-contentType ?>
-<FormTemplates xmlns="http://schemas.microsoft.com/sharepoint/v3/contenttype/forms">
-  <Display>DocumentLibraryForm</Display>
-  <Edit>DocumentLibraryForm</Edit>
-  <New>DocumentLibraryForm</New>
-</FormTemplates>
-</file>
-
-<file path=customXml/item2.xml><?xml version="1.0" encoding="utf-8"?>
-<p:properties xmlns:p="http://schemas.microsoft.com/office/2006/metadata/properties" xmlns:xsi="http://www.w3.org/2001/XMLSchema-instance" xmlns:pc="http://schemas.microsoft.com/office/infopath/2007/PartnerControls">
-  <documentManagement>
-    <MediaServiceKeyPoints xmlns="71af3243-3dd4-4a8d-8c0d-dd76da1f02a5" xsi:nil="true"/>
-  </documentManagement>
-</p:properties>
-</file>
-
-<file path=customXml/item3.xml><?xml version="1.0" encoding="utf-8"?>
 <ct:contentTypeSchema xmlns:ct="http://schemas.microsoft.com/office/2006/metadata/contentType" xmlns:ma="http://schemas.microsoft.com/office/2006/metadata/properties/metaAttributes" ct:_="" ma:_="" ma:contentTypeName="Document" ma:contentTypeID="0x01010079F111ED35F8CC479449609E8A0923A6" ma:contentTypeVersion="11" ma:contentTypeDescription="Create a new document." ma:contentTypeScope="" ma:versionID="96291512c1ee715ab617f4c07df79fc1">
   <xsd:schema xmlns:xsd="http://www.w3.org/2001/XMLSchema" xmlns:xs="http://www.w3.org/2001/XMLSchema" xmlns:p="http://schemas.microsoft.com/office/2006/metadata/properties" xmlns:ns2="71af3243-3dd4-4a8d-8c0d-dd76da1f02a5" xmlns:ns3="16c05727-aa75-4e4a-9b5f-8a80a1165891" targetNamespace="http://schemas.microsoft.com/office/2006/metadata/properties" ma:root="true" ma:fieldsID="8256c27c40ca5c40ce1cf6c44f0205df" ns2:_="" ns3:_="">
     <xsd:import namespace="71af3243-3dd4-4a8d-8c0d-dd76da1f02a5"/>
@@ -22568,25 +24422,24 @@
 </ct:contentTypeSchema>
 </file>
 
-<file path=customXml/itemProps1.xml><?xml version="1.0" encoding="utf-8"?>
-<ds:datastoreItem xmlns:ds="http://schemas.openxmlformats.org/officeDocument/2006/customXml" ds:itemID="{EEDC6638-3F1D-4CA5-A167-2F719C08762F}">
-  <ds:schemaRefs>
-    <ds:schemaRef ds:uri="http://schemas.microsoft.com/sharepoint/v3/contenttype/forms"/>
-  </ds:schemaRefs>
-</ds:datastoreItem>
+<file path=customXml/item2.xml><?xml version="1.0" encoding="utf-8"?>
+<?mso-contentType ?>
+<FormTemplates xmlns="http://schemas.microsoft.com/sharepoint/v3/contenttype/forms">
+  <Display>DocumentLibraryForm</Display>
+  <Edit>DocumentLibraryForm</Edit>
+  <New>DocumentLibraryForm</New>
+</FormTemplates>
 </file>
 
-<file path=customXml/itemProps2.xml><?xml version="1.0" encoding="utf-8"?>
-<ds:datastoreItem xmlns:ds="http://schemas.openxmlformats.org/officeDocument/2006/customXml" ds:itemID="{1E159ADF-C50B-4A45-AD13-B0A8152C3150}">
-  <ds:schemaRefs>
-    <ds:schemaRef ds:uri="http://schemas.microsoft.com/office/2006/metadata/properties"/>
-    <ds:schemaRef ds:uri="http://schemas.microsoft.com/office/infopath/2007/PartnerControls"/>
-    <ds:schemaRef ds:uri="71af3243-3dd4-4a8d-8c0d-dd76da1f02a5"/>
-  </ds:schemaRefs>
-</ds:datastoreItem>
+<file path=customXml/item3.xml><?xml version="1.0" encoding="utf-8"?>
+<p:properties xmlns:p="http://schemas.microsoft.com/office/2006/metadata/properties" xmlns:xsi="http://www.w3.org/2001/XMLSchema-instance" xmlns:pc="http://schemas.microsoft.com/office/infopath/2007/PartnerControls">
+  <documentManagement>
+    <MediaServiceKeyPoints xmlns="71af3243-3dd4-4a8d-8c0d-dd76da1f02a5" xsi:nil="true"/>
+  </documentManagement>
+</p:properties>
 </file>
 
-<file path=customXml/itemProps3.xml><?xml version="1.0" encoding="utf-8"?>
+<file path=customXml/itemProps1.xml><?xml version="1.0" encoding="utf-8"?>
 <ds:datastoreItem xmlns:ds="http://schemas.openxmlformats.org/officeDocument/2006/customXml" ds:itemID="{95FDF6E3-4638-4FD3-B9D7-E0E63F20565C}">
   <ds:schemaRefs>
     <ds:schemaRef ds:uri="http://schemas.microsoft.com/office/2006/metadata/contentType"/>
@@ -22603,4 +24456,22 @@
     <ds:schemaRef ds:uri="http://schemas.microsoft.com/internal/obd"/>
   </ds:schemaRefs>
 </ds:datastoreItem>
+</file>
+
+<file path=customXml/itemProps2.xml><?xml version="1.0" encoding="utf-8"?>
+<ds:datastoreItem xmlns:ds="http://schemas.openxmlformats.org/officeDocument/2006/customXml" ds:itemID="{EEDC6638-3F1D-4CA5-A167-2F719C08762F}">
+  <ds:schemaRefs>
+    <ds:schemaRef ds:uri="http://schemas.microsoft.com/sharepoint/v3/contenttype/forms"/>
+  </ds:schemaRefs>
+</ds:datastoreItem>
+</file>
+
+<file path=customXml/itemProps3.xml><?xml version="1.0" encoding="utf-8"?>
+<ds:datastoreItem xmlns:ds="http://schemas.openxmlformats.org/officeDocument/2006/customXml" ds:itemID="{1E159ADF-C50B-4A45-AD13-B0A8152C3150}">
+  <ds:schemaRefs>
+    <ds:schemaRef ds:uri="http://schemas.microsoft.com/office/2006/metadata/properties"/>
+    <ds:schemaRef ds:uri="http://schemas.microsoft.com/office/infopath/2007/PartnerControls"/>
+    <ds:schemaRef ds:uri="71af3243-3dd4-4a8d-8c0d-dd76da1f02a5"/>
+  </ds:schemaRefs>
+</ds:datastoreItem>
 </file>